--- a/tex/figures/RotationalDynamics/Figures.pptx
+++ b/tex/figures/RotationalDynamics/Figures.pptx
@@ -4578,7 +4578,7 @@
         </p:nvGrpSpPr>
         <p:grpSpPr>
           <a:xfrm>
-            <a:off x="1610282" y="1314503"/>
+            <a:off x="705714" y="891716"/>
             <a:ext cx="3563694" cy="3422751"/>
             <a:chOff x="5179987" y="3123739"/>
             <a:chExt cx="3563694" cy="3422751"/>
@@ -4698,8 +4698,8 @@
                   </a:fontRef>
                 </p:style>
               </p:cxnSp>
-              <mc:AlternateContent xmlns:mc="http://schemas.openxmlformats.org/markup-compatibility/2006">
-                <mc:Choice xmlns:a14="http://schemas.microsoft.com/office/drawing/2010/main" Requires="a14">
+              <mc:AlternateContent xmlns:mc="http://schemas.openxmlformats.org/markup-compatibility/2006" xmlns:a14="http://schemas.microsoft.com/office/drawing/2010/main">
+                <mc:Choice Requires="a14">
                   <p:sp>
                     <p:nvSpPr>
                       <p:cNvPr id="24" name="Rectangle 23"/>
@@ -4837,7 +4837,7 @@
                     </p:txBody>
                   </p:sp>
                 </mc:Choice>
-                <mc:Fallback>
+                <mc:Fallback xmlns="">
                   <p:sp>
                     <p:nvSpPr>
                       <p:cNvPr id="24" name="Rectangle 23"/>
@@ -4876,8 +4876,8 @@
                   </p:sp>
                 </mc:Fallback>
               </mc:AlternateContent>
-              <mc:AlternateContent xmlns:mc="http://schemas.openxmlformats.org/markup-compatibility/2006">
-                <mc:Choice xmlns:a14="http://schemas.microsoft.com/office/drawing/2010/main" Requires="a14">
+              <mc:AlternateContent xmlns:mc="http://schemas.openxmlformats.org/markup-compatibility/2006" xmlns:a14="http://schemas.microsoft.com/office/drawing/2010/main">
+                <mc:Choice Requires="a14">
                   <p:sp>
                     <p:nvSpPr>
                       <p:cNvPr id="25" name="Rectangle 24"/>
@@ -5014,7 +5014,7 @@
                     </p:txBody>
                   </p:sp>
                 </mc:Choice>
-                <mc:Fallback>
+                <mc:Fallback xmlns="">
                   <p:sp>
                     <p:nvSpPr>
                       <p:cNvPr id="25" name="Rectangle 24"/>
@@ -5053,8 +5053,8 @@
                   </p:sp>
                 </mc:Fallback>
               </mc:AlternateContent>
-              <mc:AlternateContent xmlns:mc="http://schemas.openxmlformats.org/markup-compatibility/2006">
-                <mc:Choice xmlns:a14="http://schemas.microsoft.com/office/drawing/2010/main" Requires="a14">
+              <mc:AlternateContent xmlns:mc="http://schemas.openxmlformats.org/markup-compatibility/2006" xmlns:a14="http://schemas.microsoft.com/office/drawing/2010/main">
+                <mc:Choice Requires="a14">
                   <p:sp>
                     <p:nvSpPr>
                       <p:cNvPr id="26" name="Rectangle 25"/>
@@ -5192,7 +5192,7 @@
                     </p:txBody>
                   </p:sp>
                 </mc:Choice>
-                <mc:Fallback>
+                <mc:Fallback xmlns="">
                   <p:sp>
                     <p:nvSpPr>
                       <p:cNvPr id="26" name="Rectangle 25"/>
@@ -5371,6 +5371,7 @@
                 <a:solidFill>
                   <a:schemeClr val="tx1"/>
                 </a:solidFill>
+                <a:prstDash val="sysDash"/>
               </a:ln>
             </p:spPr>
             <p:style>
@@ -5538,7 +5539,7 @@
                 </p:nvSpPr>
                 <p:spPr>
                   <a:xfrm>
-                    <a:off x="7115325" y="4690779"/>
+                    <a:off x="7165968" y="4641801"/>
                     <a:ext cx="374141" cy="369332"/>
                   </a:xfrm>
                   <a:prstGeom prst="rect">
@@ -5677,7 +5678,7 @@
                 </p:nvSpPr>
                 <p:spPr>
                   <a:xfrm>
-                    <a:off x="7115325" y="4690779"/>
+                    <a:off x="7165968" y="4641801"/>
                     <a:ext cx="374141" cy="369332"/>
                   </a:xfrm>
                   <a:prstGeom prst="rect">
@@ -5742,8 +5743,8 @@
               </a:fontRef>
             </p:style>
           </p:cxnSp>
-          <mc:AlternateContent xmlns:mc="http://schemas.openxmlformats.org/markup-compatibility/2006">
-            <mc:Choice xmlns:a14="http://schemas.microsoft.com/office/drawing/2010/main" Requires="a14">
+          <mc:AlternateContent xmlns:mc="http://schemas.openxmlformats.org/markup-compatibility/2006" xmlns:a14="http://schemas.microsoft.com/office/drawing/2010/main">
+            <mc:Choice Requires="a14">
               <p:sp>
                 <p:nvSpPr>
                   <p:cNvPr id="19" name="Rectangle 18"/>
@@ -5880,7 +5881,7 @@
                 </p:txBody>
               </p:sp>
             </mc:Choice>
-            <mc:Fallback>
+            <mc:Fallback xmlns="">
               <p:sp>
                 <p:nvSpPr>
                   <p:cNvPr id="19" name="Rectangle 18"/>
@@ -6038,7 +6039,7 @@
               </p:nvSpPr>
               <p:spPr>
                 <a:xfrm>
-                  <a:off x="7401213" y="4566318"/>
+                  <a:off x="7164630" y="4348248"/>
                   <a:ext cx="351635" cy="369332"/>
                 </a:xfrm>
                 <a:prstGeom prst="rect">
@@ -6189,7 +6190,7 @@
               </p:nvSpPr>
               <p:spPr>
                 <a:xfrm>
-                  <a:off x="7401213" y="4566318"/>
+                  <a:off x="7164630" y="4348248"/>
                   <a:ext cx="351635" cy="369332"/>
                 </a:xfrm>
                 <a:prstGeom prst="rect">
@@ -6198,7 +6199,7 @@
                 <a:blipFill>
                   <a:blip r:embed="rId7"/>
                   <a:stretch>
-                    <a:fillRect t="-22951" r="-28070"/>
+                    <a:fillRect t="-22951" r="-27586"/>
                   </a:stretch>
                 </a:blipFill>
               </p:spPr>
@@ -6217,8 +6218,8 @@
             </p:sp>
           </mc:Fallback>
         </mc:AlternateContent>
-        <mc:AlternateContent xmlns:mc="http://schemas.openxmlformats.org/markup-compatibility/2006">
-          <mc:Choice xmlns:a14="http://schemas.microsoft.com/office/drawing/2010/main" Requires="a14">
+        <mc:AlternateContent xmlns:mc="http://schemas.openxmlformats.org/markup-compatibility/2006" xmlns:a14="http://schemas.microsoft.com/office/drawing/2010/main">
+          <mc:Choice Requires="a14">
             <p:sp>
               <p:nvSpPr>
                 <p:cNvPr id="10" name="Rectangle 9"/>
@@ -6367,7 +6368,7 @@
               </p:txBody>
             </p:sp>
           </mc:Choice>
-          <mc:Fallback>
+          <mc:Fallback xmlns="">
             <p:sp>
               <p:nvSpPr>
                 <p:cNvPr id="10" name="Rectangle 9"/>
@@ -6406,8 +6407,8 @@
             </p:sp>
           </mc:Fallback>
         </mc:AlternateContent>
-        <mc:AlternateContent xmlns:mc="http://schemas.openxmlformats.org/markup-compatibility/2006">
-          <mc:Choice xmlns:a14="http://schemas.microsoft.com/office/drawing/2010/main" Requires="a14">
+        <mc:AlternateContent xmlns:mc="http://schemas.openxmlformats.org/markup-compatibility/2006" xmlns:a14="http://schemas.microsoft.com/office/drawing/2010/main">
+          <mc:Choice Requires="a14">
             <p:sp>
               <p:nvSpPr>
                 <p:cNvPr id="11" name="Rectangle 10"/>
@@ -6544,7 +6545,7 @@
               </p:txBody>
             </p:sp>
           </mc:Choice>
-          <mc:Fallback>
+          <mc:Fallback xmlns="">
             <p:sp>
               <p:nvSpPr>
                 <p:cNvPr id="11" name="Rectangle 10"/>
@@ -6583,8 +6584,8 @@
             </p:sp>
           </mc:Fallback>
         </mc:AlternateContent>
-        <mc:AlternateContent xmlns:mc="http://schemas.openxmlformats.org/markup-compatibility/2006">
-          <mc:Choice xmlns:a14="http://schemas.microsoft.com/office/drawing/2010/main" Requires="a14">
+        <mc:AlternateContent xmlns:mc="http://schemas.openxmlformats.org/markup-compatibility/2006" xmlns:a14="http://schemas.microsoft.com/office/drawing/2010/main">
+          <mc:Choice Requires="a14">
             <p:sp>
               <p:nvSpPr>
                 <p:cNvPr id="12" name="Rectangle 11"/>
@@ -6740,7 +6741,7 @@
               </p:txBody>
             </p:sp>
           </mc:Choice>
-          <mc:Fallback>
+          <mc:Fallback xmlns="">
             <p:sp>
               <p:nvSpPr>
                 <p:cNvPr id="12" name="Rectangle 11"/>
@@ -6779,8 +6780,8 @@
             </p:sp>
           </mc:Fallback>
         </mc:AlternateContent>
-        <mc:AlternateContent xmlns:mc="http://schemas.openxmlformats.org/markup-compatibility/2006">
-          <mc:Choice xmlns:a14="http://schemas.microsoft.com/office/drawing/2010/main" Requires="a14">
+        <mc:AlternateContent xmlns:mc="http://schemas.openxmlformats.org/markup-compatibility/2006" xmlns:a14="http://schemas.microsoft.com/office/drawing/2010/main">
+          <mc:Choice Requires="a14">
             <p:sp>
               <p:nvSpPr>
                 <p:cNvPr id="13" name="Rectangle 12"/>
@@ -6936,7 +6937,7 @@
               </p:txBody>
             </p:sp>
           </mc:Choice>
-          <mc:Fallback>
+          <mc:Fallback xmlns="">
             <p:sp>
               <p:nvSpPr>
                 <p:cNvPr id="13" name="Rectangle 12"/>
@@ -6957,6 +6958,1667 @@
                   <a:blip r:embed="rId11"/>
                   <a:stretch>
                     <a:fillRect b="-3125"/>
+                  </a:stretch>
+                </a:blipFill>
+              </p:spPr>
+              <p:txBody>
+                <a:bodyPr/>
+                <a:lstStyle/>
+                <a:p>
+                  <a:r>
+                    <a:rPr lang="en-US">
+                      <a:noFill/>
+                    </a:rPr>
+                    <a:t> </a:t>
+                  </a:r>
+                </a:p>
+              </p:txBody>
+            </p:sp>
+          </mc:Fallback>
+        </mc:AlternateContent>
+      </p:grpSp>
+      <p:grpSp>
+        <p:nvGrpSpPr>
+          <p:cNvPr id="75" name="Group 74"/>
+          <p:cNvGrpSpPr/>
+          <p:nvPr/>
+        </p:nvGrpSpPr>
+        <p:grpSpPr>
+          <a:xfrm>
+            <a:off x="5784076" y="891716"/>
+            <a:ext cx="3563694" cy="3532552"/>
+            <a:chOff x="5784076" y="891716"/>
+            <a:chExt cx="3563694" cy="3532552"/>
+          </a:xfrm>
+        </p:grpSpPr>
+        <p:grpSp>
+          <p:nvGrpSpPr>
+            <p:cNvPr id="71" name="Group 70"/>
+            <p:cNvGrpSpPr/>
+            <p:nvPr/>
+          </p:nvGrpSpPr>
+          <p:grpSpPr>
+            <a:xfrm>
+              <a:off x="5784076" y="891716"/>
+              <a:ext cx="3563694" cy="3532552"/>
+              <a:chOff x="5784076" y="891716"/>
+              <a:chExt cx="3563694" cy="3532552"/>
+            </a:xfrm>
+          </p:grpSpPr>
+          <p:grpSp>
+            <p:nvGrpSpPr>
+              <p:cNvPr id="55" name="Group 54"/>
+              <p:cNvGrpSpPr/>
+              <p:nvPr/>
+            </p:nvGrpSpPr>
+            <p:grpSpPr>
+              <a:xfrm>
+                <a:off x="5784076" y="891716"/>
+                <a:ext cx="3563694" cy="3532552"/>
+                <a:chOff x="5784076" y="891716"/>
+                <a:chExt cx="3563694" cy="3532552"/>
+              </a:xfrm>
+            </p:grpSpPr>
+            <p:grpSp>
+              <p:nvGrpSpPr>
+                <p:cNvPr id="53" name="Group 52"/>
+                <p:cNvGrpSpPr/>
+                <p:nvPr/>
+              </p:nvGrpSpPr>
+              <p:grpSpPr>
+                <a:xfrm>
+                  <a:off x="5784076" y="891716"/>
+                  <a:ext cx="3563694" cy="3532552"/>
+                  <a:chOff x="5784076" y="891716"/>
+                  <a:chExt cx="3563694" cy="3532552"/>
+                </a:xfrm>
+              </p:grpSpPr>
+              <p:grpSp>
+                <p:nvGrpSpPr>
+                  <p:cNvPr id="29" name="Group 28"/>
+                  <p:cNvGrpSpPr/>
+                  <p:nvPr/>
+                </p:nvGrpSpPr>
+                <p:grpSpPr>
+                  <a:xfrm>
+                    <a:off x="5784076" y="1001517"/>
+                    <a:ext cx="3563694" cy="3422751"/>
+                    <a:chOff x="5179987" y="3123739"/>
+                    <a:chExt cx="3563694" cy="3422751"/>
+                  </a:xfrm>
+                </p:grpSpPr>
+                <p:grpSp>
+                  <p:nvGrpSpPr>
+                    <p:cNvPr id="45" name="Group 44"/>
+                    <p:cNvGrpSpPr/>
+                    <p:nvPr/>
+                  </p:nvGrpSpPr>
+                  <p:grpSpPr>
+                    <a:xfrm>
+                      <a:off x="5179987" y="3123739"/>
+                      <a:ext cx="3563694" cy="3422751"/>
+                      <a:chOff x="-190403" y="680744"/>
+                      <a:chExt cx="3563694" cy="3422751"/>
+                    </a:xfrm>
+                  </p:grpSpPr>
+                  <p:cxnSp>
+                    <p:nvCxnSpPr>
+                      <p:cNvPr id="47" name="Straight Arrow Connector 46"/>
+                      <p:cNvCxnSpPr/>
+                      <p:nvPr/>
+                    </p:nvCxnSpPr>
+                    <p:spPr>
+                      <a:xfrm flipV="1">
+                        <a:off x="1498387" y="680744"/>
+                        <a:ext cx="25880" cy="3422751"/>
+                      </a:xfrm>
+                      <a:prstGeom prst="straightConnector1">
+                        <a:avLst/>
+                      </a:prstGeom>
+                      <a:ln w="38100">
+                        <a:solidFill>
+                          <a:schemeClr val="tx1"/>
+                        </a:solidFill>
+                        <a:tailEnd type="triangle"/>
+                      </a:ln>
+                    </p:spPr>
+                    <p:style>
+                      <a:lnRef idx="1">
+                        <a:schemeClr val="accent1"/>
+                      </a:lnRef>
+                      <a:fillRef idx="0">
+                        <a:schemeClr val="accent1"/>
+                      </a:fillRef>
+                      <a:effectRef idx="0">
+                        <a:schemeClr val="accent1"/>
+                      </a:effectRef>
+                      <a:fontRef idx="minor">
+                        <a:schemeClr val="tx1"/>
+                      </a:fontRef>
+                    </p:style>
+                  </p:cxnSp>
+                  <p:cxnSp>
+                    <p:nvCxnSpPr>
+                      <p:cNvPr id="48" name="Straight Arrow Connector 47"/>
+                      <p:cNvCxnSpPr/>
+                      <p:nvPr/>
+                    </p:nvCxnSpPr>
+                    <p:spPr>
+                      <a:xfrm flipV="1">
+                        <a:off x="-190403" y="2526634"/>
+                        <a:ext cx="3563694" cy="19896"/>
+                      </a:xfrm>
+                      <a:prstGeom prst="straightConnector1">
+                        <a:avLst/>
+                      </a:prstGeom>
+                      <a:ln w="38100">
+                        <a:solidFill>
+                          <a:schemeClr val="tx1"/>
+                        </a:solidFill>
+                        <a:tailEnd type="triangle"/>
+                      </a:ln>
+                    </p:spPr>
+                    <p:style>
+                      <a:lnRef idx="1">
+                        <a:schemeClr val="accent1"/>
+                      </a:lnRef>
+                      <a:fillRef idx="0">
+                        <a:schemeClr val="accent1"/>
+                      </a:fillRef>
+                      <a:effectRef idx="0">
+                        <a:schemeClr val="accent1"/>
+                      </a:effectRef>
+                      <a:fontRef idx="minor">
+                        <a:schemeClr val="tx1"/>
+                      </a:fontRef>
+                    </p:style>
+                  </p:cxnSp>
+                  <mc:AlternateContent xmlns:mc="http://schemas.openxmlformats.org/markup-compatibility/2006" xmlns:a14="http://schemas.microsoft.com/office/drawing/2010/main">
+                    <mc:Choice Requires="a14">
+                      <p:sp>
+                        <p:nvSpPr>
+                          <p:cNvPr id="49" name="Rectangle 48"/>
+                          <p:cNvSpPr/>
+                          <p:nvPr/>
+                        </p:nvSpPr>
+                        <p:spPr>
+                          <a:xfrm>
+                            <a:off x="2897675" y="2457728"/>
+                            <a:ext cx="367985" cy="369332"/>
+                          </a:xfrm>
+                          <a:prstGeom prst="rect">
+                            <a:avLst/>
+                          </a:prstGeom>
+                        </p:spPr>
+                        <p:txBody>
+                          <a:bodyPr wrap="none">
+                            <a:spAutoFit/>
+                          </a:bodyPr>
+                          <a:lstStyle>
+                            <a:defPPr>
+                              <a:defRPr lang="en-US"/>
+                            </a:defPPr>
+                            <a:lvl1pPr marL="0" algn="l" defTabSz="914400" rtl="0" eaLnBrk="1" latinLnBrk="0" hangingPunct="1">
+                              <a:defRPr sz="1800" kern="1200">
+                                <a:solidFill>
+                                  <a:schemeClr val="tx1"/>
+                                </a:solidFill>
+                                <a:latin typeface="+mn-lt"/>
+                                <a:ea typeface="+mn-ea"/>
+                                <a:cs typeface="+mn-cs"/>
+                              </a:defRPr>
+                            </a:lvl1pPr>
+                            <a:lvl2pPr marL="457200" algn="l" defTabSz="914400" rtl="0" eaLnBrk="1" latinLnBrk="0" hangingPunct="1">
+                              <a:defRPr sz="1800" kern="1200">
+                                <a:solidFill>
+                                  <a:schemeClr val="tx1"/>
+                                </a:solidFill>
+                                <a:latin typeface="+mn-lt"/>
+                                <a:ea typeface="+mn-ea"/>
+                                <a:cs typeface="+mn-cs"/>
+                              </a:defRPr>
+                            </a:lvl2pPr>
+                            <a:lvl3pPr marL="914400" algn="l" defTabSz="914400" rtl="0" eaLnBrk="1" latinLnBrk="0" hangingPunct="1">
+                              <a:defRPr sz="1800" kern="1200">
+                                <a:solidFill>
+                                  <a:schemeClr val="tx1"/>
+                                </a:solidFill>
+                                <a:latin typeface="+mn-lt"/>
+                                <a:ea typeface="+mn-ea"/>
+                                <a:cs typeface="+mn-cs"/>
+                              </a:defRPr>
+                            </a:lvl3pPr>
+                            <a:lvl4pPr marL="1371600" algn="l" defTabSz="914400" rtl="0" eaLnBrk="1" latinLnBrk="0" hangingPunct="1">
+                              <a:defRPr sz="1800" kern="1200">
+                                <a:solidFill>
+                                  <a:schemeClr val="tx1"/>
+                                </a:solidFill>
+                                <a:latin typeface="+mn-lt"/>
+                                <a:ea typeface="+mn-ea"/>
+                                <a:cs typeface="+mn-cs"/>
+                              </a:defRPr>
+                            </a:lvl4pPr>
+                            <a:lvl5pPr marL="1828800" algn="l" defTabSz="914400" rtl="0" eaLnBrk="1" latinLnBrk="0" hangingPunct="1">
+                              <a:defRPr sz="1800" kern="1200">
+                                <a:solidFill>
+                                  <a:schemeClr val="tx1"/>
+                                </a:solidFill>
+                                <a:latin typeface="+mn-lt"/>
+                                <a:ea typeface="+mn-ea"/>
+                                <a:cs typeface="+mn-cs"/>
+                              </a:defRPr>
+                            </a:lvl5pPr>
+                            <a:lvl6pPr marL="2286000" algn="l" defTabSz="914400" rtl="0" eaLnBrk="1" latinLnBrk="0" hangingPunct="1">
+                              <a:defRPr sz="1800" kern="1200">
+                                <a:solidFill>
+                                  <a:schemeClr val="tx1"/>
+                                </a:solidFill>
+                                <a:latin typeface="+mn-lt"/>
+                                <a:ea typeface="+mn-ea"/>
+                                <a:cs typeface="+mn-cs"/>
+                              </a:defRPr>
+                            </a:lvl6pPr>
+                            <a:lvl7pPr marL="2743200" algn="l" defTabSz="914400" rtl="0" eaLnBrk="1" latinLnBrk="0" hangingPunct="1">
+                              <a:defRPr sz="1800" kern="1200">
+                                <a:solidFill>
+                                  <a:schemeClr val="tx1"/>
+                                </a:solidFill>
+                                <a:latin typeface="+mn-lt"/>
+                                <a:ea typeface="+mn-ea"/>
+                                <a:cs typeface="+mn-cs"/>
+                              </a:defRPr>
+                            </a:lvl7pPr>
+                            <a:lvl8pPr marL="3200400" algn="l" defTabSz="914400" rtl="0" eaLnBrk="1" latinLnBrk="0" hangingPunct="1">
+                              <a:defRPr sz="1800" kern="1200">
+                                <a:solidFill>
+                                  <a:schemeClr val="tx1"/>
+                                </a:solidFill>
+                                <a:latin typeface="+mn-lt"/>
+                                <a:ea typeface="+mn-ea"/>
+                                <a:cs typeface="+mn-cs"/>
+                              </a:defRPr>
+                            </a:lvl8pPr>
+                            <a:lvl9pPr marL="3657600" algn="l" defTabSz="914400" rtl="0" eaLnBrk="1" latinLnBrk="0" hangingPunct="1">
+                              <a:defRPr sz="1800" kern="1200">
+                                <a:solidFill>
+                                  <a:schemeClr val="tx1"/>
+                                </a:solidFill>
+                                <a:latin typeface="+mn-lt"/>
+                                <a:ea typeface="+mn-ea"/>
+                                <a:cs typeface="+mn-cs"/>
+                              </a:defRPr>
+                            </a:lvl9pPr>
+                          </a:lstStyle>
+                          <a:p>
+                            <a:pPr/>
+                            <a14:m>
+                              <m:oMathPara xmlns:m="http://schemas.openxmlformats.org/officeDocument/2006/math">
+                                <m:oMathParaPr>
+                                  <m:jc m:val="centerGroup"/>
+                                </m:oMathParaPr>
+                                <m:oMath xmlns:m="http://schemas.openxmlformats.org/officeDocument/2006/math">
+                                  <m:r>
+                                    <a:rPr lang="en-US" i="1">
+                                      <a:latin typeface="Cambria Math" panose="02040503050406030204" pitchFamily="18" charset="0"/>
+                                      <a:cs typeface="Arial" panose="020B0604020202020204" pitchFamily="34" charset="0"/>
+                                    </a:rPr>
+                                    <m:t>𝑥</m:t>
+                                  </m:r>
+                                </m:oMath>
+                              </m:oMathPara>
+                            </a14:m>
+                            <a:endParaRPr lang="en-CA" dirty="0"/>
+                          </a:p>
+                        </p:txBody>
+                      </p:sp>
+                    </mc:Choice>
+                    <mc:Fallback xmlns="">
+                      <p:sp>
+                        <p:nvSpPr>
+                          <p:cNvPr id="24" name="Rectangle 23"/>
+                          <p:cNvSpPr>
+                            <a:spLocks noRot="1" noChangeAspect="1" noMove="1" noResize="1" noEditPoints="1" noAdjustHandles="1" noChangeArrowheads="1" noChangeShapeType="1" noTextEdit="1"/>
+                          </p:cNvSpPr>
+                          <p:nvPr/>
+                        </p:nvSpPr>
+                        <p:spPr>
+                          <a:xfrm>
+                            <a:off x="2897675" y="2457728"/>
+                            <a:ext cx="367985" cy="369332"/>
+                          </a:xfrm>
+                          <a:prstGeom prst="rect">
+                            <a:avLst/>
+                          </a:prstGeom>
+                          <a:blipFill>
+                            <a:blip r:embed="rId2"/>
+                            <a:stretch>
+                              <a:fillRect/>
+                            </a:stretch>
+                          </a:blipFill>
+                        </p:spPr>
+                        <p:txBody>
+                          <a:bodyPr/>
+                          <a:lstStyle/>
+                          <a:p>
+                            <a:r>
+                              <a:rPr lang="en-US">
+                                <a:noFill/>
+                              </a:rPr>
+                              <a:t> </a:t>
+                            </a:r>
+                          </a:p>
+                        </p:txBody>
+                      </p:sp>
+                    </mc:Fallback>
+                  </mc:AlternateContent>
+                  <mc:AlternateContent xmlns:mc="http://schemas.openxmlformats.org/markup-compatibility/2006" xmlns:a14="http://schemas.microsoft.com/office/drawing/2010/main">
+                    <mc:Choice Requires="a14">
+                      <p:sp>
+                        <p:nvSpPr>
+                          <p:cNvPr id="50" name="Rectangle 49"/>
+                          <p:cNvSpPr/>
+                          <p:nvPr/>
+                        </p:nvSpPr>
+                        <p:spPr>
+                          <a:xfrm>
+                            <a:off x="1190506" y="790545"/>
+                            <a:ext cx="371384" cy="369332"/>
+                          </a:xfrm>
+                          <a:prstGeom prst="rect">
+                            <a:avLst/>
+                          </a:prstGeom>
+                        </p:spPr>
+                        <p:txBody>
+                          <a:bodyPr wrap="none">
+                            <a:spAutoFit/>
+                          </a:bodyPr>
+                          <a:lstStyle>
+                            <a:defPPr>
+                              <a:defRPr lang="en-US"/>
+                            </a:defPPr>
+                            <a:lvl1pPr marL="0" algn="l" defTabSz="914400" rtl="0" eaLnBrk="1" latinLnBrk="0" hangingPunct="1">
+                              <a:defRPr sz="1800" kern="1200">
+                                <a:solidFill>
+                                  <a:schemeClr val="tx1"/>
+                                </a:solidFill>
+                                <a:latin typeface="+mn-lt"/>
+                                <a:ea typeface="+mn-ea"/>
+                                <a:cs typeface="+mn-cs"/>
+                              </a:defRPr>
+                            </a:lvl1pPr>
+                            <a:lvl2pPr marL="457200" algn="l" defTabSz="914400" rtl="0" eaLnBrk="1" latinLnBrk="0" hangingPunct="1">
+                              <a:defRPr sz="1800" kern="1200">
+                                <a:solidFill>
+                                  <a:schemeClr val="tx1"/>
+                                </a:solidFill>
+                                <a:latin typeface="+mn-lt"/>
+                                <a:ea typeface="+mn-ea"/>
+                                <a:cs typeface="+mn-cs"/>
+                              </a:defRPr>
+                            </a:lvl2pPr>
+                            <a:lvl3pPr marL="914400" algn="l" defTabSz="914400" rtl="0" eaLnBrk="1" latinLnBrk="0" hangingPunct="1">
+                              <a:defRPr sz="1800" kern="1200">
+                                <a:solidFill>
+                                  <a:schemeClr val="tx1"/>
+                                </a:solidFill>
+                                <a:latin typeface="+mn-lt"/>
+                                <a:ea typeface="+mn-ea"/>
+                                <a:cs typeface="+mn-cs"/>
+                              </a:defRPr>
+                            </a:lvl3pPr>
+                            <a:lvl4pPr marL="1371600" algn="l" defTabSz="914400" rtl="0" eaLnBrk="1" latinLnBrk="0" hangingPunct="1">
+                              <a:defRPr sz="1800" kern="1200">
+                                <a:solidFill>
+                                  <a:schemeClr val="tx1"/>
+                                </a:solidFill>
+                                <a:latin typeface="+mn-lt"/>
+                                <a:ea typeface="+mn-ea"/>
+                                <a:cs typeface="+mn-cs"/>
+                              </a:defRPr>
+                            </a:lvl4pPr>
+                            <a:lvl5pPr marL="1828800" algn="l" defTabSz="914400" rtl="0" eaLnBrk="1" latinLnBrk="0" hangingPunct="1">
+                              <a:defRPr sz="1800" kern="1200">
+                                <a:solidFill>
+                                  <a:schemeClr val="tx1"/>
+                                </a:solidFill>
+                                <a:latin typeface="+mn-lt"/>
+                                <a:ea typeface="+mn-ea"/>
+                                <a:cs typeface="+mn-cs"/>
+                              </a:defRPr>
+                            </a:lvl5pPr>
+                            <a:lvl6pPr marL="2286000" algn="l" defTabSz="914400" rtl="0" eaLnBrk="1" latinLnBrk="0" hangingPunct="1">
+                              <a:defRPr sz="1800" kern="1200">
+                                <a:solidFill>
+                                  <a:schemeClr val="tx1"/>
+                                </a:solidFill>
+                                <a:latin typeface="+mn-lt"/>
+                                <a:ea typeface="+mn-ea"/>
+                                <a:cs typeface="+mn-cs"/>
+                              </a:defRPr>
+                            </a:lvl6pPr>
+                            <a:lvl7pPr marL="2743200" algn="l" defTabSz="914400" rtl="0" eaLnBrk="1" latinLnBrk="0" hangingPunct="1">
+                              <a:defRPr sz="1800" kern="1200">
+                                <a:solidFill>
+                                  <a:schemeClr val="tx1"/>
+                                </a:solidFill>
+                                <a:latin typeface="+mn-lt"/>
+                                <a:ea typeface="+mn-ea"/>
+                                <a:cs typeface="+mn-cs"/>
+                              </a:defRPr>
+                            </a:lvl7pPr>
+                            <a:lvl8pPr marL="3200400" algn="l" defTabSz="914400" rtl="0" eaLnBrk="1" latinLnBrk="0" hangingPunct="1">
+                              <a:defRPr sz="1800" kern="1200">
+                                <a:solidFill>
+                                  <a:schemeClr val="tx1"/>
+                                </a:solidFill>
+                                <a:latin typeface="+mn-lt"/>
+                                <a:ea typeface="+mn-ea"/>
+                                <a:cs typeface="+mn-cs"/>
+                              </a:defRPr>
+                            </a:lvl8pPr>
+                            <a:lvl9pPr marL="3657600" algn="l" defTabSz="914400" rtl="0" eaLnBrk="1" latinLnBrk="0" hangingPunct="1">
+                              <a:defRPr sz="1800" kern="1200">
+                                <a:solidFill>
+                                  <a:schemeClr val="tx1"/>
+                                </a:solidFill>
+                                <a:latin typeface="+mn-lt"/>
+                                <a:ea typeface="+mn-ea"/>
+                                <a:cs typeface="+mn-cs"/>
+                              </a:defRPr>
+                            </a:lvl9pPr>
+                          </a:lstStyle>
+                          <a:p>
+                            <a:pPr/>
+                            <a14:m>
+                              <m:oMathPara xmlns:m="http://schemas.openxmlformats.org/officeDocument/2006/math">
+                                <m:oMathParaPr>
+                                  <m:jc m:val="centerGroup"/>
+                                </m:oMathParaPr>
+                                <m:oMath xmlns:m="http://schemas.openxmlformats.org/officeDocument/2006/math">
+                                  <m:r>
+                                    <a:rPr lang="en-US" b="0" i="1" smtClean="0">
+                                      <a:latin typeface="Cambria Math" panose="02040503050406030204" pitchFamily="18" charset="0"/>
+                                    </a:rPr>
+                                    <m:t>𝑦</m:t>
+                                  </m:r>
+                                </m:oMath>
+                              </m:oMathPara>
+                            </a14:m>
+                            <a:endParaRPr lang="en-CA" dirty="0"/>
+                          </a:p>
+                        </p:txBody>
+                      </p:sp>
+                    </mc:Choice>
+                    <mc:Fallback xmlns="">
+                      <p:sp>
+                        <p:nvSpPr>
+                          <p:cNvPr id="25" name="Rectangle 24"/>
+                          <p:cNvSpPr>
+                            <a:spLocks noRot="1" noChangeAspect="1" noMove="1" noResize="1" noEditPoints="1" noAdjustHandles="1" noChangeArrowheads="1" noChangeShapeType="1" noTextEdit="1"/>
+                          </p:cNvSpPr>
+                          <p:nvPr/>
+                        </p:nvSpPr>
+                        <p:spPr>
+                          <a:xfrm>
+                            <a:off x="1190506" y="790545"/>
+                            <a:ext cx="371384" cy="369332"/>
+                          </a:xfrm>
+                          <a:prstGeom prst="rect">
+                            <a:avLst/>
+                          </a:prstGeom>
+                          <a:blipFill>
+                            <a:blip r:embed="rId3"/>
+                            <a:stretch>
+                              <a:fillRect b="-6667"/>
+                            </a:stretch>
+                          </a:blipFill>
+                        </p:spPr>
+                        <p:txBody>
+                          <a:bodyPr/>
+                          <a:lstStyle/>
+                          <a:p>
+                            <a:r>
+                              <a:rPr lang="en-US">
+                                <a:noFill/>
+                              </a:rPr>
+                              <a:t> </a:t>
+                            </a:r>
+                          </a:p>
+                        </p:txBody>
+                      </p:sp>
+                    </mc:Fallback>
+                  </mc:AlternateContent>
+                  <mc:AlternateContent xmlns:mc="http://schemas.openxmlformats.org/markup-compatibility/2006" xmlns:a14="http://schemas.microsoft.com/office/drawing/2010/main">
+                    <mc:Choice Requires="a14">
+                      <p:sp>
+                        <p:nvSpPr>
+                          <p:cNvPr id="51" name="Rectangle 50"/>
+                          <p:cNvSpPr/>
+                          <p:nvPr/>
+                        </p:nvSpPr>
+                        <p:spPr>
+                          <a:xfrm>
+                            <a:off x="1153400" y="2526634"/>
+                            <a:ext cx="367985" cy="369332"/>
+                          </a:xfrm>
+                          <a:prstGeom prst="rect">
+                            <a:avLst/>
+                          </a:prstGeom>
+                        </p:spPr>
+                        <p:txBody>
+                          <a:bodyPr wrap="none">
+                            <a:spAutoFit/>
+                          </a:bodyPr>
+                          <a:lstStyle>
+                            <a:defPPr>
+                              <a:defRPr lang="en-US"/>
+                            </a:defPPr>
+                            <a:lvl1pPr marL="0" algn="l" defTabSz="914400" rtl="0" eaLnBrk="1" latinLnBrk="0" hangingPunct="1">
+                              <a:defRPr sz="1800" kern="1200">
+                                <a:solidFill>
+                                  <a:schemeClr val="tx1"/>
+                                </a:solidFill>
+                                <a:latin typeface="+mn-lt"/>
+                                <a:ea typeface="+mn-ea"/>
+                                <a:cs typeface="+mn-cs"/>
+                              </a:defRPr>
+                            </a:lvl1pPr>
+                            <a:lvl2pPr marL="457200" algn="l" defTabSz="914400" rtl="0" eaLnBrk="1" latinLnBrk="0" hangingPunct="1">
+                              <a:defRPr sz="1800" kern="1200">
+                                <a:solidFill>
+                                  <a:schemeClr val="tx1"/>
+                                </a:solidFill>
+                                <a:latin typeface="+mn-lt"/>
+                                <a:ea typeface="+mn-ea"/>
+                                <a:cs typeface="+mn-cs"/>
+                              </a:defRPr>
+                            </a:lvl2pPr>
+                            <a:lvl3pPr marL="914400" algn="l" defTabSz="914400" rtl="0" eaLnBrk="1" latinLnBrk="0" hangingPunct="1">
+                              <a:defRPr sz="1800" kern="1200">
+                                <a:solidFill>
+                                  <a:schemeClr val="tx1"/>
+                                </a:solidFill>
+                                <a:latin typeface="+mn-lt"/>
+                                <a:ea typeface="+mn-ea"/>
+                                <a:cs typeface="+mn-cs"/>
+                              </a:defRPr>
+                            </a:lvl3pPr>
+                            <a:lvl4pPr marL="1371600" algn="l" defTabSz="914400" rtl="0" eaLnBrk="1" latinLnBrk="0" hangingPunct="1">
+                              <a:defRPr sz="1800" kern="1200">
+                                <a:solidFill>
+                                  <a:schemeClr val="tx1"/>
+                                </a:solidFill>
+                                <a:latin typeface="+mn-lt"/>
+                                <a:ea typeface="+mn-ea"/>
+                                <a:cs typeface="+mn-cs"/>
+                              </a:defRPr>
+                            </a:lvl4pPr>
+                            <a:lvl5pPr marL="1828800" algn="l" defTabSz="914400" rtl="0" eaLnBrk="1" latinLnBrk="0" hangingPunct="1">
+                              <a:defRPr sz="1800" kern="1200">
+                                <a:solidFill>
+                                  <a:schemeClr val="tx1"/>
+                                </a:solidFill>
+                                <a:latin typeface="+mn-lt"/>
+                                <a:ea typeface="+mn-ea"/>
+                                <a:cs typeface="+mn-cs"/>
+                              </a:defRPr>
+                            </a:lvl5pPr>
+                            <a:lvl6pPr marL="2286000" algn="l" defTabSz="914400" rtl="0" eaLnBrk="1" latinLnBrk="0" hangingPunct="1">
+                              <a:defRPr sz="1800" kern="1200">
+                                <a:solidFill>
+                                  <a:schemeClr val="tx1"/>
+                                </a:solidFill>
+                                <a:latin typeface="+mn-lt"/>
+                                <a:ea typeface="+mn-ea"/>
+                                <a:cs typeface="+mn-cs"/>
+                              </a:defRPr>
+                            </a:lvl6pPr>
+                            <a:lvl7pPr marL="2743200" algn="l" defTabSz="914400" rtl="0" eaLnBrk="1" latinLnBrk="0" hangingPunct="1">
+                              <a:defRPr sz="1800" kern="1200">
+                                <a:solidFill>
+                                  <a:schemeClr val="tx1"/>
+                                </a:solidFill>
+                                <a:latin typeface="+mn-lt"/>
+                                <a:ea typeface="+mn-ea"/>
+                                <a:cs typeface="+mn-cs"/>
+                              </a:defRPr>
+                            </a:lvl7pPr>
+                            <a:lvl8pPr marL="3200400" algn="l" defTabSz="914400" rtl="0" eaLnBrk="1" latinLnBrk="0" hangingPunct="1">
+                              <a:defRPr sz="1800" kern="1200">
+                                <a:solidFill>
+                                  <a:schemeClr val="tx1"/>
+                                </a:solidFill>
+                                <a:latin typeface="+mn-lt"/>
+                                <a:ea typeface="+mn-ea"/>
+                                <a:cs typeface="+mn-cs"/>
+                              </a:defRPr>
+                            </a:lvl8pPr>
+                            <a:lvl9pPr marL="3657600" algn="l" defTabSz="914400" rtl="0" eaLnBrk="1" latinLnBrk="0" hangingPunct="1">
+                              <a:defRPr sz="1800" kern="1200">
+                                <a:solidFill>
+                                  <a:schemeClr val="tx1"/>
+                                </a:solidFill>
+                                <a:latin typeface="+mn-lt"/>
+                                <a:ea typeface="+mn-ea"/>
+                                <a:cs typeface="+mn-cs"/>
+                              </a:defRPr>
+                            </a:lvl9pPr>
+                          </a:lstStyle>
+                          <a:p>
+                            <a:pPr/>
+                            <a14:m>
+                              <m:oMathPara xmlns:m="http://schemas.openxmlformats.org/officeDocument/2006/math">
+                                <m:oMathParaPr>
+                                  <m:jc m:val="centerGroup"/>
+                                </m:oMathParaPr>
+                                <m:oMath xmlns:m="http://schemas.openxmlformats.org/officeDocument/2006/math">
+                                  <m:r>
+                                    <a:rPr lang="en-US" b="0" i="1" smtClean="0">
+                                      <a:latin typeface="Cambria Math" panose="02040503050406030204" pitchFamily="18" charset="0"/>
+                                      <a:cs typeface="Arial" panose="020B0604020202020204" pitchFamily="34" charset="0"/>
+                                    </a:rPr>
+                                    <m:t>0</m:t>
+                                  </m:r>
+                                </m:oMath>
+                              </m:oMathPara>
+                            </a14:m>
+                            <a:endParaRPr lang="en-CA" dirty="0"/>
+                          </a:p>
+                        </p:txBody>
+                      </p:sp>
+                    </mc:Choice>
+                    <mc:Fallback xmlns="">
+                      <p:sp>
+                        <p:nvSpPr>
+                          <p:cNvPr id="26" name="Rectangle 25"/>
+                          <p:cNvSpPr>
+                            <a:spLocks noRot="1" noChangeAspect="1" noMove="1" noResize="1" noEditPoints="1" noAdjustHandles="1" noChangeArrowheads="1" noChangeShapeType="1" noTextEdit="1"/>
+                          </p:cNvSpPr>
+                          <p:nvPr/>
+                        </p:nvSpPr>
+                        <p:spPr>
+                          <a:xfrm>
+                            <a:off x="1153400" y="2526634"/>
+                            <a:ext cx="367985" cy="369332"/>
+                          </a:xfrm>
+                          <a:prstGeom prst="rect">
+                            <a:avLst/>
+                          </a:prstGeom>
+                          <a:blipFill>
+                            <a:blip r:embed="rId4"/>
+                            <a:stretch>
+                              <a:fillRect/>
+                            </a:stretch>
+                          </a:blipFill>
+                        </p:spPr>
+                        <p:txBody>
+                          <a:bodyPr/>
+                          <a:lstStyle/>
+                          <a:p>
+                            <a:r>
+                              <a:rPr lang="en-US">
+                                <a:noFill/>
+                              </a:rPr>
+                              <a:t> </a:t>
+                            </a:r>
+                          </a:p>
+                        </p:txBody>
+                      </p:sp>
+                    </mc:Fallback>
+                  </mc:AlternateContent>
+                </p:grpSp>
+                <p:cxnSp>
+                  <p:nvCxnSpPr>
+                    <p:cNvPr id="31" name="Straight Arrow Connector 30"/>
+                    <p:cNvCxnSpPr/>
+                    <p:nvPr/>
+                  </p:nvCxnSpPr>
+                  <p:spPr>
+                    <a:xfrm flipV="1">
+                      <a:off x="7797204" y="3644083"/>
+                      <a:ext cx="89311" cy="837392"/>
+                    </a:xfrm>
+                    <a:prstGeom prst="straightConnector1">
+                      <a:avLst/>
+                    </a:prstGeom>
+                    <a:ln w="38100">
+                      <a:solidFill>
+                        <a:schemeClr val="tx1"/>
+                      </a:solidFill>
+                      <a:tailEnd type="triangle"/>
+                    </a:ln>
+                  </p:spPr>
+                  <p:style>
+                    <a:lnRef idx="1">
+                      <a:schemeClr val="accent1"/>
+                    </a:lnRef>
+                    <a:fillRef idx="0">
+                      <a:schemeClr val="accent1"/>
+                    </a:fillRef>
+                    <a:effectRef idx="0">
+                      <a:schemeClr val="accent1"/>
+                    </a:effectRef>
+                    <a:fontRef idx="minor">
+                      <a:schemeClr val="tx1"/>
+                    </a:fontRef>
+                  </p:style>
+                </p:cxnSp>
+                <p:cxnSp>
+                  <p:nvCxnSpPr>
+                    <p:cNvPr id="33" name="Straight Arrow Connector 32"/>
+                    <p:cNvCxnSpPr/>
+                    <p:nvPr/>
+                  </p:nvCxnSpPr>
+                  <p:spPr>
+                    <a:xfrm flipV="1">
+                      <a:off x="6881717" y="4473513"/>
+                      <a:ext cx="915487" cy="496116"/>
+                    </a:xfrm>
+                    <a:prstGeom prst="straightConnector1">
+                      <a:avLst/>
+                    </a:prstGeom>
+                    <a:ln w="38100">
+                      <a:solidFill>
+                        <a:schemeClr val="tx1"/>
+                      </a:solidFill>
+                      <a:tailEnd type="triangle"/>
+                    </a:ln>
+                  </p:spPr>
+                  <p:style>
+                    <a:lnRef idx="1">
+                      <a:schemeClr val="accent1"/>
+                    </a:lnRef>
+                    <a:fillRef idx="0">
+                      <a:schemeClr val="accent1"/>
+                    </a:fillRef>
+                    <a:effectRef idx="0">
+                      <a:schemeClr val="accent1"/>
+                    </a:effectRef>
+                    <a:fontRef idx="minor">
+                      <a:schemeClr val="tx1"/>
+                    </a:fontRef>
+                  </p:style>
+                </p:cxnSp>
+                <mc:AlternateContent xmlns:mc="http://schemas.openxmlformats.org/markup-compatibility/2006">
+                  <mc:Choice xmlns:a14="http://schemas.microsoft.com/office/drawing/2010/main" Requires="a14">
+                    <p:sp>
+                      <p:nvSpPr>
+                        <p:cNvPr id="34" name="Rectangle 33"/>
+                        <p:cNvSpPr/>
+                        <p:nvPr/>
+                      </p:nvSpPr>
+                      <p:spPr>
+                        <a:xfrm>
+                          <a:off x="7164630" y="4348248"/>
+                          <a:ext cx="351635" cy="369332"/>
+                        </a:xfrm>
+                        <a:prstGeom prst="rect">
+                          <a:avLst/>
+                        </a:prstGeom>
+                      </p:spPr>
+                      <p:txBody>
+                        <a:bodyPr wrap="none">
+                          <a:spAutoFit/>
+                        </a:bodyPr>
+                        <a:lstStyle>
+                          <a:defPPr>
+                            <a:defRPr lang="en-US"/>
+                          </a:defPPr>
+                          <a:lvl1pPr marL="0" algn="l" defTabSz="914400" rtl="0" eaLnBrk="1" latinLnBrk="0" hangingPunct="1">
+                            <a:defRPr sz="1800" kern="1200">
+                              <a:solidFill>
+                                <a:schemeClr val="tx1"/>
+                              </a:solidFill>
+                              <a:latin typeface="+mn-lt"/>
+                              <a:ea typeface="+mn-ea"/>
+                              <a:cs typeface="+mn-cs"/>
+                            </a:defRPr>
+                          </a:lvl1pPr>
+                          <a:lvl2pPr marL="457200" algn="l" defTabSz="914400" rtl="0" eaLnBrk="1" latinLnBrk="0" hangingPunct="1">
+                            <a:defRPr sz="1800" kern="1200">
+                              <a:solidFill>
+                                <a:schemeClr val="tx1"/>
+                              </a:solidFill>
+                              <a:latin typeface="+mn-lt"/>
+                              <a:ea typeface="+mn-ea"/>
+                              <a:cs typeface="+mn-cs"/>
+                            </a:defRPr>
+                          </a:lvl2pPr>
+                          <a:lvl3pPr marL="914400" algn="l" defTabSz="914400" rtl="0" eaLnBrk="1" latinLnBrk="0" hangingPunct="1">
+                            <a:defRPr sz="1800" kern="1200">
+                              <a:solidFill>
+                                <a:schemeClr val="tx1"/>
+                              </a:solidFill>
+                              <a:latin typeface="+mn-lt"/>
+                              <a:ea typeface="+mn-ea"/>
+                              <a:cs typeface="+mn-cs"/>
+                            </a:defRPr>
+                          </a:lvl3pPr>
+                          <a:lvl4pPr marL="1371600" algn="l" defTabSz="914400" rtl="0" eaLnBrk="1" latinLnBrk="0" hangingPunct="1">
+                            <a:defRPr sz="1800" kern="1200">
+                              <a:solidFill>
+                                <a:schemeClr val="tx1"/>
+                              </a:solidFill>
+                              <a:latin typeface="+mn-lt"/>
+                              <a:ea typeface="+mn-ea"/>
+                              <a:cs typeface="+mn-cs"/>
+                            </a:defRPr>
+                          </a:lvl4pPr>
+                          <a:lvl5pPr marL="1828800" algn="l" defTabSz="914400" rtl="0" eaLnBrk="1" latinLnBrk="0" hangingPunct="1">
+                            <a:defRPr sz="1800" kern="1200">
+                              <a:solidFill>
+                                <a:schemeClr val="tx1"/>
+                              </a:solidFill>
+                              <a:latin typeface="+mn-lt"/>
+                              <a:ea typeface="+mn-ea"/>
+                              <a:cs typeface="+mn-cs"/>
+                            </a:defRPr>
+                          </a:lvl5pPr>
+                          <a:lvl6pPr marL="2286000" algn="l" defTabSz="914400" rtl="0" eaLnBrk="1" latinLnBrk="0" hangingPunct="1">
+                            <a:defRPr sz="1800" kern="1200">
+                              <a:solidFill>
+                                <a:schemeClr val="tx1"/>
+                              </a:solidFill>
+                              <a:latin typeface="+mn-lt"/>
+                              <a:ea typeface="+mn-ea"/>
+                              <a:cs typeface="+mn-cs"/>
+                            </a:defRPr>
+                          </a:lvl6pPr>
+                          <a:lvl7pPr marL="2743200" algn="l" defTabSz="914400" rtl="0" eaLnBrk="1" latinLnBrk="0" hangingPunct="1">
+                            <a:defRPr sz="1800" kern="1200">
+                              <a:solidFill>
+                                <a:schemeClr val="tx1"/>
+                              </a:solidFill>
+                              <a:latin typeface="+mn-lt"/>
+                              <a:ea typeface="+mn-ea"/>
+                              <a:cs typeface="+mn-cs"/>
+                            </a:defRPr>
+                          </a:lvl7pPr>
+                          <a:lvl8pPr marL="3200400" algn="l" defTabSz="914400" rtl="0" eaLnBrk="1" latinLnBrk="0" hangingPunct="1">
+                            <a:defRPr sz="1800" kern="1200">
+                              <a:solidFill>
+                                <a:schemeClr val="tx1"/>
+                              </a:solidFill>
+                              <a:latin typeface="+mn-lt"/>
+                              <a:ea typeface="+mn-ea"/>
+                              <a:cs typeface="+mn-cs"/>
+                            </a:defRPr>
+                          </a:lvl8pPr>
+                          <a:lvl9pPr marL="3657600" algn="l" defTabSz="914400" rtl="0" eaLnBrk="1" latinLnBrk="0" hangingPunct="1">
+                            <a:defRPr sz="1800" kern="1200">
+                              <a:solidFill>
+                                <a:schemeClr val="tx1"/>
+                              </a:solidFill>
+                              <a:latin typeface="+mn-lt"/>
+                              <a:ea typeface="+mn-ea"/>
+                              <a:cs typeface="+mn-cs"/>
+                            </a:defRPr>
+                          </a:lvl9pPr>
+                        </a:lstStyle>
+                        <a:p>
+                          <a:pPr/>
+                          <a14:m>
+                            <m:oMathPara xmlns:m="http://schemas.openxmlformats.org/officeDocument/2006/math">
+                              <m:oMathParaPr>
+                                <m:jc m:val="centerGroup"/>
+                              </m:oMathParaPr>
+                              <m:oMath xmlns:m="http://schemas.openxmlformats.org/officeDocument/2006/math">
+                                <m:acc>
+                                  <m:accPr>
+                                    <m:chr m:val="⃗"/>
+                                    <m:ctrlPr>
+                                      <a:rPr lang="en-US" b="0" i="1" smtClean="0">
+                                        <a:latin typeface="Cambria Math" panose="02040503050406030204" pitchFamily="18" charset="0"/>
+                                      </a:rPr>
+                                    </m:ctrlPr>
+                                  </m:accPr>
+                                  <m:e>
+                                    <m:r>
+                                      <a:rPr lang="en-US" b="0" i="1" smtClean="0">
+                                        <a:latin typeface="Cambria Math" panose="02040503050406030204" pitchFamily="18" charset="0"/>
+                                      </a:rPr>
+                                      <m:t>𝑟</m:t>
+                                    </m:r>
+                                  </m:e>
+                                </m:acc>
+                              </m:oMath>
+                            </m:oMathPara>
+                          </a14:m>
+                          <a:endParaRPr lang="en-CA" dirty="0"/>
+                        </a:p>
+                      </p:txBody>
+                    </p:sp>
+                  </mc:Choice>
+                  <mc:Fallback>
+                    <p:sp>
+                      <p:nvSpPr>
+                        <p:cNvPr id="34" name="Rectangle 33"/>
+                        <p:cNvSpPr>
+                          <a:spLocks noRot="1" noChangeAspect="1" noMove="1" noResize="1" noEditPoints="1" noAdjustHandles="1" noChangeArrowheads="1" noChangeShapeType="1" noTextEdit="1"/>
+                        </p:cNvSpPr>
+                        <p:nvPr/>
+                      </p:nvSpPr>
+                      <p:spPr>
+                        <a:xfrm>
+                          <a:off x="7164630" y="4348248"/>
+                          <a:ext cx="351635" cy="369332"/>
+                        </a:xfrm>
+                        <a:prstGeom prst="rect">
+                          <a:avLst/>
+                        </a:prstGeom>
+                        <a:blipFill>
+                          <a:blip r:embed="rId12"/>
+                          <a:stretch>
+                            <a:fillRect t="-22951" r="-27586"/>
+                          </a:stretch>
+                        </a:blipFill>
+                      </p:spPr>
+                      <p:txBody>
+                        <a:bodyPr/>
+                        <a:lstStyle/>
+                        <a:p>
+                          <a:r>
+                            <a:rPr lang="en-US">
+                              <a:noFill/>
+                            </a:rPr>
+                            <a:t> </a:t>
+                          </a:r>
+                        </a:p>
+                      </p:txBody>
+                    </p:sp>
+                  </mc:Fallback>
+                </mc:AlternateContent>
+                <mc:AlternateContent xmlns:mc="http://schemas.openxmlformats.org/markup-compatibility/2006">
+                  <mc:Choice xmlns:a14="http://schemas.microsoft.com/office/drawing/2010/main" Requires="a14">
+                    <p:sp>
+                      <p:nvSpPr>
+                        <p:cNvPr id="35" name="Rectangle 34"/>
+                        <p:cNvSpPr/>
+                        <p:nvPr/>
+                      </p:nvSpPr>
+                      <p:spPr>
+                        <a:xfrm>
+                          <a:off x="7841969" y="3662983"/>
+                          <a:ext cx="369332" cy="369332"/>
+                        </a:xfrm>
+                        <a:prstGeom prst="rect">
+                          <a:avLst/>
+                        </a:prstGeom>
+                      </p:spPr>
+                      <p:txBody>
+                        <a:bodyPr wrap="none">
+                          <a:spAutoFit/>
+                        </a:bodyPr>
+                        <a:lstStyle>
+                          <a:defPPr>
+                            <a:defRPr lang="en-US"/>
+                          </a:defPPr>
+                          <a:lvl1pPr marL="0" algn="l" defTabSz="914400" rtl="0" eaLnBrk="1" latinLnBrk="0" hangingPunct="1">
+                            <a:defRPr sz="1800" kern="1200">
+                              <a:solidFill>
+                                <a:schemeClr val="tx1"/>
+                              </a:solidFill>
+                              <a:latin typeface="+mn-lt"/>
+                              <a:ea typeface="+mn-ea"/>
+                              <a:cs typeface="+mn-cs"/>
+                            </a:defRPr>
+                          </a:lvl1pPr>
+                          <a:lvl2pPr marL="457200" algn="l" defTabSz="914400" rtl="0" eaLnBrk="1" latinLnBrk="0" hangingPunct="1">
+                            <a:defRPr sz="1800" kern="1200">
+                              <a:solidFill>
+                                <a:schemeClr val="tx1"/>
+                              </a:solidFill>
+                              <a:latin typeface="+mn-lt"/>
+                              <a:ea typeface="+mn-ea"/>
+                              <a:cs typeface="+mn-cs"/>
+                            </a:defRPr>
+                          </a:lvl2pPr>
+                          <a:lvl3pPr marL="914400" algn="l" defTabSz="914400" rtl="0" eaLnBrk="1" latinLnBrk="0" hangingPunct="1">
+                            <a:defRPr sz="1800" kern="1200">
+                              <a:solidFill>
+                                <a:schemeClr val="tx1"/>
+                              </a:solidFill>
+                              <a:latin typeface="+mn-lt"/>
+                              <a:ea typeface="+mn-ea"/>
+                              <a:cs typeface="+mn-cs"/>
+                            </a:defRPr>
+                          </a:lvl3pPr>
+                          <a:lvl4pPr marL="1371600" algn="l" defTabSz="914400" rtl="0" eaLnBrk="1" latinLnBrk="0" hangingPunct="1">
+                            <a:defRPr sz="1800" kern="1200">
+                              <a:solidFill>
+                                <a:schemeClr val="tx1"/>
+                              </a:solidFill>
+                              <a:latin typeface="+mn-lt"/>
+                              <a:ea typeface="+mn-ea"/>
+                              <a:cs typeface="+mn-cs"/>
+                            </a:defRPr>
+                          </a:lvl4pPr>
+                          <a:lvl5pPr marL="1828800" algn="l" defTabSz="914400" rtl="0" eaLnBrk="1" latinLnBrk="0" hangingPunct="1">
+                            <a:defRPr sz="1800" kern="1200">
+                              <a:solidFill>
+                                <a:schemeClr val="tx1"/>
+                              </a:solidFill>
+                              <a:latin typeface="+mn-lt"/>
+                              <a:ea typeface="+mn-ea"/>
+                              <a:cs typeface="+mn-cs"/>
+                            </a:defRPr>
+                          </a:lvl5pPr>
+                          <a:lvl6pPr marL="2286000" algn="l" defTabSz="914400" rtl="0" eaLnBrk="1" latinLnBrk="0" hangingPunct="1">
+                            <a:defRPr sz="1800" kern="1200">
+                              <a:solidFill>
+                                <a:schemeClr val="tx1"/>
+                              </a:solidFill>
+                              <a:latin typeface="+mn-lt"/>
+                              <a:ea typeface="+mn-ea"/>
+                              <a:cs typeface="+mn-cs"/>
+                            </a:defRPr>
+                          </a:lvl6pPr>
+                          <a:lvl7pPr marL="2743200" algn="l" defTabSz="914400" rtl="0" eaLnBrk="1" latinLnBrk="0" hangingPunct="1">
+                            <a:defRPr sz="1800" kern="1200">
+                              <a:solidFill>
+                                <a:schemeClr val="tx1"/>
+                              </a:solidFill>
+                              <a:latin typeface="+mn-lt"/>
+                              <a:ea typeface="+mn-ea"/>
+                              <a:cs typeface="+mn-cs"/>
+                            </a:defRPr>
+                          </a:lvl7pPr>
+                          <a:lvl8pPr marL="3200400" algn="l" defTabSz="914400" rtl="0" eaLnBrk="1" latinLnBrk="0" hangingPunct="1">
+                            <a:defRPr sz="1800" kern="1200">
+                              <a:solidFill>
+                                <a:schemeClr val="tx1"/>
+                              </a:solidFill>
+                              <a:latin typeface="+mn-lt"/>
+                              <a:ea typeface="+mn-ea"/>
+                              <a:cs typeface="+mn-cs"/>
+                            </a:defRPr>
+                          </a:lvl8pPr>
+                          <a:lvl9pPr marL="3657600" algn="l" defTabSz="914400" rtl="0" eaLnBrk="1" latinLnBrk="0" hangingPunct="1">
+                            <a:defRPr sz="1800" kern="1200">
+                              <a:solidFill>
+                                <a:schemeClr val="tx1"/>
+                              </a:solidFill>
+                              <a:latin typeface="+mn-lt"/>
+                              <a:ea typeface="+mn-ea"/>
+                              <a:cs typeface="+mn-cs"/>
+                            </a:defRPr>
+                          </a:lvl9pPr>
+                        </a:lstStyle>
+                        <a:p>
+                          <a:pPr/>
+                          <a14:m>
+                            <m:oMathPara xmlns:m="http://schemas.openxmlformats.org/officeDocument/2006/math">
+                              <m:oMathParaPr>
+                                <m:jc m:val="centerGroup"/>
+                              </m:oMathParaPr>
+                              <m:oMath xmlns:m="http://schemas.openxmlformats.org/officeDocument/2006/math">
+                                <m:acc>
+                                  <m:accPr>
+                                    <m:chr m:val="⃗"/>
+                                    <m:ctrlPr>
+                                      <a:rPr lang="en-US" b="0" i="1" smtClean="0">
+                                        <a:latin typeface="Cambria Math" panose="02040503050406030204" pitchFamily="18" charset="0"/>
+                                      </a:rPr>
+                                    </m:ctrlPr>
+                                  </m:accPr>
+                                  <m:e>
+                                    <m:r>
+                                      <a:rPr lang="en-US" b="0" i="1" smtClean="0">
+                                        <a:latin typeface="Cambria Math" panose="02040503050406030204" pitchFamily="18" charset="0"/>
+                                      </a:rPr>
+                                      <m:t>𝑣</m:t>
+                                    </m:r>
+                                  </m:e>
+                                </m:acc>
+                              </m:oMath>
+                            </m:oMathPara>
+                          </a14:m>
+                          <a:endParaRPr lang="en-CA" dirty="0"/>
+                        </a:p>
+                      </p:txBody>
+                    </p:sp>
+                  </mc:Choice>
+                  <mc:Fallback>
+                    <p:sp>
+                      <p:nvSpPr>
+                        <p:cNvPr id="35" name="Rectangle 34"/>
+                        <p:cNvSpPr>
+                          <a:spLocks noRot="1" noChangeAspect="1" noMove="1" noResize="1" noEditPoints="1" noAdjustHandles="1" noChangeArrowheads="1" noChangeShapeType="1" noTextEdit="1"/>
+                        </p:cNvSpPr>
+                        <p:nvPr/>
+                      </p:nvSpPr>
+                      <p:spPr>
+                        <a:xfrm>
+                          <a:off x="7841969" y="3662983"/>
+                          <a:ext cx="369332" cy="369332"/>
+                        </a:xfrm>
+                        <a:prstGeom prst="rect">
+                          <a:avLst/>
+                        </a:prstGeom>
+                        <a:blipFill>
+                          <a:blip r:embed="rId13"/>
+                          <a:stretch>
+                            <a:fillRect t="-23333" r="-28333"/>
+                          </a:stretch>
+                        </a:blipFill>
+                      </p:spPr>
+                      <p:txBody>
+                        <a:bodyPr/>
+                        <a:lstStyle/>
+                        <a:p>
+                          <a:r>
+                            <a:rPr lang="en-US">
+                              <a:noFill/>
+                            </a:rPr>
+                            <a:t> </a:t>
+                          </a:r>
+                        </a:p>
+                      </p:txBody>
+                    </p:sp>
+                  </mc:Fallback>
+                </mc:AlternateContent>
+              </p:grpSp>
+              <p:cxnSp>
+                <p:nvCxnSpPr>
+                  <p:cNvPr id="3" name="Straight Connector 2"/>
+                  <p:cNvCxnSpPr/>
+                  <p:nvPr/>
+                </p:nvCxnSpPr>
+                <p:spPr>
+                  <a:xfrm flipV="1">
+                    <a:off x="8240896" y="891716"/>
+                    <a:ext cx="308860" cy="2871957"/>
+                  </a:xfrm>
+                  <a:prstGeom prst="line">
+                    <a:avLst/>
+                  </a:prstGeom>
+                  <a:ln w="28575">
+                    <a:solidFill>
+                      <a:schemeClr val="tx1"/>
+                    </a:solidFill>
+                    <a:prstDash val="dash"/>
+                  </a:ln>
+                </p:spPr>
+                <p:style>
+                  <a:lnRef idx="1">
+                    <a:schemeClr val="accent1"/>
+                  </a:lnRef>
+                  <a:fillRef idx="0">
+                    <a:schemeClr val="accent1"/>
+                  </a:fillRef>
+                  <a:effectRef idx="0">
+                    <a:schemeClr val="accent1"/>
+                  </a:effectRef>
+                  <a:fontRef idx="minor">
+                    <a:schemeClr val="tx1"/>
+                  </a:fontRef>
+                </p:style>
+              </p:cxnSp>
+            </p:grpSp>
+            <mc:AlternateContent xmlns:mc="http://schemas.openxmlformats.org/markup-compatibility/2006">
+              <mc:Choice xmlns:a14="http://schemas.microsoft.com/office/drawing/2010/main" Requires="a14">
+                <p:sp>
+                  <p:nvSpPr>
+                    <p:cNvPr id="54" name="Rectangle 53"/>
+                    <p:cNvSpPr/>
+                    <p:nvPr/>
+                  </p:nvSpPr>
+                  <p:spPr>
+                    <a:xfrm>
+                      <a:off x="7892227" y="2523759"/>
+                      <a:ext cx="374141" cy="369332"/>
+                    </a:xfrm>
+                    <a:prstGeom prst="rect">
+                      <a:avLst/>
+                    </a:prstGeom>
+                  </p:spPr>
+                  <p:txBody>
+                    <a:bodyPr wrap="none">
+                      <a:spAutoFit/>
+                    </a:bodyPr>
+                    <a:lstStyle>
+                      <a:defPPr>
+                        <a:defRPr lang="en-US"/>
+                      </a:defPPr>
+                      <a:lvl1pPr marL="0" algn="l" defTabSz="914400" rtl="0" eaLnBrk="1" latinLnBrk="0" hangingPunct="1">
+                        <a:defRPr sz="1800" kern="1200">
+                          <a:solidFill>
+                            <a:schemeClr val="tx1"/>
+                          </a:solidFill>
+                          <a:latin typeface="+mn-lt"/>
+                          <a:ea typeface="+mn-ea"/>
+                          <a:cs typeface="+mn-cs"/>
+                        </a:defRPr>
+                      </a:lvl1pPr>
+                      <a:lvl2pPr marL="457200" algn="l" defTabSz="914400" rtl="0" eaLnBrk="1" latinLnBrk="0" hangingPunct="1">
+                        <a:defRPr sz="1800" kern="1200">
+                          <a:solidFill>
+                            <a:schemeClr val="tx1"/>
+                          </a:solidFill>
+                          <a:latin typeface="+mn-lt"/>
+                          <a:ea typeface="+mn-ea"/>
+                          <a:cs typeface="+mn-cs"/>
+                        </a:defRPr>
+                      </a:lvl2pPr>
+                      <a:lvl3pPr marL="914400" algn="l" defTabSz="914400" rtl="0" eaLnBrk="1" latinLnBrk="0" hangingPunct="1">
+                        <a:defRPr sz="1800" kern="1200">
+                          <a:solidFill>
+                            <a:schemeClr val="tx1"/>
+                          </a:solidFill>
+                          <a:latin typeface="+mn-lt"/>
+                          <a:ea typeface="+mn-ea"/>
+                          <a:cs typeface="+mn-cs"/>
+                        </a:defRPr>
+                      </a:lvl3pPr>
+                      <a:lvl4pPr marL="1371600" algn="l" defTabSz="914400" rtl="0" eaLnBrk="1" latinLnBrk="0" hangingPunct="1">
+                        <a:defRPr sz="1800" kern="1200">
+                          <a:solidFill>
+                            <a:schemeClr val="tx1"/>
+                          </a:solidFill>
+                          <a:latin typeface="+mn-lt"/>
+                          <a:ea typeface="+mn-ea"/>
+                          <a:cs typeface="+mn-cs"/>
+                        </a:defRPr>
+                      </a:lvl4pPr>
+                      <a:lvl5pPr marL="1828800" algn="l" defTabSz="914400" rtl="0" eaLnBrk="1" latinLnBrk="0" hangingPunct="1">
+                        <a:defRPr sz="1800" kern="1200">
+                          <a:solidFill>
+                            <a:schemeClr val="tx1"/>
+                          </a:solidFill>
+                          <a:latin typeface="+mn-lt"/>
+                          <a:ea typeface="+mn-ea"/>
+                          <a:cs typeface="+mn-cs"/>
+                        </a:defRPr>
+                      </a:lvl5pPr>
+                      <a:lvl6pPr marL="2286000" algn="l" defTabSz="914400" rtl="0" eaLnBrk="1" latinLnBrk="0" hangingPunct="1">
+                        <a:defRPr sz="1800" kern="1200">
+                          <a:solidFill>
+                            <a:schemeClr val="tx1"/>
+                          </a:solidFill>
+                          <a:latin typeface="+mn-lt"/>
+                          <a:ea typeface="+mn-ea"/>
+                          <a:cs typeface="+mn-cs"/>
+                        </a:defRPr>
+                      </a:lvl6pPr>
+                      <a:lvl7pPr marL="2743200" algn="l" defTabSz="914400" rtl="0" eaLnBrk="1" latinLnBrk="0" hangingPunct="1">
+                        <a:defRPr sz="1800" kern="1200">
+                          <a:solidFill>
+                            <a:schemeClr val="tx1"/>
+                          </a:solidFill>
+                          <a:latin typeface="+mn-lt"/>
+                          <a:ea typeface="+mn-ea"/>
+                          <a:cs typeface="+mn-cs"/>
+                        </a:defRPr>
+                      </a:lvl7pPr>
+                      <a:lvl8pPr marL="3200400" algn="l" defTabSz="914400" rtl="0" eaLnBrk="1" latinLnBrk="0" hangingPunct="1">
+                        <a:defRPr sz="1800" kern="1200">
+                          <a:solidFill>
+                            <a:schemeClr val="tx1"/>
+                          </a:solidFill>
+                          <a:latin typeface="+mn-lt"/>
+                          <a:ea typeface="+mn-ea"/>
+                          <a:cs typeface="+mn-cs"/>
+                        </a:defRPr>
+                      </a:lvl8pPr>
+                      <a:lvl9pPr marL="3657600" algn="l" defTabSz="914400" rtl="0" eaLnBrk="1" latinLnBrk="0" hangingPunct="1">
+                        <a:defRPr sz="1800" kern="1200">
+                          <a:solidFill>
+                            <a:schemeClr val="tx1"/>
+                          </a:solidFill>
+                          <a:latin typeface="+mn-lt"/>
+                          <a:ea typeface="+mn-ea"/>
+                          <a:cs typeface="+mn-cs"/>
+                        </a:defRPr>
+                      </a:lvl9pPr>
+                    </a:lstStyle>
+                    <a:p>
+                      <a:pPr/>
+                      <a14:m>
+                        <m:oMathPara xmlns:m="http://schemas.openxmlformats.org/officeDocument/2006/math">
+                          <m:oMathParaPr>
+                            <m:jc m:val="centerGroup"/>
+                          </m:oMathParaPr>
+                          <m:oMath xmlns:m="http://schemas.openxmlformats.org/officeDocument/2006/math">
+                            <m:r>
+                              <a:rPr lang="en-US" i="1" smtClean="0">
+                                <a:latin typeface="Cambria Math" panose="02040503050406030204" pitchFamily="18" charset="0"/>
+                              </a:rPr>
+                              <m:t>𝜃</m:t>
+                            </m:r>
+                          </m:oMath>
+                        </m:oMathPara>
+                      </a14:m>
+                      <a:endParaRPr lang="en-CA" dirty="0"/>
+                    </a:p>
+                  </p:txBody>
+                </p:sp>
+              </mc:Choice>
+              <mc:Fallback>
+                <p:sp>
+                  <p:nvSpPr>
+                    <p:cNvPr id="54" name="Rectangle 53"/>
+                    <p:cNvSpPr>
+                      <a:spLocks noRot="1" noChangeAspect="1" noMove="1" noResize="1" noEditPoints="1" noAdjustHandles="1" noChangeArrowheads="1" noChangeShapeType="1" noTextEdit="1"/>
+                    </p:cNvSpPr>
+                    <p:nvPr/>
+                  </p:nvSpPr>
+                  <p:spPr>
+                    <a:xfrm>
+                      <a:off x="7892227" y="2523759"/>
+                      <a:ext cx="374141" cy="369332"/>
+                    </a:xfrm>
+                    <a:prstGeom prst="rect">
+                      <a:avLst/>
+                    </a:prstGeom>
+                    <a:blipFill>
+                      <a:blip r:embed="rId14"/>
+                      <a:stretch>
+                        <a:fillRect/>
+                      </a:stretch>
+                    </a:blipFill>
+                  </p:spPr>
+                  <p:txBody>
+                    <a:bodyPr/>
+                    <a:lstStyle/>
+                    <a:p>
+                      <a:r>
+                        <a:rPr lang="en-US">
+                          <a:noFill/>
+                        </a:rPr>
+                        <a:t> </a:t>
+                      </a:r>
+                    </a:p>
+                  </p:txBody>
+                </p:sp>
+              </mc:Fallback>
+            </mc:AlternateContent>
+          </p:grpSp>
+          <p:cxnSp>
+            <p:nvCxnSpPr>
+              <p:cNvPr id="63" name="Straight Connector 62"/>
+              <p:cNvCxnSpPr/>
+              <p:nvPr/>
+            </p:nvCxnSpPr>
+            <p:spPr>
+              <a:xfrm>
+                <a:off x="8020936" y="1766371"/>
+                <a:ext cx="360669" cy="604454"/>
+              </a:xfrm>
+              <a:prstGeom prst="line">
+                <a:avLst/>
+              </a:prstGeom>
+              <a:ln w="19050">
+                <a:solidFill>
+                  <a:schemeClr val="tx1"/>
+                </a:solidFill>
+                <a:prstDash val="sysDot"/>
+              </a:ln>
+            </p:spPr>
+            <p:style>
+              <a:lnRef idx="1">
+                <a:schemeClr val="accent1"/>
+              </a:lnRef>
+              <a:fillRef idx="0">
+                <a:schemeClr val="accent1"/>
+              </a:fillRef>
+              <a:effectRef idx="0">
+                <a:schemeClr val="accent1"/>
+              </a:effectRef>
+              <a:fontRef idx="minor">
+                <a:schemeClr val="tx1"/>
+              </a:fontRef>
+            </p:style>
+          </p:cxnSp>
+          <mc:AlternateContent xmlns:mc="http://schemas.openxmlformats.org/markup-compatibility/2006">
+            <mc:Choice xmlns:a14="http://schemas.microsoft.com/office/drawing/2010/main" Requires="a14">
+              <p:sp>
+                <p:nvSpPr>
+                  <p:cNvPr id="65" name="TextBox 64"/>
+                  <p:cNvSpPr txBox="1"/>
+                  <p:nvPr/>
+                </p:nvSpPr>
+                <p:spPr>
+                  <a:xfrm>
+                    <a:off x="7796720" y="1784950"/>
+                    <a:ext cx="349583" cy="307777"/>
+                  </a:xfrm>
+                  <a:prstGeom prst="rect">
+                    <a:avLst/>
+                  </a:prstGeom>
+                  <a:noFill/>
+                </p:spPr>
+                <p:txBody>
+                  <a:bodyPr wrap="none" lIns="0" tIns="0" rIns="0" bIns="0" rtlCol="0">
+                    <a:spAutoFit/>
+                  </a:bodyPr>
+                  <a:lstStyle/>
+                  <a:p>
+                    <a14:m>
+                      <m:oMathPara xmlns:m="http://schemas.openxmlformats.org/officeDocument/2006/math">
+                        <m:oMathParaPr>
+                          <m:jc m:val="centerGroup"/>
+                        </m:oMathParaPr>
+                        <m:oMath xmlns:m="http://schemas.openxmlformats.org/officeDocument/2006/math">
+                          <m:sSub>
+                            <m:sSubPr>
+                              <m:ctrlPr>
+                                <a:rPr lang="en-US" sz="2000" b="0" i="1" smtClean="0">
+                                  <a:latin typeface="Cambria Math" panose="02040503050406030204" pitchFamily="18" charset="0"/>
+                                  <a:cs typeface="Arial" panose="020B0604020202020204" pitchFamily="34" charset="0"/>
+                                </a:rPr>
+                              </m:ctrlPr>
+                            </m:sSubPr>
+                            <m:e>
+                              <m:r>
+                                <a:rPr lang="en-US" sz="2000" b="0" i="1" smtClean="0">
+                                  <a:latin typeface="Cambria Math" panose="02040503050406030204" pitchFamily="18" charset="0"/>
+                                  <a:cs typeface="Arial" panose="020B0604020202020204" pitchFamily="34" charset="0"/>
+                                </a:rPr>
+                                <m:t>𝑣</m:t>
+                              </m:r>
+                            </m:e>
+                            <m:sub>
+                              <m:r>
+                                <a:rPr lang="en-US" sz="2000" b="0" i="1" smtClean="0">
+                                  <a:latin typeface="Cambria Math" panose="02040503050406030204" pitchFamily="18" charset="0"/>
+                                  <a:cs typeface="Arial" panose="020B0604020202020204" pitchFamily="34" charset="0"/>
+                                </a:rPr>
+                                <m:t>⊥</m:t>
+                              </m:r>
+                            </m:sub>
+                          </m:sSub>
+                        </m:oMath>
+                      </m:oMathPara>
+                    </a14:m>
+                    <a:endParaRPr lang="en-US" sz="2000" dirty="0" smtClean="0">
+                      <a:latin typeface="Arial" panose="020B0604020202020204" pitchFamily="34" charset="0"/>
+                      <a:cs typeface="Arial" panose="020B0604020202020204" pitchFamily="34" charset="0"/>
+                    </a:endParaRPr>
+                  </a:p>
+                </p:txBody>
+              </p:sp>
+            </mc:Choice>
+            <mc:Fallback>
+              <p:sp>
+                <p:nvSpPr>
+                  <p:cNvPr id="65" name="TextBox 64"/>
+                  <p:cNvSpPr txBox="1">
+                    <a:spLocks noRot="1" noChangeAspect="1" noMove="1" noResize="1" noEditPoints="1" noAdjustHandles="1" noChangeArrowheads="1" noChangeShapeType="1" noTextEdit="1"/>
+                  </p:cNvSpPr>
+                  <p:nvPr/>
+                </p:nvSpPr>
+                <p:spPr>
+                  <a:xfrm>
+                    <a:off x="7796720" y="1784950"/>
+                    <a:ext cx="349583" cy="307777"/>
+                  </a:xfrm>
+                  <a:prstGeom prst="rect">
+                    <a:avLst/>
+                  </a:prstGeom>
+                  <a:blipFill>
+                    <a:blip r:embed="rId15"/>
+                    <a:stretch>
+                      <a:fillRect l="-8772" r="-7018" b="-20000"/>
+                    </a:stretch>
+                  </a:blipFill>
+                </p:spPr>
+                <p:txBody>
+                  <a:bodyPr/>
+                  <a:lstStyle/>
+                  <a:p>
+                    <a:r>
+                      <a:rPr lang="en-US">
+                        <a:noFill/>
+                      </a:rPr>
+                      <a:t> </a:t>
+                    </a:r>
+                  </a:p>
+                </p:txBody>
+              </p:sp>
+            </mc:Fallback>
+          </mc:AlternateContent>
+          <p:cxnSp>
+            <p:nvCxnSpPr>
+              <p:cNvPr id="66" name="Straight Connector 65"/>
+              <p:cNvCxnSpPr/>
+              <p:nvPr/>
+            </p:nvCxnSpPr>
+            <p:spPr>
+              <a:xfrm flipH="1">
+                <a:off x="8038161" y="1528738"/>
+                <a:ext cx="414820" cy="237633"/>
+              </a:xfrm>
+              <a:prstGeom prst="line">
+                <a:avLst/>
+              </a:prstGeom>
+              <a:ln w="19050">
+                <a:solidFill>
+                  <a:schemeClr val="tx1"/>
+                </a:solidFill>
+                <a:prstDash val="sysDot"/>
+              </a:ln>
+            </p:spPr>
+            <p:style>
+              <a:lnRef idx="1">
+                <a:schemeClr val="accent1"/>
+              </a:lnRef>
+              <a:fillRef idx="0">
+                <a:schemeClr val="accent1"/>
+              </a:fillRef>
+              <a:effectRef idx="0">
+                <a:schemeClr val="accent1"/>
+              </a:effectRef>
+              <a:fontRef idx="minor">
+                <a:schemeClr val="tx1"/>
+              </a:fontRef>
+            </p:style>
+          </p:cxnSp>
+        </p:grpSp>
+        <p:cxnSp>
+          <p:nvCxnSpPr>
+            <p:cNvPr id="72" name="Straight Connector 71"/>
+            <p:cNvCxnSpPr/>
+            <p:nvPr/>
+          </p:nvCxnSpPr>
+          <p:spPr>
+            <a:xfrm flipH="1">
+              <a:off x="8403335" y="1928992"/>
+              <a:ext cx="728890" cy="422299"/>
+            </a:xfrm>
+            <a:prstGeom prst="line">
+              <a:avLst/>
+            </a:prstGeom>
+            <a:ln w="19050">
+              <a:solidFill>
+                <a:schemeClr val="tx1"/>
+              </a:solidFill>
+              <a:prstDash val="sysDot"/>
+            </a:ln>
+          </p:spPr>
+          <p:style>
+            <a:lnRef idx="1">
+              <a:schemeClr val="accent1"/>
+            </a:lnRef>
+            <a:fillRef idx="0">
+              <a:schemeClr val="accent1"/>
+            </a:fillRef>
+            <a:effectRef idx="0">
+              <a:schemeClr val="accent1"/>
+            </a:effectRef>
+            <a:fontRef idx="minor">
+              <a:schemeClr val="tx1"/>
+            </a:fontRef>
+          </p:style>
+        </p:cxnSp>
+        <mc:AlternateContent xmlns:mc="http://schemas.openxmlformats.org/markup-compatibility/2006">
+          <mc:Choice xmlns:a14="http://schemas.microsoft.com/office/drawing/2010/main" Requires="a14">
+            <p:sp>
+              <p:nvSpPr>
+                <p:cNvPr id="74" name="TextBox 73"/>
+                <p:cNvSpPr txBox="1"/>
+                <p:nvPr/>
+              </p:nvSpPr>
+              <p:spPr>
+                <a:xfrm>
+                  <a:off x="8431799" y="1864531"/>
+                  <a:ext cx="250773" cy="307777"/>
+                </a:xfrm>
+                <a:prstGeom prst="rect">
+                  <a:avLst/>
+                </a:prstGeom>
+                <a:noFill/>
+              </p:spPr>
+              <p:txBody>
+                <a:bodyPr wrap="square" lIns="0" tIns="0" rIns="0" bIns="0" rtlCol="0">
+                  <a:spAutoFit/>
+                </a:bodyPr>
+                <a:lstStyle/>
+                <a:p>
+                  <a14:m>
+                    <m:oMathPara xmlns:m="http://schemas.openxmlformats.org/officeDocument/2006/math">
+                      <m:oMathParaPr>
+                        <m:jc m:val="centerGroup"/>
+                      </m:oMathParaPr>
+                      <m:oMath xmlns:m="http://schemas.openxmlformats.org/officeDocument/2006/math">
+                        <m:r>
+                          <a:rPr lang="en-US" sz="2000" b="0" i="1" smtClean="0">
+                            <a:latin typeface="Cambria Math" panose="02040503050406030204" pitchFamily="18" charset="0"/>
+                            <a:cs typeface="Arial" panose="020B0604020202020204" pitchFamily="34" charset="0"/>
+                          </a:rPr>
+                          <m:t>𝜙</m:t>
+                        </m:r>
+                      </m:oMath>
+                    </m:oMathPara>
+                  </a14:m>
+                  <a:endParaRPr lang="en-US" sz="2000" dirty="0" smtClean="0">
+                    <a:latin typeface="Arial" panose="020B0604020202020204" pitchFamily="34" charset="0"/>
+                    <a:cs typeface="Arial" panose="020B0604020202020204" pitchFamily="34" charset="0"/>
+                  </a:endParaRPr>
+                </a:p>
+              </p:txBody>
+            </p:sp>
+          </mc:Choice>
+          <mc:Fallback>
+            <p:sp>
+              <p:nvSpPr>
+                <p:cNvPr id="74" name="TextBox 73"/>
+                <p:cNvSpPr txBox="1">
+                  <a:spLocks noRot="1" noChangeAspect="1" noMove="1" noResize="1" noEditPoints="1" noAdjustHandles="1" noChangeArrowheads="1" noChangeShapeType="1" noTextEdit="1"/>
+                </p:cNvSpPr>
+                <p:nvPr/>
+              </p:nvSpPr>
+              <p:spPr>
+                <a:xfrm>
+                  <a:off x="8431799" y="1864531"/>
+                  <a:ext cx="250773" cy="307777"/>
+                </a:xfrm>
+                <a:prstGeom prst="rect">
+                  <a:avLst/>
+                </a:prstGeom>
+                <a:blipFill>
+                  <a:blip r:embed="rId16"/>
+                  <a:stretch>
+                    <a:fillRect l="-31707" r="-31707" b="-38000"/>
                   </a:stretch>
                 </a:blipFill>
               </p:spPr>

--- a/tex/figures/RotationalDynamics/Figures.pptx
+++ b/tex/figures/RotationalDynamics/Figures.pptx
@@ -244,7 +244,7 @@
           <a:p>
             <a:fld id="{F7249F8D-641B-4CAF-BAE5-10524742F6F1}" type="datetimeFigureOut">
               <a:rPr lang="en-CA" smtClean="0"/>
-              <a:t>2018-07-03</a:t>
+              <a:t>2018-07-04</a:t>
             </a:fld>
             <a:endParaRPr lang="en-CA"/>
           </a:p>
@@ -414,7 +414,7 @@
           <a:p>
             <a:fld id="{F7249F8D-641B-4CAF-BAE5-10524742F6F1}" type="datetimeFigureOut">
               <a:rPr lang="en-CA" smtClean="0"/>
-              <a:t>2018-07-03</a:t>
+              <a:t>2018-07-04</a:t>
             </a:fld>
             <a:endParaRPr lang="en-CA"/>
           </a:p>
@@ -594,7 +594,7 @@
           <a:p>
             <a:fld id="{F7249F8D-641B-4CAF-BAE5-10524742F6F1}" type="datetimeFigureOut">
               <a:rPr lang="en-CA" smtClean="0"/>
-              <a:t>2018-07-03</a:t>
+              <a:t>2018-07-04</a:t>
             </a:fld>
             <a:endParaRPr lang="en-CA"/>
           </a:p>
@@ -764,7 +764,7 @@
           <a:p>
             <a:fld id="{F7249F8D-641B-4CAF-BAE5-10524742F6F1}" type="datetimeFigureOut">
               <a:rPr lang="en-CA" smtClean="0"/>
-              <a:t>2018-07-03</a:t>
+              <a:t>2018-07-04</a:t>
             </a:fld>
             <a:endParaRPr lang="en-CA"/>
           </a:p>
@@ -1010,7 +1010,7 @@
           <a:p>
             <a:fld id="{F7249F8D-641B-4CAF-BAE5-10524742F6F1}" type="datetimeFigureOut">
               <a:rPr lang="en-CA" smtClean="0"/>
-              <a:t>2018-07-03</a:t>
+              <a:t>2018-07-04</a:t>
             </a:fld>
             <a:endParaRPr lang="en-CA"/>
           </a:p>
@@ -1242,7 +1242,7 @@
           <a:p>
             <a:fld id="{F7249F8D-641B-4CAF-BAE5-10524742F6F1}" type="datetimeFigureOut">
               <a:rPr lang="en-CA" smtClean="0"/>
-              <a:t>2018-07-03</a:t>
+              <a:t>2018-07-04</a:t>
             </a:fld>
             <a:endParaRPr lang="en-CA"/>
           </a:p>
@@ -1609,7 +1609,7 @@
           <a:p>
             <a:fld id="{F7249F8D-641B-4CAF-BAE5-10524742F6F1}" type="datetimeFigureOut">
               <a:rPr lang="en-CA" smtClean="0"/>
-              <a:t>2018-07-03</a:t>
+              <a:t>2018-07-04</a:t>
             </a:fld>
             <a:endParaRPr lang="en-CA"/>
           </a:p>
@@ -1727,7 +1727,7 @@
           <a:p>
             <a:fld id="{F7249F8D-641B-4CAF-BAE5-10524742F6F1}" type="datetimeFigureOut">
               <a:rPr lang="en-CA" smtClean="0"/>
-              <a:t>2018-07-03</a:t>
+              <a:t>2018-07-04</a:t>
             </a:fld>
             <a:endParaRPr lang="en-CA"/>
           </a:p>
@@ -1822,7 +1822,7 @@
           <a:p>
             <a:fld id="{F7249F8D-641B-4CAF-BAE5-10524742F6F1}" type="datetimeFigureOut">
               <a:rPr lang="en-CA" smtClean="0"/>
-              <a:t>2018-07-03</a:t>
+              <a:t>2018-07-04</a:t>
             </a:fld>
             <a:endParaRPr lang="en-CA"/>
           </a:p>
@@ -2099,7 +2099,7 @@
           <a:p>
             <a:fld id="{F7249F8D-641B-4CAF-BAE5-10524742F6F1}" type="datetimeFigureOut">
               <a:rPr lang="en-CA" smtClean="0"/>
-              <a:t>2018-07-03</a:t>
+              <a:t>2018-07-04</a:t>
             </a:fld>
             <a:endParaRPr lang="en-CA"/>
           </a:p>
@@ -2352,7 +2352,7 @@
           <a:p>
             <a:fld id="{F7249F8D-641B-4CAF-BAE5-10524742F6F1}" type="datetimeFigureOut">
               <a:rPr lang="en-CA" smtClean="0"/>
-              <a:t>2018-07-03</a:t>
+              <a:t>2018-07-04</a:t>
             </a:fld>
             <a:endParaRPr lang="en-CA"/>
           </a:p>
@@ -2565,7 +2565,7 @@
           <a:p>
             <a:fld id="{F7249F8D-641B-4CAF-BAE5-10524742F6F1}" type="datetimeFigureOut">
               <a:rPr lang="en-CA" smtClean="0"/>
-              <a:t>2018-07-03</a:t>
+              <a:t>2018-07-04</a:t>
             </a:fld>
             <a:endParaRPr lang="en-CA"/>
           </a:p>
@@ -4578,7 +4578,7 @@
         </p:nvGrpSpPr>
         <p:grpSpPr>
           <a:xfrm>
-            <a:off x="705714" y="891716"/>
+            <a:off x="314147" y="644415"/>
             <a:ext cx="3563694" cy="3422751"/>
             <a:chOff x="5179987" y="3123739"/>
             <a:chExt cx="3563694" cy="3422751"/>
@@ -5529,8 +5529,8 @@
               </a:fontRef>
             </p:style>
           </p:cxnSp>
-          <mc:AlternateContent xmlns:mc="http://schemas.openxmlformats.org/markup-compatibility/2006">
-            <mc:Choice xmlns:a14="http://schemas.microsoft.com/office/drawing/2010/main" Requires="a14">
+          <mc:AlternateContent xmlns:mc="http://schemas.openxmlformats.org/markup-compatibility/2006" xmlns:a14="http://schemas.microsoft.com/office/drawing/2010/main">
+            <mc:Choice Requires="a14">
               <p:sp>
                 <p:nvSpPr>
                   <p:cNvPr id="17" name="Rectangle 16"/>
@@ -5667,7 +5667,7 @@
                 </p:txBody>
               </p:sp>
             </mc:Choice>
-            <mc:Fallback>
+            <mc:Fallback xmlns="">
               <p:sp>
                 <p:nvSpPr>
                   <p:cNvPr id="17" name="Rectangle 16"/>
@@ -6029,8 +6029,8 @@
             </a:fontRef>
           </p:style>
         </p:cxnSp>
-        <mc:AlternateContent xmlns:mc="http://schemas.openxmlformats.org/markup-compatibility/2006">
-          <mc:Choice xmlns:a14="http://schemas.microsoft.com/office/drawing/2010/main" Requires="a14">
+        <mc:AlternateContent xmlns:mc="http://schemas.openxmlformats.org/markup-compatibility/2006" xmlns:a14="http://schemas.microsoft.com/office/drawing/2010/main">
+          <mc:Choice Requires="a14">
             <p:sp>
               <p:nvSpPr>
                 <p:cNvPr id="9" name="Rectangle 8"/>
@@ -6179,7 +6179,7 @@
               </p:txBody>
             </p:sp>
           </mc:Choice>
-          <mc:Fallback>
+          <mc:Fallback xmlns="">
             <p:sp>
               <p:nvSpPr>
                 <p:cNvPr id="9" name="Rectangle 8"/>
@@ -6985,7 +6985,7 @@
         </p:nvGrpSpPr>
         <p:grpSpPr>
           <a:xfrm>
-            <a:off x="5784076" y="891716"/>
+            <a:off x="4419655" y="530532"/>
             <a:ext cx="3563694" cy="3532552"/>
             <a:chOff x="5784076" y="891716"/>
             <a:chExt cx="3563694" cy="3532552"/>
@@ -7739,8 +7739,8 @@
                     </a:fontRef>
                   </p:style>
                 </p:cxnSp>
-                <mc:AlternateContent xmlns:mc="http://schemas.openxmlformats.org/markup-compatibility/2006">
-                  <mc:Choice xmlns:a14="http://schemas.microsoft.com/office/drawing/2010/main" Requires="a14">
+                <mc:AlternateContent xmlns:mc="http://schemas.openxmlformats.org/markup-compatibility/2006" xmlns:a14="http://schemas.microsoft.com/office/drawing/2010/main">
+                  <mc:Choice Requires="a14">
                     <p:sp>
                       <p:nvSpPr>
                         <p:cNvPr id="34" name="Rectangle 33"/>
@@ -7889,7 +7889,7 @@
                       </p:txBody>
                     </p:sp>
                   </mc:Choice>
-                  <mc:Fallback>
+                  <mc:Fallback xmlns="">
                     <p:sp>
                       <p:nvSpPr>
                         <p:cNvPr id="34" name="Rectangle 33"/>
@@ -7928,8 +7928,8 @@
                     </p:sp>
                   </mc:Fallback>
                 </mc:AlternateContent>
-                <mc:AlternateContent xmlns:mc="http://schemas.openxmlformats.org/markup-compatibility/2006">
-                  <mc:Choice xmlns:a14="http://schemas.microsoft.com/office/drawing/2010/main" Requires="a14">
+                <mc:AlternateContent xmlns:mc="http://schemas.openxmlformats.org/markup-compatibility/2006" xmlns:a14="http://schemas.microsoft.com/office/drawing/2010/main">
+                  <mc:Choice Requires="a14">
                     <p:sp>
                       <p:nvSpPr>
                         <p:cNvPr id="35" name="Rectangle 34"/>
@@ -8078,7 +8078,7 @@
                       </p:txBody>
                     </p:sp>
                   </mc:Choice>
-                  <mc:Fallback>
+                  <mc:Fallback xmlns="">
                     <p:sp>
                       <p:nvSpPr>
                         <p:cNvPr id="35" name="Rectangle 34"/>
@@ -8155,8 +8155,8 @@
                 </p:style>
               </p:cxnSp>
             </p:grpSp>
-            <mc:AlternateContent xmlns:mc="http://schemas.openxmlformats.org/markup-compatibility/2006">
-              <mc:Choice xmlns:a14="http://schemas.microsoft.com/office/drawing/2010/main" Requires="a14">
+            <mc:AlternateContent xmlns:mc="http://schemas.openxmlformats.org/markup-compatibility/2006" xmlns:a14="http://schemas.microsoft.com/office/drawing/2010/main">
+              <mc:Choice Requires="a14">
                 <p:sp>
                   <p:nvSpPr>
                     <p:cNvPr id="54" name="Rectangle 53"/>
@@ -8293,7 +8293,7 @@
                   </p:txBody>
                 </p:sp>
               </mc:Choice>
-              <mc:Fallback>
+              <mc:Fallback xmlns="">
                 <p:sp>
                   <p:nvSpPr>
                     <p:cNvPr id="54" name="Rectangle 53"/>
@@ -8369,8 +8369,8 @@
               </a:fontRef>
             </p:style>
           </p:cxnSp>
-          <mc:AlternateContent xmlns:mc="http://schemas.openxmlformats.org/markup-compatibility/2006">
-            <mc:Choice xmlns:a14="http://schemas.microsoft.com/office/drawing/2010/main" Requires="a14">
+          <mc:AlternateContent xmlns:mc="http://schemas.openxmlformats.org/markup-compatibility/2006" xmlns:a14="http://schemas.microsoft.com/office/drawing/2010/main">
+            <mc:Choice Requires="a14">
               <p:sp>
                 <p:nvSpPr>
                   <p:cNvPr id="65" name="TextBox 64"/>
@@ -8393,6 +8393,7 @@
                   </a:bodyPr>
                   <a:lstStyle/>
                   <a:p>
+                    <a:pPr/>
                     <a14:m>
                       <m:oMathPara xmlns:m="http://schemas.openxmlformats.org/officeDocument/2006/math">
                         <m:oMathParaPr>
@@ -8438,7 +8439,7 @@
                 </p:txBody>
               </p:sp>
             </mc:Choice>
-            <mc:Fallback>
+            <mc:Fallback xmlns="">
               <p:sp>
                 <p:nvSpPr>
                   <p:cNvPr id="65" name="TextBox 64"/>
@@ -8550,8 +8551,8 @@
             </a:fontRef>
           </p:style>
         </p:cxnSp>
-        <mc:AlternateContent xmlns:mc="http://schemas.openxmlformats.org/markup-compatibility/2006">
-          <mc:Choice xmlns:a14="http://schemas.microsoft.com/office/drawing/2010/main" Requires="a14">
+        <mc:AlternateContent xmlns:mc="http://schemas.openxmlformats.org/markup-compatibility/2006" xmlns:a14="http://schemas.microsoft.com/office/drawing/2010/main">
+          <mc:Choice Requires="a14">
             <p:sp>
               <p:nvSpPr>
                 <p:cNvPr id="74" name="TextBox 73"/>
@@ -8574,6 +8575,7 @@
                 </a:bodyPr>
                 <a:lstStyle/>
                 <a:p>
+                  <a:pPr/>
                   <a14:m>
                     <m:oMathPara xmlns:m="http://schemas.openxmlformats.org/officeDocument/2006/math">
                       <m:oMathParaPr>
@@ -8598,7 +8600,7 @@
               </p:txBody>
             </p:sp>
           </mc:Choice>
-          <mc:Fallback>
+          <mc:Fallback xmlns="">
             <p:sp>
               <p:nvSpPr>
                 <p:cNvPr id="74" name="TextBox 73"/>
@@ -8619,6 +8621,432 @@
                   <a:blip r:embed="rId16"/>
                   <a:stretch>
                     <a:fillRect l="-31707" r="-31707" b="-38000"/>
+                  </a:stretch>
+                </a:blipFill>
+              </p:spPr>
+              <p:txBody>
+                <a:bodyPr/>
+                <a:lstStyle/>
+                <a:p>
+                  <a:r>
+                    <a:rPr lang="en-US">
+                      <a:noFill/>
+                    </a:rPr>
+                    <a:t> </a:t>
+                  </a:r>
+                </a:p>
+              </p:txBody>
+            </p:sp>
+          </mc:Fallback>
+        </mc:AlternateContent>
+      </p:grpSp>
+      <p:grpSp>
+        <p:nvGrpSpPr>
+          <p:cNvPr id="40" name="Group 39"/>
+          <p:cNvGrpSpPr/>
+          <p:nvPr/>
+        </p:nvGrpSpPr>
+        <p:grpSpPr>
+          <a:xfrm>
+            <a:off x="201037" y="4270742"/>
+            <a:ext cx="2449388" cy="2616986"/>
+            <a:chOff x="2296193" y="3939315"/>
+            <a:chExt cx="2449388" cy="2616986"/>
+          </a:xfrm>
+        </p:grpSpPr>
+        <p:sp>
+          <p:nvSpPr>
+            <p:cNvPr id="2" name="Oval 1"/>
+            <p:cNvSpPr/>
+            <p:nvPr/>
+          </p:nvSpPr>
+          <p:spPr>
+            <a:xfrm>
+              <a:off x="2296193" y="4167806"/>
+              <a:ext cx="2160004" cy="2160004"/>
+            </a:xfrm>
+            <a:prstGeom prst="ellipse">
+              <a:avLst/>
+            </a:prstGeom>
+            <a:solidFill>
+              <a:schemeClr val="bg2">
+                <a:lumMod val="90000"/>
+              </a:schemeClr>
+            </a:solidFill>
+            <a:ln w="38100">
+              <a:solidFill>
+                <a:schemeClr val="tx1"/>
+              </a:solidFill>
+            </a:ln>
+          </p:spPr>
+          <p:style>
+            <a:lnRef idx="2">
+              <a:schemeClr val="accent1">
+                <a:shade val="50000"/>
+              </a:schemeClr>
+            </a:lnRef>
+            <a:fillRef idx="1">
+              <a:schemeClr val="accent1"/>
+            </a:fillRef>
+            <a:effectRef idx="0">
+              <a:schemeClr val="accent1"/>
+            </a:effectRef>
+            <a:fontRef idx="minor">
+              <a:schemeClr val="lt1"/>
+            </a:fontRef>
+          </p:style>
+          <p:txBody>
+            <a:bodyPr rtlCol="0" anchor="ctr"/>
+            <a:lstStyle/>
+            <a:p>
+              <a:pPr algn="ctr"/>
+              <a:endParaRPr lang="en-US"/>
+            </a:p>
+          </p:txBody>
+        </p:sp>
+        <p:sp>
+          <p:nvSpPr>
+            <p:cNvPr id="52" name="Oval 51"/>
+            <p:cNvSpPr/>
+            <p:nvPr/>
+          </p:nvSpPr>
+          <p:spPr>
+            <a:xfrm>
+              <a:off x="3319941" y="5187926"/>
+              <a:ext cx="120943" cy="119766"/>
+            </a:xfrm>
+            <a:prstGeom prst="ellipse">
+              <a:avLst/>
+            </a:prstGeom>
+            <a:solidFill>
+              <a:schemeClr val="tx1"/>
+            </a:solidFill>
+            <a:ln w="38100">
+              <a:solidFill>
+                <a:schemeClr val="tx1"/>
+              </a:solidFill>
+            </a:ln>
+          </p:spPr>
+          <p:style>
+            <a:lnRef idx="2">
+              <a:schemeClr val="accent1">
+                <a:shade val="50000"/>
+              </a:schemeClr>
+            </a:lnRef>
+            <a:fillRef idx="1">
+              <a:schemeClr val="accent1"/>
+            </a:fillRef>
+            <a:effectRef idx="0">
+              <a:schemeClr val="accent1"/>
+            </a:effectRef>
+            <a:fontRef idx="minor">
+              <a:schemeClr val="lt1"/>
+            </a:fontRef>
+          </p:style>
+          <p:txBody>
+            <a:bodyPr rtlCol="0" anchor="ctr"/>
+            <a:lstStyle/>
+            <a:p>
+              <a:pPr algn="ctr"/>
+              <a:endParaRPr lang="en-US"/>
+            </a:p>
+          </p:txBody>
+        </p:sp>
+        <p:sp>
+          <p:nvSpPr>
+            <p:cNvPr id="32" name="Oval 31"/>
+            <p:cNvSpPr/>
+            <p:nvPr/>
+          </p:nvSpPr>
+          <p:spPr>
+            <a:xfrm>
+              <a:off x="2995820" y="4859435"/>
+              <a:ext cx="776748" cy="776748"/>
+            </a:xfrm>
+            <a:prstGeom prst="ellipse">
+              <a:avLst/>
+            </a:prstGeom>
+            <a:noFill/>
+            <a:ln w="38100">
+              <a:solidFill>
+                <a:schemeClr val="tx1"/>
+              </a:solidFill>
+              <a:prstDash val="dash"/>
+            </a:ln>
+          </p:spPr>
+          <p:style>
+            <a:lnRef idx="2">
+              <a:schemeClr val="accent1">
+                <a:shade val="50000"/>
+              </a:schemeClr>
+            </a:lnRef>
+            <a:fillRef idx="1">
+              <a:schemeClr val="accent1"/>
+            </a:fillRef>
+            <a:effectRef idx="0">
+              <a:schemeClr val="accent1"/>
+            </a:effectRef>
+            <a:fontRef idx="minor">
+              <a:schemeClr val="lt1"/>
+            </a:fontRef>
+          </p:style>
+          <p:txBody>
+            <a:bodyPr rtlCol="0" anchor="ctr"/>
+            <a:lstStyle/>
+            <a:p>
+              <a:pPr algn="ctr"/>
+              <a:endParaRPr lang="en-US"/>
+            </a:p>
+          </p:txBody>
+        </p:sp>
+        <p:sp>
+          <p:nvSpPr>
+            <p:cNvPr id="56" name="Oval 55"/>
+            <p:cNvSpPr/>
+            <p:nvPr/>
+          </p:nvSpPr>
+          <p:spPr>
+            <a:xfrm>
+              <a:off x="2667460" y="4539073"/>
+              <a:ext cx="1417471" cy="1417471"/>
+            </a:xfrm>
+            <a:prstGeom prst="ellipse">
+              <a:avLst/>
+            </a:prstGeom>
+            <a:noFill/>
+            <a:ln w="38100">
+              <a:solidFill>
+                <a:schemeClr val="tx1"/>
+              </a:solidFill>
+              <a:prstDash val="dash"/>
+            </a:ln>
+          </p:spPr>
+          <p:style>
+            <a:lnRef idx="2">
+              <a:schemeClr val="accent1">
+                <a:shade val="50000"/>
+              </a:schemeClr>
+            </a:lnRef>
+            <a:fillRef idx="1">
+              <a:schemeClr val="accent1"/>
+            </a:fillRef>
+            <a:effectRef idx="0">
+              <a:schemeClr val="accent1"/>
+            </a:effectRef>
+            <a:fontRef idx="minor">
+              <a:schemeClr val="lt1"/>
+            </a:fontRef>
+          </p:style>
+          <p:txBody>
+            <a:bodyPr rtlCol="0" anchor="ctr"/>
+            <a:lstStyle/>
+            <a:p>
+              <a:pPr algn="ctr"/>
+              <a:endParaRPr lang="en-US"/>
+            </a:p>
+          </p:txBody>
+        </p:sp>
+        <p:sp>
+          <p:nvSpPr>
+            <p:cNvPr id="38" name="Arc 37"/>
+            <p:cNvSpPr/>
+            <p:nvPr/>
+          </p:nvSpPr>
+          <p:spPr>
+            <a:xfrm>
+              <a:off x="2426853" y="3939315"/>
+              <a:ext cx="2318728" cy="2616986"/>
+            </a:xfrm>
+            <a:prstGeom prst="arc">
+              <a:avLst/>
+            </a:prstGeom>
+            <a:ln w="38100">
+              <a:solidFill>
+                <a:schemeClr val="tx1"/>
+              </a:solidFill>
+              <a:headEnd type="triangle" w="med" len="med"/>
+              <a:tailEnd type="none" w="med" len="med"/>
+            </a:ln>
+          </p:spPr>
+          <p:style>
+            <a:lnRef idx="1">
+              <a:schemeClr val="accent1"/>
+            </a:lnRef>
+            <a:fillRef idx="0">
+              <a:schemeClr val="accent1"/>
+            </a:fillRef>
+            <a:effectRef idx="0">
+              <a:schemeClr val="accent1"/>
+            </a:effectRef>
+            <a:fontRef idx="minor">
+              <a:schemeClr val="tx1"/>
+            </a:fontRef>
+          </p:style>
+          <p:txBody>
+            <a:bodyPr rtlCol="0" anchor="ctr"/>
+            <a:lstStyle/>
+            <a:p>
+              <a:pPr algn="ctr"/>
+              <a:endParaRPr lang="en-US"/>
+            </a:p>
+          </p:txBody>
+        </p:sp>
+        <mc:AlternateContent xmlns:mc="http://schemas.openxmlformats.org/markup-compatibility/2006">
+          <mc:Choice xmlns:a14="http://schemas.microsoft.com/office/drawing/2010/main" Requires="a14">
+            <p:sp>
+              <p:nvSpPr>
+                <p:cNvPr id="39" name="TextBox 38"/>
+                <p:cNvSpPr txBox="1"/>
+                <p:nvPr/>
+              </p:nvSpPr>
+              <p:spPr>
+                <a:xfrm>
+                  <a:off x="3019675" y="4999915"/>
+                  <a:ext cx="234936" cy="307777"/>
+                </a:xfrm>
+                <a:prstGeom prst="rect">
+                  <a:avLst/>
+                </a:prstGeom>
+                <a:noFill/>
+              </p:spPr>
+              <p:txBody>
+                <a:bodyPr wrap="none" lIns="0" tIns="0" rIns="0" bIns="0" rtlCol="0">
+                  <a:spAutoFit/>
+                </a:bodyPr>
+                <a:lstStyle/>
+                <a:p>
+                  <a14:m>
+                    <m:oMathPara xmlns:m="http://schemas.openxmlformats.org/officeDocument/2006/math">
+                      <m:oMathParaPr>
+                        <m:jc m:val="centerGroup"/>
+                      </m:oMathParaPr>
+                      <m:oMath xmlns:m="http://schemas.openxmlformats.org/officeDocument/2006/math">
+                        <m:r>
+                          <a:rPr lang="en-US" sz="2000" b="0" i="1" smtClean="0">
+                            <a:latin typeface="Cambria Math" panose="02040503050406030204" pitchFamily="18" charset="0"/>
+                            <a:cs typeface="Arial" panose="020B0604020202020204" pitchFamily="34" charset="0"/>
+                          </a:rPr>
+                          <m:t>𝐴</m:t>
+                        </m:r>
+                      </m:oMath>
+                    </m:oMathPara>
+                  </a14:m>
+                  <a:endParaRPr lang="en-US" sz="2000" dirty="0" smtClean="0">
+                    <a:latin typeface="Arial" panose="020B0604020202020204" pitchFamily="34" charset="0"/>
+                    <a:cs typeface="Arial" panose="020B0604020202020204" pitchFamily="34" charset="0"/>
+                  </a:endParaRPr>
+                </a:p>
+              </p:txBody>
+            </p:sp>
+          </mc:Choice>
+          <mc:Fallback>
+            <p:sp>
+              <p:nvSpPr>
+                <p:cNvPr id="39" name="TextBox 38"/>
+                <p:cNvSpPr txBox="1">
+                  <a:spLocks noRot="1" noChangeAspect="1" noMove="1" noResize="1" noEditPoints="1" noAdjustHandles="1" noChangeArrowheads="1" noChangeShapeType="1" noTextEdit="1"/>
+                </p:cNvSpPr>
+                <p:nvPr/>
+              </p:nvSpPr>
+              <p:spPr>
+                <a:xfrm>
+                  <a:off x="3019675" y="4999915"/>
+                  <a:ext cx="234936" cy="307777"/>
+                </a:xfrm>
+                <a:prstGeom prst="rect">
+                  <a:avLst/>
+                </a:prstGeom>
+                <a:blipFill>
+                  <a:blip r:embed="rId17"/>
+                  <a:stretch>
+                    <a:fillRect l="-23684" r="-23684" b="-10000"/>
+                  </a:stretch>
+                </a:blipFill>
+              </p:spPr>
+              <p:txBody>
+                <a:bodyPr/>
+                <a:lstStyle/>
+                <a:p>
+                  <a:r>
+                    <a:rPr lang="en-US">
+                      <a:noFill/>
+                    </a:rPr>
+                    <a:t> </a:t>
+                  </a:r>
+                </a:p>
+              </p:txBody>
+            </p:sp>
+          </mc:Fallback>
+        </mc:AlternateContent>
+        <mc:AlternateContent xmlns:mc="http://schemas.openxmlformats.org/markup-compatibility/2006">
+          <mc:Choice xmlns:a14="http://schemas.microsoft.com/office/drawing/2010/main" Requires="a14">
+            <p:sp>
+              <p:nvSpPr>
+                <p:cNvPr id="58" name="TextBox 57"/>
+                <p:cNvSpPr txBox="1"/>
+                <p:nvPr/>
+              </p:nvSpPr>
+              <p:spPr>
+                <a:xfrm>
+                  <a:off x="2399859" y="4999915"/>
+                  <a:ext cx="245708" cy="307777"/>
+                </a:xfrm>
+                <a:prstGeom prst="rect">
+                  <a:avLst/>
+                </a:prstGeom>
+                <a:noFill/>
+              </p:spPr>
+              <p:txBody>
+                <a:bodyPr wrap="none" lIns="0" tIns="0" rIns="0" bIns="0" rtlCol="0">
+                  <a:spAutoFit/>
+                </a:bodyPr>
+                <a:lstStyle/>
+                <a:p>
+                  <a14:m>
+                    <m:oMathPara xmlns:m="http://schemas.openxmlformats.org/officeDocument/2006/math">
+                      <m:oMathParaPr>
+                        <m:jc m:val="centerGroup"/>
+                      </m:oMathParaPr>
+                      <m:oMath xmlns:m="http://schemas.openxmlformats.org/officeDocument/2006/math">
+                        <m:r>
+                          <a:rPr lang="en-US" sz="2000" b="0" i="1" smtClean="0">
+                            <a:latin typeface="Cambria Math" panose="02040503050406030204" pitchFamily="18" charset="0"/>
+                            <a:cs typeface="Arial" panose="020B0604020202020204" pitchFamily="34" charset="0"/>
+                          </a:rPr>
+                          <m:t>𝐵</m:t>
+                        </m:r>
+                      </m:oMath>
+                    </m:oMathPara>
+                  </a14:m>
+                  <a:endParaRPr lang="en-US" sz="2000" dirty="0" smtClean="0">
+                    <a:latin typeface="Arial" panose="020B0604020202020204" pitchFamily="34" charset="0"/>
+                    <a:cs typeface="Arial" panose="020B0604020202020204" pitchFamily="34" charset="0"/>
+                  </a:endParaRPr>
+                </a:p>
+              </p:txBody>
+            </p:sp>
+          </mc:Choice>
+          <mc:Fallback>
+            <p:sp>
+              <p:nvSpPr>
+                <p:cNvPr id="58" name="TextBox 57"/>
+                <p:cNvSpPr txBox="1">
+                  <a:spLocks noRot="1" noChangeAspect="1" noMove="1" noResize="1" noEditPoints="1" noAdjustHandles="1" noChangeArrowheads="1" noChangeShapeType="1" noTextEdit="1"/>
+                </p:cNvSpPr>
+                <p:nvPr/>
+              </p:nvSpPr>
+              <p:spPr>
+                <a:xfrm>
+                  <a:off x="2399859" y="4999915"/>
+                  <a:ext cx="245708" cy="307777"/>
+                </a:xfrm>
+                <a:prstGeom prst="rect">
+                  <a:avLst/>
+                </a:prstGeom>
+                <a:blipFill>
+                  <a:blip r:embed="rId18"/>
+                  <a:stretch>
+                    <a:fillRect l="-22500" r="-20000" b="-10000"/>
                   </a:stretch>
                 </a:blipFill>
               </p:spPr>

--- a/tex/figures/RotationalDynamics/Figures.pptx
+++ b/tex/figures/RotationalDynamics/Figures.pptx
@@ -253,7 +253,7 @@
           <a:p>
             <a:fld id="{F7249F8D-641B-4CAF-BAE5-10524742F6F1}" type="datetimeFigureOut">
               <a:rPr lang="en-CA" smtClean="0"/>
-              <a:t>2018-07-06</a:t>
+              <a:t>2018-07-09</a:t>
             </a:fld>
             <a:endParaRPr lang="en-CA"/>
           </a:p>
@@ -423,7 +423,7 @@
           <a:p>
             <a:fld id="{F7249F8D-641B-4CAF-BAE5-10524742F6F1}" type="datetimeFigureOut">
               <a:rPr lang="en-CA" smtClean="0"/>
-              <a:t>2018-07-06</a:t>
+              <a:t>2018-07-09</a:t>
             </a:fld>
             <a:endParaRPr lang="en-CA"/>
           </a:p>
@@ -603,7 +603,7 @@
           <a:p>
             <a:fld id="{F7249F8D-641B-4CAF-BAE5-10524742F6F1}" type="datetimeFigureOut">
               <a:rPr lang="en-CA" smtClean="0"/>
-              <a:t>2018-07-06</a:t>
+              <a:t>2018-07-09</a:t>
             </a:fld>
             <a:endParaRPr lang="en-CA"/>
           </a:p>
@@ -773,7 +773,7 @@
           <a:p>
             <a:fld id="{F7249F8D-641B-4CAF-BAE5-10524742F6F1}" type="datetimeFigureOut">
               <a:rPr lang="en-CA" smtClean="0"/>
-              <a:t>2018-07-06</a:t>
+              <a:t>2018-07-09</a:t>
             </a:fld>
             <a:endParaRPr lang="en-CA"/>
           </a:p>
@@ -1019,7 +1019,7 @@
           <a:p>
             <a:fld id="{F7249F8D-641B-4CAF-BAE5-10524742F6F1}" type="datetimeFigureOut">
               <a:rPr lang="en-CA" smtClean="0"/>
-              <a:t>2018-07-06</a:t>
+              <a:t>2018-07-09</a:t>
             </a:fld>
             <a:endParaRPr lang="en-CA"/>
           </a:p>
@@ -1251,7 +1251,7 @@
           <a:p>
             <a:fld id="{F7249F8D-641B-4CAF-BAE5-10524742F6F1}" type="datetimeFigureOut">
               <a:rPr lang="en-CA" smtClean="0"/>
-              <a:t>2018-07-06</a:t>
+              <a:t>2018-07-09</a:t>
             </a:fld>
             <a:endParaRPr lang="en-CA"/>
           </a:p>
@@ -1618,7 +1618,7 @@
           <a:p>
             <a:fld id="{F7249F8D-641B-4CAF-BAE5-10524742F6F1}" type="datetimeFigureOut">
               <a:rPr lang="en-CA" smtClean="0"/>
-              <a:t>2018-07-06</a:t>
+              <a:t>2018-07-09</a:t>
             </a:fld>
             <a:endParaRPr lang="en-CA"/>
           </a:p>
@@ -1736,7 +1736,7 @@
           <a:p>
             <a:fld id="{F7249F8D-641B-4CAF-BAE5-10524742F6F1}" type="datetimeFigureOut">
               <a:rPr lang="en-CA" smtClean="0"/>
-              <a:t>2018-07-06</a:t>
+              <a:t>2018-07-09</a:t>
             </a:fld>
             <a:endParaRPr lang="en-CA"/>
           </a:p>
@@ -1831,7 +1831,7 @@
           <a:p>
             <a:fld id="{F7249F8D-641B-4CAF-BAE5-10524742F6F1}" type="datetimeFigureOut">
               <a:rPr lang="en-CA" smtClean="0"/>
-              <a:t>2018-07-06</a:t>
+              <a:t>2018-07-09</a:t>
             </a:fld>
             <a:endParaRPr lang="en-CA"/>
           </a:p>
@@ -2108,7 +2108,7 @@
           <a:p>
             <a:fld id="{F7249F8D-641B-4CAF-BAE5-10524742F6F1}" type="datetimeFigureOut">
               <a:rPr lang="en-CA" smtClean="0"/>
-              <a:t>2018-07-06</a:t>
+              <a:t>2018-07-09</a:t>
             </a:fld>
             <a:endParaRPr lang="en-CA"/>
           </a:p>
@@ -2361,7 +2361,7 @@
           <a:p>
             <a:fld id="{F7249F8D-641B-4CAF-BAE5-10524742F6F1}" type="datetimeFigureOut">
               <a:rPr lang="en-CA" smtClean="0"/>
-              <a:t>2018-07-06</a:t>
+              <a:t>2018-07-09</a:t>
             </a:fld>
             <a:endParaRPr lang="en-CA"/>
           </a:p>
@@ -2574,7 +2574,7 @@
           <a:p>
             <a:fld id="{F7249F8D-641B-4CAF-BAE5-10524742F6F1}" type="datetimeFigureOut">
               <a:rPr lang="en-CA" smtClean="0"/>
-              <a:t>2018-07-06</a:t>
+              <a:t>2018-07-09</a:t>
             </a:fld>
             <a:endParaRPr lang="en-CA"/>
           </a:p>
@@ -4862,2048 +4862,6 @@
       </p:grpSpPr>
       <p:grpSp>
         <p:nvGrpSpPr>
-          <p:cNvPr id="48" name="Group 47"/>
-          <p:cNvGrpSpPr/>
-          <p:nvPr/>
-        </p:nvGrpSpPr>
-        <p:grpSpPr>
-          <a:xfrm>
-            <a:off x="387580" y="570604"/>
-            <a:ext cx="4857298" cy="2012234"/>
-            <a:chOff x="901147" y="2374352"/>
-            <a:chExt cx="4857298" cy="2012234"/>
-          </a:xfrm>
-        </p:grpSpPr>
-        <p:grpSp>
-          <p:nvGrpSpPr>
-            <p:cNvPr id="4" name="Group 3"/>
-            <p:cNvGrpSpPr/>
-            <p:nvPr/>
-          </p:nvGrpSpPr>
-          <p:grpSpPr>
-            <a:xfrm>
-              <a:off x="1726616" y="2983443"/>
-              <a:ext cx="4031829" cy="1403143"/>
-              <a:chOff x="7195931" y="2382194"/>
-              <a:chExt cx="4031829" cy="1403143"/>
-            </a:xfrm>
-          </p:grpSpPr>
-          <p:grpSp>
-            <p:nvGrpSpPr>
-              <p:cNvPr id="5" name="Group 4"/>
-              <p:cNvGrpSpPr/>
-              <p:nvPr/>
-            </p:nvGrpSpPr>
-            <p:grpSpPr>
-              <a:xfrm>
-                <a:off x="7195931" y="2382194"/>
-                <a:ext cx="4031829" cy="1403143"/>
-                <a:chOff x="7195931" y="2382194"/>
-                <a:chExt cx="4031829" cy="1403143"/>
-              </a:xfrm>
-            </p:grpSpPr>
-            <p:grpSp>
-              <p:nvGrpSpPr>
-                <p:cNvPr id="9" name="Group 8"/>
-                <p:cNvGrpSpPr/>
-                <p:nvPr/>
-              </p:nvGrpSpPr>
-              <p:grpSpPr>
-                <a:xfrm>
-                  <a:off x="7195931" y="3226803"/>
-                  <a:ext cx="4031829" cy="558534"/>
-                  <a:chOff x="919312" y="3331012"/>
-                  <a:chExt cx="4031829" cy="558534"/>
-                </a:xfrm>
-              </p:grpSpPr>
-              <p:cxnSp>
-                <p:nvCxnSpPr>
-                  <p:cNvPr id="38" name="Straight Arrow Connector 37"/>
-                  <p:cNvCxnSpPr/>
-                  <p:nvPr/>
-                </p:nvCxnSpPr>
-                <p:spPr>
-                  <a:xfrm flipV="1">
-                    <a:off x="1025912" y="3438955"/>
-                    <a:ext cx="3925229" cy="1"/>
-                  </a:xfrm>
-                  <a:prstGeom prst="straightConnector1">
-                    <a:avLst/>
-                  </a:prstGeom>
-                  <a:ln w="38100">
-                    <a:solidFill>
-                      <a:schemeClr val="tx1"/>
-                    </a:solidFill>
-                    <a:tailEnd type="triangle"/>
-                  </a:ln>
-                </p:spPr>
-                <p:style>
-                  <a:lnRef idx="1">
-                    <a:schemeClr val="accent1"/>
-                  </a:lnRef>
-                  <a:fillRef idx="0">
-                    <a:schemeClr val="accent1"/>
-                  </a:fillRef>
-                  <a:effectRef idx="0">
-                    <a:schemeClr val="accent1"/>
-                  </a:effectRef>
-                  <a:fontRef idx="minor">
-                    <a:schemeClr val="tx1"/>
-                  </a:fontRef>
-                </p:style>
-              </p:cxnSp>
-              <mc:AlternateContent xmlns:mc="http://schemas.openxmlformats.org/markup-compatibility/2006">
-                <mc:Choice xmlns:a14="http://schemas.microsoft.com/office/drawing/2010/main" Requires="a14">
-                  <p:sp>
-                    <p:nvSpPr>
-                      <p:cNvPr id="39" name="Rectangle 38"/>
-                      <p:cNvSpPr/>
-                      <p:nvPr/>
-                    </p:nvSpPr>
-                    <p:spPr>
-                      <a:xfrm>
-                        <a:off x="4404738" y="3438955"/>
-                        <a:ext cx="367985" cy="369332"/>
-                      </a:xfrm>
-                      <a:prstGeom prst="rect">
-                        <a:avLst/>
-                      </a:prstGeom>
-                    </p:spPr>
-                    <p:txBody>
-                      <a:bodyPr wrap="square">
-                        <a:spAutoFit/>
-                      </a:bodyPr>
-                      <a:lstStyle/>
-                      <a:p>
-                        <a:pPr/>
-                        <a14:m>
-                          <m:oMathPara xmlns:m="http://schemas.openxmlformats.org/officeDocument/2006/math">
-                            <m:oMathParaPr>
-                              <m:jc m:val="centerGroup"/>
-                            </m:oMathParaPr>
-                            <m:oMath xmlns:m="http://schemas.openxmlformats.org/officeDocument/2006/math">
-                              <m:r>
-                                <a:rPr lang="en-US" b="0" i="1" smtClean="0">
-                                  <a:latin typeface="Cambria Math" panose="02040503050406030204" pitchFamily="18" charset="0"/>
-                                  <a:cs typeface="Arial" panose="020B0604020202020204" pitchFamily="34" charset="0"/>
-                                </a:rPr>
-                                <m:t>𝑟</m:t>
-                              </m:r>
-                            </m:oMath>
-                          </m:oMathPara>
-                        </a14:m>
-                        <a:endParaRPr lang="en-CA" dirty="0"/>
-                      </a:p>
-                    </p:txBody>
-                  </p:sp>
-                </mc:Choice>
-                <mc:Fallback>
-                  <p:sp>
-                    <p:nvSpPr>
-                      <p:cNvPr id="39" name="Rectangle 38"/>
-                      <p:cNvSpPr>
-                        <a:spLocks noRot="1" noChangeAspect="1" noMove="1" noResize="1" noEditPoints="1" noAdjustHandles="1" noChangeArrowheads="1" noChangeShapeType="1" noTextEdit="1"/>
-                      </p:cNvSpPr>
-                      <p:nvPr/>
-                    </p:nvSpPr>
-                    <p:spPr>
-                      <a:xfrm>
-                        <a:off x="4404738" y="3438955"/>
-                        <a:ext cx="367985" cy="369332"/>
-                      </a:xfrm>
-                      <a:prstGeom prst="rect">
-                        <a:avLst/>
-                      </a:prstGeom>
-                      <a:blipFill>
-                        <a:blip r:embed="rId2"/>
-                        <a:stretch>
-                          <a:fillRect/>
-                        </a:stretch>
-                      </a:blipFill>
-                    </p:spPr>
-                    <p:txBody>
-                      <a:bodyPr/>
-                      <a:lstStyle/>
-                      <a:p>
-                        <a:r>
-                          <a:rPr lang="en-US">
-                            <a:noFill/>
-                          </a:rPr>
-                          <a:t> </a:t>
-                        </a:r>
-                      </a:p>
-                    </p:txBody>
-                  </p:sp>
-                </mc:Fallback>
-              </mc:AlternateContent>
-              <mc:AlternateContent xmlns:mc="http://schemas.openxmlformats.org/markup-compatibility/2006" xmlns:a14="http://schemas.microsoft.com/office/drawing/2010/main">
-                <mc:Choice Requires="a14">
-                  <p:sp>
-                    <p:nvSpPr>
-                      <p:cNvPr id="40" name="TextBox 39"/>
-                      <p:cNvSpPr txBox="1"/>
-                      <p:nvPr/>
-                    </p:nvSpPr>
-                    <p:spPr>
-                      <a:xfrm>
-                        <a:off x="919312" y="3581769"/>
-                        <a:ext cx="213200" cy="307777"/>
-                      </a:xfrm>
-                      <a:prstGeom prst="rect">
-                        <a:avLst/>
-                      </a:prstGeom>
-                      <a:noFill/>
-                    </p:spPr>
-                    <p:txBody>
-                      <a:bodyPr wrap="none" lIns="0" tIns="0" rIns="0" bIns="0" rtlCol="0">
-                        <a:spAutoFit/>
-                      </a:bodyPr>
-                      <a:lstStyle/>
-                      <a:p>
-                        <a:pPr/>
-                        <a14:m>
-                          <m:oMathPara xmlns:m="http://schemas.openxmlformats.org/officeDocument/2006/math">
-                            <m:oMathParaPr>
-                              <m:jc m:val="centerGroup"/>
-                            </m:oMathParaPr>
-                            <m:oMath xmlns:m="http://schemas.openxmlformats.org/officeDocument/2006/math">
-                              <m:r>
-                                <a:rPr lang="en-US" sz="2000" b="0" i="1" smtClean="0">
-                                  <a:latin typeface="Cambria Math" panose="02040503050406030204" pitchFamily="18" charset="0"/>
-                                  <a:cs typeface="Arial" panose="020B0604020202020204" pitchFamily="34" charset="0"/>
-                                </a:rPr>
-                                <m:t>0</m:t>
-                              </m:r>
-                            </m:oMath>
-                          </m:oMathPara>
-                        </a14:m>
-                        <a:endParaRPr lang="en-US" sz="2000" dirty="0" smtClean="0">
-                          <a:latin typeface="Arial" panose="020B0604020202020204" pitchFamily="34" charset="0"/>
-                          <a:cs typeface="Arial" panose="020B0604020202020204" pitchFamily="34" charset="0"/>
-                        </a:endParaRPr>
-                      </a:p>
-                    </p:txBody>
-                  </p:sp>
-                </mc:Choice>
-                <mc:Fallback xmlns="">
-                  <p:sp>
-                    <p:nvSpPr>
-                      <p:cNvPr id="29" name="TextBox 28"/>
-                      <p:cNvSpPr txBox="1">
-                        <a:spLocks noRot="1" noChangeAspect="1" noMove="1" noResize="1" noEditPoints="1" noAdjustHandles="1" noChangeArrowheads="1" noChangeShapeType="1" noTextEdit="1"/>
-                      </p:cNvSpPr>
-                      <p:nvPr/>
-                    </p:nvSpPr>
-                    <p:spPr>
-                      <a:xfrm>
-                        <a:off x="919312" y="3581769"/>
-                        <a:ext cx="213200" cy="307777"/>
-                      </a:xfrm>
-                      <a:prstGeom prst="rect">
-                        <a:avLst/>
-                      </a:prstGeom>
-                      <a:blipFill>
-                        <a:blip r:embed="rId43"/>
-                        <a:stretch>
-                          <a:fillRect l="-25714" r="-22857" b="-10000"/>
-                        </a:stretch>
-                      </a:blipFill>
-                    </p:spPr>
-                    <p:txBody>
-                      <a:bodyPr/>
-                      <a:lstStyle/>
-                      <a:p>
-                        <a:r>
-                          <a:rPr lang="en-US">
-                            <a:noFill/>
-                          </a:rPr>
-                          <a:t> </a:t>
-                        </a:r>
-                      </a:p>
-                    </p:txBody>
-                  </p:sp>
-                </mc:Fallback>
-              </mc:AlternateContent>
-              <p:cxnSp>
-                <p:nvCxnSpPr>
-                  <p:cNvPr id="41" name="Straight Connector 40"/>
-                  <p:cNvCxnSpPr/>
-                  <p:nvPr/>
-                </p:nvCxnSpPr>
-                <p:spPr>
-                  <a:xfrm flipV="1">
-                    <a:off x="1074006" y="3331012"/>
-                    <a:ext cx="0" cy="239606"/>
-                  </a:xfrm>
-                  <a:prstGeom prst="line">
-                    <a:avLst/>
-                  </a:prstGeom>
-                  <a:ln w="38100">
-                    <a:solidFill>
-                      <a:schemeClr val="tx1"/>
-                    </a:solidFill>
-                  </a:ln>
-                </p:spPr>
-                <p:style>
-                  <a:lnRef idx="1">
-                    <a:schemeClr val="accent1"/>
-                  </a:lnRef>
-                  <a:fillRef idx="0">
-                    <a:schemeClr val="accent1"/>
-                  </a:fillRef>
-                  <a:effectRef idx="0">
-                    <a:schemeClr val="accent1"/>
-                  </a:effectRef>
-                  <a:fontRef idx="minor">
-                    <a:schemeClr val="tx1"/>
-                  </a:fontRef>
-                </p:style>
-              </p:cxnSp>
-            </p:grpSp>
-            <p:cxnSp>
-              <p:nvCxnSpPr>
-                <p:cNvPr id="10" name="Straight Arrow Connector 9"/>
-                <p:cNvCxnSpPr/>
-                <p:nvPr/>
-              </p:nvCxnSpPr>
-              <p:spPr>
-                <a:xfrm>
-                  <a:off x="7339942" y="2735157"/>
-                  <a:ext cx="3360915" cy="0"/>
-                </a:xfrm>
-                <a:prstGeom prst="straightConnector1">
-                  <a:avLst/>
-                </a:prstGeom>
-                <a:ln w="38100">
-                  <a:solidFill>
-                    <a:schemeClr val="tx1"/>
-                  </a:solidFill>
-                  <a:headEnd type="triangle"/>
-                  <a:tailEnd type="triangle"/>
-                </a:ln>
-              </p:spPr>
-              <p:style>
-                <a:lnRef idx="1">
-                  <a:schemeClr val="accent1"/>
-                </a:lnRef>
-                <a:fillRef idx="0">
-                  <a:schemeClr val="accent1"/>
-                </a:fillRef>
-                <a:effectRef idx="0">
-                  <a:schemeClr val="accent1"/>
-                </a:effectRef>
-                <a:fontRef idx="minor">
-                  <a:schemeClr val="tx1"/>
-                </a:fontRef>
-              </p:style>
-            </p:cxnSp>
-            <mc:AlternateContent xmlns:mc="http://schemas.openxmlformats.org/markup-compatibility/2006" xmlns:a14="http://schemas.microsoft.com/office/drawing/2010/main">
-              <mc:Choice Requires="a14">
-                <p:sp>
-                  <p:nvSpPr>
-                    <p:cNvPr id="11" name="TextBox 10"/>
-                    <p:cNvSpPr txBox="1"/>
-                    <p:nvPr/>
-                  </p:nvSpPr>
-                  <p:spPr>
-                    <a:xfrm>
-                      <a:off x="8980256" y="2382194"/>
-                      <a:ext cx="212045" cy="307777"/>
-                    </a:xfrm>
-                    <a:prstGeom prst="rect">
-                      <a:avLst/>
-                    </a:prstGeom>
-                    <a:noFill/>
-                  </p:spPr>
-                  <p:txBody>
-                    <a:bodyPr wrap="none" lIns="0" tIns="0" rIns="0" bIns="0" rtlCol="0">
-                      <a:spAutoFit/>
-                    </a:bodyPr>
-                    <a:lstStyle/>
-                    <a:p>
-                      <a:pPr/>
-                      <a14:m>
-                        <m:oMathPara xmlns:m="http://schemas.openxmlformats.org/officeDocument/2006/math">
-                          <m:oMathParaPr>
-                            <m:jc m:val="centerGroup"/>
-                          </m:oMathParaPr>
-                          <m:oMath xmlns:m="http://schemas.openxmlformats.org/officeDocument/2006/math">
-                            <m:r>
-                              <a:rPr lang="en-US" sz="2000" b="0" i="1" smtClean="0">
-                                <a:latin typeface="Cambria Math" panose="02040503050406030204" pitchFamily="18" charset="0"/>
-                                <a:cs typeface="Arial" panose="020B0604020202020204" pitchFamily="34" charset="0"/>
-                              </a:rPr>
-                              <m:t>𝐿</m:t>
-                            </m:r>
-                          </m:oMath>
-                        </m:oMathPara>
-                      </a14:m>
-                      <a:endParaRPr lang="en-US" sz="2000" dirty="0" smtClean="0">
-                        <a:latin typeface="Arial" panose="020B0604020202020204" pitchFamily="34" charset="0"/>
-                        <a:cs typeface="Arial" panose="020B0604020202020204" pitchFamily="34" charset="0"/>
-                      </a:endParaRPr>
-                    </a:p>
-                  </p:txBody>
-                </p:sp>
-              </mc:Choice>
-              <mc:Fallback xmlns="">
-                <p:sp>
-                  <p:nvSpPr>
-                    <p:cNvPr id="5" name="TextBox 4"/>
-                    <p:cNvSpPr txBox="1">
-                      <a:spLocks noRot="1" noChangeAspect="1" noMove="1" noResize="1" noEditPoints="1" noAdjustHandles="1" noChangeArrowheads="1" noChangeShapeType="1" noTextEdit="1"/>
-                    </p:cNvSpPr>
-                    <p:nvPr/>
-                  </p:nvSpPr>
-                  <p:spPr>
-                    <a:xfrm>
-                      <a:off x="8980256" y="2382194"/>
-                      <a:ext cx="212045" cy="307777"/>
-                    </a:xfrm>
-                    <a:prstGeom prst="rect">
-                      <a:avLst/>
-                    </a:prstGeom>
-                    <a:blipFill>
-                      <a:blip r:embed="rId44"/>
-                      <a:stretch>
-                        <a:fillRect l="-22857" r="-22857" b="-10000"/>
-                      </a:stretch>
-                    </a:blipFill>
-                  </p:spPr>
-                  <p:txBody>
-                    <a:bodyPr/>
-                    <a:lstStyle/>
-                    <a:p>
-                      <a:r>
-                        <a:rPr lang="en-US">
-                          <a:noFill/>
-                        </a:rPr>
-                        <a:t> </a:t>
-                      </a:r>
-                    </a:p>
-                  </p:txBody>
-                </p:sp>
-              </mc:Fallback>
-            </mc:AlternateContent>
-            <mc:AlternateContent xmlns:mc="http://schemas.openxmlformats.org/markup-compatibility/2006" xmlns:a14="http://schemas.microsoft.com/office/drawing/2010/main">
-              <mc:Choice Requires="a14">
-                <p:sp>
-                  <p:nvSpPr>
-                    <p:cNvPr id="12" name="TextBox 11"/>
-                    <p:cNvSpPr txBox="1"/>
-                    <p:nvPr/>
-                  </p:nvSpPr>
-                  <p:spPr>
-                    <a:xfrm>
-                      <a:off x="10932936" y="2761905"/>
-                      <a:ext cx="294824" cy="307777"/>
-                    </a:xfrm>
-                    <a:prstGeom prst="rect">
-                      <a:avLst/>
-                    </a:prstGeom>
-                    <a:noFill/>
-                  </p:spPr>
-                  <p:txBody>
-                    <a:bodyPr wrap="none" lIns="0" tIns="0" rIns="0" bIns="0" rtlCol="0">
-                      <a:spAutoFit/>
-                    </a:bodyPr>
-                    <a:lstStyle/>
-                    <a:p>
-                      <a:pPr/>
-                      <a14:m>
-                        <m:oMathPara xmlns:m="http://schemas.openxmlformats.org/officeDocument/2006/math">
-                          <m:oMathParaPr>
-                            <m:jc m:val="centerGroup"/>
-                          </m:oMathParaPr>
-                          <m:oMath xmlns:m="http://schemas.openxmlformats.org/officeDocument/2006/math">
-                            <m:r>
-                              <a:rPr lang="en-US" sz="2000" b="0" i="1" smtClean="0">
-                                <a:latin typeface="Cambria Math" panose="02040503050406030204" pitchFamily="18" charset="0"/>
-                                <a:cs typeface="Arial" panose="020B0604020202020204" pitchFamily="34" charset="0"/>
-                              </a:rPr>
-                              <m:t>𝑀</m:t>
-                            </m:r>
-                          </m:oMath>
-                        </m:oMathPara>
-                      </a14:m>
-                      <a:endParaRPr lang="en-US" sz="2000" dirty="0" smtClean="0">
-                        <a:latin typeface="Arial" panose="020B0604020202020204" pitchFamily="34" charset="0"/>
-                        <a:cs typeface="Arial" panose="020B0604020202020204" pitchFamily="34" charset="0"/>
-                      </a:endParaRPr>
-                    </a:p>
-                  </p:txBody>
-                </p:sp>
-              </mc:Choice>
-              <mc:Fallback xmlns="">
-                <p:sp>
-                  <p:nvSpPr>
-                    <p:cNvPr id="14" name="TextBox 13"/>
-                    <p:cNvSpPr txBox="1">
-                      <a:spLocks noRot="1" noChangeAspect="1" noMove="1" noResize="1" noEditPoints="1" noAdjustHandles="1" noChangeArrowheads="1" noChangeShapeType="1" noTextEdit="1"/>
-                    </p:cNvSpPr>
-                    <p:nvPr/>
-                  </p:nvSpPr>
-                  <p:spPr>
-                    <a:xfrm>
-                      <a:off x="10932936" y="2761905"/>
-                      <a:ext cx="294824" cy="307777"/>
-                    </a:xfrm>
-                    <a:prstGeom prst="rect">
-                      <a:avLst/>
-                    </a:prstGeom>
-                    <a:blipFill>
-                      <a:blip r:embed="rId45"/>
-                      <a:stretch>
-                        <a:fillRect l="-16327" r="-16327" b="-9804"/>
-                      </a:stretch>
-                    </a:blipFill>
-                  </p:spPr>
-                  <p:txBody>
-                    <a:bodyPr/>
-                    <a:lstStyle/>
-                    <a:p>
-                      <a:r>
-                        <a:rPr lang="en-US">
-                          <a:noFill/>
-                        </a:rPr>
-                        <a:t> </a:t>
-                      </a:r>
-                    </a:p>
-                  </p:txBody>
-                </p:sp>
-              </mc:Fallback>
-            </mc:AlternateContent>
-            <p:grpSp>
-              <p:nvGrpSpPr>
-                <p:cNvPr id="13" name="Group 12"/>
-                <p:cNvGrpSpPr/>
-                <p:nvPr/>
-              </p:nvGrpSpPr>
-              <p:grpSpPr>
-                <a:xfrm>
-                  <a:off x="7369608" y="2869341"/>
-                  <a:ext cx="3366984" cy="180365"/>
-                  <a:chOff x="7658423" y="1678015"/>
-                  <a:chExt cx="3366984" cy="180365"/>
-                </a:xfrm>
-              </p:grpSpPr>
-              <p:sp>
-                <p:nvSpPr>
-                  <p:cNvPr id="14" name="Rectangle 13"/>
-                  <p:cNvSpPr/>
-                  <p:nvPr/>
-                </p:nvSpPr>
-                <p:spPr>
-                  <a:xfrm>
-                    <a:off x="7658423" y="1678015"/>
-                    <a:ext cx="140291" cy="180364"/>
-                  </a:xfrm>
-                  <a:prstGeom prst="rect">
-                    <a:avLst/>
-                  </a:prstGeom>
-                  <a:noFill/>
-                  <a:ln w="38100">
-                    <a:solidFill>
-                      <a:schemeClr val="tx1"/>
-                    </a:solidFill>
-                  </a:ln>
-                </p:spPr>
-                <p:style>
-                  <a:lnRef idx="2">
-                    <a:schemeClr val="accent1">
-                      <a:shade val="50000"/>
-                    </a:schemeClr>
-                  </a:lnRef>
-                  <a:fillRef idx="1">
-                    <a:schemeClr val="accent1"/>
-                  </a:fillRef>
-                  <a:effectRef idx="0">
-                    <a:schemeClr val="accent1"/>
-                  </a:effectRef>
-                  <a:fontRef idx="minor">
-                    <a:schemeClr val="lt1"/>
-                  </a:fontRef>
-                </p:style>
-                <p:txBody>
-                  <a:bodyPr rtlCol="0" anchor="ctr"/>
-                  <a:lstStyle/>
-                  <a:p>
-                    <a:pPr algn="ctr"/>
-                    <a:endParaRPr lang="en-US"/>
-                  </a:p>
-                </p:txBody>
-              </p:sp>
-              <p:sp>
-                <p:nvSpPr>
-                  <p:cNvPr id="15" name="Rectangle 14"/>
-                  <p:cNvSpPr/>
-                  <p:nvPr/>
-                </p:nvSpPr>
-                <p:spPr>
-                  <a:xfrm>
-                    <a:off x="7798714" y="1678015"/>
-                    <a:ext cx="140291" cy="180364"/>
-                  </a:xfrm>
-                  <a:prstGeom prst="rect">
-                    <a:avLst/>
-                  </a:prstGeom>
-                  <a:noFill/>
-                  <a:ln w="38100">
-                    <a:solidFill>
-                      <a:schemeClr val="tx1"/>
-                    </a:solidFill>
-                  </a:ln>
-                </p:spPr>
-                <p:style>
-                  <a:lnRef idx="2">
-                    <a:schemeClr val="accent1">
-                      <a:shade val="50000"/>
-                    </a:schemeClr>
-                  </a:lnRef>
-                  <a:fillRef idx="1">
-                    <a:schemeClr val="accent1"/>
-                  </a:fillRef>
-                  <a:effectRef idx="0">
-                    <a:schemeClr val="accent1"/>
-                  </a:effectRef>
-                  <a:fontRef idx="minor">
-                    <a:schemeClr val="lt1"/>
-                  </a:fontRef>
-                </p:style>
-                <p:txBody>
-                  <a:bodyPr rtlCol="0" anchor="ctr"/>
-                  <a:lstStyle/>
-                  <a:p>
-                    <a:pPr algn="ctr"/>
-                    <a:endParaRPr lang="en-US"/>
-                  </a:p>
-                </p:txBody>
-              </p:sp>
-              <p:sp>
-                <p:nvSpPr>
-                  <p:cNvPr id="16" name="Rectangle 15"/>
-                  <p:cNvSpPr/>
-                  <p:nvPr/>
-                </p:nvSpPr>
-                <p:spPr>
-                  <a:xfrm>
-                    <a:off x="7939005" y="1678015"/>
-                    <a:ext cx="140291" cy="180364"/>
-                  </a:xfrm>
-                  <a:prstGeom prst="rect">
-                    <a:avLst/>
-                  </a:prstGeom>
-                  <a:noFill/>
-                  <a:ln w="38100">
-                    <a:solidFill>
-                      <a:schemeClr val="tx1"/>
-                    </a:solidFill>
-                  </a:ln>
-                </p:spPr>
-                <p:style>
-                  <a:lnRef idx="2">
-                    <a:schemeClr val="accent1">
-                      <a:shade val="50000"/>
-                    </a:schemeClr>
-                  </a:lnRef>
-                  <a:fillRef idx="1">
-                    <a:schemeClr val="accent1"/>
-                  </a:fillRef>
-                  <a:effectRef idx="0">
-                    <a:schemeClr val="accent1"/>
-                  </a:effectRef>
-                  <a:fontRef idx="minor">
-                    <a:schemeClr val="lt1"/>
-                  </a:fontRef>
-                </p:style>
-                <p:txBody>
-                  <a:bodyPr rtlCol="0" anchor="ctr"/>
-                  <a:lstStyle/>
-                  <a:p>
-                    <a:pPr algn="ctr"/>
-                    <a:endParaRPr lang="en-US"/>
-                  </a:p>
-                </p:txBody>
-              </p:sp>
-              <p:sp>
-                <p:nvSpPr>
-                  <p:cNvPr id="17" name="Rectangle 16"/>
-                  <p:cNvSpPr/>
-                  <p:nvPr/>
-                </p:nvSpPr>
-                <p:spPr>
-                  <a:xfrm>
-                    <a:off x="8079296" y="1678015"/>
-                    <a:ext cx="140291" cy="180364"/>
-                  </a:xfrm>
-                  <a:prstGeom prst="rect">
-                    <a:avLst/>
-                  </a:prstGeom>
-                  <a:noFill/>
-                  <a:ln w="38100">
-                    <a:solidFill>
-                      <a:schemeClr val="tx1"/>
-                    </a:solidFill>
-                  </a:ln>
-                </p:spPr>
-                <p:style>
-                  <a:lnRef idx="2">
-                    <a:schemeClr val="accent1">
-                      <a:shade val="50000"/>
-                    </a:schemeClr>
-                  </a:lnRef>
-                  <a:fillRef idx="1">
-                    <a:schemeClr val="accent1"/>
-                  </a:fillRef>
-                  <a:effectRef idx="0">
-                    <a:schemeClr val="accent1"/>
-                  </a:effectRef>
-                  <a:fontRef idx="minor">
-                    <a:schemeClr val="lt1"/>
-                  </a:fontRef>
-                </p:style>
-                <p:txBody>
-                  <a:bodyPr rtlCol="0" anchor="ctr"/>
-                  <a:lstStyle/>
-                  <a:p>
-                    <a:pPr algn="ctr"/>
-                    <a:endParaRPr lang="en-US"/>
-                  </a:p>
-                </p:txBody>
-              </p:sp>
-              <p:sp>
-                <p:nvSpPr>
-                  <p:cNvPr id="18" name="Rectangle 17"/>
-                  <p:cNvSpPr/>
-                  <p:nvPr/>
-                </p:nvSpPr>
-                <p:spPr>
-                  <a:xfrm>
-                    <a:off x="8219587" y="1678015"/>
-                    <a:ext cx="140291" cy="180364"/>
-                  </a:xfrm>
-                  <a:prstGeom prst="rect">
-                    <a:avLst/>
-                  </a:prstGeom>
-                  <a:noFill/>
-                  <a:ln w="38100">
-                    <a:solidFill>
-                      <a:schemeClr val="tx1"/>
-                    </a:solidFill>
-                  </a:ln>
-                </p:spPr>
-                <p:style>
-                  <a:lnRef idx="2">
-                    <a:schemeClr val="accent1">
-                      <a:shade val="50000"/>
-                    </a:schemeClr>
-                  </a:lnRef>
-                  <a:fillRef idx="1">
-                    <a:schemeClr val="accent1"/>
-                  </a:fillRef>
-                  <a:effectRef idx="0">
-                    <a:schemeClr val="accent1"/>
-                  </a:effectRef>
-                  <a:fontRef idx="minor">
-                    <a:schemeClr val="lt1"/>
-                  </a:fontRef>
-                </p:style>
-                <p:txBody>
-                  <a:bodyPr rtlCol="0" anchor="ctr"/>
-                  <a:lstStyle/>
-                  <a:p>
-                    <a:pPr algn="ctr"/>
-                    <a:endParaRPr lang="en-US"/>
-                  </a:p>
-                </p:txBody>
-              </p:sp>
-              <p:sp>
-                <p:nvSpPr>
-                  <p:cNvPr id="19" name="Rectangle 18"/>
-                  <p:cNvSpPr/>
-                  <p:nvPr/>
-                </p:nvSpPr>
-                <p:spPr>
-                  <a:xfrm>
-                    <a:off x="8359878" y="1678015"/>
-                    <a:ext cx="140291" cy="180364"/>
-                  </a:xfrm>
-                  <a:prstGeom prst="rect">
-                    <a:avLst/>
-                  </a:prstGeom>
-                  <a:noFill/>
-                  <a:ln w="38100">
-                    <a:solidFill>
-                      <a:schemeClr val="tx1"/>
-                    </a:solidFill>
-                  </a:ln>
-                </p:spPr>
-                <p:style>
-                  <a:lnRef idx="2">
-                    <a:schemeClr val="accent1">
-                      <a:shade val="50000"/>
-                    </a:schemeClr>
-                  </a:lnRef>
-                  <a:fillRef idx="1">
-                    <a:schemeClr val="accent1"/>
-                  </a:fillRef>
-                  <a:effectRef idx="0">
-                    <a:schemeClr val="accent1"/>
-                  </a:effectRef>
-                  <a:fontRef idx="minor">
-                    <a:schemeClr val="lt1"/>
-                  </a:fontRef>
-                </p:style>
-                <p:txBody>
-                  <a:bodyPr rtlCol="0" anchor="ctr"/>
-                  <a:lstStyle/>
-                  <a:p>
-                    <a:pPr algn="ctr"/>
-                    <a:endParaRPr lang="en-US"/>
-                  </a:p>
-                </p:txBody>
-              </p:sp>
-              <p:sp>
-                <p:nvSpPr>
-                  <p:cNvPr id="20" name="Rectangle 19"/>
-                  <p:cNvSpPr/>
-                  <p:nvPr/>
-                </p:nvSpPr>
-                <p:spPr>
-                  <a:xfrm>
-                    <a:off x="8500169" y="1678015"/>
-                    <a:ext cx="140291" cy="180364"/>
-                  </a:xfrm>
-                  <a:prstGeom prst="rect">
-                    <a:avLst/>
-                  </a:prstGeom>
-                  <a:noFill/>
-                  <a:ln w="38100">
-                    <a:solidFill>
-                      <a:schemeClr val="tx1"/>
-                    </a:solidFill>
-                  </a:ln>
-                </p:spPr>
-                <p:style>
-                  <a:lnRef idx="2">
-                    <a:schemeClr val="accent1">
-                      <a:shade val="50000"/>
-                    </a:schemeClr>
-                  </a:lnRef>
-                  <a:fillRef idx="1">
-                    <a:schemeClr val="accent1"/>
-                  </a:fillRef>
-                  <a:effectRef idx="0">
-                    <a:schemeClr val="accent1"/>
-                  </a:effectRef>
-                  <a:fontRef idx="minor">
-                    <a:schemeClr val="lt1"/>
-                  </a:fontRef>
-                </p:style>
-                <p:txBody>
-                  <a:bodyPr rtlCol="0" anchor="ctr"/>
-                  <a:lstStyle/>
-                  <a:p>
-                    <a:pPr algn="ctr"/>
-                    <a:endParaRPr lang="en-US"/>
-                  </a:p>
-                </p:txBody>
-              </p:sp>
-              <p:sp>
-                <p:nvSpPr>
-                  <p:cNvPr id="21" name="Rectangle 20"/>
-                  <p:cNvSpPr/>
-                  <p:nvPr/>
-                </p:nvSpPr>
-                <p:spPr>
-                  <a:xfrm>
-                    <a:off x="8640460" y="1678015"/>
-                    <a:ext cx="140291" cy="180364"/>
-                  </a:xfrm>
-                  <a:prstGeom prst="rect">
-                    <a:avLst/>
-                  </a:prstGeom>
-                  <a:noFill/>
-                  <a:ln w="38100">
-                    <a:solidFill>
-                      <a:schemeClr val="tx1"/>
-                    </a:solidFill>
-                  </a:ln>
-                </p:spPr>
-                <p:style>
-                  <a:lnRef idx="2">
-                    <a:schemeClr val="accent1">
-                      <a:shade val="50000"/>
-                    </a:schemeClr>
-                  </a:lnRef>
-                  <a:fillRef idx="1">
-                    <a:schemeClr val="accent1"/>
-                  </a:fillRef>
-                  <a:effectRef idx="0">
-                    <a:schemeClr val="accent1"/>
-                  </a:effectRef>
-                  <a:fontRef idx="minor">
-                    <a:schemeClr val="lt1"/>
-                  </a:fontRef>
-                </p:style>
-                <p:txBody>
-                  <a:bodyPr rtlCol="0" anchor="ctr"/>
-                  <a:lstStyle/>
-                  <a:p>
-                    <a:pPr algn="ctr"/>
-                    <a:endParaRPr lang="en-US"/>
-                  </a:p>
-                </p:txBody>
-              </p:sp>
-              <p:sp>
-                <p:nvSpPr>
-                  <p:cNvPr id="22" name="Rectangle 21"/>
-                  <p:cNvSpPr/>
-                  <p:nvPr/>
-                </p:nvSpPr>
-                <p:spPr>
-                  <a:xfrm>
-                    <a:off x="8780751" y="1678016"/>
-                    <a:ext cx="140291" cy="180364"/>
-                  </a:xfrm>
-                  <a:prstGeom prst="rect">
-                    <a:avLst/>
-                  </a:prstGeom>
-                  <a:noFill/>
-                  <a:ln w="38100">
-                    <a:solidFill>
-                      <a:schemeClr val="tx1"/>
-                    </a:solidFill>
-                  </a:ln>
-                </p:spPr>
-                <p:style>
-                  <a:lnRef idx="2">
-                    <a:schemeClr val="accent1">
-                      <a:shade val="50000"/>
-                    </a:schemeClr>
-                  </a:lnRef>
-                  <a:fillRef idx="1">
-                    <a:schemeClr val="accent1"/>
-                  </a:fillRef>
-                  <a:effectRef idx="0">
-                    <a:schemeClr val="accent1"/>
-                  </a:effectRef>
-                  <a:fontRef idx="minor">
-                    <a:schemeClr val="lt1"/>
-                  </a:fontRef>
-                </p:style>
-                <p:txBody>
-                  <a:bodyPr rtlCol="0" anchor="ctr"/>
-                  <a:lstStyle/>
-                  <a:p>
-                    <a:pPr algn="ctr"/>
-                    <a:endParaRPr lang="en-US"/>
-                  </a:p>
-                </p:txBody>
-              </p:sp>
-              <p:sp>
-                <p:nvSpPr>
-                  <p:cNvPr id="23" name="Rectangle 22"/>
-                  <p:cNvSpPr/>
-                  <p:nvPr/>
-                </p:nvSpPr>
-                <p:spPr>
-                  <a:xfrm>
-                    <a:off x="8921042" y="1678016"/>
-                    <a:ext cx="140291" cy="180364"/>
-                  </a:xfrm>
-                  <a:prstGeom prst="rect">
-                    <a:avLst/>
-                  </a:prstGeom>
-                  <a:noFill/>
-                  <a:ln w="38100">
-                    <a:solidFill>
-                      <a:schemeClr val="tx1"/>
-                    </a:solidFill>
-                  </a:ln>
-                </p:spPr>
-                <p:style>
-                  <a:lnRef idx="2">
-                    <a:schemeClr val="accent1">
-                      <a:shade val="50000"/>
-                    </a:schemeClr>
-                  </a:lnRef>
-                  <a:fillRef idx="1">
-                    <a:schemeClr val="accent1"/>
-                  </a:fillRef>
-                  <a:effectRef idx="0">
-                    <a:schemeClr val="accent1"/>
-                  </a:effectRef>
-                  <a:fontRef idx="minor">
-                    <a:schemeClr val="lt1"/>
-                  </a:fontRef>
-                </p:style>
-                <p:txBody>
-                  <a:bodyPr rtlCol="0" anchor="ctr"/>
-                  <a:lstStyle/>
-                  <a:p>
-                    <a:pPr algn="ctr"/>
-                    <a:endParaRPr lang="en-US"/>
-                  </a:p>
-                </p:txBody>
-              </p:sp>
-              <p:sp>
-                <p:nvSpPr>
-                  <p:cNvPr id="24" name="Rectangle 23"/>
-                  <p:cNvSpPr/>
-                  <p:nvPr/>
-                </p:nvSpPr>
-                <p:spPr>
-                  <a:xfrm>
-                    <a:off x="9061333" y="1678016"/>
-                    <a:ext cx="140291" cy="180364"/>
-                  </a:xfrm>
-                  <a:prstGeom prst="rect">
-                    <a:avLst/>
-                  </a:prstGeom>
-                  <a:noFill/>
-                  <a:ln w="38100">
-                    <a:solidFill>
-                      <a:schemeClr val="tx1"/>
-                    </a:solidFill>
-                  </a:ln>
-                </p:spPr>
-                <p:style>
-                  <a:lnRef idx="2">
-                    <a:schemeClr val="accent1">
-                      <a:shade val="50000"/>
-                    </a:schemeClr>
-                  </a:lnRef>
-                  <a:fillRef idx="1">
-                    <a:schemeClr val="accent1"/>
-                  </a:fillRef>
-                  <a:effectRef idx="0">
-                    <a:schemeClr val="accent1"/>
-                  </a:effectRef>
-                  <a:fontRef idx="minor">
-                    <a:schemeClr val="lt1"/>
-                  </a:fontRef>
-                </p:style>
-                <p:txBody>
-                  <a:bodyPr rtlCol="0" anchor="ctr"/>
-                  <a:lstStyle/>
-                  <a:p>
-                    <a:pPr algn="ctr"/>
-                    <a:endParaRPr lang="en-US"/>
-                  </a:p>
-                </p:txBody>
-              </p:sp>
-              <p:sp>
-                <p:nvSpPr>
-                  <p:cNvPr id="25" name="Rectangle 24"/>
-                  <p:cNvSpPr/>
-                  <p:nvPr/>
-                </p:nvSpPr>
-                <p:spPr>
-                  <a:xfrm>
-                    <a:off x="9201624" y="1678016"/>
-                    <a:ext cx="140291" cy="180364"/>
-                  </a:xfrm>
-                  <a:prstGeom prst="rect">
-                    <a:avLst/>
-                  </a:prstGeom>
-                  <a:noFill/>
-                  <a:ln w="38100">
-                    <a:solidFill>
-                      <a:schemeClr val="tx1"/>
-                    </a:solidFill>
-                  </a:ln>
-                </p:spPr>
-                <p:style>
-                  <a:lnRef idx="2">
-                    <a:schemeClr val="accent1">
-                      <a:shade val="50000"/>
-                    </a:schemeClr>
-                  </a:lnRef>
-                  <a:fillRef idx="1">
-                    <a:schemeClr val="accent1"/>
-                  </a:fillRef>
-                  <a:effectRef idx="0">
-                    <a:schemeClr val="accent1"/>
-                  </a:effectRef>
-                  <a:fontRef idx="minor">
-                    <a:schemeClr val="lt1"/>
-                  </a:fontRef>
-                </p:style>
-                <p:txBody>
-                  <a:bodyPr rtlCol="0" anchor="ctr"/>
-                  <a:lstStyle/>
-                  <a:p>
-                    <a:pPr algn="ctr"/>
-                    <a:endParaRPr lang="en-US"/>
-                  </a:p>
-                </p:txBody>
-              </p:sp>
-              <p:sp>
-                <p:nvSpPr>
-                  <p:cNvPr id="26" name="Rectangle 25"/>
-                  <p:cNvSpPr/>
-                  <p:nvPr/>
-                </p:nvSpPr>
-                <p:spPr>
-                  <a:xfrm>
-                    <a:off x="9341915" y="1678016"/>
-                    <a:ext cx="140291" cy="180364"/>
-                  </a:xfrm>
-                  <a:prstGeom prst="rect">
-                    <a:avLst/>
-                  </a:prstGeom>
-                  <a:noFill/>
-                  <a:ln w="38100">
-                    <a:solidFill>
-                      <a:schemeClr val="tx1"/>
-                    </a:solidFill>
-                  </a:ln>
-                </p:spPr>
-                <p:style>
-                  <a:lnRef idx="2">
-                    <a:schemeClr val="accent1">
-                      <a:shade val="50000"/>
-                    </a:schemeClr>
-                  </a:lnRef>
-                  <a:fillRef idx="1">
-                    <a:schemeClr val="accent1"/>
-                  </a:fillRef>
-                  <a:effectRef idx="0">
-                    <a:schemeClr val="accent1"/>
-                  </a:effectRef>
-                  <a:fontRef idx="minor">
-                    <a:schemeClr val="lt1"/>
-                  </a:fontRef>
-                </p:style>
-                <p:txBody>
-                  <a:bodyPr rtlCol="0" anchor="ctr"/>
-                  <a:lstStyle/>
-                  <a:p>
-                    <a:pPr algn="ctr"/>
-                    <a:endParaRPr lang="en-US"/>
-                  </a:p>
-                </p:txBody>
-              </p:sp>
-              <p:sp>
-                <p:nvSpPr>
-                  <p:cNvPr id="27" name="Rectangle 26"/>
-                  <p:cNvSpPr/>
-                  <p:nvPr/>
-                </p:nvSpPr>
-                <p:spPr>
-                  <a:xfrm>
-                    <a:off x="9482206" y="1678016"/>
-                    <a:ext cx="140291" cy="180364"/>
-                  </a:xfrm>
-                  <a:prstGeom prst="rect">
-                    <a:avLst/>
-                  </a:prstGeom>
-                  <a:solidFill>
-                    <a:schemeClr val="bg2">
-                      <a:lumMod val="50000"/>
-                    </a:schemeClr>
-                  </a:solidFill>
-                  <a:ln w="38100">
-                    <a:solidFill>
-                      <a:schemeClr val="tx1"/>
-                    </a:solidFill>
-                  </a:ln>
-                </p:spPr>
-                <p:style>
-                  <a:lnRef idx="2">
-                    <a:schemeClr val="accent1">
-                      <a:shade val="50000"/>
-                    </a:schemeClr>
-                  </a:lnRef>
-                  <a:fillRef idx="1">
-                    <a:schemeClr val="accent1"/>
-                  </a:fillRef>
-                  <a:effectRef idx="0">
-                    <a:schemeClr val="accent1"/>
-                  </a:effectRef>
-                  <a:fontRef idx="minor">
-                    <a:schemeClr val="lt1"/>
-                  </a:fontRef>
-                </p:style>
-                <p:txBody>
-                  <a:bodyPr rtlCol="0" anchor="ctr"/>
-                  <a:lstStyle/>
-                  <a:p>
-                    <a:pPr algn="ctr"/>
-                    <a:endParaRPr lang="en-US"/>
-                  </a:p>
-                </p:txBody>
-              </p:sp>
-              <p:sp>
-                <p:nvSpPr>
-                  <p:cNvPr id="28" name="Rectangle 27"/>
-                  <p:cNvSpPr/>
-                  <p:nvPr/>
-                </p:nvSpPr>
-                <p:spPr>
-                  <a:xfrm>
-                    <a:off x="9622497" y="1678016"/>
-                    <a:ext cx="140291" cy="180364"/>
-                  </a:xfrm>
-                  <a:prstGeom prst="rect">
-                    <a:avLst/>
-                  </a:prstGeom>
-                  <a:noFill/>
-                  <a:ln w="38100">
-                    <a:solidFill>
-                      <a:schemeClr val="tx1"/>
-                    </a:solidFill>
-                  </a:ln>
-                </p:spPr>
-                <p:style>
-                  <a:lnRef idx="2">
-                    <a:schemeClr val="accent1">
-                      <a:shade val="50000"/>
-                    </a:schemeClr>
-                  </a:lnRef>
-                  <a:fillRef idx="1">
-                    <a:schemeClr val="accent1"/>
-                  </a:fillRef>
-                  <a:effectRef idx="0">
-                    <a:schemeClr val="accent1"/>
-                  </a:effectRef>
-                  <a:fontRef idx="minor">
-                    <a:schemeClr val="lt1"/>
-                  </a:fontRef>
-                </p:style>
-                <p:txBody>
-                  <a:bodyPr rtlCol="0" anchor="ctr"/>
-                  <a:lstStyle/>
-                  <a:p>
-                    <a:pPr algn="ctr"/>
-                    <a:endParaRPr lang="en-US"/>
-                  </a:p>
-                </p:txBody>
-              </p:sp>
-              <p:sp>
-                <p:nvSpPr>
-                  <p:cNvPr id="29" name="Rectangle 28"/>
-                  <p:cNvSpPr/>
-                  <p:nvPr/>
-                </p:nvSpPr>
-                <p:spPr>
-                  <a:xfrm>
-                    <a:off x="9762788" y="1678016"/>
-                    <a:ext cx="140291" cy="180364"/>
-                  </a:xfrm>
-                  <a:prstGeom prst="rect">
-                    <a:avLst/>
-                  </a:prstGeom>
-                  <a:noFill/>
-                  <a:ln w="38100">
-                    <a:solidFill>
-                      <a:schemeClr val="tx1"/>
-                    </a:solidFill>
-                  </a:ln>
-                </p:spPr>
-                <p:style>
-                  <a:lnRef idx="2">
-                    <a:schemeClr val="accent1">
-                      <a:shade val="50000"/>
-                    </a:schemeClr>
-                  </a:lnRef>
-                  <a:fillRef idx="1">
-                    <a:schemeClr val="accent1"/>
-                  </a:fillRef>
-                  <a:effectRef idx="0">
-                    <a:schemeClr val="accent1"/>
-                  </a:effectRef>
-                  <a:fontRef idx="minor">
-                    <a:schemeClr val="lt1"/>
-                  </a:fontRef>
-                </p:style>
-                <p:txBody>
-                  <a:bodyPr rtlCol="0" anchor="ctr"/>
-                  <a:lstStyle/>
-                  <a:p>
-                    <a:pPr algn="ctr"/>
-                    <a:endParaRPr lang="en-US"/>
-                  </a:p>
-                </p:txBody>
-              </p:sp>
-              <p:sp>
-                <p:nvSpPr>
-                  <p:cNvPr id="30" name="Rectangle 29"/>
-                  <p:cNvSpPr/>
-                  <p:nvPr/>
-                </p:nvSpPr>
-                <p:spPr>
-                  <a:xfrm>
-                    <a:off x="9903079" y="1678015"/>
-                    <a:ext cx="140291" cy="180364"/>
-                  </a:xfrm>
-                  <a:prstGeom prst="rect">
-                    <a:avLst/>
-                  </a:prstGeom>
-                  <a:noFill/>
-                  <a:ln w="38100">
-                    <a:solidFill>
-                      <a:schemeClr val="tx1"/>
-                    </a:solidFill>
-                  </a:ln>
-                </p:spPr>
-                <p:style>
-                  <a:lnRef idx="2">
-                    <a:schemeClr val="accent1">
-                      <a:shade val="50000"/>
-                    </a:schemeClr>
-                  </a:lnRef>
-                  <a:fillRef idx="1">
-                    <a:schemeClr val="accent1"/>
-                  </a:fillRef>
-                  <a:effectRef idx="0">
-                    <a:schemeClr val="accent1"/>
-                  </a:effectRef>
-                  <a:fontRef idx="minor">
-                    <a:schemeClr val="lt1"/>
-                  </a:fontRef>
-                </p:style>
-                <p:txBody>
-                  <a:bodyPr rtlCol="0" anchor="ctr"/>
-                  <a:lstStyle/>
-                  <a:p>
-                    <a:pPr algn="ctr"/>
-                    <a:endParaRPr lang="en-US"/>
-                  </a:p>
-                </p:txBody>
-              </p:sp>
-              <p:sp>
-                <p:nvSpPr>
-                  <p:cNvPr id="31" name="Rectangle 30"/>
-                  <p:cNvSpPr/>
-                  <p:nvPr/>
-                </p:nvSpPr>
-                <p:spPr>
-                  <a:xfrm>
-                    <a:off x="10043370" y="1678015"/>
-                    <a:ext cx="140291" cy="180364"/>
-                  </a:xfrm>
-                  <a:prstGeom prst="rect">
-                    <a:avLst/>
-                  </a:prstGeom>
-                  <a:noFill/>
-                  <a:ln w="38100">
-                    <a:solidFill>
-                      <a:schemeClr val="tx1"/>
-                    </a:solidFill>
-                  </a:ln>
-                </p:spPr>
-                <p:style>
-                  <a:lnRef idx="2">
-                    <a:schemeClr val="accent1">
-                      <a:shade val="50000"/>
-                    </a:schemeClr>
-                  </a:lnRef>
-                  <a:fillRef idx="1">
-                    <a:schemeClr val="accent1"/>
-                  </a:fillRef>
-                  <a:effectRef idx="0">
-                    <a:schemeClr val="accent1"/>
-                  </a:effectRef>
-                  <a:fontRef idx="minor">
-                    <a:schemeClr val="lt1"/>
-                  </a:fontRef>
-                </p:style>
-                <p:txBody>
-                  <a:bodyPr rtlCol="0" anchor="ctr"/>
-                  <a:lstStyle/>
-                  <a:p>
-                    <a:pPr algn="ctr"/>
-                    <a:endParaRPr lang="en-US"/>
-                  </a:p>
-                </p:txBody>
-              </p:sp>
-              <p:sp>
-                <p:nvSpPr>
-                  <p:cNvPr id="32" name="Rectangle 31"/>
-                  <p:cNvSpPr/>
-                  <p:nvPr/>
-                </p:nvSpPr>
-                <p:spPr>
-                  <a:xfrm>
-                    <a:off x="10183661" y="1678015"/>
-                    <a:ext cx="140291" cy="180364"/>
-                  </a:xfrm>
-                  <a:prstGeom prst="rect">
-                    <a:avLst/>
-                  </a:prstGeom>
-                  <a:noFill/>
-                  <a:ln w="38100">
-                    <a:solidFill>
-                      <a:schemeClr val="tx1"/>
-                    </a:solidFill>
-                  </a:ln>
-                </p:spPr>
-                <p:style>
-                  <a:lnRef idx="2">
-                    <a:schemeClr val="accent1">
-                      <a:shade val="50000"/>
-                    </a:schemeClr>
-                  </a:lnRef>
-                  <a:fillRef idx="1">
-                    <a:schemeClr val="accent1"/>
-                  </a:fillRef>
-                  <a:effectRef idx="0">
-                    <a:schemeClr val="accent1"/>
-                  </a:effectRef>
-                  <a:fontRef idx="minor">
-                    <a:schemeClr val="lt1"/>
-                  </a:fontRef>
-                </p:style>
-                <p:txBody>
-                  <a:bodyPr rtlCol="0" anchor="ctr"/>
-                  <a:lstStyle/>
-                  <a:p>
-                    <a:pPr algn="ctr"/>
-                    <a:endParaRPr lang="en-US"/>
-                  </a:p>
-                </p:txBody>
-              </p:sp>
-              <p:sp>
-                <p:nvSpPr>
-                  <p:cNvPr id="33" name="Rectangle 32"/>
-                  <p:cNvSpPr/>
-                  <p:nvPr/>
-                </p:nvSpPr>
-                <p:spPr>
-                  <a:xfrm>
-                    <a:off x="10323952" y="1678015"/>
-                    <a:ext cx="140291" cy="180364"/>
-                  </a:xfrm>
-                  <a:prstGeom prst="rect">
-                    <a:avLst/>
-                  </a:prstGeom>
-                  <a:noFill/>
-                  <a:ln w="38100">
-                    <a:solidFill>
-                      <a:schemeClr val="tx1"/>
-                    </a:solidFill>
-                  </a:ln>
-                </p:spPr>
-                <p:style>
-                  <a:lnRef idx="2">
-                    <a:schemeClr val="accent1">
-                      <a:shade val="50000"/>
-                    </a:schemeClr>
-                  </a:lnRef>
-                  <a:fillRef idx="1">
-                    <a:schemeClr val="accent1"/>
-                  </a:fillRef>
-                  <a:effectRef idx="0">
-                    <a:schemeClr val="accent1"/>
-                  </a:effectRef>
-                  <a:fontRef idx="minor">
-                    <a:schemeClr val="lt1"/>
-                  </a:fontRef>
-                </p:style>
-                <p:txBody>
-                  <a:bodyPr rtlCol="0" anchor="ctr"/>
-                  <a:lstStyle/>
-                  <a:p>
-                    <a:pPr algn="ctr"/>
-                    <a:endParaRPr lang="en-US"/>
-                  </a:p>
-                </p:txBody>
-              </p:sp>
-              <p:sp>
-                <p:nvSpPr>
-                  <p:cNvPr id="34" name="Rectangle 33"/>
-                  <p:cNvSpPr/>
-                  <p:nvPr/>
-                </p:nvSpPr>
-                <p:spPr>
-                  <a:xfrm>
-                    <a:off x="10464243" y="1678015"/>
-                    <a:ext cx="140291" cy="180364"/>
-                  </a:xfrm>
-                  <a:prstGeom prst="rect">
-                    <a:avLst/>
-                  </a:prstGeom>
-                  <a:noFill/>
-                  <a:ln w="38100">
-                    <a:solidFill>
-                      <a:schemeClr val="tx1"/>
-                    </a:solidFill>
-                  </a:ln>
-                </p:spPr>
-                <p:style>
-                  <a:lnRef idx="2">
-                    <a:schemeClr val="accent1">
-                      <a:shade val="50000"/>
-                    </a:schemeClr>
-                  </a:lnRef>
-                  <a:fillRef idx="1">
-                    <a:schemeClr val="accent1"/>
-                  </a:fillRef>
-                  <a:effectRef idx="0">
-                    <a:schemeClr val="accent1"/>
-                  </a:effectRef>
-                  <a:fontRef idx="minor">
-                    <a:schemeClr val="lt1"/>
-                  </a:fontRef>
-                </p:style>
-                <p:txBody>
-                  <a:bodyPr rtlCol="0" anchor="ctr"/>
-                  <a:lstStyle/>
-                  <a:p>
-                    <a:pPr algn="ctr"/>
-                    <a:endParaRPr lang="en-US"/>
-                  </a:p>
-                </p:txBody>
-              </p:sp>
-              <p:sp>
-                <p:nvSpPr>
-                  <p:cNvPr id="35" name="Rectangle 34"/>
-                  <p:cNvSpPr/>
-                  <p:nvPr/>
-                </p:nvSpPr>
-                <p:spPr>
-                  <a:xfrm>
-                    <a:off x="10604534" y="1678015"/>
-                    <a:ext cx="140291" cy="180364"/>
-                  </a:xfrm>
-                  <a:prstGeom prst="rect">
-                    <a:avLst/>
-                  </a:prstGeom>
-                  <a:noFill/>
-                  <a:ln w="38100">
-                    <a:solidFill>
-                      <a:schemeClr val="tx1"/>
-                    </a:solidFill>
-                  </a:ln>
-                </p:spPr>
-                <p:style>
-                  <a:lnRef idx="2">
-                    <a:schemeClr val="accent1">
-                      <a:shade val="50000"/>
-                    </a:schemeClr>
-                  </a:lnRef>
-                  <a:fillRef idx="1">
-                    <a:schemeClr val="accent1"/>
-                  </a:fillRef>
-                  <a:effectRef idx="0">
-                    <a:schemeClr val="accent1"/>
-                  </a:effectRef>
-                  <a:fontRef idx="minor">
-                    <a:schemeClr val="lt1"/>
-                  </a:fontRef>
-                </p:style>
-                <p:txBody>
-                  <a:bodyPr rtlCol="0" anchor="ctr"/>
-                  <a:lstStyle/>
-                  <a:p>
-                    <a:pPr algn="ctr"/>
-                    <a:endParaRPr lang="en-US"/>
-                  </a:p>
-                </p:txBody>
-              </p:sp>
-              <p:sp>
-                <p:nvSpPr>
-                  <p:cNvPr id="36" name="Rectangle 35"/>
-                  <p:cNvSpPr/>
-                  <p:nvPr/>
-                </p:nvSpPr>
-                <p:spPr>
-                  <a:xfrm>
-                    <a:off x="10744825" y="1678015"/>
-                    <a:ext cx="140291" cy="180364"/>
-                  </a:xfrm>
-                  <a:prstGeom prst="rect">
-                    <a:avLst/>
-                  </a:prstGeom>
-                  <a:noFill/>
-                  <a:ln w="38100">
-                    <a:solidFill>
-                      <a:schemeClr val="tx1"/>
-                    </a:solidFill>
-                  </a:ln>
-                </p:spPr>
-                <p:style>
-                  <a:lnRef idx="2">
-                    <a:schemeClr val="accent1">
-                      <a:shade val="50000"/>
-                    </a:schemeClr>
-                  </a:lnRef>
-                  <a:fillRef idx="1">
-                    <a:schemeClr val="accent1"/>
-                  </a:fillRef>
-                  <a:effectRef idx="0">
-                    <a:schemeClr val="accent1"/>
-                  </a:effectRef>
-                  <a:fontRef idx="minor">
-                    <a:schemeClr val="lt1"/>
-                  </a:fontRef>
-                </p:style>
-                <p:txBody>
-                  <a:bodyPr rtlCol="0" anchor="ctr"/>
-                  <a:lstStyle/>
-                  <a:p>
-                    <a:pPr algn="ctr"/>
-                    <a:endParaRPr lang="en-US"/>
-                  </a:p>
-                </p:txBody>
-              </p:sp>
-              <p:sp>
-                <p:nvSpPr>
-                  <p:cNvPr id="37" name="Rectangle 36"/>
-                  <p:cNvSpPr/>
-                  <p:nvPr/>
-                </p:nvSpPr>
-                <p:spPr>
-                  <a:xfrm>
-                    <a:off x="10885116" y="1678015"/>
-                    <a:ext cx="140291" cy="180364"/>
-                  </a:xfrm>
-                  <a:prstGeom prst="rect">
-                    <a:avLst/>
-                  </a:prstGeom>
-                  <a:noFill/>
-                  <a:ln w="38100">
-                    <a:solidFill>
-                      <a:schemeClr val="tx1"/>
-                    </a:solidFill>
-                  </a:ln>
-                </p:spPr>
-                <p:style>
-                  <a:lnRef idx="2">
-                    <a:schemeClr val="accent1">
-                      <a:shade val="50000"/>
-                    </a:schemeClr>
-                  </a:lnRef>
-                  <a:fillRef idx="1">
-                    <a:schemeClr val="accent1"/>
-                  </a:fillRef>
-                  <a:effectRef idx="0">
-                    <a:schemeClr val="accent1"/>
-                  </a:effectRef>
-                  <a:fontRef idx="minor">
-                    <a:schemeClr val="lt1"/>
-                  </a:fontRef>
-                </p:style>
-                <p:txBody>
-                  <a:bodyPr rtlCol="0" anchor="ctr"/>
-                  <a:lstStyle/>
-                  <a:p>
-                    <a:pPr algn="ctr"/>
-                    <a:endParaRPr lang="en-US"/>
-                  </a:p>
-                </p:txBody>
-              </p:sp>
-            </p:grpSp>
-          </p:grpSp>
-          <mc:AlternateContent xmlns:mc="http://schemas.openxmlformats.org/markup-compatibility/2006" xmlns:a14="http://schemas.microsoft.com/office/drawing/2010/main">
-            <mc:Choice Requires="a14">
-              <p:sp>
-                <p:nvSpPr>
-                  <p:cNvPr id="6" name="TextBox 5"/>
-                  <p:cNvSpPr txBox="1"/>
-                  <p:nvPr/>
-                </p:nvSpPr>
-                <p:spPr>
-                  <a:xfrm>
-                    <a:off x="9130165" y="3030001"/>
-                    <a:ext cx="441980" cy="307777"/>
-                  </a:xfrm>
-                  <a:prstGeom prst="rect">
-                    <a:avLst/>
-                  </a:prstGeom>
-                  <a:noFill/>
-                </p:spPr>
-                <p:txBody>
-                  <a:bodyPr wrap="none" lIns="0" tIns="0" rIns="0" bIns="0" rtlCol="0">
-                    <a:spAutoFit/>
-                  </a:bodyPr>
-                  <a:lstStyle/>
-                  <a:p>
-                    <a:pPr/>
-                    <a14:m>
-                      <m:oMathPara xmlns:m="http://schemas.openxmlformats.org/officeDocument/2006/math">
-                        <m:oMathParaPr>
-                          <m:jc m:val="centerGroup"/>
-                        </m:oMathParaPr>
-                        <m:oMath xmlns:m="http://schemas.openxmlformats.org/officeDocument/2006/math">
-                          <m:r>
-                            <m:rPr>
-                              <m:sty m:val="p"/>
-                            </m:rPr>
-                            <a:rPr lang="en-US" sz="2000" b="0" i="0" smtClean="0">
-                              <a:latin typeface="Cambria Math" panose="02040503050406030204" pitchFamily="18" charset="0"/>
-                              <a:cs typeface="Arial" panose="020B0604020202020204" pitchFamily="34" charset="0"/>
-                            </a:rPr>
-                            <m:t>Δ</m:t>
-                          </m:r>
-                          <m:r>
-                            <a:rPr lang="en-US" sz="2000" b="0" i="1" smtClean="0">
-                              <a:latin typeface="Cambria Math" panose="02040503050406030204" pitchFamily="18" charset="0"/>
-                              <a:cs typeface="Arial" panose="020B0604020202020204" pitchFamily="34" charset="0"/>
-                            </a:rPr>
-                            <m:t>𝑚</m:t>
-                          </m:r>
-                        </m:oMath>
-                      </m:oMathPara>
-                    </a14:m>
-                    <a:endParaRPr lang="en-US" sz="2000" dirty="0" smtClean="0">
-                      <a:latin typeface="Arial" panose="020B0604020202020204" pitchFamily="34" charset="0"/>
-                      <a:cs typeface="Arial" panose="020B0604020202020204" pitchFamily="34" charset="0"/>
-                    </a:endParaRPr>
-                  </a:p>
-                </p:txBody>
-              </p:sp>
-            </mc:Choice>
-            <mc:Fallback xmlns="">
-              <p:sp>
-                <p:nvSpPr>
-                  <p:cNvPr id="85" name="TextBox 84"/>
-                  <p:cNvSpPr txBox="1">
-                    <a:spLocks noRot="1" noChangeAspect="1" noMove="1" noResize="1" noEditPoints="1" noAdjustHandles="1" noChangeArrowheads="1" noChangeShapeType="1" noTextEdit="1"/>
-                  </p:cNvSpPr>
-                  <p:nvPr/>
-                </p:nvSpPr>
-                <p:spPr>
-                  <a:xfrm>
-                    <a:off x="9130165" y="3030001"/>
-                    <a:ext cx="441980" cy="307777"/>
-                  </a:xfrm>
-                  <a:prstGeom prst="rect">
-                    <a:avLst/>
-                  </a:prstGeom>
-                  <a:blipFill>
-                    <a:blip r:embed="rId46"/>
-                    <a:stretch>
-                      <a:fillRect l="-12500" r="-5556" b="-9804"/>
-                    </a:stretch>
-                  </a:blipFill>
-                </p:spPr>
-                <p:txBody>
-                  <a:bodyPr/>
-                  <a:lstStyle/>
-                  <a:p>
-                    <a:r>
-                      <a:rPr lang="en-US">
-                        <a:noFill/>
-                      </a:rPr>
-                      <a:t> </a:t>
-                    </a:r>
-                  </a:p>
-                </p:txBody>
-              </p:sp>
-            </mc:Fallback>
-          </mc:AlternateContent>
-          <mc:AlternateContent xmlns:mc="http://schemas.openxmlformats.org/markup-compatibility/2006">
-            <mc:Choice xmlns:a14="http://schemas.microsoft.com/office/drawing/2010/main" Requires="a14">
-              <p:sp>
-                <p:nvSpPr>
-                  <p:cNvPr id="7" name="TextBox 6"/>
-                  <p:cNvSpPr txBox="1"/>
-                  <p:nvPr/>
-                </p:nvSpPr>
-                <p:spPr>
-                  <a:xfrm>
-                    <a:off x="9130165" y="3445922"/>
-                    <a:ext cx="350289" cy="307777"/>
-                  </a:xfrm>
-                  <a:prstGeom prst="rect">
-                    <a:avLst/>
-                  </a:prstGeom>
-                  <a:noFill/>
-                </p:spPr>
-                <p:txBody>
-                  <a:bodyPr wrap="none" lIns="0" tIns="0" rIns="0" bIns="0" rtlCol="0">
-                    <a:spAutoFit/>
-                  </a:bodyPr>
-                  <a:lstStyle/>
-                  <a:p>
-                    <a:pPr/>
-                    <a14:m>
-                      <m:oMathPara xmlns:m="http://schemas.openxmlformats.org/officeDocument/2006/math">
-                        <m:oMathParaPr>
-                          <m:jc m:val="centerGroup"/>
-                        </m:oMathParaPr>
-                        <m:oMath xmlns:m="http://schemas.openxmlformats.org/officeDocument/2006/math">
-                          <m:r>
-                            <m:rPr>
-                              <m:sty m:val="p"/>
-                            </m:rPr>
-                            <a:rPr lang="en-US" sz="2000" b="0" i="0" smtClean="0">
-                              <a:latin typeface="Cambria Math" panose="02040503050406030204" pitchFamily="18" charset="0"/>
-                              <a:cs typeface="Arial" panose="020B0604020202020204" pitchFamily="34" charset="0"/>
-                            </a:rPr>
-                            <m:t>Δ</m:t>
-                          </m:r>
-                          <m:r>
-                            <a:rPr lang="en-US" sz="2000" b="0" i="1" smtClean="0">
-                              <a:latin typeface="Cambria Math" panose="02040503050406030204" pitchFamily="18" charset="0"/>
-                              <a:cs typeface="Arial" panose="020B0604020202020204" pitchFamily="34" charset="0"/>
-                            </a:rPr>
-                            <m:t>𝑟</m:t>
-                          </m:r>
-                        </m:oMath>
-                      </m:oMathPara>
-                    </a14:m>
-                    <a:endParaRPr lang="en-US" sz="2000" dirty="0" smtClean="0">
-                      <a:latin typeface="Arial" panose="020B0604020202020204" pitchFamily="34" charset="0"/>
-                      <a:cs typeface="Arial" panose="020B0604020202020204" pitchFamily="34" charset="0"/>
-                    </a:endParaRPr>
-                  </a:p>
-                </p:txBody>
-              </p:sp>
-            </mc:Choice>
-            <mc:Fallback>
-              <p:sp>
-                <p:nvSpPr>
-                  <p:cNvPr id="7" name="TextBox 6"/>
-                  <p:cNvSpPr txBox="1">
-                    <a:spLocks noRot="1" noChangeAspect="1" noMove="1" noResize="1" noEditPoints="1" noAdjustHandles="1" noChangeArrowheads="1" noChangeShapeType="1" noTextEdit="1"/>
-                  </p:cNvSpPr>
-                  <p:nvPr/>
-                </p:nvSpPr>
-                <p:spPr>
-                  <a:xfrm>
-                    <a:off x="9130165" y="3445922"/>
-                    <a:ext cx="350289" cy="307777"/>
-                  </a:xfrm>
-                  <a:prstGeom prst="rect">
-                    <a:avLst/>
-                  </a:prstGeom>
-                  <a:blipFill>
-                    <a:blip r:embed="rId47"/>
-                    <a:stretch>
-                      <a:fillRect l="-13793" r="-6897" b="-9804"/>
-                    </a:stretch>
-                  </a:blipFill>
-                </p:spPr>
-                <p:txBody>
-                  <a:bodyPr/>
-                  <a:lstStyle/>
-                  <a:p>
-                    <a:r>
-                      <a:rPr lang="en-US">
-                        <a:noFill/>
-                      </a:rPr>
-                      <a:t> </a:t>
-                    </a:r>
-                  </a:p>
-                </p:txBody>
-              </p:sp>
-            </mc:Fallback>
-          </mc:AlternateContent>
-          <p:cxnSp>
-            <p:nvCxnSpPr>
-              <p:cNvPr id="8" name="Straight Arrow Connector 7"/>
-              <p:cNvCxnSpPr/>
-              <p:nvPr/>
-            </p:nvCxnSpPr>
-            <p:spPr>
-              <a:xfrm>
-                <a:off x="9165168" y="3433158"/>
-                <a:ext cx="196736" cy="0"/>
-              </a:xfrm>
-              <a:prstGeom prst="straightConnector1">
-                <a:avLst/>
-              </a:prstGeom>
-              <a:ln w="28575">
-                <a:solidFill>
-                  <a:schemeClr val="tx1"/>
-                </a:solidFill>
-                <a:headEnd type="triangle" w="sm" len="sm"/>
-                <a:tailEnd type="triangle" w="sm" len="sm"/>
-              </a:ln>
-            </p:spPr>
-            <p:style>
-              <a:lnRef idx="1">
-                <a:schemeClr val="accent1"/>
-              </a:lnRef>
-              <a:fillRef idx="0">
-                <a:schemeClr val="accent1"/>
-              </a:fillRef>
-              <a:effectRef idx="0">
-                <a:schemeClr val="accent1"/>
-              </a:effectRef>
-              <a:fontRef idx="minor">
-                <a:schemeClr val="tx1"/>
-              </a:fontRef>
-            </p:style>
-          </p:cxnSp>
-        </p:grpSp>
-        <p:cxnSp>
-          <p:nvCxnSpPr>
-            <p:cNvPr id="43" name="Straight Connector 42"/>
-            <p:cNvCxnSpPr/>
-            <p:nvPr/>
-          </p:nvCxnSpPr>
-          <p:spPr>
-            <a:xfrm flipH="1">
-              <a:off x="1876929" y="2780778"/>
-              <a:ext cx="4381" cy="1253867"/>
-            </a:xfrm>
-            <a:prstGeom prst="line">
-              <a:avLst/>
-            </a:prstGeom>
-            <a:ln w="38100">
-              <a:solidFill>
-                <a:schemeClr val="tx1"/>
-              </a:solidFill>
-            </a:ln>
-          </p:spPr>
-          <p:style>
-            <a:lnRef idx="1">
-              <a:schemeClr val="accent1"/>
-            </a:lnRef>
-            <a:fillRef idx="0">
-              <a:schemeClr val="accent1"/>
-            </a:fillRef>
-            <a:effectRef idx="0">
-              <a:schemeClr val="accent1"/>
-            </a:effectRef>
-            <a:fontRef idx="minor">
-              <a:schemeClr val="tx1"/>
-            </a:fontRef>
-          </p:style>
-        </p:cxnSp>
-        <mc:AlternateContent xmlns:mc="http://schemas.openxmlformats.org/markup-compatibility/2006">
-          <mc:Choice xmlns:a14="http://schemas.microsoft.com/office/drawing/2010/main" Requires="a14">
-            <p:sp>
-              <p:nvSpPr>
-                <p:cNvPr id="46" name="TextBox 45"/>
-                <p:cNvSpPr txBox="1"/>
-                <p:nvPr/>
-              </p:nvSpPr>
-              <p:spPr>
-                <a:xfrm>
-                  <a:off x="1625787" y="2374352"/>
-                  <a:ext cx="555088" cy="307777"/>
-                </a:xfrm>
-                <a:prstGeom prst="rect">
-                  <a:avLst/>
-                </a:prstGeom>
-                <a:noFill/>
-              </p:spPr>
-              <p:txBody>
-                <a:bodyPr wrap="none" lIns="0" tIns="0" rIns="0" bIns="0" rtlCol="0">
-                  <a:spAutoFit/>
-                </a:bodyPr>
-                <a:lstStyle/>
-                <a:p>
-                  <a14:m>
-                    <m:oMathPara xmlns:m="http://schemas.openxmlformats.org/officeDocument/2006/math">
-                      <m:oMathParaPr>
-                        <m:jc m:val="centerGroup"/>
-                      </m:oMathParaPr>
-                      <m:oMath xmlns:m="http://schemas.openxmlformats.org/officeDocument/2006/math">
-                        <m:r>
-                          <a:rPr lang="en-US" sz="2000" b="0" i="1" smtClean="0">
-                            <a:latin typeface="Cambria Math" panose="02040503050406030204" pitchFamily="18" charset="0"/>
-                            <a:cs typeface="Arial" panose="020B0604020202020204" pitchFamily="34" charset="0"/>
-                          </a:rPr>
-                          <m:t>𝑎𝑥𝑖𝑠</m:t>
-                        </m:r>
-                      </m:oMath>
-                    </m:oMathPara>
-                  </a14:m>
-                  <a:endParaRPr lang="en-US" sz="2000" dirty="0" smtClean="0">
-                    <a:latin typeface="Arial" panose="020B0604020202020204" pitchFamily="34" charset="0"/>
-                    <a:cs typeface="Arial" panose="020B0604020202020204" pitchFamily="34" charset="0"/>
-                  </a:endParaRPr>
-                </a:p>
-              </p:txBody>
-            </p:sp>
-          </mc:Choice>
-          <mc:Fallback>
-            <p:sp>
-              <p:nvSpPr>
-                <p:cNvPr id="46" name="TextBox 45"/>
-                <p:cNvSpPr txBox="1">
-                  <a:spLocks noRot="1" noChangeAspect="1" noMove="1" noResize="1" noEditPoints="1" noAdjustHandles="1" noChangeArrowheads="1" noChangeShapeType="1" noTextEdit="1"/>
-                </p:cNvSpPr>
-                <p:nvPr/>
-              </p:nvSpPr>
-              <p:spPr>
-                <a:xfrm>
-                  <a:off x="1625787" y="2374352"/>
-                  <a:ext cx="555088" cy="307777"/>
-                </a:xfrm>
-                <a:prstGeom prst="rect">
-                  <a:avLst/>
-                </a:prstGeom>
-                <a:blipFill>
-                  <a:blip r:embed="rId48"/>
-                  <a:stretch>
-                    <a:fillRect l="-8696" r="-6522" b="-10000"/>
-                  </a:stretch>
-                </a:blipFill>
-              </p:spPr>
-              <p:txBody>
-                <a:bodyPr/>
-                <a:lstStyle/>
-                <a:p>
-                  <a:r>
-                    <a:rPr lang="en-US">
-                      <a:noFill/>
-                    </a:rPr>
-                    <a:t> </a:t>
-                  </a:r>
-                </a:p>
-              </p:txBody>
-            </p:sp>
-          </mc:Fallback>
-        </mc:AlternateContent>
-        <p:sp>
-          <p:nvSpPr>
-            <p:cNvPr id="47" name="Arc 46"/>
-            <p:cNvSpPr/>
-            <p:nvPr/>
-          </p:nvSpPr>
-          <p:spPr>
-            <a:xfrm>
-              <a:off x="901147" y="2832364"/>
-              <a:ext cx="2191619" cy="226228"/>
-            </a:xfrm>
-            <a:prstGeom prst="arc">
-              <a:avLst>
-                <a:gd name="adj1" fmla="val 18287012"/>
-                <a:gd name="adj2" fmla="val 9682168"/>
-              </a:avLst>
-            </a:prstGeom>
-            <a:ln w="38100">
-              <a:solidFill>
-                <a:schemeClr val="tx1"/>
-              </a:solidFill>
-              <a:headEnd type="triangle" w="med" len="med"/>
-              <a:tailEnd type="none" w="med" len="med"/>
-            </a:ln>
-          </p:spPr>
-          <p:style>
-            <a:lnRef idx="1">
-              <a:schemeClr val="accent1"/>
-            </a:lnRef>
-            <a:fillRef idx="0">
-              <a:schemeClr val="accent1"/>
-            </a:fillRef>
-            <a:effectRef idx="0">
-              <a:schemeClr val="accent1"/>
-            </a:effectRef>
-            <a:fontRef idx="minor">
-              <a:schemeClr val="tx1"/>
-            </a:fontRef>
-          </p:style>
-          <p:txBody>
-            <a:bodyPr rtlCol="0" anchor="ctr"/>
-            <a:lstStyle/>
-            <a:p>
-              <a:pPr algn="ctr"/>
-              <a:endParaRPr lang="en-US"/>
-            </a:p>
-          </p:txBody>
-        </p:sp>
-      </p:grpSp>
-      <p:grpSp>
-        <p:nvGrpSpPr>
           <p:cNvPr id="60" name="Group 59"/>
           <p:cNvGrpSpPr/>
           <p:nvPr/>
@@ -7120,8 +5078,8 @@
               </a:p>
             </p:txBody>
           </p:sp>
-          <mc:AlternateContent xmlns:mc="http://schemas.openxmlformats.org/markup-compatibility/2006">
-            <mc:Choice xmlns:a14="http://schemas.microsoft.com/office/drawing/2010/main" Requires="a14">
+          <mc:AlternateContent xmlns:mc="http://schemas.openxmlformats.org/markup-compatibility/2006" xmlns:a14="http://schemas.microsoft.com/office/drawing/2010/main">
+            <mc:Choice Requires="a14">
               <p:sp>
                 <p:nvSpPr>
                   <p:cNvPr id="54" name="TextBox 53"/>
@@ -7144,6 +5102,7 @@
                   </a:bodyPr>
                   <a:lstStyle/>
                   <a:p>
+                    <a:pPr/>
                     <a14:m>
                       <m:oMathPara xmlns:m="http://schemas.openxmlformats.org/officeDocument/2006/math">
                         <m:oMathParaPr>
@@ -7168,7 +5127,7 @@
                 </p:txBody>
               </p:sp>
             </mc:Choice>
-            <mc:Fallback>
+            <mc:Fallback xmlns="">
               <p:sp>
                 <p:nvSpPr>
                   <p:cNvPr id="54" name="TextBox 53"/>
@@ -7246,8 +5205,8 @@
               </a:fontRef>
             </p:style>
           </p:cxnSp>
-          <mc:AlternateContent xmlns:mc="http://schemas.openxmlformats.org/markup-compatibility/2006">
-            <mc:Choice xmlns:a14="http://schemas.microsoft.com/office/drawing/2010/main" Requires="a14">
+          <mc:AlternateContent xmlns:mc="http://schemas.openxmlformats.org/markup-compatibility/2006" xmlns:a14="http://schemas.microsoft.com/office/drawing/2010/main">
+            <mc:Choice Requires="a14">
               <p:sp>
                 <p:nvSpPr>
                   <p:cNvPr id="57" name="TextBox 56"/>
@@ -7270,6 +5229,7 @@
                   </a:bodyPr>
                   <a:lstStyle/>
                   <a:p>
+                    <a:pPr/>
                     <a14:m>
                       <m:oMathPara xmlns:m="http://schemas.openxmlformats.org/officeDocument/2006/math">
                         <m:oMathParaPr>
@@ -7294,7 +5254,7 @@
                 </p:txBody>
               </p:sp>
             </mc:Choice>
-            <mc:Fallback>
+            <mc:Fallback xmlns="">
               <p:sp>
                 <p:nvSpPr>
                   <p:cNvPr id="57" name="TextBox 56"/>
@@ -7334,8 +5294,8 @@
             </mc:Fallback>
           </mc:AlternateContent>
         </p:grpSp>
-        <mc:AlternateContent xmlns:mc="http://schemas.openxmlformats.org/markup-compatibility/2006">
-          <mc:Choice xmlns:a14="http://schemas.microsoft.com/office/drawing/2010/main" Requires="a14">
+        <mc:AlternateContent xmlns:mc="http://schemas.openxmlformats.org/markup-compatibility/2006" xmlns:a14="http://schemas.microsoft.com/office/drawing/2010/main">
+          <mc:Choice Requires="a14">
             <p:sp>
               <p:nvSpPr>
                 <p:cNvPr id="59" name="TextBox 58"/>
@@ -7358,6 +5318,7 @@
                 </a:bodyPr>
                 <a:lstStyle/>
                 <a:p>
+                  <a:pPr/>
                   <a14:m>
                     <m:oMathPara xmlns:m="http://schemas.openxmlformats.org/officeDocument/2006/math">
                       <m:oMathParaPr>
@@ -7382,7 +5343,7 @@
               </p:txBody>
             </p:sp>
           </mc:Choice>
-          <mc:Fallback>
+          <mc:Fallback xmlns="">
             <p:sp>
               <p:nvSpPr>
                 <p:cNvPr id="59" name="TextBox 58"/>
@@ -7792,8 +5753,8 @@
               </a:p>
             </p:txBody>
           </p:sp>
-          <mc:AlternateContent xmlns:mc="http://schemas.openxmlformats.org/markup-compatibility/2006">
-            <mc:Choice xmlns:a14="http://schemas.microsoft.com/office/drawing/2010/main" Requires="a14">
+          <mc:AlternateContent xmlns:mc="http://schemas.openxmlformats.org/markup-compatibility/2006" xmlns:a14="http://schemas.microsoft.com/office/drawing/2010/main">
+            <mc:Choice Requires="a14">
               <p:sp>
                 <p:nvSpPr>
                   <p:cNvPr id="95" name="TextBox 94"/>
@@ -7816,6 +5777,7 @@
                   </a:bodyPr>
                   <a:lstStyle/>
                   <a:p>
+                    <a:pPr/>
                     <a14:m>
                       <m:oMathPara xmlns:m="http://schemas.openxmlformats.org/officeDocument/2006/math">
                         <m:oMathParaPr>
@@ -7840,7 +5802,7 @@
                 </p:txBody>
               </p:sp>
             </mc:Choice>
-            <mc:Fallback>
+            <mc:Fallback xmlns="">
               <p:sp>
                 <p:nvSpPr>
                   <p:cNvPr id="95" name="TextBox 94"/>
@@ -7879,8 +5841,8 @@
               </p:sp>
             </mc:Fallback>
           </mc:AlternateContent>
-          <mc:AlternateContent xmlns:mc="http://schemas.openxmlformats.org/markup-compatibility/2006">
-            <mc:Choice xmlns:a14="http://schemas.microsoft.com/office/drawing/2010/main" Requires="a14">
+          <mc:AlternateContent xmlns:mc="http://schemas.openxmlformats.org/markup-compatibility/2006" xmlns:a14="http://schemas.microsoft.com/office/drawing/2010/main">
+            <mc:Choice Requires="a14">
               <p:sp>
                 <p:nvSpPr>
                   <p:cNvPr id="96" name="TextBox 95"/>
@@ -7903,6 +5865,7 @@
                   </a:bodyPr>
                   <a:lstStyle/>
                   <a:p>
+                    <a:pPr/>
                     <a14:m>
                       <m:oMathPara xmlns:m="http://schemas.openxmlformats.org/officeDocument/2006/math">
                         <m:oMathParaPr>
@@ -7927,7 +5890,7 @@
                 </p:txBody>
               </p:sp>
             </mc:Choice>
-            <mc:Fallback>
+            <mc:Fallback xmlns="">
               <p:sp>
                 <p:nvSpPr>
                   <p:cNvPr id="96" name="TextBox 95"/>
@@ -8004,8 +5967,8 @@
               </a:fontRef>
             </p:style>
           </p:cxnSp>
-          <mc:AlternateContent xmlns:mc="http://schemas.openxmlformats.org/markup-compatibility/2006">
-            <mc:Choice xmlns:a14="http://schemas.microsoft.com/office/drawing/2010/main" Requires="a14">
+          <mc:AlternateContent xmlns:mc="http://schemas.openxmlformats.org/markup-compatibility/2006" xmlns:a14="http://schemas.microsoft.com/office/drawing/2010/main">
+            <mc:Choice Requires="a14">
               <p:sp>
                 <p:nvSpPr>
                   <p:cNvPr id="100" name="TextBox 99"/>
@@ -8028,6 +5991,7 @@
                   </a:bodyPr>
                   <a:lstStyle/>
                   <a:p>
+                    <a:pPr/>
                     <a14:m>
                       <m:oMathPara xmlns:m="http://schemas.openxmlformats.org/officeDocument/2006/math">
                         <m:oMathParaPr>
@@ -8052,7 +6016,7 @@
                 </p:txBody>
               </p:sp>
             </mc:Choice>
-            <mc:Fallback>
+            <mc:Fallback xmlns="">
               <p:sp>
                 <p:nvSpPr>
                   <p:cNvPr id="100" name="TextBox 99"/>
@@ -8091,8 +6055,8 @@
               </p:sp>
             </mc:Fallback>
           </mc:AlternateContent>
-          <mc:AlternateContent xmlns:mc="http://schemas.openxmlformats.org/markup-compatibility/2006">
-            <mc:Choice xmlns:a14="http://schemas.microsoft.com/office/drawing/2010/main" Requires="a14">
+          <mc:AlternateContent xmlns:mc="http://schemas.openxmlformats.org/markup-compatibility/2006" xmlns:a14="http://schemas.microsoft.com/office/drawing/2010/main">
+            <mc:Choice Requires="a14">
               <p:sp>
                 <p:nvSpPr>
                   <p:cNvPr id="101" name="TextBox 100"/>
@@ -8115,6 +6079,7 @@
                   </a:bodyPr>
                   <a:lstStyle/>
                   <a:p>
+                    <a:pPr/>
                     <a14:m>
                       <m:oMathPara xmlns:m="http://schemas.openxmlformats.org/officeDocument/2006/math">
                         <m:oMathParaPr>
@@ -8139,7 +6104,7 @@
                 </p:txBody>
               </p:sp>
             </mc:Choice>
-            <mc:Fallback>
+            <mc:Fallback xmlns="">
               <p:sp>
                 <p:nvSpPr>
                   <p:cNvPr id="101" name="TextBox 100"/>
@@ -8216,8 +6181,8 @@
             </a:fontRef>
           </p:style>
         </p:cxnSp>
-        <mc:AlternateContent xmlns:mc="http://schemas.openxmlformats.org/markup-compatibility/2006">
-          <mc:Choice xmlns:a14="http://schemas.microsoft.com/office/drawing/2010/main" Requires="a14">
+        <mc:AlternateContent xmlns:mc="http://schemas.openxmlformats.org/markup-compatibility/2006" xmlns:a14="http://schemas.microsoft.com/office/drawing/2010/main">
+          <mc:Choice Requires="a14">
             <p:sp>
               <p:nvSpPr>
                 <p:cNvPr id="107" name="TextBox 106"/>
@@ -8240,6 +6205,7 @@
                 </a:bodyPr>
                 <a:lstStyle/>
                 <a:p>
+                  <a:pPr/>
                   <a14:m>
                     <m:oMathPara xmlns:m="http://schemas.openxmlformats.org/officeDocument/2006/math">
                       <m:oMathParaPr>
@@ -8264,7 +6230,7 @@
               </p:txBody>
             </p:sp>
           </mc:Choice>
-          <mc:Fallback>
+          <mc:Fallback xmlns="">
             <p:sp>
               <p:nvSpPr>
                 <p:cNvPr id="107" name="TextBox 106"/>
@@ -8285,6 +6251,2172 @@
                   <a:blip r:embed="rId56"/>
                   <a:stretch>
                     <a:fillRect l="-15789" r="-14035" b="-9804"/>
+                  </a:stretch>
+                </a:blipFill>
+              </p:spPr>
+              <p:txBody>
+                <a:bodyPr/>
+                <a:lstStyle/>
+                <a:p>
+                  <a:r>
+                    <a:rPr lang="en-US">
+                      <a:noFill/>
+                    </a:rPr>
+                    <a:t> </a:t>
+                  </a:r>
+                </a:p>
+              </p:txBody>
+            </p:sp>
+          </mc:Fallback>
+        </mc:AlternateContent>
+      </p:grpSp>
+      <p:grpSp>
+        <p:nvGrpSpPr>
+          <p:cNvPr id="44" name="Group 43"/>
+          <p:cNvGrpSpPr/>
+          <p:nvPr/>
+        </p:nvGrpSpPr>
+        <p:grpSpPr>
+          <a:xfrm>
+            <a:off x="361061" y="162732"/>
+            <a:ext cx="4883817" cy="2420106"/>
+            <a:chOff x="361061" y="162732"/>
+            <a:chExt cx="4883817" cy="2420106"/>
+          </a:xfrm>
+        </p:grpSpPr>
+        <p:grpSp>
+          <p:nvGrpSpPr>
+            <p:cNvPr id="48" name="Group 47"/>
+            <p:cNvGrpSpPr/>
+            <p:nvPr/>
+          </p:nvGrpSpPr>
+          <p:grpSpPr>
+            <a:xfrm>
+              <a:off x="361061" y="162732"/>
+              <a:ext cx="4883817" cy="2420106"/>
+              <a:chOff x="874628" y="1966480"/>
+              <a:chExt cx="4883817" cy="2420106"/>
+            </a:xfrm>
+          </p:grpSpPr>
+          <p:grpSp>
+            <p:nvGrpSpPr>
+              <p:cNvPr id="4" name="Group 3"/>
+              <p:cNvGrpSpPr/>
+              <p:nvPr/>
+            </p:nvGrpSpPr>
+            <p:grpSpPr>
+              <a:xfrm>
+                <a:off x="1726616" y="2751815"/>
+                <a:ext cx="4031829" cy="1634771"/>
+                <a:chOff x="7195931" y="2150566"/>
+                <a:chExt cx="4031829" cy="1634771"/>
+              </a:xfrm>
+            </p:grpSpPr>
+            <p:grpSp>
+              <p:nvGrpSpPr>
+                <p:cNvPr id="5" name="Group 4"/>
+                <p:cNvGrpSpPr/>
+                <p:nvPr/>
+              </p:nvGrpSpPr>
+              <p:grpSpPr>
+                <a:xfrm>
+                  <a:off x="7195931" y="2150566"/>
+                  <a:ext cx="4031829" cy="1634771"/>
+                  <a:chOff x="7195931" y="2150566"/>
+                  <a:chExt cx="4031829" cy="1634771"/>
+                </a:xfrm>
+              </p:grpSpPr>
+              <p:grpSp>
+                <p:nvGrpSpPr>
+                  <p:cNvPr id="9" name="Group 8"/>
+                  <p:cNvGrpSpPr/>
+                  <p:nvPr/>
+                </p:nvGrpSpPr>
+                <p:grpSpPr>
+                  <a:xfrm>
+                    <a:off x="7195931" y="3226803"/>
+                    <a:ext cx="4031829" cy="558534"/>
+                    <a:chOff x="919312" y="3331012"/>
+                    <a:chExt cx="4031829" cy="558534"/>
+                  </a:xfrm>
+                </p:grpSpPr>
+                <p:cxnSp>
+                  <p:nvCxnSpPr>
+                    <p:cNvPr id="38" name="Straight Arrow Connector 37"/>
+                    <p:cNvCxnSpPr/>
+                    <p:nvPr/>
+                  </p:nvCxnSpPr>
+                  <p:spPr>
+                    <a:xfrm flipV="1">
+                      <a:off x="1025912" y="3438955"/>
+                      <a:ext cx="3925229" cy="1"/>
+                    </a:xfrm>
+                    <a:prstGeom prst="straightConnector1">
+                      <a:avLst/>
+                    </a:prstGeom>
+                    <a:ln w="38100">
+                      <a:solidFill>
+                        <a:schemeClr val="tx1"/>
+                      </a:solidFill>
+                      <a:tailEnd type="triangle"/>
+                    </a:ln>
+                  </p:spPr>
+                  <p:style>
+                    <a:lnRef idx="1">
+                      <a:schemeClr val="accent1"/>
+                    </a:lnRef>
+                    <a:fillRef idx="0">
+                      <a:schemeClr val="accent1"/>
+                    </a:fillRef>
+                    <a:effectRef idx="0">
+                      <a:schemeClr val="accent1"/>
+                    </a:effectRef>
+                    <a:fontRef idx="minor">
+                      <a:schemeClr val="tx1"/>
+                    </a:fontRef>
+                  </p:style>
+                </p:cxnSp>
+                <mc:AlternateContent xmlns:mc="http://schemas.openxmlformats.org/markup-compatibility/2006" xmlns:a14="http://schemas.microsoft.com/office/drawing/2010/main">
+                  <mc:Choice Requires="a14">
+                    <p:sp>
+                      <p:nvSpPr>
+                        <p:cNvPr id="39" name="Rectangle 38"/>
+                        <p:cNvSpPr/>
+                        <p:nvPr/>
+                      </p:nvSpPr>
+                      <p:spPr>
+                        <a:xfrm>
+                          <a:off x="4404738" y="3438955"/>
+                          <a:ext cx="367985" cy="369332"/>
+                        </a:xfrm>
+                        <a:prstGeom prst="rect">
+                          <a:avLst/>
+                        </a:prstGeom>
+                      </p:spPr>
+                      <p:txBody>
+                        <a:bodyPr wrap="square">
+                          <a:spAutoFit/>
+                        </a:bodyPr>
+                        <a:lstStyle/>
+                        <a:p>
+                          <a:pPr/>
+                          <a14:m>
+                            <m:oMathPara xmlns:m="http://schemas.openxmlformats.org/officeDocument/2006/math">
+                              <m:oMathParaPr>
+                                <m:jc m:val="centerGroup"/>
+                              </m:oMathParaPr>
+                              <m:oMath xmlns:m="http://schemas.openxmlformats.org/officeDocument/2006/math">
+                                <m:r>
+                                  <a:rPr lang="en-US" b="0" i="1" smtClean="0">
+                                    <a:latin typeface="Cambria Math" panose="02040503050406030204" pitchFamily="18" charset="0"/>
+                                    <a:cs typeface="Arial" panose="020B0604020202020204" pitchFamily="34" charset="0"/>
+                                  </a:rPr>
+                                  <m:t>𝑟</m:t>
+                                </m:r>
+                              </m:oMath>
+                            </m:oMathPara>
+                          </a14:m>
+                          <a:endParaRPr lang="en-CA" dirty="0"/>
+                        </a:p>
+                      </p:txBody>
+                    </p:sp>
+                  </mc:Choice>
+                  <mc:Fallback xmlns="">
+                    <p:sp>
+                      <p:nvSpPr>
+                        <p:cNvPr id="39" name="Rectangle 38"/>
+                        <p:cNvSpPr>
+                          <a:spLocks noRot="1" noChangeAspect="1" noMove="1" noResize="1" noEditPoints="1" noAdjustHandles="1" noChangeArrowheads="1" noChangeShapeType="1" noTextEdit="1"/>
+                        </p:cNvSpPr>
+                        <p:nvPr/>
+                      </p:nvSpPr>
+                      <p:spPr>
+                        <a:xfrm>
+                          <a:off x="4404738" y="3438955"/>
+                          <a:ext cx="367985" cy="369332"/>
+                        </a:xfrm>
+                        <a:prstGeom prst="rect">
+                          <a:avLst/>
+                        </a:prstGeom>
+                        <a:blipFill>
+                          <a:blip r:embed="rId2"/>
+                          <a:stretch>
+                            <a:fillRect/>
+                          </a:stretch>
+                        </a:blipFill>
+                      </p:spPr>
+                      <p:txBody>
+                        <a:bodyPr/>
+                        <a:lstStyle/>
+                        <a:p>
+                          <a:r>
+                            <a:rPr lang="en-US">
+                              <a:noFill/>
+                            </a:rPr>
+                            <a:t> </a:t>
+                          </a:r>
+                        </a:p>
+                      </p:txBody>
+                    </p:sp>
+                  </mc:Fallback>
+                </mc:AlternateContent>
+                <mc:AlternateContent xmlns:mc="http://schemas.openxmlformats.org/markup-compatibility/2006" xmlns:a14="http://schemas.microsoft.com/office/drawing/2010/main">
+                  <mc:Choice Requires="a14">
+                    <p:sp>
+                      <p:nvSpPr>
+                        <p:cNvPr id="40" name="TextBox 39"/>
+                        <p:cNvSpPr txBox="1"/>
+                        <p:nvPr/>
+                      </p:nvSpPr>
+                      <p:spPr>
+                        <a:xfrm>
+                          <a:off x="919312" y="3581769"/>
+                          <a:ext cx="213200" cy="307777"/>
+                        </a:xfrm>
+                        <a:prstGeom prst="rect">
+                          <a:avLst/>
+                        </a:prstGeom>
+                        <a:noFill/>
+                      </p:spPr>
+                      <p:txBody>
+                        <a:bodyPr wrap="none" lIns="0" tIns="0" rIns="0" bIns="0" rtlCol="0">
+                          <a:spAutoFit/>
+                        </a:bodyPr>
+                        <a:lstStyle/>
+                        <a:p>
+                          <a:pPr/>
+                          <a14:m>
+                            <m:oMathPara xmlns:m="http://schemas.openxmlformats.org/officeDocument/2006/math">
+                              <m:oMathParaPr>
+                                <m:jc m:val="centerGroup"/>
+                              </m:oMathParaPr>
+                              <m:oMath xmlns:m="http://schemas.openxmlformats.org/officeDocument/2006/math">
+                                <m:r>
+                                  <a:rPr lang="en-US" sz="2000" b="0" i="1" smtClean="0">
+                                    <a:latin typeface="Cambria Math" panose="02040503050406030204" pitchFamily="18" charset="0"/>
+                                    <a:cs typeface="Arial" panose="020B0604020202020204" pitchFamily="34" charset="0"/>
+                                  </a:rPr>
+                                  <m:t>0</m:t>
+                                </m:r>
+                              </m:oMath>
+                            </m:oMathPara>
+                          </a14:m>
+                          <a:endParaRPr lang="en-US" sz="2000" dirty="0" smtClean="0">
+                            <a:latin typeface="Arial" panose="020B0604020202020204" pitchFamily="34" charset="0"/>
+                            <a:cs typeface="Arial" panose="020B0604020202020204" pitchFamily="34" charset="0"/>
+                          </a:endParaRPr>
+                        </a:p>
+                      </p:txBody>
+                    </p:sp>
+                  </mc:Choice>
+                  <mc:Fallback xmlns="">
+                    <p:sp>
+                      <p:nvSpPr>
+                        <p:cNvPr id="29" name="TextBox 28"/>
+                        <p:cNvSpPr txBox="1">
+                          <a:spLocks noRot="1" noChangeAspect="1" noMove="1" noResize="1" noEditPoints="1" noAdjustHandles="1" noChangeArrowheads="1" noChangeShapeType="1" noTextEdit="1"/>
+                        </p:cNvSpPr>
+                        <p:nvPr/>
+                      </p:nvSpPr>
+                      <p:spPr>
+                        <a:xfrm>
+                          <a:off x="919312" y="3581769"/>
+                          <a:ext cx="213200" cy="307777"/>
+                        </a:xfrm>
+                        <a:prstGeom prst="rect">
+                          <a:avLst/>
+                        </a:prstGeom>
+                        <a:blipFill>
+                          <a:blip r:embed="rId43"/>
+                          <a:stretch>
+                            <a:fillRect l="-25714" r="-22857" b="-10000"/>
+                          </a:stretch>
+                        </a:blipFill>
+                      </p:spPr>
+                      <p:txBody>
+                        <a:bodyPr/>
+                        <a:lstStyle/>
+                        <a:p>
+                          <a:r>
+                            <a:rPr lang="en-US">
+                              <a:noFill/>
+                            </a:rPr>
+                            <a:t> </a:t>
+                          </a:r>
+                        </a:p>
+                      </p:txBody>
+                    </p:sp>
+                  </mc:Fallback>
+                </mc:AlternateContent>
+                <p:cxnSp>
+                  <p:nvCxnSpPr>
+                    <p:cNvPr id="41" name="Straight Connector 40"/>
+                    <p:cNvCxnSpPr/>
+                    <p:nvPr/>
+                  </p:nvCxnSpPr>
+                  <p:spPr>
+                    <a:xfrm flipV="1">
+                      <a:off x="1074006" y="3331012"/>
+                      <a:ext cx="0" cy="239606"/>
+                    </a:xfrm>
+                    <a:prstGeom prst="line">
+                      <a:avLst/>
+                    </a:prstGeom>
+                    <a:ln w="38100">
+                      <a:solidFill>
+                        <a:schemeClr val="tx1"/>
+                      </a:solidFill>
+                    </a:ln>
+                  </p:spPr>
+                  <p:style>
+                    <a:lnRef idx="1">
+                      <a:schemeClr val="accent1"/>
+                    </a:lnRef>
+                    <a:fillRef idx="0">
+                      <a:schemeClr val="accent1"/>
+                    </a:fillRef>
+                    <a:effectRef idx="0">
+                      <a:schemeClr val="accent1"/>
+                    </a:effectRef>
+                    <a:fontRef idx="minor">
+                      <a:schemeClr val="tx1"/>
+                    </a:fontRef>
+                  </p:style>
+                </p:cxnSp>
+              </p:grpSp>
+              <p:cxnSp>
+                <p:nvCxnSpPr>
+                  <p:cNvPr id="10" name="Straight Arrow Connector 9"/>
+                  <p:cNvCxnSpPr/>
+                  <p:nvPr/>
+                </p:nvCxnSpPr>
+                <p:spPr>
+                  <a:xfrm>
+                    <a:off x="7329125" y="2473032"/>
+                    <a:ext cx="3360915" cy="0"/>
+                  </a:xfrm>
+                  <a:prstGeom prst="straightConnector1">
+                    <a:avLst/>
+                  </a:prstGeom>
+                  <a:ln w="38100">
+                    <a:solidFill>
+                      <a:schemeClr val="tx1"/>
+                    </a:solidFill>
+                    <a:headEnd type="triangle"/>
+                    <a:tailEnd type="triangle"/>
+                  </a:ln>
+                </p:spPr>
+                <p:style>
+                  <a:lnRef idx="1">
+                    <a:schemeClr val="accent1"/>
+                  </a:lnRef>
+                  <a:fillRef idx="0">
+                    <a:schemeClr val="accent1"/>
+                  </a:fillRef>
+                  <a:effectRef idx="0">
+                    <a:schemeClr val="accent1"/>
+                  </a:effectRef>
+                  <a:fontRef idx="minor">
+                    <a:schemeClr val="tx1"/>
+                  </a:fontRef>
+                </p:style>
+              </p:cxnSp>
+              <mc:AlternateContent xmlns:mc="http://schemas.openxmlformats.org/markup-compatibility/2006">
+                <mc:Choice xmlns:a14="http://schemas.microsoft.com/office/drawing/2010/main" Requires="a14">
+                  <p:sp>
+                    <p:nvSpPr>
+                      <p:cNvPr id="11" name="TextBox 10"/>
+                      <p:cNvSpPr txBox="1"/>
+                      <p:nvPr/>
+                    </p:nvSpPr>
+                    <p:spPr>
+                      <a:xfrm>
+                        <a:off x="8998934" y="2150566"/>
+                        <a:ext cx="212045" cy="307777"/>
+                      </a:xfrm>
+                      <a:prstGeom prst="rect">
+                        <a:avLst/>
+                      </a:prstGeom>
+                      <a:noFill/>
+                    </p:spPr>
+                    <p:txBody>
+                      <a:bodyPr wrap="none" lIns="0" tIns="0" rIns="0" bIns="0" rtlCol="0">
+                        <a:spAutoFit/>
+                      </a:bodyPr>
+                      <a:lstStyle/>
+                      <a:p>
+                        <a:pPr/>
+                        <a14:m>
+                          <m:oMathPara xmlns:m="http://schemas.openxmlformats.org/officeDocument/2006/math">
+                            <m:oMathParaPr>
+                              <m:jc m:val="centerGroup"/>
+                            </m:oMathParaPr>
+                            <m:oMath xmlns:m="http://schemas.openxmlformats.org/officeDocument/2006/math">
+                              <m:r>
+                                <a:rPr lang="en-US" sz="2000" b="0" i="1" smtClean="0">
+                                  <a:latin typeface="Cambria Math" panose="02040503050406030204" pitchFamily="18" charset="0"/>
+                                  <a:cs typeface="Arial" panose="020B0604020202020204" pitchFamily="34" charset="0"/>
+                                </a:rPr>
+                                <m:t>𝐿</m:t>
+                              </m:r>
+                            </m:oMath>
+                          </m:oMathPara>
+                        </a14:m>
+                        <a:endParaRPr lang="en-US" sz="2000" dirty="0" smtClean="0">
+                          <a:latin typeface="Arial" panose="020B0604020202020204" pitchFamily="34" charset="0"/>
+                          <a:cs typeface="Arial" panose="020B0604020202020204" pitchFamily="34" charset="0"/>
+                        </a:endParaRPr>
+                      </a:p>
+                    </p:txBody>
+                  </p:sp>
+                </mc:Choice>
+                <mc:Fallback>
+                  <p:sp>
+                    <p:nvSpPr>
+                      <p:cNvPr id="11" name="TextBox 10"/>
+                      <p:cNvSpPr txBox="1">
+                        <a:spLocks noRot="1" noChangeAspect="1" noMove="1" noResize="1" noEditPoints="1" noAdjustHandles="1" noChangeArrowheads="1" noChangeShapeType="1" noTextEdit="1"/>
+                      </p:cNvSpPr>
+                      <p:nvPr/>
+                    </p:nvSpPr>
+                    <p:spPr>
+                      <a:xfrm>
+                        <a:off x="8998934" y="2150566"/>
+                        <a:ext cx="212045" cy="307777"/>
+                      </a:xfrm>
+                      <a:prstGeom prst="rect">
+                        <a:avLst/>
+                      </a:prstGeom>
+                      <a:blipFill>
+                        <a:blip r:embed="rId57"/>
+                        <a:stretch>
+                          <a:fillRect l="-25714" r="-20000" b="-10000"/>
+                        </a:stretch>
+                      </a:blipFill>
+                    </p:spPr>
+                    <p:txBody>
+                      <a:bodyPr/>
+                      <a:lstStyle/>
+                      <a:p>
+                        <a:r>
+                          <a:rPr lang="en-US">
+                            <a:noFill/>
+                          </a:rPr>
+                          <a:t> </a:t>
+                        </a:r>
+                      </a:p>
+                    </p:txBody>
+                  </p:sp>
+                </mc:Fallback>
+              </mc:AlternateContent>
+              <mc:AlternateContent xmlns:mc="http://schemas.openxmlformats.org/markup-compatibility/2006" xmlns:a14="http://schemas.microsoft.com/office/drawing/2010/main">
+                <mc:Choice Requires="a14">
+                  <p:sp>
+                    <p:nvSpPr>
+                      <p:cNvPr id="12" name="TextBox 11"/>
+                      <p:cNvSpPr txBox="1"/>
+                      <p:nvPr/>
+                    </p:nvSpPr>
+                    <p:spPr>
+                      <a:xfrm>
+                        <a:off x="10932936" y="2761905"/>
+                        <a:ext cx="294824" cy="307777"/>
+                      </a:xfrm>
+                      <a:prstGeom prst="rect">
+                        <a:avLst/>
+                      </a:prstGeom>
+                      <a:noFill/>
+                    </p:spPr>
+                    <p:txBody>
+                      <a:bodyPr wrap="none" lIns="0" tIns="0" rIns="0" bIns="0" rtlCol="0">
+                        <a:spAutoFit/>
+                      </a:bodyPr>
+                      <a:lstStyle/>
+                      <a:p>
+                        <a:pPr/>
+                        <a14:m>
+                          <m:oMathPara xmlns:m="http://schemas.openxmlformats.org/officeDocument/2006/math">
+                            <m:oMathParaPr>
+                              <m:jc m:val="centerGroup"/>
+                            </m:oMathParaPr>
+                            <m:oMath xmlns:m="http://schemas.openxmlformats.org/officeDocument/2006/math">
+                              <m:r>
+                                <a:rPr lang="en-US" sz="2000" b="0" i="1" smtClean="0">
+                                  <a:latin typeface="Cambria Math" panose="02040503050406030204" pitchFamily="18" charset="0"/>
+                                  <a:cs typeface="Arial" panose="020B0604020202020204" pitchFamily="34" charset="0"/>
+                                </a:rPr>
+                                <m:t>𝑀</m:t>
+                              </m:r>
+                            </m:oMath>
+                          </m:oMathPara>
+                        </a14:m>
+                        <a:endParaRPr lang="en-US" sz="2000" dirty="0" smtClean="0">
+                          <a:latin typeface="Arial" panose="020B0604020202020204" pitchFamily="34" charset="0"/>
+                          <a:cs typeface="Arial" panose="020B0604020202020204" pitchFamily="34" charset="0"/>
+                        </a:endParaRPr>
+                      </a:p>
+                    </p:txBody>
+                  </p:sp>
+                </mc:Choice>
+                <mc:Fallback xmlns="">
+                  <p:sp>
+                    <p:nvSpPr>
+                      <p:cNvPr id="14" name="TextBox 13"/>
+                      <p:cNvSpPr txBox="1">
+                        <a:spLocks noRot="1" noChangeAspect="1" noMove="1" noResize="1" noEditPoints="1" noAdjustHandles="1" noChangeArrowheads="1" noChangeShapeType="1" noTextEdit="1"/>
+                      </p:cNvSpPr>
+                      <p:nvPr/>
+                    </p:nvSpPr>
+                    <p:spPr>
+                      <a:xfrm>
+                        <a:off x="10932936" y="2761905"/>
+                        <a:ext cx="294824" cy="307777"/>
+                      </a:xfrm>
+                      <a:prstGeom prst="rect">
+                        <a:avLst/>
+                      </a:prstGeom>
+                      <a:blipFill>
+                        <a:blip r:embed="rId45"/>
+                        <a:stretch>
+                          <a:fillRect l="-16327" r="-16327" b="-9804"/>
+                        </a:stretch>
+                      </a:blipFill>
+                    </p:spPr>
+                    <p:txBody>
+                      <a:bodyPr/>
+                      <a:lstStyle/>
+                      <a:p>
+                        <a:r>
+                          <a:rPr lang="en-US">
+                            <a:noFill/>
+                          </a:rPr>
+                          <a:t> </a:t>
+                        </a:r>
+                      </a:p>
+                    </p:txBody>
+                  </p:sp>
+                </mc:Fallback>
+              </mc:AlternateContent>
+              <p:grpSp>
+                <p:nvGrpSpPr>
+                  <p:cNvPr id="13" name="Group 12"/>
+                  <p:cNvGrpSpPr/>
+                  <p:nvPr/>
+                </p:nvGrpSpPr>
+                <p:grpSpPr>
+                  <a:xfrm>
+                    <a:off x="7369608" y="2869341"/>
+                    <a:ext cx="3366984" cy="180365"/>
+                    <a:chOff x="7658423" y="1678015"/>
+                    <a:chExt cx="3366984" cy="180365"/>
+                  </a:xfrm>
+                </p:grpSpPr>
+                <p:sp>
+                  <p:nvSpPr>
+                    <p:cNvPr id="14" name="Rectangle 13"/>
+                    <p:cNvSpPr/>
+                    <p:nvPr/>
+                  </p:nvSpPr>
+                  <p:spPr>
+                    <a:xfrm>
+                      <a:off x="7658423" y="1678015"/>
+                      <a:ext cx="140291" cy="180364"/>
+                    </a:xfrm>
+                    <a:prstGeom prst="rect">
+                      <a:avLst/>
+                    </a:prstGeom>
+                    <a:noFill/>
+                    <a:ln w="38100">
+                      <a:solidFill>
+                        <a:schemeClr val="tx1"/>
+                      </a:solidFill>
+                    </a:ln>
+                  </p:spPr>
+                  <p:style>
+                    <a:lnRef idx="2">
+                      <a:schemeClr val="accent1">
+                        <a:shade val="50000"/>
+                      </a:schemeClr>
+                    </a:lnRef>
+                    <a:fillRef idx="1">
+                      <a:schemeClr val="accent1"/>
+                    </a:fillRef>
+                    <a:effectRef idx="0">
+                      <a:schemeClr val="accent1"/>
+                    </a:effectRef>
+                    <a:fontRef idx="minor">
+                      <a:schemeClr val="lt1"/>
+                    </a:fontRef>
+                  </p:style>
+                  <p:txBody>
+                    <a:bodyPr rtlCol="0" anchor="ctr"/>
+                    <a:lstStyle/>
+                    <a:p>
+                      <a:pPr algn="ctr"/>
+                      <a:endParaRPr lang="en-US"/>
+                    </a:p>
+                  </p:txBody>
+                </p:sp>
+                <p:sp>
+                  <p:nvSpPr>
+                    <p:cNvPr id="15" name="Rectangle 14"/>
+                    <p:cNvSpPr/>
+                    <p:nvPr/>
+                  </p:nvSpPr>
+                  <p:spPr>
+                    <a:xfrm>
+                      <a:off x="7798714" y="1678015"/>
+                      <a:ext cx="140291" cy="180364"/>
+                    </a:xfrm>
+                    <a:prstGeom prst="rect">
+                      <a:avLst/>
+                    </a:prstGeom>
+                    <a:noFill/>
+                    <a:ln w="38100">
+                      <a:solidFill>
+                        <a:schemeClr val="tx1"/>
+                      </a:solidFill>
+                    </a:ln>
+                  </p:spPr>
+                  <p:style>
+                    <a:lnRef idx="2">
+                      <a:schemeClr val="accent1">
+                        <a:shade val="50000"/>
+                      </a:schemeClr>
+                    </a:lnRef>
+                    <a:fillRef idx="1">
+                      <a:schemeClr val="accent1"/>
+                    </a:fillRef>
+                    <a:effectRef idx="0">
+                      <a:schemeClr val="accent1"/>
+                    </a:effectRef>
+                    <a:fontRef idx="minor">
+                      <a:schemeClr val="lt1"/>
+                    </a:fontRef>
+                  </p:style>
+                  <p:txBody>
+                    <a:bodyPr rtlCol="0" anchor="ctr"/>
+                    <a:lstStyle/>
+                    <a:p>
+                      <a:pPr algn="ctr"/>
+                      <a:endParaRPr lang="en-US"/>
+                    </a:p>
+                  </p:txBody>
+                </p:sp>
+                <p:sp>
+                  <p:nvSpPr>
+                    <p:cNvPr id="16" name="Rectangle 15"/>
+                    <p:cNvSpPr/>
+                    <p:nvPr/>
+                  </p:nvSpPr>
+                  <p:spPr>
+                    <a:xfrm>
+                      <a:off x="7939005" y="1678015"/>
+                      <a:ext cx="140291" cy="180364"/>
+                    </a:xfrm>
+                    <a:prstGeom prst="rect">
+                      <a:avLst/>
+                    </a:prstGeom>
+                    <a:noFill/>
+                    <a:ln w="38100">
+                      <a:solidFill>
+                        <a:schemeClr val="tx1"/>
+                      </a:solidFill>
+                    </a:ln>
+                  </p:spPr>
+                  <p:style>
+                    <a:lnRef idx="2">
+                      <a:schemeClr val="accent1">
+                        <a:shade val="50000"/>
+                      </a:schemeClr>
+                    </a:lnRef>
+                    <a:fillRef idx="1">
+                      <a:schemeClr val="accent1"/>
+                    </a:fillRef>
+                    <a:effectRef idx="0">
+                      <a:schemeClr val="accent1"/>
+                    </a:effectRef>
+                    <a:fontRef idx="minor">
+                      <a:schemeClr val="lt1"/>
+                    </a:fontRef>
+                  </p:style>
+                  <p:txBody>
+                    <a:bodyPr rtlCol="0" anchor="ctr"/>
+                    <a:lstStyle/>
+                    <a:p>
+                      <a:pPr algn="ctr"/>
+                      <a:endParaRPr lang="en-US"/>
+                    </a:p>
+                  </p:txBody>
+                </p:sp>
+                <p:sp>
+                  <p:nvSpPr>
+                    <p:cNvPr id="17" name="Rectangle 16"/>
+                    <p:cNvSpPr/>
+                    <p:nvPr/>
+                  </p:nvSpPr>
+                  <p:spPr>
+                    <a:xfrm>
+                      <a:off x="8079296" y="1678015"/>
+                      <a:ext cx="140291" cy="180364"/>
+                    </a:xfrm>
+                    <a:prstGeom prst="rect">
+                      <a:avLst/>
+                    </a:prstGeom>
+                    <a:noFill/>
+                    <a:ln w="38100">
+                      <a:solidFill>
+                        <a:schemeClr val="tx1"/>
+                      </a:solidFill>
+                    </a:ln>
+                  </p:spPr>
+                  <p:style>
+                    <a:lnRef idx="2">
+                      <a:schemeClr val="accent1">
+                        <a:shade val="50000"/>
+                      </a:schemeClr>
+                    </a:lnRef>
+                    <a:fillRef idx="1">
+                      <a:schemeClr val="accent1"/>
+                    </a:fillRef>
+                    <a:effectRef idx="0">
+                      <a:schemeClr val="accent1"/>
+                    </a:effectRef>
+                    <a:fontRef idx="minor">
+                      <a:schemeClr val="lt1"/>
+                    </a:fontRef>
+                  </p:style>
+                  <p:txBody>
+                    <a:bodyPr rtlCol="0" anchor="ctr"/>
+                    <a:lstStyle/>
+                    <a:p>
+                      <a:pPr algn="ctr"/>
+                      <a:endParaRPr lang="en-US"/>
+                    </a:p>
+                  </p:txBody>
+                </p:sp>
+                <p:sp>
+                  <p:nvSpPr>
+                    <p:cNvPr id="18" name="Rectangle 17"/>
+                    <p:cNvSpPr/>
+                    <p:nvPr/>
+                  </p:nvSpPr>
+                  <p:spPr>
+                    <a:xfrm>
+                      <a:off x="8219587" y="1678015"/>
+                      <a:ext cx="140291" cy="180364"/>
+                    </a:xfrm>
+                    <a:prstGeom prst="rect">
+                      <a:avLst/>
+                    </a:prstGeom>
+                    <a:noFill/>
+                    <a:ln w="38100">
+                      <a:solidFill>
+                        <a:schemeClr val="tx1"/>
+                      </a:solidFill>
+                    </a:ln>
+                  </p:spPr>
+                  <p:style>
+                    <a:lnRef idx="2">
+                      <a:schemeClr val="accent1">
+                        <a:shade val="50000"/>
+                      </a:schemeClr>
+                    </a:lnRef>
+                    <a:fillRef idx="1">
+                      <a:schemeClr val="accent1"/>
+                    </a:fillRef>
+                    <a:effectRef idx="0">
+                      <a:schemeClr val="accent1"/>
+                    </a:effectRef>
+                    <a:fontRef idx="minor">
+                      <a:schemeClr val="lt1"/>
+                    </a:fontRef>
+                  </p:style>
+                  <p:txBody>
+                    <a:bodyPr rtlCol="0" anchor="ctr"/>
+                    <a:lstStyle/>
+                    <a:p>
+                      <a:pPr algn="ctr"/>
+                      <a:endParaRPr lang="en-US"/>
+                    </a:p>
+                  </p:txBody>
+                </p:sp>
+                <p:sp>
+                  <p:nvSpPr>
+                    <p:cNvPr id="19" name="Rectangle 18"/>
+                    <p:cNvSpPr/>
+                    <p:nvPr/>
+                  </p:nvSpPr>
+                  <p:spPr>
+                    <a:xfrm>
+                      <a:off x="8359878" y="1678015"/>
+                      <a:ext cx="140291" cy="180364"/>
+                    </a:xfrm>
+                    <a:prstGeom prst="rect">
+                      <a:avLst/>
+                    </a:prstGeom>
+                    <a:noFill/>
+                    <a:ln w="38100">
+                      <a:solidFill>
+                        <a:schemeClr val="tx1"/>
+                      </a:solidFill>
+                    </a:ln>
+                  </p:spPr>
+                  <p:style>
+                    <a:lnRef idx="2">
+                      <a:schemeClr val="accent1">
+                        <a:shade val="50000"/>
+                      </a:schemeClr>
+                    </a:lnRef>
+                    <a:fillRef idx="1">
+                      <a:schemeClr val="accent1"/>
+                    </a:fillRef>
+                    <a:effectRef idx="0">
+                      <a:schemeClr val="accent1"/>
+                    </a:effectRef>
+                    <a:fontRef idx="minor">
+                      <a:schemeClr val="lt1"/>
+                    </a:fontRef>
+                  </p:style>
+                  <p:txBody>
+                    <a:bodyPr rtlCol="0" anchor="ctr"/>
+                    <a:lstStyle/>
+                    <a:p>
+                      <a:pPr algn="ctr"/>
+                      <a:endParaRPr lang="en-US"/>
+                    </a:p>
+                  </p:txBody>
+                </p:sp>
+                <p:sp>
+                  <p:nvSpPr>
+                    <p:cNvPr id="20" name="Rectangle 19"/>
+                    <p:cNvSpPr/>
+                    <p:nvPr/>
+                  </p:nvSpPr>
+                  <p:spPr>
+                    <a:xfrm>
+                      <a:off x="8500169" y="1678015"/>
+                      <a:ext cx="140291" cy="180364"/>
+                    </a:xfrm>
+                    <a:prstGeom prst="rect">
+                      <a:avLst/>
+                    </a:prstGeom>
+                    <a:noFill/>
+                    <a:ln w="38100">
+                      <a:solidFill>
+                        <a:schemeClr val="tx1"/>
+                      </a:solidFill>
+                    </a:ln>
+                  </p:spPr>
+                  <p:style>
+                    <a:lnRef idx="2">
+                      <a:schemeClr val="accent1">
+                        <a:shade val="50000"/>
+                      </a:schemeClr>
+                    </a:lnRef>
+                    <a:fillRef idx="1">
+                      <a:schemeClr val="accent1"/>
+                    </a:fillRef>
+                    <a:effectRef idx="0">
+                      <a:schemeClr val="accent1"/>
+                    </a:effectRef>
+                    <a:fontRef idx="minor">
+                      <a:schemeClr val="lt1"/>
+                    </a:fontRef>
+                  </p:style>
+                  <p:txBody>
+                    <a:bodyPr rtlCol="0" anchor="ctr"/>
+                    <a:lstStyle/>
+                    <a:p>
+                      <a:pPr algn="ctr"/>
+                      <a:endParaRPr lang="en-US"/>
+                    </a:p>
+                  </p:txBody>
+                </p:sp>
+                <p:sp>
+                  <p:nvSpPr>
+                    <p:cNvPr id="21" name="Rectangle 20"/>
+                    <p:cNvSpPr/>
+                    <p:nvPr/>
+                  </p:nvSpPr>
+                  <p:spPr>
+                    <a:xfrm>
+                      <a:off x="8640460" y="1678015"/>
+                      <a:ext cx="140291" cy="180364"/>
+                    </a:xfrm>
+                    <a:prstGeom prst="rect">
+                      <a:avLst/>
+                    </a:prstGeom>
+                    <a:noFill/>
+                    <a:ln w="38100">
+                      <a:solidFill>
+                        <a:schemeClr val="tx1"/>
+                      </a:solidFill>
+                    </a:ln>
+                  </p:spPr>
+                  <p:style>
+                    <a:lnRef idx="2">
+                      <a:schemeClr val="accent1">
+                        <a:shade val="50000"/>
+                      </a:schemeClr>
+                    </a:lnRef>
+                    <a:fillRef idx="1">
+                      <a:schemeClr val="accent1"/>
+                    </a:fillRef>
+                    <a:effectRef idx="0">
+                      <a:schemeClr val="accent1"/>
+                    </a:effectRef>
+                    <a:fontRef idx="minor">
+                      <a:schemeClr val="lt1"/>
+                    </a:fontRef>
+                  </p:style>
+                  <p:txBody>
+                    <a:bodyPr rtlCol="0" anchor="ctr"/>
+                    <a:lstStyle/>
+                    <a:p>
+                      <a:pPr algn="ctr"/>
+                      <a:endParaRPr lang="en-US"/>
+                    </a:p>
+                  </p:txBody>
+                </p:sp>
+                <p:sp>
+                  <p:nvSpPr>
+                    <p:cNvPr id="22" name="Rectangle 21"/>
+                    <p:cNvSpPr/>
+                    <p:nvPr/>
+                  </p:nvSpPr>
+                  <p:spPr>
+                    <a:xfrm>
+                      <a:off x="8780751" y="1678016"/>
+                      <a:ext cx="140291" cy="180364"/>
+                    </a:xfrm>
+                    <a:prstGeom prst="rect">
+                      <a:avLst/>
+                    </a:prstGeom>
+                    <a:noFill/>
+                    <a:ln w="38100">
+                      <a:solidFill>
+                        <a:schemeClr val="tx1"/>
+                      </a:solidFill>
+                    </a:ln>
+                  </p:spPr>
+                  <p:style>
+                    <a:lnRef idx="2">
+                      <a:schemeClr val="accent1">
+                        <a:shade val="50000"/>
+                      </a:schemeClr>
+                    </a:lnRef>
+                    <a:fillRef idx="1">
+                      <a:schemeClr val="accent1"/>
+                    </a:fillRef>
+                    <a:effectRef idx="0">
+                      <a:schemeClr val="accent1"/>
+                    </a:effectRef>
+                    <a:fontRef idx="minor">
+                      <a:schemeClr val="lt1"/>
+                    </a:fontRef>
+                  </p:style>
+                  <p:txBody>
+                    <a:bodyPr rtlCol="0" anchor="ctr"/>
+                    <a:lstStyle/>
+                    <a:p>
+                      <a:pPr algn="ctr"/>
+                      <a:endParaRPr lang="en-US"/>
+                    </a:p>
+                  </p:txBody>
+                </p:sp>
+                <p:sp>
+                  <p:nvSpPr>
+                    <p:cNvPr id="23" name="Rectangle 22"/>
+                    <p:cNvSpPr/>
+                    <p:nvPr/>
+                  </p:nvSpPr>
+                  <p:spPr>
+                    <a:xfrm>
+                      <a:off x="8921042" y="1678016"/>
+                      <a:ext cx="140291" cy="180364"/>
+                    </a:xfrm>
+                    <a:prstGeom prst="rect">
+                      <a:avLst/>
+                    </a:prstGeom>
+                    <a:noFill/>
+                    <a:ln w="38100">
+                      <a:solidFill>
+                        <a:schemeClr val="tx1"/>
+                      </a:solidFill>
+                    </a:ln>
+                  </p:spPr>
+                  <p:style>
+                    <a:lnRef idx="2">
+                      <a:schemeClr val="accent1">
+                        <a:shade val="50000"/>
+                      </a:schemeClr>
+                    </a:lnRef>
+                    <a:fillRef idx="1">
+                      <a:schemeClr val="accent1"/>
+                    </a:fillRef>
+                    <a:effectRef idx="0">
+                      <a:schemeClr val="accent1"/>
+                    </a:effectRef>
+                    <a:fontRef idx="minor">
+                      <a:schemeClr val="lt1"/>
+                    </a:fontRef>
+                  </p:style>
+                  <p:txBody>
+                    <a:bodyPr rtlCol="0" anchor="ctr"/>
+                    <a:lstStyle/>
+                    <a:p>
+                      <a:pPr algn="ctr"/>
+                      <a:endParaRPr lang="en-US"/>
+                    </a:p>
+                  </p:txBody>
+                </p:sp>
+                <p:sp>
+                  <p:nvSpPr>
+                    <p:cNvPr id="24" name="Rectangle 23"/>
+                    <p:cNvSpPr/>
+                    <p:nvPr/>
+                  </p:nvSpPr>
+                  <p:spPr>
+                    <a:xfrm>
+                      <a:off x="9061333" y="1678016"/>
+                      <a:ext cx="140291" cy="180364"/>
+                    </a:xfrm>
+                    <a:prstGeom prst="rect">
+                      <a:avLst/>
+                    </a:prstGeom>
+                    <a:noFill/>
+                    <a:ln w="38100">
+                      <a:solidFill>
+                        <a:schemeClr val="tx1"/>
+                      </a:solidFill>
+                    </a:ln>
+                  </p:spPr>
+                  <p:style>
+                    <a:lnRef idx="2">
+                      <a:schemeClr val="accent1">
+                        <a:shade val="50000"/>
+                      </a:schemeClr>
+                    </a:lnRef>
+                    <a:fillRef idx="1">
+                      <a:schemeClr val="accent1"/>
+                    </a:fillRef>
+                    <a:effectRef idx="0">
+                      <a:schemeClr val="accent1"/>
+                    </a:effectRef>
+                    <a:fontRef idx="minor">
+                      <a:schemeClr val="lt1"/>
+                    </a:fontRef>
+                  </p:style>
+                  <p:txBody>
+                    <a:bodyPr rtlCol="0" anchor="ctr"/>
+                    <a:lstStyle/>
+                    <a:p>
+                      <a:pPr algn="ctr"/>
+                      <a:endParaRPr lang="en-US"/>
+                    </a:p>
+                  </p:txBody>
+                </p:sp>
+                <p:sp>
+                  <p:nvSpPr>
+                    <p:cNvPr id="25" name="Rectangle 24"/>
+                    <p:cNvSpPr/>
+                    <p:nvPr/>
+                  </p:nvSpPr>
+                  <p:spPr>
+                    <a:xfrm>
+                      <a:off x="9201624" y="1678016"/>
+                      <a:ext cx="140291" cy="180364"/>
+                    </a:xfrm>
+                    <a:prstGeom prst="rect">
+                      <a:avLst/>
+                    </a:prstGeom>
+                    <a:noFill/>
+                    <a:ln w="38100">
+                      <a:solidFill>
+                        <a:schemeClr val="tx1"/>
+                      </a:solidFill>
+                    </a:ln>
+                  </p:spPr>
+                  <p:style>
+                    <a:lnRef idx="2">
+                      <a:schemeClr val="accent1">
+                        <a:shade val="50000"/>
+                      </a:schemeClr>
+                    </a:lnRef>
+                    <a:fillRef idx="1">
+                      <a:schemeClr val="accent1"/>
+                    </a:fillRef>
+                    <a:effectRef idx="0">
+                      <a:schemeClr val="accent1"/>
+                    </a:effectRef>
+                    <a:fontRef idx="minor">
+                      <a:schemeClr val="lt1"/>
+                    </a:fontRef>
+                  </p:style>
+                  <p:txBody>
+                    <a:bodyPr rtlCol="0" anchor="ctr"/>
+                    <a:lstStyle/>
+                    <a:p>
+                      <a:pPr algn="ctr"/>
+                      <a:endParaRPr lang="en-US"/>
+                    </a:p>
+                  </p:txBody>
+                </p:sp>
+                <p:sp>
+                  <p:nvSpPr>
+                    <p:cNvPr id="26" name="Rectangle 25"/>
+                    <p:cNvSpPr/>
+                    <p:nvPr/>
+                  </p:nvSpPr>
+                  <p:spPr>
+                    <a:xfrm>
+                      <a:off x="9341915" y="1678016"/>
+                      <a:ext cx="140291" cy="180364"/>
+                    </a:xfrm>
+                    <a:prstGeom prst="rect">
+                      <a:avLst/>
+                    </a:prstGeom>
+                    <a:noFill/>
+                    <a:ln w="38100">
+                      <a:solidFill>
+                        <a:schemeClr val="tx1"/>
+                      </a:solidFill>
+                    </a:ln>
+                  </p:spPr>
+                  <p:style>
+                    <a:lnRef idx="2">
+                      <a:schemeClr val="accent1">
+                        <a:shade val="50000"/>
+                      </a:schemeClr>
+                    </a:lnRef>
+                    <a:fillRef idx="1">
+                      <a:schemeClr val="accent1"/>
+                    </a:fillRef>
+                    <a:effectRef idx="0">
+                      <a:schemeClr val="accent1"/>
+                    </a:effectRef>
+                    <a:fontRef idx="minor">
+                      <a:schemeClr val="lt1"/>
+                    </a:fontRef>
+                  </p:style>
+                  <p:txBody>
+                    <a:bodyPr rtlCol="0" anchor="ctr"/>
+                    <a:lstStyle/>
+                    <a:p>
+                      <a:pPr algn="ctr"/>
+                      <a:endParaRPr lang="en-US"/>
+                    </a:p>
+                  </p:txBody>
+                </p:sp>
+                <p:sp>
+                  <p:nvSpPr>
+                    <p:cNvPr id="27" name="Rectangle 26"/>
+                    <p:cNvSpPr/>
+                    <p:nvPr/>
+                  </p:nvSpPr>
+                  <p:spPr>
+                    <a:xfrm>
+                      <a:off x="9482206" y="1678016"/>
+                      <a:ext cx="140291" cy="180364"/>
+                    </a:xfrm>
+                    <a:prstGeom prst="rect">
+                      <a:avLst/>
+                    </a:prstGeom>
+                    <a:solidFill>
+                      <a:schemeClr val="bg2">
+                        <a:lumMod val="50000"/>
+                      </a:schemeClr>
+                    </a:solidFill>
+                    <a:ln w="38100">
+                      <a:solidFill>
+                        <a:schemeClr val="tx1"/>
+                      </a:solidFill>
+                    </a:ln>
+                  </p:spPr>
+                  <p:style>
+                    <a:lnRef idx="2">
+                      <a:schemeClr val="accent1">
+                        <a:shade val="50000"/>
+                      </a:schemeClr>
+                    </a:lnRef>
+                    <a:fillRef idx="1">
+                      <a:schemeClr val="accent1"/>
+                    </a:fillRef>
+                    <a:effectRef idx="0">
+                      <a:schemeClr val="accent1"/>
+                    </a:effectRef>
+                    <a:fontRef idx="minor">
+                      <a:schemeClr val="lt1"/>
+                    </a:fontRef>
+                  </p:style>
+                  <p:txBody>
+                    <a:bodyPr rtlCol="0" anchor="ctr"/>
+                    <a:lstStyle/>
+                    <a:p>
+                      <a:pPr algn="ctr"/>
+                      <a:endParaRPr lang="en-US"/>
+                    </a:p>
+                  </p:txBody>
+                </p:sp>
+                <p:sp>
+                  <p:nvSpPr>
+                    <p:cNvPr id="28" name="Rectangle 27"/>
+                    <p:cNvSpPr/>
+                    <p:nvPr/>
+                  </p:nvSpPr>
+                  <p:spPr>
+                    <a:xfrm>
+                      <a:off x="9622497" y="1678016"/>
+                      <a:ext cx="140291" cy="180364"/>
+                    </a:xfrm>
+                    <a:prstGeom prst="rect">
+                      <a:avLst/>
+                    </a:prstGeom>
+                    <a:noFill/>
+                    <a:ln w="38100">
+                      <a:solidFill>
+                        <a:schemeClr val="tx1"/>
+                      </a:solidFill>
+                    </a:ln>
+                  </p:spPr>
+                  <p:style>
+                    <a:lnRef idx="2">
+                      <a:schemeClr val="accent1">
+                        <a:shade val="50000"/>
+                      </a:schemeClr>
+                    </a:lnRef>
+                    <a:fillRef idx="1">
+                      <a:schemeClr val="accent1"/>
+                    </a:fillRef>
+                    <a:effectRef idx="0">
+                      <a:schemeClr val="accent1"/>
+                    </a:effectRef>
+                    <a:fontRef idx="minor">
+                      <a:schemeClr val="lt1"/>
+                    </a:fontRef>
+                  </p:style>
+                  <p:txBody>
+                    <a:bodyPr rtlCol="0" anchor="ctr"/>
+                    <a:lstStyle/>
+                    <a:p>
+                      <a:pPr algn="ctr"/>
+                      <a:endParaRPr lang="en-US"/>
+                    </a:p>
+                  </p:txBody>
+                </p:sp>
+                <p:sp>
+                  <p:nvSpPr>
+                    <p:cNvPr id="29" name="Rectangle 28"/>
+                    <p:cNvSpPr/>
+                    <p:nvPr/>
+                  </p:nvSpPr>
+                  <p:spPr>
+                    <a:xfrm>
+                      <a:off x="9762788" y="1678016"/>
+                      <a:ext cx="140291" cy="180364"/>
+                    </a:xfrm>
+                    <a:prstGeom prst="rect">
+                      <a:avLst/>
+                    </a:prstGeom>
+                    <a:noFill/>
+                    <a:ln w="38100">
+                      <a:solidFill>
+                        <a:schemeClr val="tx1"/>
+                      </a:solidFill>
+                    </a:ln>
+                  </p:spPr>
+                  <p:style>
+                    <a:lnRef idx="2">
+                      <a:schemeClr val="accent1">
+                        <a:shade val="50000"/>
+                      </a:schemeClr>
+                    </a:lnRef>
+                    <a:fillRef idx="1">
+                      <a:schemeClr val="accent1"/>
+                    </a:fillRef>
+                    <a:effectRef idx="0">
+                      <a:schemeClr val="accent1"/>
+                    </a:effectRef>
+                    <a:fontRef idx="minor">
+                      <a:schemeClr val="lt1"/>
+                    </a:fontRef>
+                  </p:style>
+                  <p:txBody>
+                    <a:bodyPr rtlCol="0" anchor="ctr"/>
+                    <a:lstStyle/>
+                    <a:p>
+                      <a:pPr algn="ctr"/>
+                      <a:endParaRPr lang="en-US"/>
+                    </a:p>
+                  </p:txBody>
+                </p:sp>
+                <p:sp>
+                  <p:nvSpPr>
+                    <p:cNvPr id="30" name="Rectangle 29"/>
+                    <p:cNvSpPr/>
+                    <p:nvPr/>
+                  </p:nvSpPr>
+                  <p:spPr>
+                    <a:xfrm>
+                      <a:off x="9903079" y="1678015"/>
+                      <a:ext cx="140291" cy="180364"/>
+                    </a:xfrm>
+                    <a:prstGeom prst="rect">
+                      <a:avLst/>
+                    </a:prstGeom>
+                    <a:noFill/>
+                    <a:ln w="38100">
+                      <a:solidFill>
+                        <a:schemeClr val="tx1"/>
+                      </a:solidFill>
+                    </a:ln>
+                  </p:spPr>
+                  <p:style>
+                    <a:lnRef idx="2">
+                      <a:schemeClr val="accent1">
+                        <a:shade val="50000"/>
+                      </a:schemeClr>
+                    </a:lnRef>
+                    <a:fillRef idx="1">
+                      <a:schemeClr val="accent1"/>
+                    </a:fillRef>
+                    <a:effectRef idx="0">
+                      <a:schemeClr val="accent1"/>
+                    </a:effectRef>
+                    <a:fontRef idx="minor">
+                      <a:schemeClr val="lt1"/>
+                    </a:fontRef>
+                  </p:style>
+                  <p:txBody>
+                    <a:bodyPr rtlCol="0" anchor="ctr"/>
+                    <a:lstStyle/>
+                    <a:p>
+                      <a:pPr algn="ctr"/>
+                      <a:endParaRPr lang="en-US"/>
+                    </a:p>
+                  </p:txBody>
+                </p:sp>
+                <p:sp>
+                  <p:nvSpPr>
+                    <p:cNvPr id="31" name="Rectangle 30"/>
+                    <p:cNvSpPr/>
+                    <p:nvPr/>
+                  </p:nvSpPr>
+                  <p:spPr>
+                    <a:xfrm>
+                      <a:off x="10043370" y="1678015"/>
+                      <a:ext cx="140291" cy="180364"/>
+                    </a:xfrm>
+                    <a:prstGeom prst="rect">
+                      <a:avLst/>
+                    </a:prstGeom>
+                    <a:noFill/>
+                    <a:ln w="38100">
+                      <a:solidFill>
+                        <a:schemeClr val="tx1"/>
+                      </a:solidFill>
+                    </a:ln>
+                  </p:spPr>
+                  <p:style>
+                    <a:lnRef idx="2">
+                      <a:schemeClr val="accent1">
+                        <a:shade val="50000"/>
+                      </a:schemeClr>
+                    </a:lnRef>
+                    <a:fillRef idx="1">
+                      <a:schemeClr val="accent1"/>
+                    </a:fillRef>
+                    <a:effectRef idx="0">
+                      <a:schemeClr val="accent1"/>
+                    </a:effectRef>
+                    <a:fontRef idx="minor">
+                      <a:schemeClr val="lt1"/>
+                    </a:fontRef>
+                  </p:style>
+                  <p:txBody>
+                    <a:bodyPr rtlCol="0" anchor="ctr"/>
+                    <a:lstStyle/>
+                    <a:p>
+                      <a:pPr algn="ctr"/>
+                      <a:endParaRPr lang="en-US"/>
+                    </a:p>
+                  </p:txBody>
+                </p:sp>
+                <p:sp>
+                  <p:nvSpPr>
+                    <p:cNvPr id="32" name="Rectangle 31"/>
+                    <p:cNvSpPr/>
+                    <p:nvPr/>
+                  </p:nvSpPr>
+                  <p:spPr>
+                    <a:xfrm>
+                      <a:off x="10183661" y="1678015"/>
+                      <a:ext cx="140291" cy="180364"/>
+                    </a:xfrm>
+                    <a:prstGeom prst="rect">
+                      <a:avLst/>
+                    </a:prstGeom>
+                    <a:noFill/>
+                    <a:ln w="38100">
+                      <a:solidFill>
+                        <a:schemeClr val="tx1"/>
+                      </a:solidFill>
+                    </a:ln>
+                  </p:spPr>
+                  <p:style>
+                    <a:lnRef idx="2">
+                      <a:schemeClr val="accent1">
+                        <a:shade val="50000"/>
+                      </a:schemeClr>
+                    </a:lnRef>
+                    <a:fillRef idx="1">
+                      <a:schemeClr val="accent1"/>
+                    </a:fillRef>
+                    <a:effectRef idx="0">
+                      <a:schemeClr val="accent1"/>
+                    </a:effectRef>
+                    <a:fontRef idx="minor">
+                      <a:schemeClr val="lt1"/>
+                    </a:fontRef>
+                  </p:style>
+                  <p:txBody>
+                    <a:bodyPr rtlCol="0" anchor="ctr"/>
+                    <a:lstStyle/>
+                    <a:p>
+                      <a:pPr algn="ctr"/>
+                      <a:endParaRPr lang="en-US"/>
+                    </a:p>
+                  </p:txBody>
+                </p:sp>
+                <p:sp>
+                  <p:nvSpPr>
+                    <p:cNvPr id="33" name="Rectangle 32"/>
+                    <p:cNvSpPr/>
+                    <p:nvPr/>
+                  </p:nvSpPr>
+                  <p:spPr>
+                    <a:xfrm>
+                      <a:off x="10323952" y="1678015"/>
+                      <a:ext cx="140291" cy="180364"/>
+                    </a:xfrm>
+                    <a:prstGeom prst="rect">
+                      <a:avLst/>
+                    </a:prstGeom>
+                    <a:noFill/>
+                    <a:ln w="38100">
+                      <a:solidFill>
+                        <a:schemeClr val="tx1"/>
+                      </a:solidFill>
+                    </a:ln>
+                  </p:spPr>
+                  <p:style>
+                    <a:lnRef idx="2">
+                      <a:schemeClr val="accent1">
+                        <a:shade val="50000"/>
+                      </a:schemeClr>
+                    </a:lnRef>
+                    <a:fillRef idx="1">
+                      <a:schemeClr val="accent1"/>
+                    </a:fillRef>
+                    <a:effectRef idx="0">
+                      <a:schemeClr val="accent1"/>
+                    </a:effectRef>
+                    <a:fontRef idx="minor">
+                      <a:schemeClr val="lt1"/>
+                    </a:fontRef>
+                  </p:style>
+                  <p:txBody>
+                    <a:bodyPr rtlCol="0" anchor="ctr"/>
+                    <a:lstStyle/>
+                    <a:p>
+                      <a:pPr algn="ctr"/>
+                      <a:endParaRPr lang="en-US"/>
+                    </a:p>
+                  </p:txBody>
+                </p:sp>
+                <p:sp>
+                  <p:nvSpPr>
+                    <p:cNvPr id="34" name="Rectangle 33"/>
+                    <p:cNvSpPr/>
+                    <p:nvPr/>
+                  </p:nvSpPr>
+                  <p:spPr>
+                    <a:xfrm>
+                      <a:off x="10464243" y="1678015"/>
+                      <a:ext cx="140291" cy="180364"/>
+                    </a:xfrm>
+                    <a:prstGeom prst="rect">
+                      <a:avLst/>
+                    </a:prstGeom>
+                    <a:noFill/>
+                    <a:ln w="38100">
+                      <a:solidFill>
+                        <a:schemeClr val="tx1"/>
+                      </a:solidFill>
+                    </a:ln>
+                  </p:spPr>
+                  <p:style>
+                    <a:lnRef idx="2">
+                      <a:schemeClr val="accent1">
+                        <a:shade val="50000"/>
+                      </a:schemeClr>
+                    </a:lnRef>
+                    <a:fillRef idx="1">
+                      <a:schemeClr val="accent1"/>
+                    </a:fillRef>
+                    <a:effectRef idx="0">
+                      <a:schemeClr val="accent1"/>
+                    </a:effectRef>
+                    <a:fontRef idx="minor">
+                      <a:schemeClr val="lt1"/>
+                    </a:fontRef>
+                  </p:style>
+                  <p:txBody>
+                    <a:bodyPr rtlCol="0" anchor="ctr"/>
+                    <a:lstStyle/>
+                    <a:p>
+                      <a:pPr algn="ctr"/>
+                      <a:endParaRPr lang="en-US"/>
+                    </a:p>
+                  </p:txBody>
+                </p:sp>
+                <p:sp>
+                  <p:nvSpPr>
+                    <p:cNvPr id="35" name="Rectangle 34"/>
+                    <p:cNvSpPr/>
+                    <p:nvPr/>
+                  </p:nvSpPr>
+                  <p:spPr>
+                    <a:xfrm>
+                      <a:off x="10604534" y="1678015"/>
+                      <a:ext cx="140291" cy="180364"/>
+                    </a:xfrm>
+                    <a:prstGeom prst="rect">
+                      <a:avLst/>
+                    </a:prstGeom>
+                    <a:noFill/>
+                    <a:ln w="38100">
+                      <a:solidFill>
+                        <a:schemeClr val="tx1"/>
+                      </a:solidFill>
+                    </a:ln>
+                  </p:spPr>
+                  <p:style>
+                    <a:lnRef idx="2">
+                      <a:schemeClr val="accent1">
+                        <a:shade val="50000"/>
+                      </a:schemeClr>
+                    </a:lnRef>
+                    <a:fillRef idx="1">
+                      <a:schemeClr val="accent1"/>
+                    </a:fillRef>
+                    <a:effectRef idx="0">
+                      <a:schemeClr val="accent1"/>
+                    </a:effectRef>
+                    <a:fontRef idx="minor">
+                      <a:schemeClr val="lt1"/>
+                    </a:fontRef>
+                  </p:style>
+                  <p:txBody>
+                    <a:bodyPr rtlCol="0" anchor="ctr"/>
+                    <a:lstStyle/>
+                    <a:p>
+                      <a:pPr algn="ctr"/>
+                      <a:endParaRPr lang="en-US"/>
+                    </a:p>
+                  </p:txBody>
+                </p:sp>
+                <p:sp>
+                  <p:nvSpPr>
+                    <p:cNvPr id="36" name="Rectangle 35"/>
+                    <p:cNvSpPr/>
+                    <p:nvPr/>
+                  </p:nvSpPr>
+                  <p:spPr>
+                    <a:xfrm>
+                      <a:off x="10744825" y="1678015"/>
+                      <a:ext cx="140291" cy="180364"/>
+                    </a:xfrm>
+                    <a:prstGeom prst="rect">
+                      <a:avLst/>
+                    </a:prstGeom>
+                    <a:noFill/>
+                    <a:ln w="38100">
+                      <a:solidFill>
+                        <a:schemeClr val="tx1"/>
+                      </a:solidFill>
+                    </a:ln>
+                  </p:spPr>
+                  <p:style>
+                    <a:lnRef idx="2">
+                      <a:schemeClr val="accent1">
+                        <a:shade val="50000"/>
+                      </a:schemeClr>
+                    </a:lnRef>
+                    <a:fillRef idx="1">
+                      <a:schemeClr val="accent1"/>
+                    </a:fillRef>
+                    <a:effectRef idx="0">
+                      <a:schemeClr val="accent1"/>
+                    </a:effectRef>
+                    <a:fontRef idx="minor">
+                      <a:schemeClr val="lt1"/>
+                    </a:fontRef>
+                  </p:style>
+                  <p:txBody>
+                    <a:bodyPr rtlCol="0" anchor="ctr"/>
+                    <a:lstStyle/>
+                    <a:p>
+                      <a:pPr algn="ctr"/>
+                      <a:endParaRPr lang="en-US"/>
+                    </a:p>
+                  </p:txBody>
+                </p:sp>
+                <p:sp>
+                  <p:nvSpPr>
+                    <p:cNvPr id="37" name="Rectangle 36"/>
+                    <p:cNvSpPr/>
+                    <p:nvPr/>
+                  </p:nvSpPr>
+                  <p:spPr>
+                    <a:xfrm>
+                      <a:off x="10885116" y="1678015"/>
+                      <a:ext cx="140291" cy="180364"/>
+                    </a:xfrm>
+                    <a:prstGeom prst="rect">
+                      <a:avLst/>
+                    </a:prstGeom>
+                    <a:noFill/>
+                    <a:ln w="38100">
+                      <a:solidFill>
+                        <a:schemeClr val="tx1"/>
+                      </a:solidFill>
+                    </a:ln>
+                  </p:spPr>
+                  <p:style>
+                    <a:lnRef idx="2">
+                      <a:schemeClr val="accent1">
+                        <a:shade val="50000"/>
+                      </a:schemeClr>
+                    </a:lnRef>
+                    <a:fillRef idx="1">
+                      <a:schemeClr val="accent1"/>
+                    </a:fillRef>
+                    <a:effectRef idx="0">
+                      <a:schemeClr val="accent1"/>
+                    </a:effectRef>
+                    <a:fontRef idx="minor">
+                      <a:schemeClr val="lt1"/>
+                    </a:fontRef>
+                  </p:style>
+                  <p:txBody>
+                    <a:bodyPr rtlCol="0" anchor="ctr"/>
+                    <a:lstStyle/>
+                    <a:p>
+                      <a:pPr algn="ctr"/>
+                      <a:endParaRPr lang="en-US"/>
+                    </a:p>
+                  </p:txBody>
+                </p:sp>
+              </p:grpSp>
+            </p:grpSp>
+            <mc:AlternateContent xmlns:mc="http://schemas.openxmlformats.org/markup-compatibility/2006" xmlns:a14="http://schemas.microsoft.com/office/drawing/2010/main">
+              <mc:Choice Requires="a14">
+                <p:sp>
+                  <p:nvSpPr>
+                    <p:cNvPr id="6" name="TextBox 5"/>
+                    <p:cNvSpPr txBox="1"/>
+                    <p:nvPr/>
+                  </p:nvSpPr>
+                  <p:spPr>
+                    <a:xfrm>
+                      <a:off x="9130165" y="3030001"/>
+                      <a:ext cx="441980" cy="307777"/>
+                    </a:xfrm>
+                    <a:prstGeom prst="rect">
+                      <a:avLst/>
+                    </a:prstGeom>
+                    <a:noFill/>
+                  </p:spPr>
+                  <p:txBody>
+                    <a:bodyPr wrap="none" lIns="0" tIns="0" rIns="0" bIns="0" rtlCol="0">
+                      <a:spAutoFit/>
+                    </a:bodyPr>
+                    <a:lstStyle/>
+                    <a:p>
+                      <a:pPr/>
+                      <a14:m>
+                        <m:oMathPara xmlns:m="http://schemas.openxmlformats.org/officeDocument/2006/math">
+                          <m:oMathParaPr>
+                            <m:jc m:val="centerGroup"/>
+                          </m:oMathParaPr>
+                          <m:oMath xmlns:m="http://schemas.openxmlformats.org/officeDocument/2006/math">
+                            <m:r>
+                              <m:rPr>
+                                <m:sty m:val="p"/>
+                              </m:rPr>
+                              <a:rPr lang="en-US" sz="2000" b="0" i="0" smtClean="0">
+                                <a:latin typeface="Cambria Math" panose="02040503050406030204" pitchFamily="18" charset="0"/>
+                                <a:cs typeface="Arial" panose="020B0604020202020204" pitchFamily="34" charset="0"/>
+                              </a:rPr>
+                              <m:t>Δ</m:t>
+                            </m:r>
+                            <m:r>
+                              <a:rPr lang="en-US" sz="2000" b="0" i="1" smtClean="0">
+                                <a:latin typeface="Cambria Math" panose="02040503050406030204" pitchFamily="18" charset="0"/>
+                                <a:cs typeface="Arial" panose="020B0604020202020204" pitchFamily="34" charset="0"/>
+                              </a:rPr>
+                              <m:t>𝑚</m:t>
+                            </m:r>
+                          </m:oMath>
+                        </m:oMathPara>
+                      </a14:m>
+                      <a:endParaRPr lang="en-US" sz="2000" dirty="0" smtClean="0">
+                        <a:latin typeface="Arial" panose="020B0604020202020204" pitchFamily="34" charset="0"/>
+                        <a:cs typeface="Arial" panose="020B0604020202020204" pitchFamily="34" charset="0"/>
+                      </a:endParaRPr>
+                    </a:p>
+                  </p:txBody>
+                </p:sp>
+              </mc:Choice>
+              <mc:Fallback xmlns="">
+                <p:sp>
+                  <p:nvSpPr>
+                    <p:cNvPr id="85" name="TextBox 84"/>
+                    <p:cNvSpPr txBox="1">
+                      <a:spLocks noRot="1" noChangeAspect="1" noMove="1" noResize="1" noEditPoints="1" noAdjustHandles="1" noChangeArrowheads="1" noChangeShapeType="1" noTextEdit="1"/>
+                    </p:cNvSpPr>
+                    <p:nvPr/>
+                  </p:nvSpPr>
+                  <p:spPr>
+                    <a:xfrm>
+                      <a:off x="9130165" y="3030001"/>
+                      <a:ext cx="441980" cy="307777"/>
+                    </a:xfrm>
+                    <a:prstGeom prst="rect">
+                      <a:avLst/>
+                    </a:prstGeom>
+                    <a:blipFill>
+                      <a:blip r:embed="rId46"/>
+                      <a:stretch>
+                        <a:fillRect l="-12500" r="-5556" b="-9804"/>
+                      </a:stretch>
+                    </a:blipFill>
+                  </p:spPr>
+                  <p:txBody>
+                    <a:bodyPr/>
+                    <a:lstStyle/>
+                    <a:p>
+                      <a:r>
+                        <a:rPr lang="en-US">
+                          <a:noFill/>
+                        </a:rPr>
+                        <a:t> </a:t>
+                      </a:r>
+                    </a:p>
+                  </p:txBody>
+                </p:sp>
+              </mc:Fallback>
+            </mc:AlternateContent>
+            <mc:AlternateContent xmlns:mc="http://schemas.openxmlformats.org/markup-compatibility/2006">
+              <mc:Choice xmlns:a14="http://schemas.microsoft.com/office/drawing/2010/main" Requires="a14">
+                <p:sp>
+                  <p:nvSpPr>
+                    <p:cNvPr id="7" name="TextBox 6"/>
+                    <p:cNvSpPr txBox="1"/>
+                    <p:nvPr/>
+                  </p:nvSpPr>
+                  <p:spPr>
+                    <a:xfrm>
+                      <a:off x="9132247" y="2450591"/>
+                      <a:ext cx="350289" cy="307777"/>
+                    </a:xfrm>
+                    <a:prstGeom prst="rect">
+                      <a:avLst/>
+                    </a:prstGeom>
+                    <a:noFill/>
+                  </p:spPr>
+                  <p:txBody>
+                    <a:bodyPr wrap="none" lIns="0" tIns="0" rIns="0" bIns="0" rtlCol="0">
+                      <a:spAutoFit/>
+                    </a:bodyPr>
+                    <a:lstStyle/>
+                    <a:p>
+                      <a:pPr/>
+                      <a14:m>
+                        <m:oMathPara xmlns:m="http://schemas.openxmlformats.org/officeDocument/2006/math">
+                          <m:oMathParaPr>
+                            <m:jc m:val="centerGroup"/>
+                          </m:oMathParaPr>
+                          <m:oMath xmlns:m="http://schemas.openxmlformats.org/officeDocument/2006/math">
+                            <m:r>
+                              <m:rPr>
+                                <m:sty m:val="p"/>
+                              </m:rPr>
+                              <a:rPr lang="en-US" sz="2000" b="0" i="0" smtClean="0">
+                                <a:latin typeface="Cambria Math" panose="02040503050406030204" pitchFamily="18" charset="0"/>
+                                <a:cs typeface="Arial" panose="020B0604020202020204" pitchFamily="34" charset="0"/>
+                              </a:rPr>
+                              <m:t>Δ</m:t>
+                            </m:r>
+                            <m:r>
+                              <a:rPr lang="en-US" sz="2000" b="0" i="1" smtClean="0">
+                                <a:latin typeface="Cambria Math" panose="02040503050406030204" pitchFamily="18" charset="0"/>
+                                <a:cs typeface="Arial" panose="020B0604020202020204" pitchFamily="34" charset="0"/>
+                              </a:rPr>
+                              <m:t>𝑟</m:t>
+                            </m:r>
+                          </m:oMath>
+                        </m:oMathPara>
+                      </a14:m>
+                      <a:endParaRPr lang="en-US" sz="2000" dirty="0" smtClean="0">
+                        <a:latin typeface="Arial" panose="020B0604020202020204" pitchFamily="34" charset="0"/>
+                        <a:cs typeface="Arial" panose="020B0604020202020204" pitchFamily="34" charset="0"/>
+                      </a:endParaRPr>
+                    </a:p>
+                  </p:txBody>
+                </p:sp>
+              </mc:Choice>
+              <mc:Fallback>
+                <p:sp>
+                  <p:nvSpPr>
+                    <p:cNvPr id="7" name="TextBox 6"/>
+                    <p:cNvSpPr txBox="1">
+                      <a:spLocks noRot="1" noChangeAspect="1" noMove="1" noResize="1" noEditPoints="1" noAdjustHandles="1" noChangeArrowheads="1" noChangeShapeType="1" noTextEdit="1"/>
+                    </p:cNvSpPr>
+                    <p:nvPr/>
+                  </p:nvSpPr>
+                  <p:spPr>
+                    <a:xfrm>
+                      <a:off x="9132247" y="2450591"/>
+                      <a:ext cx="350289" cy="307777"/>
+                    </a:xfrm>
+                    <a:prstGeom prst="rect">
+                      <a:avLst/>
+                    </a:prstGeom>
+                    <a:blipFill>
+                      <a:blip r:embed="rId58"/>
+                      <a:stretch>
+                        <a:fillRect l="-15789" r="-7018" b="-10000"/>
+                      </a:stretch>
+                    </a:blipFill>
+                  </p:spPr>
+                  <p:txBody>
+                    <a:bodyPr/>
+                    <a:lstStyle/>
+                    <a:p>
+                      <a:r>
+                        <a:rPr lang="en-US">
+                          <a:noFill/>
+                        </a:rPr>
+                        <a:t> </a:t>
+                      </a:r>
+                    </a:p>
+                  </p:txBody>
+                </p:sp>
+              </mc:Fallback>
+            </mc:AlternateContent>
+            <p:cxnSp>
+              <p:nvCxnSpPr>
+                <p:cNvPr id="8" name="Straight Arrow Connector 7"/>
+                <p:cNvCxnSpPr/>
+                <p:nvPr/>
+              </p:nvCxnSpPr>
+              <p:spPr>
+                <a:xfrm>
+                  <a:off x="9154419" y="2757364"/>
+                  <a:ext cx="196736" cy="0"/>
+                </a:xfrm>
+                <a:prstGeom prst="straightConnector1">
+                  <a:avLst/>
+                </a:prstGeom>
+                <a:ln w="28575">
+                  <a:solidFill>
+                    <a:schemeClr val="tx1"/>
+                  </a:solidFill>
+                  <a:headEnd type="triangle" w="sm" len="sm"/>
+                  <a:tailEnd type="triangle" w="sm" len="sm"/>
+                </a:ln>
+              </p:spPr>
+              <p:style>
+                <a:lnRef idx="1">
+                  <a:schemeClr val="accent1"/>
+                </a:lnRef>
+                <a:fillRef idx="0">
+                  <a:schemeClr val="accent1"/>
+                </a:fillRef>
+                <a:effectRef idx="0">
+                  <a:schemeClr val="accent1"/>
+                </a:effectRef>
+                <a:fontRef idx="minor">
+                  <a:schemeClr val="tx1"/>
+                </a:fontRef>
+              </p:style>
+            </p:cxnSp>
+          </p:grpSp>
+          <p:cxnSp>
+            <p:nvCxnSpPr>
+              <p:cNvPr id="43" name="Straight Connector 42"/>
+              <p:cNvCxnSpPr/>
+              <p:nvPr/>
+            </p:nvCxnSpPr>
+            <p:spPr>
+              <a:xfrm flipH="1">
+                <a:off x="1887090" y="2450738"/>
+                <a:ext cx="21951" cy="1583907"/>
+              </a:xfrm>
+              <a:prstGeom prst="line">
+                <a:avLst/>
+              </a:prstGeom>
+              <a:ln w="38100">
+                <a:solidFill>
+                  <a:schemeClr val="tx1"/>
+                </a:solidFill>
+              </a:ln>
+            </p:spPr>
+            <p:style>
+              <a:lnRef idx="1">
+                <a:schemeClr val="accent1"/>
+              </a:lnRef>
+              <a:fillRef idx="0">
+                <a:schemeClr val="accent1"/>
+              </a:fillRef>
+              <a:effectRef idx="0">
+                <a:schemeClr val="accent1"/>
+              </a:effectRef>
+              <a:fontRef idx="minor">
+                <a:schemeClr val="tx1"/>
+              </a:fontRef>
+            </p:style>
+          </p:cxnSp>
+          <mc:AlternateContent xmlns:mc="http://schemas.openxmlformats.org/markup-compatibility/2006">
+            <mc:Choice xmlns:a14="http://schemas.microsoft.com/office/drawing/2010/main" Requires="a14">
+              <p:sp>
+                <p:nvSpPr>
+                  <p:cNvPr id="46" name="TextBox 45"/>
+                  <p:cNvSpPr txBox="1"/>
+                  <p:nvPr/>
+                </p:nvSpPr>
+                <p:spPr>
+                  <a:xfrm>
+                    <a:off x="1631497" y="1966480"/>
+                    <a:ext cx="555088" cy="307777"/>
+                  </a:xfrm>
+                  <a:prstGeom prst="rect">
+                    <a:avLst/>
+                  </a:prstGeom>
+                  <a:noFill/>
+                </p:spPr>
+                <p:txBody>
+                  <a:bodyPr wrap="none" lIns="0" tIns="0" rIns="0" bIns="0" rtlCol="0">
+                    <a:spAutoFit/>
+                  </a:bodyPr>
+                  <a:lstStyle/>
+                  <a:p>
+                    <a:pPr/>
+                    <a14:m>
+                      <m:oMathPara xmlns:m="http://schemas.openxmlformats.org/officeDocument/2006/math">
+                        <m:oMathParaPr>
+                          <m:jc m:val="centerGroup"/>
+                        </m:oMathParaPr>
+                        <m:oMath xmlns:m="http://schemas.openxmlformats.org/officeDocument/2006/math">
+                          <m:r>
+                            <a:rPr lang="en-US" sz="2000" b="0" i="1" smtClean="0">
+                              <a:latin typeface="Cambria Math" panose="02040503050406030204" pitchFamily="18" charset="0"/>
+                              <a:cs typeface="Arial" panose="020B0604020202020204" pitchFamily="34" charset="0"/>
+                            </a:rPr>
+                            <m:t>𝑎𝑥𝑖𝑠</m:t>
+                          </m:r>
+                        </m:oMath>
+                      </m:oMathPara>
+                    </a14:m>
+                    <a:endParaRPr lang="en-US" sz="2000" dirty="0" smtClean="0">
+                      <a:latin typeface="Arial" panose="020B0604020202020204" pitchFamily="34" charset="0"/>
+                      <a:cs typeface="Arial" panose="020B0604020202020204" pitchFamily="34" charset="0"/>
+                    </a:endParaRPr>
+                  </a:p>
+                </p:txBody>
+              </p:sp>
+            </mc:Choice>
+            <mc:Fallback>
+              <p:sp>
+                <p:nvSpPr>
+                  <p:cNvPr id="46" name="TextBox 45"/>
+                  <p:cNvSpPr txBox="1">
+                    <a:spLocks noRot="1" noChangeAspect="1" noMove="1" noResize="1" noEditPoints="1" noAdjustHandles="1" noChangeArrowheads="1" noChangeShapeType="1" noTextEdit="1"/>
+                  </p:cNvSpPr>
+                  <p:nvPr/>
+                </p:nvSpPr>
+                <p:spPr>
+                  <a:xfrm>
+                    <a:off x="1631497" y="1966480"/>
+                    <a:ext cx="555088" cy="307777"/>
+                  </a:xfrm>
+                  <a:prstGeom prst="rect">
+                    <a:avLst/>
+                  </a:prstGeom>
+                  <a:blipFill>
+                    <a:blip r:embed="rId59"/>
+                    <a:stretch>
+                      <a:fillRect l="-8791" r="-7692" b="-10000"/>
+                    </a:stretch>
+                  </a:blipFill>
+                </p:spPr>
+                <p:txBody>
+                  <a:bodyPr/>
+                  <a:lstStyle/>
+                  <a:p>
+                    <a:r>
+                      <a:rPr lang="en-US">
+                        <a:noFill/>
+                      </a:rPr>
+                      <a:t> </a:t>
+                    </a:r>
+                  </a:p>
+                </p:txBody>
+              </p:sp>
+            </mc:Fallback>
+          </mc:AlternateContent>
+          <p:sp>
+            <p:nvSpPr>
+              <p:cNvPr id="47" name="Arc 46"/>
+              <p:cNvSpPr/>
+              <p:nvPr/>
+            </p:nvSpPr>
+            <p:spPr>
+              <a:xfrm>
+                <a:off x="874628" y="2457356"/>
+                <a:ext cx="2191619" cy="226228"/>
+              </a:xfrm>
+              <a:prstGeom prst="arc">
+                <a:avLst>
+                  <a:gd name="adj1" fmla="val 18287012"/>
+                  <a:gd name="adj2" fmla="val 9682168"/>
+                </a:avLst>
+              </a:prstGeom>
+              <a:ln w="38100">
+                <a:solidFill>
+                  <a:schemeClr val="tx1"/>
+                </a:solidFill>
+                <a:headEnd type="triangle" w="med" len="med"/>
+                <a:tailEnd type="none" w="med" len="med"/>
+              </a:ln>
+            </p:spPr>
+            <p:style>
+              <a:lnRef idx="1">
+                <a:schemeClr val="accent1"/>
+              </a:lnRef>
+              <a:fillRef idx="0">
+                <a:schemeClr val="accent1"/>
+              </a:fillRef>
+              <a:effectRef idx="0">
+                <a:schemeClr val="accent1"/>
+              </a:effectRef>
+              <a:fontRef idx="minor">
+                <a:schemeClr val="tx1"/>
+              </a:fontRef>
+            </p:style>
+            <p:txBody>
+              <a:bodyPr rtlCol="0" anchor="ctr"/>
+              <a:lstStyle/>
+              <a:p>
+                <a:pPr algn="ctr"/>
+                <a:endParaRPr lang="en-US"/>
+              </a:p>
+            </p:txBody>
+          </p:sp>
+        </p:grpSp>
+        <mc:AlternateContent xmlns:mc="http://schemas.openxmlformats.org/markup-compatibility/2006">
+          <mc:Choice xmlns:a14="http://schemas.microsoft.com/office/drawing/2010/main" Requires="a14">
+            <p:sp>
+              <p:nvSpPr>
+                <p:cNvPr id="2" name="TextBox 1"/>
+                <p:cNvSpPr txBox="1"/>
+                <p:nvPr/>
+              </p:nvSpPr>
+              <p:spPr>
+                <a:xfrm>
+                  <a:off x="3068788" y="2117577"/>
+                  <a:ext cx="423732" cy="307777"/>
+                </a:xfrm>
+                <a:prstGeom prst="rect">
+                  <a:avLst/>
+                </a:prstGeom>
+                <a:noFill/>
+              </p:spPr>
+              <p:txBody>
+                <a:bodyPr wrap="square" lIns="0" tIns="0" rIns="0" bIns="0" rtlCol="0">
+                  <a:spAutoFit/>
+                </a:bodyPr>
+                <a:lstStyle/>
+                <a:p>
+                  <a14:m>
+                    <m:oMathPara xmlns:m="http://schemas.openxmlformats.org/officeDocument/2006/math">
+                      <m:oMathParaPr>
+                        <m:jc m:val="centerGroup"/>
+                      </m:oMathParaPr>
+                      <m:oMath xmlns:m="http://schemas.openxmlformats.org/officeDocument/2006/math">
+                        <m:sSub>
+                          <m:sSubPr>
+                            <m:ctrlPr>
+                              <a:rPr lang="en-US" sz="2000" b="0" i="1" smtClean="0">
+                                <a:latin typeface="Cambria Math" panose="02040503050406030204" pitchFamily="18" charset="0"/>
+                                <a:cs typeface="Arial" panose="020B0604020202020204" pitchFamily="34" charset="0"/>
+                              </a:rPr>
+                            </m:ctrlPr>
+                          </m:sSubPr>
+                          <m:e>
+                            <m:r>
+                              <a:rPr lang="en-US" sz="2000" b="0" i="1" smtClean="0">
+                                <a:latin typeface="Cambria Math" panose="02040503050406030204" pitchFamily="18" charset="0"/>
+                                <a:cs typeface="Arial" panose="020B0604020202020204" pitchFamily="34" charset="0"/>
+                              </a:rPr>
+                              <m:t>𝑟</m:t>
+                            </m:r>
+                          </m:e>
+                          <m:sub>
+                            <m:r>
+                              <a:rPr lang="en-US" sz="2000" b="0" i="1" smtClean="0">
+                                <a:latin typeface="Cambria Math" panose="02040503050406030204" pitchFamily="18" charset="0"/>
+                                <a:cs typeface="Arial" panose="020B0604020202020204" pitchFamily="34" charset="0"/>
+                              </a:rPr>
+                              <m:t>𝑖</m:t>
+                            </m:r>
+                          </m:sub>
+                        </m:sSub>
+                      </m:oMath>
+                    </m:oMathPara>
+                  </a14:m>
+                  <a:endParaRPr lang="en-US" sz="2000" dirty="0" smtClean="0">
+                    <a:latin typeface="Arial" panose="020B0604020202020204" pitchFamily="34" charset="0"/>
+                    <a:cs typeface="Arial" panose="020B0604020202020204" pitchFamily="34" charset="0"/>
+                  </a:endParaRPr>
+                </a:p>
+              </p:txBody>
+            </p:sp>
+          </mc:Choice>
+          <mc:Fallback>
+            <p:sp>
+              <p:nvSpPr>
+                <p:cNvPr id="2" name="TextBox 1"/>
+                <p:cNvSpPr txBox="1">
+                  <a:spLocks noRot="1" noChangeAspect="1" noMove="1" noResize="1" noEditPoints="1" noAdjustHandles="1" noChangeArrowheads="1" noChangeShapeType="1" noTextEdit="1"/>
+                </p:cNvSpPr>
+                <p:nvPr/>
+              </p:nvSpPr>
+              <p:spPr>
+                <a:xfrm>
+                  <a:off x="3068788" y="2117577"/>
+                  <a:ext cx="423732" cy="307777"/>
+                </a:xfrm>
+                <a:prstGeom prst="rect">
+                  <a:avLst/>
+                </a:prstGeom>
+                <a:blipFill>
+                  <a:blip r:embed="rId60"/>
+                  <a:stretch>
+                    <a:fillRect b="-19608"/>
                   </a:stretch>
                 </a:blipFill>
               </p:spPr>
@@ -8982,8 +9114,8 @@
                     </p:sp>
                   </mc:Fallback>
                 </mc:AlternateContent>
-                <mc:AlternateContent xmlns:mc="http://schemas.openxmlformats.org/markup-compatibility/2006">
-                  <mc:Choice xmlns:a14="http://schemas.microsoft.com/office/drawing/2010/main" Requires="a14">
+                <mc:AlternateContent xmlns:mc="http://schemas.openxmlformats.org/markup-compatibility/2006" xmlns:a14="http://schemas.microsoft.com/office/drawing/2010/main">
+                  <mc:Choice Requires="a14">
                     <p:sp>
                       <p:nvSpPr>
                         <p:cNvPr id="12" name="Rectangle 11"/>
@@ -9026,7 +9158,7 @@
                       </p:txBody>
                     </p:sp>
                   </mc:Choice>
-                  <mc:Fallback>
+                  <mc:Fallback xmlns="">
                     <p:sp>
                       <p:nvSpPr>
                         <p:cNvPr id="12" name="Rectangle 11"/>
@@ -9311,8 +9443,8 @@
                 </a:p>
               </p:txBody>
             </p:sp>
-            <mc:AlternateContent xmlns:mc="http://schemas.openxmlformats.org/markup-compatibility/2006">
-              <mc:Choice xmlns:a14="http://schemas.microsoft.com/office/drawing/2010/main" Requires="a14">
+            <mc:AlternateContent xmlns:mc="http://schemas.openxmlformats.org/markup-compatibility/2006" xmlns:a14="http://schemas.microsoft.com/office/drawing/2010/main">
+              <mc:Choice Requires="a14">
                 <p:sp>
                   <p:nvSpPr>
                     <p:cNvPr id="22" name="TextBox 21"/>
@@ -9335,6 +9467,7 @@
                     </a:bodyPr>
                     <a:lstStyle/>
                     <a:p>
+                      <a:pPr/>
                       <a14:m>
                         <m:oMathPara xmlns:m="http://schemas.openxmlformats.org/officeDocument/2006/math">
                           <m:oMathParaPr>
@@ -9457,7 +9590,7 @@
                   </p:txBody>
                 </p:sp>
               </mc:Choice>
-              <mc:Fallback>
+              <mc:Fallback xmlns="">
                 <p:sp>
                   <p:nvSpPr>
                     <p:cNvPr id="22" name="TextBox 21"/>
@@ -9496,8 +9629,8 @@
                 </p:sp>
               </mc:Fallback>
             </mc:AlternateContent>
-            <mc:AlternateContent xmlns:mc="http://schemas.openxmlformats.org/markup-compatibility/2006">
-              <mc:Choice xmlns:a14="http://schemas.microsoft.com/office/drawing/2010/main" Requires="a14">
+            <mc:AlternateContent xmlns:mc="http://schemas.openxmlformats.org/markup-compatibility/2006" xmlns:a14="http://schemas.microsoft.com/office/drawing/2010/main">
+              <mc:Choice Requires="a14">
                 <p:sp>
                   <p:nvSpPr>
                     <p:cNvPr id="23" name="TextBox 22"/>
@@ -9520,6 +9653,7 @@
                     </a:bodyPr>
                     <a:lstStyle/>
                     <a:p>
+                      <a:pPr/>
                       <a14:m>
                         <m:oMathPara xmlns:m="http://schemas.openxmlformats.org/officeDocument/2006/math">
                           <m:oMathParaPr>
@@ -9544,7 +9678,7 @@
                   </p:txBody>
                 </p:sp>
               </mc:Choice>
-              <mc:Fallback>
+              <mc:Fallback xmlns="">
                 <p:sp>
                   <p:nvSpPr>
                     <p:cNvPr id="23" name="TextBox 22"/>
@@ -9583,8 +9717,8 @@
                 </p:sp>
               </mc:Fallback>
             </mc:AlternateContent>
-            <mc:AlternateContent xmlns:mc="http://schemas.openxmlformats.org/markup-compatibility/2006">
-              <mc:Choice xmlns:a14="http://schemas.microsoft.com/office/drawing/2010/main" Requires="a14">
+            <mc:AlternateContent xmlns:mc="http://schemas.openxmlformats.org/markup-compatibility/2006" xmlns:a14="http://schemas.microsoft.com/office/drawing/2010/main">
+              <mc:Choice Requires="a14">
                 <p:sp>
                   <p:nvSpPr>
                     <p:cNvPr id="24" name="TextBox 23"/>
@@ -9607,6 +9741,7 @@
                     </a:bodyPr>
                     <a:lstStyle/>
                     <a:p>
+                      <a:pPr/>
                       <a14:m>
                         <m:oMathPara xmlns:m="http://schemas.openxmlformats.org/officeDocument/2006/math">
                           <m:oMathParaPr>
@@ -9631,7 +9766,7 @@
                   </p:txBody>
                 </p:sp>
               </mc:Choice>
-              <mc:Fallback>
+              <mc:Fallback xmlns="">
                 <p:sp>
                   <p:nvSpPr>
                     <p:cNvPr id="24" name="TextBox 23"/>
@@ -9670,8 +9805,8 @@
                 </p:sp>
               </mc:Fallback>
             </mc:AlternateContent>
-            <mc:AlternateContent xmlns:mc="http://schemas.openxmlformats.org/markup-compatibility/2006">
-              <mc:Choice xmlns:a14="http://schemas.microsoft.com/office/drawing/2010/main" Requires="a14">
+            <mc:AlternateContent xmlns:mc="http://schemas.openxmlformats.org/markup-compatibility/2006" xmlns:a14="http://schemas.microsoft.com/office/drawing/2010/main">
+              <mc:Choice Requires="a14">
                 <p:sp>
                   <p:nvSpPr>
                     <p:cNvPr id="25" name="TextBox 24"/>
@@ -9694,6 +9829,7 @@
                     </a:bodyPr>
                     <a:lstStyle/>
                     <a:p>
+                      <a:pPr/>
                       <a14:m>
                         <m:oMathPara xmlns:m="http://schemas.openxmlformats.org/officeDocument/2006/math">
                           <m:oMathParaPr>
@@ -9788,7 +9924,7 @@
                   </p:txBody>
                 </p:sp>
               </mc:Choice>
-              <mc:Fallback>
+              <mc:Fallback xmlns="">
                 <p:sp>
                   <p:nvSpPr>
                     <p:cNvPr id="25" name="TextBox 24"/>
@@ -9864,8 +10000,8 @@
               </p:style>
             </p:cxnSp>
           </p:grpSp>
-          <mc:AlternateContent xmlns:mc="http://schemas.openxmlformats.org/markup-compatibility/2006">
-            <mc:Choice xmlns:a14="http://schemas.microsoft.com/office/drawing/2010/main" Requires="a14">
+          <mc:AlternateContent xmlns:mc="http://schemas.openxmlformats.org/markup-compatibility/2006" xmlns:a14="http://schemas.microsoft.com/office/drawing/2010/main">
+            <mc:Choice Requires="a14">
               <p:sp>
                 <p:nvSpPr>
                   <p:cNvPr id="30" name="TextBox 29"/>
@@ -9888,6 +10024,7 @@
                   </a:bodyPr>
                   <a:lstStyle/>
                   <a:p>
+                    <a:pPr/>
                     <a14:m>
                       <m:oMathPara xmlns:m="http://schemas.openxmlformats.org/officeDocument/2006/math">
                         <m:oMathParaPr>
@@ -9912,7 +10049,7 @@
                 </p:txBody>
               </p:sp>
             </mc:Choice>
-            <mc:Fallback>
+            <mc:Fallback xmlns="">
               <p:sp>
                 <p:nvSpPr>
                   <p:cNvPr id="30" name="TextBox 29"/>
@@ -10000,8 +10137,8 @@
             </a:p>
           </p:txBody>
         </p:sp>
-        <mc:AlternateContent xmlns:mc="http://schemas.openxmlformats.org/markup-compatibility/2006">
-          <mc:Choice xmlns:a14="http://schemas.microsoft.com/office/drawing/2010/main" Requires="a14">
+        <mc:AlternateContent xmlns:mc="http://schemas.openxmlformats.org/markup-compatibility/2006" xmlns:a14="http://schemas.microsoft.com/office/drawing/2010/main">
+          <mc:Choice Requires="a14">
             <p:sp>
               <p:nvSpPr>
                 <p:cNvPr id="33" name="TextBox 32"/>
@@ -10024,6 +10161,7 @@
                 </a:bodyPr>
                 <a:lstStyle/>
                 <a:p>
+                  <a:pPr/>
                   <a14:m>
                     <m:oMathPara xmlns:m="http://schemas.openxmlformats.org/officeDocument/2006/math">
                       <m:oMathParaPr>
@@ -10061,7 +10199,7 @@
               </p:txBody>
             </p:sp>
           </mc:Choice>
-          <mc:Fallback>
+          <mc:Fallback xmlns="">
             <p:sp>
               <p:nvSpPr>
                 <p:cNvPr id="33" name="TextBox 32"/>
@@ -12546,7 +12684,7 @@
         </p:nvGrpSpPr>
         <p:grpSpPr>
           <a:xfrm>
-            <a:off x="4419655" y="530532"/>
+            <a:off x="4086147" y="100121"/>
             <a:ext cx="3563694" cy="3532552"/>
             <a:chOff x="5784076" y="891716"/>
             <a:chExt cx="3563694" cy="3532552"/>
@@ -14201,6 +14339,988 @@
           </mc:Fallback>
         </mc:AlternateContent>
       </p:grpSp>
+      <p:grpSp>
+        <p:nvGrpSpPr>
+          <p:cNvPr id="86" name="Group 85"/>
+          <p:cNvGrpSpPr/>
+          <p:nvPr/>
+        </p:nvGrpSpPr>
+        <p:grpSpPr>
+          <a:xfrm>
+            <a:off x="5922853" y="3231700"/>
+            <a:ext cx="5644913" cy="3043063"/>
+            <a:chOff x="5334619" y="2718075"/>
+            <a:chExt cx="5644913" cy="3043063"/>
+          </a:xfrm>
+        </p:grpSpPr>
+        <p:grpSp>
+          <p:nvGrpSpPr>
+            <p:cNvPr id="28" name="Group 27"/>
+            <p:cNvGrpSpPr/>
+            <p:nvPr/>
+          </p:nvGrpSpPr>
+          <p:grpSpPr>
+            <a:xfrm>
+              <a:off x="5334619" y="2718075"/>
+              <a:ext cx="5644913" cy="3043063"/>
+              <a:chOff x="5182219" y="2813073"/>
+              <a:chExt cx="5644913" cy="3043063"/>
+            </a:xfrm>
+          </p:grpSpPr>
+          <p:grpSp>
+            <p:nvGrpSpPr>
+              <p:cNvPr id="27" name="Group 26"/>
+              <p:cNvGrpSpPr/>
+              <p:nvPr/>
+            </p:nvGrpSpPr>
+            <p:grpSpPr>
+              <a:xfrm rot="20175156">
+                <a:off x="5182219" y="2813073"/>
+                <a:ext cx="5644913" cy="3043063"/>
+                <a:chOff x="1549880" y="3466484"/>
+                <a:chExt cx="5644913" cy="3043063"/>
+              </a:xfrm>
+            </p:grpSpPr>
+            <p:sp>
+              <p:nvSpPr>
+                <p:cNvPr id="58" name="Rectangle 56"/>
+                <p:cNvSpPr/>
+                <p:nvPr/>
+              </p:nvSpPr>
+              <p:spPr>
+                <a:xfrm rot="361824">
+                  <a:off x="1549880" y="4622218"/>
+                  <a:ext cx="5644913" cy="1303814"/>
+                </a:xfrm>
+                <a:custGeom>
+                  <a:avLst/>
+                  <a:gdLst>
+                    <a:gd name="connsiteX0" fmla="*/ 0 w 2361341"/>
+                    <a:gd name="connsiteY0" fmla="*/ 0 h 988828"/>
+                    <a:gd name="connsiteX1" fmla="*/ 2361341 w 2361341"/>
+                    <a:gd name="connsiteY1" fmla="*/ 0 h 988828"/>
+                    <a:gd name="connsiteX2" fmla="*/ 2361341 w 2361341"/>
+                    <a:gd name="connsiteY2" fmla="*/ 988828 h 988828"/>
+                    <a:gd name="connsiteX3" fmla="*/ 0 w 2361341"/>
+                    <a:gd name="connsiteY3" fmla="*/ 988828 h 988828"/>
+                    <a:gd name="connsiteX4" fmla="*/ 0 w 2361341"/>
+                    <a:gd name="connsiteY4" fmla="*/ 0 h 988828"/>
+                    <a:gd name="connsiteX0" fmla="*/ 967563 w 2361341"/>
+                    <a:gd name="connsiteY0" fmla="*/ 159488 h 988828"/>
+                    <a:gd name="connsiteX1" fmla="*/ 2361341 w 2361341"/>
+                    <a:gd name="connsiteY1" fmla="*/ 0 h 988828"/>
+                    <a:gd name="connsiteX2" fmla="*/ 2361341 w 2361341"/>
+                    <a:gd name="connsiteY2" fmla="*/ 988828 h 988828"/>
+                    <a:gd name="connsiteX3" fmla="*/ 0 w 2361341"/>
+                    <a:gd name="connsiteY3" fmla="*/ 988828 h 988828"/>
+                    <a:gd name="connsiteX4" fmla="*/ 967563 w 2361341"/>
+                    <a:gd name="connsiteY4" fmla="*/ 159488 h 988828"/>
+                    <a:gd name="connsiteX0" fmla="*/ 935665 w 2329443"/>
+                    <a:gd name="connsiteY0" fmla="*/ 159488 h 1063256"/>
+                    <a:gd name="connsiteX1" fmla="*/ 2329443 w 2329443"/>
+                    <a:gd name="connsiteY1" fmla="*/ 0 h 1063256"/>
+                    <a:gd name="connsiteX2" fmla="*/ 2329443 w 2329443"/>
+                    <a:gd name="connsiteY2" fmla="*/ 988828 h 1063256"/>
+                    <a:gd name="connsiteX3" fmla="*/ 0 w 2329443"/>
+                    <a:gd name="connsiteY3" fmla="*/ 1063256 h 1063256"/>
+                    <a:gd name="connsiteX4" fmla="*/ 935665 w 2329443"/>
+                    <a:gd name="connsiteY4" fmla="*/ 159488 h 1063256"/>
+                    <a:gd name="connsiteX0" fmla="*/ 935665 w 2786643"/>
+                    <a:gd name="connsiteY0" fmla="*/ 10632 h 914400"/>
+                    <a:gd name="connsiteX1" fmla="*/ 2786643 w 2786643"/>
+                    <a:gd name="connsiteY1" fmla="*/ 0 h 914400"/>
+                    <a:gd name="connsiteX2" fmla="*/ 2329443 w 2786643"/>
+                    <a:gd name="connsiteY2" fmla="*/ 839972 h 914400"/>
+                    <a:gd name="connsiteX3" fmla="*/ 0 w 2786643"/>
+                    <a:gd name="connsiteY3" fmla="*/ 914400 h 914400"/>
+                    <a:gd name="connsiteX4" fmla="*/ 935665 w 2786643"/>
+                    <a:gd name="connsiteY4" fmla="*/ 10632 h 914400"/>
+                    <a:gd name="connsiteX0" fmla="*/ 935665 w 2786643"/>
+                    <a:gd name="connsiteY0" fmla="*/ 10632 h 914400"/>
+                    <a:gd name="connsiteX1" fmla="*/ 2786643 w 2786643"/>
+                    <a:gd name="connsiteY1" fmla="*/ 0 h 914400"/>
+                    <a:gd name="connsiteX2" fmla="*/ 1882876 w 2786643"/>
+                    <a:gd name="connsiteY2" fmla="*/ 861237 h 914400"/>
+                    <a:gd name="connsiteX3" fmla="*/ 0 w 2786643"/>
+                    <a:gd name="connsiteY3" fmla="*/ 914400 h 914400"/>
+                    <a:gd name="connsiteX4" fmla="*/ 935665 w 2786643"/>
+                    <a:gd name="connsiteY4" fmla="*/ 10632 h 914400"/>
+                    <a:gd name="connsiteX0" fmla="*/ 935665 w 3664172"/>
+                    <a:gd name="connsiteY0" fmla="*/ 869755 h 1773523"/>
+                    <a:gd name="connsiteX1" fmla="*/ 3664172 w 3664172"/>
+                    <a:gd name="connsiteY1" fmla="*/ 0 h 1773523"/>
+                    <a:gd name="connsiteX2" fmla="*/ 1882876 w 3664172"/>
+                    <a:gd name="connsiteY2" fmla="*/ 1720360 h 1773523"/>
+                    <a:gd name="connsiteX3" fmla="*/ 0 w 3664172"/>
+                    <a:gd name="connsiteY3" fmla="*/ 1773523 h 1773523"/>
+                    <a:gd name="connsiteX4" fmla="*/ 935665 w 3664172"/>
+                    <a:gd name="connsiteY4" fmla="*/ 869755 h 1773523"/>
+                    <a:gd name="connsiteX0" fmla="*/ 943039 w 3664172"/>
+                    <a:gd name="connsiteY0" fmla="*/ 17791 h 1773523"/>
+                    <a:gd name="connsiteX1" fmla="*/ 3664172 w 3664172"/>
+                    <a:gd name="connsiteY1" fmla="*/ 0 h 1773523"/>
+                    <a:gd name="connsiteX2" fmla="*/ 1882876 w 3664172"/>
+                    <a:gd name="connsiteY2" fmla="*/ 1720360 h 1773523"/>
+                    <a:gd name="connsiteX3" fmla="*/ 0 w 3664172"/>
+                    <a:gd name="connsiteY3" fmla="*/ 1773523 h 1773523"/>
+                    <a:gd name="connsiteX4" fmla="*/ 943039 w 3664172"/>
+                    <a:gd name="connsiteY4" fmla="*/ 17791 h 1773523"/>
+                    <a:gd name="connsiteX0" fmla="*/ 943039 w 3664172"/>
+                    <a:gd name="connsiteY0" fmla="*/ 17791 h 1784795"/>
+                    <a:gd name="connsiteX1" fmla="*/ 3664172 w 3664172"/>
+                    <a:gd name="connsiteY1" fmla="*/ 0 h 1784795"/>
+                    <a:gd name="connsiteX2" fmla="*/ 2775153 w 3664172"/>
+                    <a:gd name="connsiteY2" fmla="*/ 1784795 h 1784795"/>
+                    <a:gd name="connsiteX3" fmla="*/ 0 w 3664172"/>
+                    <a:gd name="connsiteY3" fmla="*/ 1773523 h 1784795"/>
+                    <a:gd name="connsiteX4" fmla="*/ 943039 w 3664172"/>
+                    <a:gd name="connsiteY4" fmla="*/ 17791 h 1784795"/>
+                    <a:gd name="connsiteX0" fmla="*/ 1110253 w 3664172"/>
+                    <a:gd name="connsiteY0" fmla="*/ 17791 h 1784795"/>
+                    <a:gd name="connsiteX1" fmla="*/ 3664172 w 3664172"/>
+                    <a:gd name="connsiteY1" fmla="*/ 0 h 1784795"/>
+                    <a:gd name="connsiteX2" fmla="*/ 2775153 w 3664172"/>
+                    <a:gd name="connsiteY2" fmla="*/ 1784795 h 1784795"/>
+                    <a:gd name="connsiteX3" fmla="*/ 0 w 3664172"/>
+                    <a:gd name="connsiteY3" fmla="*/ 1773523 h 1784795"/>
+                    <a:gd name="connsiteX4" fmla="*/ 1110253 w 3664172"/>
+                    <a:gd name="connsiteY4" fmla="*/ 17791 h 1784795"/>
+                    <a:gd name="connsiteX0" fmla="*/ 1361075 w 3664172"/>
+                    <a:gd name="connsiteY0" fmla="*/ 17791 h 1784795"/>
+                    <a:gd name="connsiteX1" fmla="*/ 3664172 w 3664172"/>
+                    <a:gd name="connsiteY1" fmla="*/ 0 h 1784795"/>
+                    <a:gd name="connsiteX2" fmla="*/ 2775153 w 3664172"/>
+                    <a:gd name="connsiteY2" fmla="*/ 1784795 h 1784795"/>
+                    <a:gd name="connsiteX3" fmla="*/ 0 w 3664172"/>
+                    <a:gd name="connsiteY3" fmla="*/ 1773523 h 1784795"/>
+                    <a:gd name="connsiteX4" fmla="*/ 1361075 w 3664172"/>
+                    <a:gd name="connsiteY4" fmla="*/ 17791 h 1784795"/>
+                    <a:gd name="connsiteX0" fmla="*/ 1411966 w 3664172"/>
+                    <a:gd name="connsiteY0" fmla="*/ 28485 h 1784795"/>
+                    <a:gd name="connsiteX1" fmla="*/ 3664172 w 3664172"/>
+                    <a:gd name="connsiteY1" fmla="*/ 0 h 1784795"/>
+                    <a:gd name="connsiteX2" fmla="*/ 2775153 w 3664172"/>
+                    <a:gd name="connsiteY2" fmla="*/ 1784795 h 1784795"/>
+                    <a:gd name="connsiteX3" fmla="*/ 0 w 3664172"/>
+                    <a:gd name="connsiteY3" fmla="*/ 1773523 h 1784795"/>
+                    <a:gd name="connsiteX4" fmla="*/ 1411966 w 3664172"/>
+                    <a:gd name="connsiteY4" fmla="*/ 28485 h 1784795"/>
+                    <a:gd name="connsiteX0" fmla="*/ 1397426 w 3664172"/>
+                    <a:gd name="connsiteY0" fmla="*/ 23139 h 1784795"/>
+                    <a:gd name="connsiteX1" fmla="*/ 3664172 w 3664172"/>
+                    <a:gd name="connsiteY1" fmla="*/ 0 h 1784795"/>
+                    <a:gd name="connsiteX2" fmla="*/ 2775153 w 3664172"/>
+                    <a:gd name="connsiteY2" fmla="*/ 1784795 h 1784795"/>
+                    <a:gd name="connsiteX3" fmla="*/ 0 w 3664172"/>
+                    <a:gd name="connsiteY3" fmla="*/ 1773523 h 1784795"/>
+                    <a:gd name="connsiteX4" fmla="*/ 1397426 w 3664172"/>
+                    <a:gd name="connsiteY4" fmla="*/ 23139 h 1784795"/>
+                    <a:gd name="connsiteX0" fmla="*/ 1397426 w 4154910"/>
+                    <a:gd name="connsiteY0" fmla="*/ 49874 h 1811530"/>
+                    <a:gd name="connsiteX1" fmla="*/ 4154910 w 4154910"/>
+                    <a:gd name="connsiteY1" fmla="*/ 0 h 1811530"/>
+                    <a:gd name="connsiteX2" fmla="*/ 2775153 w 4154910"/>
+                    <a:gd name="connsiteY2" fmla="*/ 1811530 h 1811530"/>
+                    <a:gd name="connsiteX3" fmla="*/ 0 w 4154910"/>
+                    <a:gd name="connsiteY3" fmla="*/ 1800258 h 1811530"/>
+                    <a:gd name="connsiteX4" fmla="*/ 1397426 w 4154910"/>
+                    <a:gd name="connsiteY4" fmla="*/ 49874 h 1811530"/>
+                    <a:gd name="connsiteX0" fmla="*/ 2077188 w 4154910"/>
+                    <a:gd name="connsiteY0" fmla="*/ 49874 h 1811530"/>
+                    <a:gd name="connsiteX1" fmla="*/ 4154910 w 4154910"/>
+                    <a:gd name="connsiteY1" fmla="*/ 0 h 1811530"/>
+                    <a:gd name="connsiteX2" fmla="*/ 2775153 w 4154910"/>
+                    <a:gd name="connsiteY2" fmla="*/ 1811530 h 1811530"/>
+                    <a:gd name="connsiteX3" fmla="*/ 0 w 4154910"/>
+                    <a:gd name="connsiteY3" fmla="*/ 1800258 h 1811530"/>
+                    <a:gd name="connsiteX4" fmla="*/ 2077188 w 4154910"/>
+                    <a:gd name="connsiteY4" fmla="*/ 49874 h 1811530"/>
+                    <a:gd name="connsiteX0" fmla="*/ 2077188 w 4871023"/>
+                    <a:gd name="connsiteY0" fmla="*/ 60568 h 1822224"/>
+                    <a:gd name="connsiteX1" fmla="*/ 4871023 w 4871023"/>
+                    <a:gd name="connsiteY1" fmla="*/ 0 h 1822224"/>
+                    <a:gd name="connsiteX2" fmla="*/ 2775153 w 4871023"/>
+                    <a:gd name="connsiteY2" fmla="*/ 1822224 h 1822224"/>
+                    <a:gd name="connsiteX3" fmla="*/ 0 w 4871023"/>
+                    <a:gd name="connsiteY3" fmla="*/ 1810952 h 1822224"/>
+                    <a:gd name="connsiteX4" fmla="*/ 2077188 w 4871023"/>
+                    <a:gd name="connsiteY4" fmla="*/ 60568 h 1822224"/>
+                  </a:gdLst>
+                  <a:ahLst/>
+                  <a:cxnLst>
+                    <a:cxn ang="0">
+                      <a:pos x="connsiteX0" y="connsiteY0"/>
+                    </a:cxn>
+                    <a:cxn ang="0">
+                      <a:pos x="connsiteX1" y="connsiteY1"/>
+                    </a:cxn>
+                    <a:cxn ang="0">
+                      <a:pos x="connsiteX2" y="connsiteY2"/>
+                    </a:cxn>
+                    <a:cxn ang="0">
+                      <a:pos x="connsiteX3" y="connsiteY3"/>
+                    </a:cxn>
+                    <a:cxn ang="0">
+                      <a:pos x="connsiteX4" y="connsiteY4"/>
+                    </a:cxn>
+                  </a:cxnLst>
+                  <a:rect l="l" t="t" r="r" b="b"/>
+                  <a:pathLst>
+                    <a:path w="4871023" h="1822224">
+                      <a:moveTo>
+                        <a:pt x="2077188" y="60568"/>
+                      </a:moveTo>
+                      <a:lnTo>
+                        <a:pt x="4871023" y="0"/>
+                      </a:lnTo>
+                      <a:lnTo>
+                        <a:pt x="2775153" y="1822224"/>
+                      </a:lnTo>
+                      <a:lnTo>
+                        <a:pt x="0" y="1810952"/>
+                      </a:lnTo>
+                      <a:lnTo>
+                        <a:pt x="2077188" y="60568"/>
+                      </a:lnTo>
+                      <a:close/>
+                    </a:path>
+                  </a:pathLst>
+                </a:custGeom>
+                <a:solidFill>
+                  <a:schemeClr val="bg2"/>
+                </a:solidFill>
+                <a:ln w="19050">
+                  <a:solidFill>
+                    <a:schemeClr val="tx1"/>
+                  </a:solidFill>
+                </a:ln>
+              </p:spPr>
+              <p:style>
+                <a:lnRef idx="2">
+                  <a:schemeClr val="accent1">
+                    <a:shade val="50000"/>
+                  </a:schemeClr>
+                </a:lnRef>
+                <a:fillRef idx="1">
+                  <a:schemeClr val="accent1"/>
+                </a:fillRef>
+                <a:effectRef idx="0">
+                  <a:schemeClr val="accent1"/>
+                </a:effectRef>
+                <a:fontRef idx="minor">
+                  <a:schemeClr val="lt1"/>
+                </a:fontRef>
+              </p:style>
+              <p:txBody>
+                <a:bodyPr rtlCol="0" anchor="ctr"/>
+                <a:lstStyle/>
+                <a:p>
+                  <a:pPr algn="ctr"/>
+                  <a:endParaRPr lang="en-US" dirty="0"/>
+                </a:p>
+              </p:txBody>
+            </p:sp>
+            <p:cxnSp>
+              <p:nvCxnSpPr>
+                <p:cNvPr id="59" name="Straight Connector 58"/>
+                <p:cNvCxnSpPr/>
+                <p:nvPr/>
+              </p:nvCxnSpPr>
+              <p:spPr>
+                <a:xfrm flipH="1" flipV="1">
+                  <a:off x="4368740" y="4016098"/>
+                  <a:ext cx="10633" cy="1232244"/>
+                </a:xfrm>
+                <a:prstGeom prst="line">
+                  <a:avLst/>
+                </a:prstGeom>
+                <a:ln w="38100">
+                  <a:solidFill>
+                    <a:schemeClr val="tx1"/>
+                  </a:solidFill>
+                </a:ln>
+              </p:spPr>
+              <p:style>
+                <a:lnRef idx="1">
+                  <a:schemeClr val="accent1"/>
+                </a:lnRef>
+                <a:fillRef idx="0">
+                  <a:schemeClr val="accent1"/>
+                </a:fillRef>
+                <a:effectRef idx="0">
+                  <a:schemeClr val="accent1"/>
+                </a:effectRef>
+                <a:fontRef idx="minor">
+                  <a:schemeClr val="tx1"/>
+                </a:fontRef>
+              </p:style>
+            </p:cxnSp>
+            <p:cxnSp>
+              <p:nvCxnSpPr>
+                <p:cNvPr id="60" name="Straight Connector 59"/>
+                <p:cNvCxnSpPr/>
+                <p:nvPr/>
+              </p:nvCxnSpPr>
+              <p:spPr>
+                <a:xfrm rot="1424844" flipH="1" flipV="1">
+                  <a:off x="4260460" y="5946063"/>
+                  <a:ext cx="242579" cy="563484"/>
+                </a:xfrm>
+                <a:prstGeom prst="line">
+                  <a:avLst/>
+                </a:prstGeom>
+                <a:ln w="38100">
+                  <a:solidFill>
+                    <a:schemeClr val="tx1"/>
+                  </a:solidFill>
+                </a:ln>
+              </p:spPr>
+              <p:style>
+                <a:lnRef idx="1">
+                  <a:schemeClr val="accent1"/>
+                </a:lnRef>
+                <a:fillRef idx="0">
+                  <a:schemeClr val="accent1"/>
+                </a:fillRef>
+                <a:effectRef idx="0">
+                  <a:schemeClr val="accent1"/>
+                </a:effectRef>
+                <a:fontRef idx="minor">
+                  <a:schemeClr val="tx1"/>
+                </a:fontRef>
+              </p:style>
+            </p:cxnSp>
+            <p:cxnSp>
+              <p:nvCxnSpPr>
+                <p:cNvPr id="61" name="Straight Arrow Connector 60"/>
+                <p:cNvCxnSpPr/>
+                <p:nvPr/>
+              </p:nvCxnSpPr>
+              <p:spPr>
+                <a:xfrm rot="1424844" flipV="1">
+                  <a:off x="4389356" y="5209385"/>
+                  <a:ext cx="693759" cy="197980"/>
+                </a:xfrm>
+                <a:prstGeom prst="straightConnector1">
+                  <a:avLst/>
+                </a:prstGeom>
+                <a:ln w="38100">
+                  <a:solidFill>
+                    <a:schemeClr val="tx1"/>
+                  </a:solidFill>
+                  <a:tailEnd type="triangle"/>
+                </a:ln>
+              </p:spPr>
+              <p:style>
+                <a:lnRef idx="1">
+                  <a:schemeClr val="accent1"/>
+                </a:lnRef>
+                <a:fillRef idx="0">
+                  <a:schemeClr val="accent1"/>
+                </a:fillRef>
+                <a:effectRef idx="0">
+                  <a:schemeClr val="accent1"/>
+                </a:effectRef>
+                <a:fontRef idx="minor">
+                  <a:schemeClr val="tx1"/>
+                </a:fontRef>
+              </p:style>
+            </p:cxnSp>
+            <p:cxnSp>
+              <p:nvCxnSpPr>
+                <p:cNvPr id="68" name="Straight Connector 67"/>
+                <p:cNvCxnSpPr/>
+                <p:nvPr/>
+              </p:nvCxnSpPr>
+              <p:spPr>
+                <a:xfrm rot="1424844" flipH="1" flipV="1">
+                  <a:off x="4244848" y="5269647"/>
+                  <a:ext cx="276306" cy="622129"/>
+                </a:xfrm>
+                <a:prstGeom prst="line">
+                  <a:avLst/>
+                </a:prstGeom>
+                <a:ln w="38100">
+                  <a:solidFill>
+                    <a:schemeClr val="tx1"/>
+                  </a:solidFill>
+                  <a:prstDash val="sysDot"/>
+                </a:ln>
+              </p:spPr>
+              <p:style>
+                <a:lnRef idx="1">
+                  <a:schemeClr val="accent1"/>
+                </a:lnRef>
+                <a:fillRef idx="0">
+                  <a:schemeClr val="accent1"/>
+                </a:fillRef>
+                <a:effectRef idx="0">
+                  <a:schemeClr val="accent1"/>
+                </a:effectRef>
+                <a:fontRef idx="minor">
+                  <a:schemeClr val="tx1"/>
+                </a:fontRef>
+              </p:style>
+            </p:cxnSp>
+            <mc:AlternateContent xmlns:mc="http://schemas.openxmlformats.org/markup-compatibility/2006">
+              <mc:Choice xmlns:a14="http://schemas.microsoft.com/office/drawing/2010/main" Requires="a14">
+                <p:sp>
+                  <p:nvSpPr>
+                    <p:cNvPr id="69" name="TextBox 68"/>
+                    <p:cNvSpPr txBox="1"/>
+                    <p:nvPr/>
+                  </p:nvSpPr>
+                  <p:spPr>
+                    <a:xfrm rot="1424844">
+                      <a:off x="4191252" y="3466484"/>
+                      <a:ext cx="555088" cy="307777"/>
+                    </a:xfrm>
+                    <a:prstGeom prst="rect">
+                      <a:avLst/>
+                    </a:prstGeom>
+                    <a:noFill/>
+                  </p:spPr>
+                  <p:txBody>
+                    <a:bodyPr wrap="none" lIns="0" tIns="0" rIns="0" bIns="0" rtlCol="0">
+                      <a:spAutoFit/>
+                    </a:bodyPr>
+                    <a:lstStyle/>
+                    <a:p>
+                      <a:pPr/>
+                      <a14:m>
+                        <m:oMathPara xmlns:m="http://schemas.openxmlformats.org/officeDocument/2006/math">
+                          <m:oMathParaPr>
+                            <m:jc m:val="centerGroup"/>
+                          </m:oMathParaPr>
+                          <m:oMath xmlns:m="http://schemas.openxmlformats.org/officeDocument/2006/math">
+                            <m:r>
+                              <a:rPr lang="en-US" sz="2000" b="0" i="1" smtClean="0">
+                                <a:latin typeface="Cambria Math" panose="02040503050406030204" pitchFamily="18" charset="0"/>
+                                <a:cs typeface="Arial" panose="020B0604020202020204" pitchFamily="34" charset="0"/>
+                              </a:rPr>
+                              <m:t>𝑎𝑥𝑖𝑠</m:t>
+                            </m:r>
+                          </m:oMath>
+                        </m:oMathPara>
+                      </a14:m>
+                      <a:endParaRPr lang="en-US" sz="2000" dirty="0" smtClean="0">
+                        <a:latin typeface="Arial" panose="020B0604020202020204" pitchFamily="34" charset="0"/>
+                        <a:cs typeface="Arial" panose="020B0604020202020204" pitchFamily="34" charset="0"/>
+                      </a:endParaRPr>
+                    </a:p>
+                  </p:txBody>
+                </p:sp>
+              </mc:Choice>
+              <mc:Fallback>
+                <p:sp>
+                  <p:nvSpPr>
+                    <p:cNvPr id="69" name="TextBox 68"/>
+                    <p:cNvSpPr txBox="1">
+                      <a:spLocks noRot="1" noChangeAspect="1" noMove="1" noResize="1" noEditPoints="1" noAdjustHandles="1" noChangeArrowheads="1" noChangeShapeType="1" noTextEdit="1"/>
+                    </p:cNvSpPr>
+                    <p:nvPr/>
+                  </p:nvSpPr>
+                  <p:spPr>
+                    <a:xfrm rot="1424844">
+                      <a:off x="4191252" y="3466484"/>
+                      <a:ext cx="555088" cy="307777"/>
+                    </a:xfrm>
+                    <a:prstGeom prst="rect">
+                      <a:avLst/>
+                    </a:prstGeom>
+                    <a:blipFill>
+                      <a:blip r:embed="rId17"/>
+                      <a:stretch>
+                        <a:fillRect l="-8791" r="-7692" b="-10000"/>
+                      </a:stretch>
+                    </a:blipFill>
+                  </p:spPr>
+                  <p:txBody>
+                    <a:bodyPr/>
+                    <a:lstStyle/>
+                    <a:p>
+                      <a:r>
+                        <a:rPr lang="en-US">
+                          <a:noFill/>
+                        </a:rPr>
+                        <a:t> </a:t>
+                      </a:r>
+                    </a:p>
+                  </p:txBody>
+                </p:sp>
+              </mc:Fallback>
+            </mc:AlternateContent>
+            <mc:AlternateContent xmlns:mc="http://schemas.openxmlformats.org/markup-compatibility/2006">
+              <mc:Choice xmlns:a14="http://schemas.microsoft.com/office/drawing/2010/main" Requires="a14">
+                <p:sp>
+                  <p:nvSpPr>
+                    <p:cNvPr id="73" name="TextBox 72"/>
+                    <p:cNvSpPr txBox="1"/>
+                    <p:nvPr/>
+                  </p:nvSpPr>
+                  <p:spPr>
+                    <a:xfrm rot="1424844">
+                      <a:off x="4555816" y="4966972"/>
+                      <a:ext cx="198003" cy="307777"/>
+                    </a:xfrm>
+                    <a:prstGeom prst="rect">
+                      <a:avLst/>
+                    </a:prstGeom>
+                    <a:noFill/>
+                  </p:spPr>
+                  <p:txBody>
+                    <a:bodyPr wrap="none" lIns="0" tIns="0" rIns="0" bIns="0" rtlCol="0">
+                      <a:spAutoFit/>
+                    </a:bodyPr>
+                    <a:lstStyle/>
+                    <a:p>
+                      <a:pPr/>
+                      <a14:m>
+                        <m:oMathPara xmlns:m="http://schemas.openxmlformats.org/officeDocument/2006/math">
+                          <m:oMathParaPr>
+                            <m:jc m:val="centerGroup"/>
+                          </m:oMathParaPr>
+                          <m:oMath xmlns:m="http://schemas.openxmlformats.org/officeDocument/2006/math">
+                            <m:acc>
+                              <m:accPr>
+                                <m:chr m:val="⃗"/>
+                                <m:ctrlPr>
+                                  <a:rPr lang="en-US" sz="2000" b="0" i="1" smtClean="0">
+                                    <a:latin typeface="Cambria Math" panose="02040503050406030204" pitchFamily="18" charset="0"/>
+                                    <a:cs typeface="Arial" panose="020B0604020202020204" pitchFamily="34" charset="0"/>
+                                  </a:rPr>
+                                </m:ctrlPr>
+                              </m:accPr>
+                              <m:e>
+                                <m:r>
+                                  <a:rPr lang="en-US" sz="2000" b="0" i="1" smtClean="0">
+                                    <a:latin typeface="Cambria Math" panose="02040503050406030204" pitchFamily="18" charset="0"/>
+                                    <a:cs typeface="Arial" panose="020B0604020202020204" pitchFamily="34" charset="0"/>
+                                  </a:rPr>
+                                  <m:t>𝑟</m:t>
+                                </m:r>
+                              </m:e>
+                            </m:acc>
+                          </m:oMath>
+                        </m:oMathPara>
+                      </a14:m>
+                      <a:endParaRPr lang="en-US" sz="2000" dirty="0" smtClean="0">
+                        <a:latin typeface="Arial" panose="020B0604020202020204" pitchFamily="34" charset="0"/>
+                        <a:cs typeface="Arial" panose="020B0604020202020204" pitchFamily="34" charset="0"/>
+                      </a:endParaRPr>
+                    </a:p>
+                  </p:txBody>
+                </p:sp>
+              </mc:Choice>
+              <mc:Fallback>
+                <p:sp>
+                  <p:nvSpPr>
+                    <p:cNvPr id="73" name="TextBox 72"/>
+                    <p:cNvSpPr txBox="1">
+                      <a:spLocks noRot="1" noChangeAspect="1" noMove="1" noResize="1" noEditPoints="1" noAdjustHandles="1" noChangeArrowheads="1" noChangeShapeType="1" noTextEdit="1"/>
+                    </p:cNvSpPr>
+                    <p:nvPr/>
+                  </p:nvSpPr>
+                  <p:spPr>
+                    <a:xfrm rot="1424844">
+                      <a:off x="4555816" y="4966972"/>
+                      <a:ext cx="198003" cy="307777"/>
+                    </a:xfrm>
+                    <a:prstGeom prst="rect">
+                      <a:avLst/>
+                    </a:prstGeom>
+                    <a:blipFill>
+                      <a:blip r:embed="rId18"/>
+                      <a:stretch>
+                        <a:fillRect l="-31250" t="-36000" r="-96875" b="-6000"/>
+                      </a:stretch>
+                    </a:blipFill>
+                  </p:spPr>
+                  <p:txBody>
+                    <a:bodyPr/>
+                    <a:lstStyle/>
+                    <a:p>
+                      <a:r>
+                        <a:rPr lang="en-US">
+                          <a:noFill/>
+                        </a:rPr>
+                        <a:t> </a:t>
+                      </a:r>
+                    </a:p>
+                  </p:txBody>
+                </p:sp>
+              </mc:Fallback>
+            </mc:AlternateContent>
+            <p:sp>
+              <p:nvSpPr>
+                <p:cNvPr id="2" name="Oval 1"/>
+                <p:cNvSpPr/>
+                <p:nvPr/>
+              </p:nvSpPr>
+              <p:spPr>
+                <a:xfrm rot="4152">
+                  <a:off x="3605957" y="4940615"/>
+                  <a:ext cx="1555275" cy="571985"/>
+                </a:xfrm>
+                <a:prstGeom prst="ellipse">
+                  <a:avLst/>
+                </a:prstGeom>
+                <a:noFill/>
+                <a:ln w="38100">
+                  <a:solidFill>
+                    <a:schemeClr val="tx1"/>
+                  </a:solidFill>
+                </a:ln>
+              </p:spPr>
+              <p:style>
+                <a:lnRef idx="2">
+                  <a:schemeClr val="accent1">
+                    <a:shade val="50000"/>
+                  </a:schemeClr>
+                </a:lnRef>
+                <a:fillRef idx="1">
+                  <a:schemeClr val="accent1"/>
+                </a:fillRef>
+                <a:effectRef idx="0">
+                  <a:schemeClr val="accent1"/>
+                </a:effectRef>
+                <a:fontRef idx="minor">
+                  <a:schemeClr val="lt1"/>
+                </a:fontRef>
+              </p:style>
+              <p:txBody>
+                <a:bodyPr rtlCol="0" anchor="ctr"/>
+                <a:lstStyle/>
+                <a:p>
+                  <a:pPr algn="ctr"/>
+                  <a:endParaRPr lang="en-US"/>
+                </a:p>
+              </p:txBody>
+            </p:sp>
+          </p:grpSp>
+          <p:sp>
+            <p:nvSpPr>
+              <p:cNvPr id="79" name="Arc 78"/>
+              <p:cNvSpPr/>
+              <p:nvPr/>
+            </p:nvSpPr>
+            <p:spPr>
+              <a:xfrm rot="20179962">
+                <a:off x="5974871" y="4036967"/>
+                <a:ext cx="1671457" cy="259654"/>
+              </a:xfrm>
+              <a:prstGeom prst="arc">
+                <a:avLst>
+                  <a:gd name="adj1" fmla="val 18287012"/>
+                  <a:gd name="adj2" fmla="val 9682168"/>
+                </a:avLst>
+              </a:prstGeom>
+              <a:ln w="28575">
+                <a:solidFill>
+                  <a:schemeClr val="tx1"/>
+                </a:solidFill>
+                <a:prstDash val="sysDot"/>
+                <a:headEnd type="triangle" w="med" len="med"/>
+                <a:tailEnd type="none" w="med" len="med"/>
+              </a:ln>
+            </p:spPr>
+            <p:style>
+              <a:lnRef idx="1">
+                <a:schemeClr val="accent1"/>
+              </a:lnRef>
+              <a:fillRef idx="0">
+                <a:schemeClr val="accent1"/>
+              </a:fillRef>
+              <a:effectRef idx="0">
+                <a:schemeClr val="accent1"/>
+              </a:effectRef>
+              <a:fontRef idx="minor">
+                <a:schemeClr val="tx1"/>
+              </a:fontRef>
+            </p:style>
+            <p:txBody>
+              <a:bodyPr rtlCol="0" anchor="ctr"/>
+              <a:lstStyle/>
+              <a:p>
+                <a:pPr algn="ctr"/>
+                <a:endParaRPr lang="en-US"/>
+              </a:p>
+            </p:txBody>
+          </p:sp>
+        </p:grpSp>
+        <p:cxnSp>
+          <p:nvCxnSpPr>
+            <p:cNvPr id="32" name="Straight Arrow Connector 31"/>
+            <p:cNvCxnSpPr/>
+            <p:nvPr/>
+          </p:nvCxnSpPr>
+          <p:spPr>
+            <a:xfrm flipV="1">
+              <a:off x="8947368" y="3875050"/>
+              <a:ext cx="324692" cy="447395"/>
+            </a:xfrm>
+            <a:prstGeom prst="straightConnector1">
+              <a:avLst/>
+            </a:prstGeom>
+            <a:ln w="38100">
+              <a:solidFill>
+                <a:schemeClr val="tx1"/>
+              </a:solidFill>
+              <a:tailEnd type="triangle"/>
+            </a:ln>
+          </p:spPr>
+          <p:style>
+            <a:lnRef idx="1">
+              <a:schemeClr val="accent1"/>
+            </a:lnRef>
+            <a:fillRef idx="0">
+              <a:schemeClr val="accent1"/>
+            </a:fillRef>
+            <a:effectRef idx="0">
+              <a:schemeClr val="accent1"/>
+            </a:effectRef>
+            <a:fontRef idx="minor">
+              <a:schemeClr val="tx1"/>
+            </a:fontRef>
+          </p:style>
+        </p:cxnSp>
+        <mc:AlternateContent xmlns:mc="http://schemas.openxmlformats.org/markup-compatibility/2006">
+          <mc:Choice xmlns:a14="http://schemas.microsoft.com/office/drawing/2010/main" Requires="a14">
+            <p:sp>
+              <p:nvSpPr>
+                <p:cNvPr id="81" name="TextBox 80"/>
+                <p:cNvSpPr txBox="1"/>
+                <p:nvPr/>
+              </p:nvSpPr>
+              <p:spPr>
+                <a:xfrm>
+                  <a:off x="9233549" y="3937503"/>
+                  <a:ext cx="217495" cy="307777"/>
+                </a:xfrm>
+                <a:prstGeom prst="rect">
+                  <a:avLst/>
+                </a:prstGeom>
+                <a:noFill/>
+              </p:spPr>
+              <p:txBody>
+                <a:bodyPr wrap="none" lIns="0" tIns="0" rIns="0" bIns="0" rtlCol="0">
+                  <a:spAutoFit/>
+                </a:bodyPr>
+                <a:lstStyle/>
+                <a:p>
+                  <a14:m>
+                    <m:oMathPara xmlns:m="http://schemas.openxmlformats.org/officeDocument/2006/math">
+                      <m:oMathParaPr>
+                        <m:jc m:val="centerGroup"/>
+                      </m:oMathParaPr>
+                      <m:oMath xmlns:m="http://schemas.openxmlformats.org/officeDocument/2006/math">
+                        <m:acc>
+                          <m:accPr>
+                            <m:chr m:val="⃗"/>
+                            <m:ctrlPr>
+                              <a:rPr lang="en-US" sz="2000" b="0" i="1" smtClean="0">
+                                <a:latin typeface="Cambria Math" panose="02040503050406030204" pitchFamily="18" charset="0"/>
+                                <a:cs typeface="Arial" panose="020B0604020202020204" pitchFamily="34" charset="0"/>
+                              </a:rPr>
+                            </m:ctrlPr>
+                          </m:accPr>
+                          <m:e>
+                            <m:r>
+                              <a:rPr lang="en-US" sz="2000" b="0" i="1" smtClean="0">
+                                <a:latin typeface="Cambria Math" panose="02040503050406030204" pitchFamily="18" charset="0"/>
+                                <a:cs typeface="Arial" panose="020B0604020202020204" pitchFamily="34" charset="0"/>
+                              </a:rPr>
+                              <m:t>𝑣</m:t>
+                            </m:r>
+                          </m:e>
+                        </m:acc>
+                      </m:oMath>
+                    </m:oMathPara>
+                  </a14:m>
+                  <a:endParaRPr lang="en-US" sz="2000" dirty="0" smtClean="0">
+                    <a:latin typeface="Arial" panose="020B0604020202020204" pitchFamily="34" charset="0"/>
+                    <a:cs typeface="Arial" panose="020B0604020202020204" pitchFamily="34" charset="0"/>
+                  </a:endParaRPr>
+                </a:p>
+              </p:txBody>
+            </p:sp>
+          </mc:Choice>
+          <mc:Fallback>
+            <p:sp>
+              <p:nvSpPr>
+                <p:cNvPr id="81" name="TextBox 80"/>
+                <p:cNvSpPr txBox="1">
+                  <a:spLocks noRot="1" noChangeAspect="1" noMove="1" noResize="1" noEditPoints="1" noAdjustHandles="1" noChangeArrowheads="1" noChangeShapeType="1" noTextEdit="1"/>
+                </p:cNvSpPr>
+                <p:nvPr/>
+              </p:nvSpPr>
+              <p:spPr>
+                <a:xfrm>
+                  <a:off x="9233549" y="3937503"/>
+                  <a:ext cx="217495" cy="307777"/>
+                </a:xfrm>
+                <a:prstGeom prst="rect">
+                  <a:avLst/>
+                </a:prstGeom>
+                <a:blipFill>
+                  <a:blip r:embed="rId19"/>
+                  <a:stretch>
+                    <a:fillRect l="-19444" t="-33333" r="-94444" b="-5882"/>
+                  </a:stretch>
+                </a:blipFill>
+              </p:spPr>
+              <p:txBody>
+                <a:bodyPr/>
+                <a:lstStyle/>
+                <a:p>
+                  <a:r>
+                    <a:rPr lang="en-US">
+                      <a:noFill/>
+                    </a:rPr>
+                    <a:t> </a:t>
+                  </a:r>
+                </a:p>
+              </p:txBody>
+            </p:sp>
+          </mc:Fallback>
+        </mc:AlternateContent>
+        <p:cxnSp>
+          <p:nvCxnSpPr>
+            <p:cNvPr id="83" name="Straight Arrow Connector 82"/>
+            <p:cNvCxnSpPr/>
+            <p:nvPr/>
+          </p:nvCxnSpPr>
+          <p:spPr>
+            <a:xfrm flipH="1" flipV="1">
+              <a:off x="7116093" y="3516372"/>
+              <a:ext cx="285739" cy="659770"/>
+            </a:xfrm>
+            <a:prstGeom prst="straightConnector1">
+              <a:avLst/>
+            </a:prstGeom>
+            <a:ln w="57150">
+              <a:solidFill>
+                <a:schemeClr val="tx1"/>
+              </a:solidFill>
+              <a:tailEnd type="triangle"/>
+            </a:ln>
+          </p:spPr>
+          <p:style>
+            <a:lnRef idx="1">
+              <a:schemeClr val="accent1"/>
+            </a:lnRef>
+            <a:fillRef idx="0">
+              <a:schemeClr val="accent1"/>
+            </a:fillRef>
+            <a:effectRef idx="0">
+              <a:schemeClr val="accent1"/>
+            </a:effectRef>
+            <a:fontRef idx="minor">
+              <a:schemeClr val="tx1"/>
+            </a:fontRef>
+          </p:style>
+        </p:cxnSp>
+        <mc:AlternateContent xmlns:mc="http://schemas.openxmlformats.org/markup-compatibility/2006">
+          <mc:Choice xmlns:a14="http://schemas.microsoft.com/office/drawing/2010/main" Requires="a14">
+            <p:sp>
+              <p:nvSpPr>
+                <p:cNvPr id="85" name="TextBox 84"/>
+                <p:cNvSpPr txBox="1"/>
+                <p:nvPr/>
+              </p:nvSpPr>
+              <p:spPr>
+                <a:xfrm>
+                  <a:off x="7012683" y="3193259"/>
+                  <a:ext cx="323083" cy="307777"/>
+                </a:xfrm>
+                <a:prstGeom prst="rect">
+                  <a:avLst/>
+                </a:prstGeom>
+                <a:noFill/>
+              </p:spPr>
+              <p:txBody>
+                <a:bodyPr wrap="square" lIns="0" tIns="0" rIns="0" bIns="0" rtlCol="0">
+                  <a:spAutoFit/>
+                </a:bodyPr>
+                <a:lstStyle/>
+                <a:p>
+                  <a14:m>
+                    <m:oMathPara xmlns:m="http://schemas.openxmlformats.org/officeDocument/2006/math">
+                      <m:oMathParaPr>
+                        <m:jc m:val="centerGroup"/>
+                      </m:oMathParaPr>
+                      <m:oMath xmlns:m="http://schemas.openxmlformats.org/officeDocument/2006/math">
+                        <m:acc>
+                          <m:accPr>
+                            <m:chr m:val="⃗"/>
+                            <m:ctrlPr>
+                              <a:rPr lang="en-US" sz="2000" b="0" i="1" smtClean="0">
+                                <a:latin typeface="Cambria Math" panose="02040503050406030204" pitchFamily="18" charset="0"/>
+                                <a:cs typeface="Arial" panose="020B0604020202020204" pitchFamily="34" charset="0"/>
+                              </a:rPr>
+                            </m:ctrlPr>
+                          </m:accPr>
+                          <m:e>
+                            <m:r>
+                              <a:rPr lang="en-US" sz="2000" b="0" i="1" smtClean="0">
+                                <a:latin typeface="Cambria Math" panose="02040503050406030204" pitchFamily="18" charset="0"/>
+                                <a:cs typeface="Arial" panose="020B0604020202020204" pitchFamily="34" charset="0"/>
+                              </a:rPr>
+                              <m:t>𝜔</m:t>
+                            </m:r>
+                          </m:e>
+                        </m:acc>
+                      </m:oMath>
+                    </m:oMathPara>
+                  </a14:m>
+                  <a:endParaRPr lang="en-US" sz="2000" dirty="0" smtClean="0">
+                    <a:latin typeface="Arial" panose="020B0604020202020204" pitchFamily="34" charset="0"/>
+                    <a:cs typeface="Arial" panose="020B0604020202020204" pitchFamily="34" charset="0"/>
+                  </a:endParaRPr>
+                </a:p>
+              </p:txBody>
+            </p:sp>
+          </mc:Choice>
+          <mc:Fallback>
+            <p:sp>
+              <p:nvSpPr>
+                <p:cNvPr id="85" name="TextBox 84"/>
+                <p:cNvSpPr txBox="1">
+                  <a:spLocks noRot="1" noChangeAspect="1" noMove="1" noResize="1" noEditPoints="1" noAdjustHandles="1" noChangeArrowheads="1" noChangeShapeType="1" noTextEdit="1"/>
+                </p:cNvSpPr>
+                <p:nvPr/>
+              </p:nvSpPr>
+              <p:spPr>
+                <a:xfrm>
+                  <a:off x="7012683" y="3193259"/>
+                  <a:ext cx="323083" cy="307777"/>
+                </a:xfrm>
+                <a:prstGeom prst="rect">
+                  <a:avLst/>
+                </a:prstGeom>
+                <a:blipFill>
+                  <a:blip r:embed="rId20"/>
+                  <a:stretch>
+                    <a:fillRect b="-1961"/>
+                  </a:stretch>
+                </a:blipFill>
+              </p:spPr>
+              <p:txBody>
+                <a:bodyPr/>
+                <a:lstStyle/>
+                <a:p>
+                  <a:r>
+                    <a:rPr lang="en-US">
+                      <a:noFill/>
+                    </a:rPr>
+                    <a:t> </a:t>
+                  </a:r>
+                </a:p>
+              </p:txBody>
+            </p:sp>
+          </mc:Fallback>
+        </mc:AlternateContent>
+      </p:grpSp>
     </p:spTree>
     <p:extLst>
       <p:ext uri="{BB962C8B-B14F-4D97-AF65-F5344CB8AC3E}">
@@ -15557,8 +16677,8 @@
             </a:fontRef>
           </p:style>
         </p:cxnSp>
-        <mc:AlternateContent xmlns:mc="http://schemas.openxmlformats.org/markup-compatibility/2006">
-          <mc:Choice xmlns:a14="http://schemas.microsoft.com/office/drawing/2010/main" Requires="a14">
+        <mc:AlternateContent xmlns:mc="http://schemas.openxmlformats.org/markup-compatibility/2006" xmlns:a14="http://schemas.microsoft.com/office/drawing/2010/main">
+          <mc:Choice Requires="a14">
             <p:sp>
               <p:nvSpPr>
                 <p:cNvPr id="45" name="TextBox 44"/>
@@ -15619,7 +16739,7 @@
               </p:txBody>
             </p:sp>
           </mc:Choice>
-          <mc:Fallback>
+          <mc:Fallback xmlns="">
             <p:sp>
               <p:nvSpPr>
                 <p:cNvPr id="45" name="TextBox 44"/>
@@ -15845,8 +16965,8 @@
             </p:txBody>
           </p:sp>
         </p:grpSp>
-        <mc:AlternateContent xmlns:mc="http://schemas.openxmlformats.org/markup-compatibility/2006">
-          <mc:Choice xmlns:a14="http://schemas.microsoft.com/office/drawing/2010/main" Requires="a14">
+        <mc:AlternateContent xmlns:mc="http://schemas.openxmlformats.org/markup-compatibility/2006" xmlns:a14="http://schemas.microsoft.com/office/drawing/2010/main">
+          <mc:Choice Requires="a14">
             <p:sp>
               <p:nvSpPr>
                 <p:cNvPr id="69" name="TextBox 68"/>
@@ -15869,6 +16989,7 @@
                 </a:bodyPr>
                 <a:lstStyle/>
                 <a:p>
+                  <a:pPr/>
                   <a14:m>
                     <m:oMathPara xmlns:m="http://schemas.openxmlformats.org/officeDocument/2006/math">
                       <m:oMathParaPr>
@@ -15960,7 +17081,7 @@
               </p:txBody>
             </p:sp>
           </mc:Choice>
-          <mc:Fallback>
+          <mc:Fallback xmlns="">
             <p:sp>
               <p:nvSpPr>
                 <p:cNvPr id="69" name="TextBox 68"/>
@@ -16178,8 +17299,8 @@
                 </a:fontRef>
               </p:style>
             </p:cxnSp>
-            <mc:AlternateContent xmlns:mc="http://schemas.openxmlformats.org/markup-compatibility/2006">
-              <mc:Choice xmlns:a14="http://schemas.microsoft.com/office/drawing/2010/main" Requires="a14">
+            <mc:AlternateContent xmlns:mc="http://schemas.openxmlformats.org/markup-compatibility/2006" xmlns:a14="http://schemas.microsoft.com/office/drawing/2010/main">
+              <mc:Choice Requires="a14">
                 <p:sp>
                   <p:nvSpPr>
                     <p:cNvPr id="16" name="TextBox 15"/>
@@ -16202,6 +17323,7 @@
                     </a:bodyPr>
                     <a:lstStyle/>
                     <a:p>
+                      <a:pPr/>
                       <a14:m>
                         <m:oMathPara xmlns:m="http://schemas.openxmlformats.org/officeDocument/2006/math">
                           <m:oMathParaPr>
@@ -16226,7 +17348,7 @@
                   </p:txBody>
                 </p:sp>
               </mc:Choice>
-              <mc:Fallback>
+              <mc:Fallback xmlns="">
                 <p:sp>
                   <p:nvSpPr>
                     <p:cNvPr id="16" name="TextBox 15"/>
@@ -16303,8 +17425,8 @@
                 </a:fontRef>
               </p:style>
             </p:cxnSp>
-            <mc:AlternateContent xmlns:mc="http://schemas.openxmlformats.org/markup-compatibility/2006">
-              <mc:Choice xmlns:a14="http://schemas.microsoft.com/office/drawing/2010/main" Requires="a14">
+            <mc:AlternateContent xmlns:mc="http://schemas.openxmlformats.org/markup-compatibility/2006" xmlns:a14="http://schemas.microsoft.com/office/drawing/2010/main">
+              <mc:Choice Requires="a14">
                 <p:sp>
                   <p:nvSpPr>
                     <p:cNvPr id="21" name="TextBox 20"/>
@@ -16327,6 +17449,7 @@
                     </a:bodyPr>
                     <a:lstStyle/>
                     <a:p>
+                      <a:pPr/>
                       <a14:m>
                         <m:oMathPara xmlns:m="http://schemas.openxmlformats.org/officeDocument/2006/math">
                           <m:oMathParaPr>
@@ -16364,7 +17487,7 @@
                   </p:txBody>
                 </p:sp>
               </mc:Choice>
-              <mc:Fallback>
+              <mc:Fallback xmlns="">
                 <p:sp>
                   <p:nvSpPr>
                     <p:cNvPr id="21" name="TextBox 20"/>
@@ -16403,8 +17526,8 @@
                 </p:sp>
               </mc:Fallback>
             </mc:AlternateContent>
-            <mc:AlternateContent xmlns:mc="http://schemas.openxmlformats.org/markup-compatibility/2006">
-              <mc:Choice xmlns:a14="http://schemas.microsoft.com/office/drawing/2010/main" Requires="a14">
+            <mc:AlternateContent xmlns:mc="http://schemas.openxmlformats.org/markup-compatibility/2006" xmlns:a14="http://schemas.microsoft.com/office/drawing/2010/main">
+              <mc:Choice Requires="a14">
                 <p:sp>
                   <p:nvSpPr>
                     <p:cNvPr id="22" name="TextBox 21"/>
@@ -16427,6 +17550,7 @@
                     </a:bodyPr>
                     <a:lstStyle/>
                     <a:p>
+                      <a:pPr/>
                       <a14:m>
                         <m:oMathPara xmlns:m="http://schemas.openxmlformats.org/officeDocument/2006/math">
                           <m:oMathParaPr>
@@ -16464,7 +17588,7 @@
                   </p:txBody>
                 </p:sp>
               </mc:Choice>
-              <mc:Fallback>
+              <mc:Fallback xmlns="">
                 <p:sp>
                   <p:nvSpPr>
                     <p:cNvPr id="22" name="TextBox 21"/>
@@ -16577,8 +17701,8 @@
                 </a:fontRef>
               </p:style>
             </p:cxnSp>
-            <mc:AlternateContent xmlns:mc="http://schemas.openxmlformats.org/markup-compatibility/2006">
-              <mc:Choice xmlns:a14="http://schemas.microsoft.com/office/drawing/2010/main" Requires="a14">
+            <mc:AlternateContent xmlns:mc="http://schemas.openxmlformats.org/markup-compatibility/2006" xmlns:a14="http://schemas.microsoft.com/office/drawing/2010/main">
+              <mc:Choice Requires="a14">
                 <p:sp>
                   <p:nvSpPr>
                     <p:cNvPr id="58" name="TextBox 57"/>
@@ -16601,6 +17725,7 @@
                     </a:bodyPr>
                     <a:lstStyle/>
                     <a:p>
+                      <a:pPr/>
                       <a14:m>
                         <m:oMathPara xmlns:m="http://schemas.openxmlformats.org/officeDocument/2006/math">
                           <m:oMathParaPr>
@@ -16646,7 +17771,7 @@
                   </p:txBody>
                 </p:sp>
               </mc:Choice>
-              <mc:Fallback>
+              <mc:Fallback xmlns="">
                 <p:sp>
                   <p:nvSpPr>
                     <p:cNvPr id="58" name="TextBox 57"/>
@@ -16685,8 +17810,8 @@
                 </p:sp>
               </mc:Fallback>
             </mc:AlternateContent>
-            <mc:AlternateContent xmlns:mc="http://schemas.openxmlformats.org/markup-compatibility/2006">
-              <mc:Choice xmlns:a14="http://schemas.microsoft.com/office/drawing/2010/main" Requires="a14">
+            <mc:AlternateContent xmlns:mc="http://schemas.openxmlformats.org/markup-compatibility/2006" xmlns:a14="http://schemas.microsoft.com/office/drawing/2010/main">
+              <mc:Choice Requires="a14">
                 <p:sp>
                   <p:nvSpPr>
                     <p:cNvPr id="75" name="TextBox 74"/>
@@ -16709,6 +17834,7 @@
                     </a:bodyPr>
                     <a:lstStyle/>
                     <a:p>
+                      <a:pPr/>
                       <a14:m>
                         <m:oMathPara xmlns:m="http://schemas.openxmlformats.org/officeDocument/2006/math">
                           <m:oMathParaPr>
@@ -16754,7 +17880,7 @@
                   </p:txBody>
                 </p:sp>
               </mc:Choice>
-              <mc:Fallback>
+              <mc:Fallback xmlns="">
                 <p:sp>
                   <p:nvSpPr>
                     <p:cNvPr id="75" name="TextBox 74"/>
@@ -16830,8 +17956,8 @@
               </a:fontRef>
             </p:style>
           </p:cxnSp>
-          <mc:AlternateContent xmlns:mc="http://schemas.openxmlformats.org/markup-compatibility/2006">
-            <mc:Choice xmlns:a14="http://schemas.microsoft.com/office/drawing/2010/main" Requires="a14">
+          <mc:AlternateContent xmlns:mc="http://schemas.openxmlformats.org/markup-compatibility/2006" xmlns:a14="http://schemas.microsoft.com/office/drawing/2010/main">
+            <mc:Choice Requires="a14">
               <p:sp>
                 <p:nvSpPr>
                   <p:cNvPr id="107" name="TextBox 106"/>
@@ -16854,6 +17980,7 @@
                   </a:bodyPr>
                   <a:lstStyle/>
                   <a:p>
+                    <a:pPr/>
                     <a14:m>
                       <m:oMathPara xmlns:m="http://schemas.openxmlformats.org/officeDocument/2006/math">
                         <m:oMathParaPr>
@@ -16878,7 +18005,7 @@
                 </p:txBody>
               </p:sp>
             </mc:Choice>
-            <mc:Fallback>
+            <mc:Fallback xmlns="">
               <p:sp>
                 <p:nvSpPr>
                   <p:cNvPr id="107" name="TextBox 106"/>
@@ -17097,8 +18224,8 @@
                 </a:fontRef>
               </p:style>
             </p:cxnSp>
-            <mc:AlternateContent xmlns:mc="http://schemas.openxmlformats.org/markup-compatibility/2006">
-              <mc:Choice xmlns:a14="http://schemas.microsoft.com/office/drawing/2010/main" Requires="a14">
+            <mc:AlternateContent xmlns:mc="http://schemas.openxmlformats.org/markup-compatibility/2006" xmlns:a14="http://schemas.microsoft.com/office/drawing/2010/main">
+              <mc:Choice Requires="a14">
                 <p:sp>
                   <p:nvSpPr>
                     <p:cNvPr id="90" name="TextBox 89"/>
@@ -17121,6 +18248,7 @@
                     </a:bodyPr>
                     <a:lstStyle/>
                     <a:p>
+                      <a:pPr/>
                       <a14:m>
                         <m:oMathPara xmlns:m="http://schemas.openxmlformats.org/officeDocument/2006/math">
                           <m:oMathParaPr>
@@ -17145,7 +18273,7 @@
                   </p:txBody>
                 </p:sp>
               </mc:Choice>
-              <mc:Fallback>
+              <mc:Fallback xmlns="">
                 <p:sp>
                   <p:nvSpPr>
                     <p:cNvPr id="90" name="TextBox 89"/>
@@ -17222,8 +18350,8 @@
                 </a:fontRef>
               </p:style>
             </p:cxnSp>
-            <mc:AlternateContent xmlns:mc="http://schemas.openxmlformats.org/markup-compatibility/2006">
-              <mc:Choice xmlns:a14="http://schemas.microsoft.com/office/drawing/2010/main" Requires="a14">
+            <mc:AlternateContent xmlns:mc="http://schemas.openxmlformats.org/markup-compatibility/2006" xmlns:a14="http://schemas.microsoft.com/office/drawing/2010/main">
+              <mc:Choice Requires="a14">
                 <p:sp>
                   <p:nvSpPr>
                     <p:cNvPr id="95" name="TextBox 94"/>
@@ -17246,6 +18374,7 @@
                     </a:bodyPr>
                     <a:lstStyle/>
                     <a:p>
+                      <a:pPr/>
                       <a14:m>
                         <m:oMathPara xmlns:m="http://schemas.openxmlformats.org/officeDocument/2006/math">
                           <m:oMathParaPr>
@@ -17283,7 +18412,7 @@
                   </p:txBody>
                 </p:sp>
               </mc:Choice>
-              <mc:Fallback>
+              <mc:Fallback xmlns="">
                 <p:sp>
                   <p:nvSpPr>
                     <p:cNvPr id="95" name="TextBox 94"/>
@@ -17322,8 +18451,8 @@
                 </p:sp>
               </mc:Fallback>
             </mc:AlternateContent>
-            <mc:AlternateContent xmlns:mc="http://schemas.openxmlformats.org/markup-compatibility/2006">
-              <mc:Choice xmlns:a14="http://schemas.microsoft.com/office/drawing/2010/main" Requires="a14">
+            <mc:AlternateContent xmlns:mc="http://schemas.openxmlformats.org/markup-compatibility/2006" xmlns:a14="http://schemas.microsoft.com/office/drawing/2010/main">
+              <mc:Choice Requires="a14">
                 <p:sp>
                   <p:nvSpPr>
                     <p:cNvPr id="96" name="TextBox 95"/>
@@ -17346,6 +18475,7 @@
                     </a:bodyPr>
                     <a:lstStyle/>
                     <a:p>
+                      <a:pPr/>
                       <a14:m>
                         <m:oMathPara xmlns:m="http://schemas.openxmlformats.org/officeDocument/2006/math">
                           <m:oMathParaPr>
@@ -17383,7 +18513,7 @@
                   </p:txBody>
                 </p:sp>
               </mc:Choice>
-              <mc:Fallback>
+              <mc:Fallback xmlns="">
                 <p:sp>
                   <p:nvSpPr>
                     <p:cNvPr id="96" name="TextBox 95"/>
@@ -17496,8 +18626,8 @@
                 </a:fontRef>
               </p:style>
             </p:cxnSp>
-            <mc:AlternateContent xmlns:mc="http://schemas.openxmlformats.org/markup-compatibility/2006">
-              <mc:Choice xmlns:a14="http://schemas.microsoft.com/office/drawing/2010/main" Requires="a14">
+            <mc:AlternateContent xmlns:mc="http://schemas.openxmlformats.org/markup-compatibility/2006" xmlns:a14="http://schemas.microsoft.com/office/drawing/2010/main">
+              <mc:Choice Requires="a14">
                 <p:sp>
                   <p:nvSpPr>
                     <p:cNvPr id="99" name="TextBox 98"/>
@@ -17520,6 +18650,7 @@
                     </a:bodyPr>
                     <a:lstStyle/>
                     <a:p>
+                      <a:pPr/>
                       <a14:m>
                         <m:oMathPara xmlns:m="http://schemas.openxmlformats.org/officeDocument/2006/math">
                           <m:oMathParaPr>
@@ -17565,7 +18696,7 @@
                   </p:txBody>
                 </p:sp>
               </mc:Choice>
-              <mc:Fallback>
+              <mc:Fallback xmlns="">
                 <p:sp>
                   <p:nvSpPr>
                     <p:cNvPr id="99" name="TextBox 98"/>
@@ -17604,8 +18735,8 @@
                 </p:sp>
               </mc:Fallback>
             </mc:AlternateContent>
-            <mc:AlternateContent xmlns:mc="http://schemas.openxmlformats.org/markup-compatibility/2006">
-              <mc:Choice xmlns:a14="http://schemas.microsoft.com/office/drawing/2010/main" Requires="a14">
+            <mc:AlternateContent xmlns:mc="http://schemas.openxmlformats.org/markup-compatibility/2006" xmlns:a14="http://schemas.microsoft.com/office/drawing/2010/main">
+              <mc:Choice Requires="a14">
                 <p:sp>
                   <p:nvSpPr>
                     <p:cNvPr id="100" name="TextBox 99"/>
@@ -17628,6 +18759,7 @@
                     </a:bodyPr>
                     <a:lstStyle/>
                     <a:p>
+                      <a:pPr/>
                       <a14:m>
                         <m:oMathPara xmlns:m="http://schemas.openxmlformats.org/officeDocument/2006/math">
                           <m:oMathParaPr>
@@ -17673,7 +18805,7 @@
                   </p:txBody>
                 </p:sp>
               </mc:Choice>
-              <mc:Fallback>
+              <mc:Fallback xmlns="">
                 <p:sp>
                   <p:nvSpPr>
                     <p:cNvPr id="100" name="TextBox 99"/>
@@ -17749,8 +18881,8 @@
               </a:fontRef>
             </p:style>
           </p:cxnSp>
-          <mc:AlternateContent xmlns:mc="http://schemas.openxmlformats.org/markup-compatibility/2006">
-            <mc:Choice xmlns:a14="http://schemas.microsoft.com/office/drawing/2010/main" Requires="a14">
+          <mc:AlternateContent xmlns:mc="http://schemas.openxmlformats.org/markup-compatibility/2006" xmlns:a14="http://schemas.microsoft.com/office/drawing/2010/main">
+            <mc:Choice Requires="a14">
               <p:sp>
                 <p:nvSpPr>
                   <p:cNvPr id="109" name="TextBox 108"/>
@@ -17773,6 +18905,7 @@
                   </a:bodyPr>
                   <a:lstStyle/>
                   <a:p>
+                    <a:pPr/>
                     <a14:m>
                       <m:oMathPara xmlns:m="http://schemas.openxmlformats.org/officeDocument/2006/math">
                         <m:oMathParaPr>
@@ -17797,7 +18930,7 @@
                 </p:txBody>
               </p:sp>
             </mc:Choice>
-            <mc:Fallback>
+            <mc:Fallback xmlns="">
               <p:sp>
                 <p:nvSpPr>
                   <p:cNvPr id="109" name="TextBox 108"/>
@@ -17876,7 +19009,7 @@
         </p:nvGrpSpPr>
         <p:grpSpPr>
           <a:xfrm>
-            <a:off x="676286" y="144158"/>
+            <a:off x="613555" y="428250"/>
             <a:ext cx="7050435" cy="2804556"/>
             <a:chOff x="1700675" y="761101"/>
             <a:chExt cx="7050435" cy="2804556"/>
@@ -18578,8 +19711,8 @@
               </p:sp>
             </mc:Fallback>
           </mc:AlternateContent>
-          <mc:AlternateContent xmlns:mc="http://schemas.openxmlformats.org/markup-compatibility/2006">
-            <mc:Choice xmlns:a14="http://schemas.microsoft.com/office/drawing/2010/main" Requires="a14">
+          <mc:AlternateContent xmlns:mc="http://schemas.openxmlformats.org/markup-compatibility/2006" xmlns:a14="http://schemas.microsoft.com/office/drawing/2010/main">
+            <mc:Choice Requires="a14">
               <p:sp>
                 <p:nvSpPr>
                   <p:cNvPr id="17" name="TextBox 16"/>
@@ -18640,7 +19773,7 @@
                 </p:txBody>
               </p:sp>
             </mc:Choice>
-            <mc:Fallback>
+            <mc:Fallback xmlns="">
               <p:sp>
                 <p:nvSpPr>
                   <p:cNvPr id="17" name="TextBox 16"/>
@@ -18679,8 +19812,8 @@
               </p:sp>
             </mc:Fallback>
           </mc:AlternateContent>
-          <mc:AlternateContent xmlns:mc="http://schemas.openxmlformats.org/markup-compatibility/2006">
-            <mc:Choice xmlns:a14="http://schemas.microsoft.com/office/drawing/2010/main" Requires="a14">
+          <mc:AlternateContent xmlns:mc="http://schemas.openxmlformats.org/markup-compatibility/2006" xmlns:a14="http://schemas.microsoft.com/office/drawing/2010/main">
+            <mc:Choice Requires="a14">
               <p:sp>
                 <p:nvSpPr>
                   <p:cNvPr id="18" name="TextBox 17"/>
@@ -18762,7 +19895,7 @@
                 </p:txBody>
               </p:sp>
             </mc:Choice>
-            <mc:Fallback>
+            <mc:Fallback xmlns="">
               <p:sp>
                 <p:nvSpPr>
                   <p:cNvPr id="18" name="TextBox 17"/>
@@ -18801,8 +19934,8 @@
               </p:sp>
             </mc:Fallback>
           </mc:AlternateContent>
-          <mc:AlternateContent xmlns:mc="http://schemas.openxmlformats.org/markup-compatibility/2006">
-            <mc:Choice xmlns:a14="http://schemas.microsoft.com/office/drawing/2010/main" Requires="a14">
+          <mc:AlternateContent xmlns:mc="http://schemas.openxmlformats.org/markup-compatibility/2006" xmlns:a14="http://schemas.microsoft.com/office/drawing/2010/main">
+            <mc:Choice Requires="a14">
               <p:sp>
                 <p:nvSpPr>
                   <p:cNvPr id="19" name="TextBox 18"/>
@@ -18884,7 +20017,7 @@
                 </p:txBody>
               </p:sp>
             </mc:Choice>
-            <mc:Fallback>
+            <mc:Fallback xmlns="">
               <p:sp>
                 <p:nvSpPr>
                   <p:cNvPr id="19" name="TextBox 18"/>
@@ -18932,8 +20065,8 @@
           </p:nvSpPr>
           <p:spPr>
             <a:xfrm>
-              <a:off x="4314614" y="2154153"/>
-              <a:ext cx="1550382" cy="432435"/>
+              <a:off x="4254636" y="2110012"/>
+              <a:ext cx="1602434" cy="666205"/>
             </a:xfrm>
             <a:prstGeom prst="can">
               <a:avLst>
@@ -19273,8 +20406,8 @@
                   </p:sp>
                 </mc:Fallback>
               </mc:AlternateContent>
-              <mc:AlternateContent xmlns:mc="http://schemas.openxmlformats.org/markup-compatibility/2006">
-                <mc:Choice xmlns:a14="http://schemas.microsoft.com/office/drawing/2010/main" Requires="a14">
+              <mc:AlternateContent xmlns:mc="http://schemas.openxmlformats.org/markup-compatibility/2006" xmlns:a14="http://schemas.microsoft.com/office/drawing/2010/main">
+                <mc:Choice Requires="a14">
                   <p:sp>
                     <p:nvSpPr>
                       <p:cNvPr id="74" name="Rectangle 73"/>
@@ -19318,7 +20451,7 @@
                     </p:txBody>
                   </p:sp>
                 </mc:Choice>
-                <mc:Fallback>
+                <mc:Fallback xmlns="">
                   <p:sp>
                     <p:nvSpPr>
                       <p:cNvPr id="74" name="Rectangle 73"/>
@@ -19671,8 +20804,8 @@
                 </a:fontRef>
               </p:style>
             </p:cxnSp>
-            <mc:AlternateContent xmlns:mc="http://schemas.openxmlformats.org/markup-compatibility/2006">
-              <mc:Choice xmlns:a14="http://schemas.microsoft.com/office/drawing/2010/main" Requires="a14">
+            <mc:AlternateContent xmlns:mc="http://schemas.openxmlformats.org/markup-compatibility/2006" xmlns:a14="http://schemas.microsoft.com/office/drawing/2010/main">
+              <mc:Choice Requires="a14">
                 <p:sp>
                   <p:nvSpPr>
                     <p:cNvPr id="89" name="TextBox 88"/>
@@ -19695,6 +20828,7 @@
                     </a:bodyPr>
                     <a:lstStyle/>
                     <a:p>
+                      <a:pPr/>
                       <a14:m>
                         <m:oMathPara xmlns:m="http://schemas.openxmlformats.org/officeDocument/2006/math">
                           <m:oMathParaPr>
@@ -19732,7 +20866,7 @@
                   </p:txBody>
                 </p:sp>
               </mc:Choice>
-              <mc:Fallback>
+              <mc:Fallback xmlns="">
                 <p:sp>
                   <p:nvSpPr>
                     <p:cNvPr id="89" name="TextBox 88"/>
@@ -20086,8 +21220,8 @@
                   </p:sp>
                 </mc:Fallback>
               </mc:AlternateContent>
-              <mc:AlternateContent xmlns:mc="http://schemas.openxmlformats.org/markup-compatibility/2006">
-                <mc:Choice xmlns:a14="http://schemas.microsoft.com/office/drawing/2010/main" Requires="a14">
+              <mc:AlternateContent xmlns:mc="http://schemas.openxmlformats.org/markup-compatibility/2006" xmlns:a14="http://schemas.microsoft.com/office/drawing/2010/main">
+                <mc:Choice Requires="a14">
                   <p:sp>
                     <p:nvSpPr>
                       <p:cNvPr id="106" name="Rectangle 105"/>
@@ -20131,7 +21265,7 @@
                     </p:txBody>
                   </p:sp>
                 </mc:Choice>
-                <mc:Fallback>
+                <mc:Fallback xmlns="">
                   <p:sp>
                     <p:nvSpPr>
                       <p:cNvPr id="106" name="Rectangle 105"/>
@@ -20482,8 +21616,8 @@
                 </a:fontRef>
               </p:style>
             </p:cxnSp>
-            <mc:AlternateContent xmlns:mc="http://schemas.openxmlformats.org/markup-compatibility/2006">
-              <mc:Choice xmlns:a14="http://schemas.microsoft.com/office/drawing/2010/main" Requires="a14">
+            <mc:AlternateContent xmlns:mc="http://schemas.openxmlformats.org/markup-compatibility/2006" xmlns:a14="http://schemas.microsoft.com/office/drawing/2010/main">
+              <mc:Choice Requires="a14">
                 <p:sp>
                   <p:nvSpPr>
                     <p:cNvPr id="100" name="TextBox 99"/>
@@ -20506,6 +21640,7 @@
                     </a:bodyPr>
                     <a:lstStyle/>
                     <a:p>
+                      <a:pPr/>
                       <a14:m>
                         <m:oMathPara xmlns:m="http://schemas.openxmlformats.org/officeDocument/2006/math">
                           <m:oMathParaPr>
@@ -20543,7 +21678,7 @@
                   </p:txBody>
                 </p:sp>
               </mc:Choice>
-              <mc:Fallback>
+              <mc:Fallback xmlns="">
                 <p:sp>
                   <p:nvSpPr>
                     <p:cNvPr id="100" name="TextBox 99"/>
@@ -20667,8 +21802,8 @@
             </a:fontRef>
           </p:style>
         </p:cxnSp>
-        <mc:AlternateContent xmlns:mc="http://schemas.openxmlformats.org/markup-compatibility/2006">
-          <mc:Choice xmlns:a14="http://schemas.microsoft.com/office/drawing/2010/main" Requires="a14">
+        <mc:AlternateContent xmlns:mc="http://schemas.openxmlformats.org/markup-compatibility/2006" xmlns:a14="http://schemas.microsoft.com/office/drawing/2010/main">
+          <mc:Choice Requires="a14">
             <p:sp>
               <p:nvSpPr>
                 <p:cNvPr id="142" name="TextBox 141"/>
@@ -20691,6 +21826,7 @@
                 </a:bodyPr>
                 <a:lstStyle/>
                 <a:p>
+                  <a:pPr/>
                   <a14:m>
                     <m:oMathPara xmlns:m="http://schemas.openxmlformats.org/officeDocument/2006/math">
                       <m:oMathParaPr>
@@ -20749,7 +21885,7 @@
               </p:txBody>
             </p:sp>
           </mc:Choice>
-          <mc:Fallback>
+          <mc:Fallback xmlns="">
             <p:sp>
               <p:nvSpPr>
                 <p:cNvPr id="142" name="TextBox 141"/>
@@ -20824,8 +21960,8 @@
             </a:fontRef>
           </p:style>
         </p:cxnSp>
-        <mc:AlternateContent xmlns:mc="http://schemas.openxmlformats.org/markup-compatibility/2006">
-          <mc:Choice xmlns:a14="http://schemas.microsoft.com/office/drawing/2010/main" Requires="a14">
+        <mc:AlternateContent xmlns:mc="http://schemas.openxmlformats.org/markup-compatibility/2006" xmlns:a14="http://schemas.microsoft.com/office/drawing/2010/main">
+          <mc:Choice Requires="a14">
             <p:sp>
               <p:nvSpPr>
                 <p:cNvPr id="144" name="TextBox 143"/>
@@ -20848,6 +21984,7 @@
                 </a:bodyPr>
                 <a:lstStyle/>
                 <a:p>
+                  <a:pPr/>
                   <a14:m>
                     <m:oMathPara xmlns:m="http://schemas.openxmlformats.org/officeDocument/2006/math">
                       <m:oMathParaPr>
@@ -20927,7 +22064,7 @@
               </p:txBody>
             </p:sp>
           </mc:Choice>
-          <mc:Fallback>
+          <mc:Fallback xmlns="">
             <p:sp>
               <p:nvSpPr>
                 <p:cNvPr id="144" name="TextBox 143"/>
@@ -25596,8 +26733,8 @@
               </p:sp>
             </mc:Fallback>
           </mc:AlternateContent>
-          <mc:AlternateContent xmlns:mc="http://schemas.openxmlformats.org/markup-compatibility/2006">
-            <mc:Choice xmlns:a14="http://schemas.microsoft.com/office/drawing/2010/main" Requires="a14">
+          <mc:AlternateContent xmlns:mc="http://schemas.openxmlformats.org/markup-compatibility/2006" xmlns:a14="http://schemas.microsoft.com/office/drawing/2010/main">
+            <mc:Choice Requires="a14">
               <p:sp>
                 <p:nvSpPr>
                   <p:cNvPr id="18" name="TextBox 17"/>
@@ -25645,7 +26782,7 @@
                 </p:txBody>
               </p:sp>
             </mc:Choice>
-            <mc:Fallback>
+            <mc:Fallback xmlns="">
               <p:sp>
                 <p:nvSpPr>
                   <p:cNvPr id="18" name="TextBox 17"/>
@@ -26399,8 +27536,8 @@
                 </p:sp>
               </mc:Fallback>
             </mc:AlternateContent>
-            <mc:AlternateContent xmlns:mc="http://schemas.openxmlformats.org/markup-compatibility/2006" xmlns:a14="http://schemas.microsoft.com/office/drawing/2010/main">
-              <mc:Choice Requires="a14">
+            <mc:AlternateContent xmlns:mc="http://schemas.openxmlformats.org/markup-compatibility/2006">
+              <mc:Choice xmlns:a14="http://schemas.microsoft.com/office/drawing/2010/main" Requires="a14">
                 <p:sp>
                   <p:nvSpPr>
                     <p:cNvPr id="16" name="TextBox 15"/>
@@ -26410,7 +27547,7 @@
                   <p:spPr>
                     <a:xfrm>
                       <a:off x="5573661" y="1026434"/>
-                      <a:ext cx="283859" cy="307777"/>
+                      <a:ext cx="179536" cy="307777"/>
                     </a:xfrm>
                     <a:prstGeom prst="rect">
                       <a:avLst/>
@@ -26430,34 +27567,13 @@
                             <m:jc m:val="centerGroup"/>
                           </m:oMathParaPr>
                           <m:oMath xmlns:m="http://schemas.openxmlformats.org/officeDocument/2006/math">
-                            <m:sSub>
-                              <m:sSubPr>
-                                <m:ctrlPr>
-                                  <a:rPr lang="en-US" sz="2000" b="0" i="1" smtClean="0">
-                                    <a:latin typeface="Cambria Math" panose="02040503050406030204" pitchFamily="18" charset="0"/>
-                                    <a:cs typeface="Arial" panose="020B0604020202020204" pitchFamily="34" charset="0"/>
-                                  </a:rPr>
-                                </m:ctrlPr>
-                              </m:sSubPr>
-                              <m:e>
-                                <m:r>
-                                  <a:rPr lang="en-US" sz="2000" b="0" i="1" smtClean="0">
-                                    <a:latin typeface="Cambria Math" panose="02040503050406030204" pitchFamily="18" charset="0"/>
-                                    <a:cs typeface="Arial" panose="020B0604020202020204" pitchFamily="34" charset="0"/>
-                                  </a:rPr>
-                                  <m:t>𝑟</m:t>
-                                </m:r>
-                              </m:e>
-                              <m:sub>
-                                <m:r>
-                                  <a:rPr lang="en-US" sz="2000" b="0" i="1" smtClean="0">
-                                    <a:latin typeface="Cambria Math" panose="02040503050406030204" pitchFamily="18" charset="0"/>
-                                    <a:cs typeface="Arial" panose="020B0604020202020204" pitchFamily="34" charset="0"/>
-                                  </a:rPr>
-                                  <m:t>2</m:t>
-                                </m:r>
-                              </m:sub>
-                            </m:sSub>
+                            <m:r>
+                              <a:rPr lang="en-US" sz="2000" b="0" i="1" smtClean="0">
+                                <a:latin typeface="Cambria Math" panose="02040503050406030204" pitchFamily="18" charset="0"/>
+                                <a:cs typeface="Arial" panose="020B0604020202020204" pitchFamily="34" charset="0"/>
+                              </a:rPr>
+                              <m:t>?</m:t>
+                            </m:r>
                           </m:oMath>
                         </m:oMathPara>
                       </a14:m>
@@ -26469,7 +27585,7 @@
                   </p:txBody>
                 </p:sp>
               </mc:Choice>
-              <mc:Fallback xmlns="">
+              <mc:Fallback>
                 <p:sp>
                   <p:nvSpPr>
                     <p:cNvPr id="16" name="TextBox 15"/>
@@ -26481,7 +27597,7 @@
                   <p:spPr>
                     <a:xfrm>
                       <a:off x="5573661" y="1026434"/>
-                      <a:ext cx="283859" cy="307777"/>
+                      <a:ext cx="179536" cy="307777"/>
                     </a:xfrm>
                     <a:prstGeom prst="rect">
                       <a:avLst/>
@@ -26489,7 +27605,7 @@
                     <a:blipFill>
                       <a:blip r:embed="rId5"/>
                       <a:stretch>
-                        <a:fillRect l="-10870" r="-6522" b="-19608"/>
+                        <a:fillRect l="-31034" r="-31034" b="-9804"/>
                       </a:stretch>
                     </a:blipFill>
                   </p:spPr>
@@ -29114,8 +30230,8 @@
               </a:fontRef>
             </p:style>
           </p:cxnSp>
-          <mc:AlternateContent xmlns:mc="http://schemas.openxmlformats.org/markup-compatibility/2006">
-            <mc:Choice xmlns:a14="http://schemas.microsoft.com/office/drawing/2010/main" Requires="a14">
+          <mc:AlternateContent xmlns:mc="http://schemas.openxmlformats.org/markup-compatibility/2006" xmlns:a14="http://schemas.microsoft.com/office/drawing/2010/main">
+            <mc:Choice Requires="a14">
               <p:sp>
                 <p:nvSpPr>
                   <p:cNvPr id="21" name="TextBox 20"/>
@@ -29138,6 +30254,7 @@
                   </a:bodyPr>
                   <a:lstStyle/>
                   <a:p>
+                    <a:pPr/>
                     <a14:m>
                       <m:oMathPara xmlns:m="http://schemas.openxmlformats.org/officeDocument/2006/math">
                         <m:oMathParaPr>
@@ -29190,7 +30307,7 @@
                 </p:txBody>
               </p:sp>
             </mc:Choice>
-            <mc:Fallback>
+            <mc:Fallback xmlns="">
               <p:sp>
                 <p:nvSpPr>
                   <p:cNvPr id="21" name="TextBox 20"/>
@@ -29229,8 +30346,8 @@
               </p:sp>
             </mc:Fallback>
           </mc:AlternateContent>
-          <mc:AlternateContent xmlns:mc="http://schemas.openxmlformats.org/markup-compatibility/2006">
-            <mc:Choice xmlns:a14="http://schemas.microsoft.com/office/drawing/2010/main" Requires="a14">
+          <mc:AlternateContent xmlns:mc="http://schemas.openxmlformats.org/markup-compatibility/2006" xmlns:a14="http://schemas.microsoft.com/office/drawing/2010/main">
+            <mc:Choice Requires="a14">
               <p:sp>
                 <p:nvSpPr>
                   <p:cNvPr id="22" name="TextBox 21"/>
@@ -29253,6 +30370,7 @@
                   </a:bodyPr>
                   <a:lstStyle/>
                   <a:p>
+                    <a:pPr/>
                     <a14:m>
                       <m:oMathPara xmlns:m="http://schemas.openxmlformats.org/officeDocument/2006/math">
                         <m:oMathParaPr>
@@ -29277,7 +30395,7 @@
                 </p:txBody>
               </p:sp>
             </mc:Choice>
-            <mc:Fallback>
+            <mc:Fallback xmlns="">
               <p:sp>
                 <p:nvSpPr>
                   <p:cNvPr id="22" name="TextBox 21"/>
@@ -29316,8 +30434,8 @@
               </p:sp>
             </mc:Fallback>
           </mc:AlternateContent>
-          <mc:AlternateContent xmlns:mc="http://schemas.openxmlformats.org/markup-compatibility/2006">
-            <mc:Choice xmlns:a14="http://schemas.microsoft.com/office/drawing/2010/main" Requires="a14">
+          <mc:AlternateContent xmlns:mc="http://schemas.openxmlformats.org/markup-compatibility/2006" xmlns:a14="http://schemas.microsoft.com/office/drawing/2010/main">
+            <mc:Choice Requires="a14">
               <p:sp>
                 <p:nvSpPr>
                   <p:cNvPr id="23" name="TextBox 22"/>
@@ -29340,6 +30458,7 @@
                   </a:bodyPr>
                   <a:lstStyle/>
                   <a:p>
+                    <a:pPr/>
                     <a14:m>
                       <m:oMathPara xmlns:m="http://schemas.openxmlformats.org/officeDocument/2006/math">
                         <m:oMathParaPr>
@@ -29378,7 +30497,7 @@
                 </p:txBody>
               </p:sp>
             </mc:Choice>
-            <mc:Fallback>
+            <mc:Fallback xmlns="">
               <p:sp>
                 <p:nvSpPr>
                   <p:cNvPr id="23" name="TextBox 22"/>
@@ -29417,8 +30536,8 @@
               </p:sp>
             </mc:Fallback>
           </mc:AlternateContent>
-          <mc:AlternateContent xmlns:mc="http://schemas.openxmlformats.org/markup-compatibility/2006">
-            <mc:Choice xmlns:a14="http://schemas.microsoft.com/office/drawing/2010/main" Requires="a14">
+          <mc:AlternateContent xmlns:mc="http://schemas.openxmlformats.org/markup-compatibility/2006" xmlns:a14="http://schemas.microsoft.com/office/drawing/2010/main">
+            <mc:Choice Requires="a14">
               <p:sp>
                 <p:nvSpPr>
                   <p:cNvPr id="24" name="TextBox 23"/>
@@ -29441,6 +30560,7 @@
                   </a:bodyPr>
                   <a:lstStyle/>
                   <a:p>
+                    <a:pPr/>
                     <a14:m>
                       <m:oMathPara xmlns:m="http://schemas.openxmlformats.org/officeDocument/2006/math">
                         <m:oMathParaPr>
@@ -29465,7 +30585,7 @@
                 </p:txBody>
               </p:sp>
             </mc:Choice>
-            <mc:Fallback>
+            <mc:Fallback xmlns="">
               <p:sp>
                 <p:nvSpPr>
                   <p:cNvPr id="24" name="TextBox 23"/>
@@ -29713,8 +30833,8 @@
                 </a:fontRef>
               </p:style>
             </p:cxnSp>
-            <mc:AlternateContent xmlns:mc="http://schemas.openxmlformats.org/markup-compatibility/2006">
-              <mc:Choice xmlns:a14="http://schemas.microsoft.com/office/drawing/2010/main" Requires="a14">
+            <mc:AlternateContent xmlns:mc="http://schemas.openxmlformats.org/markup-compatibility/2006" xmlns:a14="http://schemas.microsoft.com/office/drawing/2010/main">
+              <mc:Choice Requires="a14">
                 <p:sp>
                   <p:nvSpPr>
                     <p:cNvPr id="34" name="TextBox 33"/>
@@ -29737,6 +30857,7 @@
                     </a:bodyPr>
                     <a:lstStyle/>
                     <a:p>
+                      <a:pPr/>
                       <a14:m>
                         <m:oMathPara xmlns:m="http://schemas.openxmlformats.org/officeDocument/2006/math">
                           <m:oMathParaPr>
@@ -29761,7 +30882,7 @@
                   </p:txBody>
                 </p:sp>
               </mc:Choice>
-              <mc:Fallback>
+              <mc:Fallback xmlns="">
                 <p:sp>
                   <p:nvSpPr>
                     <p:cNvPr id="34" name="TextBox 33"/>
@@ -29836,8 +30957,8 @@
                 </a:fontRef>
               </p:style>
             </p:cxnSp>
-            <mc:AlternateContent xmlns:mc="http://schemas.openxmlformats.org/markup-compatibility/2006">
-              <mc:Choice xmlns:a14="http://schemas.microsoft.com/office/drawing/2010/main" Requires="a14">
+            <mc:AlternateContent xmlns:mc="http://schemas.openxmlformats.org/markup-compatibility/2006" xmlns:a14="http://schemas.microsoft.com/office/drawing/2010/main">
+              <mc:Choice Requires="a14">
                 <p:sp>
                   <p:nvSpPr>
                     <p:cNvPr id="43" name="TextBox 42"/>
@@ -29860,6 +30981,7 @@
                     </a:bodyPr>
                     <a:lstStyle/>
                     <a:p>
+                      <a:pPr/>
                       <a14:m>
                         <m:oMathPara xmlns:m="http://schemas.openxmlformats.org/officeDocument/2006/math">
                           <m:oMathParaPr>
@@ -29897,7 +31019,7 @@
                   </p:txBody>
                 </p:sp>
               </mc:Choice>
-              <mc:Fallback>
+              <mc:Fallback xmlns="">
                 <p:sp>
                   <p:nvSpPr>
                     <p:cNvPr id="43" name="TextBox 42"/>
@@ -30046,8 +31168,8 @@
                 </a:fontRef>
               </p:style>
             </p:cxnSp>
-            <mc:AlternateContent xmlns:mc="http://schemas.openxmlformats.org/markup-compatibility/2006">
-              <mc:Choice xmlns:a14="http://schemas.microsoft.com/office/drawing/2010/main" Requires="a14">
+            <mc:AlternateContent xmlns:mc="http://schemas.openxmlformats.org/markup-compatibility/2006" xmlns:a14="http://schemas.microsoft.com/office/drawing/2010/main">
+              <mc:Choice Requires="a14">
                 <p:sp>
                   <p:nvSpPr>
                     <p:cNvPr id="53" name="TextBox 52"/>
@@ -30070,6 +31192,7 @@
                     </a:bodyPr>
                     <a:lstStyle/>
                     <a:p>
+                      <a:pPr/>
                       <a14:m>
                         <m:oMathPara xmlns:m="http://schemas.openxmlformats.org/officeDocument/2006/math">
                           <m:oMathParaPr>
@@ -30107,7 +31230,7 @@
                   </p:txBody>
                 </p:sp>
               </mc:Choice>
-              <mc:Fallback>
+              <mc:Fallback xmlns="">
                 <p:sp>
                   <p:nvSpPr>
                     <p:cNvPr id="53" name="TextBox 52"/>
@@ -30146,8 +31269,8 @@
                 </p:sp>
               </mc:Fallback>
             </mc:AlternateContent>
-            <mc:AlternateContent xmlns:mc="http://schemas.openxmlformats.org/markup-compatibility/2006">
-              <mc:Choice xmlns:a14="http://schemas.microsoft.com/office/drawing/2010/main" Requires="a14">
+            <mc:AlternateContent xmlns:mc="http://schemas.openxmlformats.org/markup-compatibility/2006" xmlns:a14="http://schemas.microsoft.com/office/drawing/2010/main">
+              <mc:Choice Requires="a14">
                 <p:sp>
                   <p:nvSpPr>
                     <p:cNvPr id="55" name="TextBox 54"/>
@@ -30170,6 +31293,7 @@
                     </a:bodyPr>
                     <a:lstStyle/>
                     <a:p>
+                      <a:pPr/>
                       <a14:m>
                         <m:oMathPara xmlns:m="http://schemas.openxmlformats.org/officeDocument/2006/math">
                           <m:oMathParaPr>
@@ -30228,7 +31352,7 @@
                   </p:txBody>
                 </p:sp>
               </mc:Choice>
-              <mc:Fallback>
+              <mc:Fallback xmlns="">
                 <p:sp>
                   <p:nvSpPr>
                     <p:cNvPr id="55" name="TextBox 54"/>
@@ -30267,8 +31391,8 @@
                 </p:sp>
               </mc:Fallback>
             </mc:AlternateContent>
-            <mc:AlternateContent xmlns:mc="http://schemas.openxmlformats.org/markup-compatibility/2006">
-              <mc:Choice xmlns:a14="http://schemas.microsoft.com/office/drawing/2010/main" Requires="a14">
+            <mc:AlternateContent xmlns:mc="http://schemas.openxmlformats.org/markup-compatibility/2006" xmlns:a14="http://schemas.microsoft.com/office/drawing/2010/main">
+              <mc:Choice Requires="a14">
                 <p:sp>
                   <p:nvSpPr>
                     <p:cNvPr id="56" name="TextBox 55"/>
@@ -30291,6 +31415,7 @@
                     </a:bodyPr>
                     <a:lstStyle/>
                     <a:p>
+                      <a:pPr/>
                       <a14:m>
                         <m:oMathPara xmlns:m="http://schemas.openxmlformats.org/officeDocument/2006/math">
                           <m:oMathParaPr>
@@ -30349,7 +31474,7 @@
                   </p:txBody>
                 </p:sp>
               </mc:Choice>
-              <mc:Fallback>
+              <mc:Fallback xmlns="">
                 <p:sp>
                   <p:nvSpPr>
                     <p:cNvPr id="56" name="TextBox 55"/>
@@ -30876,8 +32001,8 @@
             </a:fontRef>
           </p:style>
         </p:cxnSp>
-        <mc:AlternateContent xmlns:mc="http://schemas.openxmlformats.org/markup-compatibility/2006">
-          <mc:Choice xmlns:a14="http://schemas.microsoft.com/office/drawing/2010/main" Requires="a14">
+        <mc:AlternateContent xmlns:mc="http://schemas.openxmlformats.org/markup-compatibility/2006" xmlns:a14="http://schemas.microsoft.com/office/drawing/2010/main">
+          <mc:Choice Requires="a14">
             <p:sp>
               <p:nvSpPr>
                 <p:cNvPr id="77" name="TextBox 76"/>
@@ -30900,6 +32025,7 @@
                 </a:bodyPr>
                 <a:lstStyle/>
                 <a:p>
+                  <a:pPr/>
                   <a14:m>
                     <m:oMathPara xmlns:m="http://schemas.openxmlformats.org/officeDocument/2006/math">
                       <m:oMathParaPr>
@@ -30958,7 +32084,7 @@
               </p:txBody>
             </p:sp>
           </mc:Choice>
-          <mc:Fallback>
+          <mc:Fallback xmlns="">
             <p:sp>
               <p:nvSpPr>
                 <p:cNvPr id="77" name="TextBox 76"/>
@@ -30997,8 +32123,8 @@
             </p:sp>
           </mc:Fallback>
         </mc:AlternateContent>
-        <mc:AlternateContent xmlns:mc="http://schemas.openxmlformats.org/markup-compatibility/2006">
-          <mc:Choice xmlns:a14="http://schemas.microsoft.com/office/drawing/2010/main" Requires="a14">
+        <mc:AlternateContent xmlns:mc="http://schemas.openxmlformats.org/markup-compatibility/2006" xmlns:a14="http://schemas.microsoft.com/office/drawing/2010/main">
+          <mc:Choice Requires="a14">
             <p:sp>
               <p:nvSpPr>
                 <p:cNvPr id="78" name="TextBox 77"/>
@@ -31021,6 +32147,7 @@
                 </a:bodyPr>
                 <a:lstStyle/>
                 <a:p>
+                  <a:pPr/>
                   <a14:m>
                     <m:oMathPara xmlns:m="http://schemas.openxmlformats.org/officeDocument/2006/math">
                       <m:oMathParaPr>
@@ -31079,7 +32206,7 @@
               </p:txBody>
             </p:sp>
           </mc:Choice>
-          <mc:Fallback>
+          <mc:Fallback xmlns="">
             <p:sp>
               <p:nvSpPr>
                 <p:cNvPr id="78" name="TextBox 77"/>
@@ -31118,8 +32245,8 @@
             </p:sp>
           </mc:Fallback>
         </mc:AlternateContent>
-        <mc:AlternateContent xmlns:mc="http://schemas.openxmlformats.org/markup-compatibility/2006">
-          <mc:Choice xmlns:a14="http://schemas.microsoft.com/office/drawing/2010/main" Requires="a14">
+        <mc:AlternateContent xmlns:mc="http://schemas.openxmlformats.org/markup-compatibility/2006" xmlns:a14="http://schemas.microsoft.com/office/drawing/2010/main">
+          <mc:Choice Requires="a14">
             <p:sp>
               <p:nvSpPr>
                 <p:cNvPr id="79" name="TextBox 78"/>
@@ -31142,6 +32269,7 @@
                 </a:bodyPr>
                 <a:lstStyle/>
                 <a:p>
+                  <a:pPr/>
                   <a14:m>
                     <m:oMathPara xmlns:m="http://schemas.openxmlformats.org/officeDocument/2006/math">
                       <m:oMathParaPr>
@@ -31200,7 +32328,7 @@
               </p:txBody>
             </p:sp>
           </mc:Choice>
-          <mc:Fallback>
+          <mc:Fallback xmlns="">
             <p:sp>
               <p:nvSpPr>
                 <p:cNvPr id="79" name="TextBox 78"/>
@@ -31644,8 +32772,8 @@
             </p:txBody>
           </p:sp>
         </p:grpSp>
-        <mc:AlternateContent xmlns:mc="http://schemas.openxmlformats.org/markup-compatibility/2006">
-          <mc:Choice xmlns:a14="http://schemas.microsoft.com/office/drawing/2010/main" Requires="a14">
+        <mc:AlternateContent xmlns:mc="http://schemas.openxmlformats.org/markup-compatibility/2006" xmlns:a14="http://schemas.microsoft.com/office/drawing/2010/main">
+          <mc:Choice Requires="a14">
             <p:sp>
               <p:nvSpPr>
                 <p:cNvPr id="70" name="TextBox 69"/>
@@ -31668,6 +32796,7 @@
                 </a:bodyPr>
                 <a:lstStyle/>
                 <a:p>
+                  <a:pPr/>
                   <a14:m>
                     <m:oMathPara xmlns:m="http://schemas.openxmlformats.org/officeDocument/2006/math">
                       <m:oMathParaPr>
@@ -31692,7 +32821,7 @@
               </p:txBody>
             </p:sp>
           </mc:Choice>
-          <mc:Fallback>
+          <mc:Fallback xmlns="">
             <p:sp>
               <p:nvSpPr>
                 <p:cNvPr id="70" name="TextBox 69"/>
@@ -31982,8 +33111,8 @@
                 </a:p>
               </p:txBody>
             </p:sp>
-            <mc:AlternateContent xmlns:mc="http://schemas.openxmlformats.org/markup-compatibility/2006">
-              <mc:Choice xmlns:a14="http://schemas.microsoft.com/office/drawing/2010/main" Requires="a14">
+            <mc:AlternateContent xmlns:mc="http://schemas.openxmlformats.org/markup-compatibility/2006" xmlns:a14="http://schemas.microsoft.com/office/drawing/2010/main">
+              <mc:Choice Requires="a14">
                 <p:sp>
                   <p:nvSpPr>
                     <p:cNvPr id="47" name="TextBox 46"/>
@@ -32006,6 +33135,7 @@
                     </a:bodyPr>
                     <a:lstStyle/>
                     <a:p>
+                      <a:pPr/>
                       <a14:m>
                         <m:oMathPara xmlns:m="http://schemas.openxmlformats.org/officeDocument/2006/math">
                           <m:oMathParaPr>
@@ -32064,7 +33194,7 @@
                   </p:txBody>
                 </p:sp>
               </mc:Choice>
-              <mc:Fallback>
+              <mc:Fallback xmlns="">
                 <p:sp>
                   <p:nvSpPr>
                     <p:cNvPr id="47" name="TextBox 46"/>
@@ -32103,8 +33233,8 @@
                 </p:sp>
               </mc:Fallback>
             </mc:AlternateContent>
-            <mc:AlternateContent xmlns:mc="http://schemas.openxmlformats.org/markup-compatibility/2006">
-              <mc:Choice xmlns:a14="http://schemas.microsoft.com/office/drawing/2010/main" Requires="a14">
+            <mc:AlternateContent xmlns:mc="http://schemas.openxmlformats.org/markup-compatibility/2006" xmlns:a14="http://schemas.microsoft.com/office/drawing/2010/main">
+              <mc:Choice Requires="a14">
                 <p:sp>
                   <p:nvSpPr>
                     <p:cNvPr id="48" name="TextBox 47"/>
@@ -32127,6 +33257,7 @@
                     </a:bodyPr>
                     <a:lstStyle/>
                     <a:p>
+                      <a:pPr/>
                       <a14:m>
                         <m:oMathPara xmlns:m="http://schemas.openxmlformats.org/officeDocument/2006/math">
                           <m:oMathParaPr>
@@ -32164,7 +33295,7 @@
                   </p:txBody>
                 </p:sp>
               </mc:Choice>
-              <mc:Fallback>
+              <mc:Fallback xmlns="">
                 <p:sp>
                   <p:nvSpPr>
                     <p:cNvPr id="48" name="TextBox 47"/>
@@ -32203,8 +33334,8 @@
                 </p:sp>
               </mc:Fallback>
             </mc:AlternateContent>
-            <mc:AlternateContent xmlns:mc="http://schemas.openxmlformats.org/markup-compatibility/2006">
-              <mc:Choice xmlns:a14="http://schemas.microsoft.com/office/drawing/2010/main" Requires="a14">
+            <mc:AlternateContent xmlns:mc="http://schemas.openxmlformats.org/markup-compatibility/2006" xmlns:a14="http://schemas.microsoft.com/office/drawing/2010/main">
+              <mc:Choice Requires="a14">
                 <p:sp>
                   <p:nvSpPr>
                     <p:cNvPr id="49" name="TextBox 48"/>
@@ -32227,6 +33358,7 @@
                     </a:bodyPr>
                     <a:lstStyle/>
                     <a:p>
+                      <a:pPr/>
                       <a14:m>
                         <m:oMathPara xmlns:m="http://schemas.openxmlformats.org/officeDocument/2006/math">
                           <m:oMathParaPr>
@@ -32285,7 +33417,7 @@
                   </p:txBody>
                 </p:sp>
               </mc:Choice>
-              <mc:Fallback>
+              <mc:Fallback xmlns="">
                 <p:sp>
                   <p:nvSpPr>
                     <p:cNvPr id="49" name="TextBox 48"/>
@@ -32372,8 +33504,8 @@
                 </a:p>
               </p:txBody>
             </p:sp>
-            <mc:AlternateContent xmlns:mc="http://schemas.openxmlformats.org/markup-compatibility/2006">
-              <mc:Choice xmlns:a14="http://schemas.microsoft.com/office/drawing/2010/main" Requires="a14">
+            <mc:AlternateContent xmlns:mc="http://schemas.openxmlformats.org/markup-compatibility/2006" xmlns:a14="http://schemas.microsoft.com/office/drawing/2010/main">
+              <mc:Choice Requires="a14">
                 <p:sp>
                   <p:nvSpPr>
                     <p:cNvPr id="51" name="TextBox 50"/>
@@ -32396,6 +33528,7 @@
                     </a:bodyPr>
                     <a:lstStyle/>
                     <a:p>
+                      <a:pPr/>
                       <a14:m>
                         <m:oMathPara xmlns:m="http://schemas.openxmlformats.org/officeDocument/2006/math">
                           <m:oMathParaPr>
@@ -32454,7 +33587,7 @@
                   </p:txBody>
                 </p:sp>
               </mc:Choice>
-              <mc:Fallback>
+              <mc:Fallback xmlns="">
                 <p:sp>
                   <p:nvSpPr>
                     <p:cNvPr id="51" name="TextBox 50"/>
@@ -32909,8 +34042,8 @@
               </a:fontRef>
             </p:style>
           </p:cxnSp>
-          <mc:AlternateContent xmlns:mc="http://schemas.openxmlformats.org/markup-compatibility/2006">
-            <mc:Choice xmlns:a14="http://schemas.microsoft.com/office/drawing/2010/main" Requires="a14">
+          <mc:AlternateContent xmlns:mc="http://schemas.openxmlformats.org/markup-compatibility/2006" xmlns:a14="http://schemas.microsoft.com/office/drawing/2010/main">
+            <mc:Choice Requires="a14">
               <p:sp>
                 <p:nvSpPr>
                   <p:cNvPr id="66" name="TextBox 65"/>
@@ -32933,6 +34066,7 @@
                   </a:bodyPr>
                   <a:lstStyle/>
                   <a:p>
+                    <a:pPr/>
                     <a14:m>
                       <m:oMathPara xmlns:m="http://schemas.openxmlformats.org/officeDocument/2006/math">
                         <m:oMathParaPr>
@@ -32978,7 +34112,7 @@
                 </p:txBody>
               </p:sp>
             </mc:Choice>
-            <mc:Fallback>
+            <mc:Fallback xmlns="">
               <p:sp>
                 <p:nvSpPr>
                   <p:cNvPr id="66" name="TextBox 65"/>
@@ -33065,8 +34199,8 @@
               </a:p>
             </p:txBody>
           </p:sp>
-          <mc:AlternateContent xmlns:mc="http://schemas.openxmlformats.org/markup-compatibility/2006">
-            <mc:Choice xmlns:a14="http://schemas.microsoft.com/office/drawing/2010/main" Requires="a14">
+          <mc:AlternateContent xmlns:mc="http://schemas.openxmlformats.org/markup-compatibility/2006" xmlns:a14="http://schemas.microsoft.com/office/drawing/2010/main">
+            <mc:Choice Requires="a14">
               <p:sp>
                 <p:nvSpPr>
                   <p:cNvPr id="68" name="TextBox 67"/>
@@ -33089,6 +34223,7 @@
                   </a:bodyPr>
                   <a:lstStyle/>
                   <a:p>
+                    <a:pPr/>
                     <a14:m>
                       <m:oMathPara xmlns:m="http://schemas.openxmlformats.org/officeDocument/2006/math">
                         <m:oMathParaPr>
@@ -33113,7 +34248,7 @@
                 </p:txBody>
               </p:sp>
             </mc:Choice>
-            <mc:Fallback>
+            <mc:Fallback xmlns="">
               <p:sp>
                 <p:nvSpPr>
                   <p:cNvPr id="68" name="TextBox 67"/>
@@ -33153,8 +34288,8 @@
             </mc:Fallback>
           </mc:AlternateContent>
         </p:grpSp>
-        <mc:AlternateContent xmlns:mc="http://schemas.openxmlformats.org/markup-compatibility/2006">
-          <mc:Choice xmlns:a14="http://schemas.microsoft.com/office/drawing/2010/main" Requires="a14">
+        <mc:AlternateContent xmlns:mc="http://schemas.openxmlformats.org/markup-compatibility/2006" xmlns:a14="http://schemas.microsoft.com/office/drawing/2010/main">
+          <mc:Choice Requires="a14">
             <p:sp>
               <p:nvSpPr>
                 <p:cNvPr id="71" name="TextBox 70"/>
@@ -33177,6 +34312,7 @@
                 </a:bodyPr>
                 <a:lstStyle/>
                 <a:p>
+                  <a:pPr/>
                   <a14:m>
                     <m:oMathPara xmlns:m="http://schemas.openxmlformats.org/officeDocument/2006/math">
                       <m:oMathParaPr>
@@ -33201,7 +34337,7 @@
               </p:txBody>
             </p:sp>
           </mc:Choice>
-          <mc:Fallback>
+          <mc:Fallback xmlns="">
             <p:sp>
               <p:nvSpPr>
                 <p:cNvPr id="71" name="TextBox 70"/>
@@ -33535,8 +34671,8 @@
                   </a:p>
                 </p:txBody>
               </p:sp>
-              <mc:AlternateContent xmlns:mc="http://schemas.openxmlformats.org/markup-compatibility/2006">
-                <mc:Choice xmlns:a14="http://schemas.microsoft.com/office/drawing/2010/main" Requires="a14">
+              <mc:AlternateContent xmlns:mc="http://schemas.openxmlformats.org/markup-compatibility/2006" xmlns:a14="http://schemas.microsoft.com/office/drawing/2010/main">
+                <mc:Choice Requires="a14">
                   <p:sp>
                     <p:nvSpPr>
                       <p:cNvPr id="17" name="TextBox 16"/>
@@ -33559,6 +34695,7 @@
                       </a:bodyPr>
                       <a:lstStyle/>
                       <a:p>
+                        <a:pPr/>
                         <a14:m>
                           <m:oMathPara xmlns:m="http://schemas.openxmlformats.org/officeDocument/2006/math">
                             <m:oMathParaPr>
@@ -33617,7 +34754,7 @@
                     </p:txBody>
                   </p:sp>
                 </mc:Choice>
-                <mc:Fallback>
+                <mc:Fallback xmlns="">
                   <p:sp>
                     <p:nvSpPr>
                       <p:cNvPr id="17" name="TextBox 16"/>
@@ -33656,8 +34793,8 @@
                   </p:sp>
                 </mc:Fallback>
               </mc:AlternateContent>
-              <mc:AlternateContent xmlns:mc="http://schemas.openxmlformats.org/markup-compatibility/2006">
-                <mc:Choice xmlns:a14="http://schemas.microsoft.com/office/drawing/2010/main" Requires="a14">
+              <mc:AlternateContent xmlns:mc="http://schemas.openxmlformats.org/markup-compatibility/2006" xmlns:a14="http://schemas.microsoft.com/office/drawing/2010/main">
+                <mc:Choice Requires="a14">
                   <p:sp>
                     <p:nvSpPr>
                       <p:cNvPr id="18" name="TextBox 17"/>
@@ -33680,6 +34817,7 @@
                       </a:bodyPr>
                       <a:lstStyle/>
                       <a:p>
+                        <a:pPr/>
                         <a14:m>
                           <m:oMathPara xmlns:m="http://schemas.openxmlformats.org/officeDocument/2006/math">
                             <m:oMathParaPr>
@@ -33717,7 +34855,7 @@
                     </p:txBody>
                   </p:sp>
                 </mc:Choice>
-                <mc:Fallback>
+                <mc:Fallback xmlns="">
                   <p:sp>
                     <p:nvSpPr>
                       <p:cNvPr id="18" name="TextBox 17"/>
@@ -33756,8 +34894,8 @@
                   </p:sp>
                 </mc:Fallback>
               </mc:AlternateContent>
-              <mc:AlternateContent xmlns:mc="http://schemas.openxmlformats.org/markup-compatibility/2006">
-                <mc:Choice xmlns:a14="http://schemas.microsoft.com/office/drawing/2010/main" Requires="a14">
+              <mc:AlternateContent xmlns:mc="http://schemas.openxmlformats.org/markup-compatibility/2006" xmlns:a14="http://schemas.microsoft.com/office/drawing/2010/main">
+                <mc:Choice Requires="a14">
                   <p:sp>
                     <p:nvSpPr>
                       <p:cNvPr id="19" name="TextBox 18"/>
@@ -33780,6 +34918,7 @@
                       </a:bodyPr>
                       <a:lstStyle/>
                       <a:p>
+                        <a:pPr/>
                         <a14:m>
                           <m:oMathPara xmlns:m="http://schemas.openxmlformats.org/officeDocument/2006/math">
                             <m:oMathParaPr>
@@ -33838,7 +34977,7 @@
                     </p:txBody>
                   </p:sp>
                 </mc:Choice>
-                <mc:Fallback>
+                <mc:Fallback xmlns="">
                   <p:sp>
                     <p:nvSpPr>
                       <p:cNvPr id="19" name="TextBox 18"/>
@@ -34293,8 +35432,8 @@
                 </a:fontRef>
               </p:style>
             </p:cxnSp>
-            <mc:AlternateContent xmlns:mc="http://schemas.openxmlformats.org/markup-compatibility/2006">
-              <mc:Choice xmlns:a14="http://schemas.microsoft.com/office/drawing/2010/main" Requires="a14">
+            <mc:AlternateContent xmlns:mc="http://schemas.openxmlformats.org/markup-compatibility/2006" xmlns:a14="http://schemas.microsoft.com/office/drawing/2010/main">
+              <mc:Choice Requires="a14">
                 <p:sp>
                   <p:nvSpPr>
                     <p:cNvPr id="9" name="TextBox 8"/>
@@ -34317,6 +35456,7 @@
                     </a:bodyPr>
                     <a:lstStyle/>
                     <a:p>
+                      <a:pPr/>
                       <a14:m>
                         <m:oMathPara xmlns:m="http://schemas.openxmlformats.org/officeDocument/2006/math">
                           <m:oMathParaPr>
@@ -34362,7 +35502,7 @@
                   </p:txBody>
                 </p:sp>
               </mc:Choice>
-              <mc:Fallback>
+              <mc:Fallback xmlns="">
                 <p:sp>
                   <p:nvSpPr>
                     <p:cNvPr id="9" name="TextBox 8"/>
@@ -34449,8 +35589,8 @@
                 </a:p>
               </p:txBody>
             </p:sp>
-            <mc:AlternateContent xmlns:mc="http://schemas.openxmlformats.org/markup-compatibility/2006">
-              <mc:Choice xmlns:a14="http://schemas.microsoft.com/office/drawing/2010/main" Requires="a14">
+            <mc:AlternateContent xmlns:mc="http://schemas.openxmlformats.org/markup-compatibility/2006" xmlns:a14="http://schemas.microsoft.com/office/drawing/2010/main">
+              <mc:Choice Requires="a14">
                 <p:sp>
                   <p:nvSpPr>
                     <p:cNvPr id="11" name="TextBox 10"/>
@@ -34473,6 +35613,7 @@
                     </a:bodyPr>
                     <a:lstStyle/>
                     <a:p>
+                      <a:pPr/>
                       <a14:m>
                         <m:oMathPara xmlns:m="http://schemas.openxmlformats.org/officeDocument/2006/math">
                           <m:oMathParaPr>
@@ -34497,7 +35638,7 @@
                   </p:txBody>
                 </p:sp>
               </mc:Choice>
-              <mc:Fallback>
+              <mc:Fallback xmlns="">
                 <p:sp>
                   <p:nvSpPr>
                     <p:cNvPr id="11" name="TextBox 10"/>
@@ -34537,8 +35678,8 @@
               </mc:Fallback>
             </mc:AlternateContent>
           </p:grpSp>
-          <mc:AlternateContent xmlns:mc="http://schemas.openxmlformats.org/markup-compatibility/2006">
-            <mc:Choice xmlns:a14="http://schemas.microsoft.com/office/drawing/2010/main" Requires="a14">
+          <mc:AlternateContent xmlns:mc="http://schemas.openxmlformats.org/markup-compatibility/2006" xmlns:a14="http://schemas.microsoft.com/office/drawing/2010/main">
+            <mc:Choice Requires="a14">
               <p:sp>
                 <p:nvSpPr>
                   <p:cNvPr id="6" name="TextBox 5"/>
@@ -34561,6 +35702,7 @@
                   </a:bodyPr>
                   <a:lstStyle/>
                   <a:p>
+                    <a:pPr/>
                     <a14:m>
                       <m:oMathPara xmlns:m="http://schemas.openxmlformats.org/officeDocument/2006/math">
                         <m:oMathParaPr>
@@ -34585,7 +35727,7 @@
                 </p:txBody>
               </p:sp>
             </mc:Choice>
-            <mc:Fallback>
+            <mc:Fallback xmlns="">
               <p:sp>
                 <p:nvSpPr>
                   <p:cNvPr id="6" name="TextBox 5"/>
@@ -34661,8 +35803,8 @@
             </a:fontRef>
           </p:style>
         </p:cxnSp>
-        <mc:AlternateContent xmlns:mc="http://schemas.openxmlformats.org/markup-compatibility/2006">
-          <mc:Choice xmlns:a14="http://schemas.microsoft.com/office/drawing/2010/main" Requires="a14">
+        <mc:AlternateContent xmlns:mc="http://schemas.openxmlformats.org/markup-compatibility/2006" xmlns:a14="http://schemas.microsoft.com/office/drawing/2010/main">
+          <mc:Choice Requires="a14">
             <p:sp>
               <p:nvSpPr>
                 <p:cNvPr id="33" name="TextBox 32"/>
@@ -34685,6 +35827,7 @@
                 </a:bodyPr>
                 <a:lstStyle/>
                 <a:p>
+                  <a:pPr/>
                   <a14:m>
                     <m:oMathPara xmlns:m="http://schemas.openxmlformats.org/officeDocument/2006/math">
                       <m:oMathParaPr>
@@ -34757,7 +35900,7 @@
               </p:txBody>
             </p:sp>
           </mc:Choice>
-          <mc:Fallback>
+          <mc:Fallback xmlns="">
             <p:sp>
               <p:nvSpPr>
                 <p:cNvPr id="33" name="TextBox 32"/>

--- a/tex/figures/RotationalDynamics/Figures.pptx
+++ b/tex/figures/RotationalDynamics/Figures.pptx
@@ -6621,8 +6621,8 @@
                   </a:fontRef>
                 </p:style>
               </p:cxnSp>
-              <mc:AlternateContent xmlns:mc="http://schemas.openxmlformats.org/markup-compatibility/2006">
-                <mc:Choice xmlns:a14="http://schemas.microsoft.com/office/drawing/2010/main" Requires="a14">
+              <mc:AlternateContent xmlns:mc="http://schemas.openxmlformats.org/markup-compatibility/2006" xmlns:a14="http://schemas.microsoft.com/office/drawing/2010/main">
+                <mc:Choice Requires="a14">
                   <p:sp>
                     <p:nvSpPr>
                       <p:cNvPr id="11" name="TextBox 10"/>
@@ -6670,7 +6670,7 @@
                     </p:txBody>
                   </p:sp>
                 </mc:Choice>
-                <mc:Fallback>
+                <mc:Fallback xmlns="">
                   <p:sp>
                     <p:nvSpPr>
                       <p:cNvPr id="11" name="TextBox 10"/>
@@ -8019,8 +8019,8 @@
                 </p:sp>
               </mc:Fallback>
             </mc:AlternateContent>
-            <mc:AlternateContent xmlns:mc="http://schemas.openxmlformats.org/markup-compatibility/2006">
-              <mc:Choice xmlns:a14="http://schemas.microsoft.com/office/drawing/2010/main" Requires="a14">
+            <mc:AlternateContent xmlns:mc="http://schemas.openxmlformats.org/markup-compatibility/2006" xmlns:a14="http://schemas.microsoft.com/office/drawing/2010/main">
+              <mc:Choice Requires="a14">
                 <p:sp>
                   <p:nvSpPr>
                     <p:cNvPr id="7" name="TextBox 6"/>
@@ -8078,7 +8078,7 @@
                   </p:txBody>
                 </p:sp>
               </mc:Choice>
-              <mc:Fallback>
+              <mc:Fallback xmlns="">
                 <p:sp>
                   <p:nvSpPr>
                     <p:cNvPr id="7" name="TextBox 6"/>
@@ -8190,8 +8190,8 @@
               </a:fontRef>
             </p:style>
           </p:cxnSp>
-          <mc:AlternateContent xmlns:mc="http://schemas.openxmlformats.org/markup-compatibility/2006">
-            <mc:Choice xmlns:a14="http://schemas.microsoft.com/office/drawing/2010/main" Requires="a14">
+          <mc:AlternateContent xmlns:mc="http://schemas.openxmlformats.org/markup-compatibility/2006" xmlns:a14="http://schemas.microsoft.com/office/drawing/2010/main">
+            <mc:Choice Requires="a14">
               <p:sp>
                 <p:nvSpPr>
                   <p:cNvPr id="46" name="TextBox 45"/>
@@ -8239,7 +8239,7 @@
                 </p:txBody>
               </p:sp>
             </mc:Choice>
-            <mc:Fallback>
+            <mc:Fallback xmlns="">
               <p:sp>
                 <p:nvSpPr>
                   <p:cNvPr id="46" name="TextBox 45"/>
@@ -8327,8 +8327,8 @@
             </p:txBody>
           </p:sp>
         </p:grpSp>
-        <mc:AlternateContent xmlns:mc="http://schemas.openxmlformats.org/markup-compatibility/2006">
-          <mc:Choice xmlns:a14="http://schemas.microsoft.com/office/drawing/2010/main" Requires="a14">
+        <mc:AlternateContent xmlns:mc="http://schemas.openxmlformats.org/markup-compatibility/2006" xmlns:a14="http://schemas.microsoft.com/office/drawing/2010/main">
+          <mc:Choice Requires="a14">
             <p:sp>
               <p:nvSpPr>
                 <p:cNvPr id="2" name="TextBox 1"/>
@@ -8351,6 +8351,7 @@
                 </a:bodyPr>
                 <a:lstStyle/>
                 <a:p>
+                  <a:pPr/>
                   <a14:m>
                     <m:oMathPara xmlns:m="http://schemas.openxmlformats.org/officeDocument/2006/math">
                       <m:oMathParaPr>
@@ -8396,7 +8397,7 @@
               </p:txBody>
             </p:sp>
           </mc:Choice>
-          <mc:Fallback>
+          <mc:Fallback xmlns="">
             <p:sp>
               <p:nvSpPr>
                 <p:cNvPr id="2" name="TextBox 1"/>
@@ -14341,303 +14342,701 @@
       </p:grpSp>
       <p:grpSp>
         <p:nvGrpSpPr>
-          <p:cNvPr id="86" name="Group 85"/>
+          <p:cNvPr id="42" name="Group 41"/>
           <p:cNvGrpSpPr/>
           <p:nvPr/>
         </p:nvGrpSpPr>
         <p:grpSpPr>
           <a:xfrm>
-            <a:off x="5922853" y="3231700"/>
+            <a:off x="6070790" y="3144546"/>
             <a:ext cx="5644913" cy="3043063"/>
-            <a:chOff x="5334619" y="2718075"/>
+            <a:chOff x="5922853" y="3231700"/>
             <a:chExt cx="5644913" cy="3043063"/>
           </a:xfrm>
         </p:grpSpPr>
         <p:grpSp>
           <p:nvGrpSpPr>
-            <p:cNvPr id="28" name="Group 27"/>
+            <p:cNvPr id="86" name="Group 85"/>
             <p:cNvGrpSpPr/>
             <p:nvPr/>
           </p:nvGrpSpPr>
           <p:grpSpPr>
             <a:xfrm>
-              <a:off x="5334619" y="2718075"/>
+              <a:off x="5922853" y="3231700"/>
               <a:ext cx="5644913" cy="3043063"/>
-              <a:chOff x="5182219" y="2813073"/>
+              <a:chOff x="5334619" y="2718075"/>
               <a:chExt cx="5644913" cy="3043063"/>
             </a:xfrm>
           </p:grpSpPr>
           <p:grpSp>
             <p:nvGrpSpPr>
-              <p:cNvPr id="27" name="Group 26"/>
+              <p:cNvPr id="28" name="Group 27"/>
               <p:cNvGrpSpPr/>
               <p:nvPr/>
             </p:nvGrpSpPr>
             <p:grpSpPr>
-              <a:xfrm rot="20175156">
-                <a:off x="5182219" y="2813073"/>
+              <a:xfrm>
+                <a:off x="5334619" y="2718075"/>
                 <a:ext cx="5644913" cy="3043063"/>
-                <a:chOff x="1549880" y="3466484"/>
+                <a:chOff x="5182219" y="2813073"/>
                 <a:chExt cx="5644913" cy="3043063"/>
               </a:xfrm>
             </p:grpSpPr>
+            <p:grpSp>
+              <p:nvGrpSpPr>
+                <p:cNvPr id="27" name="Group 26"/>
+                <p:cNvGrpSpPr/>
+                <p:nvPr/>
+              </p:nvGrpSpPr>
+              <p:grpSpPr>
+                <a:xfrm rot="20175156">
+                  <a:off x="5182219" y="2813073"/>
+                  <a:ext cx="5644913" cy="3043063"/>
+                  <a:chOff x="1549880" y="3466484"/>
+                  <a:chExt cx="5644913" cy="3043063"/>
+                </a:xfrm>
+              </p:grpSpPr>
+              <p:sp>
+                <p:nvSpPr>
+                  <p:cNvPr id="58" name="Rectangle 56"/>
+                  <p:cNvSpPr/>
+                  <p:nvPr/>
+                </p:nvSpPr>
+                <p:spPr>
+                  <a:xfrm rot="361824">
+                    <a:off x="1549880" y="4622218"/>
+                    <a:ext cx="5644913" cy="1303814"/>
+                  </a:xfrm>
+                  <a:custGeom>
+                    <a:avLst/>
+                    <a:gdLst>
+                      <a:gd name="connsiteX0" fmla="*/ 0 w 2361341"/>
+                      <a:gd name="connsiteY0" fmla="*/ 0 h 988828"/>
+                      <a:gd name="connsiteX1" fmla="*/ 2361341 w 2361341"/>
+                      <a:gd name="connsiteY1" fmla="*/ 0 h 988828"/>
+                      <a:gd name="connsiteX2" fmla="*/ 2361341 w 2361341"/>
+                      <a:gd name="connsiteY2" fmla="*/ 988828 h 988828"/>
+                      <a:gd name="connsiteX3" fmla="*/ 0 w 2361341"/>
+                      <a:gd name="connsiteY3" fmla="*/ 988828 h 988828"/>
+                      <a:gd name="connsiteX4" fmla="*/ 0 w 2361341"/>
+                      <a:gd name="connsiteY4" fmla="*/ 0 h 988828"/>
+                      <a:gd name="connsiteX0" fmla="*/ 967563 w 2361341"/>
+                      <a:gd name="connsiteY0" fmla="*/ 159488 h 988828"/>
+                      <a:gd name="connsiteX1" fmla="*/ 2361341 w 2361341"/>
+                      <a:gd name="connsiteY1" fmla="*/ 0 h 988828"/>
+                      <a:gd name="connsiteX2" fmla="*/ 2361341 w 2361341"/>
+                      <a:gd name="connsiteY2" fmla="*/ 988828 h 988828"/>
+                      <a:gd name="connsiteX3" fmla="*/ 0 w 2361341"/>
+                      <a:gd name="connsiteY3" fmla="*/ 988828 h 988828"/>
+                      <a:gd name="connsiteX4" fmla="*/ 967563 w 2361341"/>
+                      <a:gd name="connsiteY4" fmla="*/ 159488 h 988828"/>
+                      <a:gd name="connsiteX0" fmla="*/ 935665 w 2329443"/>
+                      <a:gd name="connsiteY0" fmla="*/ 159488 h 1063256"/>
+                      <a:gd name="connsiteX1" fmla="*/ 2329443 w 2329443"/>
+                      <a:gd name="connsiteY1" fmla="*/ 0 h 1063256"/>
+                      <a:gd name="connsiteX2" fmla="*/ 2329443 w 2329443"/>
+                      <a:gd name="connsiteY2" fmla="*/ 988828 h 1063256"/>
+                      <a:gd name="connsiteX3" fmla="*/ 0 w 2329443"/>
+                      <a:gd name="connsiteY3" fmla="*/ 1063256 h 1063256"/>
+                      <a:gd name="connsiteX4" fmla="*/ 935665 w 2329443"/>
+                      <a:gd name="connsiteY4" fmla="*/ 159488 h 1063256"/>
+                      <a:gd name="connsiteX0" fmla="*/ 935665 w 2786643"/>
+                      <a:gd name="connsiteY0" fmla="*/ 10632 h 914400"/>
+                      <a:gd name="connsiteX1" fmla="*/ 2786643 w 2786643"/>
+                      <a:gd name="connsiteY1" fmla="*/ 0 h 914400"/>
+                      <a:gd name="connsiteX2" fmla="*/ 2329443 w 2786643"/>
+                      <a:gd name="connsiteY2" fmla="*/ 839972 h 914400"/>
+                      <a:gd name="connsiteX3" fmla="*/ 0 w 2786643"/>
+                      <a:gd name="connsiteY3" fmla="*/ 914400 h 914400"/>
+                      <a:gd name="connsiteX4" fmla="*/ 935665 w 2786643"/>
+                      <a:gd name="connsiteY4" fmla="*/ 10632 h 914400"/>
+                      <a:gd name="connsiteX0" fmla="*/ 935665 w 2786643"/>
+                      <a:gd name="connsiteY0" fmla="*/ 10632 h 914400"/>
+                      <a:gd name="connsiteX1" fmla="*/ 2786643 w 2786643"/>
+                      <a:gd name="connsiteY1" fmla="*/ 0 h 914400"/>
+                      <a:gd name="connsiteX2" fmla="*/ 1882876 w 2786643"/>
+                      <a:gd name="connsiteY2" fmla="*/ 861237 h 914400"/>
+                      <a:gd name="connsiteX3" fmla="*/ 0 w 2786643"/>
+                      <a:gd name="connsiteY3" fmla="*/ 914400 h 914400"/>
+                      <a:gd name="connsiteX4" fmla="*/ 935665 w 2786643"/>
+                      <a:gd name="connsiteY4" fmla="*/ 10632 h 914400"/>
+                      <a:gd name="connsiteX0" fmla="*/ 935665 w 3664172"/>
+                      <a:gd name="connsiteY0" fmla="*/ 869755 h 1773523"/>
+                      <a:gd name="connsiteX1" fmla="*/ 3664172 w 3664172"/>
+                      <a:gd name="connsiteY1" fmla="*/ 0 h 1773523"/>
+                      <a:gd name="connsiteX2" fmla="*/ 1882876 w 3664172"/>
+                      <a:gd name="connsiteY2" fmla="*/ 1720360 h 1773523"/>
+                      <a:gd name="connsiteX3" fmla="*/ 0 w 3664172"/>
+                      <a:gd name="connsiteY3" fmla="*/ 1773523 h 1773523"/>
+                      <a:gd name="connsiteX4" fmla="*/ 935665 w 3664172"/>
+                      <a:gd name="connsiteY4" fmla="*/ 869755 h 1773523"/>
+                      <a:gd name="connsiteX0" fmla="*/ 943039 w 3664172"/>
+                      <a:gd name="connsiteY0" fmla="*/ 17791 h 1773523"/>
+                      <a:gd name="connsiteX1" fmla="*/ 3664172 w 3664172"/>
+                      <a:gd name="connsiteY1" fmla="*/ 0 h 1773523"/>
+                      <a:gd name="connsiteX2" fmla="*/ 1882876 w 3664172"/>
+                      <a:gd name="connsiteY2" fmla="*/ 1720360 h 1773523"/>
+                      <a:gd name="connsiteX3" fmla="*/ 0 w 3664172"/>
+                      <a:gd name="connsiteY3" fmla="*/ 1773523 h 1773523"/>
+                      <a:gd name="connsiteX4" fmla="*/ 943039 w 3664172"/>
+                      <a:gd name="connsiteY4" fmla="*/ 17791 h 1773523"/>
+                      <a:gd name="connsiteX0" fmla="*/ 943039 w 3664172"/>
+                      <a:gd name="connsiteY0" fmla="*/ 17791 h 1784795"/>
+                      <a:gd name="connsiteX1" fmla="*/ 3664172 w 3664172"/>
+                      <a:gd name="connsiteY1" fmla="*/ 0 h 1784795"/>
+                      <a:gd name="connsiteX2" fmla="*/ 2775153 w 3664172"/>
+                      <a:gd name="connsiteY2" fmla="*/ 1784795 h 1784795"/>
+                      <a:gd name="connsiteX3" fmla="*/ 0 w 3664172"/>
+                      <a:gd name="connsiteY3" fmla="*/ 1773523 h 1784795"/>
+                      <a:gd name="connsiteX4" fmla="*/ 943039 w 3664172"/>
+                      <a:gd name="connsiteY4" fmla="*/ 17791 h 1784795"/>
+                      <a:gd name="connsiteX0" fmla="*/ 1110253 w 3664172"/>
+                      <a:gd name="connsiteY0" fmla="*/ 17791 h 1784795"/>
+                      <a:gd name="connsiteX1" fmla="*/ 3664172 w 3664172"/>
+                      <a:gd name="connsiteY1" fmla="*/ 0 h 1784795"/>
+                      <a:gd name="connsiteX2" fmla="*/ 2775153 w 3664172"/>
+                      <a:gd name="connsiteY2" fmla="*/ 1784795 h 1784795"/>
+                      <a:gd name="connsiteX3" fmla="*/ 0 w 3664172"/>
+                      <a:gd name="connsiteY3" fmla="*/ 1773523 h 1784795"/>
+                      <a:gd name="connsiteX4" fmla="*/ 1110253 w 3664172"/>
+                      <a:gd name="connsiteY4" fmla="*/ 17791 h 1784795"/>
+                      <a:gd name="connsiteX0" fmla="*/ 1361075 w 3664172"/>
+                      <a:gd name="connsiteY0" fmla="*/ 17791 h 1784795"/>
+                      <a:gd name="connsiteX1" fmla="*/ 3664172 w 3664172"/>
+                      <a:gd name="connsiteY1" fmla="*/ 0 h 1784795"/>
+                      <a:gd name="connsiteX2" fmla="*/ 2775153 w 3664172"/>
+                      <a:gd name="connsiteY2" fmla="*/ 1784795 h 1784795"/>
+                      <a:gd name="connsiteX3" fmla="*/ 0 w 3664172"/>
+                      <a:gd name="connsiteY3" fmla="*/ 1773523 h 1784795"/>
+                      <a:gd name="connsiteX4" fmla="*/ 1361075 w 3664172"/>
+                      <a:gd name="connsiteY4" fmla="*/ 17791 h 1784795"/>
+                      <a:gd name="connsiteX0" fmla="*/ 1411966 w 3664172"/>
+                      <a:gd name="connsiteY0" fmla="*/ 28485 h 1784795"/>
+                      <a:gd name="connsiteX1" fmla="*/ 3664172 w 3664172"/>
+                      <a:gd name="connsiteY1" fmla="*/ 0 h 1784795"/>
+                      <a:gd name="connsiteX2" fmla="*/ 2775153 w 3664172"/>
+                      <a:gd name="connsiteY2" fmla="*/ 1784795 h 1784795"/>
+                      <a:gd name="connsiteX3" fmla="*/ 0 w 3664172"/>
+                      <a:gd name="connsiteY3" fmla="*/ 1773523 h 1784795"/>
+                      <a:gd name="connsiteX4" fmla="*/ 1411966 w 3664172"/>
+                      <a:gd name="connsiteY4" fmla="*/ 28485 h 1784795"/>
+                      <a:gd name="connsiteX0" fmla="*/ 1397426 w 3664172"/>
+                      <a:gd name="connsiteY0" fmla="*/ 23139 h 1784795"/>
+                      <a:gd name="connsiteX1" fmla="*/ 3664172 w 3664172"/>
+                      <a:gd name="connsiteY1" fmla="*/ 0 h 1784795"/>
+                      <a:gd name="connsiteX2" fmla="*/ 2775153 w 3664172"/>
+                      <a:gd name="connsiteY2" fmla="*/ 1784795 h 1784795"/>
+                      <a:gd name="connsiteX3" fmla="*/ 0 w 3664172"/>
+                      <a:gd name="connsiteY3" fmla="*/ 1773523 h 1784795"/>
+                      <a:gd name="connsiteX4" fmla="*/ 1397426 w 3664172"/>
+                      <a:gd name="connsiteY4" fmla="*/ 23139 h 1784795"/>
+                      <a:gd name="connsiteX0" fmla="*/ 1397426 w 4154910"/>
+                      <a:gd name="connsiteY0" fmla="*/ 49874 h 1811530"/>
+                      <a:gd name="connsiteX1" fmla="*/ 4154910 w 4154910"/>
+                      <a:gd name="connsiteY1" fmla="*/ 0 h 1811530"/>
+                      <a:gd name="connsiteX2" fmla="*/ 2775153 w 4154910"/>
+                      <a:gd name="connsiteY2" fmla="*/ 1811530 h 1811530"/>
+                      <a:gd name="connsiteX3" fmla="*/ 0 w 4154910"/>
+                      <a:gd name="connsiteY3" fmla="*/ 1800258 h 1811530"/>
+                      <a:gd name="connsiteX4" fmla="*/ 1397426 w 4154910"/>
+                      <a:gd name="connsiteY4" fmla="*/ 49874 h 1811530"/>
+                      <a:gd name="connsiteX0" fmla="*/ 2077188 w 4154910"/>
+                      <a:gd name="connsiteY0" fmla="*/ 49874 h 1811530"/>
+                      <a:gd name="connsiteX1" fmla="*/ 4154910 w 4154910"/>
+                      <a:gd name="connsiteY1" fmla="*/ 0 h 1811530"/>
+                      <a:gd name="connsiteX2" fmla="*/ 2775153 w 4154910"/>
+                      <a:gd name="connsiteY2" fmla="*/ 1811530 h 1811530"/>
+                      <a:gd name="connsiteX3" fmla="*/ 0 w 4154910"/>
+                      <a:gd name="connsiteY3" fmla="*/ 1800258 h 1811530"/>
+                      <a:gd name="connsiteX4" fmla="*/ 2077188 w 4154910"/>
+                      <a:gd name="connsiteY4" fmla="*/ 49874 h 1811530"/>
+                      <a:gd name="connsiteX0" fmla="*/ 2077188 w 4871023"/>
+                      <a:gd name="connsiteY0" fmla="*/ 60568 h 1822224"/>
+                      <a:gd name="connsiteX1" fmla="*/ 4871023 w 4871023"/>
+                      <a:gd name="connsiteY1" fmla="*/ 0 h 1822224"/>
+                      <a:gd name="connsiteX2" fmla="*/ 2775153 w 4871023"/>
+                      <a:gd name="connsiteY2" fmla="*/ 1822224 h 1822224"/>
+                      <a:gd name="connsiteX3" fmla="*/ 0 w 4871023"/>
+                      <a:gd name="connsiteY3" fmla="*/ 1810952 h 1822224"/>
+                      <a:gd name="connsiteX4" fmla="*/ 2077188 w 4871023"/>
+                      <a:gd name="connsiteY4" fmla="*/ 60568 h 1822224"/>
+                    </a:gdLst>
+                    <a:ahLst/>
+                    <a:cxnLst>
+                      <a:cxn ang="0">
+                        <a:pos x="connsiteX0" y="connsiteY0"/>
+                      </a:cxn>
+                      <a:cxn ang="0">
+                        <a:pos x="connsiteX1" y="connsiteY1"/>
+                      </a:cxn>
+                      <a:cxn ang="0">
+                        <a:pos x="connsiteX2" y="connsiteY2"/>
+                      </a:cxn>
+                      <a:cxn ang="0">
+                        <a:pos x="connsiteX3" y="connsiteY3"/>
+                      </a:cxn>
+                      <a:cxn ang="0">
+                        <a:pos x="connsiteX4" y="connsiteY4"/>
+                      </a:cxn>
+                    </a:cxnLst>
+                    <a:rect l="l" t="t" r="r" b="b"/>
+                    <a:pathLst>
+                      <a:path w="4871023" h="1822224">
+                        <a:moveTo>
+                          <a:pt x="2077188" y="60568"/>
+                        </a:moveTo>
+                        <a:lnTo>
+                          <a:pt x="4871023" y="0"/>
+                        </a:lnTo>
+                        <a:lnTo>
+                          <a:pt x="2775153" y="1822224"/>
+                        </a:lnTo>
+                        <a:lnTo>
+                          <a:pt x="0" y="1810952"/>
+                        </a:lnTo>
+                        <a:lnTo>
+                          <a:pt x="2077188" y="60568"/>
+                        </a:lnTo>
+                        <a:close/>
+                      </a:path>
+                    </a:pathLst>
+                  </a:custGeom>
+                  <a:solidFill>
+                    <a:schemeClr val="bg2"/>
+                  </a:solidFill>
+                  <a:ln w="19050">
+                    <a:solidFill>
+                      <a:schemeClr val="tx1"/>
+                    </a:solidFill>
+                  </a:ln>
+                </p:spPr>
+                <p:style>
+                  <a:lnRef idx="2">
+                    <a:schemeClr val="accent1">
+                      <a:shade val="50000"/>
+                    </a:schemeClr>
+                  </a:lnRef>
+                  <a:fillRef idx="1">
+                    <a:schemeClr val="accent1"/>
+                  </a:fillRef>
+                  <a:effectRef idx="0">
+                    <a:schemeClr val="accent1"/>
+                  </a:effectRef>
+                  <a:fontRef idx="minor">
+                    <a:schemeClr val="lt1"/>
+                  </a:fontRef>
+                </p:style>
+                <p:txBody>
+                  <a:bodyPr rtlCol="0" anchor="ctr"/>
+                  <a:lstStyle/>
+                  <a:p>
+                    <a:pPr algn="ctr"/>
+                    <a:endParaRPr lang="en-US" dirty="0"/>
+                  </a:p>
+                </p:txBody>
+              </p:sp>
+              <p:cxnSp>
+                <p:nvCxnSpPr>
+                  <p:cNvPr id="59" name="Straight Connector 58"/>
+                  <p:cNvCxnSpPr/>
+                  <p:nvPr/>
+                </p:nvCxnSpPr>
+                <p:spPr>
+                  <a:xfrm flipH="1" flipV="1">
+                    <a:off x="4368740" y="4016098"/>
+                    <a:ext cx="10633" cy="1232244"/>
+                  </a:xfrm>
+                  <a:prstGeom prst="line">
+                    <a:avLst/>
+                  </a:prstGeom>
+                  <a:ln w="38100">
+                    <a:solidFill>
+                      <a:schemeClr val="tx1"/>
+                    </a:solidFill>
+                  </a:ln>
+                </p:spPr>
+                <p:style>
+                  <a:lnRef idx="1">
+                    <a:schemeClr val="accent1"/>
+                  </a:lnRef>
+                  <a:fillRef idx="0">
+                    <a:schemeClr val="accent1"/>
+                  </a:fillRef>
+                  <a:effectRef idx="0">
+                    <a:schemeClr val="accent1"/>
+                  </a:effectRef>
+                  <a:fontRef idx="minor">
+                    <a:schemeClr val="tx1"/>
+                  </a:fontRef>
+                </p:style>
+              </p:cxnSp>
+              <p:cxnSp>
+                <p:nvCxnSpPr>
+                  <p:cNvPr id="60" name="Straight Connector 59"/>
+                  <p:cNvCxnSpPr/>
+                  <p:nvPr/>
+                </p:nvCxnSpPr>
+                <p:spPr>
+                  <a:xfrm rot="1424844" flipH="1" flipV="1">
+                    <a:off x="4260460" y="5946063"/>
+                    <a:ext cx="242579" cy="563484"/>
+                  </a:xfrm>
+                  <a:prstGeom prst="line">
+                    <a:avLst/>
+                  </a:prstGeom>
+                  <a:ln w="38100">
+                    <a:solidFill>
+                      <a:schemeClr val="tx1"/>
+                    </a:solidFill>
+                  </a:ln>
+                </p:spPr>
+                <p:style>
+                  <a:lnRef idx="1">
+                    <a:schemeClr val="accent1"/>
+                  </a:lnRef>
+                  <a:fillRef idx="0">
+                    <a:schemeClr val="accent1"/>
+                  </a:fillRef>
+                  <a:effectRef idx="0">
+                    <a:schemeClr val="accent1"/>
+                  </a:effectRef>
+                  <a:fontRef idx="minor">
+                    <a:schemeClr val="tx1"/>
+                  </a:fontRef>
+                </p:style>
+              </p:cxnSp>
+              <p:cxnSp>
+                <p:nvCxnSpPr>
+                  <p:cNvPr id="61" name="Straight Arrow Connector 60"/>
+                  <p:cNvCxnSpPr/>
+                  <p:nvPr/>
+                </p:nvCxnSpPr>
+                <p:spPr>
+                  <a:xfrm rot="1424844" flipV="1">
+                    <a:off x="4389356" y="5209385"/>
+                    <a:ext cx="693759" cy="197980"/>
+                  </a:xfrm>
+                  <a:prstGeom prst="straightConnector1">
+                    <a:avLst/>
+                  </a:prstGeom>
+                  <a:ln w="38100">
+                    <a:solidFill>
+                      <a:schemeClr val="tx1"/>
+                    </a:solidFill>
+                    <a:tailEnd type="triangle"/>
+                  </a:ln>
+                </p:spPr>
+                <p:style>
+                  <a:lnRef idx="1">
+                    <a:schemeClr val="accent1"/>
+                  </a:lnRef>
+                  <a:fillRef idx="0">
+                    <a:schemeClr val="accent1"/>
+                  </a:fillRef>
+                  <a:effectRef idx="0">
+                    <a:schemeClr val="accent1"/>
+                  </a:effectRef>
+                  <a:fontRef idx="minor">
+                    <a:schemeClr val="tx1"/>
+                  </a:fontRef>
+                </p:style>
+              </p:cxnSp>
+              <p:cxnSp>
+                <p:nvCxnSpPr>
+                  <p:cNvPr id="68" name="Straight Connector 67"/>
+                  <p:cNvCxnSpPr/>
+                  <p:nvPr/>
+                </p:nvCxnSpPr>
+                <p:spPr>
+                  <a:xfrm rot="1424844" flipH="1" flipV="1">
+                    <a:off x="4244848" y="5269647"/>
+                    <a:ext cx="276306" cy="622129"/>
+                  </a:xfrm>
+                  <a:prstGeom prst="line">
+                    <a:avLst/>
+                  </a:prstGeom>
+                  <a:ln w="38100">
+                    <a:solidFill>
+                      <a:schemeClr val="tx1"/>
+                    </a:solidFill>
+                    <a:prstDash val="sysDot"/>
+                  </a:ln>
+                </p:spPr>
+                <p:style>
+                  <a:lnRef idx="1">
+                    <a:schemeClr val="accent1"/>
+                  </a:lnRef>
+                  <a:fillRef idx="0">
+                    <a:schemeClr val="accent1"/>
+                  </a:fillRef>
+                  <a:effectRef idx="0">
+                    <a:schemeClr val="accent1"/>
+                  </a:effectRef>
+                  <a:fontRef idx="minor">
+                    <a:schemeClr val="tx1"/>
+                  </a:fontRef>
+                </p:style>
+              </p:cxnSp>
+              <mc:AlternateContent xmlns:mc="http://schemas.openxmlformats.org/markup-compatibility/2006" xmlns:a14="http://schemas.microsoft.com/office/drawing/2010/main">
+                <mc:Choice Requires="a14">
+                  <p:sp>
+                    <p:nvSpPr>
+                      <p:cNvPr id="69" name="TextBox 68"/>
+                      <p:cNvSpPr txBox="1"/>
+                      <p:nvPr/>
+                    </p:nvSpPr>
+                    <p:spPr>
+                      <a:xfrm rot="1424844">
+                        <a:off x="4191252" y="3466484"/>
+                        <a:ext cx="555088" cy="307777"/>
+                      </a:xfrm>
+                      <a:prstGeom prst="rect">
+                        <a:avLst/>
+                      </a:prstGeom>
+                      <a:noFill/>
+                    </p:spPr>
+                    <p:txBody>
+                      <a:bodyPr wrap="none" lIns="0" tIns="0" rIns="0" bIns="0" rtlCol="0">
+                        <a:spAutoFit/>
+                      </a:bodyPr>
+                      <a:lstStyle/>
+                      <a:p>
+                        <a:pPr/>
+                        <a14:m>
+                          <m:oMathPara xmlns:m="http://schemas.openxmlformats.org/officeDocument/2006/math">
+                            <m:oMathParaPr>
+                              <m:jc m:val="centerGroup"/>
+                            </m:oMathParaPr>
+                            <m:oMath xmlns:m="http://schemas.openxmlformats.org/officeDocument/2006/math">
+                              <m:r>
+                                <a:rPr lang="en-US" sz="2000" b="0" i="1" smtClean="0">
+                                  <a:latin typeface="Cambria Math" panose="02040503050406030204" pitchFamily="18" charset="0"/>
+                                  <a:cs typeface="Arial" panose="020B0604020202020204" pitchFamily="34" charset="0"/>
+                                </a:rPr>
+                                <m:t>𝑎𝑥𝑖𝑠</m:t>
+                              </m:r>
+                            </m:oMath>
+                          </m:oMathPara>
+                        </a14:m>
+                        <a:endParaRPr lang="en-US" sz="2000" dirty="0" smtClean="0">
+                          <a:latin typeface="Arial" panose="020B0604020202020204" pitchFamily="34" charset="0"/>
+                          <a:cs typeface="Arial" panose="020B0604020202020204" pitchFamily="34" charset="0"/>
+                        </a:endParaRPr>
+                      </a:p>
+                    </p:txBody>
+                  </p:sp>
+                </mc:Choice>
+                <mc:Fallback xmlns="">
+                  <p:sp>
+                    <p:nvSpPr>
+                      <p:cNvPr id="69" name="TextBox 68"/>
+                      <p:cNvSpPr txBox="1">
+                        <a:spLocks noRot="1" noChangeAspect="1" noMove="1" noResize="1" noEditPoints="1" noAdjustHandles="1" noChangeArrowheads="1" noChangeShapeType="1" noTextEdit="1"/>
+                      </p:cNvSpPr>
+                      <p:nvPr/>
+                    </p:nvSpPr>
+                    <p:spPr>
+                      <a:xfrm rot="1424844">
+                        <a:off x="4191252" y="3466484"/>
+                        <a:ext cx="555088" cy="307777"/>
+                      </a:xfrm>
+                      <a:prstGeom prst="rect">
+                        <a:avLst/>
+                      </a:prstGeom>
+                      <a:blipFill>
+                        <a:blip r:embed="rId17"/>
+                        <a:stretch>
+                          <a:fillRect l="-8791" r="-7692" b="-10000"/>
+                        </a:stretch>
+                      </a:blipFill>
+                    </p:spPr>
+                    <p:txBody>
+                      <a:bodyPr/>
+                      <a:lstStyle/>
+                      <a:p>
+                        <a:r>
+                          <a:rPr lang="en-US">
+                            <a:noFill/>
+                          </a:rPr>
+                          <a:t> </a:t>
+                        </a:r>
+                      </a:p>
+                    </p:txBody>
+                  </p:sp>
+                </mc:Fallback>
+              </mc:AlternateContent>
+              <mc:AlternateContent xmlns:mc="http://schemas.openxmlformats.org/markup-compatibility/2006" xmlns:a14="http://schemas.microsoft.com/office/drawing/2010/main">
+                <mc:Choice Requires="a14">
+                  <p:sp>
+                    <p:nvSpPr>
+                      <p:cNvPr id="73" name="TextBox 72"/>
+                      <p:cNvSpPr txBox="1"/>
+                      <p:nvPr/>
+                    </p:nvSpPr>
+                    <p:spPr>
+                      <a:xfrm rot="1424844">
+                        <a:off x="4555816" y="4966972"/>
+                        <a:ext cx="198003" cy="307777"/>
+                      </a:xfrm>
+                      <a:prstGeom prst="rect">
+                        <a:avLst/>
+                      </a:prstGeom>
+                      <a:noFill/>
+                    </p:spPr>
+                    <p:txBody>
+                      <a:bodyPr wrap="none" lIns="0" tIns="0" rIns="0" bIns="0" rtlCol="0">
+                        <a:spAutoFit/>
+                      </a:bodyPr>
+                      <a:lstStyle/>
+                      <a:p>
+                        <a:pPr/>
+                        <a14:m>
+                          <m:oMathPara xmlns:m="http://schemas.openxmlformats.org/officeDocument/2006/math">
+                            <m:oMathParaPr>
+                              <m:jc m:val="centerGroup"/>
+                            </m:oMathParaPr>
+                            <m:oMath xmlns:m="http://schemas.openxmlformats.org/officeDocument/2006/math">
+                              <m:acc>
+                                <m:accPr>
+                                  <m:chr m:val="⃗"/>
+                                  <m:ctrlPr>
+                                    <a:rPr lang="en-US" sz="2000" b="0" i="1" smtClean="0">
+                                      <a:latin typeface="Cambria Math" panose="02040503050406030204" pitchFamily="18" charset="0"/>
+                                      <a:cs typeface="Arial" panose="020B0604020202020204" pitchFamily="34" charset="0"/>
+                                    </a:rPr>
+                                  </m:ctrlPr>
+                                </m:accPr>
+                                <m:e>
+                                  <m:r>
+                                    <a:rPr lang="en-US" sz="2000" b="0" i="1" smtClean="0">
+                                      <a:latin typeface="Cambria Math" panose="02040503050406030204" pitchFamily="18" charset="0"/>
+                                      <a:cs typeface="Arial" panose="020B0604020202020204" pitchFamily="34" charset="0"/>
+                                    </a:rPr>
+                                    <m:t>𝑟</m:t>
+                                  </m:r>
+                                </m:e>
+                              </m:acc>
+                            </m:oMath>
+                          </m:oMathPara>
+                        </a14:m>
+                        <a:endParaRPr lang="en-US" sz="2000" dirty="0" smtClean="0">
+                          <a:latin typeface="Arial" panose="020B0604020202020204" pitchFamily="34" charset="0"/>
+                          <a:cs typeface="Arial" panose="020B0604020202020204" pitchFamily="34" charset="0"/>
+                        </a:endParaRPr>
+                      </a:p>
+                    </p:txBody>
+                  </p:sp>
+                </mc:Choice>
+                <mc:Fallback xmlns="">
+                  <p:sp>
+                    <p:nvSpPr>
+                      <p:cNvPr id="73" name="TextBox 72"/>
+                      <p:cNvSpPr txBox="1">
+                        <a:spLocks noRot="1" noChangeAspect="1" noMove="1" noResize="1" noEditPoints="1" noAdjustHandles="1" noChangeArrowheads="1" noChangeShapeType="1" noTextEdit="1"/>
+                      </p:cNvSpPr>
+                      <p:nvPr/>
+                    </p:nvSpPr>
+                    <p:spPr>
+                      <a:xfrm rot="1424844">
+                        <a:off x="4555816" y="4966972"/>
+                        <a:ext cx="198003" cy="307777"/>
+                      </a:xfrm>
+                      <a:prstGeom prst="rect">
+                        <a:avLst/>
+                      </a:prstGeom>
+                      <a:blipFill>
+                        <a:blip r:embed="rId18"/>
+                        <a:stretch>
+                          <a:fillRect l="-31250" t="-36000" r="-96875" b="-6000"/>
+                        </a:stretch>
+                      </a:blipFill>
+                    </p:spPr>
+                    <p:txBody>
+                      <a:bodyPr/>
+                      <a:lstStyle/>
+                      <a:p>
+                        <a:r>
+                          <a:rPr lang="en-US">
+                            <a:noFill/>
+                          </a:rPr>
+                          <a:t> </a:t>
+                        </a:r>
+                      </a:p>
+                    </p:txBody>
+                  </p:sp>
+                </mc:Fallback>
+              </mc:AlternateContent>
+              <p:sp>
+                <p:nvSpPr>
+                  <p:cNvPr id="2" name="Oval 1"/>
+                  <p:cNvSpPr/>
+                  <p:nvPr/>
+                </p:nvSpPr>
+                <p:spPr>
+                  <a:xfrm rot="4152">
+                    <a:off x="3605957" y="4940615"/>
+                    <a:ext cx="1555275" cy="571985"/>
+                  </a:xfrm>
+                  <a:prstGeom prst="ellipse">
+                    <a:avLst/>
+                  </a:prstGeom>
+                  <a:noFill/>
+                  <a:ln w="38100">
+                    <a:solidFill>
+                      <a:schemeClr val="tx1"/>
+                    </a:solidFill>
+                  </a:ln>
+                </p:spPr>
+                <p:style>
+                  <a:lnRef idx="2">
+                    <a:schemeClr val="accent1">
+                      <a:shade val="50000"/>
+                    </a:schemeClr>
+                  </a:lnRef>
+                  <a:fillRef idx="1">
+                    <a:schemeClr val="accent1"/>
+                  </a:fillRef>
+                  <a:effectRef idx="0">
+                    <a:schemeClr val="accent1"/>
+                  </a:effectRef>
+                  <a:fontRef idx="minor">
+                    <a:schemeClr val="lt1"/>
+                  </a:fontRef>
+                </p:style>
+                <p:txBody>
+                  <a:bodyPr rtlCol="0" anchor="ctr"/>
+                  <a:lstStyle/>
+                  <a:p>
+                    <a:pPr algn="ctr"/>
+                    <a:endParaRPr lang="en-US"/>
+                  </a:p>
+                </p:txBody>
+              </p:sp>
+            </p:grpSp>
             <p:sp>
               <p:nvSpPr>
-                <p:cNvPr id="58" name="Rectangle 56"/>
+                <p:cNvPr id="79" name="Arc 78"/>
                 <p:cNvSpPr/>
                 <p:nvPr/>
               </p:nvSpPr>
               <p:spPr>
-                <a:xfrm rot="361824">
-                  <a:off x="1549880" y="4622218"/>
-                  <a:ext cx="5644913" cy="1303814"/>
+                <a:xfrm rot="20179962">
+                  <a:off x="5974871" y="4036967"/>
+                  <a:ext cx="1671457" cy="259654"/>
                 </a:xfrm>
-                <a:custGeom>
-                  <a:avLst/>
-                  <a:gdLst>
-                    <a:gd name="connsiteX0" fmla="*/ 0 w 2361341"/>
-                    <a:gd name="connsiteY0" fmla="*/ 0 h 988828"/>
-                    <a:gd name="connsiteX1" fmla="*/ 2361341 w 2361341"/>
-                    <a:gd name="connsiteY1" fmla="*/ 0 h 988828"/>
-                    <a:gd name="connsiteX2" fmla="*/ 2361341 w 2361341"/>
-                    <a:gd name="connsiteY2" fmla="*/ 988828 h 988828"/>
-                    <a:gd name="connsiteX3" fmla="*/ 0 w 2361341"/>
-                    <a:gd name="connsiteY3" fmla="*/ 988828 h 988828"/>
-                    <a:gd name="connsiteX4" fmla="*/ 0 w 2361341"/>
-                    <a:gd name="connsiteY4" fmla="*/ 0 h 988828"/>
-                    <a:gd name="connsiteX0" fmla="*/ 967563 w 2361341"/>
-                    <a:gd name="connsiteY0" fmla="*/ 159488 h 988828"/>
-                    <a:gd name="connsiteX1" fmla="*/ 2361341 w 2361341"/>
-                    <a:gd name="connsiteY1" fmla="*/ 0 h 988828"/>
-                    <a:gd name="connsiteX2" fmla="*/ 2361341 w 2361341"/>
-                    <a:gd name="connsiteY2" fmla="*/ 988828 h 988828"/>
-                    <a:gd name="connsiteX3" fmla="*/ 0 w 2361341"/>
-                    <a:gd name="connsiteY3" fmla="*/ 988828 h 988828"/>
-                    <a:gd name="connsiteX4" fmla="*/ 967563 w 2361341"/>
-                    <a:gd name="connsiteY4" fmla="*/ 159488 h 988828"/>
-                    <a:gd name="connsiteX0" fmla="*/ 935665 w 2329443"/>
-                    <a:gd name="connsiteY0" fmla="*/ 159488 h 1063256"/>
-                    <a:gd name="connsiteX1" fmla="*/ 2329443 w 2329443"/>
-                    <a:gd name="connsiteY1" fmla="*/ 0 h 1063256"/>
-                    <a:gd name="connsiteX2" fmla="*/ 2329443 w 2329443"/>
-                    <a:gd name="connsiteY2" fmla="*/ 988828 h 1063256"/>
-                    <a:gd name="connsiteX3" fmla="*/ 0 w 2329443"/>
-                    <a:gd name="connsiteY3" fmla="*/ 1063256 h 1063256"/>
-                    <a:gd name="connsiteX4" fmla="*/ 935665 w 2329443"/>
-                    <a:gd name="connsiteY4" fmla="*/ 159488 h 1063256"/>
-                    <a:gd name="connsiteX0" fmla="*/ 935665 w 2786643"/>
-                    <a:gd name="connsiteY0" fmla="*/ 10632 h 914400"/>
-                    <a:gd name="connsiteX1" fmla="*/ 2786643 w 2786643"/>
-                    <a:gd name="connsiteY1" fmla="*/ 0 h 914400"/>
-                    <a:gd name="connsiteX2" fmla="*/ 2329443 w 2786643"/>
-                    <a:gd name="connsiteY2" fmla="*/ 839972 h 914400"/>
-                    <a:gd name="connsiteX3" fmla="*/ 0 w 2786643"/>
-                    <a:gd name="connsiteY3" fmla="*/ 914400 h 914400"/>
-                    <a:gd name="connsiteX4" fmla="*/ 935665 w 2786643"/>
-                    <a:gd name="connsiteY4" fmla="*/ 10632 h 914400"/>
-                    <a:gd name="connsiteX0" fmla="*/ 935665 w 2786643"/>
-                    <a:gd name="connsiteY0" fmla="*/ 10632 h 914400"/>
-                    <a:gd name="connsiteX1" fmla="*/ 2786643 w 2786643"/>
-                    <a:gd name="connsiteY1" fmla="*/ 0 h 914400"/>
-                    <a:gd name="connsiteX2" fmla="*/ 1882876 w 2786643"/>
-                    <a:gd name="connsiteY2" fmla="*/ 861237 h 914400"/>
-                    <a:gd name="connsiteX3" fmla="*/ 0 w 2786643"/>
-                    <a:gd name="connsiteY3" fmla="*/ 914400 h 914400"/>
-                    <a:gd name="connsiteX4" fmla="*/ 935665 w 2786643"/>
-                    <a:gd name="connsiteY4" fmla="*/ 10632 h 914400"/>
-                    <a:gd name="connsiteX0" fmla="*/ 935665 w 3664172"/>
-                    <a:gd name="connsiteY0" fmla="*/ 869755 h 1773523"/>
-                    <a:gd name="connsiteX1" fmla="*/ 3664172 w 3664172"/>
-                    <a:gd name="connsiteY1" fmla="*/ 0 h 1773523"/>
-                    <a:gd name="connsiteX2" fmla="*/ 1882876 w 3664172"/>
-                    <a:gd name="connsiteY2" fmla="*/ 1720360 h 1773523"/>
-                    <a:gd name="connsiteX3" fmla="*/ 0 w 3664172"/>
-                    <a:gd name="connsiteY3" fmla="*/ 1773523 h 1773523"/>
-                    <a:gd name="connsiteX4" fmla="*/ 935665 w 3664172"/>
-                    <a:gd name="connsiteY4" fmla="*/ 869755 h 1773523"/>
-                    <a:gd name="connsiteX0" fmla="*/ 943039 w 3664172"/>
-                    <a:gd name="connsiteY0" fmla="*/ 17791 h 1773523"/>
-                    <a:gd name="connsiteX1" fmla="*/ 3664172 w 3664172"/>
-                    <a:gd name="connsiteY1" fmla="*/ 0 h 1773523"/>
-                    <a:gd name="connsiteX2" fmla="*/ 1882876 w 3664172"/>
-                    <a:gd name="connsiteY2" fmla="*/ 1720360 h 1773523"/>
-                    <a:gd name="connsiteX3" fmla="*/ 0 w 3664172"/>
-                    <a:gd name="connsiteY3" fmla="*/ 1773523 h 1773523"/>
-                    <a:gd name="connsiteX4" fmla="*/ 943039 w 3664172"/>
-                    <a:gd name="connsiteY4" fmla="*/ 17791 h 1773523"/>
-                    <a:gd name="connsiteX0" fmla="*/ 943039 w 3664172"/>
-                    <a:gd name="connsiteY0" fmla="*/ 17791 h 1784795"/>
-                    <a:gd name="connsiteX1" fmla="*/ 3664172 w 3664172"/>
-                    <a:gd name="connsiteY1" fmla="*/ 0 h 1784795"/>
-                    <a:gd name="connsiteX2" fmla="*/ 2775153 w 3664172"/>
-                    <a:gd name="connsiteY2" fmla="*/ 1784795 h 1784795"/>
-                    <a:gd name="connsiteX3" fmla="*/ 0 w 3664172"/>
-                    <a:gd name="connsiteY3" fmla="*/ 1773523 h 1784795"/>
-                    <a:gd name="connsiteX4" fmla="*/ 943039 w 3664172"/>
-                    <a:gd name="connsiteY4" fmla="*/ 17791 h 1784795"/>
-                    <a:gd name="connsiteX0" fmla="*/ 1110253 w 3664172"/>
-                    <a:gd name="connsiteY0" fmla="*/ 17791 h 1784795"/>
-                    <a:gd name="connsiteX1" fmla="*/ 3664172 w 3664172"/>
-                    <a:gd name="connsiteY1" fmla="*/ 0 h 1784795"/>
-                    <a:gd name="connsiteX2" fmla="*/ 2775153 w 3664172"/>
-                    <a:gd name="connsiteY2" fmla="*/ 1784795 h 1784795"/>
-                    <a:gd name="connsiteX3" fmla="*/ 0 w 3664172"/>
-                    <a:gd name="connsiteY3" fmla="*/ 1773523 h 1784795"/>
-                    <a:gd name="connsiteX4" fmla="*/ 1110253 w 3664172"/>
-                    <a:gd name="connsiteY4" fmla="*/ 17791 h 1784795"/>
-                    <a:gd name="connsiteX0" fmla="*/ 1361075 w 3664172"/>
-                    <a:gd name="connsiteY0" fmla="*/ 17791 h 1784795"/>
-                    <a:gd name="connsiteX1" fmla="*/ 3664172 w 3664172"/>
-                    <a:gd name="connsiteY1" fmla="*/ 0 h 1784795"/>
-                    <a:gd name="connsiteX2" fmla="*/ 2775153 w 3664172"/>
-                    <a:gd name="connsiteY2" fmla="*/ 1784795 h 1784795"/>
-                    <a:gd name="connsiteX3" fmla="*/ 0 w 3664172"/>
-                    <a:gd name="connsiteY3" fmla="*/ 1773523 h 1784795"/>
-                    <a:gd name="connsiteX4" fmla="*/ 1361075 w 3664172"/>
-                    <a:gd name="connsiteY4" fmla="*/ 17791 h 1784795"/>
-                    <a:gd name="connsiteX0" fmla="*/ 1411966 w 3664172"/>
-                    <a:gd name="connsiteY0" fmla="*/ 28485 h 1784795"/>
-                    <a:gd name="connsiteX1" fmla="*/ 3664172 w 3664172"/>
-                    <a:gd name="connsiteY1" fmla="*/ 0 h 1784795"/>
-                    <a:gd name="connsiteX2" fmla="*/ 2775153 w 3664172"/>
-                    <a:gd name="connsiteY2" fmla="*/ 1784795 h 1784795"/>
-                    <a:gd name="connsiteX3" fmla="*/ 0 w 3664172"/>
-                    <a:gd name="connsiteY3" fmla="*/ 1773523 h 1784795"/>
-                    <a:gd name="connsiteX4" fmla="*/ 1411966 w 3664172"/>
-                    <a:gd name="connsiteY4" fmla="*/ 28485 h 1784795"/>
-                    <a:gd name="connsiteX0" fmla="*/ 1397426 w 3664172"/>
-                    <a:gd name="connsiteY0" fmla="*/ 23139 h 1784795"/>
-                    <a:gd name="connsiteX1" fmla="*/ 3664172 w 3664172"/>
-                    <a:gd name="connsiteY1" fmla="*/ 0 h 1784795"/>
-                    <a:gd name="connsiteX2" fmla="*/ 2775153 w 3664172"/>
-                    <a:gd name="connsiteY2" fmla="*/ 1784795 h 1784795"/>
-                    <a:gd name="connsiteX3" fmla="*/ 0 w 3664172"/>
-                    <a:gd name="connsiteY3" fmla="*/ 1773523 h 1784795"/>
-                    <a:gd name="connsiteX4" fmla="*/ 1397426 w 3664172"/>
-                    <a:gd name="connsiteY4" fmla="*/ 23139 h 1784795"/>
-                    <a:gd name="connsiteX0" fmla="*/ 1397426 w 4154910"/>
-                    <a:gd name="connsiteY0" fmla="*/ 49874 h 1811530"/>
-                    <a:gd name="connsiteX1" fmla="*/ 4154910 w 4154910"/>
-                    <a:gd name="connsiteY1" fmla="*/ 0 h 1811530"/>
-                    <a:gd name="connsiteX2" fmla="*/ 2775153 w 4154910"/>
-                    <a:gd name="connsiteY2" fmla="*/ 1811530 h 1811530"/>
-                    <a:gd name="connsiteX3" fmla="*/ 0 w 4154910"/>
-                    <a:gd name="connsiteY3" fmla="*/ 1800258 h 1811530"/>
-                    <a:gd name="connsiteX4" fmla="*/ 1397426 w 4154910"/>
-                    <a:gd name="connsiteY4" fmla="*/ 49874 h 1811530"/>
-                    <a:gd name="connsiteX0" fmla="*/ 2077188 w 4154910"/>
-                    <a:gd name="connsiteY0" fmla="*/ 49874 h 1811530"/>
-                    <a:gd name="connsiteX1" fmla="*/ 4154910 w 4154910"/>
-                    <a:gd name="connsiteY1" fmla="*/ 0 h 1811530"/>
-                    <a:gd name="connsiteX2" fmla="*/ 2775153 w 4154910"/>
-                    <a:gd name="connsiteY2" fmla="*/ 1811530 h 1811530"/>
-                    <a:gd name="connsiteX3" fmla="*/ 0 w 4154910"/>
-                    <a:gd name="connsiteY3" fmla="*/ 1800258 h 1811530"/>
-                    <a:gd name="connsiteX4" fmla="*/ 2077188 w 4154910"/>
-                    <a:gd name="connsiteY4" fmla="*/ 49874 h 1811530"/>
-                    <a:gd name="connsiteX0" fmla="*/ 2077188 w 4871023"/>
-                    <a:gd name="connsiteY0" fmla="*/ 60568 h 1822224"/>
-                    <a:gd name="connsiteX1" fmla="*/ 4871023 w 4871023"/>
-                    <a:gd name="connsiteY1" fmla="*/ 0 h 1822224"/>
-                    <a:gd name="connsiteX2" fmla="*/ 2775153 w 4871023"/>
-                    <a:gd name="connsiteY2" fmla="*/ 1822224 h 1822224"/>
-                    <a:gd name="connsiteX3" fmla="*/ 0 w 4871023"/>
-                    <a:gd name="connsiteY3" fmla="*/ 1810952 h 1822224"/>
-                    <a:gd name="connsiteX4" fmla="*/ 2077188 w 4871023"/>
-                    <a:gd name="connsiteY4" fmla="*/ 60568 h 1822224"/>
-                  </a:gdLst>
-                  <a:ahLst/>
-                  <a:cxnLst>
-                    <a:cxn ang="0">
-                      <a:pos x="connsiteX0" y="connsiteY0"/>
-                    </a:cxn>
-                    <a:cxn ang="0">
-                      <a:pos x="connsiteX1" y="connsiteY1"/>
-                    </a:cxn>
-                    <a:cxn ang="0">
-                      <a:pos x="connsiteX2" y="connsiteY2"/>
-                    </a:cxn>
-                    <a:cxn ang="0">
-                      <a:pos x="connsiteX3" y="connsiteY3"/>
-                    </a:cxn>
-                    <a:cxn ang="0">
-                      <a:pos x="connsiteX4" y="connsiteY4"/>
-                    </a:cxn>
-                  </a:cxnLst>
-                  <a:rect l="l" t="t" r="r" b="b"/>
-                  <a:pathLst>
-                    <a:path w="4871023" h="1822224">
-                      <a:moveTo>
-                        <a:pt x="2077188" y="60568"/>
-                      </a:moveTo>
-                      <a:lnTo>
-                        <a:pt x="4871023" y="0"/>
-                      </a:lnTo>
-                      <a:lnTo>
-                        <a:pt x="2775153" y="1822224"/>
-                      </a:lnTo>
-                      <a:lnTo>
-                        <a:pt x="0" y="1810952"/>
-                      </a:lnTo>
-                      <a:lnTo>
-                        <a:pt x="2077188" y="60568"/>
-                      </a:lnTo>
-                      <a:close/>
-                    </a:path>
-                  </a:pathLst>
-                </a:custGeom>
-                <a:solidFill>
-                  <a:schemeClr val="bg2"/>
-                </a:solidFill>
-                <a:ln w="19050">
+                <a:prstGeom prst="arc">
+                  <a:avLst>
+                    <a:gd name="adj1" fmla="val 18287012"/>
+                    <a:gd name="adj2" fmla="val 9682168"/>
+                  </a:avLst>
+                </a:prstGeom>
+                <a:ln w="28575">
                   <a:solidFill>
                     <a:schemeClr val="tx1"/>
                   </a:solidFill>
-                </a:ln>
-              </p:spPr>
-              <p:style>
-                <a:lnRef idx="2">
-                  <a:schemeClr val="accent1">
-                    <a:shade val="50000"/>
-                  </a:schemeClr>
-                </a:lnRef>
-                <a:fillRef idx="1">
-                  <a:schemeClr val="accent1"/>
-                </a:fillRef>
-                <a:effectRef idx="0">
-                  <a:schemeClr val="accent1"/>
-                </a:effectRef>
-                <a:fontRef idx="minor">
-                  <a:schemeClr val="lt1"/>
-                </a:fontRef>
-              </p:style>
-              <p:txBody>
-                <a:bodyPr rtlCol="0" anchor="ctr"/>
-                <a:lstStyle/>
-                <a:p>
-                  <a:pPr algn="ctr"/>
-                  <a:endParaRPr lang="en-US" dirty="0"/>
-                </a:p>
-              </p:txBody>
-            </p:sp>
-            <p:cxnSp>
-              <p:nvCxnSpPr>
-                <p:cNvPr id="59" name="Straight Connector 58"/>
-                <p:cNvCxnSpPr/>
-                <p:nvPr/>
-              </p:nvCxnSpPr>
-              <p:spPr>
-                <a:xfrm flipH="1" flipV="1">
-                  <a:off x="4368740" y="4016098"/>
-                  <a:ext cx="10633" cy="1232244"/>
-                </a:xfrm>
-                <a:prstGeom prst="line">
-                  <a:avLst/>
-                </a:prstGeom>
-                <a:ln w="38100">
-                  <a:solidFill>
-                    <a:schemeClr val="tx1"/>
-                  </a:solidFill>
+                  <a:prstDash val="sysDot"/>
+                  <a:headEnd type="triangle" w="med" len="med"/>
+                  <a:tailEnd type="none" w="med" len="med"/>
                 </a:ln>
               </p:spPr>
               <p:style>
@@ -14654,340 +15053,6 @@
                   <a:schemeClr val="tx1"/>
                 </a:fontRef>
               </p:style>
-            </p:cxnSp>
-            <p:cxnSp>
-              <p:nvCxnSpPr>
-                <p:cNvPr id="60" name="Straight Connector 59"/>
-                <p:cNvCxnSpPr/>
-                <p:nvPr/>
-              </p:nvCxnSpPr>
-              <p:spPr>
-                <a:xfrm rot="1424844" flipH="1" flipV="1">
-                  <a:off x="4260460" y="5946063"/>
-                  <a:ext cx="242579" cy="563484"/>
-                </a:xfrm>
-                <a:prstGeom prst="line">
-                  <a:avLst/>
-                </a:prstGeom>
-                <a:ln w="38100">
-                  <a:solidFill>
-                    <a:schemeClr val="tx1"/>
-                  </a:solidFill>
-                </a:ln>
-              </p:spPr>
-              <p:style>
-                <a:lnRef idx="1">
-                  <a:schemeClr val="accent1"/>
-                </a:lnRef>
-                <a:fillRef idx="0">
-                  <a:schemeClr val="accent1"/>
-                </a:fillRef>
-                <a:effectRef idx="0">
-                  <a:schemeClr val="accent1"/>
-                </a:effectRef>
-                <a:fontRef idx="minor">
-                  <a:schemeClr val="tx1"/>
-                </a:fontRef>
-              </p:style>
-            </p:cxnSp>
-            <p:cxnSp>
-              <p:nvCxnSpPr>
-                <p:cNvPr id="61" name="Straight Arrow Connector 60"/>
-                <p:cNvCxnSpPr/>
-                <p:nvPr/>
-              </p:nvCxnSpPr>
-              <p:spPr>
-                <a:xfrm rot="1424844" flipV="1">
-                  <a:off x="4389356" y="5209385"/>
-                  <a:ext cx="693759" cy="197980"/>
-                </a:xfrm>
-                <a:prstGeom prst="straightConnector1">
-                  <a:avLst/>
-                </a:prstGeom>
-                <a:ln w="38100">
-                  <a:solidFill>
-                    <a:schemeClr val="tx1"/>
-                  </a:solidFill>
-                  <a:tailEnd type="triangle"/>
-                </a:ln>
-              </p:spPr>
-              <p:style>
-                <a:lnRef idx="1">
-                  <a:schemeClr val="accent1"/>
-                </a:lnRef>
-                <a:fillRef idx="0">
-                  <a:schemeClr val="accent1"/>
-                </a:fillRef>
-                <a:effectRef idx="0">
-                  <a:schemeClr val="accent1"/>
-                </a:effectRef>
-                <a:fontRef idx="minor">
-                  <a:schemeClr val="tx1"/>
-                </a:fontRef>
-              </p:style>
-            </p:cxnSp>
-            <p:cxnSp>
-              <p:nvCxnSpPr>
-                <p:cNvPr id="68" name="Straight Connector 67"/>
-                <p:cNvCxnSpPr/>
-                <p:nvPr/>
-              </p:nvCxnSpPr>
-              <p:spPr>
-                <a:xfrm rot="1424844" flipH="1" flipV="1">
-                  <a:off x="4244848" y="5269647"/>
-                  <a:ext cx="276306" cy="622129"/>
-                </a:xfrm>
-                <a:prstGeom prst="line">
-                  <a:avLst/>
-                </a:prstGeom>
-                <a:ln w="38100">
-                  <a:solidFill>
-                    <a:schemeClr val="tx1"/>
-                  </a:solidFill>
-                  <a:prstDash val="sysDot"/>
-                </a:ln>
-              </p:spPr>
-              <p:style>
-                <a:lnRef idx="1">
-                  <a:schemeClr val="accent1"/>
-                </a:lnRef>
-                <a:fillRef idx="0">
-                  <a:schemeClr val="accent1"/>
-                </a:fillRef>
-                <a:effectRef idx="0">
-                  <a:schemeClr val="accent1"/>
-                </a:effectRef>
-                <a:fontRef idx="minor">
-                  <a:schemeClr val="tx1"/>
-                </a:fontRef>
-              </p:style>
-            </p:cxnSp>
-            <mc:AlternateContent xmlns:mc="http://schemas.openxmlformats.org/markup-compatibility/2006">
-              <mc:Choice xmlns:a14="http://schemas.microsoft.com/office/drawing/2010/main" Requires="a14">
-                <p:sp>
-                  <p:nvSpPr>
-                    <p:cNvPr id="69" name="TextBox 68"/>
-                    <p:cNvSpPr txBox="1"/>
-                    <p:nvPr/>
-                  </p:nvSpPr>
-                  <p:spPr>
-                    <a:xfrm rot="1424844">
-                      <a:off x="4191252" y="3466484"/>
-                      <a:ext cx="555088" cy="307777"/>
-                    </a:xfrm>
-                    <a:prstGeom prst="rect">
-                      <a:avLst/>
-                    </a:prstGeom>
-                    <a:noFill/>
-                  </p:spPr>
-                  <p:txBody>
-                    <a:bodyPr wrap="none" lIns="0" tIns="0" rIns="0" bIns="0" rtlCol="0">
-                      <a:spAutoFit/>
-                    </a:bodyPr>
-                    <a:lstStyle/>
-                    <a:p>
-                      <a:pPr/>
-                      <a14:m>
-                        <m:oMathPara xmlns:m="http://schemas.openxmlformats.org/officeDocument/2006/math">
-                          <m:oMathParaPr>
-                            <m:jc m:val="centerGroup"/>
-                          </m:oMathParaPr>
-                          <m:oMath xmlns:m="http://schemas.openxmlformats.org/officeDocument/2006/math">
-                            <m:r>
-                              <a:rPr lang="en-US" sz="2000" b="0" i="1" smtClean="0">
-                                <a:latin typeface="Cambria Math" panose="02040503050406030204" pitchFamily="18" charset="0"/>
-                                <a:cs typeface="Arial" panose="020B0604020202020204" pitchFamily="34" charset="0"/>
-                              </a:rPr>
-                              <m:t>𝑎𝑥𝑖𝑠</m:t>
-                            </m:r>
-                          </m:oMath>
-                        </m:oMathPara>
-                      </a14:m>
-                      <a:endParaRPr lang="en-US" sz="2000" dirty="0" smtClean="0">
-                        <a:latin typeface="Arial" panose="020B0604020202020204" pitchFamily="34" charset="0"/>
-                        <a:cs typeface="Arial" panose="020B0604020202020204" pitchFamily="34" charset="0"/>
-                      </a:endParaRPr>
-                    </a:p>
-                  </p:txBody>
-                </p:sp>
-              </mc:Choice>
-              <mc:Fallback>
-                <p:sp>
-                  <p:nvSpPr>
-                    <p:cNvPr id="69" name="TextBox 68"/>
-                    <p:cNvSpPr txBox="1">
-                      <a:spLocks noRot="1" noChangeAspect="1" noMove="1" noResize="1" noEditPoints="1" noAdjustHandles="1" noChangeArrowheads="1" noChangeShapeType="1" noTextEdit="1"/>
-                    </p:cNvSpPr>
-                    <p:nvPr/>
-                  </p:nvSpPr>
-                  <p:spPr>
-                    <a:xfrm rot="1424844">
-                      <a:off x="4191252" y="3466484"/>
-                      <a:ext cx="555088" cy="307777"/>
-                    </a:xfrm>
-                    <a:prstGeom prst="rect">
-                      <a:avLst/>
-                    </a:prstGeom>
-                    <a:blipFill>
-                      <a:blip r:embed="rId17"/>
-                      <a:stretch>
-                        <a:fillRect l="-8791" r="-7692" b="-10000"/>
-                      </a:stretch>
-                    </a:blipFill>
-                  </p:spPr>
-                  <p:txBody>
-                    <a:bodyPr/>
-                    <a:lstStyle/>
-                    <a:p>
-                      <a:r>
-                        <a:rPr lang="en-US">
-                          <a:noFill/>
-                        </a:rPr>
-                        <a:t> </a:t>
-                      </a:r>
-                    </a:p>
-                  </p:txBody>
-                </p:sp>
-              </mc:Fallback>
-            </mc:AlternateContent>
-            <mc:AlternateContent xmlns:mc="http://schemas.openxmlformats.org/markup-compatibility/2006">
-              <mc:Choice xmlns:a14="http://schemas.microsoft.com/office/drawing/2010/main" Requires="a14">
-                <p:sp>
-                  <p:nvSpPr>
-                    <p:cNvPr id="73" name="TextBox 72"/>
-                    <p:cNvSpPr txBox="1"/>
-                    <p:nvPr/>
-                  </p:nvSpPr>
-                  <p:spPr>
-                    <a:xfrm rot="1424844">
-                      <a:off x="4555816" y="4966972"/>
-                      <a:ext cx="198003" cy="307777"/>
-                    </a:xfrm>
-                    <a:prstGeom prst="rect">
-                      <a:avLst/>
-                    </a:prstGeom>
-                    <a:noFill/>
-                  </p:spPr>
-                  <p:txBody>
-                    <a:bodyPr wrap="none" lIns="0" tIns="0" rIns="0" bIns="0" rtlCol="0">
-                      <a:spAutoFit/>
-                    </a:bodyPr>
-                    <a:lstStyle/>
-                    <a:p>
-                      <a:pPr/>
-                      <a14:m>
-                        <m:oMathPara xmlns:m="http://schemas.openxmlformats.org/officeDocument/2006/math">
-                          <m:oMathParaPr>
-                            <m:jc m:val="centerGroup"/>
-                          </m:oMathParaPr>
-                          <m:oMath xmlns:m="http://schemas.openxmlformats.org/officeDocument/2006/math">
-                            <m:acc>
-                              <m:accPr>
-                                <m:chr m:val="⃗"/>
-                                <m:ctrlPr>
-                                  <a:rPr lang="en-US" sz="2000" b="0" i="1" smtClean="0">
-                                    <a:latin typeface="Cambria Math" panose="02040503050406030204" pitchFamily="18" charset="0"/>
-                                    <a:cs typeface="Arial" panose="020B0604020202020204" pitchFamily="34" charset="0"/>
-                                  </a:rPr>
-                                </m:ctrlPr>
-                              </m:accPr>
-                              <m:e>
-                                <m:r>
-                                  <a:rPr lang="en-US" sz="2000" b="0" i="1" smtClean="0">
-                                    <a:latin typeface="Cambria Math" panose="02040503050406030204" pitchFamily="18" charset="0"/>
-                                    <a:cs typeface="Arial" panose="020B0604020202020204" pitchFamily="34" charset="0"/>
-                                  </a:rPr>
-                                  <m:t>𝑟</m:t>
-                                </m:r>
-                              </m:e>
-                            </m:acc>
-                          </m:oMath>
-                        </m:oMathPara>
-                      </a14:m>
-                      <a:endParaRPr lang="en-US" sz="2000" dirty="0" smtClean="0">
-                        <a:latin typeface="Arial" panose="020B0604020202020204" pitchFamily="34" charset="0"/>
-                        <a:cs typeface="Arial" panose="020B0604020202020204" pitchFamily="34" charset="0"/>
-                      </a:endParaRPr>
-                    </a:p>
-                  </p:txBody>
-                </p:sp>
-              </mc:Choice>
-              <mc:Fallback>
-                <p:sp>
-                  <p:nvSpPr>
-                    <p:cNvPr id="73" name="TextBox 72"/>
-                    <p:cNvSpPr txBox="1">
-                      <a:spLocks noRot="1" noChangeAspect="1" noMove="1" noResize="1" noEditPoints="1" noAdjustHandles="1" noChangeArrowheads="1" noChangeShapeType="1" noTextEdit="1"/>
-                    </p:cNvSpPr>
-                    <p:nvPr/>
-                  </p:nvSpPr>
-                  <p:spPr>
-                    <a:xfrm rot="1424844">
-                      <a:off x="4555816" y="4966972"/>
-                      <a:ext cx="198003" cy="307777"/>
-                    </a:xfrm>
-                    <a:prstGeom prst="rect">
-                      <a:avLst/>
-                    </a:prstGeom>
-                    <a:blipFill>
-                      <a:blip r:embed="rId18"/>
-                      <a:stretch>
-                        <a:fillRect l="-31250" t="-36000" r="-96875" b="-6000"/>
-                      </a:stretch>
-                    </a:blipFill>
-                  </p:spPr>
-                  <p:txBody>
-                    <a:bodyPr/>
-                    <a:lstStyle/>
-                    <a:p>
-                      <a:r>
-                        <a:rPr lang="en-US">
-                          <a:noFill/>
-                        </a:rPr>
-                        <a:t> </a:t>
-                      </a:r>
-                    </a:p>
-                  </p:txBody>
-                </p:sp>
-              </mc:Fallback>
-            </mc:AlternateContent>
-            <p:sp>
-              <p:nvSpPr>
-                <p:cNvPr id="2" name="Oval 1"/>
-                <p:cNvSpPr/>
-                <p:nvPr/>
-              </p:nvSpPr>
-              <p:spPr>
-                <a:xfrm rot="4152">
-                  <a:off x="3605957" y="4940615"/>
-                  <a:ext cx="1555275" cy="571985"/>
-                </a:xfrm>
-                <a:prstGeom prst="ellipse">
-                  <a:avLst/>
-                </a:prstGeom>
-                <a:noFill/>
-                <a:ln w="38100">
-                  <a:solidFill>
-                    <a:schemeClr val="tx1"/>
-                  </a:solidFill>
-                </a:ln>
-              </p:spPr>
-              <p:style>
-                <a:lnRef idx="2">
-                  <a:schemeClr val="accent1">
-                    <a:shade val="50000"/>
-                  </a:schemeClr>
-                </a:lnRef>
-                <a:fillRef idx="1">
-                  <a:schemeClr val="accent1"/>
-                </a:fillRef>
-                <a:effectRef idx="0">
-                  <a:schemeClr val="accent1"/>
-                </a:effectRef>
-                <a:fontRef idx="minor">
-                  <a:schemeClr val="lt1"/>
-                </a:fontRef>
-              </p:style>
               <p:txBody>
                 <a:bodyPr rtlCol="0" anchor="ctr"/>
                 <a:lstStyle/>
@@ -14998,30 +15063,25 @@
               </p:txBody>
             </p:sp>
           </p:grpSp>
-          <p:sp>
-            <p:nvSpPr>
-              <p:cNvPr id="79" name="Arc 78"/>
-              <p:cNvSpPr/>
+          <p:cxnSp>
+            <p:nvCxnSpPr>
+              <p:cNvPr id="32" name="Straight Arrow Connector 31"/>
+              <p:cNvCxnSpPr/>
               <p:nvPr/>
-            </p:nvSpPr>
+            </p:nvCxnSpPr>
             <p:spPr>
-              <a:xfrm rot="20179962">
-                <a:off x="5974871" y="4036967"/>
-                <a:ext cx="1671457" cy="259654"/>
+              <a:xfrm flipV="1">
+                <a:off x="8947368" y="3875050"/>
+                <a:ext cx="324692" cy="447395"/>
               </a:xfrm>
-              <a:prstGeom prst="arc">
-                <a:avLst>
-                  <a:gd name="adj1" fmla="val 18287012"/>
-                  <a:gd name="adj2" fmla="val 9682168"/>
-                </a:avLst>
+              <a:prstGeom prst="straightConnector1">
+                <a:avLst/>
               </a:prstGeom>
-              <a:ln w="28575">
+              <a:ln w="38100">
                 <a:solidFill>
                   <a:schemeClr val="tx1"/>
                 </a:solidFill>
-                <a:prstDash val="sysDot"/>
-                <a:headEnd type="triangle" w="med" len="med"/>
-                <a:tailEnd type="none" w="med" len="med"/>
+                <a:tailEnd type="triangle"/>
               </a:ln>
             </p:spPr>
             <p:style>
@@ -15038,35 +15098,303 @@
                 <a:schemeClr val="tx1"/>
               </a:fontRef>
             </p:style>
-            <p:txBody>
-              <a:bodyPr rtlCol="0" anchor="ctr"/>
-              <a:lstStyle/>
-              <a:p>
-                <a:pPr algn="ctr"/>
-                <a:endParaRPr lang="en-US"/>
-              </a:p>
-            </p:txBody>
-          </p:sp>
+          </p:cxnSp>
+          <mc:AlternateContent xmlns:mc="http://schemas.openxmlformats.org/markup-compatibility/2006" xmlns:a14="http://schemas.microsoft.com/office/drawing/2010/main">
+            <mc:Choice Requires="a14">
+              <p:sp>
+                <p:nvSpPr>
+                  <p:cNvPr id="81" name="TextBox 80"/>
+                  <p:cNvSpPr txBox="1"/>
+                  <p:nvPr/>
+                </p:nvSpPr>
+                <p:spPr>
+                  <a:xfrm>
+                    <a:off x="9233549" y="3937503"/>
+                    <a:ext cx="217495" cy="307777"/>
+                  </a:xfrm>
+                  <a:prstGeom prst="rect">
+                    <a:avLst/>
+                  </a:prstGeom>
+                  <a:noFill/>
+                </p:spPr>
+                <p:txBody>
+                  <a:bodyPr wrap="none" lIns="0" tIns="0" rIns="0" bIns="0" rtlCol="0">
+                    <a:spAutoFit/>
+                  </a:bodyPr>
+                  <a:lstStyle/>
+                  <a:p>
+                    <a:pPr/>
+                    <a14:m>
+                      <m:oMathPara xmlns:m="http://schemas.openxmlformats.org/officeDocument/2006/math">
+                        <m:oMathParaPr>
+                          <m:jc m:val="centerGroup"/>
+                        </m:oMathParaPr>
+                        <m:oMath xmlns:m="http://schemas.openxmlformats.org/officeDocument/2006/math">
+                          <m:acc>
+                            <m:accPr>
+                              <m:chr m:val="⃗"/>
+                              <m:ctrlPr>
+                                <a:rPr lang="en-US" sz="2000" b="0" i="1" smtClean="0">
+                                  <a:latin typeface="Cambria Math" panose="02040503050406030204" pitchFamily="18" charset="0"/>
+                                  <a:cs typeface="Arial" panose="020B0604020202020204" pitchFamily="34" charset="0"/>
+                                </a:rPr>
+                              </m:ctrlPr>
+                            </m:accPr>
+                            <m:e>
+                              <m:r>
+                                <a:rPr lang="en-US" sz="2000" b="0" i="1" smtClean="0">
+                                  <a:latin typeface="Cambria Math" panose="02040503050406030204" pitchFamily="18" charset="0"/>
+                                  <a:cs typeface="Arial" panose="020B0604020202020204" pitchFamily="34" charset="0"/>
+                                </a:rPr>
+                                <m:t>𝑣</m:t>
+                              </m:r>
+                            </m:e>
+                          </m:acc>
+                        </m:oMath>
+                      </m:oMathPara>
+                    </a14:m>
+                    <a:endParaRPr lang="en-US" sz="2000" dirty="0" smtClean="0">
+                      <a:latin typeface="Arial" panose="020B0604020202020204" pitchFamily="34" charset="0"/>
+                      <a:cs typeface="Arial" panose="020B0604020202020204" pitchFamily="34" charset="0"/>
+                    </a:endParaRPr>
+                  </a:p>
+                </p:txBody>
+              </p:sp>
+            </mc:Choice>
+            <mc:Fallback xmlns="">
+              <p:sp>
+                <p:nvSpPr>
+                  <p:cNvPr id="81" name="TextBox 80"/>
+                  <p:cNvSpPr txBox="1">
+                    <a:spLocks noRot="1" noChangeAspect="1" noMove="1" noResize="1" noEditPoints="1" noAdjustHandles="1" noChangeArrowheads="1" noChangeShapeType="1" noTextEdit="1"/>
+                  </p:cNvSpPr>
+                  <p:nvPr/>
+                </p:nvSpPr>
+                <p:spPr>
+                  <a:xfrm>
+                    <a:off x="9233549" y="3937503"/>
+                    <a:ext cx="217495" cy="307777"/>
+                  </a:xfrm>
+                  <a:prstGeom prst="rect">
+                    <a:avLst/>
+                  </a:prstGeom>
+                  <a:blipFill>
+                    <a:blip r:embed="rId19"/>
+                    <a:stretch>
+                      <a:fillRect l="-19444" t="-33333" r="-94444" b="-5882"/>
+                    </a:stretch>
+                  </a:blipFill>
+                </p:spPr>
+                <p:txBody>
+                  <a:bodyPr/>
+                  <a:lstStyle/>
+                  <a:p>
+                    <a:r>
+                      <a:rPr lang="en-US">
+                        <a:noFill/>
+                      </a:rPr>
+                      <a:t> </a:t>
+                    </a:r>
+                  </a:p>
+                </p:txBody>
+              </p:sp>
+            </mc:Fallback>
+          </mc:AlternateContent>
+          <p:cxnSp>
+            <p:nvCxnSpPr>
+              <p:cNvPr id="83" name="Straight Arrow Connector 82"/>
+              <p:cNvCxnSpPr/>
+              <p:nvPr/>
+            </p:nvCxnSpPr>
+            <p:spPr>
+              <a:xfrm flipH="1" flipV="1">
+                <a:off x="7116093" y="3516372"/>
+                <a:ext cx="285739" cy="659770"/>
+              </a:xfrm>
+              <a:prstGeom prst="straightConnector1">
+                <a:avLst/>
+              </a:prstGeom>
+              <a:ln w="57150">
+                <a:solidFill>
+                  <a:schemeClr val="tx1"/>
+                </a:solidFill>
+                <a:tailEnd type="triangle"/>
+              </a:ln>
+            </p:spPr>
+            <p:style>
+              <a:lnRef idx="1">
+                <a:schemeClr val="accent1"/>
+              </a:lnRef>
+              <a:fillRef idx="0">
+                <a:schemeClr val="accent1"/>
+              </a:fillRef>
+              <a:effectRef idx="0">
+                <a:schemeClr val="accent1"/>
+              </a:effectRef>
+              <a:fontRef idx="minor">
+                <a:schemeClr val="tx1"/>
+              </a:fontRef>
+            </p:style>
+          </p:cxnSp>
+          <mc:AlternateContent xmlns:mc="http://schemas.openxmlformats.org/markup-compatibility/2006" xmlns:a14="http://schemas.microsoft.com/office/drawing/2010/main">
+            <mc:Choice Requires="a14">
+              <p:sp>
+                <p:nvSpPr>
+                  <p:cNvPr id="85" name="TextBox 84"/>
+                  <p:cNvSpPr txBox="1"/>
+                  <p:nvPr/>
+                </p:nvSpPr>
+                <p:spPr>
+                  <a:xfrm>
+                    <a:off x="7012683" y="3193259"/>
+                    <a:ext cx="323083" cy="307777"/>
+                  </a:xfrm>
+                  <a:prstGeom prst="rect">
+                    <a:avLst/>
+                  </a:prstGeom>
+                  <a:noFill/>
+                </p:spPr>
+                <p:txBody>
+                  <a:bodyPr wrap="square" lIns="0" tIns="0" rIns="0" bIns="0" rtlCol="0">
+                    <a:spAutoFit/>
+                  </a:bodyPr>
+                  <a:lstStyle/>
+                  <a:p>
+                    <a:pPr/>
+                    <a14:m>
+                      <m:oMathPara xmlns:m="http://schemas.openxmlformats.org/officeDocument/2006/math">
+                        <m:oMathParaPr>
+                          <m:jc m:val="centerGroup"/>
+                        </m:oMathParaPr>
+                        <m:oMath xmlns:m="http://schemas.openxmlformats.org/officeDocument/2006/math">
+                          <m:acc>
+                            <m:accPr>
+                              <m:chr m:val="⃗"/>
+                              <m:ctrlPr>
+                                <a:rPr lang="en-US" sz="2000" b="0" i="1" smtClean="0">
+                                  <a:latin typeface="Cambria Math" panose="02040503050406030204" pitchFamily="18" charset="0"/>
+                                  <a:cs typeface="Arial" panose="020B0604020202020204" pitchFamily="34" charset="0"/>
+                                </a:rPr>
+                              </m:ctrlPr>
+                            </m:accPr>
+                            <m:e>
+                              <m:r>
+                                <a:rPr lang="en-US" sz="2000" b="0" i="1" smtClean="0">
+                                  <a:latin typeface="Cambria Math" panose="02040503050406030204" pitchFamily="18" charset="0"/>
+                                  <a:cs typeface="Arial" panose="020B0604020202020204" pitchFamily="34" charset="0"/>
+                                </a:rPr>
+                                <m:t>𝜔</m:t>
+                              </m:r>
+                            </m:e>
+                          </m:acc>
+                        </m:oMath>
+                      </m:oMathPara>
+                    </a14:m>
+                    <a:endParaRPr lang="en-US" sz="2000" dirty="0" smtClean="0">
+                      <a:latin typeface="Arial" panose="020B0604020202020204" pitchFamily="34" charset="0"/>
+                      <a:cs typeface="Arial" panose="020B0604020202020204" pitchFamily="34" charset="0"/>
+                    </a:endParaRPr>
+                  </a:p>
+                </p:txBody>
+              </p:sp>
+            </mc:Choice>
+            <mc:Fallback xmlns="">
+              <p:sp>
+                <p:nvSpPr>
+                  <p:cNvPr id="85" name="TextBox 84"/>
+                  <p:cNvSpPr txBox="1">
+                    <a:spLocks noRot="1" noChangeAspect="1" noMove="1" noResize="1" noEditPoints="1" noAdjustHandles="1" noChangeArrowheads="1" noChangeShapeType="1" noTextEdit="1"/>
+                  </p:cNvSpPr>
+                  <p:nvPr/>
+                </p:nvSpPr>
+                <p:spPr>
+                  <a:xfrm>
+                    <a:off x="7012683" y="3193259"/>
+                    <a:ext cx="323083" cy="307777"/>
+                  </a:xfrm>
+                  <a:prstGeom prst="rect">
+                    <a:avLst/>
+                  </a:prstGeom>
+                  <a:blipFill>
+                    <a:blip r:embed="rId20"/>
+                    <a:stretch>
+                      <a:fillRect b="-1961"/>
+                    </a:stretch>
+                  </a:blipFill>
+                </p:spPr>
+                <p:txBody>
+                  <a:bodyPr/>
+                  <a:lstStyle/>
+                  <a:p>
+                    <a:r>
+                      <a:rPr lang="en-US">
+                        <a:noFill/>
+                      </a:rPr>
+                      <a:t> </a:t>
+                    </a:r>
+                  </a:p>
+                </p:txBody>
+              </p:sp>
+            </mc:Fallback>
+          </mc:AlternateContent>
         </p:grpSp>
         <p:cxnSp>
           <p:nvCxnSpPr>
-            <p:cNvPr id="32" name="Straight Arrow Connector 31"/>
+            <p:cNvPr id="36" name="Straight Connector 35"/>
             <p:cNvCxnSpPr/>
             <p:nvPr/>
           </p:nvCxnSpPr>
           <p:spPr>
-            <a:xfrm flipV="1">
-              <a:off x="8947368" y="3875050"/>
-              <a:ext cx="324692" cy="447395"/>
+            <a:xfrm flipH="1">
+              <a:off x="8360197" y="4992965"/>
+              <a:ext cx="504979" cy="381675"/>
             </a:xfrm>
-            <a:prstGeom prst="straightConnector1">
+            <a:prstGeom prst="line">
               <a:avLst/>
             </a:prstGeom>
-            <a:ln w="38100">
+            <a:ln w="19050">
               <a:solidFill>
                 <a:schemeClr val="tx1"/>
               </a:solidFill>
-              <a:tailEnd type="triangle"/>
+              <a:prstDash val="sysDash"/>
+            </a:ln>
+          </p:spPr>
+          <p:style>
+            <a:lnRef idx="1">
+              <a:schemeClr val="accent1"/>
+            </a:lnRef>
+            <a:fillRef idx="0">
+              <a:schemeClr val="accent1"/>
+            </a:fillRef>
+            <a:effectRef idx="0">
+              <a:schemeClr val="accent1"/>
+            </a:effectRef>
+            <a:fontRef idx="minor">
+              <a:schemeClr val="tx1"/>
+            </a:fontRef>
+          </p:style>
+        </p:cxnSp>
+        <p:cxnSp>
+          <p:nvCxnSpPr>
+            <p:cNvPr id="67" name="Straight Connector 66"/>
+            <p:cNvCxnSpPr>
+              <a:endCxn id="2" idx="2"/>
+            </p:cNvCxnSpPr>
+            <p:nvPr/>
+          </p:nvCxnSpPr>
+          <p:spPr>
+            <a:xfrm flipH="1">
+              <a:off x="8139524" y="4992965"/>
+              <a:ext cx="712136" cy="286423"/>
+            </a:xfrm>
+            <a:prstGeom prst="line">
+              <a:avLst/>
+            </a:prstGeom>
+            <a:ln w="19050">
+              <a:solidFill>
+                <a:schemeClr val="tx1"/>
+              </a:solidFill>
+              <a:prstDash val="sysDash"/>
             </a:ln>
           </p:spPr>
           <p:style>
@@ -15088,14 +15416,14 @@
           <mc:Choice xmlns:a14="http://schemas.microsoft.com/office/drawing/2010/main" Requires="a14">
             <p:sp>
               <p:nvSpPr>
-                <p:cNvPr id="81" name="TextBox 80"/>
+                <p:cNvPr id="41" name="TextBox 40"/>
                 <p:cNvSpPr txBox="1"/>
                 <p:nvPr/>
               </p:nvSpPr>
               <p:spPr>
                 <a:xfrm>
-                  <a:off x="9233549" y="3937503"/>
-                  <a:ext cx="217495" cy="307777"/>
+                  <a:off x="8263128" y="5147277"/>
+                  <a:ext cx="179152" cy="246221"/>
                 </a:xfrm>
                 <a:prstGeom prst="rect">
                   <a:avLst/>
@@ -15114,30 +15442,17 @@
                         <m:jc m:val="centerGroup"/>
                       </m:oMathParaPr>
                       <m:oMath xmlns:m="http://schemas.openxmlformats.org/officeDocument/2006/math">
-                        <m:acc>
-                          <m:accPr>
-                            <m:chr m:val="⃗"/>
-                            <m:ctrlPr>
-                              <a:rPr lang="en-US" sz="2000" b="0" i="1" smtClean="0">
-                                <a:latin typeface="Cambria Math" panose="02040503050406030204" pitchFamily="18" charset="0"/>
-                                <a:cs typeface="Arial" panose="020B0604020202020204" pitchFamily="34" charset="0"/>
-                              </a:rPr>
-                            </m:ctrlPr>
-                          </m:accPr>
-                          <m:e>
-                            <m:r>
-                              <a:rPr lang="en-US" sz="2000" b="0" i="1" smtClean="0">
-                                <a:latin typeface="Cambria Math" panose="02040503050406030204" pitchFamily="18" charset="0"/>
-                                <a:cs typeface="Arial" panose="020B0604020202020204" pitchFamily="34" charset="0"/>
-                              </a:rPr>
-                              <m:t>𝑣</m:t>
-                            </m:r>
-                          </m:e>
-                        </m:acc>
+                        <m:r>
+                          <a:rPr lang="en-US" sz="1600" b="0" i="1" smtClean="0">
+                            <a:latin typeface="Cambria Math" panose="02040503050406030204" pitchFamily="18" charset="0"/>
+                            <a:cs typeface="Arial" panose="020B0604020202020204" pitchFamily="34" charset="0"/>
+                          </a:rPr>
+                          <m:t>𝜃</m:t>
+                        </m:r>
                       </m:oMath>
                     </m:oMathPara>
                   </a14:m>
-                  <a:endParaRPr lang="en-US" sz="2000" dirty="0" smtClean="0">
+                  <a:endParaRPr lang="en-US" sz="1600" dirty="0" smtClean="0">
                     <a:latin typeface="Arial" panose="020B0604020202020204" pitchFamily="34" charset="0"/>
                     <a:cs typeface="Arial" panose="020B0604020202020204" pitchFamily="34" charset="0"/>
                   </a:endParaRPr>
@@ -15148,7 +15463,7 @@
           <mc:Fallback>
             <p:sp>
               <p:nvSpPr>
-                <p:cNvPr id="81" name="TextBox 80"/>
+                <p:cNvPr id="41" name="TextBox 40"/>
                 <p:cNvSpPr txBox="1">
                   <a:spLocks noRot="1" noChangeAspect="1" noMove="1" noResize="1" noEditPoints="1" noAdjustHandles="1" noChangeArrowheads="1" noChangeShapeType="1" noTextEdit="1"/>
                 </p:cNvSpPr>
@@ -15156,152 +15471,16 @@
               </p:nvSpPr>
               <p:spPr>
                 <a:xfrm>
-                  <a:off x="9233549" y="3937503"/>
-                  <a:ext cx="217495" cy="307777"/>
+                  <a:off x="8263128" y="5147277"/>
+                  <a:ext cx="179152" cy="246221"/>
                 </a:xfrm>
                 <a:prstGeom prst="rect">
                   <a:avLst/>
                 </a:prstGeom>
                 <a:blipFill>
-                  <a:blip r:embed="rId19"/>
+                  <a:blip r:embed="rId21"/>
                   <a:stretch>
-                    <a:fillRect l="-19444" t="-33333" r="-94444" b="-5882"/>
-                  </a:stretch>
-                </a:blipFill>
-              </p:spPr>
-              <p:txBody>
-                <a:bodyPr/>
-                <a:lstStyle/>
-                <a:p>
-                  <a:r>
-                    <a:rPr lang="en-US">
-                      <a:noFill/>
-                    </a:rPr>
-                    <a:t> </a:t>
-                  </a:r>
-                </a:p>
-              </p:txBody>
-            </p:sp>
-          </mc:Fallback>
-        </mc:AlternateContent>
-        <p:cxnSp>
-          <p:nvCxnSpPr>
-            <p:cNvPr id="83" name="Straight Arrow Connector 82"/>
-            <p:cNvCxnSpPr/>
-            <p:nvPr/>
-          </p:nvCxnSpPr>
-          <p:spPr>
-            <a:xfrm flipH="1" flipV="1">
-              <a:off x="7116093" y="3516372"/>
-              <a:ext cx="285739" cy="659770"/>
-            </a:xfrm>
-            <a:prstGeom prst="straightConnector1">
-              <a:avLst/>
-            </a:prstGeom>
-            <a:ln w="57150">
-              <a:solidFill>
-                <a:schemeClr val="tx1"/>
-              </a:solidFill>
-              <a:tailEnd type="triangle"/>
-            </a:ln>
-          </p:spPr>
-          <p:style>
-            <a:lnRef idx="1">
-              <a:schemeClr val="accent1"/>
-            </a:lnRef>
-            <a:fillRef idx="0">
-              <a:schemeClr val="accent1"/>
-            </a:fillRef>
-            <a:effectRef idx="0">
-              <a:schemeClr val="accent1"/>
-            </a:effectRef>
-            <a:fontRef idx="minor">
-              <a:schemeClr val="tx1"/>
-            </a:fontRef>
-          </p:style>
-        </p:cxnSp>
-        <mc:AlternateContent xmlns:mc="http://schemas.openxmlformats.org/markup-compatibility/2006">
-          <mc:Choice xmlns:a14="http://schemas.microsoft.com/office/drawing/2010/main" Requires="a14">
-            <p:sp>
-              <p:nvSpPr>
-                <p:cNvPr id="85" name="TextBox 84"/>
-                <p:cNvSpPr txBox="1"/>
-                <p:nvPr/>
-              </p:nvSpPr>
-              <p:spPr>
-                <a:xfrm>
-                  <a:off x="7012683" y="3193259"/>
-                  <a:ext cx="323083" cy="307777"/>
-                </a:xfrm>
-                <a:prstGeom prst="rect">
-                  <a:avLst/>
-                </a:prstGeom>
-                <a:noFill/>
-              </p:spPr>
-              <p:txBody>
-                <a:bodyPr wrap="square" lIns="0" tIns="0" rIns="0" bIns="0" rtlCol="0">
-                  <a:spAutoFit/>
-                </a:bodyPr>
-                <a:lstStyle/>
-                <a:p>
-                  <a14:m>
-                    <m:oMathPara xmlns:m="http://schemas.openxmlformats.org/officeDocument/2006/math">
-                      <m:oMathParaPr>
-                        <m:jc m:val="centerGroup"/>
-                      </m:oMathParaPr>
-                      <m:oMath xmlns:m="http://schemas.openxmlformats.org/officeDocument/2006/math">
-                        <m:acc>
-                          <m:accPr>
-                            <m:chr m:val="⃗"/>
-                            <m:ctrlPr>
-                              <a:rPr lang="en-US" sz="2000" b="0" i="1" smtClean="0">
-                                <a:latin typeface="Cambria Math" panose="02040503050406030204" pitchFamily="18" charset="0"/>
-                                <a:cs typeface="Arial" panose="020B0604020202020204" pitchFamily="34" charset="0"/>
-                              </a:rPr>
-                            </m:ctrlPr>
-                          </m:accPr>
-                          <m:e>
-                            <m:r>
-                              <a:rPr lang="en-US" sz="2000" b="0" i="1" smtClean="0">
-                                <a:latin typeface="Cambria Math" panose="02040503050406030204" pitchFamily="18" charset="0"/>
-                                <a:cs typeface="Arial" panose="020B0604020202020204" pitchFamily="34" charset="0"/>
-                              </a:rPr>
-                              <m:t>𝜔</m:t>
-                            </m:r>
-                          </m:e>
-                        </m:acc>
-                      </m:oMath>
-                    </m:oMathPara>
-                  </a14:m>
-                  <a:endParaRPr lang="en-US" sz="2000" dirty="0" smtClean="0">
-                    <a:latin typeface="Arial" panose="020B0604020202020204" pitchFamily="34" charset="0"/>
-                    <a:cs typeface="Arial" panose="020B0604020202020204" pitchFamily="34" charset="0"/>
-                  </a:endParaRPr>
-                </a:p>
-              </p:txBody>
-            </p:sp>
-          </mc:Choice>
-          <mc:Fallback>
-            <p:sp>
-              <p:nvSpPr>
-                <p:cNvPr id="85" name="TextBox 84"/>
-                <p:cNvSpPr txBox="1">
-                  <a:spLocks noRot="1" noChangeAspect="1" noMove="1" noResize="1" noEditPoints="1" noAdjustHandles="1" noChangeArrowheads="1" noChangeShapeType="1" noTextEdit="1"/>
-                </p:cNvSpPr>
-                <p:nvPr/>
-              </p:nvSpPr>
-              <p:spPr>
-                <a:xfrm>
-                  <a:off x="7012683" y="3193259"/>
-                  <a:ext cx="323083" cy="307777"/>
-                </a:xfrm>
-                <a:prstGeom prst="rect">
-                  <a:avLst/>
-                </a:prstGeom>
-                <a:blipFill>
-                  <a:blip r:embed="rId20"/>
-                  <a:stretch>
-                    <a:fillRect b="-1961"/>
+                    <a:fillRect l="-24138" r="-24138" b="-10000"/>
                   </a:stretch>
                 </a:blipFill>
               </p:spPr>
@@ -27536,8 +27715,8 @@
                 </p:sp>
               </mc:Fallback>
             </mc:AlternateContent>
-            <mc:AlternateContent xmlns:mc="http://schemas.openxmlformats.org/markup-compatibility/2006">
-              <mc:Choice xmlns:a14="http://schemas.microsoft.com/office/drawing/2010/main" Requires="a14">
+            <mc:AlternateContent xmlns:mc="http://schemas.openxmlformats.org/markup-compatibility/2006" xmlns:a14="http://schemas.microsoft.com/office/drawing/2010/main">
+              <mc:Choice Requires="a14">
                 <p:sp>
                   <p:nvSpPr>
                     <p:cNvPr id="16" name="TextBox 15"/>
@@ -27585,7 +27764,7 @@
                   </p:txBody>
                 </p:sp>
               </mc:Choice>
-              <mc:Fallback>
+              <mc:Fallback xmlns="">
                 <p:sp>
                   <p:nvSpPr>
                     <p:cNvPr id="16" name="TextBox 15"/>

--- a/tex/figures/RotationalDynamics/Figures.pptx
+++ b/tex/figures/RotationalDynamics/Figures.pptx
@@ -253,7 +253,7 @@
           <a:p>
             <a:fld id="{F7249F8D-641B-4CAF-BAE5-10524742F6F1}" type="datetimeFigureOut">
               <a:rPr lang="en-CA" smtClean="0"/>
-              <a:t>2018-07-09</a:t>
+              <a:t>2018-07-10</a:t>
             </a:fld>
             <a:endParaRPr lang="en-CA"/>
           </a:p>
@@ -423,7 +423,7 @@
           <a:p>
             <a:fld id="{F7249F8D-641B-4CAF-BAE5-10524742F6F1}" type="datetimeFigureOut">
               <a:rPr lang="en-CA" smtClean="0"/>
-              <a:t>2018-07-09</a:t>
+              <a:t>2018-07-10</a:t>
             </a:fld>
             <a:endParaRPr lang="en-CA"/>
           </a:p>
@@ -603,7 +603,7 @@
           <a:p>
             <a:fld id="{F7249F8D-641B-4CAF-BAE5-10524742F6F1}" type="datetimeFigureOut">
               <a:rPr lang="en-CA" smtClean="0"/>
-              <a:t>2018-07-09</a:t>
+              <a:t>2018-07-10</a:t>
             </a:fld>
             <a:endParaRPr lang="en-CA"/>
           </a:p>
@@ -773,7 +773,7 @@
           <a:p>
             <a:fld id="{F7249F8D-641B-4CAF-BAE5-10524742F6F1}" type="datetimeFigureOut">
               <a:rPr lang="en-CA" smtClean="0"/>
-              <a:t>2018-07-09</a:t>
+              <a:t>2018-07-10</a:t>
             </a:fld>
             <a:endParaRPr lang="en-CA"/>
           </a:p>
@@ -1019,7 +1019,7 @@
           <a:p>
             <a:fld id="{F7249F8D-641B-4CAF-BAE5-10524742F6F1}" type="datetimeFigureOut">
               <a:rPr lang="en-CA" smtClean="0"/>
-              <a:t>2018-07-09</a:t>
+              <a:t>2018-07-10</a:t>
             </a:fld>
             <a:endParaRPr lang="en-CA"/>
           </a:p>
@@ -1251,7 +1251,7 @@
           <a:p>
             <a:fld id="{F7249F8D-641B-4CAF-BAE5-10524742F6F1}" type="datetimeFigureOut">
               <a:rPr lang="en-CA" smtClean="0"/>
-              <a:t>2018-07-09</a:t>
+              <a:t>2018-07-10</a:t>
             </a:fld>
             <a:endParaRPr lang="en-CA"/>
           </a:p>
@@ -1618,7 +1618,7 @@
           <a:p>
             <a:fld id="{F7249F8D-641B-4CAF-BAE5-10524742F6F1}" type="datetimeFigureOut">
               <a:rPr lang="en-CA" smtClean="0"/>
-              <a:t>2018-07-09</a:t>
+              <a:t>2018-07-10</a:t>
             </a:fld>
             <a:endParaRPr lang="en-CA"/>
           </a:p>
@@ -1736,7 +1736,7 @@
           <a:p>
             <a:fld id="{F7249F8D-641B-4CAF-BAE5-10524742F6F1}" type="datetimeFigureOut">
               <a:rPr lang="en-CA" smtClean="0"/>
-              <a:t>2018-07-09</a:t>
+              <a:t>2018-07-10</a:t>
             </a:fld>
             <a:endParaRPr lang="en-CA"/>
           </a:p>
@@ -1831,7 +1831,7 @@
           <a:p>
             <a:fld id="{F7249F8D-641B-4CAF-BAE5-10524742F6F1}" type="datetimeFigureOut">
               <a:rPr lang="en-CA" smtClean="0"/>
-              <a:t>2018-07-09</a:t>
+              <a:t>2018-07-10</a:t>
             </a:fld>
             <a:endParaRPr lang="en-CA"/>
           </a:p>
@@ -2108,7 +2108,7 @@
           <a:p>
             <a:fld id="{F7249F8D-641B-4CAF-BAE5-10524742F6F1}" type="datetimeFigureOut">
               <a:rPr lang="en-CA" smtClean="0"/>
-              <a:t>2018-07-09</a:t>
+              <a:t>2018-07-10</a:t>
             </a:fld>
             <a:endParaRPr lang="en-CA"/>
           </a:p>
@@ -2361,7 +2361,7 @@
           <a:p>
             <a:fld id="{F7249F8D-641B-4CAF-BAE5-10524742F6F1}" type="datetimeFigureOut">
               <a:rPr lang="en-CA" smtClean="0"/>
-              <a:t>2018-07-09</a:t>
+              <a:t>2018-07-10</a:t>
             </a:fld>
             <a:endParaRPr lang="en-CA"/>
           </a:p>
@@ -2574,7 +2574,7 @@
           <a:p>
             <a:fld id="{F7249F8D-641B-4CAF-BAE5-10524742F6F1}" type="datetimeFigureOut">
               <a:rPr lang="en-CA" smtClean="0"/>
-              <a:t>2018-07-09</a:t>
+              <a:t>2018-07-10</a:t>
             </a:fld>
             <a:endParaRPr lang="en-CA"/>
           </a:p>
@@ -15412,8 +15412,8 @@
             </a:fontRef>
           </p:style>
         </p:cxnSp>
-        <mc:AlternateContent xmlns:mc="http://schemas.openxmlformats.org/markup-compatibility/2006">
-          <mc:Choice xmlns:a14="http://schemas.microsoft.com/office/drawing/2010/main" Requires="a14">
+        <mc:AlternateContent xmlns:mc="http://schemas.openxmlformats.org/markup-compatibility/2006" xmlns:a14="http://schemas.microsoft.com/office/drawing/2010/main">
+          <mc:Choice Requires="a14">
             <p:sp>
               <p:nvSpPr>
                 <p:cNvPr id="41" name="TextBox 40"/>
@@ -15436,6 +15436,7 @@
                 </a:bodyPr>
                 <a:lstStyle/>
                 <a:p>
+                  <a:pPr/>
                   <a14:m>
                     <m:oMathPara xmlns:m="http://schemas.openxmlformats.org/officeDocument/2006/math">
                       <m:oMathParaPr>
@@ -15460,7 +15461,7 @@
               </p:txBody>
             </p:sp>
           </mc:Choice>
-          <mc:Fallback>
+          <mc:Fallback xmlns="">
             <p:sp>
               <p:nvSpPr>
                 <p:cNvPr id="41" name="TextBox 40"/>
@@ -23046,7 +23047,7 @@
         </p:nvGrpSpPr>
         <p:grpSpPr>
           <a:xfrm>
-            <a:off x="4352959" y="2100706"/>
+            <a:off x="5382677" y="1794312"/>
             <a:ext cx="2619620" cy="2197592"/>
             <a:chOff x="4352959" y="2100706"/>
             <a:chExt cx="2619620" cy="2197592"/>
@@ -24538,7 +24539,7 @@
         </p:nvGrpSpPr>
         <p:grpSpPr>
           <a:xfrm>
-            <a:off x="8071986" y="1977919"/>
+            <a:off x="9101704" y="1671525"/>
             <a:ext cx="2619620" cy="2197592"/>
             <a:chOff x="8071986" y="1977919"/>
             <a:chExt cx="2619620" cy="2197592"/>
@@ -27049,6 +27050,1037 @@
             </a:p>
           </p:txBody>
         </p:sp>
+      </p:grpSp>
+      <p:grpSp>
+        <p:nvGrpSpPr>
+          <p:cNvPr id="84" name="Group 83"/>
+          <p:cNvGrpSpPr/>
+          <p:nvPr/>
+        </p:nvGrpSpPr>
+        <p:grpSpPr>
+          <a:xfrm>
+            <a:off x="5738108" y="4711729"/>
+            <a:ext cx="3719027" cy="1808758"/>
+            <a:chOff x="5738108" y="4711729"/>
+            <a:chExt cx="3719027" cy="1808758"/>
+          </a:xfrm>
+        </p:grpSpPr>
+        <p:sp>
+          <p:nvSpPr>
+            <p:cNvPr id="2" name="Oval 1"/>
+            <p:cNvSpPr/>
+            <p:nvPr/>
+          </p:nvSpPr>
+          <p:spPr>
+            <a:xfrm>
+              <a:off x="5738108" y="4947920"/>
+              <a:ext cx="255329" cy="255329"/>
+            </a:xfrm>
+            <a:prstGeom prst="ellipse">
+              <a:avLst/>
+            </a:prstGeom>
+            <a:solidFill>
+              <a:schemeClr val="tx1"/>
+            </a:solidFill>
+            <a:ln w="38100">
+              <a:solidFill>
+                <a:schemeClr val="tx1"/>
+              </a:solidFill>
+            </a:ln>
+          </p:spPr>
+          <p:style>
+            <a:lnRef idx="2">
+              <a:schemeClr val="accent1">
+                <a:shade val="50000"/>
+              </a:schemeClr>
+            </a:lnRef>
+            <a:fillRef idx="1">
+              <a:schemeClr val="accent1"/>
+            </a:fillRef>
+            <a:effectRef idx="0">
+              <a:schemeClr val="accent1"/>
+            </a:effectRef>
+            <a:fontRef idx="minor">
+              <a:schemeClr val="lt1"/>
+            </a:fontRef>
+          </p:style>
+          <p:txBody>
+            <a:bodyPr rtlCol="0" anchor="ctr"/>
+            <a:lstStyle/>
+            <a:p>
+              <a:pPr algn="ctr"/>
+              <a:endParaRPr lang="en-US"/>
+            </a:p>
+          </p:txBody>
+        </p:sp>
+        <p:sp>
+          <p:nvSpPr>
+            <p:cNvPr id="88" name="Oval 87"/>
+            <p:cNvSpPr/>
+            <p:nvPr/>
+          </p:nvSpPr>
+          <p:spPr>
+            <a:xfrm>
+              <a:off x="7937712" y="4947920"/>
+              <a:ext cx="255329" cy="255329"/>
+            </a:xfrm>
+            <a:prstGeom prst="ellipse">
+              <a:avLst/>
+            </a:prstGeom>
+            <a:solidFill>
+              <a:schemeClr val="tx1"/>
+            </a:solidFill>
+            <a:ln w="38100">
+              <a:solidFill>
+                <a:schemeClr val="tx1"/>
+              </a:solidFill>
+            </a:ln>
+          </p:spPr>
+          <p:style>
+            <a:lnRef idx="2">
+              <a:schemeClr val="accent1">
+                <a:shade val="50000"/>
+              </a:schemeClr>
+            </a:lnRef>
+            <a:fillRef idx="1">
+              <a:schemeClr val="accent1"/>
+            </a:fillRef>
+            <a:effectRef idx="0">
+              <a:schemeClr val="accent1"/>
+            </a:effectRef>
+            <a:fontRef idx="minor">
+              <a:schemeClr val="lt1"/>
+            </a:fontRef>
+          </p:style>
+          <p:txBody>
+            <a:bodyPr rtlCol="0" anchor="ctr"/>
+            <a:lstStyle/>
+            <a:p>
+              <a:pPr algn="ctr"/>
+              <a:endParaRPr lang="en-US"/>
+            </a:p>
+          </p:txBody>
+        </p:sp>
+        <p:cxnSp>
+          <p:nvCxnSpPr>
+            <p:cNvPr id="10" name="Straight Arrow Connector 9"/>
+            <p:cNvCxnSpPr>
+              <a:stCxn id="2" idx="6"/>
+            </p:cNvCxnSpPr>
+            <p:nvPr/>
+          </p:nvCxnSpPr>
+          <p:spPr>
+            <a:xfrm flipV="1">
+              <a:off x="5993437" y="5075584"/>
+              <a:ext cx="769064" cy="1"/>
+            </a:xfrm>
+            <a:prstGeom prst="straightConnector1">
+              <a:avLst/>
+            </a:prstGeom>
+            <a:ln w="38100">
+              <a:solidFill>
+                <a:schemeClr val="tx1"/>
+              </a:solidFill>
+              <a:tailEnd type="triangle"/>
+            </a:ln>
+          </p:spPr>
+          <p:style>
+            <a:lnRef idx="1">
+              <a:schemeClr val="accent1"/>
+            </a:lnRef>
+            <a:fillRef idx="0">
+              <a:schemeClr val="accent1"/>
+            </a:fillRef>
+            <a:effectRef idx="0">
+              <a:schemeClr val="accent1"/>
+            </a:effectRef>
+            <a:fontRef idx="minor">
+              <a:schemeClr val="tx1"/>
+            </a:fontRef>
+          </p:style>
+        </p:cxnSp>
+        <p:cxnSp>
+          <p:nvCxnSpPr>
+            <p:cNvPr id="98" name="Straight Arrow Connector 97"/>
+            <p:cNvCxnSpPr/>
+            <p:nvPr/>
+          </p:nvCxnSpPr>
+          <p:spPr>
+            <a:xfrm flipH="1">
+              <a:off x="7154415" y="5071967"/>
+              <a:ext cx="759296" cy="3617"/>
+            </a:xfrm>
+            <a:prstGeom prst="straightConnector1">
+              <a:avLst/>
+            </a:prstGeom>
+            <a:ln w="38100">
+              <a:solidFill>
+                <a:schemeClr val="tx1"/>
+              </a:solidFill>
+              <a:tailEnd type="triangle"/>
+            </a:ln>
+          </p:spPr>
+          <p:style>
+            <a:lnRef idx="1">
+              <a:schemeClr val="accent1"/>
+            </a:lnRef>
+            <a:fillRef idx="0">
+              <a:schemeClr val="accent1"/>
+            </a:fillRef>
+            <a:effectRef idx="0">
+              <a:schemeClr val="accent1"/>
+            </a:effectRef>
+            <a:fontRef idx="minor">
+              <a:schemeClr val="tx1"/>
+            </a:fontRef>
+          </p:style>
+        </p:cxnSp>
+        <p:sp>
+          <p:nvSpPr>
+            <p:cNvPr id="102" name="Oval 101"/>
+            <p:cNvSpPr/>
+            <p:nvPr/>
+          </p:nvSpPr>
+          <p:spPr>
+            <a:xfrm>
+              <a:off x="8771632" y="6115328"/>
+              <a:ext cx="120943" cy="119766"/>
+            </a:xfrm>
+            <a:prstGeom prst="ellipse">
+              <a:avLst/>
+            </a:prstGeom>
+            <a:solidFill>
+              <a:schemeClr val="tx1"/>
+            </a:solidFill>
+            <a:ln w="38100">
+              <a:solidFill>
+                <a:schemeClr val="tx1"/>
+              </a:solidFill>
+            </a:ln>
+          </p:spPr>
+          <p:style>
+            <a:lnRef idx="2">
+              <a:schemeClr val="accent1">
+                <a:shade val="50000"/>
+              </a:schemeClr>
+            </a:lnRef>
+            <a:fillRef idx="1">
+              <a:schemeClr val="accent1"/>
+            </a:fillRef>
+            <a:effectRef idx="0">
+              <a:schemeClr val="accent1"/>
+            </a:effectRef>
+            <a:fontRef idx="minor">
+              <a:schemeClr val="lt1"/>
+            </a:fontRef>
+          </p:style>
+          <p:txBody>
+            <a:bodyPr rtlCol="0" anchor="ctr"/>
+            <a:lstStyle/>
+            <a:p>
+              <a:pPr algn="ctr"/>
+              <a:endParaRPr lang="en-US"/>
+            </a:p>
+          </p:txBody>
+        </p:sp>
+        <p:cxnSp>
+          <p:nvCxnSpPr>
+            <p:cNvPr id="25" name="Straight Arrow Connector 24"/>
+            <p:cNvCxnSpPr>
+              <a:stCxn id="102" idx="2"/>
+              <a:endCxn id="2" idx="5"/>
+            </p:cNvCxnSpPr>
+            <p:nvPr/>
+          </p:nvCxnSpPr>
+          <p:spPr>
+            <a:xfrm flipH="1" flipV="1">
+              <a:off x="5956045" y="5165857"/>
+              <a:ext cx="2815587" cy="1009354"/>
+            </a:xfrm>
+            <a:prstGeom prst="straightConnector1">
+              <a:avLst/>
+            </a:prstGeom>
+            <a:ln w="38100">
+              <a:solidFill>
+                <a:schemeClr val="tx1"/>
+              </a:solidFill>
+              <a:tailEnd type="triangle"/>
+            </a:ln>
+          </p:spPr>
+          <p:style>
+            <a:lnRef idx="1">
+              <a:schemeClr val="accent1"/>
+            </a:lnRef>
+            <a:fillRef idx="0">
+              <a:schemeClr val="accent1"/>
+            </a:fillRef>
+            <a:effectRef idx="0">
+              <a:schemeClr val="accent1"/>
+            </a:effectRef>
+            <a:fontRef idx="minor">
+              <a:schemeClr val="tx1"/>
+            </a:fontRef>
+          </p:style>
+        </p:cxnSp>
+        <p:cxnSp>
+          <p:nvCxnSpPr>
+            <p:cNvPr id="106" name="Straight Arrow Connector 105"/>
+            <p:cNvCxnSpPr>
+              <a:stCxn id="102" idx="1"/>
+              <a:endCxn id="88" idx="4"/>
+            </p:cNvCxnSpPr>
+            <p:nvPr/>
+          </p:nvCxnSpPr>
+          <p:spPr>
+            <a:xfrm flipH="1" flipV="1">
+              <a:off x="8065377" y="5203249"/>
+              <a:ext cx="723967" cy="929618"/>
+            </a:xfrm>
+            <a:prstGeom prst="straightConnector1">
+              <a:avLst/>
+            </a:prstGeom>
+            <a:ln w="38100">
+              <a:solidFill>
+                <a:schemeClr val="tx1"/>
+              </a:solidFill>
+              <a:tailEnd type="triangle"/>
+            </a:ln>
+          </p:spPr>
+          <p:style>
+            <a:lnRef idx="1">
+              <a:schemeClr val="accent1"/>
+            </a:lnRef>
+            <a:fillRef idx="0">
+              <a:schemeClr val="accent1"/>
+            </a:fillRef>
+            <a:effectRef idx="0">
+              <a:schemeClr val="accent1"/>
+            </a:effectRef>
+            <a:fontRef idx="minor">
+              <a:schemeClr val="tx1"/>
+            </a:fontRef>
+          </p:style>
+        </p:cxnSp>
+        <p:cxnSp>
+          <p:nvCxnSpPr>
+            <p:cNvPr id="111" name="Straight Connector 110"/>
+            <p:cNvCxnSpPr/>
+            <p:nvPr/>
+          </p:nvCxnSpPr>
+          <p:spPr>
+            <a:xfrm>
+              <a:off x="6012697" y="5071967"/>
+              <a:ext cx="3444438" cy="0"/>
+            </a:xfrm>
+            <a:prstGeom prst="line">
+              <a:avLst/>
+            </a:prstGeom>
+            <a:ln w="19050">
+              <a:solidFill>
+                <a:schemeClr val="tx1"/>
+              </a:solidFill>
+              <a:prstDash val="sysDot"/>
+            </a:ln>
+          </p:spPr>
+          <p:style>
+            <a:lnRef idx="1">
+              <a:schemeClr val="accent1"/>
+            </a:lnRef>
+            <a:fillRef idx="0">
+              <a:schemeClr val="accent1"/>
+            </a:fillRef>
+            <a:effectRef idx="0">
+              <a:schemeClr val="accent1"/>
+            </a:effectRef>
+            <a:fontRef idx="minor">
+              <a:schemeClr val="tx1"/>
+            </a:fontRef>
+          </p:style>
+        </p:cxnSp>
+        <p:cxnSp>
+          <p:nvCxnSpPr>
+            <p:cNvPr id="49" name="Straight Arrow Connector 48"/>
+            <p:cNvCxnSpPr>
+              <a:endCxn id="102" idx="0"/>
+            </p:cNvCxnSpPr>
+            <p:nvPr/>
+          </p:nvCxnSpPr>
+          <p:spPr>
+            <a:xfrm>
+              <a:off x="8832103" y="5071967"/>
+              <a:ext cx="1" cy="1043361"/>
+            </a:xfrm>
+            <a:prstGeom prst="straightConnector1">
+              <a:avLst/>
+            </a:prstGeom>
+            <a:ln w="38100">
+              <a:solidFill>
+                <a:schemeClr val="tx1"/>
+              </a:solidFill>
+              <a:headEnd type="triangle"/>
+              <a:tailEnd type="triangle"/>
+            </a:ln>
+          </p:spPr>
+          <p:style>
+            <a:lnRef idx="1">
+              <a:schemeClr val="accent1"/>
+            </a:lnRef>
+            <a:fillRef idx="0">
+              <a:schemeClr val="accent1"/>
+            </a:fillRef>
+            <a:effectRef idx="0">
+              <a:schemeClr val="accent1"/>
+            </a:effectRef>
+            <a:fontRef idx="minor">
+              <a:schemeClr val="tx1"/>
+            </a:fontRef>
+          </p:style>
+        </p:cxnSp>
+        <mc:AlternateContent xmlns:mc="http://schemas.openxmlformats.org/markup-compatibility/2006">
+          <mc:Choice xmlns:a14="http://schemas.microsoft.com/office/drawing/2010/main" Requires="a14">
+            <p:sp>
+              <p:nvSpPr>
+                <p:cNvPr id="57" name="TextBox 56"/>
+                <p:cNvSpPr txBox="1"/>
+                <p:nvPr/>
+              </p:nvSpPr>
+              <p:spPr>
+                <a:xfrm>
+                  <a:off x="6286973" y="5442450"/>
+                  <a:ext cx="353134" cy="307777"/>
+                </a:xfrm>
+                <a:prstGeom prst="rect">
+                  <a:avLst/>
+                </a:prstGeom>
+                <a:noFill/>
+              </p:spPr>
+              <p:txBody>
+                <a:bodyPr wrap="square" lIns="0" tIns="0" rIns="0" bIns="0" rtlCol="0">
+                  <a:spAutoFit/>
+                </a:bodyPr>
+                <a:lstStyle/>
+                <a:p>
+                  <a14:m>
+                    <m:oMathPara xmlns:m="http://schemas.openxmlformats.org/officeDocument/2006/math">
+                      <m:oMathParaPr>
+                        <m:jc m:val="centerGroup"/>
+                      </m:oMathParaPr>
+                      <m:oMath xmlns:m="http://schemas.openxmlformats.org/officeDocument/2006/math">
+                        <m:sSub>
+                          <m:sSubPr>
+                            <m:ctrlPr>
+                              <a:rPr lang="en-US" sz="2000" b="0" i="1" smtClean="0">
+                                <a:latin typeface="Cambria Math" panose="02040503050406030204" pitchFamily="18" charset="0"/>
+                                <a:cs typeface="Arial" panose="020B0604020202020204" pitchFamily="34" charset="0"/>
+                              </a:rPr>
+                            </m:ctrlPr>
+                          </m:sSubPr>
+                          <m:e>
+                            <m:acc>
+                              <m:accPr>
+                                <m:chr m:val="⃗"/>
+                                <m:ctrlPr>
+                                  <a:rPr lang="en-US" sz="2000" b="0" i="1" smtClean="0">
+                                    <a:latin typeface="Cambria Math" panose="02040503050406030204" pitchFamily="18" charset="0"/>
+                                    <a:cs typeface="Arial" panose="020B0604020202020204" pitchFamily="34" charset="0"/>
+                                  </a:rPr>
+                                </m:ctrlPr>
+                              </m:accPr>
+                              <m:e>
+                                <m:r>
+                                  <a:rPr lang="en-US" sz="2000" b="0" i="1" smtClean="0">
+                                    <a:latin typeface="Cambria Math" panose="02040503050406030204" pitchFamily="18" charset="0"/>
+                                    <a:cs typeface="Arial" panose="020B0604020202020204" pitchFamily="34" charset="0"/>
+                                  </a:rPr>
+                                  <m:t>𝑟</m:t>
+                                </m:r>
+                              </m:e>
+                            </m:acc>
+                          </m:e>
+                          <m:sub>
+                            <m:r>
+                              <a:rPr lang="en-US" sz="2000" b="0" i="1" smtClean="0">
+                                <a:latin typeface="Cambria Math" panose="02040503050406030204" pitchFamily="18" charset="0"/>
+                                <a:cs typeface="Arial" panose="020B0604020202020204" pitchFamily="34" charset="0"/>
+                              </a:rPr>
+                              <m:t>1</m:t>
+                            </m:r>
+                          </m:sub>
+                        </m:sSub>
+                      </m:oMath>
+                    </m:oMathPara>
+                  </a14:m>
+                  <a:endParaRPr lang="en-US" sz="2000" dirty="0" smtClean="0">
+                    <a:latin typeface="Arial" panose="020B0604020202020204" pitchFamily="34" charset="0"/>
+                    <a:cs typeface="Arial" panose="020B0604020202020204" pitchFamily="34" charset="0"/>
+                  </a:endParaRPr>
+                </a:p>
+              </p:txBody>
+            </p:sp>
+          </mc:Choice>
+          <mc:Fallback>
+            <p:sp>
+              <p:nvSpPr>
+                <p:cNvPr id="57" name="TextBox 56"/>
+                <p:cNvSpPr txBox="1">
+                  <a:spLocks noRot="1" noChangeAspect="1" noMove="1" noResize="1" noEditPoints="1" noAdjustHandles="1" noChangeArrowheads="1" noChangeShapeType="1" noTextEdit="1"/>
+                </p:cNvSpPr>
+                <p:nvPr/>
+              </p:nvSpPr>
+              <p:spPr>
+                <a:xfrm>
+                  <a:off x="6286973" y="5442450"/>
+                  <a:ext cx="353134" cy="307777"/>
+                </a:xfrm>
+                <a:prstGeom prst="rect">
+                  <a:avLst/>
+                </a:prstGeom>
+                <a:blipFill>
+                  <a:blip r:embed="rId37"/>
+                  <a:stretch>
+                    <a:fillRect l="-5172" t="-36000" r="-65517" b="-20000"/>
+                  </a:stretch>
+                </a:blipFill>
+              </p:spPr>
+              <p:txBody>
+                <a:bodyPr/>
+                <a:lstStyle/>
+                <a:p>
+                  <a:r>
+                    <a:rPr lang="en-US">
+                      <a:noFill/>
+                    </a:rPr>
+                    <a:t> </a:t>
+                  </a:r>
+                </a:p>
+              </p:txBody>
+            </p:sp>
+          </mc:Fallback>
+        </mc:AlternateContent>
+        <mc:AlternateContent xmlns:mc="http://schemas.openxmlformats.org/markup-compatibility/2006">
+          <mc:Choice xmlns:a14="http://schemas.microsoft.com/office/drawing/2010/main" Requires="a14">
+            <p:sp>
+              <p:nvSpPr>
+                <p:cNvPr id="112" name="TextBox 111"/>
+                <p:cNvSpPr txBox="1"/>
+                <p:nvPr/>
+              </p:nvSpPr>
+              <p:spPr>
+                <a:xfrm>
+                  <a:off x="8054092" y="5442450"/>
+                  <a:ext cx="283860" cy="307777"/>
+                </a:xfrm>
+                <a:prstGeom prst="rect">
+                  <a:avLst/>
+                </a:prstGeom>
+                <a:noFill/>
+              </p:spPr>
+              <p:txBody>
+                <a:bodyPr wrap="none" lIns="0" tIns="0" rIns="0" bIns="0" rtlCol="0">
+                  <a:spAutoFit/>
+                </a:bodyPr>
+                <a:lstStyle/>
+                <a:p>
+                  <a14:m>
+                    <m:oMathPara xmlns:m="http://schemas.openxmlformats.org/officeDocument/2006/math">
+                      <m:oMathParaPr>
+                        <m:jc m:val="centerGroup"/>
+                      </m:oMathParaPr>
+                      <m:oMath xmlns:m="http://schemas.openxmlformats.org/officeDocument/2006/math">
+                        <m:sSub>
+                          <m:sSubPr>
+                            <m:ctrlPr>
+                              <a:rPr lang="en-US" sz="2000" b="0" i="1" smtClean="0">
+                                <a:latin typeface="Cambria Math" panose="02040503050406030204" pitchFamily="18" charset="0"/>
+                                <a:cs typeface="Arial" panose="020B0604020202020204" pitchFamily="34" charset="0"/>
+                              </a:rPr>
+                            </m:ctrlPr>
+                          </m:sSubPr>
+                          <m:e>
+                            <m:acc>
+                              <m:accPr>
+                                <m:chr m:val="⃗"/>
+                                <m:ctrlPr>
+                                  <a:rPr lang="en-US" sz="2000" b="0" i="1" smtClean="0">
+                                    <a:latin typeface="Cambria Math" panose="02040503050406030204" pitchFamily="18" charset="0"/>
+                                    <a:cs typeface="Arial" panose="020B0604020202020204" pitchFamily="34" charset="0"/>
+                                  </a:rPr>
+                                </m:ctrlPr>
+                              </m:accPr>
+                              <m:e>
+                                <m:r>
+                                  <a:rPr lang="en-US" sz="2000" b="0" i="1" smtClean="0">
+                                    <a:latin typeface="Cambria Math" panose="02040503050406030204" pitchFamily="18" charset="0"/>
+                                    <a:cs typeface="Arial" panose="020B0604020202020204" pitchFamily="34" charset="0"/>
+                                  </a:rPr>
+                                  <m:t>𝑟</m:t>
+                                </m:r>
+                              </m:e>
+                            </m:acc>
+                          </m:e>
+                          <m:sub>
+                            <m:r>
+                              <a:rPr lang="en-US" sz="2000" b="0" i="1" smtClean="0">
+                                <a:latin typeface="Cambria Math" panose="02040503050406030204" pitchFamily="18" charset="0"/>
+                                <a:cs typeface="Arial" panose="020B0604020202020204" pitchFamily="34" charset="0"/>
+                              </a:rPr>
+                              <m:t>2</m:t>
+                            </m:r>
+                          </m:sub>
+                        </m:sSub>
+                      </m:oMath>
+                    </m:oMathPara>
+                  </a14:m>
+                  <a:endParaRPr lang="en-US" sz="2000" dirty="0" smtClean="0">
+                    <a:latin typeface="Arial" panose="020B0604020202020204" pitchFamily="34" charset="0"/>
+                    <a:cs typeface="Arial" panose="020B0604020202020204" pitchFamily="34" charset="0"/>
+                  </a:endParaRPr>
+                </a:p>
+              </p:txBody>
+            </p:sp>
+          </mc:Choice>
+          <mc:Fallback>
+            <p:sp>
+              <p:nvSpPr>
+                <p:cNvPr id="112" name="TextBox 111"/>
+                <p:cNvSpPr txBox="1">
+                  <a:spLocks noRot="1" noChangeAspect="1" noMove="1" noResize="1" noEditPoints="1" noAdjustHandles="1" noChangeArrowheads="1" noChangeShapeType="1" noTextEdit="1"/>
+                </p:cNvSpPr>
+                <p:nvPr/>
+              </p:nvSpPr>
+              <p:spPr>
+                <a:xfrm>
+                  <a:off x="8054092" y="5442450"/>
+                  <a:ext cx="283860" cy="307777"/>
+                </a:xfrm>
+                <a:prstGeom prst="rect">
+                  <a:avLst/>
+                </a:prstGeom>
+                <a:blipFill>
+                  <a:blip r:embed="rId38"/>
+                  <a:stretch>
+                    <a:fillRect l="-19149" t="-36000" r="-65957" b="-20000"/>
+                  </a:stretch>
+                </a:blipFill>
+              </p:spPr>
+              <p:txBody>
+                <a:bodyPr/>
+                <a:lstStyle/>
+                <a:p>
+                  <a:r>
+                    <a:rPr lang="en-US">
+                      <a:noFill/>
+                    </a:rPr>
+                    <a:t> </a:t>
+                  </a:r>
+                </a:p>
+              </p:txBody>
+            </p:sp>
+          </mc:Fallback>
+        </mc:AlternateContent>
+        <mc:AlternateContent xmlns:mc="http://schemas.openxmlformats.org/markup-compatibility/2006">
+          <mc:Choice xmlns:a14="http://schemas.microsoft.com/office/drawing/2010/main" Requires="a14">
+            <p:sp>
+              <p:nvSpPr>
+                <p:cNvPr id="58" name="TextBox 57"/>
+                <p:cNvSpPr txBox="1"/>
+                <p:nvPr/>
+              </p:nvSpPr>
+              <p:spPr>
+                <a:xfrm>
+                  <a:off x="8930997" y="5543360"/>
+                  <a:ext cx="306301" cy="307777"/>
+                </a:xfrm>
+                <a:prstGeom prst="rect">
+                  <a:avLst/>
+                </a:prstGeom>
+                <a:noFill/>
+              </p:spPr>
+              <p:txBody>
+                <a:bodyPr wrap="none" lIns="0" tIns="0" rIns="0" bIns="0" rtlCol="0">
+                  <a:spAutoFit/>
+                </a:bodyPr>
+                <a:lstStyle/>
+                <a:p>
+                  <a14:m>
+                    <m:oMathPara xmlns:m="http://schemas.openxmlformats.org/officeDocument/2006/math">
+                      <m:oMathParaPr>
+                        <m:jc m:val="centerGroup"/>
+                      </m:oMathParaPr>
+                      <m:oMath xmlns:m="http://schemas.openxmlformats.org/officeDocument/2006/math">
+                        <m:sSub>
+                          <m:sSubPr>
+                            <m:ctrlPr>
+                              <a:rPr lang="en-US" sz="2000" b="0" i="1" smtClean="0">
+                                <a:latin typeface="Cambria Math" panose="02040503050406030204" pitchFamily="18" charset="0"/>
+                                <a:cs typeface="Arial" panose="020B0604020202020204" pitchFamily="34" charset="0"/>
+                              </a:rPr>
+                            </m:ctrlPr>
+                          </m:sSubPr>
+                          <m:e>
+                            <m:r>
+                              <a:rPr lang="en-US" sz="2000" b="0" i="1" smtClean="0">
+                                <a:latin typeface="Cambria Math" panose="02040503050406030204" pitchFamily="18" charset="0"/>
+                                <a:cs typeface="Arial" panose="020B0604020202020204" pitchFamily="34" charset="0"/>
+                              </a:rPr>
+                              <m:t>𝑟</m:t>
+                            </m:r>
+                          </m:e>
+                          <m:sub>
+                            <m:r>
+                              <a:rPr lang="en-US" sz="2000" b="0" i="1" smtClean="0">
+                                <a:latin typeface="Cambria Math" panose="02040503050406030204" pitchFamily="18" charset="0"/>
+                                <a:cs typeface="Arial" panose="020B0604020202020204" pitchFamily="34" charset="0"/>
+                              </a:rPr>
+                              <m:t>⊥</m:t>
+                            </m:r>
+                          </m:sub>
+                        </m:sSub>
+                      </m:oMath>
+                    </m:oMathPara>
+                  </a14:m>
+                  <a:endParaRPr lang="en-US" sz="2000" b="0" dirty="0" smtClean="0">
+                    <a:latin typeface="Arial" panose="020B0604020202020204" pitchFamily="34" charset="0"/>
+                    <a:cs typeface="Arial" panose="020B0604020202020204" pitchFamily="34" charset="0"/>
+                  </a:endParaRPr>
+                </a:p>
+              </p:txBody>
+            </p:sp>
+          </mc:Choice>
+          <mc:Fallback>
+            <p:sp>
+              <p:nvSpPr>
+                <p:cNvPr id="58" name="TextBox 57"/>
+                <p:cNvSpPr txBox="1">
+                  <a:spLocks noRot="1" noChangeAspect="1" noMove="1" noResize="1" noEditPoints="1" noAdjustHandles="1" noChangeArrowheads="1" noChangeShapeType="1" noTextEdit="1"/>
+                </p:cNvSpPr>
+                <p:nvPr/>
+              </p:nvSpPr>
+              <p:spPr>
+                <a:xfrm>
+                  <a:off x="8930997" y="5543360"/>
+                  <a:ext cx="306301" cy="307777"/>
+                </a:xfrm>
+                <a:prstGeom prst="rect">
+                  <a:avLst/>
+                </a:prstGeom>
+                <a:blipFill>
+                  <a:blip r:embed="rId39"/>
+                  <a:stretch>
+                    <a:fillRect l="-8000" r="-8000" b="-19608"/>
+                  </a:stretch>
+                </a:blipFill>
+              </p:spPr>
+              <p:txBody>
+                <a:bodyPr/>
+                <a:lstStyle/>
+                <a:p>
+                  <a:r>
+                    <a:rPr lang="en-US">
+                      <a:noFill/>
+                    </a:rPr>
+                    <a:t> </a:t>
+                  </a:r>
+                </a:p>
+              </p:txBody>
+            </p:sp>
+          </mc:Fallback>
+        </mc:AlternateContent>
+        <mc:AlternateContent xmlns:mc="http://schemas.openxmlformats.org/markup-compatibility/2006">
+          <mc:Choice xmlns:a14="http://schemas.microsoft.com/office/drawing/2010/main" Requires="a14">
+            <p:sp>
+              <p:nvSpPr>
+                <p:cNvPr id="74" name="TextBox 73"/>
+                <p:cNvSpPr txBox="1"/>
+                <p:nvPr/>
+              </p:nvSpPr>
+              <p:spPr>
+                <a:xfrm>
+                  <a:off x="6248766" y="4731791"/>
+                  <a:ext cx="237629" cy="345159"/>
+                </a:xfrm>
+                <a:prstGeom prst="rect">
+                  <a:avLst/>
+                </a:prstGeom>
+                <a:noFill/>
+              </p:spPr>
+              <p:txBody>
+                <a:bodyPr wrap="none" lIns="0" tIns="0" rIns="0" bIns="0" rtlCol="0">
+                  <a:spAutoFit/>
+                </a:bodyPr>
+                <a:lstStyle/>
+                <a:p>
+                  <a14:m>
+                    <m:oMathPara xmlns:m="http://schemas.openxmlformats.org/officeDocument/2006/math">
+                      <m:oMathParaPr>
+                        <m:jc m:val="centerGroup"/>
+                      </m:oMathParaPr>
+                      <m:oMath xmlns:m="http://schemas.openxmlformats.org/officeDocument/2006/math">
+                        <m:acc>
+                          <m:accPr>
+                            <m:chr m:val="⃗"/>
+                            <m:ctrlPr>
+                              <a:rPr lang="en-US" sz="2000" b="0" i="1" smtClean="0">
+                                <a:latin typeface="Cambria Math" panose="02040503050406030204" pitchFamily="18" charset="0"/>
+                                <a:cs typeface="Arial" panose="020B0604020202020204" pitchFamily="34" charset="0"/>
+                              </a:rPr>
+                            </m:ctrlPr>
+                          </m:accPr>
+                          <m:e>
+                            <m:r>
+                              <a:rPr lang="en-US" sz="2000" b="0" i="1" smtClean="0">
+                                <a:latin typeface="Cambria Math" panose="02040503050406030204" pitchFamily="18" charset="0"/>
+                                <a:cs typeface="Arial" panose="020B0604020202020204" pitchFamily="34" charset="0"/>
+                              </a:rPr>
+                              <m:t>𝐹</m:t>
+                            </m:r>
+                          </m:e>
+                        </m:acc>
+                      </m:oMath>
+                    </m:oMathPara>
+                  </a14:m>
+                  <a:endParaRPr lang="en-US" sz="2000" dirty="0" smtClean="0">
+                    <a:latin typeface="Arial" panose="020B0604020202020204" pitchFamily="34" charset="0"/>
+                    <a:cs typeface="Arial" panose="020B0604020202020204" pitchFamily="34" charset="0"/>
+                  </a:endParaRPr>
+                </a:p>
+              </p:txBody>
+            </p:sp>
+          </mc:Choice>
+          <mc:Fallback>
+            <p:sp>
+              <p:nvSpPr>
+                <p:cNvPr id="74" name="TextBox 73"/>
+                <p:cNvSpPr txBox="1">
+                  <a:spLocks noRot="1" noChangeAspect="1" noMove="1" noResize="1" noEditPoints="1" noAdjustHandles="1" noChangeArrowheads="1" noChangeShapeType="1" noTextEdit="1"/>
+                </p:cNvSpPr>
+                <p:nvPr/>
+              </p:nvSpPr>
+              <p:spPr>
+                <a:xfrm>
+                  <a:off x="6248766" y="4731791"/>
+                  <a:ext cx="237629" cy="345159"/>
+                </a:xfrm>
+                <a:prstGeom prst="rect">
+                  <a:avLst/>
+                </a:prstGeom>
+                <a:blipFill>
+                  <a:blip r:embed="rId40"/>
+                  <a:stretch>
+                    <a:fillRect l="-20513" t="-33333" r="-92308" b="-8772"/>
+                  </a:stretch>
+                </a:blipFill>
+              </p:spPr>
+              <p:txBody>
+                <a:bodyPr/>
+                <a:lstStyle/>
+                <a:p>
+                  <a:r>
+                    <a:rPr lang="en-US">
+                      <a:noFill/>
+                    </a:rPr>
+                    <a:t> </a:t>
+                  </a:r>
+                </a:p>
+              </p:txBody>
+            </p:sp>
+          </mc:Fallback>
+        </mc:AlternateContent>
+        <mc:AlternateContent xmlns:mc="http://schemas.openxmlformats.org/markup-compatibility/2006">
+          <mc:Choice xmlns:a14="http://schemas.microsoft.com/office/drawing/2010/main" Requires="a14">
+            <p:sp>
+              <p:nvSpPr>
+                <p:cNvPr id="113" name="TextBox 112"/>
+                <p:cNvSpPr txBox="1"/>
+                <p:nvPr/>
+              </p:nvSpPr>
+              <p:spPr>
+                <a:xfrm>
+                  <a:off x="7444754" y="4711729"/>
+                  <a:ext cx="429990" cy="345159"/>
+                </a:xfrm>
+                <a:prstGeom prst="rect">
+                  <a:avLst/>
+                </a:prstGeom>
+                <a:noFill/>
+              </p:spPr>
+              <p:txBody>
+                <a:bodyPr wrap="none" lIns="0" tIns="0" rIns="0" bIns="0" rtlCol="0">
+                  <a:spAutoFit/>
+                </a:bodyPr>
+                <a:lstStyle/>
+                <a:p>
+                  <a14:m>
+                    <m:oMathPara xmlns:m="http://schemas.openxmlformats.org/officeDocument/2006/math">
+                      <m:oMathParaPr>
+                        <m:jc m:val="centerGroup"/>
+                      </m:oMathParaPr>
+                      <m:oMath xmlns:m="http://schemas.openxmlformats.org/officeDocument/2006/math">
+                        <m:r>
+                          <a:rPr lang="en-US" sz="2000" b="0" i="1" smtClean="0">
+                            <a:latin typeface="Cambria Math" panose="02040503050406030204" pitchFamily="18" charset="0"/>
+                            <a:cs typeface="Arial" panose="020B0604020202020204" pitchFamily="34" charset="0"/>
+                          </a:rPr>
+                          <m:t>−</m:t>
+                        </m:r>
+                        <m:acc>
+                          <m:accPr>
+                            <m:chr m:val="⃗"/>
+                            <m:ctrlPr>
+                              <a:rPr lang="en-US" sz="2000" b="0" i="1" smtClean="0">
+                                <a:latin typeface="Cambria Math" panose="02040503050406030204" pitchFamily="18" charset="0"/>
+                                <a:cs typeface="Arial" panose="020B0604020202020204" pitchFamily="34" charset="0"/>
+                              </a:rPr>
+                            </m:ctrlPr>
+                          </m:accPr>
+                          <m:e>
+                            <m:r>
+                              <a:rPr lang="en-US" sz="2000" b="0" i="1" smtClean="0">
+                                <a:latin typeface="Cambria Math" panose="02040503050406030204" pitchFamily="18" charset="0"/>
+                                <a:cs typeface="Arial" panose="020B0604020202020204" pitchFamily="34" charset="0"/>
+                              </a:rPr>
+                              <m:t>𝐹</m:t>
+                            </m:r>
+                          </m:e>
+                        </m:acc>
+                      </m:oMath>
+                    </m:oMathPara>
+                  </a14:m>
+                  <a:endParaRPr lang="en-US" sz="2000" dirty="0" smtClean="0">
+                    <a:latin typeface="Arial" panose="020B0604020202020204" pitchFamily="34" charset="0"/>
+                    <a:cs typeface="Arial" panose="020B0604020202020204" pitchFamily="34" charset="0"/>
+                  </a:endParaRPr>
+                </a:p>
+              </p:txBody>
+            </p:sp>
+          </mc:Choice>
+          <mc:Fallback>
+            <p:sp>
+              <p:nvSpPr>
+                <p:cNvPr id="113" name="TextBox 112"/>
+                <p:cNvSpPr txBox="1">
+                  <a:spLocks noRot="1" noChangeAspect="1" noMove="1" noResize="1" noEditPoints="1" noAdjustHandles="1" noChangeArrowheads="1" noChangeShapeType="1" noTextEdit="1"/>
+                </p:cNvSpPr>
+                <p:nvPr/>
+              </p:nvSpPr>
+              <p:spPr>
+                <a:xfrm>
+                  <a:off x="7444754" y="4711729"/>
+                  <a:ext cx="429990" cy="345159"/>
+                </a:xfrm>
+                <a:prstGeom prst="rect">
+                  <a:avLst/>
+                </a:prstGeom>
+                <a:blipFill>
+                  <a:blip r:embed="rId41"/>
+                  <a:stretch>
+                    <a:fillRect l="-1408" t="-35088" r="-84507" b="-7018"/>
+                  </a:stretch>
+                </a:blipFill>
+              </p:spPr>
+              <p:txBody>
+                <a:bodyPr/>
+                <a:lstStyle/>
+                <a:p>
+                  <a:r>
+                    <a:rPr lang="en-US">
+                      <a:noFill/>
+                    </a:rPr>
+                    <a:t> </a:t>
+                  </a:r>
+                </a:p>
+              </p:txBody>
+            </p:sp>
+          </mc:Fallback>
+        </mc:AlternateContent>
+        <mc:AlternateContent xmlns:mc="http://schemas.openxmlformats.org/markup-compatibility/2006">
+          <mc:Choice xmlns:a14="http://schemas.microsoft.com/office/drawing/2010/main" Requires="a14">
+            <p:sp>
+              <p:nvSpPr>
+                <p:cNvPr id="114" name="TextBox 113"/>
+                <p:cNvSpPr txBox="1"/>
+                <p:nvPr/>
+              </p:nvSpPr>
+              <p:spPr>
+                <a:xfrm>
+                  <a:off x="8610904" y="6212710"/>
+                  <a:ext cx="555088" cy="307777"/>
+                </a:xfrm>
+                <a:prstGeom prst="rect">
+                  <a:avLst/>
+                </a:prstGeom>
+                <a:noFill/>
+              </p:spPr>
+              <p:txBody>
+                <a:bodyPr wrap="none" lIns="0" tIns="0" rIns="0" bIns="0" rtlCol="0">
+                  <a:spAutoFit/>
+                </a:bodyPr>
+                <a:lstStyle/>
+                <a:p>
+                  <a:pPr/>
+                  <a14:m>
+                    <m:oMathPara xmlns:m="http://schemas.openxmlformats.org/officeDocument/2006/math">
+                      <m:oMathParaPr>
+                        <m:jc m:val="centerGroup"/>
+                      </m:oMathParaPr>
+                      <m:oMath xmlns:m="http://schemas.openxmlformats.org/officeDocument/2006/math">
+                        <m:r>
+                          <a:rPr lang="en-US" sz="2000" b="0" i="1" smtClean="0">
+                            <a:latin typeface="Cambria Math" panose="02040503050406030204" pitchFamily="18" charset="0"/>
+                            <a:cs typeface="Arial" panose="020B0604020202020204" pitchFamily="34" charset="0"/>
+                          </a:rPr>
+                          <m:t>𝑎𝑥𝑖𝑠</m:t>
+                        </m:r>
+                      </m:oMath>
+                    </m:oMathPara>
+                  </a14:m>
+                  <a:endParaRPr lang="en-US" sz="2000" dirty="0" smtClean="0">
+                    <a:latin typeface="Arial" panose="020B0604020202020204" pitchFamily="34" charset="0"/>
+                    <a:cs typeface="Arial" panose="020B0604020202020204" pitchFamily="34" charset="0"/>
+                  </a:endParaRPr>
+                </a:p>
+              </p:txBody>
+            </p:sp>
+          </mc:Choice>
+          <mc:Fallback>
+            <p:sp>
+              <p:nvSpPr>
+                <p:cNvPr id="114" name="TextBox 113"/>
+                <p:cNvSpPr txBox="1">
+                  <a:spLocks noRot="1" noChangeAspect="1" noMove="1" noResize="1" noEditPoints="1" noAdjustHandles="1" noChangeArrowheads="1" noChangeShapeType="1" noTextEdit="1"/>
+                </p:cNvSpPr>
+                <p:nvPr/>
+              </p:nvSpPr>
+              <p:spPr>
+                <a:xfrm>
+                  <a:off x="8610904" y="6212710"/>
+                  <a:ext cx="555088" cy="307777"/>
+                </a:xfrm>
+                <a:prstGeom prst="rect">
+                  <a:avLst/>
+                </a:prstGeom>
+                <a:blipFill>
+                  <a:blip r:embed="rId42"/>
+                  <a:stretch>
+                    <a:fillRect l="-9890" r="-6593" b="-9804"/>
+                  </a:stretch>
+                </a:blipFill>
+              </p:spPr>
+              <p:txBody>
+                <a:bodyPr/>
+                <a:lstStyle/>
+                <a:p>
+                  <a:r>
+                    <a:rPr lang="en-US">
+                      <a:noFill/>
+                    </a:rPr>
+                    <a:t> </a:t>
+                  </a:r>
+                </a:p>
+              </p:txBody>
+            </p:sp>
+          </mc:Fallback>
+        </mc:AlternateContent>
       </p:grpSp>
     </p:spTree>
     <p:extLst>

--- a/tex/figures/RotationalDynamics/Figures.pptx
+++ b/tex/figures/RotationalDynamics/Figures.pptx
@@ -253,7 +253,7 @@
           <a:p>
             <a:fld id="{F7249F8D-641B-4CAF-BAE5-10524742F6F1}" type="datetimeFigureOut">
               <a:rPr lang="en-CA" smtClean="0"/>
-              <a:t>2018-07-10</a:t>
+              <a:t>2018-07-16</a:t>
             </a:fld>
             <a:endParaRPr lang="en-CA"/>
           </a:p>
@@ -423,7 +423,7 @@
           <a:p>
             <a:fld id="{F7249F8D-641B-4CAF-BAE5-10524742F6F1}" type="datetimeFigureOut">
               <a:rPr lang="en-CA" smtClean="0"/>
-              <a:t>2018-07-10</a:t>
+              <a:t>2018-07-16</a:t>
             </a:fld>
             <a:endParaRPr lang="en-CA"/>
           </a:p>
@@ -603,7 +603,7 @@
           <a:p>
             <a:fld id="{F7249F8D-641B-4CAF-BAE5-10524742F6F1}" type="datetimeFigureOut">
               <a:rPr lang="en-CA" smtClean="0"/>
-              <a:t>2018-07-10</a:t>
+              <a:t>2018-07-16</a:t>
             </a:fld>
             <a:endParaRPr lang="en-CA"/>
           </a:p>
@@ -773,7 +773,7 @@
           <a:p>
             <a:fld id="{F7249F8D-641B-4CAF-BAE5-10524742F6F1}" type="datetimeFigureOut">
               <a:rPr lang="en-CA" smtClean="0"/>
-              <a:t>2018-07-10</a:t>
+              <a:t>2018-07-16</a:t>
             </a:fld>
             <a:endParaRPr lang="en-CA"/>
           </a:p>
@@ -1019,7 +1019,7 @@
           <a:p>
             <a:fld id="{F7249F8D-641B-4CAF-BAE5-10524742F6F1}" type="datetimeFigureOut">
               <a:rPr lang="en-CA" smtClean="0"/>
-              <a:t>2018-07-10</a:t>
+              <a:t>2018-07-16</a:t>
             </a:fld>
             <a:endParaRPr lang="en-CA"/>
           </a:p>
@@ -1251,7 +1251,7 @@
           <a:p>
             <a:fld id="{F7249F8D-641B-4CAF-BAE5-10524742F6F1}" type="datetimeFigureOut">
               <a:rPr lang="en-CA" smtClean="0"/>
-              <a:t>2018-07-10</a:t>
+              <a:t>2018-07-16</a:t>
             </a:fld>
             <a:endParaRPr lang="en-CA"/>
           </a:p>
@@ -1618,7 +1618,7 @@
           <a:p>
             <a:fld id="{F7249F8D-641B-4CAF-BAE5-10524742F6F1}" type="datetimeFigureOut">
               <a:rPr lang="en-CA" smtClean="0"/>
-              <a:t>2018-07-10</a:t>
+              <a:t>2018-07-16</a:t>
             </a:fld>
             <a:endParaRPr lang="en-CA"/>
           </a:p>
@@ -1736,7 +1736,7 @@
           <a:p>
             <a:fld id="{F7249F8D-641B-4CAF-BAE5-10524742F6F1}" type="datetimeFigureOut">
               <a:rPr lang="en-CA" smtClean="0"/>
-              <a:t>2018-07-10</a:t>
+              <a:t>2018-07-16</a:t>
             </a:fld>
             <a:endParaRPr lang="en-CA"/>
           </a:p>
@@ -1831,7 +1831,7 @@
           <a:p>
             <a:fld id="{F7249F8D-641B-4CAF-BAE5-10524742F6F1}" type="datetimeFigureOut">
               <a:rPr lang="en-CA" smtClean="0"/>
-              <a:t>2018-07-10</a:t>
+              <a:t>2018-07-16</a:t>
             </a:fld>
             <a:endParaRPr lang="en-CA"/>
           </a:p>
@@ -2108,7 +2108,7 @@
           <a:p>
             <a:fld id="{F7249F8D-641B-4CAF-BAE5-10524742F6F1}" type="datetimeFigureOut">
               <a:rPr lang="en-CA" smtClean="0"/>
-              <a:t>2018-07-10</a:t>
+              <a:t>2018-07-16</a:t>
             </a:fld>
             <a:endParaRPr lang="en-CA"/>
           </a:p>
@@ -2361,7 +2361,7 @@
           <a:p>
             <a:fld id="{F7249F8D-641B-4CAF-BAE5-10524742F6F1}" type="datetimeFigureOut">
               <a:rPr lang="en-CA" smtClean="0"/>
-              <a:t>2018-07-10</a:t>
+              <a:t>2018-07-16</a:t>
             </a:fld>
             <a:endParaRPr lang="en-CA"/>
           </a:p>
@@ -2574,7 +2574,7 @@
           <a:p>
             <a:fld id="{F7249F8D-641B-4CAF-BAE5-10524742F6F1}" type="datetimeFigureOut">
               <a:rPr lang="en-CA" smtClean="0"/>
-              <a:t>2018-07-10</a:t>
+              <a:t>2018-07-16</a:t>
             </a:fld>
             <a:endParaRPr lang="en-CA"/>
           </a:p>
@@ -8362,7 +8362,7 @@
                           <m:sSubPr>
                             <m:ctrlPr>
                               <a:rPr lang="en-US" sz="2000" b="0" i="1" smtClean="0">
-                                <a:latin typeface="Cambria Math" panose="02040503050406030204" pitchFamily="18" charset="0"/>
+                                <a:latin typeface="Cambria Math" charset="0"/>
                                 <a:cs typeface="Arial" panose="020B0604020202020204" pitchFamily="34" charset="0"/>
                               </a:rPr>
                             </m:ctrlPr>
@@ -9479,7 +9479,7 @@
                               <m:sSubPr>
                                 <m:ctrlPr>
                                   <a:rPr lang="en-US" sz="2000" b="0" i="1" smtClean="0">
-                                    <a:latin typeface="Cambria Math" panose="02040503050406030204" pitchFamily="18" charset="0"/>
+                                    <a:latin typeface="Cambria Math" charset="0"/>
                                     <a:cs typeface="Arial" panose="020B0604020202020204" pitchFamily="34" charset="0"/>
                                   </a:rPr>
                                 </m:ctrlPr>
@@ -9514,7 +9514,7 @@
                               <m:sSubPr>
                                 <m:ctrlPr>
                                   <a:rPr lang="en-US" sz="2000" b="0" i="1" smtClean="0">
-                                    <a:latin typeface="Cambria Math" panose="02040503050406030204" pitchFamily="18" charset="0"/>
+                                    <a:latin typeface="Cambria Math" charset="0"/>
                                     <a:cs typeface="Arial" panose="020B0604020202020204" pitchFamily="34" charset="0"/>
                                   </a:rPr>
                                 </m:ctrlPr>
@@ -9549,7 +9549,7 @@
                               <m:sSubPr>
                                 <m:ctrlPr>
                                   <a:rPr lang="en-US" sz="2000" b="0" i="1" smtClean="0">
-                                    <a:latin typeface="Cambria Math" panose="02040503050406030204" pitchFamily="18" charset="0"/>
+                                    <a:latin typeface="Cambria Math" charset="0"/>
                                     <a:cs typeface="Arial" panose="020B0604020202020204" pitchFamily="34" charset="0"/>
                                   </a:rPr>
                                 </m:ctrlPr>
@@ -9848,7 +9848,7 @@
                               <m:sSubPr>
                                 <m:ctrlPr>
                                   <a:rPr lang="en-US" sz="2000" b="0" i="1" smtClean="0">
-                                    <a:latin typeface="Cambria Math" panose="02040503050406030204" pitchFamily="18" charset="0"/>
+                                    <a:latin typeface="Cambria Math" charset="0"/>
                                     <a:cs typeface="Arial" panose="020B0604020202020204" pitchFamily="34" charset="0"/>
                                   </a:rPr>
                                 </m:ctrlPr>
@@ -9883,7 +9883,7 @@
                               <m:sSubPr>
                                 <m:ctrlPr>
                                   <a:rPr lang="en-US" sz="2000" b="0" i="1" smtClean="0">
-                                    <a:latin typeface="Cambria Math" panose="02040503050406030204" pitchFamily="18" charset="0"/>
+                                    <a:latin typeface="Cambria Math" charset="0"/>
                                     <a:cs typeface="Arial" panose="020B0604020202020204" pitchFamily="34" charset="0"/>
                                   </a:rPr>
                                 </m:ctrlPr>
@@ -10174,7 +10174,7 @@
                             <m:chr m:val="⃗"/>
                             <m:ctrlPr>
                               <a:rPr lang="en-US" sz="2000" b="0" i="1" smtClean="0">
-                                <a:latin typeface="Cambria Math" panose="02040503050406030204" pitchFamily="18" charset="0"/>
+                                <a:latin typeface="Cambria Math" charset="0"/>
                                 <a:cs typeface="Arial" panose="020B0604020202020204" pitchFamily="34" charset="0"/>
                               </a:rPr>
                             </m:ctrlPr>
@@ -11858,7 +11858,7 @@
                             <m:chr m:val="⃗"/>
                             <m:ctrlPr>
                               <a:rPr lang="en-US" b="0" i="1" smtClean="0">
-                                <a:latin typeface="Cambria Math" panose="02040503050406030204" pitchFamily="18" charset="0"/>
+                                <a:latin typeface="Cambria Math" charset="0"/>
                               </a:rPr>
                             </m:ctrlPr>
                           </m:accPr>
@@ -12047,7 +12047,7 @@
                             <m:chr m:val="⃗"/>
                             <m:ctrlPr>
                               <a:rPr lang="en-US" b="0" i="1" smtClean="0">
-                                <a:latin typeface="Cambria Math" panose="02040503050406030204" pitchFamily="18" charset="0"/>
+                                <a:latin typeface="Cambria Math" charset="0"/>
                               </a:rPr>
                             </m:ctrlPr>
                           </m:accPr>
@@ -12412,7 +12412,7 @@
                           <m:sSubPr>
                             <m:ctrlPr>
                               <a:rPr lang="en-US" b="0" i="1" smtClean="0">
-                                <a:latin typeface="Cambria Math" panose="02040503050406030204" pitchFamily="18" charset="0"/>
+                                <a:latin typeface="Cambria Math" charset="0"/>
                               </a:rPr>
                             </m:ctrlPr>
                           </m:sSubPr>
@@ -12608,7 +12608,7 @@
                           <m:sSubPr>
                             <m:ctrlPr>
                               <a:rPr lang="en-US" b="0" i="1" smtClean="0">
-                                <a:latin typeface="Cambria Math" panose="02040503050406030204" pitchFamily="18" charset="0"/>
+                                <a:latin typeface="Cambria Math" charset="0"/>
                               </a:rPr>
                             </m:ctrlPr>
                           </m:sSubPr>
@@ -13568,7 +13568,7 @@
                                     <m:chr m:val="⃗"/>
                                     <m:ctrlPr>
                                       <a:rPr lang="en-US" b="0" i="1" smtClean="0">
-                                        <a:latin typeface="Cambria Math" panose="02040503050406030204" pitchFamily="18" charset="0"/>
+                                        <a:latin typeface="Cambria Math" charset="0"/>
                                       </a:rPr>
                                     </m:ctrlPr>
                                   </m:accPr>
@@ -13757,7 +13757,7 @@
                                     <m:chr m:val="⃗"/>
                                     <m:ctrlPr>
                                       <a:rPr lang="en-US" b="0" i="1" smtClean="0">
-                                        <a:latin typeface="Cambria Math" panose="02040503050406030204" pitchFamily="18" charset="0"/>
+                                        <a:latin typeface="Cambria Math" charset="0"/>
                                       </a:rPr>
                                     </m:ctrlPr>
                                   </m:accPr>
@@ -14104,7 +14104,7 @@
                             <m:sSubPr>
                               <m:ctrlPr>
                                 <a:rPr lang="en-US" sz="2000" b="0" i="1" smtClean="0">
-                                  <a:latin typeface="Cambria Math" panose="02040503050406030204" pitchFamily="18" charset="0"/>
+                                  <a:latin typeface="Cambria Math" charset="0"/>
                                   <a:cs typeface="Arial" panose="020B0604020202020204" pitchFamily="34" charset="0"/>
                                 </a:rPr>
                               </m:ctrlPr>
@@ -14901,7 +14901,7 @@
                                   <m:chr m:val="⃗"/>
                                   <m:ctrlPr>
                                     <a:rPr lang="en-US" sz="2000" b="0" i="1" smtClean="0">
-                                      <a:latin typeface="Cambria Math" panose="02040503050406030204" pitchFamily="18" charset="0"/>
+                                      <a:latin typeface="Cambria Math" charset="0"/>
                                       <a:cs typeface="Arial" panose="020B0604020202020204" pitchFamily="34" charset="0"/>
                                     </a:rPr>
                                   </m:ctrlPr>
@@ -15135,7 +15135,7 @@
                               <m:chr m:val="⃗"/>
                               <m:ctrlPr>
                                 <a:rPr lang="en-US" sz="2000" b="0" i="1" smtClean="0">
-                                  <a:latin typeface="Cambria Math" panose="02040503050406030204" pitchFamily="18" charset="0"/>
+                                  <a:latin typeface="Cambria Math" charset="0"/>
                                   <a:cs typeface="Arial" panose="020B0604020202020204" pitchFamily="34" charset="0"/>
                                 </a:rPr>
                               </m:ctrlPr>
@@ -15272,7 +15272,7 @@
                               <m:chr m:val="⃗"/>
                               <m:ctrlPr>
                                 <a:rPr lang="en-US" sz="2000" b="0" i="1" smtClean="0">
-                                  <a:latin typeface="Cambria Math" panose="02040503050406030204" pitchFamily="18" charset="0"/>
+                                  <a:latin typeface="Cambria Math" charset="0"/>
                                   <a:cs typeface="Arial" panose="020B0604020202020204" pitchFamily="34" charset="0"/>
                                 </a:rPr>
                               </m:ctrlPr>
@@ -15531,428 +15531,6 @@
           <a:chExt cx="0" cy="0"/>
         </a:xfrm>
       </p:grpSpPr>
-      <p:grpSp>
-        <p:nvGrpSpPr>
-          <p:cNvPr id="14" name="Group 13"/>
-          <p:cNvGrpSpPr/>
-          <p:nvPr/>
-        </p:nvGrpSpPr>
-        <p:grpSpPr>
-          <a:xfrm>
-            <a:off x="547432" y="531277"/>
-            <a:ext cx="2536723" cy="2536723"/>
-            <a:chOff x="674767" y="1043247"/>
-            <a:chExt cx="2536723" cy="2536723"/>
-          </a:xfrm>
-        </p:grpSpPr>
-        <p:grpSp>
-          <p:nvGrpSpPr>
-            <p:cNvPr id="12" name="Group 11"/>
-            <p:cNvGrpSpPr/>
-            <p:nvPr/>
-          </p:nvGrpSpPr>
-          <p:grpSpPr>
-            <a:xfrm>
-              <a:off x="674767" y="1043247"/>
-              <a:ext cx="2536723" cy="2536723"/>
-              <a:chOff x="2290916" y="2074606"/>
-              <a:chExt cx="2536723" cy="2536723"/>
-            </a:xfrm>
-          </p:grpSpPr>
-          <p:sp>
-            <p:nvSpPr>
-              <p:cNvPr id="4" name="Oval 3"/>
-              <p:cNvSpPr/>
-              <p:nvPr/>
-            </p:nvSpPr>
-            <p:spPr>
-              <a:xfrm>
-                <a:off x="2290916" y="2074606"/>
-                <a:ext cx="2536723" cy="2536723"/>
-              </a:xfrm>
-              <a:prstGeom prst="ellipse">
-                <a:avLst/>
-              </a:prstGeom>
-              <a:noFill/>
-              <a:ln w="38100">
-                <a:solidFill>
-                  <a:schemeClr val="tx1"/>
-                </a:solidFill>
-                <a:prstDash val="dash"/>
-              </a:ln>
-            </p:spPr>
-            <p:style>
-              <a:lnRef idx="2">
-                <a:schemeClr val="accent1">
-                  <a:shade val="50000"/>
-                </a:schemeClr>
-              </a:lnRef>
-              <a:fillRef idx="1">
-                <a:schemeClr val="accent1"/>
-              </a:fillRef>
-              <a:effectRef idx="0">
-                <a:schemeClr val="accent1"/>
-              </a:effectRef>
-              <a:fontRef idx="minor">
-                <a:schemeClr val="lt1"/>
-              </a:fontRef>
-            </p:style>
-            <p:txBody>
-              <a:bodyPr rtlCol="0" anchor="ctr"/>
-              <a:lstStyle/>
-              <a:p>
-                <a:pPr algn="ctr"/>
-                <a:endParaRPr lang="en-US"/>
-              </a:p>
-            </p:txBody>
-          </p:sp>
-          <p:grpSp>
-            <p:nvGrpSpPr>
-              <p:cNvPr id="8" name="Group 7"/>
-              <p:cNvGrpSpPr/>
-              <p:nvPr/>
-            </p:nvGrpSpPr>
-            <p:grpSpPr>
-              <a:xfrm rot="19405530">
-                <a:off x="4592987" y="2116106"/>
-                <a:ext cx="167148" cy="921883"/>
-                <a:chOff x="7069394" y="2972277"/>
-                <a:chExt cx="167148" cy="921883"/>
-              </a:xfrm>
-            </p:grpSpPr>
-            <p:sp>
-              <p:nvSpPr>
-                <p:cNvPr id="7" name="Explosion 1 6"/>
-                <p:cNvSpPr/>
-                <p:nvPr/>
-              </p:nvSpPr>
-              <p:spPr>
-                <a:xfrm>
-                  <a:off x="7089646" y="3525671"/>
-                  <a:ext cx="137798" cy="368489"/>
-                </a:xfrm>
-                <a:prstGeom prst="irregularSeal1">
-                  <a:avLst/>
-                </a:prstGeom>
-                <a:solidFill>
-                  <a:srgbClr val="FF0000"/>
-                </a:solidFill>
-                <a:ln w="38100">
-                  <a:solidFill>
-                    <a:srgbClr val="FFC000"/>
-                  </a:solidFill>
-                </a:ln>
-              </p:spPr>
-              <p:style>
-                <a:lnRef idx="2">
-                  <a:schemeClr val="accent1">
-                    <a:shade val="50000"/>
-                  </a:schemeClr>
-                </a:lnRef>
-                <a:fillRef idx="1">
-                  <a:schemeClr val="accent1"/>
-                </a:fillRef>
-                <a:effectRef idx="0">
-                  <a:schemeClr val="accent1"/>
-                </a:effectRef>
-                <a:fontRef idx="minor">
-                  <a:schemeClr val="lt1"/>
-                </a:fontRef>
-              </p:style>
-              <p:txBody>
-                <a:bodyPr rtlCol="0" anchor="ctr"/>
-                <a:lstStyle/>
-                <a:p>
-                  <a:pPr algn="ctr"/>
-                  <a:endParaRPr lang="en-US"/>
-                </a:p>
-              </p:txBody>
-            </p:sp>
-            <p:sp>
-              <p:nvSpPr>
-                <p:cNvPr id="5" name="Rectangle 4"/>
-                <p:cNvSpPr/>
-                <p:nvPr/>
-              </p:nvSpPr>
-              <p:spPr>
-                <a:xfrm>
-                  <a:off x="7069394" y="3222634"/>
-                  <a:ext cx="167148" cy="422788"/>
-                </a:xfrm>
-                <a:prstGeom prst="rect">
-                  <a:avLst/>
-                </a:prstGeom>
-                <a:solidFill>
-                  <a:schemeClr val="tx1"/>
-                </a:solidFill>
-                <a:ln w="38100">
-                  <a:solidFill>
-                    <a:schemeClr val="tx1"/>
-                  </a:solidFill>
-                </a:ln>
-              </p:spPr>
-              <p:style>
-                <a:lnRef idx="2">
-                  <a:schemeClr val="accent1">
-                    <a:shade val="50000"/>
-                  </a:schemeClr>
-                </a:lnRef>
-                <a:fillRef idx="1">
-                  <a:schemeClr val="accent1"/>
-                </a:fillRef>
-                <a:effectRef idx="0">
-                  <a:schemeClr val="accent1"/>
-                </a:effectRef>
-                <a:fontRef idx="minor">
-                  <a:schemeClr val="lt1"/>
-                </a:fontRef>
-              </p:style>
-              <p:txBody>
-                <a:bodyPr rtlCol="0" anchor="ctr"/>
-                <a:lstStyle/>
-                <a:p>
-                  <a:pPr algn="ctr"/>
-                  <a:endParaRPr lang="en-US"/>
-                </a:p>
-              </p:txBody>
-            </p:sp>
-            <p:sp>
-              <p:nvSpPr>
-                <p:cNvPr id="6" name="Isosceles Triangle 5"/>
-                <p:cNvSpPr/>
-                <p:nvPr/>
-              </p:nvSpPr>
-              <p:spPr>
-                <a:xfrm>
-                  <a:off x="7069394" y="2972277"/>
-                  <a:ext cx="167148" cy="245806"/>
-                </a:xfrm>
-                <a:custGeom>
-                  <a:avLst/>
-                  <a:gdLst>
-                    <a:gd name="connsiteX0" fmla="*/ 0 w 167148"/>
-                    <a:gd name="connsiteY0" fmla="*/ 245806 h 245806"/>
-                    <a:gd name="connsiteX1" fmla="*/ 83574 w 167148"/>
-                    <a:gd name="connsiteY1" fmla="*/ 0 h 245806"/>
-                    <a:gd name="connsiteX2" fmla="*/ 167148 w 167148"/>
-                    <a:gd name="connsiteY2" fmla="*/ 245806 h 245806"/>
-                    <a:gd name="connsiteX3" fmla="*/ 0 w 167148"/>
-                    <a:gd name="connsiteY3" fmla="*/ 245806 h 245806"/>
-                    <a:gd name="connsiteX0" fmla="*/ 0 w 167148"/>
-                    <a:gd name="connsiteY0" fmla="*/ 245806 h 245806"/>
-                    <a:gd name="connsiteX1" fmla="*/ 83574 w 167148"/>
-                    <a:gd name="connsiteY1" fmla="*/ 0 h 245806"/>
-                    <a:gd name="connsiteX2" fmla="*/ 167148 w 167148"/>
-                    <a:gd name="connsiteY2" fmla="*/ 245806 h 245806"/>
-                    <a:gd name="connsiteX3" fmla="*/ 0 w 167148"/>
-                    <a:gd name="connsiteY3" fmla="*/ 245806 h 245806"/>
-                    <a:gd name="connsiteX0" fmla="*/ 0 w 167148"/>
-                    <a:gd name="connsiteY0" fmla="*/ 245806 h 245806"/>
-                    <a:gd name="connsiteX1" fmla="*/ 83574 w 167148"/>
-                    <a:gd name="connsiteY1" fmla="*/ 0 h 245806"/>
-                    <a:gd name="connsiteX2" fmla="*/ 167148 w 167148"/>
-                    <a:gd name="connsiteY2" fmla="*/ 245806 h 245806"/>
-                    <a:gd name="connsiteX3" fmla="*/ 0 w 167148"/>
-                    <a:gd name="connsiteY3" fmla="*/ 245806 h 245806"/>
-                  </a:gdLst>
-                  <a:ahLst/>
-                  <a:cxnLst>
-                    <a:cxn ang="0">
-                      <a:pos x="connsiteX0" y="connsiteY0"/>
-                    </a:cxn>
-                    <a:cxn ang="0">
-                      <a:pos x="connsiteX1" y="connsiteY1"/>
-                    </a:cxn>
-                    <a:cxn ang="0">
-                      <a:pos x="connsiteX2" y="connsiteY2"/>
-                    </a:cxn>
-                    <a:cxn ang="0">
-                      <a:pos x="connsiteX3" y="connsiteY3"/>
-                    </a:cxn>
-                  </a:cxnLst>
-                  <a:rect l="l" t="t" r="r" b="b"/>
-                  <a:pathLst>
-                    <a:path w="167148" h="245806">
-                      <a:moveTo>
-                        <a:pt x="0" y="245806"/>
-                      </a:moveTo>
-                      <a:cubicBezTo>
-                        <a:pt x="27858" y="163871"/>
-                        <a:pt x="5674" y="72836"/>
-                        <a:pt x="83574" y="0"/>
-                      </a:cubicBezTo>
-                      <a:cubicBezTo>
-                        <a:pt x="166023" y="81935"/>
-                        <a:pt x="139290" y="163871"/>
-                        <a:pt x="167148" y="245806"/>
-                      </a:cubicBezTo>
-                      <a:lnTo>
-                        <a:pt x="0" y="245806"/>
-                      </a:lnTo>
-                      <a:close/>
-                    </a:path>
-                  </a:pathLst>
-                </a:custGeom>
-                <a:solidFill>
-                  <a:schemeClr val="tx1"/>
-                </a:solidFill>
-                <a:ln w="38100">
-                  <a:solidFill>
-                    <a:schemeClr val="tx1"/>
-                  </a:solidFill>
-                </a:ln>
-              </p:spPr>
-              <p:style>
-                <a:lnRef idx="2">
-                  <a:schemeClr val="accent1">
-                    <a:shade val="50000"/>
-                  </a:schemeClr>
-                </a:lnRef>
-                <a:fillRef idx="1">
-                  <a:schemeClr val="accent1"/>
-                </a:fillRef>
-                <a:effectRef idx="0">
-                  <a:schemeClr val="accent1"/>
-                </a:effectRef>
-                <a:fontRef idx="minor">
-                  <a:schemeClr val="lt1"/>
-                </a:fontRef>
-              </p:style>
-              <p:txBody>
-                <a:bodyPr rtlCol="0" anchor="ctr"/>
-                <a:lstStyle/>
-                <a:p>
-                  <a:pPr algn="ctr"/>
-                  <a:endParaRPr lang="en-US"/>
-                </a:p>
-              </p:txBody>
-            </p:sp>
-          </p:grpSp>
-          <p:cxnSp>
-            <p:nvCxnSpPr>
-              <p:cNvPr id="10" name="Straight Connector 9"/>
-              <p:cNvCxnSpPr/>
-              <p:nvPr/>
-            </p:nvCxnSpPr>
-            <p:spPr>
-              <a:xfrm flipV="1">
-                <a:off x="3559277" y="2556394"/>
-                <a:ext cx="980612" cy="765268"/>
-              </a:xfrm>
-              <a:prstGeom prst="line">
-                <a:avLst/>
-              </a:prstGeom>
-              <a:ln w="38100">
-                <a:solidFill>
-                  <a:schemeClr val="tx1"/>
-                </a:solidFill>
-              </a:ln>
-            </p:spPr>
-            <p:style>
-              <a:lnRef idx="1">
-                <a:schemeClr val="accent1"/>
-              </a:lnRef>
-              <a:fillRef idx="0">
-                <a:schemeClr val="accent1"/>
-              </a:fillRef>
-              <a:effectRef idx="0">
-                <a:schemeClr val="accent1"/>
-              </a:effectRef>
-              <a:fontRef idx="minor">
-                <a:schemeClr val="tx1"/>
-              </a:fontRef>
-            </p:style>
-          </p:cxnSp>
-        </p:grpSp>
-        <mc:AlternateContent xmlns:mc="http://schemas.openxmlformats.org/markup-compatibility/2006" xmlns:a14="http://schemas.microsoft.com/office/drawing/2010/main">
-          <mc:Choice Requires="a14">
-            <p:sp>
-              <p:nvSpPr>
-                <p:cNvPr id="13" name="TextBox 12"/>
-                <p:cNvSpPr txBox="1"/>
-                <p:nvPr/>
-              </p:nvSpPr>
-              <p:spPr>
-                <a:xfrm>
-                  <a:off x="2163931" y="1599892"/>
-                  <a:ext cx="241540" cy="307777"/>
-                </a:xfrm>
-                <a:prstGeom prst="rect">
-                  <a:avLst/>
-                </a:prstGeom>
-                <a:noFill/>
-              </p:spPr>
-              <p:txBody>
-                <a:bodyPr wrap="none" lIns="0" tIns="0" rIns="0" bIns="0" rtlCol="0">
-                  <a:spAutoFit/>
-                </a:bodyPr>
-                <a:lstStyle/>
-                <a:p>
-                  <a:pPr/>
-                  <a14:m>
-                    <m:oMathPara xmlns:m="http://schemas.openxmlformats.org/officeDocument/2006/math">
-                      <m:oMathParaPr>
-                        <m:jc m:val="centerGroup"/>
-                      </m:oMathParaPr>
-                      <m:oMath xmlns:m="http://schemas.openxmlformats.org/officeDocument/2006/math">
-                        <m:r>
-                          <a:rPr lang="en-US" sz="2000" b="0" i="1" smtClean="0">
-                            <a:latin typeface="Cambria Math" panose="02040503050406030204" pitchFamily="18" charset="0"/>
-                            <a:cs typeface="Arial" panose="020B0604020202020204" pitchFamily="34" charset="0"/>
-                          </a:rPr>
-                          <m:t>𝑅</m:t>
-                        </m:r>
-                      </m:oMath>
-                    </m:oMathPara>
-                  </a14:m>
-                  <a:endParaRPr lang="en-US" sz="2000" dirty="0" smtClean="0">
-                    <a:latin typeface="Arial" panose="020B0604020202020204" pitchFamily="34" charset="0"/>
-                    <a:cs typeface="Arial" panose="020B0604020202020204" pitchFamily="34" charset="0"/>
-                  </a:endParaRPr>
-                </a:p>
-              </p:txBody>
-            </p:sp>
-          </mc:Choice>
-          <mc:Fallback xmlns="">
-            <p:sp>
-              <p:nvSpPr>
-                <p:cNvPr id="13" name="TextBox 12"/>
-                <p:cNvSpPr txBox="1">
-                  <a:spLocks noRot="1" noChangeAspect="1" noMove="1" noResize="1" noEditPoints="1" noAdjustHandles="1" noChangeArrowheads="1" noChangeShapeType="1" noTextEdit="1"/>
-                </p:cNvSpPr>
-                <p:nvPr/>
-              </p:nvSpPr>
-              <p:spPr>
-                <a:xfrm>
-                  <a:off x="2163931" y="1599892"/>
-                  <a:ext cx="241540" cy="307777"/>
-                </a:xfrm>
-                <a:prstGeom prst="rect">
-                  <a:avLst/>
-                </a:prstGeom>
-                <a:blipFill>
-                  <a:blip r:embed="rId2"/>
-                  <a:stretch>
-                    <a:fillRect l="-22500" r="-17500" b="-9804"/>
-                  </a:stretch>
-                </a:blipFill>
-              </p:spPr>
-              <p:txBody>
-                <a:bodyPr/>
-                <a:lstStyle/>
-                <a:p>
-                  <a:r>
-                    <a:rPr lang="en-US">
-                      <a:noFill/>
-                    </a:rPr>
-                    <a:t> </a:t>
-                  </a:r>
-                </a:p>
-              </p:txBody>
-            </p:sp>
-          </mc:Fallback>
-        </mc:AlternateContent>
-      </p:grpSp>
       <p:grpSp>
         <p:nvGrpSpPr>
           <p:cNvPr id="9" name="Group 8"/>
@@ -16566,7 +16144,7 @@
                               <m:chr m:val="⃗"/>
                               <m:ctrlPr>
                                 <a:rPr lang="en-US" sz="2000" b="0" i="1" smtClean="0">
-                                  <a:latin typeface="Cambria Math" panose="02040503050406030204" pitchFamily="18" charset="0"/>
+                                  <a:latin typeface="Cambria Math" charset="0"/>
                                   <a:cs typeface="Arial" panose="020B0604020202020204" pitchFamily="34" charset="0"/>
                                 </a:rPr>
                               </m:ctrlPr>
@@ -16667,7 +16245,7 @@
                               <m:chr m:val="⃗"/>
                               <m:ctrlPr>
                                 <a:rPr lang="en-US" sz="2000" b="0" i="1" smtClean="0">
-                                  <a:latin typeface="Cambria Math" panose="02040503050406030204" pitchFamily="18" charset="0"/>
+                                  <a:latin typeface="Cambria Math" charset="0"/>
                                   <a:cs typeface="Arial" panose="020B0604020202020204" pitchFamily="34" charset="0"/>
                                 </a:rPr>
                               </m:ctrlPr>
@@ -16893,7 +16471,7 @@
                             <m:chr m:val="⃗"/>
                             <m:ctrlPr>
                               <a:rPr lang="en-US" sz="2000" b="0" i="1" smtClean="0">
-                                <a:latin typeface="Cambria Math" panose="02040503050406030204" pitchFamily="18" charset="0"/>
+                                <a:latin typeface="Cambria Math" charset="0"/>
                                 <a:cs typeface="Arial" panose="020B0604020202020204" pitchFamily="34" charset="0"/>
                               </a:rPr>
                             </m:ctrlPr>
@@ -17181,7 +16759,7 @@
                             <m:chr m:val="⃗"/>
                             <m:ctrlPr>
                               <a:rPr lang="en-US" sz="2000" b="0" i="1" smtClean="0">
-                                <a:latin typeface="Cambria Math" panose="02040503050406030204" pitchFamily="18" charset="0"/>
+                                <a:latin typeface="Cambria Math" charset="0"/>
                                 <a:cs typeface="Arial" panose="020B0604020202020204" pitchFamily="34" charset="0"/>
                               </a:rPr>
                             </m:ctrlPr>
@@ -17208,7 +16786,7 @@
                             <m:chr m:val="⃗"/>
                             <m:ctrlPr>
                               <a:rPr lang="en-US" sz="2000" b="0" i="1" smtClean="0">
-                                <a:latin typeface="Cambria Math" panose="02040503050406030204" pitchFamily="18" charset="0"/>
+                                <a:latin typeface="Cambria Math" charset="0"/>
                                 <a:cs typeface="Arial" panose="020B0604020202020204" pitchFamily="34" charset="0"/>
                               </a:rPr>
                             </m:ctrlPr>
@@ -17235,7 +16813,7 @@
                             <m:chr m:val="⃗"/>
                             <m:ctrlPr>
                               <a:rPr lang="en-US" sz="2000" b="0" i="1" smtClean="0">
-                                <a:latin typeface="Cambria Math" panose="02040503050406030204" pitchFamily="18" charset="0"/>
+                                <a:latin typeface="Cambria Math" charset="0"/>
                                 <a:cs typeface="Arial" panose="020B0604020202020204" pitchFamily="34" charset="0"/>
                               </a:rPr>
                             </m:ctrlPr>
@@ -17641,7 +17219,7 @@
                                 <m:chr m:val="⃗"/>
                                 <m:ctrlPr>
                                   <a:rPr lang="en-US" sz="2000" b="0" i="1" smtClean="0">
-                                    <a:latin typeface="Cambria Math" panose="02040503050406030204" pitchFamily="18" charset="0"/>
+                                    <a:latin typeface="Cambria Math" charset="0"/>
                                     <a:cs typeface="Arial" panose="020B0604020202020204" pitchFamily="34" charset="0"/>
                                   </a:rPr>
                                 </m:ctrlPr>
@@ -17742,7 +17320,7 @@
                                 <m:chr m:val="⃗"/>
                                 <m:ctrlPr>
                                   <a:rPr lang="en-US" sz="2000" b="0" i="1" smtClean="0">
-                                    <a:latin typeface="Cambria Math" panose="02040503050406030204" pitchFamily="18" charset="0"/>
+                                    <a:latin typeface="Cambria Math" charset="0"/>
                                     <a:cs typeface="Arial" panose="020B0604020202020204" pitchFamily="34" charset="0"/>
                                   </a:rPr>
                                 </m:ctrlPr>
@@ -17916,7 +17494,7 @@
                               <m:sSubPr>
                                 <m:ctrlPr>
                                   <a:rPr lang="en-US" sz="2000" b="0" i="1" smtClean="0">
-                                    <a:latin typeface="Cambria Math" panose="02040503050406030204" pitchFamily="18" charset="0"/>
+                                    <a:latin typeface="Cambria Math" charset="0"/>
                                     <a:cs typeface="Arial" panose="020B0604020202020204" pitchFamily="34" charset="0"/>
                                   </a:rPr>
                                 </m:ctrlPr>
@@ -18025,7 +17603,7 @@
                               <m:sSubPr>
                                 <m:ctrlPr>
                                   <a:rPr lang="en-US" sz="2000" b="0" i="1" smtClean="0">
-                                    <a:latin typeface="Cambria Math" panose="02040503050406030204" pitchFamily="18" charset="0"/>
+                                    <a:latin typeface="Cambria Math" charset="0"/>
                                     <a:cs typeface="Arial" panose="020B0604020202020204" pitchFamily="34" charset="0"/>
                                   </a:rPr>
                                 </m:ctrlPr>
@@ -18566,7 +18144,7 @@
                                 <m:chr m:val="⃗"/>
                                 <m:ctrlPr>
                                   <a:rPr lang="en-US" sz="2000" b="0" i="1" smtClean="0">
-                                    <a:latin typeface="Cambria Math" panose="02040503050406030204" pitchFamily="18" charset="0"/>
+                                    <a:latin typeface="Cambria Math" charset="0"/>
                                     <a:cs typeface="Arial" panose="020B0604020202020204" pitchFamily="34" charset="0"/>
                                   </a:rPr>
                                 </m:ctrlPr>
@@ -18667,7 +18245,7 @@
                                 <m:chr m:val="⃗"/>
                                 <m:ctrlPr>
                                   <a:rPr lang="en-US" sz="2000" b="0" i="1" smtClean="0">
-                                    <a:latin typeface="Cambria Math" panose="02040503050406030204" pitchFamily="18" charset="0"/>
+                                    <a:latin typeface="Cambria Math" charset="0"/>
                                     <a:cs typeface="Arial" panose="020B0604020202020204" pitchFamily="34" charset="0"/>
                                   </a:rPr>
                                 </m:ctrlPr>
@@ -18841,7 +18419,7 @@
                               <m:sSubPr>
                                 <m:ctrlPr>
                                   <a:rPr lang="en-US" sz="2000" b="0" i="1" smtClean="0">
-                                    <a:latin typeface="Cambria Math" panose="02040503050406030204" pitchFamily="18" charset="0"/>
+                                    <a:latin typeface="Cambria Math" charset="0"/>
                                     <a:cs typeface="Arial" panose="020B0604020202020204" pitchFamily="34" charset="0"/>
                                   </a:rPr>
                                 </m:ctrlPr>
@@ -18950,7 +18528,7 @@
                               <m:sSubPr>
                                 <m:ctrlPr>
                                   <a:rPr lang="en-US" sz="2000" b="0" i="1" smtClean="0">
-                                    <a:latin typeface="Cambria Math" panose="02040503050406030204" pitchFamily="18" charset="0"/>
+                                    <a:latin typeface="Cambria Math" charset="0"/>
                                     <a:cs typeface="Arial" panose="020B0604020202020204" pitchFamily="34" charset="0"/>
                                   </a:rPr>
                                 </m:ctrlPr>
@@ -19150,6 +18728,298 @@
             </mc:Fallback>
           </mc:AlternateContent>
         </p:grpSp>
+      </p:grpSp>
+      <p:grpSp>
+        <p:nvGrpSpPr>
+          <p:cNvPr id="5" name="Group 4"/>
+          <p:cNvGrpSpPr/>
+          <p:nvPr/>
+        </p:nvGrpSpPr>
+        <p:grpSpPr>
+          <a:xfrm>
+            <a:off x="547432" y="291079"/>
+            <a:ext cx="2623898" cy="2776921"/>
+            <a:chOff x="547432" y="291079"/>
+            <a:chExt cx="2623898" cy="2776921"/>
+          </a:xfrm>
+        </p:grpSpPr>
+        <p:grpSp>
+          <p:nvGrpSpPr>
+            <p:cNvPr id="14" name="Group 13"/>
+            <p:cNvGrpSpPr/>
+            <p:nvPr/>
+          </p:nvGrpSpPr>
+          <p:grpSpPr>
+            <a:xfrm>
+              <a:off x="547432" y="531277"/>
+              <a:ext cx="2623898" cy="2536723"/>
+              <a:chOff x="674767" y="1043247"/>
+              <a:chExt cx="2623898" cy="2536723"/>
+            </a:xfrm>
+          </p:grpSpPr>
+          <p:grpSp>
+            <p:nvGrpSpPr>
+              <p:cNvPr id="12" name="Group 11"/>
+              <p:cNvGrpSpPr/>
+              <p:nvPr/>
+            </p:nvGrpSpPr>
+            <p:grpSpPr>
+              <a:xfrm>
+                <a:off x="674767" y="1043247"/>
+                <a:ext cx="2623898" cy="2536723"/>
+                <a:chOff x="2290916" y="2074606"/>
+                <a:chExt cx="2623898" cy="2536723"/>
+              </a:xfrm>
+            </p:grpSpPr>
+            <p:sp>
+              <p:nvSpPr>
+                <p:cNvPr id="4" name="Oval 3"/>
+                <p:cNvSpPr/>
+                <p:nvPr/>
+              </p:nvSpPr>
+              <p:spPr>
+                <a:xfrm>
+                  <a:off x="2290916" y="2074606"/>
+                  <a:ext cx="2536723" cy="2536723"/>
+                </a:xfrm>
+                <a:prstGeom prst="ellipse">
+                  <a:avLst/>
+                </a:prstGeom>
+                <a:noFill/>
+                <a:ln w="38100">
+                  <a:solidFill>
+                    <a:schemeClr val="tx1"/>
+                  </a:solidFill>
+                  <a:prstDash val="dash"/>
+                </a:ln>
+              </p:spPr>
+              <p:style>
+                <a:lnRef idx="2">
+                  <a:schemeClr val="accent1">
+                    <a:shade val="50000"/>
+                  </a:schemeClr>
+                </a:lnRef>
+                <a:fillRef idx="1">
+                  <a:schemeClr val="accent1"/>
+                </a:fillRef>
+                <a:effectRef idx="0">
+                  <a:schemeClr val="accent1"/>
+                </a:effectRef>
+                <a:fontRef idx="minor">
+                  <a:schemeClr val="lt1"/>
+                </a:fontRef>
+              </p:style>
+              <p:txBody>
+                <a:bodyPr rtlCol="0" anchor="ctr"/>
+                <a:lstStyle/>
+                <a:p>
+                  <a:pPr algn="ctr"/>
+                  <a:endParaRPr lang="en-US"/>
+                </a:p>
+              </p:txBody>
+            </p:sp>
+            <p:sp>
+              <p:nvSpPr>
+                <p:cNvPr id="7" name="Explosion 1 6"/>
+                <p:cNvSpPr/>
+                <p:nvPr/>
+              </p:nvSpPr>
+              <p:spPr>
+                <a:xfrm rot="19405530">
+                  <a:off x="4777016" y="2611690"/>
+                  <a:ext cx="137798" cy="368489"/>
+                </a:xfrm>
+                <a:prstGeom prst="irregularSeal1">
+                  <a:avLst/>
+                </a:prstGeom>
+                <a:solidFill>
+                  <a:srgbClr val="FF0000"/>
+                </a:solidFill>
+                <a:ln w="38100">
+                  <a:solidFill>
+                    <a:srgbClr val="FFC000"/>
+                  </a:solidFill>
+                </a:ln>
+              </p:spPr>
+              <p:style>
+                <a:lnRef idx="2">
+                  <a:schemeClr val="accent1">
+                    <a:shade val="50000"/>
+                  </a:schemeClr>
+                </a:lnRef>
+                <a:fillRef idx="1">
+                  <a:schemeClr val="accent1"/>
+                </a:fillRef>
+                <a:effectRef idx="0">
+                  <a:schemeClr val="accent1"/>
+                </a:effectRef>
+                <a:fontRef idx="minor">
+                  <a:schemeClr val="lt1"/>
+                </a:fontRef>
+              </p:style>
+              <p:txBody>
+                <a:bodyPr rtlCol="0" anchor="ctr"/>
+                <a:lstStyle/>
+                <a:p>
+                  <a:pPr algn="ctr"/>
+                  <a:endParaRPr lang="en-US"/>
+                </a:p>
+              </p:txBody>
+            </p:sp>
+            <p:cxnSp>
+              <p:nvCxnSpPr>
+                <p:cNvPr id="10" name="Straight Connector 9"/>
+                <p:cNvCxnSpPr/>
+                <p:nvPr/>
+              </p:nvCxnSpPr>
+              <p:spPr>
+                <a:xfrm flipV="1">
+                  <a:off x="3559277" y="2556394"/>
+                  <a:ext cx="980612" cy="765268"/>
+                </a:xfrm>
+                <a:prstGeom prst="line">
+                  <a:avLst/>
+                </a:prstGeom>
+                <a:ln w="38100">
+                  <a:solidFill>
+                    <a:schemeClr val="tx1"/>
+                  </a:solidFill>
+                </a:ln>
+              </p:spPr>
+              <p:style>
+                <a:lnRef idx="1">
+                  <a:schemeClr val="accent1"/>
+                </a:lnRef>
+                <a:fillRef idx="0">
+                  <a:schemeClr val="accent1"/>
+                </a:fillRef>
+                <a:effectRef idx="0">
+                  <a:schemeClr val="accent1"/>
+                </a:effectRef>
+                <a:fontRef idx="minor">
+                  <a:schemeClr val="tx1"/>
+                </a:fontRef>
+              </p:style>
+            </p:cxnSp>
+          </p:grpSp>
+          <mc:AlternateContent xmlns:mc="http://schemas.openxmlformats.org/markup-compatibility/2006" xmlns:a14="http://schemas.microsoft.com/office/drawing/2010/main">
+            <mc:Choice Requires="a14">
+              <p:sp>
+                <p:nvSpPr>
+                  <p:cNvPr id="13" name="TextBox 12"/>
+                  <p:cNvSpPr txBox="1"/>
+                  <p:nvPr/>
+                </p:nvSpPr>
+                <p:spPr>
+                  <a:xfrm>
+                    <a:off x="2163931" y="1599892"/>
+                    <a:ext cx="241540" cy="307777"/>
+                  </a:xfrm>
+                  <a:prstGeom prst="rect">
+                    <a:avLst/>
+                  </a:prstGeom>
+                  <a:noFill/>
+                </p:spPr>
+                <p:txBody>
+                  <a:bodyPr wrap="none" lIns="0" tIns="0" rIns="0" bIns="0" rtlCol="0">
+                    <a:spAutoFit/>
+                  </a:bodyPr>
+                  <a:lstStyle/>
+                  <a:p>
+                    <a:pPr/>
+                    <a14:m>
+                      <m:oMathPara xmlns:m="http://schemas.openxmlformats.org/officeDocument/2006/math">
+                        <m:oMathParaPr>
+                          <m:jc m:val="centerGroup"/>
+                        </m:oMathParaPr>
+                        <m:oMath xmlns:m="http://schemas.openxmlformats.org/officeDocument/2006/math">
+                          <m:r>
+                            <a:rPr lang="en-US" sz="2000" b="0" i="1" smtClean="0">
+                              <a:latin typeface="Cambria Math" panose="02040503050406030204" pitchFamily="18" charset="0"/>
+                              <a:cs typeface="Arial" panose="020B0604020202020204" pitchFamily="34" charset="0"/>
+                            </a:rPr>
+                            <m:t>𝑅</m:t>
+                          </m:r>
+                        </m:oMath>
+                      </m:oMathPara>
+                    </a14:m>
+                    <a:endParaRPr lang="en-US" sz="2000" dirty="0" smtClean="0">
+                      <a:latin typeface="Arial" panose="020B0604020202020204" pitchFamily="34" charset="0"/>
+                      <a:cs typeface="Arial" panose="020B0604020202020204" pitchFamily="34" charset="0"/>
+                    </a:endParaRPr>
+                  </a:p>
+                </p:txBody>
+              </p:sp>
+            </mc:Choice>
+            <mc:Fallback xmlns="">
+              <p:sp>
+                <p:nvSpPr>
+                  <p:cNvPr id="13" name="TextBox 12"/>
+                  <p:cNvSpPr txBox="1">
+                    <a:spLocks noRot="1" noChangeAspect="1" noMove="1" noResize="1" noEditPoints="1" noAdjustHandles="1" noChangeArrowheads="1" noChangeShapeType="1" noTextEdit="1"/>
+                  </p:cNvSpPr>
+                  <p:nvPr/>
+                </p:nvSpPr>
+                <p:spPr>
+                  <a:xfrm>
+                    <a:off x="2163931" y="1599892"/>
+                    <a:ext cx="241540" cy="307777"/>
+                  </a:xfrm>
+                  <a:prstGeom prst="rect">
+                    <a:avLst/>
+                  </a:prstGeom>
+                  <a:blipFill>
+                    <a:blip r:embed="rId2"/>
+                    <a:stretch>
+                      <a:fillRect l="-22500" r="-17500" b="-9804"/>
+                    </a:stretch>
+                  </a:blipFill>
+                </p:spPr>
+                <p:txBody>
+                  <a:bodyPr/>
+                  <a:lstStyle/>
+                  <a:p>
+                    <a:r>
+                      <a:rPr lang="en-US">
+                        <a:noFill/>
+                      </a:rPr>
+                      <a:t> </a:t>
+                    </a:r>
+                  </a:p>
+                </p:txBody>
+              </p:sp>
+            </mc:Fallback>
+          </mc:AlternateContent>
+        </p:grpSp>
+        <p:pic>
+          <p:nvPicPr>
+            <p:cNvPr id="2" name="Picture 1"/>
+            <p:cNvPicPr>
+              <a:picLocks noChangeAspect="1"/>
+            </p:cNvPicPr>
+            <p:nvPr/>
+          </p:nvPicPr>
+          <p:blipFill rotWithShape="1">
+            <a:blip r:embed="rId23">
+              <a:extLst>
+                <a:ext uri="{28A0092B-C50C-407E-A947-70E740481C1C}">
+                  <a14:useLocalDpi xmlns:a14="http://schemas.microsoft.com/office/drawing/2010/main" val="0"/>
+                </a:ext>
+              </a:extLst>
+            </a:blip>
+            <a:srcRect l="29218" r="47069"/>
+            <a:stretch/>
+          </p:blipFill>
+          <p:spPr>
+            <a:xfrm rot="19087635">
+              <a:off x="2559623" y="291079"/>
+              <a:ext cx="531642" cy="1271588"/>
+            </a:xfrm>
+            <a:prstGeom prst="rect">
+              <a:avLst/>
+            </a:prstGeom>
+          </p:spPr>
+        </p:pic>
       </p:grpSp>
     </p:spTree>
     <p:extLst>
@@ -19826,7 +19696,7 @@
                               <m:chr m:val="⃗"/>
                               <m:ctrlPr>
                                 <a:rPr lang="en-US" sz="2000" b="0" i="1" smtClean="0">
-                                  <a:latin typeface="Cambria Math" panose="02040503050406030204" pitchFamily="18" charset="0"/>
+                                  <a:latin typeface="Cambria Math" charset="0"/>
                                   <a:cs typeface="Arial" panose="020B0604020202020204" pitchFamily="34" charset="0"/>
                                 </a:rPr>
                               </m:ctrlPr>
@@ -19927,7 +19797,7 @@
                               <m:chr m:val="⃗"/>
                               <m:ctrlPr>
                                 <a:rPr lang="en-US" sz="2000" b="0" i="1" smtClean="0">
-                                  <a:latin typeface="Cambria Math" panose="02040503050406030204" pitchFamily="18" charset="0"/>
+                                  <a:latin typeface="Cambria Math" charset="0"/>
                                   <a:cs typeface="Arial" panose="020B0604020202020204" pitchFamily="34" charset="0"/>
                                 </a:rPr>
                               </m:ctrlPr>
@@ -20027,7 +19897,7 @@
                             <m:sSubPr>
                               <m:ctrlPr>
                                 <a:rPr lang="en-US" sz="2000" b="0" i="1" smtClean="0">
-                                  <a:latin typeface="Cambria Math" panose="02040503050406030204" pitchFamily="18" charset="0"/>
+                                  <a:latin typeface="Cambria Math" charset="0"/>
                                   <a:cs typeface="Arial" panose="020B0604020202020204" pitchFamily="34" charset="0"/>
                                 </a:rPr>
                               </m:ctrlPr>
@@ -20038,7 +19908,7 @@
                                   <m:chr m:val="⃗"/>
                                   <m:ctrlPr>
                                     <a:rPr lang="en-US" sz="2000" b="0" i="1" smtClean="0">
-                                      <a:latin typeface="Cambria Math" panose="02040503050406030204" pitchFamily="18" charset="0"/>
+                                      <a:latin typeface="Cambria Math" charset="0"/>
                                       <a:cs typeface="Arial" panose="020B0604020202020204" pitchFamily="34" charset="0"/>
                                     </a:rPr>
                                   </m:ctrlPr>
@@ -20149,7 +20019,7 @@
                             <m:sSubPr>
                               <m:ctrlPr>
                                 <a:rPr lang="en-US" sz="2000" b="0" i="1" smtClean="0">
-                                  <a:latin typeface="Cambria Math" panose="02040503050406030204" pitchFamily="18" charset="0"/>
+                                  <a:latin typeface="Cambria Math" charset="0"/>
                                   <a:cs typeface="Arial" panose="020B0604020202020204" pitchFamily="34" charset="0"/>
                                 </a:rPr>
                               </m:ctrlPr>
@@ -20160,7 +20030,7 @@
                                   <m:chr m:val="⃗"/>
                                   <m:ctrlPr>
                                     <a:rPr lang="en-US" sz="2000" b="0" i="1" smtClean="0">
-                                      <a:latin typeface="Cambria Math" panose="02040503050406030204" pitchFamily="18" charset="0"/>
+                                      <a:latin typeface="Cambria Math" charset="0"/>
                                       <a:cs typeface="Arial" panose="020B0604020202020204" pitchFamily="34" charset="0"/>
                                     </a:rPr>
                                   </m:ctrlPr>
@@ -21020,7 +20890,7 @@
                                 <m:chr m:val="⃗"/>
                                 <m:ctrlPr>
                                   <a:rPr lang="en-US" sz="2000" b="0" i="1" smtClean="0">
-                                    <a:latin typeface="Cambria Math" panose="02040503050406030204" pitchFamily="18" charset="0"/>
+                                    <a:latin typeface="Cambria Math" charset="0"/>
                                     <a:cs typeface="Arial" panose="020B0604020202020204" pitchFamily="34" charset="0"/>
                                   </a:rPr>
                                 </m:ctrlPr>
@@ -21832,7 +21702,7 @@
                                 <m:chr m:val="⃗"/>
                                 <m:ctrlPr>
                                   <a:rPr lang="en-US" sz="2000" b="0" i="1" smtClean="0">
-                                    <a:latin typeface="Cambria Math" panose="02040503050406030204" pitchFamily="18" charset="0"/>
+                                    <a:latin typeface="Cambria Math" charset="0"/>
                                     <a:cs typeface="Arial" panose="020B0604020202020204" pitchFamily="34" charset="0"/>
                                   </a:rPr>
                                 </m:ctrlPr>
@@ -22017,7 +21887,7 @@
                           <m:sSupPr>
                             <m:ctrlPr>
                               <a:rPr lang="en-US" sz="2000" b="0" i="1" smtClean="0">
-                                <a:latin typeface="Cambria Math" panose="02040503050406030204" pitchFamily="18" charset="0"/>
+                                <a:latin typeface="Cambria Math" charset="0"/>
                                 <a:cs typeface="Arial" panose="020B0604020202020204" pitchFamily="34" charset="0"/>
                               </a:rPr>
                             </m:ctrlPr>
@@ -22028,7 +21898,7 @@
                                 <m:chr m:val="⃗"/>
                                 <m:ctrlPr>
                                   <a:rPr lang="en-US" sz="2000" b="0" i="1" smtClean="0">
-                                    <a:latin typeface="Cambria Math" panose="02040503050406030204" pitchFamily="18" charset="0"/>
+                                    <a:latin typeface="Cambria Math" charset="0"/>
                                     <a:cs typeface="Arial" panose="020B0604020202020204" pitchFamily="34" charset="0"/>
                                   </a:rPr>
                                 </m:ctrlPr>
@@ -22175,7 +22045,7 @@
                           <m:sSupPr>
                             <m:ctrlPr>
                               <a:rPr lang="en-US" sz="2000" b="0" i="1" smtClean="0">
-                                <a:latin typeface="Cambria Math" panose="02040503050406030204" pitchFamily="18" charset="0"/>
+                                <a:latin typeface="Cambria Math" charset="0"/>
                                 <a:cs typeface="Arial" panose="020B0604020202020204" pitchFamily="34" charset="0"/>
                               </a:rPr>
                             </m:ctrlPr>
@@ -22185,7 +22055,7 @@
                               <m:sSubPr>
                                 <m:ctrlPr>
                                   <a:rPr lang="en-US" sz="2000" b="0" i="1" smtClean="0">
-                                    <a:latin typeface="Cambria Math" panose="02040503050406030204" pitchFamily="18" charset="0"/>
+                                    <a:latin typeface="Cambria Math" charset="0"/>
                                     <a:cs typeface="Arial" panose="020B0604020202020204" pitchFamily="34" charset="0"/>
                                   </a:rPr>
                                 </m:ctrlPr>
@@ -22196,7 +22066,7 @@
                                     <m:chr m:val="⃗"/>
                                     <m:ctrlPr>
                                       <a:rPr lang="en-US" sz="2000" b="0" i="1" smtClean="0">
-                                        <a:latin typeface="Cambria Math" panose="02040503050406030204" pitchFamily="18" charset="0"/>
+                                        <a:latin typeface="Cambria Math" charset="0"/>
                                         <a:cs typeface="Arial" panose="020B0604020202020204" pitchFamily="34" charset="0"/>
                                       </a:rPr>
                                     </m:ctrlPr>
@@ -22601,7 +22471,7 @@
                             <m:chr m:val="⃗"/>
                             <m:ctrlPr>
                               <a:rPr lang="en-US" sz="2000" b="0" i="1" smtClean="0">
-                                <a:latin typeface="Cambria Math" panose="02040503050406030204" pitchFamily="18" charset="0"/>
+                                <a:latin typeface="Cambria Math" charset="0"/>
                                 <a:cs typeface="Arial" panose="020B0604020202020204" pitchFamily="34" charset="0"/>
                               </a:rPr>
                             </m:ctrlPr>
@@ -22709,7 +22579,7 @@
                             <m:chr m:val="⃗"/>
                             <m:ctrlPr>
                               <a:rPr lang="en-US" sz="2000" b="0" i="1" smtClean="0">
-                                <a:latin typeface="Cambria Math" panose="02040503050406030204" pitchFamily="18" charset="0"/>
+                                <a:latin typeface="Cambria Math" charset="0"/>
                                 <a:cs typeface="Arial" panose="020B0604020202020204" pitchFamily="34" charset="0"/>
                               </a:rPr>
                             </m:ctrlPr>
@@ -23346,7 +23216,7 @@
                                     <m:chr m:val="⃗"/>
                                     <m:ctrlPr>
                                       <a:rPr lang="en-US" sz="2000" b="0" i="1" smtClean="0">
-                                        <a:latin typeface="Cambria Math" panose="02040503050406030204" pitchFamily="18" charset="0"/>
+                                        <a:latin typeface="Cambria Math" charset="0"/>
                                         <a:cs typeface="Arial" panose="020B0604020202020204" pitchFamily="34" charset="0"/>
                                       </a:rPr>
                                     </m:ctrlPr>
@@ -23454,7 +23324,7 @@
                                     <m:chr m:val="⃗"/>
                                     <m:ctrlPr>
                                       <a:rPr lang="en-US" sz="2000" b="0" i="1" smtClean="0">
-                                        <a:latin typeface="Cambria Math" panose="02040503050406030204" pitchFamily="18" charset="0"/>
+                                        <a:latin typeface="Cambria Math" charset="0"/>
                                         <a:cs typeface="Arial" panose="020B0604020202020204" pitchFamily="34" charset="0"/>
                                       </a:rPr>
                                     </m:ctrlPr>
@@ -23859,7 +23729,7 @@
                                   <m:chr m:val="⃗"/>
                                   <m:ctrlPr>
                                     <a:rPr lang="en-US" sz="2000" b="0" i="1" smtClean="0">
-                                      <a:latin typeface="Cambria Math" panose="02040503050406030204" pitchFamily="18" charset="0"/>
+                                      <a:latin typeface="Cambria Math" charset="0"/>
                                       <a:cs typeface="Arial" panose="020B0604020202020204" pitchFamily="34" charset="0"/>
                                     </a:rPr>
                                   </m:ctrlPr>
@@ -23960,7 +23830,7 @@
                                   <m:chr m:val="⃗"/>
                                   <m:ctrlPr>
                                     <a:rPr lang="en-US" sz="2000" b="0" i="1" smtClean="0">
-                                      <a:latin typeface="Cambria Math" panose="02040503050406030204" pitchFamily="18" charset="0"/>
+                                      <a:latin typeface="Cambria Math" charset="0"/>
                                       <a:cs typeface="Arial" panose="020B0604020202020204" pitchFamily="34" charset="0"/>
                                     </a:rPr>
                                   </m:ctrlPr>
@@ -24838,7 +24708,7 @@
                                     <m:chr m:val="⃗"/>
                                     <m:ctrlPr>
                                       <a:rPr lang="en-US" sz="2000" b="0" i="1" smtClean="0">
-                                        <a:latin typeface="Cambria Math" panose="02040503050406030204" pitchFamily="18" charset="0"/>
+                                        <a:latin typeface="Cambria Math" charset="0"/>
                                         <a:cs typeface="Arial" panose="020B0604020202020204" pitchFamily="34" charset="0"/>
                                       </a:rPr>
                                     </m:ctrlPr>
@@ -24946,7 +24816,7 @@
                                     <m:chr m:val="⃗"/>
                                     <m:ctrlPr>
                                       <a:rPr lang="en-US" sz="2000" b="0" i="1" smtClean="0">
-                                        <a:latin typeface="Cambria Math" panose="02040503050406030204" pitchFamily="18" charset="0"/>
+                                        <a:latin typeface="Cambria Math" charset="0"/>
                                         <a:cs typeface="Arial" panose="020B0604020202020204" pitchFamily="34" charset="0"/>
                                       </a:rPr>
                                     </m:ctrlPr>
@@ -25260,7 +25130,7 @@
                                   <m:chr m:val="⃗"/>
                                   <m:ctrlPr>
                                     <a:rPr lang="en-US" sz="2000" b="0" i="1" smtClean="0">
-                                      <a:latin typeface="Cambria Math" panose="02040503050406030204" pitchFamily="18" charset="0"/>
+                                      <a:latin typeface="Cambria Math" charset="0"/>
                                       <a:cs typeface="Arial" panose="020B0604020202020204" pitchFamily="34" charset="0"/>
                                     </a:rPr>
                                   </m:ctrlPr>
@@ -26486,7 +26356,7 @@
                             <m:sSubPr>
                               <m:ctrlPr>
                                 <a:rPr lang="en-US" sz="2000" b="0" i="1" smtClean="0">
-                                  <a:latin typeface="Cambria Math" panose="02040503050406030204" pitchFamily="18" charset="0"/>
+                                  <a:latin typeface="Cambria Math" charset="0"/>
                                   <a:cs typeface="Arial" panose="020B0604020202020204" pitchFamily="34" charset="0"/>
                                 </a:rPr>
                               </m:ctrlPr>
@@ -26497,7 +26367,7 @@
                                   <m:chr m:val="⃗"/>
                                   <m:ctrlPr>
                                     <a:rPr lang="en-US" sz="2000" b="0" i="1" smtClean="0">
-                                      <a:latin typeface="Cambria Math" panose="02040503050406030204" pitchFamily="18" charset="0"/>
+                                      <a:latin typeface="Cambria Math" charset="0"/>
                                       <a:cs typeface="Arial" panose="020B0604020202020204" pitchFamily="34" charset="0"/>
                                     </a:rPr>
                                   </m:ctrlPr>
@@ -26608,7 +26478,7 @@
                             <m:sSubPr>
                               <m:ctrlPr>
                                 <a:rPr lang="en-US" sz="2000" b="0" i="1" smtClean="0">
-                                  <a:latin typeface="Cambria Math" panose="02040503050406030204" pitchFamily="18" charset="0"/>
+                                  <a:latin typeface="Cambria Math" charset="0"/>
                                   <a:cs typeface="Arial" panose="020B0604020202020204" pitchFamily="34" charset="0"/>
                                 </a:rPr>
                               </m:ctrlPr>
@@ -26619,7 +26489,7 @@
                                   <m:chr m:val="⃗"/>
                                   <m:ctrlPr>
                                     <a:rPr lang="en-US" sz="2000" b="0" i="1" smtClean="0">
-                                      <a:latin typeface="Cambria Math" panose="02040503050406030204" pitchFamily="18" charset="0"/>
+                                      <a:latin typeface="Cambria Math" charset="0"/>
                                       <a:cs typeface="Arial" panose="020B0604020202020204" pitchFamily="34" charset="0"/>
                                     </a:rPr>
                                   </m:ctrlPr>
@@ -26730,7 +26600,7 @@
                             <m:sSubPr>
                               <m:ctrlPr>
                                 <a:rPr lang="en-US" sz="2000" b="0" i="1" smtClean="0">
-                                  <a:latin typeface="Cambria Math" panose="02040503050406030204" pitchFamily="18" charset="0"/>
+                                  <a:latin typeface="Cambria Math" charset="0"/>
                                   <a:cs typeface="Arial" panose="020B0604020202020204" pitchFamily="34" charset="0"/>
                                 </a:rPr>
                               </m:ctrlPr>
@@ -26839,7 +26709,7 @@
                             <m:sSubPr>
                               <m:ctrlPr>
                                 <a:rPr lang="en-US" sz="2000" b="0" i="1" smtClean="0">
-                                  <a:latin typeface="Cambria Math" panose="02040503050406030204" pitchFamily="18" charset="0"/>
+                                  <a:latin typeface="Cambria Math" charset="0"/>
                                   <a:cs typeface="Arial" panose="020B0604020202020204" pitchFamily="34" charset="0"/>
                                 </a:rPr>
                               </m:ctrlPr>
@@ -27436,8 +27306,8 @@
             </a:fontRef>
           </p:style>
         </p:cxnSp>
-        <mc:AlternateContent xmlns:mc="http://schemas.openxmlformats.org/markup-compatibility/2006">
-          <mc:Choice xmlns:a14="http://schemas.microsoft.com/office/drawing/2010/main" Requires="a14">
+        <mc:AlternateContent xmlns:mc="http://schemas.openxmlformats.org/markup-compatibility/2006" xmlns:a14="http://schemas.microsoft.com/office/drawing/2010/main">
+          <mc:Choice Requires="a14">
             <p:sp>
               <p:nvSpPr>
                 <p:cNvPr id="57" name="TextBox 56"/>
@@ -27460,6 +27330,7 @@
                 </a:bodyPr>
                 <a:lstStyle/>
                 <a:p>
+                  <a:pPr/>
                   <a14:m>
                     <m:oMathPara xmlns:m="http://schemas.openxmlformats.org/officeDocument/2006/math">
                       <m:oMathParaPr>
@@ -27470,7 +27341,7 @@
                           <m:sSubPr>
                             <m:ctrlPr>
                               <a:rPr lang="en-US" sz="2000" b="0" i="1" smtClean="0">
-                                <a:latin typeface="Cambria Math" panose="02040503050406030204" pitchFamily="18" charset="0"/>
+                                <a:latin typeface="Cambria Math" charset="0"/>
                                 <a:cs typeface="Arial" panose="020B0604020202020204" pitchFamily="34" charset="0"/>
                               </a:rPr>
                             </m:ctrlPr>
@@ -27481,7 +27352,7 @@
                                 <m:chr m:val="⃗"/>
                                 <m:ctrlPr>
                                   <a:rPr lang="en-US" sz="2000" b="0" i="1" smtClean="0">
-                                    <a:latin typeface="Cambria Math" panose="02040503050406030204" pitchFamily="18" charset="0"/>
+                                    <a:latin typeface="Cambria Math" charset="0"/>
                                     <a:cs typeface="Arial" panose="020B0604020202020204" pitchFamily="34" charset="0"/>
                                   </a:rPr>
                                 </m:ctrlPr>
@@ -27518,7 +27389,7 @@
               </p:txBody>
             </p:sp>
           </mc:Choice>
-          <mc:Fallback>
+          <mc:Fallback xmlns="">
             <p:sp>
               <p:nvSpPr>
                 <p:cNvPr id="57" name="TextBox 56"/>
@@ -27557,8 +27428,8 @@
             </p:sp>
           </mc:Fallback>
         </mc:AlternateContent>
-        <mc:AlternateContent xmlns:mc="http://schemas.openxmlformats.org/markup-compatibility/2006">
-          <mc:Choice xmlns:a14="http://schemas.microsoft.com/office/drawing/2010/main" Requires="a14">
+        <mc:AlternateContent xmlns:mc="http://schemas.openxmlformats.org/markup-compatibility/2006" xmlns:a14="http://schemas.microsoft.com/office/drawing/2010/main">
+          <mc:Choice Requires="a14">
             <p:sp>
               <p:nvSpPr>
                 <p:cNvPr id="112" name="TextBox 111"/>
@@ -27581,6 +27452,7 @@
                 </a:bodyPr>
                 <a:lstStyle/>
                 <a:p>
+                  <a:pPr/>
                   <a14:m>
                     <m:oMathPara xmlns:m="http://schemas.openxmlformats.org/officeDocument/2006/math">
                       <m:oMathParaPr>
@@ -27591,7 +27463,7 @@
                           <m:sSubPr>
                             <m:ctrlPr>
                               <a:rPr lang="en-US" sz="2000" b="0" i="1" smtClean="0">
-                                <a:latin typeface="Cambria Math" panose="02040503050406030204" pitchFamily="18" charset="0"/>
+                                <a:latin typeface="Cambria Math" charset="0"/>
                                 <a:cs typeface="Arial" panose="020B0604020202020204" pitchFamily="34" charset="0"/>
                               </a:rPr>
                             </m:ctrlPr>
@@ -27602,7 +27474,7 @@
                                 <m:chr m:val="⃗"/>
                                 <m:ctrlPr>
                                   <a:rPr lang="en-US" sz="2000" b="0" i="1" smtClean="0">
-                                    <a:latin typeface="Cambria Math" panose="02040503050406030204" pitchFamily="18" charset="0"/>
+                                    <a:latin typeface="Cambria Math" charset="0"/>
                                     <a:cs typeface="Arial" panose="020B0604020202020204" pitchFamily="34" charset="0"/>
                                   </a:rPr>
                                 </m:ctrlPr>
@@ -27639,7 +27511,7 @@
               </p:txBody>
             </p:sp>
           </mc:Choice>
-          <mc:Fallback>
+          <mc:Fallback xmlns="">
             <p:sp>
               <p:nvSpPr>
                 <p:cNvPr id="112" name="TextBox 111"/>
@@ -27678,8 +27550,8 @@
             </p:sp>
           </mc:Fallback>
         </mc:AlternateContent>
-        <mc:AlternateContent xmlns:mc="http://schemas.openxmlformats.org/markup-compatibility/2006">
-          <mc:Choice xmlns:a14="http://schemas.microsoft.com/office/drawing/2010/main" Requires="a14">
+        <mc:AlternateContent xmlns:mc="http://schemas.openxmlformats.org/markup-compatibility/2006" xmlns:a14="http://schemas.microsoft.com/office/drawing/2010/main">
+          <mc:Choice Requires="a14">
             <p:sp>
               <p:nvSpPr>
                 <p:cNvPr id="58" name="TextBox 57"/>
@@ -27702,6 +27574,7 @@
                 </a:bodyPr>
                 <a:lstStyle/>
                 <a:p>
+                  <a:pPr/>
                   <a14:m>
                     <m:oMathPara xmlns:m="http://schemas.openxmlformats.org/officeDocument/2006/math">
                       <m:oMathParaPr>
@@ -27712,7 +27585,7 @@
                           <m:sSubPr>
                             <m:ctrlPr>
                               <a:rPr lang="en-US" sz="2000" b="0" i="1" smtClean="0">
-                                <a:latin typeface="Cambria Math" panose="02040503050406030204" pitchFamily="18" charset="0"/>
+                                <a:latin typeface="Cambria Math" charset="0"/>
                                 <a:cs typeface="Arial" panose="020B0604020202020204" pitchFamily="34" charset="0"/>
                               </a:rPr>
                             </m:ctrlPr>
@@ -27747,7 +27620,7 @@
               </p:txBody>
             </p:sp>
           </mc:Choice>
-          <mc:Fallback>
+          <mc:Fallback xmlns="">
             <p:sp>
               <p:nvSpPr>
                 <p:cNvPr id="58" name="TextBox 57"/>
@@ -27786,8 +27659,8 @@
             </p:sp>
           </mc:Fallback>
         </mc:AlternateContent>
-        <mc:AlternateContent xmlns:mc="http://schemas.openxmlformats.org/markup-compatibility/2006">
-          <mc:Choice xmlns:a14="http://schemas.microsoft.com/office/drawing/2010/main" Requires="a14">
+        <mc:AlternateContent xmlns:mc="http://schemas.openxmlformats.org/markup-compatibility/2006" xmlns:a14="http://schemas.microsoft.com/office/drawing/2010/main">
+          <mc:Choice Requires="a14">
             <p:sp>
               <p:nvSpPr>
                 <p:cNvPr id="74" name="TextBox 73"/>
@@ -27810,6 +27683,7 @@
                 </a:bodyPr>
                 <a:lstStyle/>
                 <a:p>
+                  <a:pPr/>
                   <a14:m>
                     <m:oMathPara xmlns:m="http://schemas.openxmlformats.org/officeDocument/2006/math">
                       <m:oMathParaPr>
@@ -27821,7 +27695,7 @@
                             <m:chr m:val="⃗"/>
                             <m:ctrlPr>
                               <a:rPr lang="en-US" sz="2000" b="0" i="1" smtClean="0">
-                                <a:latin typeface="Cambria Math" panose="02040503050406030204" pitchFamily="18" charset="0"/>
+                                <a:latin typeface="Cambria Math" charset="0"/>
                                 <a:cs typeface="Arial" panose="020B0604020202020204" pitchFamily="34" charset="0"/>
                               </a:rPr>
                             </m:ctrlPr>
@@ -27847,7 +27721,7 @@
               </p:txBody>
             </p:sp>
           </mc:Choice>
-          <mc:Fallback>
+          <mc:Fallback xmlns="">
             <p:sp>
               <p:nvSpPr>
                 <p:cNvPr id="74" name="TextBox 73"/>
@@ -27886,8 +27760,8 @@
             </p:sp>
           </mc:Fallback>
         </mc:AlternateContent>
-        <mc:AlternateContent xmlns:mc="http://schemas.openxmlformats.org/markup-compatibility/2006">
-          <mc:Choice xmlns:a14="http://schemas.microsoft.com/office/drawing/2010/main" Requires="a14">
+        <mc:AlternateContent xmlns:mc="http://schemas.openxmlformats.org/markup-compatibility/2006" xmlns:a14="http://schemas.microsoft.com/office/drawing/2010/main">
+          <mc:Choice Requires="a14">
             <p:sp>
               <p:nvSpPr>
                 <p:cNvPr id="113" name="TextBox 112"/>
@@ -27910,6 +27784,7 @@
                 </a:bodyPr>
                 <a:lstStyle/>
                 <a:p>
+                  <a:pPr/>
                   <a14:m>
                     <m:oMathPara xmlns:m="http://schemas.openxmlformats.org/officeDocument/2006/math">
                       <m:oMathParaPr>
@@ -27928,7 +27803,7 @@
                             <m:chr m:val="⃗"/>
                             <m:ctrlPr>
                               <a:rPr lang="en-US" sz="2000" b="0" i="1" smtClean="0">
-                                <a:latin typeface="Cambria Math" panose="02040503050406030204" pitchFamily="18" charset="0"/>
+                                <a:latin typeface="Cambria Math" charset="0"/>
                                 <a:cs typeface="Arial" panose="020B0604020202020204" pitchFamily="34" charset="0"/>
                               </a:rPr>
                             </m:ctrlPr>
@@ -27954,7 +27829,7 @@
               </p:txBody>
             </p:sp>
           </mc:Choice>
-          <mc:Fallback>
+          <mc:Fallback xmlns="">
             <p:sp>
               <p:nvSpPr>
                 <p:cNvPr id="113" name="TextBox 112"/>
@@ -27993,8 +27868,8 @@
             </p:sp>
           </mc:Fallback>
         </mc:AlternateContent>
-        <mc:AlternateContent xmlns:mc="http://schemas.openxmlformats.org/markup-compatibility/2006">
-          <mc:Choice xmlns:a14="http://schemas.microsoft.com/office/drawing/2010/main" Requires="a14">
+        <mc:AlternateContent xmlns:mc="http://schemas.openxmlformats.org/markup-compatibility/2006" xmlns:a14="http://schemas.microsoft.com/office/drawing/2010/main">
+          <mc:Choice Requires="a14">
             <p:sp>
               <p:nvSpPr>
                 <p:cNvPr id="114" name="TextBox 113"/>
@@ -28042,7 +27917,7 @@
               </p:txBody>
             </p:sp>
           </mc:Choice>
-          <mc:Fallback>
+          <mc:Fallback xmlns="">
             <p:sp>
               <p:nvSpPr>
                 <p:cNvPr id="114" name="TextBox 113"/>
@@ -28381,7 +28256,7 @@
                               <m:sSubPr>
                                 <m:ctrlPr>
                                   <a:rPr lang="en-US" sz="2000" b="0" i="1" smtClean="0">
-                                    <a:latin typeface="Cambria Math" panose="02040503050406030204" pitchFamily="18" charset="0"/>
+                                    <a:latin typeface="Cambria Math" charset="0"/>
                                     <a:cs typeface="Arial" panose="020B0604020202020204" pitchFamily="34" charset="0"/>
                                   </a:rPr>
                                 </m:ctrlPr>
@@ -28490,7 +28365,7 @@
                               <m:sSubPr>
                                 <m:ctrlPr>
                                   <a:rPr lang="en-US" sz="2000" b="0" i="1" smtClean="0">
-                                    <a:latin typeface="Cambria Math" panose="02040503050406030204" pitchFamily="18" charset="0"/>
+                                    <a:latin typeface="Cambria Math" charset="0"/>
                                     <a:cs typeface="Arial" panose="020B0604020202020204" pitchFamily="34" charset="0"/>
                                   </a:rPr>
                                 </m:ctrlPr>
@@ -28673,7 +28548,7 @@
                               <m:sSubPr>
                                 <m:ctrlPr>
                                   <a:rPr lang="en-US" sz="2000" b="0" i="1" smtClean="0">
-                                    <a:latin typeface="Cambria Math" panose="02040503050406030204" pitchFamily="18" charset="0"/>
+                                    <a:latin typeface="Cambria Math" charset="0"/>
                                     <a:cs typeface="Arial" panose="020B0604020202020204" pitchFamily="34" charset="0"/>
                                   </a:rPr>
                                 </m:ctrlPr>
@@ -29423,7 +29298,7 @@
                               <m:sSubPr>
                                 <m:ctrlPr>
                                   <a:rPr lang="en-US" sz="2000" b="0" i="1" smtClean="0">
-                                    <a:latin typeface="Cambria Math" panose="02040503050406030204" pitchFamily="18" charset="0"/>
+                                    <a:latin typeface="Cambria Math" charset="0"/>
                                     <a:cs typeface="Arial" panose="020B0604020202020204" pitchFamily="34" charset="0"/>
                                   </a:rPr>
                                 </m:ctrlPr>
@@ -29434,7 +29309,7 @@
                                     <m:chr m:val="⃗"/>
                                     <m:ctrlPr>
                                       <a:rPr lang="en-US" sz="2000" b="0" i="1" smtClean="0">
-                                        <a:latin typeface="Cambria Math" panose="02040503050406030204" pitchFamily="18" charset="0"/>
+                                        <a:latin typeface="Cambria Math" charset="0"/>
                                         <a:cs typeface="Arial" panose="020B0604020202020204" pitchFamily="34" charset="0"/>
                                       </a:rPr>
                                     </m:ctrlPr>
@@ -29545,7 +29420,7 @@
                               <m:sSubPr>
                                 <m:ctrlPr>
                                   <a:rPr lang="en-US" sz="2000" b="0" i="1" smtClean="0">
-                                    <a:latin typeface="Cambria Math" panose="02040503050406030204" pitchFamily="18" charset="0"/>
+                                    <a:latin typeface="Cambria Math" charset="0"/>
                                     <a:cs typeface="Arial" panose="020B0604020202020204" pitchFamily="34" charset="0"/>
                                   </a:rPr>
                                 </m:ctrlPr>
@@ -29556,7 +29431,7 @@
                                     <m:chr m:val="⃗"/>
                                     <m:ctrlPr>
                                       <a:rPr lang="en-US" sz="2000" b="0" i="1" smtClean="0">
-                                        <a:latin typeface="Cambria Math" panose="02040503050406030204" pitchFamily="18" charset="0"/>
+                                        <a:latin typeface="Cambria Math" charset="0"/>
                                         <a:cs typeface="Arial" panose="020B0604020202020204" pitchFamily="34" charset="0"/>
                                       </a:rPr>
                                     </m:ctrlPr>
@@ -29953,7 +29828,7 @@
                               <m:sSubPr>
                                 <m:ctrlPr>
                                   <a:rPr lang="en-US" sz="2000" b="0" i="1" smtClean="0">
-                                    <a:latin typeface="Cambria Math" panose="02040503050406030204" pitchFamily="18" charset="0"/>
+                                    <a:latin typeface="Cambria Math" charset="0"/>
                                     <a:cs typeface="Arial" panose="020B0604020202020204" pitchFamily="34" charset="0"/>
                                   </a:rPr>
                                 </m:ctrlPr>
@@ -29964,7 +29839,7 @@
                                     <m:chr m:val="⃗"/>
                                     <m:ctrlPr>
                                       <a:rPr lang="en-US" sz="2000" b="0" i="1" smtClean="0">
-                                        <a:latin typeface="Cambria Math" panose="02040503050406030204" pitchFamily="18" charset="0"/>
+                                        <a:latin typeface="Cambria Math" charset="0"/>
                                         <a:cs typeface="Arial" panose="020B0604020202020204" pitchFamily="34" charset="0"/>
                                       </a:rPr>
                                     </m:ctrlPr>
@@ -30118,7 +29993,7 @@
                               <m:sSubPr>
                                 <m:ctrlPr>
                                   <a:rPr lang="en-US" sz="2000" b="0" i="1" smtClean="0">
-                                    <a:latin typeface="Cambria Math" panose="02040503050406030204" pitchFamily="18" charset="0"/>
+                                    <a:latin typeface="Cambria Math" charset="0"/>
                                     <a:cs typeface="Arial" panose="020B0604020202020204" pitchFamily="34" charset="0"/>
                                   </a:rPr>
                                 </m:ctrlPr>
@@ -30129,7 +30004,7 @@
                                     <m:chr m:val="⃗"/>
                                     <m:ctrlPr>
                                       <a:rPr lang="en-US" sz="2000" b="0" i="1" smtClean="0">
-                                        <a:latin typeface="Cambria Math" panose="02040503050406030204" pitchFamily="18" charset="0"/>
+                                        <a:latin typeface="Cambria Math" charset="0"/>
                                         <a:cs typeface="Arial" panose="020B0604020202020204" pitchFamily="34" charset="0"/>
                                       </a:rPr>
                                     </m:ctrlPr>
@@ -30364,7 +30239,7 @@
                               <m:sSubPr>
                                 <m:ctrlPr>
                                   <a:rPr lang="en-US" sz="2000" b="0" i="1" smtClean="0">
-                                    <a:latin typeface="Cambria Math" panose="02040503050406030204" pitchFamily="18" charset="0"/>
+                                    <a:latin typeface="Cambria Math" charset="0"/>
                                     <a:cs typeface="Arial" panose="020B0604020202020204" pitchFamily="34" charset="0"/>
                                   </a:rPr>
                                 </m:ctrlPr>
@@ -30375,7 +30250,7 @@
                                     <m:chr m:val="⃗"/>
                                     <m:ctrlPr>
                                       <a:rPr lang="en-US" sz="2000" b="0" i="1" smtClean="0">
-                                        <a:latin typeface="Cambria Math" panose="02040503050406030204" pitchFamily="18" charset="0"/>
+                                        <a:latin typeface="Cambria Math" charset="0"/>
                                         <a:cs typeface="Arial" panose="020B0604020202020204" pitchFamily="34" charset="0"/>
                                       </a:rPr>
                                     </m:ctrlPr>
@@ -30523,7 +30398,7 @@
                                 <m:chr m:val="⃗"/>
                                 <m:ctrlPr>
                                   <a:rPr lang="en-US" sz="2000" b="0" i="1" smtClean="0">
-                                    <a:latin typeface="Cambria Math" panose="02040503050406030204" pitchFamily="18" charset="0"/>
+                                    <a:latin typeface="Cambria Math" charset="0"/>
                                     <a:cs typeface="Arial" panose="020B0604020202020204" pitchFamily="34" charset="0"/>
                                   </a:rPr>
                                 </m:ctrlPr>
@@ -31041,7 +30916,7 @@
                             <m:chr m:val="⃗"/>
                             <m:ctrlPr>
                               <a:rPr lang="en-US" sz="2000" b="0" i="1" smtClean="0">
-                                <a:latin typeface="Cambria Math" panose="02040503050406030204" pitchFamily="18" charset="0"/>
+                                <a:latin typeface="Cambria Math" charset="0"/>
                                 <a:cs typeface="Arial" panose="020B0604020202020204" pitchFamily="34" charset="0"/>
                               </a:rPr>
                             </m:ctrlPr>
@@ -31137,742 +31012,6 @@
           <a:chExt cx="0" cy="0"/>
         </a:xfrm>
       </p:grpSpPr>
-      <p:grpSp>
-        <p:nvGrpSpPr>
-          <p:cNvPr id="58" name="Group 57"/>
-          <p:cNvGrpSpPr/>
-          <p:nvPr/>
-        </p:nvGrpSpPr>
-        <p:grpSpPr>
-          <a:xfrm>
-            <a:off x="604127" y="583048"/>
-            <a:ext cx="3500282" cy="4570843"/>
-            <a:chOff x="604127" y="583048"/>
-            <a:chExt cx="3500282" cy="4570843"/>
-          </a:xfrm>
-        </p:grpSpPr>
-        <p:grpSp>
-          <p:nvGrpSpPr>
-            <p:cNvPr id="25" name="Group 24"/>
-            <p:cNvGrpSpPr/>
-            <p:nvPr/>
-          </p:nvGrpSpPr>
-          <p:grpSpPr>
-            <a:xfrm>
-              <a:off x="604127" y="583048"/>
-              <a:ext cx="3500282" cy="4570843"/>
-              <a:chOff x="1331490" y="1310412"/>
-              <a:chExt cx="3500282" cy="4570843"/>
-            </a:xfrm>
-          </p:grpSpPr>
-          <p:sp>
-            <p:nvSpPr>
-              <p:cNvPr id="4" name="Rectangle 3"/>
-              <p:cNvSpPr/>
-              <p:nvPr/>
-            </p:nvSpPr>
-            <p:spPr>
-              <a:xfrm>
-                <a:off x="1331490" y="1310412"/>
-                <a:ext cx="296723" cy="4570843"/>
-              </a:xfrm>
-              <a:prstGeom prst="rect">
-                <a:avLst/>
-              </a:prstGeom>
-              <a:solidFill>
-                <a:schemeClr val="tx1"/>
-              </a:solidFill>
-              <a:ln w="38100">
-                <a:solidFill>
-                  <a:schemeClr val="tx1"/>
-                </a:solidFill>
-              </a:ln>
-            </p:spPr>
-            <p:style>
-              <a:lnRef idx="2">
-                <a:schemeClr val="accent1">
-                  <a:shade val="50000"/>
-                </a:schemeClr>
-              </a:lnRef>
-              <a:fillRef idx="1">
-                <a:schemeClr val="accent1"/>
-              </a:fillRef>
-              <a:effectRef idx="0">
-                <a:schemeClr val="accent1"/>
-              </a:effectRef>
-              <a:fontRef idx="minor">
-                <a:schemeClr val="lt1"/>
-              </a:fontRef>
-            </p:style>
-            <p:txBody>
-              <a:bodyPr rtlCol="0" anchor="ctr"/>
-              <a:lstStyle/>
-              <a:p>
-                <a:pPr algn="ctr"/>
-                <a:endParaRPr lang="en-US"/>
-              </a:p>
-            </p:txBody>
-          </p:sp>
-          <p:sp>
-            <p:nvSpPr>
-              <p:cNvPr id="5" name="Rectangle 4"/>
-              <p:cNvSpPr/>
-              <p:nvPr/>
-            </p:nvSpPr>
-            <p:spPr>
-              <a:xfrm>
-                <a:off x="1630126" y="3195711"/>
-                <a:ext cx="2630147" cy="139772"/>
-              </a:xfrm>
-              <a:prstGeom prst="rect">
-                <a:avLst/>
-              </a:prstGeom>
-              <a:solidFill>
-                <a:schemeClr val="bg2">
-                  <a:lumMod val="90000"/>
-                </a:schemeClr>
-              </a:solidFill>
-              <a:ln w="38100">
-                <a:solidFill>
-                  <a:schemeClr val="tx1"/>
-                </a:solidFill>
-              </a:ln>
-            </p:spPr>
-            <p:style>
-              <a:lnRef idx="2">
-                <a:schemeClr val="accent1">
-                  <a:shade val="50000"/>
-                </a:schemeClr>
-              </a:lnRef>
-              <a:fillRef idx="1">
-                <a:schemeClr val="accent1"/>
-              </a:fillRef>
-              <a:effectRef idx="0">
-                <a:schemeClr val="accent1"/>
-              </a:effectRef>
-              <a:fontRef idx="minor">
-                <a:schemeClr val="lt1"/>
-              </a:fontRef>
-            </p:style>
-            <p:txBody>
-              <a:bodyPr rtlCol="0" anchor="ctr"/>
-              <a:lstStyle/>
-              <a:p>
-                <a:pPr algn="ctr"/>
-                <a:endParaRPr lang="en-US"/>
-              </a:p>
-            </p:txBody>
-          </p:sp>
-          <p:cxnSp>
-            <p:nvCxnSpPr>
-              <p:cNvPr id="6" name="Straight Connector 5"/>
-              <p:cNvCxnSpPr/>
-              <p:nvPr/>
-            </p:nvCxnSpPr>
-            <p:spPr>
-              <a:xfrm>
-                <a:off x="1628214" y="2026227"/>
-                <a:ext cx="1761047" cy="1167246"/>
-              </a:xfrm>
-              <a:prstGeom prst="line">
-                <a:avLst/>
-              </a:prstGeom>
-              <a:ln w="38100">
-                <a:solidFill>
-                  <a:schemeClr val="tx1"/>
-                </a:solidFill>
-              </a:ln>
-            </p:spPr>
-            <p:style>
-              <a:lnRef idx="1">
-                <a:schemeClr val="accent1"/>
-              </a:lnRef>
-              <a:fillRef idx="0">
-                <a:schemeClr val="accent1"/>
-              </a:fillRef>
-              <a:effectRef idx="0">
-                <a:schemeClr val="accent1"/>
-              </a:effectRef>
-              <a:fontRef idx="minor">
-                <a:schemeClr val="tx1"/>
-              </a:fontRef>
-            </p:style>
-          </p:cxnSp>
-          <p:cxnSp>
-            <p:nvCxnSpPr>
-              <p:cNvPr id="7" name="Straight Connector 6"/>
-              <p:cNvCxnSpPr>
-                <a:stCxn id="5" idx="3"/>
-                <a:endCxn id="8" idx="0"/>
-              </p:cNvCxnSpPr>
-              <p:nvPr/>
-            </p:nvCxnSpPr>
-            <p:spPr>
-              <a:xfrm>
-                <a:off x="4260273" y="3265597"/>
-                <a:ext cx="1578" cy="874063"/>
-              </a:xfrm>
-              <a:prstGeom prst="line">
-                <a:avLst/>
-              </a:prstGeom>
-              <a:ln w="38100">
-                <a:solidFill>
-                  <a:schemeClr val="tx1"/>
-                </a:solidFill>
-              </a:ln>
-            </p:spPr>
-            <p:style>
-              <a:lnRef idx="1">
-                <a:schemeClr val="accent1"/>
-              </a:lnRef>
-              <a:fillRef idx="0">
-                <a:schemeClr val="accent1"/>
-              </a:fillRef>
-              <a:effectRef idx="0">
-                <a:schemeClr val="accent1"/>
-              </a:effectRef>
-              <a:fontRef idx="minor">
-                <a:schemeClr val="tx1"/>
-              </a:fontRef>
-            </p:style>
-          </p:cxnSp>
-          <p:sp>
-            <p:nvSpPr>
-              <p:cNvPr id="8" name="Rounded Rectangle 7"/>
-              <p:cNvSpPr/>
-              <p:nvPr/>
-            </p:nvSpPr>
-            <p:spPr>
-              <a:xfrm>
-                <a:off x="3691929" y="4139660"/>
-                <a:ext cx="1139843" cy="449801"/>
-              </a:xfrm>
-              <a:prstGeom prst="roundRect">
-                <a:avLst>
-                  <a:gd name="adj" fmla="val 16429"/>
-                </a:avLst>
-              </a:prstGeom>
-              <a:solidFill>
-                <a:schemeClr val="accent1">
-                  <a:lumMod val="60000"/>
-                  <a:lumOff val="40000"/>
-                </a:schemeClr>
-              </a:solidFill>
-              <a:ln w="38100">
-                <a:solidFill>
-                  <a:schemeClr val="accent1">
-                    <a:lumMod val="60000"/>
-                    <a:lumOff val="40000"/>
-                  </a:schemeClr>
-                </a:solidFill>
-              </a:ln>
-            </p:spPr>
-            <p:style>
-              <a:lnRef idx="2">
-                <a:schemeClr val="accent1">
-                  <a:shade val="50000"/>
-                </a:schemeClr>
-              </a:lnRef>
-              <a:fillRef idx="1">
-                <a:schemeClr val="accent1"/>
-              </a:fillRef>
-              <a:effectRef idx="0">
-                <a:schemeClr val="accent1"/>
-              </a:effectRef>
-              <a:fontRef idx="minor">
-                <a:schemeClr val="lt1"/>
-              </a:fontRef>
-            </p:style>
-            <p:txBody>
-              <a:bodyPr rtlCol="0" anchor="ctr"/>
-              <a:lstStyle/>
-              <a:p>
-                <a:pPr algn="ctr"/>
-                <a:r>
-                  <a:rPr lang="en-US" dirty="0" err="1" smtClean="0">
-                    <a:solidFill>
-                      <a:schemeClr val="tx1"/>
-                    </a:solidFill>
-                  </a:rPr>
-                  <a:t>Coinsins</a:t>
-                </a:r>
-                <a:endParaRPr lang="en-US" dirty="0">
-                  <a:solidFill>
-                    <a:schemeClr val="tx1"/>
-                  </a:solidFill>
-                </a:endParaRPr>
-              </a:p>
-            </p:txBody>
-          </p:sp>
-          <p:cxnSp>
-            <p:nvCxnSpPr>
-              <p:cNvPr id="20" name="Straight Arrow Connector 19"/>
-              <p:cNvCxnSpPr/>
-              <p:nvPr/>
-            </p:nvCxnSpPr>
-            <p:spPr>
-              <a:xfrm flipV="1">
-                <a:off x="1597196" y="2598795"/>
-                <a:ext cx="1787313" cy="10392"/>
-              </a:xfrm>
-              <a:prstGeom prst="straightConnector1">
-                <a:avLst/>
-              </a:prstGeom>
-              <a:ln w="38100">
-                <a:solidFill>
-                  <a:schemeClr val="tx1"/>
-                </a:solidFill>
-                <a:headEnd type="triangle"/>
-                <a:tailEnd type="triangle"/>
-              </a:ln>
-            </p:spPr>
-            <p:style>
-              <a:lnRef idx="1">
-                <a:schemeClr val="accent1"/>
-              </a:lnRef>
-              <a:fillRef idx="0">
-                <a:schemeClr val="accent1"/>
-              </a:fillRef>
-              <a:effectRef idx="0">
-                <a:schemeClr val="accent1"/>
-              </a:effectRef>
-              <a:fontRef idx="minor">
-                <a:schemeClr val="tx1"/>
-              </a:fontRef>
-            </p:style>
-          </p:cxnSp>
-          <mc:AlternateContent xmlns:mc="http://schemas.openxmlformats.org/markup-compatibility/2006" xmlns:a14="http://schemas.microsoft.com/office/drawing/2010/main">
-            <mc:Choice Requires="a14">
-              <p:sp>
-                <p:nvSpPr>
-                  <p:cNvPr id="21" name="TextBox 20"/>
-                  <p:cNvSpPr txBox="1"/>
-                  <p:nvPr/>
-                </p:nvSpPr>
-                <p:spPr>
-                  <a:xfrm>
-                    <a:off x="2541194" y="1941610"/>
-                    <a:ext cx="358665" cy="587297"/>
-                  </a:xfrm>
-                  <a:prstGeom prst="rect">
-                    <a:avLst/>
-                  </a:prstGeom>
-                  <a:noFill/>
-                </p:spPr>
-                <p:txBody>
-                  <a:bodyPr wrap="square" lIns="0" tIns="0" rIns="0" bIns="0" rtlCol="0">
-                    <a:spAutoFit/>
-                  </a:bodyPr>
-                  <a:lstStyle/>
-                  <a:p>
-                    <a:pPr/>
-                    <a14:m>
-                      <m:oMathPara xmlns:m="http://schemas.openxmlformats.org/officeDocument/2006/math">
-                        <m:oMathParaPr>
-                          <m:jc m:val="centerGroup"/>
-                        </m:oMathParaPr>
-                        <m:oMath xmlns:m="http://schemas.openxmlformats.org/officeDocument/2006/math">
-                          <m:f>
-                            <m:fPr>
-                              <m:ctrlPr>
-                                <a:rPr lang="en-US" sz="2000" b="0" i="1" smtClean="0">
-                                  <a:latin typeface="Cambria Math" panose="02040503050406030204" pitchFamily="18" charset="0"/>
-                                  <a:cs typeface="Arial" panose="020B0604020202020204" pitchFamily="34" charset="0"/>
-                                </a:rPr>
-                              </m:ctrlPr>
-                            </m:fPr>
-                            <m:num>
-                              <m:r>
-                                <a:rPr lang="en-US" sz="2000" b="0" i="1" smtClean="0">
-                                  <a:latin typeface="Cambria Math" panose="02040503050406030204" pitchFamily="18" charset="0"/>
-                                  <a:cs typeface="Arial" panose="020B0604020202020204" pitchFamily="34" charset="0"/>
-                                </a:rPr>
-                                <m:t>2</m:t>
-                              </m:r>
-                            </m:num>
-                            <m:den>
-                              <m:r>
-                                <a:rPr lang="en-US" sz="2000" b="0" i="1" smtClean="0">
-                                  <a:latin typeface="Cambria Math" panose="02040503050406030204" pitchFamily="18" charset="0"/>
-                                  <a:cs typeface="Arial" panose="020B0604020202020204" pitchFamily="34" charset="0"/>
-                                </a:rPr>
-                                <m:t>3</m:t>
-                              </m:r>
-                            </m:den>
-                          </m:f>
-                          <m:r>
-                            <a:rPr lang="en-US" sz="2000" b="0" i="1" smtClean="0">
-                              <a:latin typeface="Cambria Math" panose="02040503050406030204" pitchFamily="18" charset="0"/>
-                              <a:cs typeface="Arial" panose="020B0604020202020204" pitchFamily="34" charset="0"/>
-                            </a:rPr>
-                            <m:t>𝐿</m:t>
-                          </m:r>
-                        </m:oMath>
-                      </m:oMathPara>
-                    </a14:m>
-                    <a:endParaRPr lang="en-US" sz="2000" dirty="0" smtClean="0">
-                      <a:latin typeface="Arial" panose="020B0604020202020204" pitchFamily="34" charset="0"/>
-                      <a:cs typeface="Arial" panose="020B0604020202020204" pitchFamily="34" charset="0"/>
-                    </a:endParaRPr>
-                  </a:p>
-                </p:txBody>
-              </p:sp>
-            </mc:Choice>
-            <mc:Fallback xmlns="">
-              <p:sp>
-                <p:nvSpPr>
-                  <p:cNvPr id="21" name="TextBox 20"/>
-                  <p:cNvSpPr txBox="1">
-                    <a:spLocks noRot="1" noChangeAspect="1" noMove="1" noResize="1" noEditPoints="1" noAdjustHandles="1" noChangeArrowheads="1" noChangeShapeType="1" noTextEdit="1"/>
-                  </p:cNvSpPr>
-                  <p:nvPr/>
-                </p:nvSpPr>
-                <p:spPr>
-                  <a:xfrm>
-                    <a:off x="2541194" y="1941610"/>
-                    <a:ext cx="358665" cy="587297"/>
-                  </a:xfrm>
-                  <a:prstGeom prst="rect">
-                    <a:avLst/>
-                  </a:prstGeom>
-                  <a:blipFill>
-                    <a:blip r:embed="rId2"/>
-                    <a:stretch>
-                      <a:fillRect/>
-                    </a:stretch>
-                  </a:blipFill>
-                </p:spPr>
-                <p:txBody>
-                  <a:bodyPr/>
-                  <a:lstStyle/>
-                  <a:p>
-                    <a:r>
-                      <a:rPr lang="en-US">
-                        <a:noFill/>
-                      </a:rPr>
-                      <a:t> </a:t>
-                    </a:r>
-                  </a:p>
-                </p:txBody>
-              </p:sp>
-            </mc:Fallback>
-          </mc:AlternateContent>
-          <mc:AlternateContent xmlns:mc="http://schemas.openxmlformats.org/markup-compatibility/2006" xmlns:a14="http://schemas.microsoft.com/office/drawing/2010/main">
-            <mc:Choice Requires="a14">
-              <p:sp>
-                <p:nvSpPr>
-                  <p:cNvPr id="22" name="TextBox 21"/>
-                  <p:cNvSpPr txBox="1"/>
-                  <p:nvPr/>
-                </p:nvSpPr>
-                <p:spPr>
-                  <a:xfrm>
-                    <a:off x="2722895" y="2886815"/>
-                    <a:ext cx="222304" cy="307777"/>
-                  </a:xfrm>
-                  <a:prstGeom prst="rect">
-                    <a:avLst/>
-                  </a:prstGeom>
-                  <a:noFill/>
-                </p:spPr>
-                <p:txBody>
-                  <a:bodyPr wrap="none" lIns="0" tIns="0" rIns="0" bIns="0" rtlCol="0">
-                    <a:spAutoFit/>
-                  </a:bodyPr>
-                  <a:lstStyle/>
-                  <a:p>
-                    <a:pPr/>
-                    <a14:m>
-                      <m:oMathPara xmlns:m="http://schemas.openxmlformats.org/officeDocument/2006/math">
-                        <m:oMathParaPr>
-                          <m:jc m:val="centerGroup"/>
-                        </m:oMathParaPr>
-                        <m:oMath xmlns:m="http://schemas.openxmlformats.org/officeDocument/2006/math">
-                          <m:r>
-                            <a:rPr lang="en-US" sz="2000" b="0" i="1" smtClean="0">
-                              <a:latin typeface="Cambria Math" panose="02040503050406030204" pitchFamily="18" charset="0"/>
-                              <a:cs typeface="Arial" panose="020B0604020202020204" pitchFamily="34" charset="0"/>
-                            </a:rPr>
-                            <m:t>𝜃</m:t>
-                          </m:r>
-                        </m:oMath>
-                      </m:oMathPara>
-                    </a14:m>
-                    <a:endParaRPr lang="en-US" sz="2000" dirty="0" smtClean="0">
-                      <a:latin typeface="Arial" panose="020B0604020202020204" pitchFamily="34" charset="0"/>
-                      <a:cs typeface="Arial" panose="020B0604020202020204" pitchFamily="34" charset="0"/>
-                    </a:endParaRPr>
-                  </a:p>
-                </p:txBody>
-              </p:sp>
-            </mc:Choice>
-            <mc:Fallback xmlns="">
-              <p:sp>
-                <p:nvSpPr>
-                  <p:cNvPr id="22" name="TextBox 21"/>
-                  <p:cNvSpPr txBox="1">
-                    <a:spLocks noRot="1" noChangeAspect="1" noMove="1" noResize="1" noEditPoints="1" noAdjustHandles="1" noChangeArrowheads="1" noChangeShapeType="1" noTextEdit="1"/>
-                  </p:cNvSpPr>
-                  <p:nvPr/>
-                </p:nvSpPr>
-                <p:spPr>
-                  <a:xfrm>
-                    <a:off x="2722895" y="2886815"/>
-                    <a:ext cx="222304" cy="307777"/>
-                  </a:xfrm>
-                  <a:prstGeom prst="rect">
-                    <a:avLst/>
-                  </a:prstGeom>
-                  <a:blipFill>
-                    <a:blip r:embed="rId3"/>
-                    <a:stretch>
-                      <a:fillRect l="-24324" r="-21622" b="-9804"/>
-                    </a:stretch>
-                  </a:blipFill>
-                </p:spPr>
-                <p:txBody>
-                  <a:bodyPr/>
-                  <a:lstStyle/>
-                  <a:p>
-                    <a:r>
-                      <a:rPr lang="en-US">
-                        <a:noFill/>
-                      </a:rPr>
-                      <a:t> </a:t>
-                    </a:r>
-                  </a:p>
-                </p:txBody>
-              </p:sp>
-            </mc:Fallback>
-          </mc:AlternateContent>
-          <mc:AlternateContent xmlns:mc="http://schemas.openxmlformats.org/markup-compatibility/2006" xmlns:a14="http://schemas.microsoft.com/office/drawing/2010/main">
-            <mc:Choice Requires="a14">
-              <p:sp>
-                <p:nvSpPr>
-                  <p:cNvPr id="23" name="TextBox 22"/>
-                  <p:cNvSpPr txBox="1"/>
-                  <p:nvPr/>
-                </p:nvSpPr>
-                <p:spPr>
-                  <a:xfrm>
-                    <a:off x="3558764" y="2844514"/>
-                    <a:ext cx="532005" cy="307777"/>
-                  </a:xfrm>
-                  <a:prstGeom prst="rect">
-                    <a:avLst/>
-                  </a:prstGeom>
-                  <a:noFill/>
-                </p:spPr>
-                <p:txBody>
-                  <a:bodyPr wrap="none" lIns="0" tIns="0" rIns="0" bIns="0" rtlCol="0">
-                    <a:spAutoFit/>
-                  </a:bodyPr>
-                  <a:lstStyle/>
-                  <a:p>
-                    <a:pPr/>
-                    <a14:m>
-                      <m:oMathPara xmlns:m="http://schemas.openxmlformats.org/officeDocument/2006/math">
-                        <m:oMathParaPr>
-                          <m:jc m:val="centerGroup"/>
-                        </m:oMathParaPr>
-                        <m:oMath xmlns:m="http://schemas.openxmlformats.org/officeDocument/2006/math">
-                          <m:r>
-                            <a:rPr lang="en-US" sz="2000" b="0" i="1" smtClean="0">
-                              <a:latin typeface="Cambria Math" panose="02040503050406030204" pitchFamily="18" charset="0"/>
-                              <a:cs typeface="Arial" panose="020B0604020202020204" pitchFamily="34" charset="0"/>
-                            </a:rPr>
-                            <m:t>𝑀</m:t>
-                          </m:r>
-                          <m:r>
-                            <a:rPr lang="en-US" sz="2000" b="0" i="1" smtClean="0">
-                              <a:latin typeface="Cambria Math" panose="02040503050406030204" pitchFamily="18" charset="0"/>
-                              <a:cs typeface="Arial" panose="020B0604020202020204" pitchFamily="34" charset="0"/>
-                            </a:rPr>
-                            <m:t>, </m:t>
-                          </m:r>
-                          <m:r>
-                            <a:rPr lang="en-US" sz="2000" b="0" i="1" smtClean="0">
-                              <a:latin typeface="Cambria Math" panose="02040503050406030204" pitchFamily="18" charset="0"/>
-                              <a:cs typeface="Arial" panose="020B0604020202020204" pitchFamily="34" charset="0"/>
-                            </a:rPr>
-                            <m:t>𝐿</m:t>
-                          </m:r>
-                        </m:oMath>
-                      </m:oMathPara>
-                    </a14:m>
-                    <a:endParaRPr lang="en-US" sz="2000" dirty="0" smtClean="0">
-                      <a:latin typeface="Arial" panose="020B0604020202020204" pitchFamily="34" charset="0"/>
-                      <a:cs typeface="Arial" panose="020B0604020202020204" pitchFamily="34" charset="0"/>
-                    </a:endParaRPr>
-                  </a:p>
-                </p:txBody>
-              </p:sp>
-            </mc:Choice>
-            <mc:Fallback xmlns="">
-              <p:sp>
-                <p:nvSpPr>
-                  <p:cNvPr id="23" name="TextBox 22"/>
-                  <p:cNvSpPr txBox="1">
-                    <a:spLocks noRot="1" noChangeAspect="1" noMove="1" noResize="1" noEditPoints="1" noAdjustHandles="1" noChangeArrowheads="1" noChangeShapeType="1" noTextEdit="1"/>
-                  </p:cNvSpPr>
-                  <p:nvPr/>
-                </p:nvSpPr>
-                <p:spPr>
-                  <a:xfrm>
-                    <a:off x="3558764" y="2844514"/>
-                    <a:ext cx="532005" cy="307777"/>
-                  </a:xfrm>
-                  <a:prstGeom prst="rect">
-                    <a:avLst/>
-                  </a:prstGeom>
-                  <a:blipFill>
-                    <a:blip r:embed="rId4"/>
-                    <a:stretch>
-                      <a:fillRect l="-9091" r="-7955" b="-9804"/>
-                    </a:stretch>
-                  </a:blipFill>
-                </p:spPr>
-                <p:txBody>
-                  <a:bodyPr/>
-                  <a:lstStyle/>
-                  <a:p>
-                    <a:r>
-                      <a:rPr lang="en-US">
-                        <a:noFill/>
-                      </a:rPr>
-                      <a:t> </a:t>
-                    </a:r>
-                  </a:p>
-                </p:txBody>
-              </p:sp>
-            </mc:Fallback>
-          </mc:AlternateContent>
-          <mc:AlternateContent xmlns:mc="http://schemas.openxmlformats.org/markup-compatibility/2006" xmlns:a14="http://schemas.microsoft.com/office/drawing/2010/main">
-            <mc:Choice Requires="a14">
-              <p:sp>
-                <p:nvSpPr>
-                  <p:cNvPr id="24" name="TextBox 23"/>
-                  <p:cNvSpPr txBox="1"/>
-                  <p:nvPr/>
-                </p:nvSpPr>
-                <p:spPr>
-                  <a:xfrm>
-                    <a:off x="4367505" y="3774426"/>
-                    <a:ext cx="289695" cy="307777"/>
-                  </a:xfrm>
-                  <a:prstGeom prst="rect">
-                    <a:avLst/>
-                  </a:prstGeom>
-                  <a:noFill/>
-                </p:spPr>
-                <p:txBody>
-                  <a:bodyPr wrap="none" lIns="0" tIns="0" rIns="0" bIns="0" rtlCol="0">
-                    <a:spAutoFit/>
-                  </a:bodyPr>
-                  <a:lstStyle/>
-                  <a:p>
-                    <a:pPr/>
-                    <a14:m>
-                      <m:oMathPara xmlns:m="http://schemas.openxmlformats.org/officeDocument/2006/math">
-                        <m:oMathParaPr>
-                          <m:jc m:val="centerGroup"/>
-                        </m:oMathParaPr>
-                        <m:oMath xmlns:m="http://schemas.openxmlformats.org/officeDocument/2006/math">
-                          <m:r>
-                            <a:rPr lang="en-US" sz="2000" b="0" i="1" smtClean="0">
-                              <a:latin typeface="Cambria Math" panose="02040503050406030204" pitchFamily="18" charset="0"/>
-                              <a:cs typeface="Arial" panose="020B0604020202020204" pitchFamily="34" charset="0"/>
-                            </a:rPr>
-                            <m:t>𝑚</m:t>
-                          </m:r>
-                        </m:oMath>
-                      </m:oMathPara>
-                    </a14:m>
-                    <a:endParaRPr lang="en-US" sz="2000" dirty="0" smtClean="0">
-                      <a:latin typeface="Arial" panose="020B0604020202020204" pitchFamily="34" charset="0"/>
-                      <a:cs typeface="Arial" panose="020B0604020202020204" pitchFamily="34" charset="0"/>
-                    </a:endParaRPr>
-                  </a:p>
-                </p:txBody>
-              </p:sp>
-            </mc:Choice>
-            <mc:Fallback xmlns="">
-              <p:sp>
-                <p:nvSpPr>
-                  <p:cNvPr id="24" name="TextBox 23"/>
-                  <p:cNvSpPr txBox="1">
-                    <a:spLocks noRot="1" noChangeAspect="1" noMove="1" noResize="1" noEditPoints="1" noAdjustHandles="1" noChangeArrowheads="1" noChangeShapeType="1" noTextEdit="1"/>
-                  </p:cNvSpPr>
-                  <p:nvPr/>
-                </p:nvSpPr>
-                <p:spPr>
-                  <a:xfrm>
-                    <a:off x="4367505" y="3774426"/>
-                    <a:ext cx="289695" cy="307777"/>
-                  </a:xfrm>
-                  <a:prstGeom prst="rect">
-                    <a:avLst/>
-                  </a:prstGeom>
-                  <a:blipFill>
-                    <a:blip r:embed="rId5"/>
-                    <a:stretch>
-                      <a:fillRect l="-8333" r="-8333" b="-2000"/>
-                    </a:stretch>
-                  </a:blipFill>
-                </p:spPr>
-                <p:txBody>
-                  <a:bodyPr/>
-                  <a:lstStyle/>
-                  <a:p>
-                    <a:r>
-                      <a:rPr lang="en-US">
-                        <a:noFill/>
-                      </a:rPr>
-                      <a:t> </a:t>
-                    </a:r>
-                  </a:p>
-                </p:txBody>
-              </p:sp>
-            </mc:Fallback>
-          </mc:AlternateContent>
-        </p:grpSp>
-        <p:cxnSp>
-          <p:nvCxnSpPr>
-            <p:cNvPr id="37" name="Straight Connector 36"/>
-            <p:cNvCxnSpPr/>
-            <p:nvPr/>
-          </p:nvCxnSpPr>
-          <p:spPr>
-            <a:xfrm flipH="1">
-              <a:off x="2659059" y="1871431"/>
-              <a:ext cx="2839" cy="594678"/>
-            </a:xfrm>
-            <a:prstGeom prst="line">
-              <a:avLst/>
-            </a:prstGeom>
-            <a:ln w="19050">
-              <a:solidFill>
-                <a:schemeClr val="tx1"/>
-              </a:solidFill>
-              <a:prstDash val="sysDot"/>
-            </a:ln>
-          </p:spPr>
-          <p:style>
-            <a:lnRef idx="1">
-              <a:schemeClr val="accent1"/>
-            </a:lnRef>
-            <a:fillRef idx="0">
-              <a:schemeClr val="accent1"/>
-            </a:fillRef>
-            <a:effectRef idx="0">
-              <a:schemeClr val="accent1"/>
-            </a:effectRef>
-            <a:fontRef idx="minor">
-              <a:schemeClr val="tx1"/>
-            </a:fontRef>
-          </p:style>
-        </p:cxnSp>
-      </p:grpSp>
       <p:grpSp>
         <p:nvGrpSpPr>
           <p:cNvPr id="80" name="Group 79"/>
@@ -32204,7 +31343,7 @@
                                 <m:chr m:val="⃗"/>
                                 <m:ctrlPr>
                                   <a:rPr lang="en-US" sz="2000" b="0" i="1" smtClean="0">
-                                    <a:latin typeface="Cambria Math" panose="02040503050406030204" pitchFamily="18" charset="0"/>
+                                    <a:latin typeface="Cambria Math" charset="0"/>
                                     <a:cs typeface="Arial" panose="020B0604020202020204" pitchFamily="34" charset="0"/>
                                   </a:rPr>
                                 </m:ctrlPr>
@@ -32415,7 +31554,7 @@
                                 <m:chr m:val="⃗"/>
                                 <m:ctrlPr>
                                   <a:rPr lang="en-US" sz="2000" b="0" i="1" smtClean="0">
-                                    <a:latin typeface="Cambria Math" panose="02040503050406030204" pitchFamily="18" charset="0"/>
+                                    <a:latin typeface="Cambria Math" charset="0"/>
                                     <a:cs typeface="Arial" panose="020B0604020202020204" pitchFamily="34" charset="0"/>
                                   </a:rPr>
                                 </m:ctrlPr>
@@ -32515,7 +31654,7 @@
                               <m:sSubPr>
                                 <m:ctrlPr>
                                   <a:rPr lang="en-US" sz="2000" b="0" i="1" smtClean="0">
-                                    <a:latin typeface="Cambria Math" panose="02040503050406030204" pitchFamily="18" charset="0"/>
+                                    <a:latin typeface="Cambria Math" charset="0"/>
                                     <a:cs typeface="Arial" panose="020B0604020202020204" pitchFamily="34" charset="0"/>
                                   </a:rPr>
                                 </m:ctrlPr>
@@ -32526,7 +31665,7 @@
                                     <m:chr m:val="⃗"/>
                                     <m:ctrlPr>
                                       <a:rPr lang="en-US" sz="2000" b="0" i="1" smtClean="0">
-                                        <a:latin typeface="Cambria Math" panose="02040503050406030204" pitchFamily="18" charset="0"/>
+                                        <a:latin typeface="Cambria Math" charset="0"/>
                                         <a:cs typeface="Arial" panose="020B0604020202020204" pitchFamily="34" charset="0"/>
                                       </a:rPr>
                                     </m:ctrlPr>
@@ -32637,7 +31776,7 @@
                               <m:sSubPr>
                                 <m:ctrlPr>
                                   <a:rPr lang="en-US" sz="2000" b="0" i="1" smtClean="0">
-                                    <a:latin typeface="Cambria Math" panose="02040503050406030204" pitchFamily="18" charset="0"/>
+                                    <a:latin typeface="Cambria Math" charset="0"/>
                                     <a:cs typeface="Arial" panose="020B0604020202020204" pitchFamily="34" charset="0"/>
                                   </a:rPr>
                                 </m:ctrlPr>
@@ -32648,7 +31787,7 @@
                                     <m:chr m:val="⃗"/>
                                     <m:ctrlPr>
                                       <a:rPr lang="en-US" sz="2000" b="0" i="1" smtClean="0">
-                                        <a:latin typeface="Cambria Math" panose="02040503050406030204" pitchFamily="18" charset="0"/>
+                                        <a:latin typeface="Cambria Math" charset="0"/>
                                         <a:cs typeface="Arial" panose="020B0604020202020204" pitchFamily="34" charset="0"/>
                                       </a:rPr>
                                     </m:ctrlPr>
@@ -33247,7 +32386,7 @@
                           <m:sSubPr>
                             <m:ctrlPr>
                               <a:rPr lang="en-US" sz="2000" b="0" i="1" smtClean="0">
-                                <a:latin typeface="Cambria Math" panose="02040503050406030204" pitchFamily="18" charset="0"/>
+                                <a:latin typeface="Cambria Math" charset="0"/>
                                 <a:cs typeface="Arial" panose="020B0604020202020204" pitchFamily="34" charset="0"/>
                               </a:rPr>
                             </m:ctrlPr>
@@ -33258,7 +32397,7 @@
                                 <m:chr m:val="⃗"/>
                                 <m:ctrlPr>
                                   <a:rPr lang="en-US" sz="2000" b="0" i="1" smtClean="0">
-                                    <a:latin typeface="Cambria Math" panose="02040503050406030204" pitchFamily="18" charset="0"/>
+                                    <a:latin typeface="Cambria Math" charset="0"/>
                                     <a:cs typeface="Arial" panose="020B0604020202020204" pitchFamily="34" charset="0"/>
                                   </a:rPr>
                                 </m:ctrlPr>
@@ -33369,7 +32508,7 @@
                           <m:sSubPr>
                             <m:ctrlPr>
                               <a:rPr lang="en-US" sz="2000" b="0" i="1" smtClean="0">
-                                <a:latin typeface="Cambria Math" panose="02040503050406030204" pitchFamily="18" charset="0"/>
+                                <a:latin typeface="Cambria Math" charset="0"/>
                                 <a:cs typeface="Arial" panose="020B0604020202020204" pitchFamily="34" charset="0"/>
                               </a:rPr>
                             </m:ctrlPr>
@@ -33380,7 +32519,7 @@
                                 <m:chr m:val="⃗"/>
                                 <m:ctrlPr>
                                   <a:rPr lang="en-US" sz="2000" b="0" i="1" smtClean="0">
-                                    <a:latin typeface="Cambria Math" panose="02040503050406030204" pitchFamily="18" charset="0"/>
+                                    <a:latin typeface="Cambria Math" charset="0"/>
                                     <a:cs typeface="Arial" panose="020B0604020202020204" pitchFamily="34" charset="0"/>
                                   </a:rPr>
                                 </m:ctrlPr>
@@ -33491,7 +32630,7 @@
                           <m:sSubPr>
                             <m:ctrlPr>
                               <a:rPr lang="en-US" sz="2000" b="0" i="1" smtClean="0">
-                                <a:latin typeface="Cambria Math" panose="02040503050406030204" pitchFamily="18" charset="0"/>
+                                <a:latin typeface="Cambria Math" charset="0"/>
                                 <a:cs typeface="Arial" panose="020B0604020202020204" pitchFamily="34" charset="0"/>
                               </a:rPr>
                             </m:ctrlPr>
@@ -33502,7 +32641,7 @@
                                 <m:chr m:val="⃗"/>
                                 <m:ctrlPr>
                                   <a:rPr lang="en-US" sz="2000" b="0" i="1" smtClean="0">
-                                    <a:latin typeface="Cambria Math" panose="02040503050406030204" pitchFamily="18" charset="0"/>
+                                    <a:latin typeface="Cambria Math" charset="0"/>
                                     <a:cs typeface="Arial" panose="020B0604020202020204" pitchFamily="34" charset="0"/>
                                   </a:rPr>
                                 </m:ctrlPr>
@@ -33579,93 +32718,65 @@
           </mc:Fallback>
         </mc:AlternateContent>
       </p:grpSp>
-    </p:spTree>
-    <p:extLst>
-      <p:ext uri="{BB962C8B-B14F-4D97-AF65-F5344CB8AC3E}">
-        <p14:creationId xmlns:p14="http://schemas.microsoft.com/office/powerpoint/2010/main" val="468781593"/>
-      </p:ext>
-    </p:extLst>
-  </p:cSld>
-  <p:clrMapOvr>
-    <a:masterClrMapping/>
-  </p:clrMapOvr>
-</p:sld>
-</file>
-
-<file path=ppt/slides/slide8.xml><?xml version="1.0" encoding="utf-8"?>
-<p:sld xmlns:a="http://schemas.openxmlformats.org/drawingml/2006/main" xmlns:r="http://schemas.openxmlformats.org/officeDocument/2006/relationships" xmlns:p="http://schemas.openxmlformats.org/presentationml/2006/main">
-  <p:cSld>
-    <p:spTree>
-      <p:nvGrpSpPr>
-        <p:cNvPr id="1" name=""/>
-        <p:cNvGrpSpPr/>
-        <p:nvPr/>
-      </p:nvGrpSpPr>
-      <p:grpSpPr>
-        <a:xfrm>
-          <a:off x="0" y="0"/>
-          <a:ext cx="0" cy="0"/>
-          <a:chOff x="0" y="0"/>
-          <a:chExt cx="0" cy="0"/>
-        </a:xfrm>
-      </p:grpSpPr>
       <p:grpSp>
         <p:nvGrpSpPr>
-          <p:cNvPr id="73" name="Group 72"/>
+          <p:cNvPr id="3" name="Group 2"/>
           <p:cNvGrpSpPr/>
           <p:nvPr/>
         </p:nvGrpSpPr>
         <p:grpSpPr>
           <a:xfrm>
-            <a:off x="201169" y="538618"/>
-            <a:ext cx="5899759" cy="4647212"/>
-            <a:chOff x="201169" y="538618"/>
-            <a:chExt cx="5899759" cy="4647212"/>
+            <a:off x="604127" y="619624"/>
+            <a:ext cx="3564220" cy="4570843"/>
+            <a:chOff x="604127" y="583048"/>
+            <a:chExt cx="3564220" cy="4570843"/>
           </a:xfrm>
         </p:grpSpPr>
         <p:grpSp>
           <p:nvGrpSpPr>
-            <p:cNvPr id="14" name="Group 13"/>
+            <p:cNvPr id="58" name="Group 57"/>
             <p:cNvGrpSpPr/>
             <p:nvPr/>
           </p:nvGrpSpPr>
           <p:grpSpPr>
             <a:xfrm>
-              <a:off x="201169" y="538618"/>
-              <a:ext cx="5899759" cy="4647212"/>
-              <a:chOff x="839997" y="576196"/>
-              <a:chExt cx="5899759" cy="4647212"/>
+              <a:off x="604127" y="583048"/>
+              <a:ext cx="3564220" cy="4570843"/>
+              <a:chOff x="604127" y="583048"/>
+              <a:chExt cx="3564220" cy="4570843"/>
             </a:xfrm>
           </p:grpSpPr>
           <p:grpSp>
             <p:nvGrpSpPr>
-              <p:cNvPr id="12" name="Group 11"/>
+              <p:cNvPr id="25" name="Group 24"/>
               <p:cNvGrpSpPr/>
               <p:nvPr/>
             </p:nvGrpSpPr>
             <p:grpSpPr>
-              <a:xfrm rot="19852532">
-                <a:off x="2921696" y="576196"/>
-                <a:ext cx="1083502" cy="4511459"/>
-                <a:chOff x="3472841" y="1240076"/>
-                <a:chExt cx="1083502" cy="4511459"/>
+              <a:xfrm>
+                <a:off x="604127" y="583048"/>
+                <a:ext cx="3564220" cy="4570843"/>
+                <a:chOff x="1331490" y="1310412"/>
+                <a:chExt cx="3564220" cy="4570843"/>
               </a:xfrm>
             </p:grpSpPr>
             <p:sp>
               <p:nvSpPr>
-                <p:cNvPr id="4" name="Rounded Rectangle 3"/>
+                <p:cNvPr id="4" name="Rectangle 3"/>
                 <p:cNvSpPr/>
                 <p:nvPr/>
               </p:nvSpPr>
               <p:spPr>
                 <a:xfrm>
-                  <a:off x="3632548" y="1803748"/>
-                  <a:ext cx="764088" cy="2167003"/>
+                  <a:off x="1331490" y="1310412"/>
+                  <a:ext cx="296723" cy="4570843"/>
                 </a:xfrm>
-                <a:prstGeom prst="roundRect">
+                <a:prstGeom prst="rect">
                   <a:avLst/>
                 </a:prstGeom>
-                <a:noFill/>
+                <a:solidFill>
+                  <a:schemeClr val="tx1"/>
+                </a:solidFill>
                 <a:ln w="38100">
                   <a:solidFill>
                     <a:schemeClr val="tx1"/>
@@ -33699,19 +32810,23 @@
             </p:sp>
             <p:sp>
               <p:nvSpPr>
-                <p:cNvPr id="5" name="Rounded Rectangle 4"/>
+                <p:cNvPr id="5" name="Rectangle 4"/>
                 <p:cNvSpPr/>
                 <p:nvPr/>
               </p:nvSpPr>
               <p:spPr>
                 <a:xfrm>
-                  <a:off x="3747370" y="3970751"/>
-                  <a:ext cx="160751" cy="1780784"/>
+                  <a:off x="1630126" y="3195711"/>
+                  <a:ext cx="2630147" cy="139772"/>
                 </a:xfrm>
-                <a:prstGeom prst="roundRect">
+                <a:prstGeom prst="rect">
                   <a:avLst/>
                 </a:prstGeom>
-                <a:noFill/>
+                <a:solidFill>
+                  <a:schemeClr val="bg2">
+                    <a:lumMod val="90000"/>
+                  </a:schemeClr>
+                </a:solidFill>
                 <a:ln w="38100">
                   <a:solidFill>
                     <a:schemeClr val="tx1"/>
@@ -33743,24 +32858,101 @@
                 </a:p>
               </p:txBody>
             </p:sp>
+            <p:cxnSp>
+              <p:nvCxnSpPr>
+                <p:cNvPr id="6" name="Straight Connector 5"/>
+                <p:cNvCxnSpPr/>
+                <p:nvPr/>
+              </p:nvCxnSpPr>
+              <p:spPr>
+                <a:xfrm>
+                  <a:off x="1628214" y="2026227"/>
+                  <a:ext cx="1761047" cy="1167246"/>
+                </a:xfrm>
+                <a:prstGeom prst="line">
+                  <a:avLst/>
+                </a:prstGeom>
+                <a:ln w="38100">
+                  <a:solidFill>
+                    <a:schemeClr val="tx1"/>
+                  </a:solidFill>
+                </a:ln>
+              </p:spPr>
+              <p:style>
+                <a:lnRef idx="1">
+                  <a:schemeClr val="accent1"/>
+                </a:lnRef>
+                <a:fillRef idx="0">
+                  <a:schemeClr val="accent1"/>
+                </a:fillRef>
+                <a:effectRef idx="0">
+                  <a:schemeClr val="accent1"/>
+                </a:effectRef>
+                <a:fontRef idx="minor">
+                  <a:schemeClr val="tx1"/>
+                </a:fontRef>
+              </p:style>
+            </p:cxnSp>
+            <p:cxnSp>
+              <p:nvCxnSpPr>
+                <p:cNvPr id="7" name="Straight Connector 6"/>
+                <p:cNvCxnSpPr>
+                  <a:stCxn id="5" idx="3"/>
+                  <a:endCxn id="8" idx="0"/>
+                </p:cNvCxnSpPr>
+                <p:nvPr/>
+              </p:nvCxnSpPr>
+              <p:spPr>
+                <a:xfrm>
+                  <a:off x="4260273" y="3265597"/>
+                  <a:ext cx="1468" cy="870597"/>
+                </a:xfrm>
+                <a:prstGeom prst="line">
+                  <a:avLst/>
+                </a:prstGeom>
+                <a:ln w="38100">
+                  <a:solidFill>
+                    <a:schemeClr val="tx1"/>
+                  </a:solidFill>
+                </a:ln>
+              </p:spPr>
+              <p:style>
+                <a:lnRef idx="1">
+                  <a:schemeClr val="accent1"/>
+                </a:lnRef>
+                <a:fillRef idx="0">
+                  <a:schemeClr val="accent1"/>
+                </a:fillRef>
+                <a:effectRef idx="0">
+                  <a:schemeClr val="accent1"/>
+                </a:effectRef>
+                <a:fontRef idx="minor">
+                  <a:schemeClr val="tx1"/>
+                </a:fontRef>
+              </p:style>
+            </p:cxnSp>
             <p:sp>
               <p:nvSpPr>
-                <p:cNvPr id="6" name="Rounded Rectangle 5"/>
+                <p:cNvPr id="8" name="Rounded Rectangle 7"/>
                 <p:cNvSpPr/>
                 <p:nvPr/>
               </p:nvSpPr>
               <p:spPr>
                 <a:xfrm>
-                  <a:off x="4072003" y="3970751"/>
-                  <a:ext cx="160751" cy="1780784"/>
+                  <a:off x="3627771" y="4136194"/>
+                  <a:ext cx="1267939" cy="874007"/>
                 </a:xfrm>
                 <a:prstGeom prst="roundRect">
-                  <a:avLst/>
+                  <a:avLst>
+                    <a:gd name="adj" fmla="val 0"/>
+                  </a:avLst>
                 </a:prstGeom>
-                <a:noFill/>
+                <a:solidFill>
+                  <a:srgbClr val="004ED0"/>
+                </a:solidFill>
                 <a:ln w="38100">
                   <a:solidFill>
-                    <a:schemeClr val="tx1"/>
+                    <a:srgbClr val="004ED0"/>
                   </a:solidFill>
                 </a:ln>
               </p:spPr>
@@ -33785,293 +32977,580 @@
                 <a:lstStyle/>
                 <a:p>
                   <a:pPr algn="ctr"/>
-                  <a:endParaRPr lang="en-US"/>
+                  <a:r>
+                    <a:rPr lang="en-US" sz="2000" dirty="0" err="1" smtClean="0">
+                      <a:solidFill>
+                        <a:schemeClr val="bg1"/>
+                      </a:solidFill>
+                      <a:latin typeface="Highway Gothic" charset="0"/>
+                      <a:ea typeface="Highway Gothic" charset="0"/>
+                      <a:cs typeface="Highway Gothic" charset="0"/>
+                    </a:rPr>
+                    <a:t>Coinsins</a:t>
+                  </a:r>
+                  <a:endParaRPr lang="en-US" sz="2000" dirty="0">
+                    <a:solidFill>
+                      <a:schemeClr val="bg1"/>
+                    </a:solidFill>
+                    <a:latin typeface="Highway Gothic" charset="0"/>
+                    <a:ea typeface="Highway Gothic" charset="0"/>
+                    <a:cs typeface="Highway Gothic" charset="0"/>
+                  </a:endParaRPr>
                 </a:p>
               </p:txBody>
             </p:sp>
-            <p:sp>
-              <p:nvSpPr>
-                <p:cNvPr id="7" name="Rounded Rectangle 6"/>
-                <p:cNvSpPr/>
+            <p:cxnSp>
+              <p:nvCxnSpPr>
+                <p:cNvPr id="20" name="Straight Arrow Connector 19"/>
+                <p:cNvCxnSpPr/>
                 <p:nvPr/>
-              </p:nvSpPr>
+              </p:nvCxnSpPr>
               <p:spPr>
-                <a:xfrm>
-                  <a:off x="3472841" y="1996857"/>
-                  <a:ext cx="159707" cy="1197280"/>
+                <a:xfrm flipV="1">
+                  <a:off x="1597196" y="2598795"/>
+                  <a:ext cx="1787313" cy="10392"/>
                 </a:xfrm>
-                <a:prstGeom prst="roundRect">
+                <a:prstGeom prst="straightConnector1">
                   <a:avLst/>
                 </a:prstGeom>
-                <a:noFill/>
                 <a:ln w="38100">
                   <a:solidFill>
                     <a:schemeClr val="tx1"/>
                   </a:solidFill>
+                  <a:headEnd type="triangle"/>
+                  <a:tailEnd type="triangle"/>
                 </a:ln>
               </p:spPr>
               <p:style>
-                <a:lnRef idx="2">
-                  <a:schemeClr val="accent1">
-                    <a:shade val="50000"/>
-                  </a:schemeClr>
+                <a:lnRef idx="1">
+                  <a:schemeClr val="accent1"/>
                 </a:lnRef>
-                <a:fillRef idx="1">
+                <a:fillRef idx="0">
                   <a:schemeClr val="accent1"/>
                 </a:fillRef>
                 <a:effectRef idx="0">
                   <a:schemeClr val="accent1"/>
                 </a:effectRef>
                 <a:fontRef idx="minor">
-                  <a:schemeClr val="lt1"/>
+                  <a:schemeClr val="tx1"/>
                 </a:fontRef>
               </p:style>
-              <p:txBody>
-                <a:bodyPr rtlCol="0" anchor="ctr"/>
-                <a:lstStyle/>
-                <a:p>
-                  <a:pPr algn="ctr"/>
-                  <a:endParaRPr lang="en-US"/>
-                </a:p>
-              </p:txBody>
-            </p:sp>
-            <p:sp>
-              <p:nvSpPr>
-                <p:cNvPr id="9" name="Rounded Rectangle 8"/>
-                <p:cNvSpPr/>
-                <p:nvPr/>
-              </p:nvSpPr>
-              <p:spPr>
-                <a:xfrm>
-                  <a:off x="4396636" y="1996857"/>
-                  <a:ext cx="159707" cy="1197280"/>
-                </a:xfrm>
-                <a:prstGeom prst="roundRect">
-                  <a:avLst/>
-                </a:prstGeom>
-                <a:noFill/>
-                <a:ln w="38100">
-                  <a:solidFill>
-                    <a:schemeClr val="tx1"/>
-                  </a:solidFill>
-                </a:ln>
-              </p:spPr>
-              <p:style>
-                <a:lnRef idx="2">
-                  <a:schemeClr val="accent1">
-                    <a:shade val="50000"/>
-                  </a:schemeClr>
-                </a:lnRef>
-                <a:fillRef idx="1">
-                  <a:schemeClr val="accent1"/>
-                </a:fillRef>
-                <a:effectRef idx="0">
-                  <a:schemeClr val="accent1"/>
-                </a:effectRef>
-                <a:fontRef idx="minor">
-                  <a:schemeClr val="lt1"/>
-                </a:fontRef>
-              </p:style>
-              <p:txBody>
-                <a:bodyPr rtlCol="0" anchor="ctr"/>
-                <a:lstStyle/>
-                <a:p>
-                  <a:pPr algn="ctr"/>
-                  <a:endParaRPr lang="en-US"/>
-                </a:p>
-              </p:txBody>
-            </p:sp>
-            <p:sp>
-              <p:nvSpPr>
-                <p:cNvPr id="11" name="Oval 10"/>
-                <p:cNvSpPr/>
-                <p:nvPr/>
-              </p:nvSpPr>
-              <p:spPr>
-                <a:xfrm>
-                  <a:off x="3732756" y="1240076"/>
-                  <a:ext cx="563672" cy="563672"/>
-                </a:xfrm>
-                <a:prstGeom prst="ellipse">
-                  <a:avLst/>
-                </a:prstGeom>
-                <a:noFill/>
-                <a:ln w="38100">
-                  <a:solidFill>
-                    <a:schemeClr val="tx1"/>
-                  </a:solidFill>
-                </a:ln>
-              </p:spPr>
-              <p:style>
-                <a:lnRef idx="2">
-                  <a:schemeClr val="accent1">
-                    <a:shade val="50000"/>
-                  </a:schemeClr>
-                </a:lnRef>
-                <a:fillRef idx="1">
-                  <a:schemeClr val="accent1"/>
-                </a:fillRef>
-                <a:effectRef idx="0">
-                  <a:schemeClr val="accent1"/>
-                </a:effectRef>
-                <a:fontRef idx="minor">
-                  <a:schemeClr val="lt1"/>
-                </a:fontRef>
-              </p:style>
-              <p:txBody>
-                <a:bodyPr rtlCol="0" anchor="ctr"/>
-                <a:lstStyle/>
-                <a:p>
-                  <a:pPr algn="ctr"/>
-                  <a:endParaRPr lang="en-US"/>
-                </a:p>
-              </p:txBody>
-            </p:sp>
+            </p:cxnSp>
+            <mc:AlternateContent xmlns:mc="http://schemas.openxmlformats.org/markup-compatibility/2006" xmlns:a14="http://schemas.microsoft.com/office/drawing/2010/main">
+              <mc:Choice Requires="a14">
+                <p:sp>
+                  <p:nvSpPr>
+                    <p:cNvPr id="21" name="TextBox 20"/>
+                    <p:cNvSpPr txBox="1"/>
+                    <p:nvPr/>
+                  </p:nvSpPr>
+                  <p:spPr>
+                    <a:xfrm>
+                      <a:off x="2541194" y="1941610"/>
+                      <a:ext cx="358665" cy="587297"/>
+                    </a:xfrm>
+                    <a:prstGeom prst="rect">
+                      <a:avLst/>
+                    </a:prstGeom>
+                    <a:noFill/>
+                  </p:spPr>
+                  <p:txBody>
+                    <a:bodyPr wrap="square" lIns="0" tIns="0" rIns="0" bIns="0" rtlCol="0">
+                      <a:spAutoFit/>
+                    </a:bodyPr>
+                    <a:lstStyle/>
+                    <a:p>
+                      <a:pPr/>
+                      <a14:m>
+                        <m:oMathPara xmlns:m="http://schemas.openxmlformats.org/officeDocument/2006/math">
+                          <m:oMathParaPr>
+                            <m:jc m:val="centerGroup"/>
+                          </m:oMathParaPr>
+                          <m:oMath xmlns:m="http://schemas.openxmlformats.org/officeDocument/2006/math">
+                            <m:f>
+                              <m:fPr>
+                                <m:ctrlPr>
+                                  <a:rPr lang="en-US" sz="2000" b="0" i="1" smtClean="0">
+                                    <a:latin typeface="Cambria Math" charset="0"/>
+                                    <a:cs typeface="Arial" panose="020B0604020202020204" pitchFamily="34" charset="0"/>
+                                  </a:rPr>
+                                </m:ctrlPr>
+                              </m:fPr>
+                              <m:num>
+                                <m:r>
+                                  <a:rPr lang="en-US" sz="2000" b="0" i="1" smtClean="0">
+                                    <a:latin typeface="Cambria Math" panose="02040503050406030204" pitchFamily="18" charset="0"/>
+                                    <a:cs typeface="Arial" panose="020B0604020202020204" pitchFamily="34" charset="0"/>
+                                  </a:rPr>
+                                  <m:t>2</m:t>
+                                </m:r>
+                              </m:num>
+                              <m:den>
+                                <m:r>
+                                  <a:rPr lang="en-US" sz="2000" b="0" i="1" smtClean="0">
+                                    <a:latin typeface="Cambria Math" panose="02040503050406030204" pitchFamily="18" charset="0"/>
+                                    <a:cs typeface="Arial" panose="020B0604020202020204" pitchFamily="34" charset="0"/>
+                                  </a:rPr>
+                                  <m:t>3</m:t>
+                                </m:r>
+                              </m:den>
+                            </m:f>
+                            <m:r>
+                              <a:rPr lang="en-US" sz="2000" b="0" i="1" smtClean="0">
+                                <a:latin typeface="Cambria Math" panose="02040503050406030204" pitchFamily="18" charset="0"/>
+                                <a:cs typeface="Arial" panose="020B0604020202020204" pitchFamily="34" charset="0"/>
+                              </a:rPr>
+                              <m:t>𝐿</m:t>
+                            </m:r>
+                          </m:oMath>
+                        </m:oMathPara>
+                      </a14:m>
+                      <a:endParaRPr lang="en-US" sz="2000" dirty="0" smtClean="0">
+                        <a:latin typeface="Arial" panose="020B0604020202020204" pitchFamily="34" charset="0"/>
+                        <a:cs typeface="Arial" panose="020B0604020202020204" pitchFamily="34" charset="0"/>
+                      </a:endParaRPr>
+                    </a:p>
+                  </p:txBody>
+                </p:sp>
+              </mc:Choice>
+              <mc:Fallback xmlns="">
+                <p:sp>
+                  <p:nvSpPr>
+                    <p:cNvPr id="21" name="TextBox 20"/>
+                    <p:cNvSpPr txBox="1">
+                      <a:spLocks noRot="1" noChangeAspect="1" noMove="1" noResize="1" noEditPoints="1" noAdjustHandles="1" noChangeArrowheads="1" noChangeShapeType="1" noTextEdit="1"/>
+                    </p:cNvSpPr>
+                    <p:nvPr/>
+                  </p:nvSpPr>
+                  <p:spPr>
+                    <a:xfrm>
+                      <a:off x="2541194" y="1941610"/>
+                      <a:ext cx="358665" cy="587297"/>
+                    </a:xfrm>
+                    <a:prstGeom prst="rect">
+                      <a:avLst/>
+                    </a:prstGeom>
+                    <a:blipFill>
+                      <a:blip r:embed="rId2"/>
+                      <a:stretch>
+                        <a:fillRect/>
+                      </a:stretch>
+                    </a:blipFill>
+                  </p:spPr>
+                  <p:txBody>
+                    <a:bodyPr/>
+                    <a:lstStyle/>
+                    <a:p>
+                      <a:r>
+                        <a:rPr lang="en-US">
+                          <a:noFill/>
+                        </a:rPr>
+                        <a:t> </a:t>
+                      </a:r>
+                    </a:p>
+                  </p:txBody>
+                </p:sp>
+              </mc:Fallback>
+            </mc:AlternateContent>
+            <mc:AlternateContent xmlns:mc="http://schemas.openxmlformats.org/markup-compatibility/2006" xmlns:a14="http://schemas.microsoft.com/office/drawing/2010/main">
+              <mc:Choice Requires="a14">
+                <p:sp>
+                  <p:nvSpPr>
+                    <p:cNvPr id="22" name="TextBox 21"/>
+                    <p:cNvSpPr txBox="1"/>
+                    <p:nvPr/>
+                  </p:nvSpPr>
+                  <p:spPr>
+                    <a:xfrm>
+                      <a:off x="2722895" y="2886815"/>
+                      <a:ext cx="222304" cy="307777"/>
+                    </a:xfrm>
+                    <a:prstGeom prst="rect">
+                      <a:avLst/>
+                    </a:prstGeom>
+                    <a:noFill/>
+                  </p:spPr>
+                  <p:txBody>
+                    <a:bodyPr wrap="none" lIns="0" tIns="0" rIns="0" bIns="0" rtlCol="0">
+                      <a:spAutoFit/>
+                    </a:bodyPr>
+                    <a:lstStyle/>
+                    <a:p>
+                      <a:pPr/>
+                      <a14:m>
+                        <m:oMathPara xmlns:m="http://schemas.openxmlformats.org/officeDocument/2006/math">
+                          <m:oMathParaPr>
+                            <m:jc m:val="centerGroup"/>
+                          </m:oMathParaPr>
+                          <m:oMath xmlns:m="http://schemas.openxmlformats.org/officeDocument/2006/math">
+                            <m:r>
+                              <a:rPr lang="en-US" sz="2000" b="0" i="1" smtClean="0">
+                                <a:latin typeface="Cambria Math" panose="02040503050406030204" pitchFamily="18" charset="0"/>
+                                <a:cs typeface="Arial" panose="020B0604020202020204" pitchFamily="34" charset="0"/>
+                              </a:rPr>
+                              <m:t>𝜃</m:t>
+                            </m:r>
+                          </m:oMath>
+                        </m:oMathPara>
+                      </a14:m>
+                      <a:endParaRPr lang="en-US" sz="2000" dirty="0" smtClean="0">
+                        <a:latin typeface="Arial" panose="020B0604020202020204" pitchFamily="34" charset="0"/>
+                        <a:cs typeface="Arial" panose="020B0604020202020204" pitchFamily="34" charset="0"/>
+                      </a:endParaRPr>
+                    </a:p>
+                  </p:txBody>
+                </p:sp>
+              </mc:Choice>
+              <mc:Fallback xmlns="">
+                <p:sp>
+                  <p:nvSpPr>
+                    <p:cNvPr id="22" name="TextBox 21"/>
+                    <p:cNvSpPr txBox="1">
+                      <a:spLocks noRot="1" noChangeAspect="1" noMove="1" noResize="1" noEditPoints="1" noAdjustHandles="1" noChangeArrowheads="1" noChangeShapeType="1" noTextEdit="1"/>
+                    </p:cNvSpPr>
+                    <p:nvPr/>
+                  </p:nvSpPr>
+                  <p:spPr>
+                    <a:xfrm>
+                      <a:off x="2722895" y="2886815"/>
+                      <a:ext cx="222304" cy="307777"/>
+                    </a:xfrm>
+                    <a:prstGeom prst="rect">
+                      <a:avLst/>
+                    </a:prstGeom>
+                    <a:blipFill>
+                      <a:blip r:embed="rId3"/>
+                      <a:stretch>
+                        <a:fillRect l="-24324" r="-21622" b="-9804"/>
+                      </a:stretch>
+                    </a:blipFill>
+                  </p:spPr>
+                  <p:txBody>
+                    <a:bodyPr/>
+                    <a:lstStyle/>
+                    <a:p>
+                      <a:r>
+                        <a:rPr lang="en-US">
+                          <a:noFill/>
+                        </a:rPr>
+                        <a:t> </a:t>
+                      </a:r>
+                    </a:p>
+                  </p:txBody>
+                </p:sp>
+              </mc:Fallback>
+            </mc:AlternateContent>
+            <mc:AlternateContent xmlns:mc="http://schemas.openxmlformats.org/markup-compatibility/2006" xmlns:a14="http://schemas.microsoft.com/office/drawing/2010/main">
+              <mc:Choice Requires="a14">
+                <p:sp>
+                  <p:nvSpPr>
+                    <p:cNvPr id="23" name="TextBox 22"/>
+                    <p:cNvSpPr txBox="1"/>
+                    <p:nvPr/>
+                  </p:nvSpPr>
+                  <p:spPr>
+                    <a:xfrm>
+                      <a:off x="3558764" y="2844514"/>
+                      <a:ext cx="532005" cy="307777"/>
+                    </a:xfrm>
+                    <a:prstGeom prst="rect">
+                      <a:avLst/>
+                    </a:prstGeom>
+                    <a:noFill/>
+                  </p:spPr>
+                  <p:txBody>
+                    <a:bodyPr wrap="none" lIns="0" tIns="0" rIns="0" bIns="0" rtlCol="0">
+                      <a:spAutoFit/>
+                    </a:bodyPr>
+                    <a:lstStyle/>
+                    <a:p>
+                      <a:pPr/>
+                      <a14:m>
+                        <m:oMathPara xmlns:m="http://schemas.openxmlformats.org/officeDocument/2006/math">
+                          <m:oMathParaPr>
+                            <m:jc m:val="centerGroup"/>
+                          </m:oMathParaPr>
+                          <m:oMath xmlns:m="http://schemas.openxmlformats.org/officeDocument/2006/math">
+                            <m:r>
+                              <a:rPr lang="en-US" sz="2000" b="0" i="1" smtClean="0">
+                                <a:latin typeface="Cambria Math" panose="02040503050406030204" pitchFamily="18" charset="0"/>
+                                <a:cs typeface="Arial" panose="020B0604020202020204" pitchFamily="34" charset="0"/>
+                              </a:rPr>
+                              <m:t>𝑀</m:t>
+                            </m:r>
+                            <m:r>
+                              <a:rPr lang="en-US" sz="2000" b="0" i="1" smtClean="0">
+                                <a:latin typeface="Cambria Math" panose="02040503050406030204" pitchFamily="18" charset="0"/>
+                                <a:cs typeface="Arial" panose="020B0604020202020204" pitchFamily="34" charset="0"/>
+                              </a:rPr>
+                              <m:t>, </m:t>
+                            </m:r>
+                            <m:r>
+                              <a:rPr lang="en-US" sz="2000" b="0" i="1" smtClean="0">
+                                <a:latin typeface="Cambria Math" panose="02040503050406030204" pitchFamily="18" charset="0"/>
+                                <a:cs typeface="Arial" panose="020B0604020202020204" pitchFamily="34" charset="0"/>
+                              </a:rPr>
+                              <m:t>𝐿</m:t>
+                            </m:r>
+                          </m:oMath>
+                        </m:oMathPara>
+                      </a14:m>
+                      <a:endParaRPr lang="en-US" sz="2000" dirty="0" smtClean="0">
+                        <a:latin typeface="Arial" panose="020B0604020202020204" pitchFamily="34" charset="0"/>
+                        <a:cs typeface="Arial" panose="020B0604020202020204" pitchFamily="34" charset="0"/>
+                      </a:endParaRPr>
+                    </a:p>
+                  </p:txBody>
+                </p:sp>
+              </mc:Choice>
+              <mc:Fallback xmlns="">
+                <p:sp>
+                  <p:nvSpPr>
+                    <p:cNvPr id="23" name="TextBox 22"/>
+                    <p:cNvSpPr txBox="1">
+                      <a:spLocks noRot="1" noChangeAspect="1" noMove="1" noResize="1" noEditPoints="1" noAdjustHandles="1" noChangeArrowheads="1" noChangeShapeType="1" noTextEdit="1"/>
+                    </p:cNvSpPr>
+                    <p:nvPr/>
+                  </p:nvSpPr>
+                  <p:spPr>
+                    <a:xfrm>
+                      <a:off x="3558764" y="2844514"/>
+                      <a:ext cx="532005" cy="307777"/>
+                    </a:xfrm>
+                    <a:prstGeom prst="rect">
+                      <a:avLst/>
+                    </a:prstGeom>
+                    <a:blipFill>
+                      <a:blip r:embed="rId4"/>
+                      <a:stretch>
+                        <a:fillRect l="-9091" r="-7955" b="-9804"/>
+                      </a:stretch>
+                    </a:blipFill>
+                  </p:spPr>
+                  <p:txBody>
+                    <a:bodyPr/>
+                    <a:lstStyle/>
+                    <a:p>
+                      <a:r>
+                        <a:rPr lang="en-US">
+                          <a:noFill/>
+                        </a:rPr>
+                        <a:t> </a:t>
+                      </a:r>
+                    </a:p>
+                  </p:txBody>
+                </p:sp>
+              </mc:Fallback>
+            </mc:AlternateContent>
+            <mc:AlternateContent xmlns:mc="http://schemas.openxmlformats.org/markup-compatibility/2006" xmlns:a14="http://schemas.microsoft.com/office/drawing/2010/main">
+              <mc:Choice Requires="a14">
+                <p:sp>
+                  <p:nvSpPr>
+                    <p:cNvPr id="24" name="TextBox 23"/>
+                    <p:cNvSpPr txBox="1"/>
+                    <p:nvPr/>
+                  </p:nvSpPr>
+                  <p:spPr>
+                    <a:xfrm>
+                      <a:off x="4367505" y="3774426"/>
+                      <a:ext cx="289695" cy="307777"/>
+                    </a:xfrm>
+                    <a:prstGeom prst="rect">
+                      <a:avLst/>
+                    </a:prstGeom>
+                    <a:noFill/>
+                  </p:spPr>
+                  <p:txBody>
+                    <a:bodyPr wrap="none" lIns="0" tIns="0" rIns="0" bIns="0" rtlCol="0">
+                      <a:spAutoFit/>
+                    </a:bodyPr>
+                    <a:lstStyle/>
+                    <a:p>
+                      <a:pPr/>
+                      <a14:m>
+                        <m:oMathPara xmlns:m="http://schemas.openxmlformats.org/officeDocument/2006/math">
+                          <m:oMathParaPr>
+                            <m:jc m:val="centerGroup"/>
+                          </m:oMathParaPr>
+                          <m:oMath xmlns:m="http://schemas.openxmlformats.org/officeDocument/2006/math">
+                            <m:r>
+                              <a:rPr lang="en-US" sz="2000" b="0" i="1" smtClean="0">
+                                <a:latin typeface="Cambria Math" panose="02040503050406030204" pitchFamily="18" charset="0"/>
+                                <a:cs typeface="Arial" panose="020B0604020202020204" pitchFamily="34" charset="0"/>
+                              </a:rPr>
+                              <m:t>𝑚</m:t>
+                            </m:r>
+                          </m:oMath>
+                        </m:oMathPara>
+                      </a14:m>
+                      <a:endParaRPr lang="en-US" sz="2000" dirty="0" smtClean="0">
+                        <a:latin typeface="Arial" panose="020B0604020202020204" pitchFamily="34" charset="0"/>
+                        <a:cs typeface="Arial" panose="020B0604020202020204" pitchFamily="34" charset="0"/>
+                      </a:endParaRPr>
+                    </a:p>
+                  </p:txBody>
+                </p:sp>
+              </mc:Choice>
+              <mc:Fallback xmlns="">
+                <p:sp>
+                  <p:nvSpPr>
+                    <p:cNvPr id="24" name="TextBox 23"/>
+                    <p:cNvSpPr txBox="1">
+                      <a:spLocks noRot="1" noChangeAspect="1" noMove="1" noResize="1" noEditPoints="1" noAdjustHandles="1" noChangeArrowheads="1" noChangeShapeType="1" noTextEdit="1"/>
+                    </p:cNvSpPr>
+                    <p:nvPr/>
+                  </p:nvSpPr>
+                  <p:spPr>
+                    <a:xfrm>
+                      <a:off x="4367505" y="3774426"/>
+                      <a:ext cx="289695" cy="307777"/>
+                    </a:xfrm>
+                    <a:prstGeom prst="rect">
+                      <a:avLst/>
+                    </a:prstGeom>
+                    <a:blipFill>
+                      <a:blip r:embed="rId5"/>
+                      <a:stretch>
+                        <a:fillRect l="-8333" r="-8333" b="-2000"/>
+                      </a:stretch>
+                    </a:blipFill>
+                  </p:spPr>
+                  <p:txBody>
+                    <a:bodyPr/>
+                    <a:lstStyle/>
+                    <a:p>
+                      <a:r>
+                        <a:rPr lang="en-US">
+                          <a:noFill/>
+                        </a:rPr>
+                        <a:t> </a:t>
+                      </a:r>
+                    </a:p>
+                  </p:txBody>
+                </p:sp>
+              </mc:Fallback>
+            </mc:AlternateContent>
           </p:grpSp>
-          <p:sp>
-            <p:nvSpPr>
-              <p:cNvPr id="13" name="Rectangle 12"/>
-              <p:cNvSpPr/>
+          <p:cxnSp>
+            <p:nvCxnSpPr>
+              <p:cNvPr id="37" name="Straight Connector 36"/>
+              <p:cNvCxnSpPr/>
               <p:nvPr/>
-            </p:nvSpPr>
+            </p:nvCxnSpPr>
             <p:spPr>
-              <a:xfrm>
-                <a:off x="839997" y="4957618"/>
-                <a:ext cx="5899759" cy="265790"/>
+              <a:xfrm flipH="1">
+                <a:off x="2659059" y="1871431"/>
+                <a:ext cx="2839" cy="594678"/>
               </a:xfrm>
-              <a:prstGeom prst="rect">
+              <a:prstGeom prst="line">
                 <a:avLst/>
               </a:prstGeom>
-              <a:solidFill>
-                <a:schemeClr val="accent1">
-                  <a:lumMod val="60000"/>
-                  <a:lumOff val="40000"/>
-                </a:schemeClr>
-              </a:solidFill>
-              <a:ln w="38100">
+              <a:ln w="19050">
                 <a:solidFill>
-                  <a:schemeClr val="accent1">
-                    <a:lumMod val="60000"/>
-                    <a:lumOff val="40000"/>
-                  </a:schemeClr>
+                  <a:schemeClr val="tx1"/>
                 </a:solidFill>
+                <a:prstDash val="sysDot"/>
               </a:ln>
             </p:spPr>
             <p:style>
-              <a:lnRef idx="2">
-                <a:schemeClr val="accent1">
-                  <a:shade val="50000"/>
-                </a:schemeClr>
+              <a:lnRef idx="1">
+                <a:schemeClr val="accent1"/>
               </a:lnRef>
-              <a:fillRef idx="1">
+              <a:fillRef idx="0">
                 <a:schemeClr val="accent1"/>
               </a:fillRef>
               <a:effectRef idx="0">
                 <a:schemeClr val="accent1"/>
               </a:effectRef>
               <a:fontRef idx="minor">
-                <a:schemeClr val="lt1"/>
+                <a:schemeClr val="tx1"/>
               </a:fontRef>
             </p:style>
-            <p:txBody>
-              <a:bodyPr rtlCol="0" anchor="ctr"/>
-              <a:lstStyle/>
-              <a:p>
-                <a:pPr algn="ctr"/>
-                <a:endParaRPr lang="en-US"/>
-              </a:p>
-            </p:txBody>
-          </p:sp>
+          </p:cxnSp>
         </p:grpSp>
-        <mc:AlternateContent xmlns:mc="http://schemas.openxmlformats.org/markup-compatibility/2006" xmlns:a14="http://schemas.microsoft.com/office/drawing/2010/main">
-          <mc:Choice Requires="a14">
-            <p:sp>
-              <p:nvSpPr>
-                <p:cNvPr id="70" name="TextBox 69"/>
-                <p:cNvSpPr txBox="1"/>
-                <p:nvPr/>
-              </p:nvSpPr>
-              <p:spPr>
-                <a:xfrm>
-                  <a:off x="3039896" y="4520708"/>
-                  <a:ext cx="222304" cy="307777"/>
-                </a:xfrm>
-                <a:prstGeom prst="rect">
-                  <a:avLst/>
-                </a:prstGeom>
-                <a:noFill/>
-              </p:spPr>
-              <p:txBody>
-                <a:bodyPr wrap="none" lIns="0" tIns="0" rIns="0" bIns="0" rtlCol="0">
-                  <a:spAutoFit/>
-                </a:bodyPr>
-                <a:lstStyle/>
-                <a:p>
-                  <a:pPr/>
-                  <a14:m>
-                    <m:oMathPara xmlns:m="http://schemas.openxmlformats.org/officeDocument/2006/math">
-                      <m:oMathParaPr>
-                        <m:jc m:val="centerGroup"/>
-                      </m:oMathParaPr>
-                      <m:oMath xmlns:m="http://schemas.openxmlformats.org/officeDocument/2006/math">
-                        <m:r>
-                          <a:rPr lang="en-US" sz="2000" b="0" i="1" smtClean="0">
-                            <a:latin typeface="Cambria Math" panose="02040503050406030204" pitchFamily="18" charset="0"/>
-                            <a:cs typeface="Arial" panose="020B0604020202020204" pitchFamily="34" charset="0"/>
-                          </a:rPr>
-                          <m:t>𝜃</m:t>
-                        </m:r>
-                      </m:oMath>
-                    </m:oMathPara>
-                  </a14:m>
-                  <a:endParaRPr lang="en-US" sz="2000" dirty="0" smtClean="0">
-                    <a:latin typeface="Arial" panose="020B0604020202020204" pitchFamily="34" charset="0"/>
-                    <a:cs typeface="Arial" panose="020B0604020202020204" pitchFamily="34" charset="0"/>
-                  </a:endParaRPr>
-                </a:p>
-              </p:txBody>
-            </p:sp>
-          </mc:Choice>
-          <mc:Fallback xmlns="">
-            <p:sp>
-              <p:nvSpPr>
-                <p:cNvPr id="70" name="TextBox 69"/>
-                <p:cNvSpPr txBox="1">
-                  <a:spLocks noRot="1" noChangeAspect="1" noMove="1" noResize="1" noEditPoints="1" noAdjustHandles="1" noChangeArrowheads="1" noChangeShapeType="1" noTextEdit="1"/>
-                </p:cNvSpPr>
-                <p:nvPr/>
-              </p:nvSpPr>
-              <p:spPr>
-                <a:xfrm>
-                  <a:off x="3039896" y="4520708"/>
-                  <a:ext cx="222304" cy="307777"/>
-                </a:xfrm>
-                <a:prstGeom prst="rect">
-                  <a:avLst/>
-                </a:prstGeom>
-                <a:blipFill>
-                  <a:blip r:embed="rId2"/>
-                  <a:stretch>
-                    <a:fillRect l="-25000" r="-25000" b="-12000"/>
-                  </a:stretch>
-                </a:blipFill>
-              </p:spPr>
-              <p:txBody>
-                <a:bodyPr/>
-                <a:lstStyle/>
-                <a:p>
-                  <a:r>
-                    <a:rPr lang="en-US">
-                      <a:noFill/>
-                    </a:rPr>
-                    <a:t> </a:t>
-                  </a:r>
-                </a:p>
-              </p:txBody>
-            </p:sp>
-          </mc:Fallback>
-        </mc:AlternateContent>
+        <p:sp>
+          <p:nvSpPr>
+            <p:cNvPr id="47" name="Rounded Rectangle 46"/>
+            <p:cNvSpPr/>
+            <p:nvPr/>
+          </p:nvSpPr>
+          <p:spPr>
+            <a:xfrm>
+              <a:off x="2970565" y="3459062"/>
+              <a:ext cx="1136822" cy="769839"/>
+            </a:xfrm>
+            <a:prstGeom prst="roundRect">
+              <a:avLst>
+                <a:gd name="adj" fmla="val 4658"/>
+              </a:avLst>
+            </a:prstGeom>
+            <a:noFill/>
+            <a:ln w="19050">
+              <a:solidFill>
+                <a:schemeClr val="bg1"/>
+              </a:solidFill>
+            </a:ln>
+          </p:spPr>
+          <p:style>
+            <a:lnRef idx="2">
+              <a:schemeClr val="accent1">
+                <a:shade val="50000"/>
+              </a:schemeClr>
+            </a:lnRef>
+            <a:fillRef idx="1">
+              <a:schemeClr val="accent1"/>
+            </a:fillRef>
+            <a:effectRef idx="0">
+              <a:schemeClr val="accent1"/>
+            </a:effectRef>
+            <a:fontRef idx="minor">
+              <a:schemeClr val="lt1"/>
+            </a:fontRef>
+          </p:style>
+          <p:txBody>
+            <a:bodyPr rtlCol="0" anchor="ctr"/>
+            <a:lstStyle/>
+            <a:p>
+              <a:pPr algn="ctr"/>
+              <a:endParaRPr lang="en-US" dirty="0">
+                <a:solidFill>
+                  <a:schemeClr val="tx1"/>
+                </a:solidFill>
+              </a:endParaRPr>
+            </a:p>
+          </p:txBody>
+        </p:sp>
       </p:grpSp>
+    </p:spTree>
+    <p:extLst>
+      <p:ext uri="{BB962C8B-B14F-4D97-AF65-F5344CB8AC3E}">
+        <p14:creationId xmlns:p14="http://schemas.microsoft.com/office/powerpoint/2010/main" val="468781593"/>
+      </p:ext>
+    </p:extLst>
+  </p:cSld>
+  <p:clrMapOvr>
+    <a:masterClrMapping/>
+  </p:clrMapOvr>
+</p:sld>
+</file>
+
+<file path=ppt/slides/slide8.xml><?xml version="1.0" encoding="utf-8"?>
+<p:sld xmlns:a="http://schemas.openxmlformats.org/drawingml/2006/main" xmlns:r="http://schemas.openxmlformats.org/officeDocument/2006/relationships" xmlns:p="http://schemas.openxmlformats.org/presentationml/2006/main">
+  <p:cSld>
+    <p:spTree>
+      <p:nvGrpSpPr>
+        <p:cNvPr id="1" name=""/>
+        <p:cNvGrpSpPr/>
+        <p:nvPr/>
+      </p:nvGrpSpPr>
+      <p:grpSpPr>
+        <a:xfrm>
+          <a:off x="0" y="0"/>
+          <a:ext cx="0" cy="0"/>
+          <a:chOff x="0" y="0"/>
+          <a:chExt cx="0" cy="0"/>
+        </a:xfrm>
+      </p:grpSpPr>
       <p:grpSp>
         <p:nvGrpSpPr>
           <p:cNvPr id="72" name="Group 71"/>
@@ -34080,10 +33559,10 @@
         </p:nvGrpSpPr>
         <p:grpSpPr>
           <a:xfrm>
-            <a:off x="6100928" y="424077"/>
-            <a:ext cx="5899759" cy="3960087"/>
-            <a:chOff x="6100928" y="424077"/>
-            <a:chExt cx="5899759" cy="3960087"/>
+            <a:off x="6100928" y="691476"/>
+            <a:ext cx="5899759" cy="3789758"/>
+            <a:chOff x="6100928" y="691476"/>
+            <a:chExt cx="5899759" cy="3789758"/>
           </a:xfrm>
         </p:grpSpPr>
         <p:grpSp>
@@ -34094,10 +33573,10 @@
           </p:nvGrpSpPr>
           <p:grpSpPr>
             <a:xfrm>
-              <a:off x="6100928" y="424077"/>
-              <a:ext cx="5899759" cy="3960087"/>
-              <a:chOff x="6100928" y="424077"/>
-              <a:chExt cx="5899759" cy="3960087"/>
+              <a:off x="6100928" y="691476"/>
+              <a:ext cx="5899759" cy="3789758"/>
+              <a:chOff x="6100928" y="691476"/>
+              <a:chExt cx="5899759" cy="3789758"/>
             </a:xfrm>
           </p:grpSpPr>
           <p:grpSp>
@@ -34108,10 +33587,10 @@
             </p:nvGrpSpPr>
             <p:grpSpPr>
               <a:xfrm>
-                <a:off x="6100928" y="424077"/>
-                <a:ext cx="5899759" cy="3960087"/>
-                <a:chOff x="6100928" y="424077"/>
-                <a:chExt cx="5899759" cy="3960087"/>
+                <a:off x="6100928" y="691476"/>
+                <a:ext cx="5899759" cy="3789758"/>
+                <a:chOff x="6100928" y="691476"/>
+                <a:chExt cx="5899759" cy="3789758"/>
               </a:xfrm>
             </p:grpSpPr>
             <p:sp>
@@ -34176,7 +33655,7 @@
               </p:nvCxnSpPr>
               <p:spPr>
                 <a:xfrm>
-                  <a:off x="8786360" y="2262734"/>
+                  <a:off x="8774168" y="2457806"/>
                   <a:ext cx="12526" cy="1470022"/>
                 </a:xfrm>
                 <a:prstGeom prst="straightConnector1">
@@ -34212,7 +33691,7 @@
               </p:nvCxnSpPr>
               <p:spPr>
                 <a:xfrm flipV="1">
-                  <a:off x="9508613" y="2586355"/>
+                  <a:off x="9940403" y="2660529"/>
                   <a:ext cx="651" cy="1470022"/>
                 </a:xfrm>
                 <a:prstGeom prst="straightConnector1">
@@ -34248,7 +33727,7 @@
               </p:nvCxnSpPr>
               <p:spPr>
                 <a:xfrm flipH="1">
-                  <a:off x="8243813" y="4093267"/>
+                  <a:off x="8674952" y="4102922"/>
                   <a:ext cx="1265451" cy="0"/>
                 </a:xfrm>
                 <a:prstGeom prst="straightConnector1">
@@ -34283,8 +33762,8 @@
                 <p:nvPr/>
               </p:nvSpPr>
               <p:spPr>
-                <a:xfrm rot="19844756">
-                  <a:off x="8496613" y="424077"/>
+                <a:xfrm rot="18955105">
+                  <a:off x="8559452" y="691476"/>
                   <a:ext cx="550420" cy="3789758"/>
                 </a:xfrm>
                 <a:prstGeom prst="roundRect">
@@ -34357,7 +33836,7 @@
                               <m:sSubPr>
                                 <m:ctrlPr>
                                   <a:rPr lang="en-US" sz="2000" b="0" i="1" smtClean="0">
-                                    <a:latin typeface="Cambria Math" panose="02040503050406030204" pitchFamily="18" charset="0"/>
+                                    <a:latin typeface="Cambria Math" charset="0"/>
                                     <a:cs typeface="Arial" panose="020B0604020202020204" pitchFamily="34" charset="0"/>
                                   </a:rPr>
                                 </m:ctrlPr>
@@ -34368,7 +33847,7 @@
                                     <m:chr m:val="⃗"/>
                                     <m:ctrlPr>
                                       <a:rPr lang="en-US" sz="2000" b="0" i="1" smtClean="0">
-                                        <a:latin typeface="Cambria Math" panose="02040503050406030204" pitchFamily="18" charset="0"/>
+                                        <a:latin typeface="Cambria Math" charset="0"/>
                                         <a:cs typeface="Arial" panose="020B0604020202020204" pitchFamily="34" charset="0"/>
                                       </a:rPr>
                                     </m:ctrlPr>
@@ -34444,8 +33923,8 @@
                 </p:sp>
               </mc:Fallback>
             </mc:AlternateContent>
-            <mc:AlternateContent xmlns:mc="http://schemas.openxmlformats.org/markup-compatibility/2006" xmlns:a14="http://schemas.microsoft.com/office/drawing/2010/main">
-              <mc:Choice Requires="a14">
+            <mc:AlternateContent xmlns:mc="http://schemas.openxmlformats.org/markup-compatibility/2006">
+              <mc:Choice xmlns:a14="http://schemas.microsoft.com/office/drawing/2010/main" Requires="a14">
                 <p:sp>
                   <p:nvSpPr>
                     <p:cNvPr id="48" name="TextBox 47"/>
@@ -34454,7 +33933,7 @@
                   </p:nvSpPr>
                   <p:spPr>
                     <a:xfrm>
-                      <a:off x="9519564" y="2722424"/>
+                      <a:off x="9872876" y="3037008"/>
                       <a:ext cx="451690" cy="345351"/>
                     </a:xfrm>
                     <a:prstGeom prst="rect">
@@ -34480,7 +33959,7 @@
                                 <m:chr m:val="⃗"/>
                                 <m:ctrlPr>
                                   <a:rPr lang="en-US" sz="2000" b="0" i="1" smtClean="0">
-                                    <a:latin typeface="Cambria Math" panose="02040503050406030204" pitchFamily="18" charset="0"/>
+                                    <a:latin typeface="Cambria Math" charset="0"/>
                                     <a:cs typeface="Arial" panose="020B0604020202020204" pitchFamily="34" charset="0"/>
                                   </a:rPr>
                                 </m:ctrlPr>
@@ -34506,7 +33985,7 @@
                   </p:txBody>
                 </p:sp>
               </mc:Choice>
-              <mc:Fallback xmlns="">
+              <mc:Fallback>
                 <p:sp>
                   <p:nvSpPr>
                     <p:cNvPr id="48" name="TextBox 47"/>
@@ -34517,16 +33996,16 @@
                   </p:nvSpPr>
                   <p:spPr>
                     <a:xfrm>
-                      <a:off x="9519564" y="2722424"/>
+                      <a:off x="9872876" y="3037008"/>
                       <a:ext cx="451690" cy="345351"/>
                     </a:xfrm>
                     <a:prstGeom prst="rect">
                       <a:avLst/>
                     </a:prstGeom>
-                    <a:blipFill>
+                    <a:blipFill rotWithShape="0">
                       <a:blip r:embed="rId4"/>
                       <a:stretch>
-                        <a:fillRect b="-8929"/>
+                        <a:fillRect b="-8772"/>
                       </a:stretch>
                     </a:blipFill>
                   </p:spPr>
@@ -34580,7 +34059,7 @@
                               <m:sSubPr>
                                 <m:ctrlPr>
                                   <a:rPr lang="en-US" sz="2000" b="0" i="1" smtClean="0">
-                                    <a:latin typeface="Cambria Math" panose="02040503050406030204" pitchFamily="18" charset="0"/>
+                                    <a:latin typeface="Cambria Math" charset="0"/>
                                     <a:cs typeface="Arial" panose="020B0604020202020204" pitchFamily="34" charset="0"/>
                                   </a:rPr>
                                 </m:ctrlPr>
@@ -34591,7 +34070,7 @@
                                     <m:chr m:val="⃗"/>
                                     <m:ctrlPr>
                                       <a:rPr lang="en-US" sz="2000" b="0" i="1" smtClean="0">
-                                        <a:latin typeface="Cambria Math" panose="02040503050406030204" pitchFamily="18" charset="0"/>
+                                        <a:latin typeface="Cambria Math" charset="0"/>
                                         <a:cs typeface="Arial" panose="020B0604020202020204" pitchFamily="34" charset="0"/>
                                       </a:rPr>
                                     </m:ctrlPr>
@@ -34675,7 +34154,7 @@
               </p:nvSpPr>
               <p:spPr>
                 <a:xfrm rot="10800000">
-                  <a:off x="7198521" y="2200785"/>
+                  <a:off x="7420751" y="2404906"/>
                   <a:ext cx="747741" cy="144093"/>
                 </a:xfrm>
                 <a:prstGeom prst="rightArrow">
@@ -34715,8 +34194,8 @@
                 </a:p>
               </p:txBody>
             </p:sp>
-            <mc:AlternateContent xmlns:mc="http://schemas.openxmlformats.org/markup-compatibility/2006" xmlns:a14="http://schemas.microsoft.com/office/drawing/2010/main">
-              <mc:Choice Requires="a14">
+            <mc:AlternateContent xmlns:mc="http://schemas.openxmlformats.org/markup-compatibility/2006">
+              <mc:Choice xmlns:a14="http://schemas.microsoft.com/office/drawing/2010/main" Requires="a14">
                 <p:sp>
                   <p:nvSpPr>
                     <p:cNvPr id="51" name="TextBox 50"/>
@@ -34725,7 +34204,7 @@
                   </p:nvSpPr>
                   <p:spPr>
                     <a:xfrm>
-                      <a:off x="7065073" y="2432466"/>
+                      <a:off x="7287303" y="2636587"/>
                       <a:ext cx="507318" cy="307777"/>
                     </a:xfrm>
                     <a:prstGeom prst="rect">
@@ -34750,7 +34229,7 @@
                               <m:sSubPr>
                                 <m:ctrlPr>
                                   <a:rPr lang="en-US" sz="2000" b="0" i="1" smtClean="0">
-                                    <a:latin typeface="Cambria Math" panose="02040503050406030204" pitchFamily="18" charset="0"/>
+                                    <a:latin typeface="Cambria Math" charset="0"/>
                                     <a:cs typeface="Arial" panose="020B0604020202020204" pitchFamily="34" charset="0"/>
                                   </a:rPr>
                                 </m:ctrlPr>
@@ -34761,7 +34240,7 @@
                                     <m:chr m:val="⃗"/>
                                     <m:ctrlPr>
                                       <a:rPr lang="en-US" sz="2000" b="0" i="1" smtClean="0">
-                                        <a:latin typeface="Cambria Math" panose="02040503050406030204" pitchFamily="18" charset="0"/>
+                                        <a:latin typeface="Cambria Math" charset="0"/>
                                         <a:cs typeface="Arial" panose="020B0604020202020204" pitchFamily="34" charset="0"/>
                                       </a:rPr>
                                     </m:ctrlPr>
@@ -34798,7 +34277,7 @@
                   </p:txBody>
                 </p:sp>
               </mc:Choice>
-              <mc:Fallback xmlns="">
+              <mc:Fallback>
                 <p:sp>
                   <p:nvSpPr>
                     <p:cNvPr id="51" name="TextBox 50"/>
@@ -34809,16 +34288,16 @@
                   </p:nvSpPr>
                   <p:spPr>
                     <a:xfrm>
-                      <a:off x="7065073" y="2432466"/>
+                      <a:off x="7287303" y="2636587"/>
                       <a:ext cx="507318" cy="307777"/>
                     </a:xfrm>
                     <a:prstGeom prst="rect">
                       <a:avLst/>
                     </a:prstGeom>
-                    <a:blipFill>
+                    <a:blipFill rotWithShape="0">
                       <a:blip r:embed="rId6"/>
                       <a:stretch>
-                        <a:fillRect l="-9639" t="-33333" r="-16867" b="-19608"/>
+                        <a:fillRect l="-8333" t="-36000" r="-11905" b="-20000"/>
                       </a:stretch>
                     </a:blipFill>
                   </p:spPr>
@@ -35224,8 +34703,8 @@
             </p:nvCxnSpPr>
             <p:spPr>
               <a:xfrm>
-                <a:off x="9500316" y="2002819"/>
-                <a:ext cx="854471" cy="1632173"/>
+                <a:off x="7857357" y="898349"/>
+                <a:ext cx="1103763" cy="1174548"/>
               </a:xfrm>
               <a:prstGeom prst="straightConnector1">
                 <a:avLst/>
@@ -35253,8 +34732,8 @@
               </a:fontRef>
             </p:style>
           </p:cxnSp>
-          <mc:AlternateContent xmlns:mc="http://schemas.openxmlformats.org/markup-compatibility/2006" xmlns:a14="http://schemas.microsoft.com/office/drawing/2010/main">
-            <mc:Choice Requires="a14">
+          <mc:AlternateContent xmlns:mc="http://schemas.openxmlformats.org/markup-compatibility/2006">
+            <mc:Choice xmlns:a14="http://schemas.microsoft.com/office/drawing/2010/main" Requires="a14">
               <p:sp>
                 <p:nvSpPr>
                   <p:cNvPr id="66" name="TextBox 65"/>
@@ -35263,7 +34742,7 @@
                 </p:nvSpPr>
                 <p:spPr>
                   <a:xfrm>
-                    <a:off x="10075444" y="2318956"/>
+                    <a:off x="8612081" y="933186"/>
                     <a:ext cx="213200" cy="574196"/>
                   </a:xfrm>
                   <a:prstGeom prst="rect">
@@ -35288,7 +34767,7 @@
                             <m:fPr>
                               <m:ctrlPr>
                                 <a:rPr lang="en-US" sz="2000" b="0" i="1" smtClean="0">
-                                  <a:latin typeface="Cambria Math" panose="02040503050406030204" pitchFamily="18" charset="0"/>
+                                  <a:latin typeface="Cambria Math" charset="0"/>
                                   <a:cs typeface="Arial" panose="020B0604020202020204" pitchFamily="34" charset="0"/>
                                 </a:rPr>
                               </m:ctrlPr>
@@ -35323,7 +34802,7 @@
                 </p:txBody>
               </p:sp>
             </mc:Choice>
-            <mc:Fallback xmlns="">
+            <mc:Fallback>
               <p:sp>
                 <p:nvSpPr>
                   <p:cNvPr id="66" name="TextBox 65"/>
@@ -35334,13 +34813,13 @@
                 </p:nvSpPr>
                 <p:spPr>
                   <a:xfrm>
-                    <a:off x="10075444" y="2318956"/>
+                    <a:off x="8612081" y="933186"/>
                     <a:ext cx="213200" cy="574196"/>
                   </a:xfrm>
                   <a:prstGeom prst="rect">
                     <a:avLst/>
                   </a:prstGeom>
-                  <a:blipFill>
+                  <a:blipFill rotWithShape="0">
                     <a:blip r:embed="rId30"/>
                     <a:stretch>
                       <a:fillRect/>
@@ -35370,7 +34849,7 @@
             </p:nvSpPr>
             <p:spPr>
               <a:xfrm>
-                <a:off x="8716530" y="2232679"/>
+                <a:off x="8704338" y="2427751"/>
                 <a:ext cx="120943" cy="119766"/>
               </a:xfrm>
               <a:prstGeom prst="ellipse">
@@ -35410,8 +34889,8 @@
               </a:p>
             </p:txBody>
           </p:sp>
-          <mc:AlternateContent xmlns:mc="http://schemas.openxmlformats.org/markup-compatibility/2006" xmlns:a14="http://schemas.microsoft.com/office/drawing/2010/main">
-            <mc:Choice Requires="a14">
+          <mc:AlternateContent xmlns:mc="http://schemas.openxmlformats.org/markup-compatibility/2006">
+            <mc:Choice xmlns:a14="http://schemas.microsoft.com/office/drawing/2010/main" Requires="a14">
               <p:sp>
                 <p:nvSpPr>
                   <p:cNvPr id="68" name="TextBox 67"/>
@@ -35420,7 +34899,7 @@
                 </p:nvSpPr>
                 <p:spPr>
                   <a:xfrm>
-                    <a:off x="8429428" y="1870829"/>
+                    <a:off x="8292333" y="2088348"/>
                     <a:ext cx="447110" cy="307777"/>
                   </a:xfrm>
                   <a:prstGeom prst="rect">
@@ -35459,7 +34938,7 @@
                 </p:txBody>
               </p:sp>
             </mc:Choice>
-            <mc:Fallback xmlns="">
+            <mc:Fallback>
               <p:sp>
                 <p:nvSpPr>
                   <p:cNvPr id="68" name="TextBox 67"/>
@@ -35470,16 +34949,16 @@
                 </p:nvSpPr>
                 <p:spPr>
                   <a:xfrm>
-                    <a:off x="8429428" y="1870829"/>
+                    <a:off x="8292333" y="2088348"/>
                     <a:ext cx="447110" cy="307777"/>
                   </a:xfrm>
                   <a:prstGeom prst="rect">
                     <a:avLst/>
                   </a:prstGeom>
-                  <a:blipFill>
+                  <a:blipFill rotWithShape="0">
                     <a:blip r:embed="rId31"/>
                     <a:stretch>
-                      <a:fillRect l="-12329" r="-10959" b="-10000"/>
+                      <a:fillRect l="-12162" r="-10811" b="-14000"/>
                     </a:stretch>
                   </a:blipFill>
                 </p:spPr>
@@ -35499,8 +34978,8 @@
             </mc:Fallback>
           </mc:AlternateContent>
         </p:grpSp>
-        <mc:AlternateContent xmlns:mc="http://schemas.openxmlformats.org/markup-compatibility/2006" xmlns:a14="http://schemas.microsoft.com/office/drawing/2010/main">
-          <mc:Choice Requires="a14">
+        <mc:AlternateContent xmlns:mc="http://schemas.openxmlformats.org/markup-compatibility/2006">
+          <mc:Choice xmlns:a14="http://schemas.microsoft.com/office/drawing/2010/main" Requires="a14">
             <p:sp>
               <p:nvSpPr>
                 <p:cNvPr id="71" name="TextBox 70"/>
@@ -35509,7 +34988,7 @@
               </p:nvSpPr>
               <p:spPr>
                 <a:xfrm>
-                  <a:off x="9105006" y="3810597"/>
+                  <a:off x="9483316" y="3822774"/>
                   <a:ext cx="222304" cy="307777"/>
                 </a:xfrm>
                 <a:prstGeom prst="rect">
@@ -35548,7 +35027,7 @@
               </p:txBody>
             </p:sp>
           </mc:Choice>
-          <mc:Fallback xmlns="">
+          <mc:Fallback>
             <p:sp>
               <p:nvSpPr>
                 <p:cNvPr id="71" name="TextBox 70"/>
@@ -35559,13 +35038,13 @@
               </p:nvSpPr>
               <p:spPr>
                 <a:xfrm>
-                  <a:off x="9105006" y="3810597"/>
+                  <a:off x="9483316" y="3822774"/>
                   <a:ext cx="222304" cy="307777"/>
                 </a:xfrm>
                 <a:prstGeom prst="rect">
                   <a:avLst/>
                 </a:prstGeom>
-                <a:blipFill>
+                <a:blipFill rotWithShape="0">
                   <a:blip r:embed="rId32"/>
                   <a:stretch>
                     <a:fillRect l="-25000" r="-25000" b="-9804"/>
@@ -35587,6 +35066,236 @@
             </p:sp>
           </mc:Fallback>
         </mc:AlternateContent>
+      </p:grpSp>
+      <p:sp>
+        <p:nvSpPr>
+          <p:cNvPr id="3" name="TextBox 2"/>
+          <p:cNvSpPr txBox="1"/>
+          <p:nvPr/>
+        </p:nvSpPr>
+        <p:spPr>
+          <a:xfrm>
+            <a:off x="2133600" y="1658112"/>
+            <a:ext cx="184731" cy="400110"/>
+          </a:xfrm>
+          <a:prstGeom prst="rect">
+            <a:avLst/>
+          </a:prstGeom>
+          <a:noFill/>
+        </p:spPr>
+        <p:txBody>
+          <a:bodyPr wrap="none" rtlCol="0">
+            <a:spAutoFit/>
+          </a:bodyPr>
+          <a:lstStyle/>
+          <a:p>
+            <a:endParaRPr lang="en-US" sz="2000" dirty="0" smtClean="0">
+              <a:latin typeface="Arial" panose="020B0604020202020204" pitchFamily="34" charset="0"/>
+              <a:cs typeface="Arial" panose="020B0604020202020204" pitchFamily="34" charset="0"/>
+            </a:endParaRPr>
+          </a:p>
+        </p:txBody>
+      </p:sp>
+      <p:grpSp>
+        <p:nvGrpSpPr>
+          <p:cNvPr id="17" name="Group 16"/>
+          <p:cNvGrpSpPr/>
+          <p:nvPr/>
+        </p:nvGrpSpPr>
+        <p:grpSpPr>
+          <a:xfrm>
+            <a:off x="231048" y="2061220"/>
+            <a:ext cx="5899759" cy="3428599"/>
+            <a:chOff x="231048" y="2061220"/>
+            <a:chExt cx="5899759" cy="3428599"/>
+          </a:xfrm>
+        </p:grpSpPr>
+        <p:grpSp>
+          <p:nvGrpSpPr>
+            <p:cNvPr id="73" name="Group 72"/>
+            <p:cNvGrpSpPr/>
+            <p:nvPr/>
+          </p:nvGrpSpPr>
+          <p:grpSpPr>
+            <a:xfrm>
+              <a:off x="231048" y="4534985"/>
+              <a:ext cx="5899759" cy="665122"/>
+              <a:chOff x="201169" y="4520708"/>
+              <a:chExt cx="5899759" cy="665122"/>
+            </a:xfrm>
+          </p:grpSpPr>
+          <p:sp>
+            <p:nvSpPr>
+              <p:cNvPr id="13" name="Rectangle 12"/>
+              <p:cNvSpPr/>
+              <p:nvPr/>
+            </p:nvSpPr>
+            <p:spPr>
+              <a:xfrm>
+                <a:off x="201169" y="4920040"/>
+                <a:ext cx="5899759" cy="265790"/>
+              </a:xfrm>
+              <a:prstGeom prst="rect">
+                <a:avLst/>
+              </a:prstGeom>
+              <a:solidFill>
+                <a:schemeClr val="accent1">
+                  <a:lumMod val="60000"/>
+                  <a:lumOff val="40000"/>
+                </a:schemeClr>
+              </a:solidFill>
+              <a:ln w="38100">
+                <a:solidFill>
+                  <a:schemeClr val="accent1">
+                    <a:lumMod val="60000"/>
+                    <a:lumOff val="40000"/>
+                  </a:schemeClr>
+                </a:solidFill>
+              </a:ln>
+            </p:spPr>
+            <p:style>
+              <a:lnRef idx="2">
+                <a:schemeClr val="accent1">
+                  <a:shade val="50000"/>
+                </a:schemeClr>
+              </a:lnRef>
+              <a:fillRef idx="1">
+                <a:schemeClr val="accent1"/>
+              </a:fillRef>
+              <a:effectRef idx="0">
+                <a:schemeClr val="accent1"/>
+              </a:effectRef>
+              <a:fontRef idx="minor">
+                <a:schemeClr val="lt1"/>
+              </a:fontRef>
+            </p:style>
+            <p:txBody>
+              <a:bodyPr rtlCol="0" anchor="ctr"/>
+              <a:lstStyle/>
+              <a:p>
+                <a:pPr algn="ctr"/>
+                <a:endParaRPr lang="en-US"/>
+              </a:p>
+            </p:txBody>
+          </p:sp>
+          <mc:AlternateContent xmlns:mc="http://schemas.openxmlformats.org/markup-compatibility/2006" xmlns:a14="http://schemas.microsoft.com/office/drawing/2010/main">
+            <mc:Choice Requires="a14">
+              <p:sp>
+                <p:nvSpPr>
+                  <p:cNvPr id="70" name="TextBox 69"/>
+                  <p:cNvSpPr txBox="1"/>
+                  <p:nvPr/>
+                </p:nvSpPr>
+                <p:spPr>
+                  <a:xfrm>
+                    <a:off x="3039896" y="4520708"/>
+                    <a:ext cx="222304" cy="307777"/>
+                  </a:xfrm>
+                  <a:prstGeom prst="rect">
+                    <a:avLst/>
+                  </a:prstGeom>
+                  <a:noFill/>
+                </p:spPr>
+                <p:txBody>
+                  <a:bodyPr wrap="none" lIns="0" tIns="0" rIns="0" bIns="0" rtlCol="0">
+                    <a:spAutoFit/>
+                  </a:bodyPr>
+                  <a:lstStyle/>
+                  <a:p>
+                    <a:pPr/>
+                    <a14:m>
+                      <m:oMathPara xmlns:m="http://schemas.openxmlformats.org/officeDocument/2006/math">
+                        <m:oMathParaPr>
+                          <m:jc m:val="centerGroup"/>
+                        </m:oMathParaPr>
+                        <m:oMath xmlns:m="http://schemas.openxmlformats.org/officeDocument/2006/math">
+                          <m:r>
+                            <a:rPr lang="en-US" sz="2000" b="0" i="1" smtClean="0">
+                              <a:latin typeface="Cambria Math" panose="02040503050406030204" pitchFamily="18" charset="0"/>
+                              <a:cs typeface="Arial" panose="020B0604020202020204" pitchFamily="34" charset="0"/>
+                            </a:rPr>
+                            <m:t>𝜃</m:t>
+                          </m:r>
+                        </m:oMath>
+                      </m:oMathPara>
+                    </a14:m>
+                    <a:endParaRPr lang="en-US" sz="2000" dirty="0" smtClean="0">
+                      <a:latin typeface="Arial" panose="020B0604020202020204" pitchFamily="34" charset="0"/>
+                      <a:cs typeface="Arial" panose="020B0604020202020204" pitchFamily="34" charset="0"/>
+                    </a:endParaRPr>
+                  </a:p>
+                </p:txBody>
+              </p:sp>
+            </mc:Choice>
+            <mc:Fallback xmlns="">
+              <p:sp>
+                <p:nvSpPr>
+                  <p:cNvPr id="70" name="TextBox 69"/>
+                  <p:cNvSpPr txBox="1">
+                    <a:spLocks noRot="1" noChangeAspect="1" noMove="1" noResize="1" noEditPoints="1" noAdjustHandles="1" noChangeArrowheads="1" noChangeShapeType="1" noTextEdit="1"/>
+                  </p:cNvSpPr>
+                  <p:nvPr/>
+                </p:nvSpPr>
+                <p:spPr>
+                  <a:xfrm>
+                    <a:off x="3039896" y="4520708"/>
+                    <a:ext cx="222304" cy="307777"/>
+                  </a:xfrm>
+                  <a:prstGeom prst="rect">
+                    <a:avLst/>
+                  </a:prstGeom>
+                  <a:blipFill>
+                    <a:blip r:embed="rId2"/>
+                    <a:stretch>
+                      <a:fillRect l="-25000" r="-25000" b="-12000"/>
+                    </a:stretch>
+                  </a:blipFill>
+                </p:spPr>
+                <p:txBody>
+                  <a:bodyPr/>
+                  <a:lstStyle/>
+                  <a:p>
+                    <a:r>
+                      <a:rPr lang="en-US">
+                        <a:noFill/>
+                      </a:rPr>
+                      <a:t> </a:t>
+                    </a:r>
+                  </a:p>
+                </p:txBody>
+              </p:sp>
+            </mc:Fallback>
+          </mc:AlternateContent>
+        </p:grpSp>
+        <p:pic>
+          <p:nvPicPr>
+            <p:cNvPr id="16" name="Picture 15"/>
+            <p:cNvPicPr>
+              <a:picLocks noChangeAspect="1"/>
+            </p:cNvPicPr>
+            <p:nvPr/>
+          </p:nvPicPr>
+          <p:blipFill rotWithShape="1">
+            <a:blip r:embed="rId33">
+              <a:extLst>
+                <a:ext uri="{28A0092B-C50C-407E-A947-70E740481C1C}">
+                  <a14:useLocalDpi xmlns:a14="http://schemas.microsoft.com/office/drawing/2010/main" val="0"/>
+                </a:ext>
+              </a:extLst>
+            </a:blip>
+            <a:srcRect t="33839" b="11209"/>
+            <a:stretch/>
+          </p:blipFill>
+          <p:spPr>
+            <a:xfrm rot="366768" flipH="1">
+              <a:off x="1244408" y="2061220"/>
+              <a:ext cx="4821241" cy="3428599"/>
+            </a:xfrm>
+            <a:prstGeom prst="rect">
+              <a:avLst/>
+            </a:prstGeom>
+          </p:spPr>
+        </p:pic>
       </p:grpSp>
     </p:spTree>
     <p:extLst>
@@ -35620,63 +35329,63 @@
       </p:grpSpPr>
       <p:grpSp>
         <p:nvGrpSpPr>
-          <p:cNvPr id="34" name="Group 33"/>
+          <p:cNvPr id="2" name="Group 1"/>
           <p:cNvGrpSpPr/>
           <p:nvPr/>
         </p:nvGrpSpPr>
         <p:grpSpPr>
           <a:xfrm>
-            <a:off x="714737" y="1106644"/>
-            <a:ext cx="5899759" cy="3960087"/>
-            <a:chOff x="1641662" y="1419795"/>
-            <a:chExt cx="5899759" cy="3960087"/>
+            <a:off x="5248841" y="658517"/>
+            <a:ext cx="5899759" cy="3789758"/>
+            <a:chOff x="5248841" y="658517"/>
+            <a:chExt cx="5899759" cy="3789758"/>
           </a:xfrm>
         </p:grpSpPr>
         <p:grpSp>
           <p:nvGrpSpPr>
-            <p:cNvPr id="4" name="Group 3"/>
+            <p:cNvPr id="30" name="Group 29"/>
             <p:cNvGrpSpPr/>
             <p:nvPr/>
           </p:nvGrpSpPr>
           <p:grpSpPr>
             <a:xfrm>
-              <a:off x="1641662" y="1419795"/>
-              <a:ext cx="5899759" cy="3960087"/>
-              <a:chOff x="6100928" y="424077"/>
-              <a:chExt cx="5899759" cy="3960087"/>
+              <a:off x="5248841" y="658517"/>
+              <a:ext cx="5899759" cy="3789758"/>
+              <a:chOff x="6100928" y="691476"/>
+              <a:chExt cx="5899759" cy="3789758"/>
             </a:xfrm>
           </p:grpSpPr>
           <p:grpSp>
             <p:nvGrpSpPr>
-              <p:cNvPr id="5" name="Group 4"/>
+              <p:cNvPr id="32" name="Group 31"/>
               <p:cNvGrpSpPr/>
               <p:nvPr/>
             </p:nvGrpSpPr>
             <p:grpSpPr>
               <a:xfrm>
-                <a:off x="6100928" y="424077"/>
-                <a:ext cx="5899759" cy="3960087"/>
-                <a:chOff x="6100928" y="424077"/>
-                <a:chExt cx="5899759" cy="3960087"/>
+                <a:off x="6100928" y="691476"/>
+                <a:ext cx="5899759" cy="3789758"/>
+                <a:chOff x="6100928" y="691476"/>
+                <a:chExt cx="5899759" cy="3789758"/>
               </a:xfrm>
             </p:grpSpPr>
             <p:grpSp>
               <p:nvGrpSpPr>
-                <p:cNvPr id="7" name="Group 6"/>
+                <p:cNvPr id="36" name="Group 35"/>
                 <p:cNvGrpSpPr/>
                 <p:nvPr/>
               </p:nvGrpSpPr>
               <p:grpSpPr>
                 <a:xfrm>
-                  <a:off x="6100928" y="424077"/>
-                  <a:ext cx="5899759" cy="3960087"/>
-                  <a:chOff x="6100928" y="424077"/>
-                  <a:chExt cx="5899759" cy="3960087"/>
+                  <a:off x="6100928" y="691476"/>
+                  <a:ext cx="5899759" cy="3789758"/>
+                  <a:chOff x="6100928" y="691476"/>
+                  <a:chExt cx="5899759" cy="3789758"/>
                 </a:xfrm>
               </p:grpSpPr>
               <p:sp>
                 <p:nvSpPr>
-                  <p:cNvPr id="12" name="Rectangle 11"/>
+                  <p:cNvPr id="41" name="Rectangle 40"/>
                   <p:cNvSpPr/>
                   <p:nvPr/>
                 </p:nvSpPr>
@@ -35730,13 +35439,13 @@
               </p:sp>
               <p:cxnSp>
                 <p:nvCxnSpPr>
-                  <p:cNvPr id="13" name="Straight Arrow Connector 12"/>
+                  <p:cNvPr id="42" name="Straight Arrow Connector 41"/>
                   <p:cNvCxnSpPr/>
                   <p:nvPr/>
                 </p:nvCxnSpPr>
                 <p:spPr>
                   <a:xfrm>
-                    <a:off x="8786360" y="2262734"/>
+                    <a:off x="8774168" y="2457806"/>
                     <a:ext cx="12526" cy="1470022"/>
                   </a:xfrm>
                   <a:prstGeom prst="straightConnector1">
@@ -35766,13 +35475,13 @@
               </p:cxnSp>
               <p:cxnSp>
                 <p:nvCxnSpPr>
-                  <p:cNvPr id="14" name="Straight Arrow Connector 13"/>
+                  <p:cNvPr id="43" name="Straight Arrow Connector 42"/>
                   <p:cNvCxnSpPr/>
                   <p:nvPr/>
                 </p:nvCxnSpPr>
                 <p:spPr>
                   <a:xfrm flipV="1">
-                    <a:off x="9508613" y="2586355"/>
+                    <a:off x="9940403" y="2660529"/>
                     <a:ext cx="651" cy="1470022"/>
                   </a:xfrm>
                   <a:prstGeom prst="straightConnector1">
@@ -35802,13 +35511,13 @@
               </p:cxnSp>
               <p:cxnSp>
                 <p:nvCxnSpPr>
-                  <p:cNvPr id="15" name="Straight Arrow Connector 14"/>
+                  <p:cNvPr id="44" name="Straight Arrow Connector 43"/>
                   <p:cNvCxnSpPr/>
                   <p:nvPr/>
                 </p:nvCxnSpPr>
                 <p:spPr>
                   <a:xfrm flipH="1">
-                    <a:off x="8243813" y="4093267"/>
+                    <a:off x="8674952" y="4102922"/>
                     <a:ext cx="1265451" cy="0"/>
                   </a:xfrm>
                   <a:prstGeom prst="straightConnector1">
@@ -35838,13 +35547,13 @@
               </p:cxnSp>
               <p:sp>
                 <p:nvSpPr>
-                  <p:cNvPr id="16" name="Rounded Rectangle 15"/>
+                  <p:cNvPr id="45" name="Rounded Rectangle 44"/>
                   <p:cNvSpPr/>
                   <p:nvPr/>
                 </p:nvSpPr>
                 <p:spPr>
-                  <a:xfrm rot="19844756">
-                    <a:off x="8496613" y="424077"/>
+                  <a:xfrm rot="18955105">
+                    <a:off x="8559452" y="691476"/>
                     <a:ext cx="550420" cy="3789758"/>
                   </a:xfrm>
                   <a:prstGeom prst="roundRect">
@@ -35886,7 +35595,7 @@
                 <mc:Choice Requires="a14">
                   <p:sp>
                     <p:nvSpPr>
-                      <p:cNvPr id="17" name="TextBox 16"/>
+                      <p:cNvPr id="46" name="TextBox 45"/>
                       <p:cNvSpPr txBox="1"/>
                       <p:nvPr/>
                     </p:nvSpPr>
@@ -35917,7 +35626,7 @@
                                 <m:sSubPr>
                                   <m:ctrlPr>
                                     <a:rPr lang="en-US" sz="2000" b="0" i="1" smtClean="0">
-                                      <a:latin typeface="Cambria Math" panose="02040503050406030204" pitchFamily="18" charset="0"/>
+                                      <a:latin typeface="Cambria Math" charset="0"/>
                                       <a:cs typeface="Arial" panose="020B0604020202020204" pitchFamily="34" charset="0"/>
                                     </a:rPr>
                                   </m:ctrlPr>
@@ -35928,7 +35637,7 @@
                                       <m:chr m:val="⃗"/>
                                       <m:ctrlPr>
                                         <a:rPr lang="en-US" sz="2000" b="0" i="1" smtClean="0">
-                                          <a:latin typeface="Cambria Math" panose="02040503050406030204" pitchFamily="18" charset="0"/>
+                                          <a:latin typeface="Cambria Math" charset="0"/>
                                           <a:cs typeface="Arial" panose="020B0604020202020204" pitchFamily="34" charset="0"/>
                                         </a:rPr>
                                       </m:ctrlPr>
@@ -35968,7 +35677,7 @@
                 <mc:Fallback xmlns="">
                   <p:sp>
                     <p:nvSpPr>
-                      <p:cNvPr id="17" name="TextBox 16"/>
+                      <p:cNvPr id="47" name="TextBox 46"/>
                       <p:cNvSpPr txBox="1">
                         <a:spLocks noRot="1" noChangeAspect="1" noMove="1" noResize="1" noEditPoints="1" noAdjustHandles="1" noChangeArrowheads="1" noChangeShapeType="1" noTextEdit="1"/>
                       </p:cNvSpPr>
@@ -35983,9 +35692,9 @@
                         <a:avLst/>
                       </a:prstGeom>
                       <a:blipFill>
-                        <a:blip r:embed="rId2"/>
+                        <a:blip r:embed="rId3"/>
                         <a:stretch>
-                          <a:fillRect t="-30645" r="-51351" b="-17742"/>
+                          <a:fillRect t="-30645" r="-50000" b="-17742"/>
                         </a:stretch>
                       </a:blipFill>
                     </p:spPr>
@@ -36004,17 +35713,17 @@
                   </p:sp>
                 </mc:Fallback>
               </mc:AlternateContent>
-              <mc:AlternateContent xmlns:mc="http://schemas.openxmlformats.org/markup-compatibility/2006" xmlns:a14="http://schemas.microsoft.com/office/drawing/2010/main">
-                <mc:Choice Requires="a14">
+              <mc:AlternateContent xmlns:mc="http://schemas.openxmlformats.org/markup-compatibility/2006">
+                <mc:Choice xmlns:a14="http://schemas.microsoft.com/office/drawing/2010/main" Requires="a14">
                   <p:sp>
                     <p:nvSpPr>
-                      <p:cNvPr id="18" name="TextBox 17"/>
+                      <p:cNvPr id="47" name="TextBox 46"/>
                       <p:cNvSpPr txBox="1"/>
                       <p:nvPr/>
                     </p:nvSpPr>
                     <p:spPr>
                       <a:xfrm>
-                        <a:off x="9519564" y="2722424"/>
+                        <a:off x="9872876" y="3037008"/>
                         <a:ext cx="451690" cy="345351"/>
                       </a:xfrm>
                       <a:prstGeom prst="rect">
@@ -36040,7 +35749,7 @@
                                   <m:chr m:val="⃗"/>
                                   <m:ctrlPr>
                                     <a:rPr lang="en-US" sz="2000" b="0" i="1" smtClean="0">
-                                      <a:latin typeface="Cambria Math" panose="02040503050406030204" pitchFamily="18" charset="0"/>
+                                      <a:latin typeface="Cambria Math" charset="0"/>
                                       <a:cs typeface="Arial" panose="020B0604020202020204" pitchFamily="34" charset="0"/>
                                     </a:rPr>
                                   </m:ctrlPr>
@@ -36066,10 +35775,10 @@
                     </p:txBody>
                   </p:sp>
                 </mc:Choice>
-                <mc:Fallback xmlns="">
+                <mc:Fallback>
                   <p:sp>
                     <p:nvSpPr>
-                      <p:cNvPr id="18" name="TextBox 17"/>
+                      <p:cNvPr id="47" name="TextBox 46"/>
                       <p:cNvSpPr txBox="1">
                         <a:spLocks noRot="1" noChangeAspect="1" noMove="1" noResize="1" noEditPoints="1" noAdjustHandles="1" noChangeArrowheads="1" noChangeShapeType="1" noTextEdit="1"/>
                       </p:cNvSpPr>
@@ -36077,14 +35786,14 @@
                     </p:nvSpPr>
                     <p:spPr>
                       <a:xfrm>
-                        <a:off x="9519564" y="2722424"/>
+                        <a:off x="9872876" y="3037008"/>
                         <a:ext cx="451690" cy="345351"/>
                       </a:xfrm>
                       <a:prstGeom prst="rect">
                         <a:avLst/>
                       </a:prstGeom>
-                      <a:blipFill>
-                        <a:blip r:embed="rId3"/>
+                      <a:blipFill rotWithShape="0">
+                        <a:blip r:embed="rId4"/>
                         <a:stretch>
                           <a:fillRect b="-8929"/>
                         </a:stretch>
@@ -36109,7 +35818,7 @@
                 <mc:Choice Requires="a14">
                   <p:sp>
                     <p:nvSpPr>
-                      <p:cNvPr id="19" name="TextBox 18"/>
+                      <p:cNvPr id="48" name="TextBox 47"/>
                       <p:cNvSpPr txBox="1"/>
                       <p:nvPr/>
                     </p:nvSpPr>
@@ -36140,7 +35849,7 @@
                                 <m:sSubPr>
                                   <m:ctrlPr>
                                     <a:rPr lang="en-US" sz="2000" b="0" i="1" smtClean="0">
-                                      <a:latin typeface="Cambria Math" panose="02040503050406030204" pitchFamily="18" charset="0"/>
+                                      <a:latin typeface="Cambria Math" charset="0"/>
                                       <a:cs typeface="Arial" panose="020B0604020202020204" pitchFamily="34" charset="0"/>
                                     </a:rPr>
                                   </m:ctrlPr>
@@ -36151,7 +35860,7 @@
                                       <m:chr m:val="⃗"/>
                                       <m:ctrlPr>
                                         <a:rPr lang="en-US" sz="2000" b="0" i="1" smtClean="0">
-                                          <a:latin typeface="Cambria Math" panose="02040503050406030204" pitchFamily="18" charset="0"/>
+                                          <a:latin typeface="Cambria Math" charset="0"/>
                                           <a:cs typeface="Arial" panose="020B0604020202020204" pitchFamily="34" charset="0"/>
                                         </a:rPr>
                                       </m:ctrlPr>
@@ -36191,7 +35900,7 @@
                 <mc:Fallback xmlns="">
                   <p:sp>
                     <p:nvSpPr>
-                      <p:cNvPr id="19" name="TextBox 18"/>
+                      <p:cNvPr id="49" name="TextBox 48"/>
                       <p:cNvSpPr txBox="1">
                         <a:spLocks noRot="1" noChangeAspect="1" noMove="1" noResize="1" noEditPoints="1" noAdjustHandles="1" noChangeArrowheads="1" noChangeShapeType="1" noTextEdit="1"/>
                       </p:cNvSpPr>
@@ -36206,9 +35915,9 @@
                         <a:avLst/>
                       </a:prstGeom>
                       <a:blipFill>
-                        <a:blip r:embed="rId4"/>
+                        <a:blip r:embed="rId5"/>
                         <a:stretch>
-                          <a:fillRect t="-32759" r="-55405" b="-32759"/>
+                          <a:fillRect t="-32759" r="-54054" b="-32759"/>
                         </a:stretch>
                       </a:blipFill>
                     </p:spPr>
@@ -36229,7 +35938,7 @@
               </mc:AlternateContent>
               <p:grpSp>
                 <p:nvGrpSpPr>
-                  <p:cNvPr id="22" name="Group 21"/>
+                  <p:cNvPr id="51" name="Group 50"/>
                   <p:cNvGrpSpPr/>
                   <p:nvPr/>
                 </p:nvGrpSpPr>
@@ -36243,7 +35952,7 @@
                 </p:grpSpPr>
                 <p:grpSp>
                   <p:nvGrpSpPr>
-                    <p:cNvPr id="23" name="Group 22"/>
+                    <p:cNvPr id="52" name="Group 51"/>
                     <p:cNvGrpSpPr/>
                     <p:nvPr/>
                   </p:nvGrpSpPr>
@@ -36257,7 +35966,7 @@
                   </p:grpSpPr>
                   <p:cxnSp>
                     <p:nvCxnSpPr>
-                      <p:cNvPr id="25" name="Straight Arrow Connector 24"/>
+                      <p:cNvPr id="54" name="Straight Arrow Connector 53"/>
                       <p:cNvCxnSpPr/>
                       <p:nvPr/>
                     </p:nvCxnSpPr>
@@ -36293,7 +36002,7 @@
                   </p:cxnSp>
                   <p:cxnSp>
                     <p:nvCxnSpPr>
-                      <p:cNvPr id="26" name="Straight Arrow Connector 25"/>
+                      <p:cNvPr id="55" name="Straight Arrow Connector 54"/>
                       <p:cNvCxnSpPr/>
                       <p:nvPr/>
                     </p:nvCxnSpPr>
@@ -36331,7 +36040,7 @@
                     <mc:Choice Requires="a14">
                       <p:sp>
                         <p:nvSpPr>
-                          <p:cNvPr id="27" name="Rectangle 26"/>
+                          <p:cNvPr id="56" name="Rectangle 55"/>
                           <p:cNvSpPr/>
                           <p:nvPr/>
                         </p:nvSpPr>
@@ -36415,7 +36124,7 @@
                     <mc:Choice Requires="a14">
                       <p:sp>
                         <p:nvSpPr>
-                          <p:cNvPr id="28" name="Rectangle 27"/>
+                          <p:cNvPr id="57" name="Rectangle 56"/>
                           <p:cNvSpPr/>
                           <p:nvPr/>
                         </p:nvSpPr>
@@ -36498,7 +36207,7 @@
                     <mc:Choice Requires="a14">
                       <p:sp>
                         <p:nvSpPr>
-                          <p:cNvPr id="29" name="Rectangle 28"/>
+                          <p:cNvPr id="58" name="Rectangle 57"/>
                           <p:cNvSpPr/>
                           <p:nvPr/>
                         </p:nvSpPr>
@@ -36581,7 +36290,7 @@
                 </p:grpSp>
                 <p:sp>
                   <p:nvSpPr>
-                    <p:cNvPr id="24" name="Rectangle 23"/>
+                    <p:cNvPr id="53" name="Rectangle 52"/>
                     <p:cNvSpPr/>
                     <p:nvPr/>
                   </p:nvSpPr>
@@ -36608,14 +36317,14 @@
             </p:grpSp>
             <p:cxnSp>
               <p:nvCxnSpPr>
-                <p:cNvPr id="8" name="Straight Arrow Connector 7"/>
+                <p:cNvPr id="37" name="Straight Arrow Connector 36"/>
                 <p:cNvCxnSpPr/>
                 <p:nvPr/>
               </p:nvCxnSpPr>
               <p:spPr>
                 <a:xfrm>
-                  <a:off x="9780561" y="1689193"/>
-                  <a:ext cx="854471" cy="1632173"/>
+                  <a:off x="7857357" y="898349"/>
+                  <a:ext cx="1103763" cy="1174548"/>
                 </a:xfrm>
                 <a:prstGeom prst="straightConnector1">
                   <a:avLst/>
@@ -36643,17 +36352,17 @@
                 </a:fontRef>
               </p:style>
             </p:cxnSp>
-            <mc:AlternateContent xmlns:mc="http://schemas.openxmlformats.org/markup-compatibility/2006" xmlns:a14="http://schemas.microsoft.com/office/drawing/2010/main">
-              <mc:Choice Requires="a14">
+            <mc:AlternateContent xmlns:mc="http://schemas.openxmlformats.org/markup-compatibility/2006">
+              <mc:Choice xmlns:a14="http://schemas.microsoft.com/office/drawing/2010/main" Requires="a14">
                 <p:sp>
                   <p:nvSpPr>
-                    <p:cNvPr id="9" name="TextBox 8"/>
+                    <p:cNvPr id="38" name="TextBox 37"/>
                     <p:cNvSpPr txBox="1"/>
                     <p:nvPr/>
                   </p:nvSpPr>
                   <p:spPr>
                     <a:xfrm>
-                      <a:off x="10277092" y="1985051"/>
+                      <a:off x="8612081" y="933186"/>
                       <a:ext cx="213200" cy="574196"/>
                     </a:xfrm>
                     <a:prstGeom prst="rect">
@@ -36678,7 +36387,7 @@
                               <m:fPr>
                                 <m:ctrlPr>
                                   <a:rPr lang="en-US" sz="2000" b="0" i="1" smtClean="0">
-                                    <a:latin typeface="Cambria Math" panose="02040503050406030204" pitchFamily="18" charset="0"/>
+                                    <a:latin typeface="Cambria Math" charset="0"/>
                                     <a:cs typeface="Arial" panose="020B0604020202020204" pitchFamily="34" charset="0"/>
                                   </a:rPr>
                                 </m:ctrlPr>
@@ -36713,10 +36422,10 @@
                   </p:txBody>
                 </p:sp>
               </mc:Choice>
-              <mc:Fallback xmlns="">
+              <mc:Fallback>
                 <p:sp>
                   <p:nvSpPr>
-                    <p:cNvPr id="9" name="TextBox 8"/>
+                    <p:cNvPr id="38" name="TextBox 37"/>
                     <p:cNvSpPr txBox="1">
                       <a:spLocks noRot="1" noChangeAspect="1" noMove="1" noResize="1" noEditPoints="1" noAdjustHandles="1" noChangeArrowheads="1" noChangeShapeType="1" noTextEdit="1"/>
                     </p:cNvSpPr>
@@ -36724,13 +36433,13 @@
                   </p:nvSpPr>
                   <p:spPr>
                     <a:xfrm>
-                      <a:off x="10277092" y="1985051"/>
+                      <a:off x="8612081" y="933186"/>
                       <a:ext cx="213200" cy="574196"/>
                     </a:xfrm>
                     <a:prstGeom prst="rect">
                       <a:avLst/>
                     </a:prstGeom>
-                    <a:blipFill>
+                    <a:blipFill rotWithShape="0">
                       <a:blip r:embed="rId30"/>
                       <a:stretch>
                         <a:fillRect/>
@@ -36754,13 +36463,13 @@
             </mc:AlternateContent>
             <p:sp>
               <p:nvSpPr>
-                <p:cNvPr id="10" name="Oval 9"/>
+                <p:cNvPr id="39" name="Oval 38"/>
                 <p:cNvSpPr/>
                 <p:nvPr/>
               </p:nvSpPr>
               <p:spPr>
                 <a:xfrm>
-                  <a:off x="8716530" y="2232679"/>
+                  <a:off x="8704338" y="2427751"/>
                   <a:ext cx="120943" cy="119766"/>
                 </a:xfrm>
                 <a:prstGeom prst="ellipse">
@@ -36800,17 +36509,17 @@
                 </a:p>
               </p:txBody>
             </p:sp>
-            <mc:AlternateContent xmlns:mc="http://schemas.openxmlformats.org/markup-compatibility/2006" xmlns:a14="http://schemas.microsoft.com/office/drawing/2010/main">
-              <mc:Choice Requires="a14">
+            <mc:AlternateContent xmlns:mc="http://schemas.openxmlformats.org/markup-compatibility/2006">
+              <mc:Choice xmlns:a14="http://schemas.microsoft.com/office/drawing/2010/main" Requires="a14">
                 <p:sp>
                   <p:nvSpPr>
-                    <p:cNvPr id="11" name="TextBox 10"/>
+                    <p:cNvPr id="40" name="TextBox 39"/>
                     <p:cNvSpPr txBox="1"/>
                     <p:nvPr/>
                   </p:nvSpPr>
                   <p:spPr>
                     <a:xfrm>
-                      <a:off x="8429428" y="1870829"/>
+                      <a:off x="8292333" y="2088348"/>
                       <a:ext cx="447110" cy="307777"/>
                     </a:xfrm>
                     <a:prstGeom prst="rect">
@@ -36849,10 +36558,10 @@
                   </p:txBody>
                 </p:sp>
               </mc:Choice>
-              <mc:Fallback xmlns="">
+              <mc:Fallback>
                 <p:sp>
                   <p:nvSpPr>
-                    <p:cNvPr id="11" name="TextBox 10"/>
+                    <p:cNvPr id="40" name="TextBox 39"/>
                     <p:cNvSpPr txBox="1">
                       <a:spLocks noRot="1" noChangeAspect="1" noMove="1" noResize="1" noEditPoints="1" noAdjustHandles="1" noChangeArrowheads="1" noChangeShapeType="1" noTextEdit="1"/>
                     </p:cNvSpPr>
@@ -36860,16 +36569,16 @@
                   </p:nvSpPr>
                   <p:spPr>
                     <a:xfrm>
-                      <a:off x="8429428" y="1870829"/>
+                      <a:off x="8292333" y="2088348"/>
                       <a:ext cx="447110" cy="307777"/>
                     </a:xfrm>
                     <a:prstGeom prst="rect">
                       <a:avLst/>
                     </a:prstGeom>
-                    <a:blipFill>
+                    <a:blipFill rotWithShape="0">
                       <a:blip r:embed="rId31"/>
                       <a:stretch>
-                        <a:fillRect l="-10811" r="-10811" b="-10000"/>
+                        <a:fillRect l="-12329" r="-12329" b="-11765"/>
                       </a:stretch>
                     </a:blipFill>
                   </p:spPr>
@@ -36889,17 +36598,17 @@
               </mc:Fallback>
             </mc:AlternateContent>
           </p:grpSp>
-          <mc:AlternateContent xmlns:mc="http://schemas.openxmlformats.org/markup-compatibility/2006" xmlns:a14="http://schemas.microsoft.com/office/drawing/2010/main">
-            <mc:Choice Requires="a14">
+          <mc:AlternateContent xmlns:mc="http://schemas.openxmlformats.org/markup-compatibility/2006">
+            <mc:Choice xmlns:a14="http://schemas.microsoft.com/office/drawing/2010/main" Requires="a14">
               <p:sp>
                 <p:nvSpPr>
-                  <p:cNvPr id="6" name="TextBox 5"/>
+                  <p:cNvPr id="35" name="TextBox 34"/>
                   <p:cNvSpPr txBox="1"/>
                   <p:nvPr/>
                 </p:nvSpPr>
                 <p:spPr>
                   <a:xfrm>
-                    <a:off x="9105006" y="3810597"/>
+                    <a:off x="9483316" y="3822774"/>
                     <a:ext cx="222304" cy="307777"/>
                   </a:xfrm>
                   <a:prstGeom prst="rect">
@@ -36938,10 +36647,10 @@
                 </p:txBody>
               </p:sp>
             </mc:Choice>
-            <mc:Fallback xmlns="">
+            <mc:Fallback>
               <p:sp>
                 <p:nvSpPr>
-                  <p:cNvPr id="6" name="TextBox 5"/>
+                  <p:cNvPr id="35" name="TextBox 34"/>
                   <p:cNvSpPr txBox="1">
                     <a:spLocks noRot="1" noChangeAspect="1" noMove="1" noResize="1" noEditPoints="1" noAdjustHandles="1" noChangeArrowheads="1" noChangeShapeType="1" noTextEdit="1"/>
                   </p:cNvSpPr>
@@ -36949,16 +36658,16 @@
                 </p:nvSpPr>
                 <p:spPr>
                   <a:xfrm>
-                    <a:off x="9105006" y="3810597"/>
+                    <a:off x="9483316" y="3822774"/>
                     <a:ext cx="222304" cy="307777"/>
                   </a:xfrm>
                   <a:prstGeom prst="rect">
                     <a:avLst/>
                   </a:prstGeom>
-                  <a:blipFill>
+                  <a:blipFill rotWithShape="0">
                     <a:blip r:embed="rId32"/>
                     <a:stretch>
-                      <a:fillRect l="-24324" r="-21622" b="-9804"/>
+                      <a:fillRect l="-25000" r="-25000" b="-12000"/>
                     </a:stretch>
                   </a:blipFill>
                 </p:spPr>
@@ -36980,13 +36689,13 @@
         </p:grpSp>
         <p:cxnSp>
           <p:nvCxnSpPr>
-            <p:cNvPr id="31" name="Straight Arrow Connector 30"/>
+            <p:cNvPr id="60" name="Straight Arrow Connector 59"/>
             <p:cNvCxnSpPr/>
             <p:nvPr/>
           </p:nvCxnSpPr>
           <p:spPr>
             <a:xfrm flipV="1">
-              <a:off x="4282316" y="3296026"/>
+              <a:off x="7924121" y="2432663"/>
               <a:ext cx="1269953" cy="16131"/>
             </a:xfrm>
             <a:prstGeom prst="straightConnector1">
@@ -37014,17 +36723,17 @@
             </a:fontRef>
           </p:style>
         </p:cxnSp>
-        <mc:AlternateContent xmlns:mc="http://schemas.openxmlformats.org/markup-compatibility/2006" xmlns:a14="http://schemas.microsoft.com/office/drawing/2010/main">
-          <mc:Choice Requires="a14">
+        <mc:AlternateContent xmlns:mc="http://schemas.openxmlformats.org/markup-compatibility/2006">
+          <mc:Choice xmlns:a14="http://schemas.microsoft.com/office/drawing/2010/main" Requires="a14">
             <p:sp>
               <p:nvSpPr>
-                <p:cNvPr id="33" name="TextBox 32"/>
+                <p:cNvPr id="61" name="TextBox 60"/>
                 <p:cNvSpPr txBox="1"/>
                 <p:nvPr/>
               </p:nvSpPr>
               <p:spPr>
                 <a:xfrm>
-                  <a:off x="4467228" y="2826880"/>
+                  <a:off x="8136790" y="2070828"/>
                   <a:ext cx="918841" cy="307777"/>
                 </a:xfrm>
                 <a:prstGeom prst="rect">
@@ -37063,7 +36772,7 @@
                           <m:sSubPr>
                             <m:ctrlPr>
                               <a:rPr lang="en-US" sz="2000" b="0" i="1" smtClean="0">
-                                <a:latin typeface="Cambria Math" panose="02040503050406030204" pitchFamily="18" charset="0"/>
+                                <a:latin typeface="Cambria Math" charset="0"/>
                                 <a:cs typeface="Arial" panose="020B0604020202020204" pitchFamily="34" charset="0"/>
                               </a:rPr>
                             </m:ctrlPr>
@@ -37074,7 +36783,7 @@
                                 <m:chr m:val="⃗"/>
                                 <m:ctrlPr>
                                   <a:rPr lang="en-US" sz="2000" b="0" i="1" smtClean="0">
-                                    <a:latin typeface="Cambria Math" panose="02040503050406030204" pitchFamily="18" charset="0"/>
+                                    <a:latin typeface="Cambria Math" charset="0"/>
                                     <a:cs typeface="Arial" panose="020B0604020202020204" pitchFamily="34" charset="0"/>
                                   </a:rPr>
                                 </m:ctrlPr>
@@ -37111,10 +36820,10 @@
               </p:txBody>
             </p:sp>
           </mc:Choice>
-          <mc:Fallback xmlns="">
+          <mc:Fallback>
             <p:sp>
               <p:nvSpPr>
-                <p:cNvPr id="33" name="TextBox 32"/>
+                <p:cNvPr id="61" name="TextBox 60"/>
                 <p:cNvSpPr txBox="1">
                   <a:spLocks noRot="1" noChangeAspect="1" noMove="1" noResize="1" noEditPoints="1" noAdjustHandles="1" noChangeArrowheads="1" noChangeShapeType="1" noTextEdit="1"/>
                 </p:cNvSpPr>
@@ -37122,16 +36831,16 @@
               </p:nvSpPr>
               <p:spPr>
                 <a:xfrm>
-                  <a:off x="4467228" y="2826880"/>
+                  <a:off x="8136790" y="2070828"/>
                   <a:ext cx="918841" cy="307777"/>
                 </a:xfrm>
                 <a:prstGeom prst="rect">
                   <a:avLst/>
                 </a:prstGeom>
-                <a:blipFill>
+                <a:blipFill rotWithShape="0">
                   <a:blip r:embed="rId33"/>
                   <a:stretch>
-                    <a:fillRect l="-1333" t="-33333" r="-9333" b="-19608"/>
+                    <a:fillRect l="-662" t="-36000" r="-5960" b="-20000"/>
                   </a:stretch>
                 </a:blipFill>
               </p:spPr>

--- a/tex/figures/RotationalDynamics/Figures.pptx
+++ b/tex/figures/RotationalDynamics/Figures.pptx
@@ -253,7 +253,7 @@
           <a:p>
             <a:fld id="{F7249F8D-641B-4CAF-BAE5-10524742F6F1}" type="datetimeFigureOut">
               <a:rPr lang="en-CA" smtClean="0"/>
-              <a:t>2018-07-16</a:t>
+              <a:t>2018-07-20</a:t>
             </a:fld>
             <a:endParaRPr lang="en-CA"/>
           </a:p>
@@ -423,7 +423,7 @@
           <a:p>
             <a:fld id="{F7249F8D-641B-4CAF-BAE5-10524742F6F1}" type="datetimeFigureOut">
               <a:rPr lang="en-CA" smtClean="0"/>
-              <a:t>2018-07-16</a:t>
+              <a:t>2018-07-20</a:t>
             </a:fld>
             <a:endParaRPr lang="en-CA"/>
           </a:p>
@@ -603,7 +603,7 @@
           <a:p>
             <a:fld id="{F7249F8D-641B-4CAF-BAE5-10524742F6F1}" type="datetimeFigureOut">
               <a:rPr lang="en-CA" smtClean="0"/>
-              <a:t>2018-07-16</a:t>
+              <a:t>2018-07-20</a:t>
             </a:fld>
             <a:endParaRPr lang="en-CA"/>
           </a:p>
@@ -773,7 +773,7 @@
           <a:p>
             <a:fld id="{F7249F8D-641B-4CAF-BAE5-10524742F6F1}" type="datetimeFigureOut">
               <a:rPr lang="en-CA" smtClean="0"/>
-              <a:t>2018-07-16</a:t>
+              <a:t>2018-07-20</a:t>
             </a:fld>
             <a:endParaRPr lang="en-CA"/>
           </a:p>
@@ -1019,7 +1019,7 @@
           <a:p>
             <a:fld id="{F7249F8D-641B-4CAF-BAE5-10524742F6F1}" type="datetimeFigureOut">
               <a:rPr lang="en-CA" smtClean="0"/>
-              <a:t>2018-07-16</a:t>
+              <a:t>2018-07-20</a:t>
             </a:fld>
             <a:endParaRPr lang="en-CA"/>
           </a:p>
@@ -1251,7 +1251,7 @@
           <a:p>
             <a:fld id="{F7249F8D-641B-4CAF-BAE5-10524742F6F1}" type="datetimeFigureOut">
               <a:rPr lang="en-CA" smtClean="0"/>
-              <a:t>2018-07-16</a:t>
+              <a:t>2018-07-20</a:t>
             </a:fld>
             <a:endParaRPr lang="en-CA"/>
           </a:p>
@@ -1618,7 +1618,7 @@
           <a:p>
             <a:fld id="{F7249F8D-641B-4CAF-BAE5-10524742F6F1}" type="datetimeFigureOut">
               <a:rPr lang="en-CA" smtClean="0"/>
-              <a:t>2018-07-16</a:t>
+              <a:t>2018-07-20</a:t>
             </a:fld>
             <a:endParaRPr lang="en-CA"/>
           </a:p>
@@ -1736,7 +1736,7 @@
           <a:p>
             <a:fld id="{F7249F8D-641B-4CAF-BAE5-10524742F6F1}" type="datetimeFigureOut">
               <a:rPr lang="en-CA" smtClean="0"/>
-              <a:t>2018-07-16</a:t>
+              <a:t>2018-07-20</a:t>
             </a:fld>
             <a:endParaRPr lang="en-CA"/>
           </a:p>
@@ -1831,7 +1831,7 @@
           <a:p>
             <a:fld id="{F7249F8D-641B-4CAF-BAE5-10524742F6F1}" type="datetimeFigureOut">
               <a:rPr lang="en-CA" smtClean="0"/>
-              <a:t>2018-07-16</a:t>
+              <a:t>2018-07-20</a:t>
             </a:fld>
             <a:endParaRPr lang="en-CA"/>
           </a:p>
@@ -2108,7 +2108,7 @@
           <a:p>
             <a:fld id="{F7249F8D-641B-4CAF-BAE5-10524742F6F1}" type="datetimeFigureOut">
               <a:rPr lang="en-CA" smtClean="0"/>
-              <a:t>2018-07-16</a:t>
+              <a:t>2018-07-20</a:t>
             </a:fld>
             <a:endParaRPr lang="en-CA"/>
           </a:p>
@@ -2361,7 +2361,7 @@
           <a:p>
             <a:fld id="{F7249F8D-641B-4CAF-BAE5-10524742F6F1}" type="datetimeFigureOut">
               <a:rPr lang="en-CA" smtClean="0"/>
-              <a:t>2018-07-16</a:t>
+              <a:t>2018-07-20</a:t>
             </a:fld>
             <a:endParaRPr lang="en-CA"/>
           </a:p>
@@ -2574,7 +2574,7 @@
           <a:p>
             <a:fld id="{F7249F8D-641B-4CAF-BAE5-10524742F6F1}" type="datetimeFigureOut">
               <a:rPr lang="en-CA" smtClean="0"/>
-              <a:t>2018-07-16</a:t>
+              <a:t>2018-07-20</a:t>
             </a:fld>
             <a:endParaRPr lang="en-CA"/>
           </a:p>
@@ -33923,8 +33923,8 @@
                 </p:sp>
               </mc:Fallback>
             </mc:AlternateContent>
-            <mc:AlternateContent xmlns:mc="http://schemas.openxmlformats.org/markup-compatibility/2006">
-              <mc:Choice xmlns:a14="http://schemas.microsoft.com/office/drawing/2010/main" Requires="a14">
+            <mc:AlternateContent xmlns:mc="http://schemas.openxmlformats.org/markup-compatibility/2006" xmlns:a14="http://schemas.microsoft.com/office/drawing/2010/main">
+              <mc:Choice Requires="a14">
                 <p:sp>
                   <p:nvSpPr>
                     <p:cNvPr id="48" name="TextBox 47"/>
@@ -33985,7 +33985,7 @@
                   </p:txBody>
                 </p:sp>
               </mc:Choice>
-              <mc:Fallback>
+              <mc:Fallback xmlns="">
                 <p:sp>
                   <p:nvSpPr>
                     <p:cNvPr id="48" name="TextBox 47"/>
@@ -34194,8 +34194,8 @@
                 </a:p>
               </p:txBody>
             </p:sp>
-            <mc:AlternateContent xmlns:mc="http://schemas.openxmlformats.org/markup-compatibility/2006">
-              <mc:Choice xmlns:a14="http://schemas.microsoft.com/office/drawing/2010/main" Requires="a14">
+            <mc:AlternateContent xmlns:mc="http://schemas.openxmlformats.org/markup-compatibility/2006" xmlns:a14="http://schemas.microsoft.com/office/drawing/2010/main">
+              <mc:Choice Requires="a14">
                 <p:sp>
                   <p:nvSpPr>
                     <p:cNvPr id="51" name="TextBox 50"/>
@@ -34277,7 +34277,7 @@
                   </p:txBody>
                 </p:sp>
               </mc:Choice>
-              <mc:Fallback>
+              <mc:Fallback xmlns="">
                 <p:sp>
                   <p:nvSpPr>
                     <p:cNvPr id="51" name="TextBox 50"/>
@@ -34732,8 +34732,8 @@
               </a:fontRef>
             </p:style>
           </p:cxnSp>
-          <mc:AlternateContent xmlns:mc="http://schemas.openxmlformats.org/markup-compatibility/2006">
-            <mc:Choice xmlns:a14="http://schemas.microsoft.com/office/drawing/2010/main" Requires="a14">
+          <mc:AlternateContent xmlns:mc="http://schemas.openxmlformats.org/markup-compatibility/2006" xmlns:a14="http://schemas.microsoft.com/office/drawing/2010/main">
+            <mc:Choice Requires="a14">
               <p:sp>
                 <p:nvSpPr>
                   <p:cNvPr id="66" name="TextBox 65"/>
@@ -34802,7 +34802,7 @@
                 </p:txBody>
               </p:sp>
             </mc:Choice>
-            <mc:Fallback>
+            <mc:Fallback xmlns="">
               <p:sp>
                 <p:nvSpPr>
                   <p:cNvPr id="66" name="TextBox 65"/>
@@ -34889,8 +34889,8 @@
               </a:p>
             </p:txBody>
           </p:sp>
-          <mc:AlternateContent xmlns:mc="http://schemas.openxmlformats.org/markup-compatibility/2006">
-            <mc:Choice xmlns:a14="http://schemas.microsoft.com/office/drawing/2010/main" Requires="a14">
+          <mc:AlternateContent xmlns:mc="http://schemas.openxmlformats.org/markup-compatibility/2006" xmlns:a14="http://schemas.microsoft.com/office/drawing/2010/main">
+            <mc:Choice Requires="a14">
               <p:sp>
                 <p:nvSpPr>
                   <p:cNvPr id="68" name="TextBox 67"/>
@@ -34938,7 +34938,7 @@
                 </p:txBody>
               </p:sp>
             </mc:Choice>
-            <mc:Fallback>
+            <mc:Fallback xmlns="">
               <p:sp>
                 <p:nvSpPr>
                   <p:cNvPr id="68" name="TextBox 67"/>
@@ -34978,8 +34978,8 @@
             </mc:Fallback>
           </mc:AlternateContent>
         </p:grpSp>
-        <mc:AlternateContent xmlns:mc="http://schemas.openxmlformats.org/markup-compatibility/2006">
-          <mc:Choice xmlns:a14="http://schemas.microsoft.com/office/drawing/2010/main" Requires="a14">
+        <mc:AlternateContent xmlns:mc="http://schemas.openxmlformats.org/markup-compatibility/2006" xmlns:a14="http://schemas.microsoft.com/office/drawing/2010/main">
+          <mc:Choice Requires="a14">
             <p:sp>
               <p:nvSpPr>
                 <p:cNvPr id="71" name="TextBox 70"/>
@@ -35027,7 +35027,7 @@
               </p:txBody>
             </p:sp>
           </mc:Choice>
-          <mc:Fallback>
+          <mc:Fallback xmlns="">
             <p:sp>
               <p:nvSpPr>
                 <p:cNvPr id="71" name="TextBox 70"/>
@@ -35104,9 +35104,9 @@
         </p:nvGrpSpPr>
         <p:grpSpPr>
           <a:xfrm>
-            <a:off x="231048" y="2061220"/>
+            <a:off x="231048" y="2068542"/>
             <a:ext cx="5899759" cy="3428599"/>
-            <a:chOff x="231048" y="2061220"/>
+            <a:chOff x="231048" y="2068542"/>
             <a:chExt cx="5899759" cy="3428599"/>
           </a:xfrm>
         </p:grpSpPr>
@@ -35118,10 +35118,10 @@
           </p:nvGrpSpPr>
           <p:grpSpPr>
             <a:xfrm>
-              <a:off x="231048" y="4534985"/>
-              <a:ext cx="5899759" cy="665122"/>
-              <a:chOff x="201169" y="4520708"/>
-              <a:chExt cx="5899759" cy="665122"/>
+              <a:off x="231048" y="4437449"/>
+              <a:ext cx="5899759" cy="762658"/>
+              <a:chOff x="201169" y="4423172"/>
+              <a:chExt cx="5899759" cy="762658"/>
             </a:xfrm>
           </p:grpSpPr>
           <p:sp>
@@ -35178,8 +35178,8 @@
               </a:p>
             </p:txBody>
           </p:sp>
-          <mc:AlternateContent xmlns:mc="http://schemas.openxmlformats.org/markup-compatibility/2006" xmlns:a14="http://schemas.microsoft.com/office/drawing/2010/main">
-            <mc:Choice Requires="a14">
+          <mc:AlternateContent xmlns:mc="http://schemas.openxmlformats.org/markup-compatibility/2006">
+            <mc:Choice xmlns:a14="http://schemas.microsoft.com/office/drawing/2010/main" Requires="a14">
               <p:sp>
                 <p:nvSpPr>
                   <p:cNvPr id="70" name="TextBox 69"/>
@@ -35188,8 +35188,8 @@
                 </p:nvSpPr>
                 <p:spPr>
                   <a:xfrm>
-                    <a:off x="3039896" y="4520708"/>
-                    <a:ext cx="222304" cy="307777"/>
+                    <a:off x="3039896" y="4423172"/>
+                    <a:ext cx="148913" cy="430887"/>
                   </a:xfrm>
                   <a:prstGeom prst="rect">
                     <a:avLst/>
@@ -35197,7 +35197,7 @@
                   <a:noFill/>
                 </p:spPr>
                 <p:txBody>
-                  <a:bodyPr wrap="none" lIns="0" tIns="0" rIns="0" bIns="0" rtlCol="0">
+                  <a:bodyPr wrap="square" lIns="0" tIns="0" rIns="0" bIns="0" rtlCol="0">
                     <a:spAutoFit/>
                   </a:bodyPr>
                   <a:lstStyle/>
@@ -35210,7 +35210,7 @@
                         </m:oMathParaPr>
                         <m:oMath xmlns:m="http://schemas.openxmlformats.org/officeDocument/2006/math">
                           <m:r>
-                            <a:rPr lang="en-US" sz="2000" b="0" i="1" smtClean="0">
+                            <a:rPr lang="en-US" sz="2800" b="0" i="1" smtClean="0">
                               <a:latin typeface="Cambria Math" panose="02040503050406030204" pitchFamily="18" charset="0"/>
                               <a:cs typeface="Arial" panose="020B0604020202020204" pitchFamily="34" charset="0"/>
                             </a:rPr>
@@ -35219,7 +35219,7 @@
                         </m:oMath>
                       </m:oMathPara>
                     </a14:m>
-                    <a:endParaRPr lang="en-US" sz="2000" dirty="0" smtClean="0">
+                    <a:endParaRPr lang="en-US" sz="2800" dirty="0" smtClean="0">
                       <a:latin typeface="Arial" panose="020B0604020202020204" pitchFamily="34" charset="0"/>
                       <a:cs typeface="Arial" panose="020B0604020202020204" pitchFamily="34" charset="0"/>
                     </a:endParaRPr>
@@ -35227,7 +35227,7 @@
                 </p:txBody>
               </p:sp>
             </mc:Choice>
-            <mc:Fallback xmlns="">
+            <mc:Fallback>
               <p:sp>
                 <p:nvSpPr>
                   <p:cNvPr id="70" name="TextBox 69"/>
@@ -35238,16 +35238,16 @@
                 </p:nvSpPr>
                 <p:spPr>
                   <a:xfrm>
-                    <a:off x="3039896" y="4520708"/>
-                    <a:ext cx="222304" cy="307777"/>
+                    <a:off x="3039896" y="4423172"/>
+                    <a:ext cx="148913" cy="430887"/>
                   </a:xfrm>
                   <a:prstGeom prst="rect">
                     <a:avLst/>
                   </a:prstGeom>
-                  <a:blipFill>
-                    <a:blip r:embed="rId2"/>
+                  <a:blipFill rotWithShape="0">
+                    <a:blip r:embed="rId33"/>
                     <a:stretch>
-                      <a:fillRect l="-25000" r="-25000" b="-12000"/>
+                      <a:fillRect r="-20833"/>
                     </a:stretch>
                   </a:blipFill>
                 </p:spPr>
@@ -35276,7 +35276,7 @@
             <p:nvPr/>
           </p:nvPicPr>
           <p:blipFill rotWithShape="1">
-            <a:blip r:embed="rId33">
+            <a:blip r:embed="rId34">
               <a:extLst>
                 <a:ext uri="{28A0092B-C50C-407E-A947-70E740481C1C}">
                   <a14:useLocalDpi xmlns:a14="http://schemas.microsoft.com/office/drawing/2010/main" val="0"/>
@@ -35288,7 +35288,7 @@
           </p:blipFill>
           <p:spPr>
             <a:xfrm rot="366768" flipH="1">
-              <a:off x="1244408" y="2061220"/>
+              <a:off x="1245411" y="2068542"/>
               <a:ext cx="4821241" cy="3428599"/>
             </a:xfrm>
             <a:prstGeom prst="rect">
@@ -35713,8 +35713,8 @@
                   </p:sp>
                 </mc:Fallback>
               </mc:AlternateContent>
-              <mc:AlternateContent xmlns:mc="http://schemas.openxmlformats.org/markup-compatibility/2006">
-                <mc:Choice xmlns:a14="http://schemas.microsoft.com/office/drawing/2010/main" Requires="a14">
+              <mc:AlternateContent xmlns:mc="http://schemas.openxmlformats.org/markup-compatibility/2006" xmlns:a14="http://schemas.microsoft.com/office/drawing/2010/main">
+                <mc:Choice Requires="a14">
                   <p:sp>
                     <p:nvSpPr>
                       <p:cNvPr id="47" name="TextBox 46"/>
@@ -35775,7 +35775,7 @@
                     </p:txBody>
                   </p:sp>
                 </mc:Choice>
-                <mc:Fallback>
+                <mc:Fallback xmlns="">
                   <p:sp>
                     <p:nvSpPr>
                       <p:cNvPr id="47" name="TextBox 46"/>
@@ -36352,8 +36352,8 @@
                 </a:fontRef>
               </p:style>
             </p:cxnSp>
-            <mc:AlternateContent xmlns:mc="http://schemas.openxmlformats.org/markup-compatibility/2006">
-              <mc:Choice xmlns:a14="http://schemas.microsoft.com/office/drawing/2010/main" Requires="a14">
+            <mc:AlternateContent xmlns:mc="http://schemas.openxmlformats.org/markup-compatibility/2006" xmlns:a14="http://schemas.microsoft.com/office/drawing/2010/main">
+              <mc:Choice Requires="a14">
                 <p:sp>
                   <p:nvSpPr>
                     <p:cNvPr id="38" name="TextBox 37"/>
@@ -36422,7 +36422,7 @@
                   </p:txBody>
                 </p:sp>
               </mc:Choice>
-              <mc:Fallback>
+              <mc:Fallback xmlns="">
                 <p:sp>
                   <p:nvSpPr>
                     <p:cNvPr id="38" name="TextBox 37"/>
@@ -36509,8 +36509,8 @@
                 </a:p>
               </p:txBody>
             </p:sp>
-            <mc:AlternateContent xmlns:mc="http://schemas.openxmlformats.org/markup-compatibility/2006">
-              <mc:Choice xmlns:a14="http://schemas.microsoft.com/office/drawing/2010/main" Requires="a14">
+            <mc:AlternateContent xmlns:mc="http://schemas.openxmlformats.org/markup-compatibility/2006" xmlns:a14="http://schemas.microsoft.com/office/drawing/2010/main">
+              <mc:Choice Requires="a14">
                 <p:sp>
                   <p:nvSpPr>
                     <p:cNvPr id="40" name="TextBox 39"/>
@@ -36558,7 +36558,7 @@
                   </p:txBody>
                 </p:sp>
               </mc:Choice>
-              <mc:Fallback>
+              <mc:Fallback xmlns="">
                 <p:sp>
                   <p:nvSpPr>
                     <p:cNvPr id="40" name="TextBox 39"/>
@@ -36598,8 +36598,8 @@
               </mc:Fallback>
             </mc:AlternateContent>
           </p:grpSp>
-          <mc:AlternateContent xmlns:mc="http://schemas.openxmlformats.org/markup-compatibility/2006">
-            <mc:Choice xmlns:a14="http://schemas.microsoft.com/office/drawing/2010/main" Requires="a14">
+          <mc:AlternateContent xmlns:mc="http://schemas.openxmlformats.org/markup-compatibility/2006" xmlns:a14="http://schemas.microsoft.com/office/drawing/2010/main">
+            <mc:Choice Requires="a14">
               <p:sp>
                 <p:nvSpPr>
                   <p:cNvPr id="35" name="TextBox 34"/>
@@ -36647,7 +36647,7 @@
                 </p:txBody>
               </p:sp>
             </mc:Choice>
-            <mc:Fallback>
+            <mc:Fallback xmlns="">
               <p:sp>
                 <p:nvSpPr>
                   <p:cNvPr id="35" name="TextBox 34"/>
@@ -36723,8 +36723,8 @@
             </a:fontRef>
           </p:style>
         </p:cxnSp>
-        <mc:AlternateContent xmlns:mc="http://schemas.openxmlformats.org/markup-compatibility/2006">
-          <mc:Choice xmlns:a14="http://schemas.microsoft.com/office/drawing/2010/main" Requires="a14">
+        <mc:AlternateContent xmlns:mc="http://schemas.openxmlformats.org/markup-compatibility/2006" xmlns:a14="http://schemas.microsoft.com/office/drawing/2010/main">
+          <mc:Choice Requires="a14">
             <p:sp>
               <p:nvSpPr>
                 <p:cNvPr id="61" name="TextBox 60"/>
@@ -36820,7 +36820,7 @@
               </p:txBody>
             </p:sp>
           </mc:Choice>
-          <mc:Fallback>
+          <mc:Fallback xmlns="">
             <p:sp>
               <p:nvSpPr>
                 <p:cNvPr id="61" name="TextBox 60"/>

--- a/tex/figures/RotationalDynamics/Figures.pptx
+++ b/tex/figures/RotationalDynamics/Figures.pptx
@@ -253,7 +253,7 @@
           <a:p>
             <a:fld id="{F7249F8D-641B-4CAF-BAE5-10524742F6F1}" type="datetimeFigureOut">
               <a:rPr lang="en-CA" smtClean="0"/>
-              <a:t>2018-07-20</a:t>
+              <a:t>2018-08-27</a:t>
             </a:fld>
             <a:endParaRPr lang="en-CA"/>
           </a:p>
@@ -423,7 +423,7 @@
           <a:p>
             <a:fld id="{F7249F8D-641B-4CAF-BAE5-10524742F6F1}" type="datetimeFigureOut">
               <a:rPr lang="en-CA" smtClean="0"/>
-              <a:t>2018-07-20</a:t>
+              <a:t>2018-08-27</a:t>
             </a:fld>
             <a:endParaRPr lang="en-CA"/>
           </a:p>
@@ -603,7 +603,7 @@
           <a:p>
             <a:fld id="{F7249F8D-641B-4CAF-BAE5-10524742F6F1}" type="datetimeFigureOut">
               <a:rPr lang="en-CA" smtClean="0"/>
-              <a:t>2018-07-20</a:t>
+              <a:t>2018-08-27</a:t>
             </a:fld>
             <a:endParaRPr lang="en-CA"/>
           </a:p>
@@ -773,7 +773,7 @@
           <a:p>
             <a:fld id="{F7249F8D-641B-4CAF-BAE5-10524742F6F1}" type="datetimeFigureOut">
               <a:rPr lang="en-CA" smtClean="0"/>
-              <a:t>2018-07-20</a:t>
+              <a:t>2018-08-27</a:t>
             </a:fld>
             <a:endParaRPr lang="en-CA"/>
           </a:p>
@@ -1019,7 +1019,7 @@
           <a:p>
             <a:fld id="{F7249F8D-641B-4CAF-BAE5-10524742F6F1}" type="datetimeFigureOut">
               <a:rPr lang="en-CA" smtClean="0"/>
-              <a:t>2018-07-20</a:t>
+              <a:t>2018-08-27</a:t>
             </a:fld>
             <a:endParaRPr lang="en-CA"/>
           </a:p>
@@ -1251,7 +1251,7 @@
           <a:p>
             <a:fld id="{F7249F8D-641B-4CAF-BAE5-10524742F6F1}" type="datetimeFigureOut">
               <a:rPr lang="en-CA" smtClean="0"/>
-              <a:t>2018-07-20</a:t>
+              <a:t>2018-08-27</a:t>
             </a:fld>
             <a:endParaRPr lang="en-CA"/>
           </a:p>
@@ -1618,7 +1618,7 @@
           <a:p>
             <a:fld id="{F7249F8D-641B-4CAF-BAE5-10524742F6F1}" type="datetimeFigureOut">
               <a:rPr lang="en-CA" smtClean="0"/>
-              <a:t>2018-07-20</a:t>
+              <a:t>2018-08-27</a:t>
             </a:fld>
             <a:endParaRPr lang="en-CA"/>
           </a:p>
@@ -1736,7 +1736,7 @@
           <a:p>
             <a:fld id="{F7249F8D-641B-4CAF-BAE5-10524742F6F1}" type="datetimeFigureOut">
               <a:rPr lang="en-CA" smtClean="0"/>
-              <a:t>2018-07-20</a:t>
+              <a:t>2018-08-27</a:t>
             </a:fld>
             <a:endParaRPr lang="en-CA"/>
           </a:p>
@@ -1831,7 +1831,7 @@
           <a:p>
             <a:fld id="{F7249F8D-641B-4CAF-BAE5-10524742F6F1}" type="datetimeFigureOut">
               <a:rPr lang="en-CA" smtClean="0"/>
-              <a:t>2018-07-20</a:t>
+              <a:t>2018-08-27</a:t>
             </a:fld>
             <a:endParaRPr lang="en-CA"/>
           </a:p>
@@ -2108,7 +2108,7 @@
           <a:p>
             <a:fld id="{F7249F8D-641B-4CAF-BAE5-10524742F6F1}" type="datetimeFigureOut">
               <a:rPr lang="en-CA" smtClean="0"/>
-              <a:t>2018-07-20</a:t>
+              <a:t>2018-08-27</a:t>
             </a:fld>
             <a:endParaRPr lang="en-CA"/>
           </a:p>
@@ -2361,7 +2361,7 @@
           <a:p>
             <a:fld id="{F7249F8D-641B-4CAF-BAE5-10524742F6F1}" type="datetimeFigureOut">
               <a:rPr lang="en-CA" smtClean="0"/>
-              <a:t>2018-07-20</a:t>
+              <a:t>2018-08-27</a:t>
             </a:fld>
             <a:endParaRPr lang="en-CA"/>
           </a:p>
@@ -2574,7 +2574,7 @@
           <a:p>
             <a:fld id="{F7249F8D-641B-4CAF-BAE5-10524742F6F1}" type="datetimeFigureOut">
               <a:rPr lang="en-CA" smtClean="0"/>
-              <a:t>2018-07-20</a:t>
+              <a:t>2018-08-27</a:t>
             </a:fld>
             <a:endParaRPr lang="en-CA"/>
           </a:p>
@@ -8362,7 +8362,7 @@
                           <m:sSubPr>
                             <m:ctrlPr>
                               <a:rPr lang="en-US" sz="2000" b="0" i="1" smtClean="0">
-                                <a:latin typeface="Cambria Math" charset="0"/>
+                                <a:latin typeface="Cambria Math" panose="02040503050406030204" pitchFamily="18" charset="0"/>
                                 <a:cs typeface="Arial" panose="020B0604020202020204" pitchFamily="34" charset="0"/>
                               </a:rPr>
                             </m:ctrlPr>
@@ -9479,7 +9479,7 @@
                               <m:sSubPr>
                                 <m:ctrlPr>
                                   <a:rPr lang="en-US" sz="2000" b="0" i="1" smtClean="0">
-                                    <a:latin typeface="Cambria Math" charset="0"/>
+                                    <a:latin typeface="Cambria Math" panose="02040503050406030204" pitchFamily="18" charset="0"/>
                                     <a:cs typeface="Arial" panose="020B0604020202020204" pitchFamily="34" charset="0"/>
                                   </a:rPr>
                                 </m:ctrlPr>
@@ -9514,7 +9514,7 @@
                               <m:sSubPr>
                                 <m:ctrlPr>
                                   <a:rPr lang="en-US" sz="2000" b="0" i="1" smtClean="0">
-                                    <a:latin typeface="Cambria Math" charset="0"/>
+                                    <a:latin typeface="Cambria Math" panose="02040503050406030204" pitchFamily="18" charset="0"/>
                                     <a:cs typeface="Arial" panose="020B0604020202020204" pitchFamily="34" charset="0"/>
                                   </a:rPr>
                                 </m:ctrlPr>
@@ -9549,7 +9549,7 @@
                               <m:sSubPr>
                                 <m:ctrlPr>
                                   <a:rPr lang="en-US" sz="2000" b="0" i="1" smtClean="0">
-                                    <a:latin typeface="Cambria Math" charset="0"/>
+                                    <a:latin typeface="Cambria Math" panose="02040503050406030204" pitchFamily="18" charset="0"/>
                                     <a:cs typeface="Arial" panose="020B0604020202020204" pitchFamily="34" charset="0"/>
                                   </a:rPr>
                                 </m:ctrlPr>
@@ -9848,7 +9848,7 @@
                               <m:sSubPr>
                                 <m:ctrlPr>
                                   <a:rPr lang="en-US" sz="2000" b="0" i="1" smtClean="0">
-                                    <a:latin typeface="Cambria Math" charset="0"/>
+                                    <a:latin typeface="Cambria Math" panose="02040503050406030204" pitchFamily="18" charset="0"/>
                                     <a:cs typeface="Arial" panose="020B0604020202020204" pitchFamily="34" charset="0"/>
                                   </a:rPr>
                                 </m:ctrlPr>
@@ -9883,7 +9883,7 @@
                               <m:sSubPr>
                                 <m:ctrlPr>
                                   <a:rPr lang="en-US" sz="2000" b="0" i="1" smtClean="0">
-                                    <a:latin typeface="Cambria Math" charset="0"/>
+                                    <a:latin typeface="Cambria Math" panose="02040503050406030204" pitchFamily="18" charset="0"/>
                                     <a:cs typeface="Arial" panose="020B0604020202020204" pitchFamily="34" charset="0"/>
                                   </a:rPr>
                                 </m:ctrlPr>
@@ -10174,7 +10174,7 @@
                             <m:chr m:val="⃗"/>
                             <m:ctrlPr>
                               <a:rPr lang="en-US" sz="2000" b="0" i="1" smtClean="0">
-                                <a:latin typeface="Cambria Math" charset="0"/>
+                                <a:latin typeface="Cambria Math" panose="02040503050406030204" pitchFamily="18" charset="0"/>
                                 <a:cs typeface="Arial" panose="020B0604020202020204" pitchFamily="34" charset="0"/>
                               </a:rPr>
                             </m:ctrlPr>
@@ -11858,7 +11858,7 @@
                             <m:chr m:val="⃗"/>
                             <m:ctrlPr>
                               <a:rPr lang="en-US" b="0" i="1" smtClean="0">
-                                <a:latin typeface="Cambria Math" charset="0"/>
+                                <a:latin typeface="Cambria Math" panose="02040503050406030204" pitchFamily="18" charset="0"/>
                               </a:rPr>
                             </m:ctrlPr>
                           </m:accPr>
@@ -12047,7 +12047,7 @@
                             <m:chr m:val="⃗"/>
                             <m:ctrlPr>
                               <a:rPr lang="en-US" b="0" i="1" smtClean="0">
-                                <a:latin typeface="Cambria Math" charset="0"/>
+                                <a:latin typeface="Cambria Math" panose="02040503050406030204" pitchFamily="18" charset="0"/>
                               </a:rPr>
                             </m:ctrlPr>
                           </m:accPr>
@@ -12412,7 +12412,7 @@
                           <m:sSubPr>
                             <m:ctrlPr>
                               <a:rPr lang="en-US" b="0" i="1" smtClean="0">
-                                <a:latin typeface="Cambria Math" charset="0"/>
+                                <a:latin typeface="Cambria Math" panose="02040503050406030204" pitchFamily="18" charset="0"/>
                               </a:rPr>
                             </m:ctrlPr>
                           </m:sSubPr>
@@ -12608,7 +12608,7 @@
                           <m:sSubPr>
                             <m:ctrlPr>
                               <a:rPr lang="en-US" b="0" i="1" smtClean="0">
-                                <a:latin typeface="Cambria Math" charset="0"/>
+                                <a:latin typeface="Cambria Math" panose="02040503050406030204" pitchFamily="18" charset="0"/>
                               </a:rPr>
                             </m:ctrlPr>
                           </m:sSubPr>
@@ -13568,7 +13568,7 @@
                                     <m:chr m:val="⃗"/>
                                     <m:ctrlPr>
                                       <a:rPr lang="en-US" b="0" i="1" smtClean="0">
-                                        <a:latin typeface="Cambria Math" charset="0"/>
+                                        <a:latin typeface="Cambria Math" panose="02040503050406030204" pitchFamily="18" charset="0"/>
                                       </a:rPr>
                                     </m:ctrlPr>
                                   </m:accPr>
@@ -13757,7 +13757,7 @@
                                     <m:chr m:val="⃗"/>
                                     <m:ctrlPr>
                                       <a:rPr lang="en-US" b="0" i="1" smtClean="0">
-                                        <a:latin typeface="Cambria Math" charset="0"/>
+                                        <a:latin typeface="Cambria Math" panose="02040503050406030204" pitchFamily="18" charset="0"/>
                                       </a:rPr>
                                     </m:ctrlPr>
                                   </m:accPr>
@@ -14104,7 +14104,7 @@
                             <m:sSubPr>
                               <m:ctrlPr>
                                 <a:rPr lang="en-US" sz="2000" b="0" i="1" smtClean="0">
-                                  <a:latin typeface="Cambria Math" charset="0"/>
+                                  <a:latin typeface="Cambria Math" panose="02040503050406030204" pitchFamily="18" charset="0"/>
                                   <a:cs typeface="Arial" panose="020B0604020202020204" pitchFamily="34" charset="0"/>
                                 </a:rPr>
                               </m:ctrlPr>
@@ -14901,7 +14901,7 @@
                                   <m:chr m:val="⃗"/>
                                   <m:ctrlPr>
                                     <a:rPr lang="en-US" sz="2000" b="0" i="1" smtClean="0">
-                                      <a:latin typeface="Cambria Math" charset="0"/>
+                                      <a:latin typeface="Cambria Math" panose="02040503050406030204" pitchFamily="18" charset="0"/>
                                       <a:cs typeface="Arial" panose="020B0604020202020204" pitchFamily="34" charset="0"/>
                                     </a:rPr>
                                   </m:ctrlPr>
@@ -15135,7 +15135,7 @@
                               <m:chr m:val="⃗"/>
                               <m:ctrlPr>
                                 <a:rPr lang="en-US" sz="2000" b="0" i="1" smtClean="0">
-                                  <a:latin typeface="Cambria Math" charset="0"/>
+                                  <a:latin typeface="Cambria Math" panose="02040503050406030204" pitchFamily="18" charset="0"/>
                                   <a:cs typeface="Arial" panose="020B0604020202020204" pitchFamily="34" charset="0"/>
                                 </a:rPr>
                               </m:ctrlPr>
@@ -15272,7 +15272,7 @@
                               <m:chr m:val="⃗"/>
                               <m:ctrlPr>
                                 <a:rPr lang="en-US" sz="2000" b="0" i="1" smtClean="0">
-                                  <a:latin typeface="Cambria Math" charset="0"/>
+                                  <a:latin typeface="Cambria Math" panose="02040503050406030204" pitchFamily="18" charset="0"/>
                                   <a:cs typeface="Arial" panose="020B0604020202020204" pitchFamily="34" charset="0"/>
                                 </a:rPr>
                               </m:ctrlPr>
@@ -16144,7 +16144,7 @@
                               <m:chr m:val="⃗"/>
                               <m:ctrlPr>
                                 <a:rPr lang="en-US" sz="2000" b="0" i="1" smtClean="0">
-                                  <a:latin typeface="Cambria Math" charset="0"/>
+                                  <a:latin typeface="Cambria Math" panose="02040503050406030204" pitchFamily="18" charset="0"/>
                                   <a:cs typeface="Arial" panose="020B0604020202020204" pitchFamily="34" charset="0"/>
                                 </a:rPr>
                               </m:ctrlPr>
@@ -16245,7 +16245,7 @@
                               <m:chr m:val="⃗"/>
                               <m:ctrlPr>
                                 <a:rPr lang="en-US" sz="2000" b="0" i="1" smtClean="0">
-                                  <a:latin typeface="Cambria Math" charset="0"/>
+                                  <a:latin typeface="Cambria Math" panose="02040503050406030204" pitchFamily="18" charset="0"/>
                                   <a:cs typeface="Arial" panose="020B0604020202020204" pitchFamily="34" charset="0"/>
                                 </a:rPr>
                               </m:ctrlPr>
@@ -16471,7 +16471,7 @@
                             <m:chr m:val="⃗"/>
                             <m:ctrlPr>
                               <a:rPr lang="en-US" sz="2000" b="0" i="1" smtClean="0">
-                                <a:latin typeface="Cambria Math" charset="0"/>
+                                <a:latin typeface="Cambria Math" panose="02040503050406030204" pitchFamily="18" charset="0"/>
                                 <a:cs typeface="Arial" panose="020B0604020202020204" pitchFamily="34" charset="0"/>
                               </a:rPr>
                             </m:ctrlPr>
@@ -16759,7 +16759,7 @@
                             <m:chr m:val="⃗"/>
                             <m:ctrlPr>
                               <a:rPr lang="en-US" sz="2000" b="0" i="1" smtClean="0">
-                                <a:latin typeface="Cambria Math" charset="0"/>
+                                <a:latin typeface="Cambria Math" panose="02040503050406030204" pitchFamily="18" charset="0"/>
                                 <a:cs typeface="Arial" panose="020B0604020202020204" pitchFamily="34" charset="0"/>
                               </a:rPr>
                             </m:ctrlPr>
@@ -16786,7 +16786,7 @@
                             <m:chr m:val="⃗"/>
                             <m:ctrlPr>
                               <a:rPr lang="en-US" sz="2000" b="0" i="1" smtClean="0">
-                                <a:latin typeface="Cambria Math" charset="0"/>
+                                <a:latin typeface="Cambria Math" panose="02040503050406030204" pitchFamily="18" charset="0"/>
                                 <a:cs typeface="Arial" panose="020B0604020202020204" pitchFamily="34" charset="0"/>
                               </a:rPr>
                             </m:ctrlPr>
@@ -16813,7 +16813,7 @@
                             <m:chr m:val="⃗"/>
                             <m:ctrlPr>
                               <a:rPr lang="en-US" sz="2000" b="0" i="1" smtClean="0">
-                                <a:latin typeface="Cambria Math" charset="0"/>
+                                <a:latin typeface="Cambria Math" panose="02040503050406030204" pitchFamily="18" charset="0"/>
                                 <a:cs typeface="Arial" panose="020B0604020202020204" pitchFamily="34" charset="0"/>
                               </a:rPr>
                             </m:ctrlPr>
@@ -17219,7 +17219,7 @@
                                 <m:chr m:val="⃗"/>
                                 <m:ctrlPr>
                                   <a:rPr lang="en-US" sz="2000" b="0" i="1" smtClean="0">
-                                    <a:latin typeface="Cambria Math" charset="0"/>
+                                    <a:latin typeface="Cambria Math" panose="02040503050406030204" pitchFamily="18" charset="0"/>
                                     <a:cs typeface="Arial" panose="020B0604020202020204" pitchFamily="34" charset="0"/>
                                   </a:rPr>
                                 </m:ctrlPr>
@@ -17320,7 +17320,7 @@
                                 <m:chr m:val="⃗"/>
                                 <m:ctrlPr>
                                   <a:rPr lang="en-US" sz="2000" b="0" i="1" smtClean="0">
-                                    <a:latin typeface="Cambria Math" charset="0"/>
+                                    <a:latin typeface="Cambria Math" panose="02040503050406030204" pitchFamily="18" charset="0"/>
                                     <a:cs typeface="Arial" panose="020B0604020202020204" pitchFamily="34" charset="0"/>
                                   </a:rPr>
                                 </m:ctrlPr>
@@ -17494,7 +17494,7 @@
                               <m:sSubPr>
                                 <m:ctrlPr>
                                   <a:rPr lang="en-US" sz="2000" b="0" i="1" smtClean="0">
-                                    <a:latin typeface="Cambria Math" charset="0"/>
+                                    <a:latin typeface="Cambria Math" panose="02040503050406030204" pitchFamily="18" charset="0"/>
                                     <a:cs typeface="Arial" panose="020B0604020202020204" pitchFamily="34" charset="0"/>
                                   </a:rPr>
                                 </m:ctrlPr>
@@ -17603,7 +17603,7 @@
                               <m:sSubPr>
                                 <m:ctrlPr>
                                   <a:rPr lang="en-US" sz="2000" b="0" i="1" smtClean="0">
-                                    <a:latin typeface="Cambria Math" charset="0"/>
+                                    <a:latin typeface="Cambria Math" panose="02040503050406030204" pitchFamily="18" charset="0"/>
                                     <a:cs typeface="Arial" panose="020B0604020202020204" pitchFamily="34" charset="0"/>
                                   </a:rPr>
                                 </m:ctrlPr>
@@ -18144,7 +18144,7 @@
                                 <m:chr m:val="⃗"/>
                                 <m:ctrlPr>
                                   <a:rPr lang="en-US" sz="2000" b="0" i="1" smtClean="0">
-                                    <a:latin typeface="Cambria Math" charset="0"/>
+                                    <a:latin typeface="Cambria Math" panose="02040503050406030204" pitchFamily="18" charset="0"/>
                                     <a:cs typeface="Arial" panose="020B0604020202020204" pitchFamily="34" charset="0"/>
                                   </a:rPr>
                                 </m:ctrlPr>
@@ -18245,7 +18245,7 @@
                                 <m:chr m:val="⃗"/>
                                 <m:ctrlPr>
                                   <a:rPr lang="en-US" sz="2000" b="0" i="1" smtClean="0">
-                                    <a:latin typeface="Cambria Math" charset="0"/>
+                                    <a:latin typeface="Cambria Math" panose="02040503050406030204" pitchFamily="18" charset="0"/>
                                     <a:cs typeface="Arial" panose="020B0604020202020204" pitchFamily="34" charset="0"/>
                                   </a:rPr>
                                 </m:ctrlPr>
@@ -18419,7 +18419,7 @@
                               <m:sSubPr>
                                 <m:ctrlPr>
                                   <a:rPr lang="en-US" sz="2000" b="0" i="1" smtClean="0">
-                                    <a:latin typeface="Cambria Math" charset="0"/>
+                                    <a:latin typeface="Cambria Math" panose="02040503050406030204" pitchFamily="18" charset="0"/>
                                     <a:cs typeface="Arial" panose="020B0604020202020204" pitchFamily="34" charset="0"/>
                                   </a:rPr>
                                 </m:ctrlPr>
@@ -18528,7 +18528,7 @@
                               <m:sSubPr>
                                 <m:ctrlPr>
                                   <a:rPr lang="en-US" sz="2000" b="0" i="1" smtClean="0">
-                                    <a:latin typeface="Cambria Math" charset="0"/>
+                                    <a:latin typeface="Cambria Math" panose="02040503050406030204" pitchFamily="18" charset="0"/>
                                     <a:cs typeface="Arial" panose="020B0604020202020204" pitchFamily="34" charset="0"/>
                                   </a:rPr>
                                 </m:ctrlPr>
@@ -19000,7 +19000,7 @@
             <p:nvPr/>
           </p:nvPicPr>
           <p:blipFill rotWithShape="1">
-            <a:blip r:embed="rId23">
+            <a:blip r:embed="rId23" cstate="print">
               <a:extLst>
                 <a:ext uri="{28A0092B-C50C-407E-A947-70E740481C1C}">
                   <a14:useLocalDpi xmlns:a14="http://schemas.microsoft.com/office/drawing/2010/main" val="0"/>
@@ -19696,7 +19696,7 @@
                               <m:chr m:val="⃗"/>
                               <m:ctrlPr>
                                 <a:rPr lang="en-US" sz="2000" b="0" i="1" smtClean="0">
-                                  <a:latin typeface="Cambria Math" charset="0"/>
+                                  <a:latin typeface="Cambria Math" panose="02040503050406030204" pitchFamily="18" charset="0"/>
                                   <a:cs typeface="Arial" panose="020B0604020202020204" pitchFamily="34" charset="0"/>
                                 </a:rPr>
                               </m:ctrlPr>
@@ -19797,7 +19797,7 @@
                               <m:chr m:val="⃗"/>
                               <m:ctrlPr>
                                 <a:rPr lang="en-US" sz="2000" b="0" i="1" smtClean="0">
-                                  <a:latin typeface="Cambria Math" charset="0"/>
+                                  <a:latin typeface="Cambria Math" panose="02040503050406030204" pitchFamily="18" charset="0"/>
                                   <a:cs typeface="Arial" panose="020B0604020202020204" pitchFamily="34" charset="0"/>
                                 </a:rPr>
                               </m:ctrlPr>
@@ -19897,7 +19897,7 @@
                             <m:sSubPr>
                               <m:ctrlPr>
                                 <a:rPr lang="en-US" sz="2000" b="0" i="1" smtClean="0">
-                                  <a:latin typeface="Cambria Math" charset="0"/>
+                                  <a:latin typeface="Cambria Math" panose="02040503050406030204" pitchFamily="18" charset="0"/>
                                   <a:cs typeface="Arial" panose="020B0604020202020204" pitchFamily="34" charset="0"/>
                                 </a:rPr>
                               </m:ctrlPr>
@@ -19908,7 +19908,7 @@
                                   <m:chr m:val="⃗"/>
                                   <m:ctrlPr>
                                     <a:rPr lang="en-US" sz="2000" b="0" i="1" smtClean="0">
-                                      <a:latin typeface="Cambria Math" charset="0"/>
+                                      <a:latin typeface="Cambria Math" panose="02040503050406030204" pitchFamily="18" charset="0"/>
                                       <a:cs typeface="Arial" panose="020B0604020202020204" pitchFamily="34" charset="0"/>
                                     </a:rPr>
                                   </m:ctrlPr>
@@ -20019,7 +20019,7 @@
                             <m:sSubPr>
                               <m:ctrlPr>
                                 <a:rPr lang="en-US" sz="2000" b="0" i="1" smtClean="0">
-                                  <a:latin typeface="Cambria Math" charset="0"/>
+                                  <a:latin typeface="Cambria Math" panose="02040503050406030204" pitchFamily="18" charset="0"/>
                                   <a:cs typeface="Arial" panose="020B0604020202020204" pitchFamily="34" charset="0"/>
                                 </a:rPr>
                               </m:ctrlPr>
@@ -20030,7 +20030,7 @@
                                   <m:chr m:val="⃗"/>
                                   <m:ctrlPr>
                                     <a:rPr lang="en-US" sz="2000" b="0" i="1" smtClean="0">
-                                      <a:latin typeface="Cambria Math" charset="0"/>
+                                      <a:latin typeface="Cambria Math" panose="02040503050406030204" pitchFamily="18" charset="0"/>
                                       <a:cs typeface="Arial" panose="020B0604020202020204" pitchFamily="34" charset="0"/>
                                     </a:rPr>
                                   </m:ctrlPr>
@@ -20890,7 +20890,7 @@
                                 <m:chr m:val="⃗"/>
                                 <m:ctrlPr>
                                   <a:rPr lang="en-US" sz="2000" b="0" i="1" smtClean="0">
-                                    <a:latin typeface="Cambria Math" charset="0"/>
+                                    <a:latin typeface="Cambria Math" panose="02040503050406030204" pitchFamily="18" charset="0"/>
                                     <a:cs typeface="Arial" panose="020B0604020202020204" pitchFamily="34" charset="0"/>
                                   </a:rPr>
                                 </m:ctrlPr>
@@ -21702,7 +21702,7 @@
                                 <m:chr m:val="⃗"/>
                                 <m:ctrlPr>
                                   <a:rPr lang="en-US" sz="2000" b="0" i="1" smtClean="0">
-                                    <a:latin typeface="Cambria Math" charset="0"/>
+                                    <a:latin typeface="Cambria Math" panose="02040503050406030204" pitchFamily="18" charset="0"/>
                                     <a:cs typeface="Arial" panose="020B0604020202020204" pitchFamily="34" charset="0"/>
                                   </a:rPr>
                                 </m:ctrlPr>
@@ -21887,7 +21887,7 @@
                           <m:sSupPr>
                             <m:ctrlPr>
                               <a:rPr lang="en-US" sz="2000" b="0" i="1" smtClean="0">
-                                <a:latin typeface="Cambria Math" charset="0"/>
+                                <a:latin typeface="Cambria Math" panose="02040503050406030204" pitchFamily="18" charset="0"/>
                                 <a:cs typeface="Arial" panose="020B0604020202020204" pitchFamily="34" charset="0"/>
                               </a:rPr>
                             </m:ctrlPr>
@@ -21898,7 +21898,7 @@
                                 <m:chr m:val="⃗"/>
                                 <m:ctrlPr>
                                   <a:rPr lang="en-US" sz="2000" b="0" i="1" smtClean="0">
-                                    <a:latin typeface="Cambria Math" charset="0"/>
+                                    <a:latin typeface="Cambria Math" panose="02040503050406030204" pitchFamily="18" charset="0"/>
                                     <a:cs typeface="Arial" panose="020B0604020202020204" pitchFamily="34" charset="0"/>
                                   </a:rPr>
                                 </m:ctrlPr>
@@ -22045,7 +22045,7 @@
                           <m:sSupPr>
                             <m:ctrlPr>
                               <a:rPr lang="en-US" sz="2000" b="0" i="1" smtClean="0">
-                                <a:latin typeface="Cambria Math" charset="0"/>
+                                <a:latin typeface="Cambria Math" panose="02040503050406030204" pitchFamily="18" charset="0"/>
                                 <a:cs typeface="Arial" panose="020B0604020202020204" pitchFamily="34" charset="0"/>
                               </a:rPr>
                             </m:ctrlPr>
@@ -22055,7 +22055,7 @@
                               <m:sSubPr>
                                 <m:ctrlPr>
                                   <a:rPr lang="en-US" sz="2000" b="0" i="1" smtClean="0">
-                                    <a:latin typeface="Cambria Math" charset="0"/>
+                                    <a:latin typeface="Cambria Math" panose="02040503050406030204" pitchFamily="18" charset="0"/>
                                     <a:cs typeface="Arial" panose="020B0604020202020204" pitchFamily="34" charset="0"/>
                                   </a:rPr>
                                 </m:ctrlPr>
@@ -22066,7 +22066,7 @@
                                     <m:chr m:val="⃗"/>
                                     <m:ctrlPr>
                                       <a:rPr lang="en-US" sz="2000" b="0" i="1" smtClean="0">
-                                        <a:latin typeface="Cambria Math" charset="0"/>
+                                        <a:latin typeface="Cambria Math" panose="02040503050406030204" pitchFamily="18" charset="0"/>
                                         <a:cs typeface="Arial" panose="020B0604020202020204" pitchFamily="34" charset="0"/>
                                       </a:rPr>
                                     </m:ctrlPr>
@@ -22471,7 +22471,7 @@
                             <m:chr m:val="⃗"/>
                             <m:ctrlPr>
                               <a:rPr lang="en-US" sz="2000" b="0" i="1" smtClean="0">
-                                <a:latin typeface="Cambria Math" charset="0"/>
+                                <a:latin typeface="Cambria Math" panose="02040503050406030204" pitchFamily="18" charset="0"/>
                                 <a:cs typeface="Arial" panose="020B0604020202020204" pitchFamily="34" charset="0"/>
                               </a:rPr>
                             </m:ctrlPr>
@@ -22579,7 +22579,7 @@
                             <m:chr m:val="⃗"/>
                             <m:ctrlPr>
                               <a:rPr lang="en-US" sz="2000" b="0" i="1" smtClean="0">
-                                <a:latin typeface="Cambria Math" charset="0"/>
+                                <a:latin typeface="Cambria Math" panose="02040503050406030204" pitchFamily="18" charset="0"/>
                                 <a:cs typeface="Arial" panose="020B0604020202020204" pitchFamily="34" charset="0"/>
                               </a:rPr>
                             </m:ctrlPr>
@@ -23216,7 +23216,7 @@
                                     <m:chr m:val="⃗"/>
                                     <m:ctrlPr>
                                       <a:rPr lang="en-US" sz="2000" b="0" i="1" smtClean="0">
-                                        <a:latin typeface="Cambria Math" charset="0"/>
+                                        <a:latin typeface="Cambria Math" panose="02040503050406030204" pitchFamily="18" charset="0"/>
                                         <a:cs typeface="Arial" panose="020B0604020202020204" pitchFamily="34" charset="0"/>
                                       </a:rPr>
                                     </m:ctrlPr>
@@ -23324,7 +23324,7 @@
                                     <m:chr m:val="⃗"/>
                                     <m:ctrlPr>
                                       <a:rPr lang="en-US" sz="2000" b="0" i="1" smtClean="0">
-                                        <a:latin typeface="Cambria Math" charset="0"/>
+                                        <a:latin typeface="Cambria Math" panose="02040503050406030204" pitchFamily="18" charset="0"/>
                                         <a:cs typeface="Arial" panose="020B0604020202020204" pitchFamily="34" charset="0"/>
                                       </a:rPr>
                                     </m:ctrlPr>
@@ -23729,7 +23729,7 @@
                                   <m:chr m:val="⃗"/>
                                   <m:ctrlPr>
                                     <a:rPr lang="en-US" sz="2000" b="0" i="1" smtClean="0">
-                                      <a:latin typeface="Cambria Math" charset="0"/>
+                                      <a:latin typeface="Cambria Math" panose="02040503050406030204" pitchFamily="18" charset="0"/>
                                       <a:cs typeface="Arial" panose="020B0604020202020204" pitchFamily="34" charset="0"/>
                                     </a:rPr>
                                   </m:ctrlPr>
@@ -23830,7 +23830,7 @@
                                   <m:chr m:val="⃗"/>
                                   <m:ctrlPr>
                                     <a:rPr lang="en-US" sz="2000" b="0" i="1" smtClean="0">
-                                      <a:latin typeface="Cambria Math" charset="0"/>
+                                      <a:latin typeface="Cambria Math" panose="02040503050406030204" pitchFamily="18" charset="0"/>
                                       <a:cs typeface="Arial" panose="020B0604020202020204" pitchFamily="34" charset="0"/>
                                     </a:rPr>
                                   </m:ctrlPr>
@@ -24708,7 +24708,7 @@
                                     <m:chr m:val="⃗"/>
                                     <m:ctrlPr>
                                       <a:rPr lang="en-US" sz="2000" b="0" i="1" smtClean="0">
-                                        <a:latin typeface="Cambria Math" charset="0"/>
+                                        <a:latin typeface="Cambria Math" panose="02040503050406030204" pitchFamily="18" charset="0"/>
                                         <a:cs typeface="Arial" panose="020B0604020202020204" pitchFamily="34" charset="0"/>
                                       </a:rPr>
                                     </m:ctrlPr>
@@ -24816,7 +24816,7 @@
                                     <m:chr m:val="⃗"/>
                                     <m:ctrlPr>
                                       <a:rPr lang="en-US" sz="2000" b="0" i="1" smtClean="0">
-                                        <a:latin typeface="Cambria Math" charset="0"/>
+                                        <a:latin typeface="Cambria Math" panose="02040503050406030204" pitchFamily="18" charset="0"/>
                                         <a:cs typeface="Arial" panose="020B0604020202020204" pitchFamily="34" charset="0"/>
                                       </a:rPr>
                                     </m:ctrlPr>
@@ -25130,7 +25130,7 @@
                                   <m:chr m:val="⃗"/>
                                   <m:ctrlPr>
                                     <a:rPr lang="en-US" sz="2000" b="0" i="1" smtClean="0">
-                                      <a:latin typeface="Cambria Math" charset="0"/>
+                                      <a:latin typeface="Cambria Math" panose="02040503050406030204" pitchFamily="18" charset="0"/>
                                       <a:cs typeface="Arial" panose="020B0604020202020204" pitchFamily="34" charset="0"/>
                                     </a:rPr>
                                   </m:ctrlPr>
@@ -26356,7 +26356,7 @@
                             <m:sSubPr>
                               <m:ctrlPr>
                                 <a:rPr lang="en-US" sz="2000" b="0" i="1" smtClean="0">
-                                  <a:latin typeface="Cambria Math" charset="0"/>
+                                  <a:latin typeface="Cambria Math" panose="02040503050406030204" pitchFamily="18" charset="0"/>
                                   <a:cs typeface="Arial" panose="020B0604020202020204" pitchFamily="34" charset="0"/>
                                 </a:rPr>
                               </m:ctrlPr>
@@ -26367,7 +26367,7 @@
                                   <m:chr m:val="⃗"/>
                                   <m:ctrlPr>
                                     <a:rPr lang="en-US" sz="2000" b="0" i="1" smtClean="0">
-                                      <a:latin typeface="Cambria Math" charset="0"/>
+                                      <a:latin typeface="Cambria Math" panose="02040503050406030204" pitchFamily="18" charset="0"/>
                                       <a:cs typeface="Arial" panose="020B0604020202020204" pitchFamily="34" charset="0"/>
                                     </a:rPr>
                                   </m:ctrlPr>
@@ -26478,7 +26478,7 @@
                             <m:sSubPr>
                               <m:ctrlPr>
                                 <a:rPr lang="en-US" sz="2000" b="0" i="1" smtClean="0">
-                                  <a:latin typeface="Cambria Math" charset="0"/>
+                                  <a:latin typeface="Cambria Math" panose="02040503050406030204" pitchFamily="18" charset="0"/>
                                   <a:cs typeface="Arial" panose="020B0604020202020204" pitchFamily="34" charset="0"/>
                                 </a:rPr>
                               </m:ctrlPr>
@@ -26489,7 +26489,7 @@
                                   <m:chr m:val="⃗"/>
                                   <m:ctrlPr>
                                     <a:rPr lang="en-US" sz="2000" b="0" i="1" smtClean="0">
-                                      <a:latin typeface="Cambria Math" charset="0"/>
+                                      <a:latin typeface="Cambria Math" panose="02040503050406030204" pitchFamily="18" charset="0"/>
                                       <a:cs typeface="Arial" panose="020B0604020202020204" pitchFamily="34" charset="0"/>
                                     </a:rPr>
                                   </m:ctrlPr>
@@ -26600,7 +26600,7 @@
                             <m:sSubPr>
                               <m:ctrlPr>
                                 <a:rPr lang="en-US" sz="2000" b="0" i="1" smtClean="0">
-                                  <a:latin typeface="Cambria Math" charset="0"/>
+                                  <a:latin typeface="Cambria Math" panose="02040503050406030204" pitchFamily="18" charset="0"/>
                                   <a:cs typeface="Arial" panose="020B0604020202020204" pitchFamily="34" charset="0"/>
                                 </a:rPr>
                               </m:ctrlPr>
@@ -26709,7 +26709,7 @@
                             <m:sSubPr>
                               <m:ctrlPr>
                                 <a:rPr lang="en-US" sz="2000" b="0" i="1" smtClean="0">
-                                  <a:latin typeface="Cambria Math" charset="0"/>
+                                  <a:latin typeface="Cambria Math" panose="02040503050406030204" pitchFamily="18" charset="0"/>
                                   <a:cs typeface="Arial" panose="020B0604020202020204" pitchFamily="34" charset="0"/>
                                 </a:rPr>
                               </m:ctrlPr>
@@ -27341,7 +27341,7 @@
                           <m:sSubPr>
                             <m:ctrlPr>
                               <a:rPr lang="en-US" sz="2000" b="0" i="1" smtClean="0">
-                                <a:latin typeface="Cambria Math" charset="0"/>
+                                <a:latin typeface="Cambria Math" panose="02040503050406030204" pitchFamily="18" charset="0"/>
                                 <a:cs typeface="Arial" panose="020B0604020202020204" pitchFamily="34" charset="0"/>
                               </a:rPr>
                             </m:ctrlPr>
@@ -27352,7 +27352,7 @@
                                 <m:chr m:val="⃗"/>
                                 <m:ctrlPr>
                                   <a:rPr lang="en-US" sz="2000" b="0" i="1" smtClean="0">
-                                    <a:latin typeface="Cambria Math" charset="0"/>
+                                    <a:latin typeface="Cambria Math" panose="02040503050406030204" pitchFamily="18" charset="0"/>
                                     <a:cs typeface="Arial" panose="020B0604020202020204" pitchFamily="34" charset="0"/>
                                   </a:rPr>
                                 </m:ctrlPr>
@@ -27463,7 +27463,7 @@
                           <m:sSubPr>
                             <m:ctrlPr>
                               <a:rPr lang="en-US" sz="2000" b="0" i="1" smtClean="0">
-                                <a:latin typeface="Cambria Math" charset="0"/>
+                                <a:latin typeface="Cambria Math" panose="02040503050406030204" pitchFamily="18" charset="0"/>
                                 <a:cs typeface="Arial" panose="020B0604020202020204" pitchFamily="34" charset="0"/>
                               </a:rPr>
                             </m:ctrlPr>
@@ -27474,7 +27474,7 @@
                                 <m:chr m:val="⃗"/>
                                 <m:ctrlPr>
                                   <a:rPr lang="en-US" sz="2000" b="0" i="1" smtClean="0">
-                                    <a:latin typeface="Cambria Math" charset="0"/>
+                                    <a:latin typeface="Cambria Math" panose="02040503050406030204" pitchFamily="18" charset="0"/>
                                     <a:cs typeface="Arial" panose="020B0604020202020204" pitchFamily="34" charset="0"/>
                                   </a:rPr>
                                 </m:ctrlPr>
@@ -27585,7 +27585,7 @@
                           <m:sSubPr>
                             <m:ctrlPr>
                               <a:rPr lang="en-US" sz="2000" b="0" i="1" smtClean="0">
-                                <a:latin typeface="Cambria Math" charset="0"/>
+                                <a:latin typeface="Cambria Math" panose="02040503050406030204" pitchFamily="18" charset="0"/>
                                 <a:cs typeface="Arial" panose="020B0604020202020204" pitchFamily="34" charset="0"/>
                               </a:rPr>
                             </m:ctrlPr>
@@ -27695,7 +27695,7 @@
                             <m:chr m:val="⃗"/>
                             <m:ctrlPr>
                               <a:rPr lang="en-US" sz="2000" b="0" i="1" smtClean="0">
-                                <a:latin typeface="Cambria Math" charset="0"/>
+                                <a:latin typeface="Cambria Math" panose="02040503050406030204" pitchFamily="18" charset="0"/>
                                 <a:cs typeface="Arial" panose="020B0604020202020204" pitchFamily="34" charset="0"/>
                               </a:rPr>
                             </m:ctrlPr>
@@ -27803,7 +27803,7 @@
                             <m:chr m:val="⃗"/>
                             <m:ctrlPr>
                               <a:rPr lang="en-US" sz="2000" b="0" i="1" smtClean="0">
-                                <a:latin typeface="Cambria Math" charset="0"/>
+                                <a:latin typeface="Cambria Math" panose="02040503050406030204" pitchFamily="18" charset="0"/>
                                 <a:cs typeface="Arial" panose="020B0604020202020204" pitchFamily="34" charset="0"/>
                               </a:rPr>
                             </m:ctrlPr>
@@ -28256,7 +28256,7 @@
                               <m:sSubPr>
                                 <m:ctrlPr>
                                   <a:rPr lang="en-US" sz="2000" b="0" i="1" smtClean="0">
-                                    <a:latin typeface="Cambria Math" charset="0"/>
+                                    <a:latin typeface="Cambria Math" panose="02040503050406030204" pitchFamily="18" charset="0"/>
                                     <a:cs typeface="Arial" panose="020B0604020202020204" pitchFamily="34" charset="0"/>
                                   </a:rPr>
                                 </m:ctrlPr>
@@ -28365,7 +28365,7 @@
                               <m:sSubPr>
                                 <m:ctrlPr>
                                   <a:rPr lang="en-US" sz="2000" b="0" i="1" smtClean="0">
-                                    <a:latin typeface="Cambria Math" charset="0"/>
+                                    <a:latin typeface="Cambria Math" panose="02040503050406030204" pitchFamily="18" charset="0"/>
                                     <a:cs typeface="Arial" panose="020B0604020202020204" pitchFamily="34" charset="0"/>
                                   </a:rPr>
                                 </m:ctrlPr>
@@ -28548,7 +28548,7 @@
                               <m:sSubPr>
                                 <m:ctrlPr>
                                   <a:rPr lang="en-US" sz="2000" b="0" i="1" smtClean="0">
-                                    <a:latin typeface="Cambria Math" charset="0"/>
+                                    <a:latin typeface="Cambria Math" panose="02040503050406030204" pitchFamily="18" charset="0"/>
                                     <a:cs typeface="Arial" panose="020B0604020202020204" pitchFamily="34" charset="0"/>
                                   </a:rPr>
                                 </m:ctrlPr>
@@ -29298,7 +29298,7 @@
                               <m:sSubPr>
                                 <m:ctrlPr>
                                   <a:rPr lang="en-US" sz="2000" b="0" i="1" smtClean="0">
-                                    <a:latin typeface="Cambria Math" charset="0"/>
+                                    <a:latin typeface="Cambria Math" panose="02040503050406030204" pitchFamily="18" charset="0"/>
                                     <a:cs typeface="Arial" panose="020B0604020202020204" pitchFamily="34" charset="0"/>
                                   </a:rPr>
                                 </m:ctrlPr>
@@ -29309,7 +29309,7 @@
                                     <m:chr m:val="⃗"/>
                                     <m:ctrlPr>
                                       <a:rPr lang="en-US" sz="2000" b="0" i="1" smtClean="0">
-                                        <a:latin typeface="Cambria Math" charset="0"/>
+                                        <a:latin typeface="Cambria Math" panose="02040503050406030204" pitchFamily="18" charset="0"/>
                                         <a:cs typeface="Arial" panose="020B0604020202020204" pitchFamily="34" charset="0"/>
                                       </a:rPr>
                                     </m:ctrlPr>
@@ -29420,7 +29420,7 @@
                               <m:sSubPr>
                                 <m:ctrlPr>
                                   <a:rPr lang="en-US" sz="2000" b="0" i="1" smtClean="0">
-                                    <a:latin typeface="Cambria Math" charset="0"/>
+                                    <a:latin typeface="Cambria Math" panose="02040503050406030204" pitchFamily="18" charset="0"/>
                                     <a:cs typeface="Arial" panose="020B0604020202020204" pitchFamily="34" charset="0"/>
                                   </a:rPr>
                                 </m:ctrlPr>
@@ -29431,7 +29431,7 @@
                                     <m:chr m:val="⃗"/>
                                     <m:ctrlPr>
                                       <a:rPr lang="en-US" sz="2000" b="0" i="1" smtClean="0">
-                                        <a:latin typeface="Cambria Math" charset="0"/>
+                                        <a:latin typeface="Cambria Math" panose="02040503050406030204" pitchFamily="18" charset="0"/>
                                         <a:cs typeface="Arial" panose="020B0604020202020204" pitchFamily="34" charset="0"/>
                                       </a:rPr>
                                     </m:ctrlPr>
@@ -29828,7 +29828,7 @@
                               <m:sSubPr>
                                 <m:ctrlPr>
                                   <a:rPr lang="en-US" sz="2000" b="0" i="1" smtClean="0">
-                                    <a:latin typeface="Cambria Math" charset="0"/>
+                                    <a:latin typeface="Cambria Math" panose="02040503050406030204" pitchFamily="18" charset="0"/>
                                     <a:cs typeface="Arial" panose="020B0604020202020204" pitchFamily="34" charset="0"/>
                                   </a:rPr>
                                 </m:ctrlPr>
@@ -29839,7 +29839,7 @@
                                     <m:chr m:val="⃗"/>
                                     <m:ctrlPr>
                                       <a:rPr lang="en-US" sz="2000" b="0" i="1" smtClean="0">
-                                        <a:latin typeface="Cambria Math" charset="0"/>
+                                        <a:latin typeface="Cambria Math" panose="02040503050406030204" pitchFamily="18" charset="0"/>
                                         <a:cs typeface="Arial" panose="020B0604020202020204" pitchFamily="34" charset="0"/>
                                       </a:rPr>
                                     </m:ctrlPr>
@@ -29993,7 +29993,7 @@
                               <m:sSubPr>
                                 <m:ctrlPr>
                                   <a:rPr lang="en-US" sz="2000" b="0" i="1" smtClean="0">
-                                    <a:latin typeface="Cambria Math" charset="0"/>
+                                    <a:latin typeface="Cambria Math" panose="02040503050406030204" pitchFamily="18" charset="0"/>
                                     <a:cs typeface="Arial" panose="020B0604020202020204" pitchFamily="34" charset="0"/>
                                   </a:rPr>
                                 </m:ctrlPr>
@@ -30004,7 +30004,7 @@
                                     <m:chr m:val="⃗"/>
                                     <m:ctrlPr>
                                       <a:rPr lang="en-US" sz="2000" b="0" i="1" smtClean="0">
-                                        <a:latin typeface="Cambria Math" charset="0"/>
+                                        <a:latin typeface="Cambria Math" panose="02040503050406030204" pitchFamily="18" charset="0"/>
                                         <a:cs typeface="Arial" panose="020B0604020202020204" pitchFamily="34" charset="0"/>
                                       </a:rPr>
                                     </m:ctrlPr>
@@ -30239,7 +30239,7 @@
                               <m:sSubPr>
                                 <m:ctrlPr>
                                   <a:rPr lang="en-US" sz="2000" b="0" i="1" smtClean="0">
-                                    <a:latin typeface="Cambria Math" charset="0"/>
+                                    <a:latin typeface="Cambria Math" panose="02040503050406030204" pitchFamily="18" charset="0"/>
                                     <a:cs typeface="Arial" panose="020B0604020202020204" pitchFamily="34" charset="0"/>
                                   </a:rPr>
                                 </m:ctrlPr>
@@ -30250,7 +30250,7 @@
                                     <m:chr m:val="⃗"/>
                                     <m:ctrlPr>
                                       <a:rPr lang="en-US" sz="2000" b="0" i="1" smtClean="0">
-                                        <a:latin typeface="Cambria Math" charset="0"/>
+                                        <a:latin typeface="Cambria Math" panose="02040503050406030204" pitchFamily="18" charset="0"/>
                                         <a:cs typeface="Arial" panose="020B0604020202020204" pitchFamily="34" charset="0"/>
                                       </a:rPr>
                                     </m:ctrlPr>
@@ -30398,7 +30398,7 @@
                                 <m:chr m:val="⃗"/>
                                 <m:ctrlPr>
                                   <a:rPr lang="en-US" sz="2000" b="0" i="1" smtClean="0">
-                                    <a:latin typeface="Cambria Math" charset="0"/>
+                                    <a:latin typeface="Cambria Math" panose="02040503050406030204" pitchFamily="18" charset="0"/>
                                     <a:cs typeface="Arial" panose="020B0604020202020204" pitchFamily="34" charset="0"/>
                                   </a:rPr>
                                 </m:ctrlPr>
@@ -30916,7 +30916,7 @@
                             <m:chr m:val="⃗"/>
                             <m:ctrlPr>
                               <a:rPr lang="en-US" sz="2000" b="0" i="1" smtClean="0">
-                                <a:latin typeface="Cambria Math" charset="0"/>
+                                <a:latin typeface="Cambria Math" panose="02040503050406030204" pitchFamily="18" charset="0"/>
                                 <a:cs typeface="Arial" panose="020B0604020202020204" pitchFamily="34" charset="0"/>
                               </a:rPr>
                             </m:ctrlPr>
@@ -30963,6 +30963,746 @@
                   <a:blip r:embed="rId30"/>
                   <a:stretch>
                     <a:fillRect l="-27273" t="-33333" r="-93939" b="-5882"/>
+                  </a:stretch>
+                </a:blipFill>
+              </p:spPr>
+              <p:txBody>
+                <a:bodyPr/>
+                <a:lstStyle/>
+                <a:p>
+                  <a:r>
+                    <a:rPr lang="en-US">
+                      <a:noFill/>
+                    </a:rPr>
+                    <a:t> </a:t>
+                  </a:r>
+                </a:p>
+              </p:txBody>
+            </p:sp>
+          </mc:Fallback>
+        </mc:AlternateContent>
+      </p:grpSp>
+      <p:grpSp>
+        <p:nvGrpSpPr>
+          <p:cNvPr id="54" name="Group 53"/>
+          <p:cNvGrpSpPr/>
+          <p:nvPr/>
+        </p:nvGrpSpPr>
+        <p:grpSpPr>
+          <a:xfrm>
+            <a:off x="8101250" y="1573162"/>
+            <a:ext cx="2265263" cy="1985047"/>
+            <a:chOff x="8101250" y="1573162"/>
+            <a:chExt cx="2265263" cy="1985047"/>
+          </a:xfrm>
+        </p:grpSpPr>
+        <p:sp>
+          <p:nvSpPr>
+            <p:cNvPr id="10" name="Oval 9"/>
+            <p:cNvSpPr/>
+            <p:nvPr/>
+          </p:nvSpPr>
+          <p:spPr>
+            <a:xfrm>
+              <a:off x="8169965" y="2474753"/>
+              <a:ext cx="2196548" cy="343676"/>
+            </a:xfrm>
+            <a:prstGeom prst="ellipse">
+              <a:avLst/>
+            </a:prstGeom>
+            <a:solidFill>
+              <a:schemeClr val="bg2">
+                <a:lumMod val="90000"/>
+              </a:schemeClr>
+            </a:solidFill>
+            <a:ln w="38100">
+              <a:solidFill>
+                <a:schemeClr val="tx1"/>
+              </a:solidFill>
+            </a:ln>
+          </p:spPr>
+          <p:style>
+            <a:lnRef idx="2">
+              <a:schemeClr val="accent1">
+                <a:shade val="50000"/>
+              </a:schemeClr>
+            </a:lnRef>
+            <a:fillRef idx="1">
+              <a:schemeClr val="accent1"/>
+            </a:fillRef>
+            <a:effectRef idx="0">
+              <a:schemeClr val="accent1"/>
+            </a:effectRef>
+            <a:fontRef idx="minor">
+              <a:schemeClr val="lt1"/>
+            </a:fontRef>
+          </p:style>
+          <p:txBody>
+            <a:bodyPr rtlCol="0" anchor="ctr"/>
+            <a:lstStyle/>
+            <a:p>
+              <a:pPr algn="ctr"/>
+              <a:endParaRPr lang="en-US"/>
+            </a:p>
+          </p:txBody>
+        </p:sp>
+        <p:cxnSp>
+          <p:nvCxnSpPr>
+            <p:cNvPr id="3" name="Straight Connector 2"/>
+            <p:cNvCxnSpPr/>
+            <p:nvPr/>
+          </p:nvCxnSpPr>
+          <p:spPr>
+            <a:xfrm>
+              <a:off x="9268239" y="1573162"/>
+              <a:ext cx="4969" cy="1073429"/>
+            </a:xfrm>
+            <a:prstGeom prst="line">
+              <a:avLst/>
+            </a:prstGeom>
+            <a:ln w="38100">
+              <a:solidFill>
+                <a:schemeClr val="tx1"/>
+              </a:solidFill>
+            </a:ln>
+          </p:spPr>
+          <p:style>
+            <a:lnRef idx="1">
+              <a:schemeClr val="accent1"/>
+            </a:lnRef>
+            <a:fillRef idx="0">
+              <a:schemeClr val="accent1"/>
+            </a:fillRef>
+            <a:effectRef idx="0">
+              <a:schemeClr val="accent1"/>
+            </a:effectRef>
+            <a:fontRef idx="minor">
+              <a:schemeClr val="tx1"/>
+            </a:fontRef>
+          </p:style>
+        </p:cxnSp>
+        <p:cxnSp>
+          <p:nvCxnSpPr>
+            <p:cNvPr id="55" name="Straight Connector 54"/>
+            <p:cNvCxnSpPr/>
+            <p:nvPr/>
+          </p:nvCxnSpPr>
+          <p:spPr>
+            <a:xfrm flipH="1">
+              <a:off x="9273208" y="2828261"/>
+              <a:ext cx="2" cy="729948"/>
+            </a:xfrm>
+            <a:prstGeom prst="line">
+              <a:avLst/>
+            </a:prstGeom>
+            <a:ln w="38100">
+              <a:solidFill>
+                <a:schemeClr val="tx1"/>
+              </a:solidFill>
+            </a:ln>
+          </p:spPr>
+          <p:style>
+            <a:lnRef idx="1">
+              <a:schemeClr val="accent1"/>
+            </a:lnRef>
+            <a:fillRef idx="0">
+              <a:schemeClr val="accent1"/>
+            </a:fillRef>
+            <a:effectRef idx="0">
+              <a:schemeClr val="accent1"/>
+            </a:effectRef>
+            <a:fontRef idx="minor">
+              <a:schemeClr val="tx1"/>
+            </a:fontRef>
+          </p:style>
+        </p:cxnSp>
+        <p:cxnSp>
+          <p:nvCxnSpPr>
+            <p:cNvPr id="24" name="Straight Connector 23"/>
+            <p:cNvCxnSpPr/>
+            <p:nvPr/>
+          </p:nvCxnSpPr>
+          <p:spPr>
+            <a:xfrm>
+              <a:off x="9273849" y="2646591"/>
+              <a:ext cx="0" cy="171838"/>
+            </a:xfrm>
+            <a:prstGeom prst="line">
+              <a:avLst/>
+            </a:prstGeom>
+            <a:ln w="38100">
+              <a:solidFill>
+                <a:schemeClr val="tx1"/>
+              </a:solidFill>
+              <a:prstDash val="sysDot"/>
+            </a:ln>
+          </p:spPr>
+          <p:style>
+            <a:lnRef idx="1">
+              <a:schemeClr val="accent1"/>
+            </a:lnRef>
+            <a:fillRef idx="0">
+              <a:schemeClr val="accent1"/>
+            </a:fillRef>
+            <a:effectRef idx="0">
+              <a:schemeClr val="accent1"/>
+            </a:effectRef>
+            <a:fontRef idx="minor">
+              <a:schemeClr val="tx1"/>
+            </a:fontRef>
+          </p:style>
+        </p:cxnSp>
+        <p:sp>
+          <p:nvSpPr>
+            <p:cNvPr id="28" name="Arc 27"/>
+            <p:cNvSpPr/>
+            <p:nvPr/>
+          </p:nvSpPr>
+          <p:spPr>
+            <a:xfrm>
+              <a:off x="8958876" y="1659942"/>
+              <a:ext cx="706837" cy="165881"/>
+            </a:xfrm>
+            <a:prstGeom prst="arc">
+              <a:avLst>
+                <a:gd name="adj1" fmla="val 19822531"/>
+                <a:gd name="adj2" fmla="val 10466937"/>
+              </a:avLst>
+            </a:prstGeom>
+            <a:ln w="28575">
+              <a:solidFill>
+                <a:schemeClr val="tx1"/>
+              </a:solidFill>
+              <a:prstDash val="sysDash"/>
+              <a:headEnd type="triangle" w="med" len="med"/>
+              <a:tailEnd type="none" w="med" len="med"/>
+            </a:ln>
+          </p:spPr>
+          <p:style>
+            <a:lnRef idx="1">
+              <a:schemeClr val="accent1"/>
+            </a:lnRef>
+            <a:fillRef idx="0">
+              <a:schemeClr val="accent1"/>
+            </a:fillRef>
+            <a:effectRef idx="0">
+              <a:schemeClr val="accent1"/>
+            </a:effectRef>
+            <a:fontRef idx="minor">
+              <a:schemeClr val="tx1"/>
+            </a:fontRef>
+          </p:style>
+          <p:txBody>
+            <a:bodyPr rtlCol="0" anchor="ctr"/>
+            <a:lstStyle/>
+            <a:p>
+              <a:pPr algn="ctr"/>
+              <a:endParaRPr lang="en-US"/>
+            </a:p>
+          </p:txBody>
+        </p:sp>
+        <p:sp>
+          <p:nvSpPr>
+            <p:cNvPr id="29" name="Oval 28"/>
+            <p:cNvSpPr/>
+            <p:nvPr/>
+          </p:nvSpPr>
+          <p:spPr>
+            <a:xfrm>
+              <a:off x="8526305" y="2758817"/>
+              <a:ext cx="45719" cy="45719"/>
+            </a:xfrm>
+            <a:prstGeom prst="ellipse">
+              <a:avLst/>
+            </a:prstGeom>
+            <a:solidFill>
+              <a:srgbClr val="FF0000"/>
+            </a:solidFill>
+            <a:ln w="38100">
+              <a:solidFill>
+                <a:srgbClr val="FF0000"/>
+              </a:solidFill>
+            </a:ln>
+          </p:spPr>
+          <p:style>
+            <a:lnRef idx="2">
+              <a:schemeClr val="accent1">
+                <a:shade val="50000"/>
+              </a:schemeClr>
+            </a:lnRef>
+            <a:fillRef idx="1">
+              <a:schemeClr val="accent1"/>
+            </a:fillRef>
+            <a:effectRef idx="0">
+              <a:schemeClr val="accent1"/>
+            </a:effectRef>
+            <a:fontRef idx="minor">
+              <a:schemeClr val="lt1"/>
+            </a:fontRef>
+          </p:style>
+          <p:txBody>
+            <a:bodyPr rtlCol="0" anchor="ctr"/>
+            <a:lstStyle/>
+            <a:p>
+              <a:pPr algn="ctr"/>
+              <a:endParaRPr lang="en-US"/>
+            </a:p>
+          </p:txBody>
+        </p:sp>
+        <p:sp>
+          <p:nvSpPr>
+            <p:cNvPr id="63" name="Oval 62"/>
+            <p:cNvSpPr/>
+            <p:nvPr/>
+          </p:nvSpPr>
+          <p:spPr>
+            <a:xfrm>
+              <a:off x="9620835" y="2684426"/>
+              <a:ext cx="45719" cy="45719"/>
+            </a:xfrm>
+            <a:prstGeom prst="ellipse">
+              <a:avLst/>
+            </a:prstGeom>
+            <a:solidFill>
+              <a:srgbClr val="FF0000"/>
+            </a:solidFill>
+            <a:ln w="38100">
+              <a:solidFill>
+                <a:srgbClr val="FF0000"/>
+              </a:solidFill>
+            </a:ln>
+          </p:spPr>
+          <p:style>
+            <a:lnRef idx="2">
+              <a:schemeClr val="accent1">
+                <a:shade val="50000"/>
+              </a:schemeClr>
+            </a:lnRef>
+            <a:fillRef idx="1">
+              <a:schemeClr val="accent1"/>
+            </a:fillRef>
+            <a:effectRef idx="0">
+              <a:schemeClr val="accent1"/>
+            </a:effectRef>
+            <a:fontRef idx="minor">
+              <a:schemeClr val="lt1"/>
+            </a:fontRef>
+          </p:style>
+          <p:txBody>
+            <a:bodyPr rtlCol="0" anchor="ctr"/>
+            <a:lstStyle/>
+            <a:p>
+              <a:pPr algn="ctr"/>
+              <a:endParaRPr lang="en-US"/>
+            </a:p>
+          </p:txBody>
+        </p:sp>
+        <p:cxnSp>
+          <p:nvCxnSpPr>
+            <p:cNvPr id="33" name="Straight Connector 32"/>
+            <p:cNvCxnSpPr>
+              <a:endCxn id="63" idx="2"/>
+            </p:cNvCxnSpPr>
+            <p:nvPr/>
+          </p:nvCxnSpPr>
+          <p:spPr>
+            <a:xfrm>
+              <a:off x="9270723" y="2674594"/>
+              <a:ext cx="350112" cy="32692"/>
+            </a:xfrm>
+            <a:prstGeom prst="line">
+              <a:avLst/>
+            </a:prstGeom>
+            <a:ln w="12700">
+              <a:solidFill>
+                <a:schemeClr val="tx1"/>
+              </a:solidFill>
+              <a:prstDash val="sysDot"/>
+            </a:ln>
+          </p:spPr>
+          <p:style>
+            <a:lnRef idx="1">
+              <a:schemeClr val="accent1"/>
+            </a:lnRef>
+            <a:fillRef idx="0">
+              <a:schemeClr val="accent1"/>
+            </a:fillRef>
+            <a:effectRef idx="0">
+              <a:schemeClr val="accent1"/>
+            </a:effectRef>
+            <a:fontRef idx="minor">
+              <a:schemeClr val="tx1"/>
+            </a:fontRef>
+          </p:style>
+        </p:cxnSp>
+        <p:cxnSp>
+          <p:nvCxnSpPr>
+            <p:cNvPr id="67" name="Straight Connector 66"/>
+            <p:cNvCxnSpPr>
+              <a:stCxn id="29" idx="7"/>
+            </p:cNvCxnSpPr>
+            <p:nvPr/>
+          </p:nvCxnSpPr>
+          <p:spPr>
+            <a:xfrm flipV="1">
+              <a:off x="8565329" y="2670304"/>
+              <a:ext cx="711647" cy="95208"/>
+            </a:xfrm>
+            <a:prstGeom prst="line">
+              <a:avLst/>
+            </a:prstGeom>
+            <a:ln w="12700">
+              <a:solidFill>
+                <a:schemeClr val="tx1"/>
+              </a:solidFill>
+              <a:prstDash val="sysDot"/>
+            </a:ln>
+          </p:spPr>
+          <p:style>
+            <a:lnRef idx="1">
+              <a:schemeClr val="accent1"/>
+            </a:lnRef>
+            <a:fillRef idx="0">
+              <a:schemeClr val="accent1"/>
+            </a:fillRef>
+            <a:effectRef idx="0">
+              <a:schemeClr val="accent1"/>
+            </a:effectRef>
+            <a:fontRef idx="minor">
+              <a:schemeClr val="tx1"/>
+            </a:fontRef>
+          </p:style>
+        </p:cxnSp>
+        <mc:AlternateContent xmlns:mc="http://schemas.openxmlformats.org/markup-compatibility/2006">
+          <mc:Choice xmlns:a14="http://schemas.microsoft.com/office/drawing/2010/main" Requires="a14">
+            <p:sp>
+              <p:nvSpPr>
+                <p:cNvPr id="41" name="TextBox 40"/>
+                <p:cNvSpPr txBox="1"/>
+                <p:nvPr/>
+              </p:nvSpPr>
+              <p:spPr>
+                <a:xfrm>
+                  <a:off x="8101250" y="2755369"/>
+                  <a:ext cx="234936" cy="307777"/>
+                </a:xfrm>
+                <a:prstGeom prst="rect">
+                  <a:avLst/>
+                </a:prstGeom>
+                <a:noFill/>
+              </p:spPr>
+              <p:txBody>
+                <a:bodyPr wrap="none" lIns="0" tIns="0" rIns="0" bIns="0" rtlCol="0">
+                  <a:spAutoFit/>
+                </a:bodyPr>
+                <a:lstStyle/>
+                <a:p>
+                  <a14:m>
+                    <m:oMathPara xmlns:m="http://schemas.openxmlformats.org/officeDocument/2006/math">
+                      <m:oMathParaPr>
+                        <m:jc m:val="centerGroup"/>
+                      </m:oMathParaPr>
+                      <m:oMath xmlns:m="http://schemas.openxmlformats.org/officeDocument/2006/math">
+                        <m:r>
+                          <a:rPr lang="en-US" sz="2000" b="0" i="1" smtClean="0">
+                            <a:latin typeface="Cambria Math" panose="02040503050406030204" pitchFamily="18" charset="0"/>
+                            <a:cs typeface="Arial" panose="020B0604020202020204" pitchFamily="34" charset="0"/>
+                          </a:rPr>
+                          <m:t>𝐴</m:t>
+                        </m:r>
+                      </m:oMath>
+                    </m:oMathPara>
+                  </a14:m>
+                  <a:endParaRPr lang="en-US" sz="2000" dirty="0" smtClean="0">
+                    <a:latin typeface="Arial" panose="020B0604020202020204" pitchFamily="34" charset="0"/>
+                    <a:cs typeface="Arial" panose="020B0604020202020204" pitchFamily="34" charset="0"/>
+                  </a:endParaRPr>
+                </a:p>
+              </p:txBody>
+            </p:sp>
+          </mc:Choice>
+          <mc:Fallback>
+            <p:sp>
+              <p:nvSpPr>
+                <p:cNvPr id="41" name="TextBox 40"/>
+                <p:cNvSpPr txBox="1">
+                  <a:spLocks noRot="1" noChangeAspect="1" noMove="1" noResize="1" noEditPoints="1" noAdjustHandles="1" noChangeArrowheads="1" noChangeShapeType="1" noTextEdit="1"/>
+                </p:cNvSpPr>
+                <p:nvPr/>
+              </p:nvSpPr>
+              <p:spPr>
+                <a:xfrm>
+                  <a:off x="8101250" y="2755369"/>
+                  <a:ext cx="234936" cy="307777"/>
+                </a:xfrm>
+                <a:prstGeom prst="rect">
+                  <a:avLst/>
+                </a:prstGeom>
+                <a:blipFill>
+                  <a:blip r:embed="rId31"/>
+                  <a:stretch>
+                    <a:fillRect l="-23684" r="-23684" b="-10000"/>
+                  </a:stretch>
+                </a:blipFill>
+              </p:spPr>
+              <p:txBody>
+                <a:bodyPr/>
+                <a:lstStyle/>
+                <a:p>
+                  <a:r>
+                    <a:rPr lang="en-US">
+                      <a:noFill/>
+                    </a:rPr>
+                    <a:t> </a:t>
+                  </a:r>
+                </a:p>
+              </p:txBody>
+            </p:sp>
+          </mc:Fallback>
+        </mc:AlternateContent>
+        <mc:AlternateContent xmlns:mc="http://schemas.openxmlformats.org/markup-compatibility/2006">
+          <mc:Choice xmlns:a14="http://schemas.microsoft.com/office/drawing/2010/main" Requires="a14">
+            <p:sp>
+              <p:nvSpPr>
+                <p:cNvPr id="79" name="TextBox 78"/>
+                <p:cNvSpPr txBox="1"/>
+                <p:nvPr/>
+              </p:nvSpPr>
+              <p:spPr>
+                <a:xfrm>
+                  <a:off x="9643694" y="2785929"/>
+                  <a:ext cx="245708" cy="307777"/>
+                </a:xfrm>
+                <a:prstGeom prst="rect">
+                  <a:avLst/>
+                </a:prstGeom>
+                <a:noFill/>
+              </p:spPr>
+              <p:txBody>
+                <a:bodyPr wrap="none" lIns="0" tIns="0" rIns="0" bIns="0" rtlCol="0">
+                  <a:spAutoFit/>
+                </a:bodyPr>
+                <a:lstStyle/>
+                <a:p>
+                  <a14:m>
+                    <m:oMathPara xmlns:m="http://schemas.openxmlformats.org/officeDocument/2006/math">
+                      <m:oMathParaPr>
+                        <m:jc m:val="centerGroup"/>
+                      </m:oMathParaPr>
+                      <m:oMath xmlns:m="http://schemas.openxmlformats.org/officeDocument/2006/math">
+                        <m:r>
+                          <a:rPr lang="en-US" sz="2000" b="0" i="1" smtClean="0">
+                            <a:latin typeface="Cambria Math" panose="02040503050406030204" pitchFamily="18" charset="0"/>
+                            <a:cs typeface="Arial" panose="020B0604020202020204" pitchFamily="34" charset="0"/>
+                          </a:rPr>
+                          <m:t>𝐵</m:t>
+                        </m:r>
+                      </m:oMath>
+                    </m:oMathPara>
+                  </a14:m>
+                  <a:endParaRPr lang="en-US" sz="2000" dirty="0" smtClean="0">
+                    <a:latin typeface="Arial" panose="020B0604020202020204" pitchFamily="34" charset="0"/>
+                    <a:cs typeface="Arial" panose="020B0604020202020204" pitchFamily="34" charset="0"/>
+                  </a:endParaRPr>
+                </a:p>
+              </p:txBody>
+            </p:sp>
+          </mc:Choice>
+          <mc:Fallback>
+            <p:sp>
+              <p:nvSpPr>
+                <p:cNvPr id="79" name="TextBox 78"/>
+                <p:cNvSpPr txBox="1">
+                  <a:spLocks noRot="1" noChangeAspect="1" noMove="1" noResize="1" noEditPoints="1" noAdjustHandles="1" noChangeArrowheads="1" noChangeShapeType="1" noTextEdit="1"/>
+                </p:cNvSpPr>
+                <p:nvPr/>
+              </p:nvSpPr>
+              <p:spPr>
+                <a:xfrm>
+                  <a:off x="9643694" y="2785929"/>
+                  <a:ext cx="245708" cy="307777"/>
+                </a:xfrm>
+                <a:prstGeom prst="rect">
+                  <a:avLst/>
+                </a:prstGeom>
+                <a:blipFill>
+                  <a:blip r:embed="rId32"/>
+                  <a:stretch>
+                    <a:fillRect l="-22500" r="-20000" b="-12000"/>
+                  </a:stretch>
+                </a:blipFill>
+              </p:spPr>
+              <p:txBody>
+                <a:bodyPr/>
+                <a:lstStyle/>
+                <a:p>
+                  <a:r>
+                    <a:rPr lang="en-US">
+                      <a:noFill/>
+                    </a:rPr>
+                    <a:t> </a:t>
+                  </a:r>
+                </a:p>
+              </p:txBody>
+            </p:sp>
+          </mc:Fallback>
+        </mc:AlternateContent>
+        <mc:AlternateContent xmlns:mc="http://schemas.openxmlformats.org/markup-compatibility/2006">
+          <mc:Choice xmlns:a14="http://schemas.microsoft.com/office/drawing/2010/main" Requires="a14">
+            <p:sp>
+              <p:nvSpPr>
+                <p:cNvPr id="46" name="TextBox 45"/>
+                <p:cNvSpPr txBox="1"/>
+                <p:nvPr/>
+              </p:nvSpPr>
+              <p:spPr>
+                <a:xfrm>
+                  <a:off x="8726171" y="2451040"/>
+                  <a:ext cx="241540" cy="307777"/>
+                </a:xfrm>
+                <a:prstGeom prst="rect">
+                  <a:avLst/>
+                </a:prstGeom>
+                <a:noFill/>
+              </p:spPr>
+              <p:txBody>
+                <a:bodyPr wrap="none" lIns="0" tIns="0" rIns="0" bIns="0" rtlCol="0">
+                  <a:spAutoFit/>
+                </a:bodyPr>
+                <a:lstStyle/>
+                <a:p>
+                  <a14:m>
+                    <m:oMathPara xmlns:m="http://schemas.openxmlformats.org/officeDocument/2006/math">
+                      <m:oMathParaPr>
+                        <m:jc m:val="centerGroup"/>
+                      </m:oMathParaPr>
+                      <m:oMath xmlns:m="http://schemas.openxmlformats.org/officeDocument/2006/math">
+                        <m:r>
+                          <a:rPr lang="en-US" sz="2000" b="0" i="1" smtClean="0">
+                            <a:latin typeface="Cambria Math" panose="02040503050406030204" pitchFamily="18" charset="0"/>
+                            <a:cs typeface="Arial" panose="020B0604020202020204" pitchFamily="34" charset="0"/>
+                          </a:rPr>
+                          <m:t>𝑅</m:t>
+                        </m:r>
+                      </m:oMath>
+                    </m:oMathPara>
+                  </a14:m>
+                  <a:endParaRPr lang="en-US" sz="2000" dirty="0" smtClean="0">
+                    <a:latin typeface="Arial" panose="020B0604020202020204" pitchFamily="34" charset="0"/>
+                    <a:cs typeface="Arial" panose="020B0604020202020204" pitchFamily="34" charset="0"/>
+                  </a:endParaRPr>
+                </a:p>
+              </p:txBody>
+            </p:sp>
+          </mc:Choice>
+          <mc:Fallback>
+            <p:sp>
+              <p:nvSpPr>
+                <p:cNvPr id="46" name="TextBox 45"/>
+                <p:cNvSpPr txBox="1">
+                  <a:spLocks noRot="1" noChangeAspect="1" noMove="1" noResize="1" noEditPoints="1" noAdjustHandles="1" noChangeArrowheads="1" noChangeShapeType="1" noTextEdit="1"/>
+                </p:cNvSpPr>
+                <p:nvPr/>
+              </p:nvSpPr>
+              <p:spPr>
+                <a:xfrm>
+                  <a:off x="8726171" y="2451040"/>
+                  <a:ext cx="241540" cy="307777"/>
+                </a:xfrm>
+                <a:prstGeom prst="rect">
+                  <a:avLst/>
+                </a:prstGeom>
+                <a:blipFill>
+                  <a:blip r:embed="rId33"/>
+                  <a:stretch>
+                    <a:fillRect l="-20000" r="-20000" b="-9804"/>
+                  </a:stretch>
+                </a:blipFill>
+              </p:spPr>
+              <p:txBody>
+                <a:bodyPr/>
+                <a:lstStyle/>
+                <a:p>
+                  <a:r>
+                    <a:rPr lang="en-US">
+                      <a:noFill/>
+                    </a:rPr>
+                    <a:t> </a:t>
+                  </a:r>
+                </a:p>
+              </p:txBody>
+            </p:sp>
+          </mc:Fallback>
+        </mc:AlternateContent>
+        <mc:AlternateContent xmlns:mc="http://schemas.openxmlformats.org/markup-compatibility/2006">
+          <mc:Choice xmlns:a14="http://schemas.microsoft.com/office/drawing/2010/main" Requires="a14">
+            <p:sp>
+              <p:nvSpPr>
+                <p:cNvPr id="82" name="TextBox 81"/>
+                <p:cNvSpPr txBox="1"/>
+                <p:nvPr/>
+              </p:nvSpPr>
+              <p:spPr>
+                <a:xfrm>
+                  <a:off x="9393272" y="2422368"/>
+                  <a:ext cx="198003" cy="307777"/>
+                </a:xfrm>
+                <a:prstGeom prst="rect">
+                  <a:avLst/>
+                </a:prstGeom>
+                <a:noFill/>
+              </p:spPr>
+              <p:txBody>
+                <a:bodyPr wrap="none" lIns="0" tIns="0" rIns="0" bIns="0" rtlCol="0">
+                  <a:spAutoFit/>
+                </a:bodyPr>
+                <a:lstStyle/>
+                <a:p>
+                  <a14:m>
+                    <m:oMathPara xmlns:m="http://schemas.openxmlformats.org/officeDocument/2006/math">
+                      <m:oMathParaPr>
+                        <m:jc m:val="centerGroup"/>
+                      </m:oMathParaPr>
+                      <m:oMath xmlns:m="http://schemas.openxmlformats.org/officeDocument/2006/math">
+                        <m:r>
+                          <a:rPr lang="en-US" sz="2000" b="0" i="1" smtClean="0">
+                            <a:latin typeface="Cambria Math" panose="02040503050406030204" pitchFamily="18" charset="0"/>
+                            <a:cs typeface="Arial" panose="020B0604020202020204" pitchFamily="34" charset="0"/>
+                          </a:rPr>
+                          <m:t>𝑟</m:t>
+                        </m:r>
+                      </m:oMath>
+                    </m:oMathPara>
+                  </a14:m>
+                  <a:endParaRPr lang="en-US" sz="2000" dirty="0" smtClean="0">
+                    <a:latin typeface="Arial" panose="020B0604020202020204" pitchFamily="34" charset="0"/>
+                    <a:cs typeface="Arial" panose="020B0604020202020204" pitchFamily="34" charset="0"/>
+                  </a:endParaRPr>
+                </a:p>
+              </p:txBody>
+            </p:sp>
+          </mc:Choice>
+          <mc:Fallback>
+            <p:sp>
+              <p:nvSpPr>
+                <p:cNvPr id="82" name="TextBox 81"/>
+                <p:cNvSpPr txBox="1">
+                  <a:spLocks noRot="1" noChangeAspect="1" noMove="1" noResize="1" noEditPoints="1" noAdjustHandles="1" noChangeArrowheads="1" noChangeShapeType="1" noTextEdit="1"/>
+                </p:cNvSpPr>
+                <p:nvPr/>
+              </p:nvSpPr>
+              <p:spPr>
+                <a:xfrm>
+                  <a:off x="9393272" y="2422368"/>
+                  <a:ext cx="198003" cy="307777"/>
+                </a:xfrm>
+                <a:prstGeom prst="rect">
+                  <a:avLst/>
+                </a:prstGeom>
+                <a:blipFill>
+                  <a:blip r:embed="rId34"/>
+                  <a:stretch>
+                    <a:fillRect l="-15625" r="-12500" b="-1961"/>
                   </a:stretch>
                 </a:blipFill>
               </p:spPr>
@@ -31343,7 +32083,7 @@
                                 <m:chr m:val="⃗"/>
                                 <m:ctrlPr>
                                   <a:rPr lang="en-US" sz="2000" b="0" i="1" smtClean="0">
-                                    <a:latin typeface="Cambria Math" charset="0"/>
+                                    <a:latin typeface="Cambria Math" panose="02040503050406030204" pitchFamily="18" charset="0"/>
                                     <a:cs typeface="Arial" panose="020B0604020202020204" pitchFamily="34" charset="0"/>
                                   </a:rPr>
                                 </m:ctrlPr>
@@ -31554,7 +32294,7 @@
                                 <m:chr m:val="⃗"/>
                                 <m:ctrlPr>
                                   <a:rPr lang="en-US" sz="2000" b="0" i="1" smtClean="0">
-                                    <a:latin typeface="Cambria Math" charset="0"/>
+                                    <a:latin typeface="Cambria Math" panose="02040503050406030204" pitchFamily="18" charset="0"/>
                                     <a:cs typeface="Arial" panose="020B0604020202020204" pitchFamily="34" charset="0"/>
                                   </a:rPr>
                                 </m:ctrlPr>
@@ -31654,7 +32394,7 @@
                               <m:sSubPr>
                                 <m:ctrlPr>
                                   <a:rPr lang="en-US" sz="2000" b="0" i="1" smtClean="0">
-                                    <a:latin typeface="Cambria Math" charset="0"/>
+                                    <a:latin typeface="Cambria Math" panose="02040503050406030204" pitchFamily="18" charset="0"/>
                                     <a:cs typeface="Arial" panose="020B0604020202020204" pitchFamily="34" charset="0"/>
                                   </a:rPr>
                                 </m:ctrlPr>
@@ -31665,7 +32405,7 @@
                                     <m:chr m:val="⃗"/>
                                     <m:ctrlPr>
                                       <a:rPr lang="en-US" sz="2000" b="0" i="1" smtClean="0">
-                                        <a:latin typeface="Cambria Math" charset="0"/>
+                                        <a:latin typeface="Cambria Math" panose="02040503050406030204" pitchFamily="18" charset="0"/>
                                         <a:cs typeface="Arial" panose="020B0604020202020204" pitchFamily="34" charset="0"/>
                                       </a:rPr>
                                     </m:ctrlPr>
@@ -31776,7 +32516,7 @@
                               <m:sSubPr>
                                 <m:ctrlPr>
                                   <a:rPr lang="en-US" sz="2000" b="0" i="1" smtClean="0">
-                                    <a:latin typeface="Cambria Math" charset="0"/>
+                                    <a:latin typeface="Cambria Math" panose="02040503050406030204" pitchFamily="18" charset="0"/>
                                     <a:cs typeface="Arial" panose="020B0604020202020204" pitchFamily="34" charset="0"/>
                                   </a:rPr>
                                 </m:ctrlPr>
@@ -31787,7 +32527,7 @@
                                     <m:chr m:val="⃗"/>
                                     <m:ctrlPr>
                                       <a:rPr lang="en-US" sz="2000" b="0" i="1" smtClean="0">
-                                        <a:latin typeface="Cambria Math" charset="0"/>
+                                        <a:latin typeface="Cambria Math" panose="02040503050406030204" pitchFamily="18" charset="0"/>
                                         <a:cs typeface="Arial" panose="020B0604020202020204" pitchFamily="34" charset="0"/>
                                       </a:rPr>
                                     </m:ctrlPr>
@@ -32386,7 +33126,7 @@
                           <m:sSubPr>
                             <m:ctrlPr>
                               <a:rPr lang="en-US" sz="2000" b="0" i="1" smtClean="0">
-                                <a:latin typeface="Cambria Math" charset="0"/>
+                                <a:latin typeface="Cambria Math" panose="02040503050406030204" pitchFamily="18" charset="0"/>
                                 <a:cs typeface="Arial" panose="020B0604020202020204" pitchFamily="34" charset="0"/>
                               </a:rPr>
                             </m:ctrlPr>
@@ -32397,7 +33137,7 @@
                                 <m:chr m:val="⃗"/>
                                 <m:ctrlPr>
                                   <a:rPr lang="en-US" sz="2000" b="0" i="1" smtClean="0">
-                                    <a:latin typeface="Cambria Math" charset="0"/>
+                                    <a:latin typeface="Cambria Math" panose="02040503050406030204" pitchFamily="18" charset="0"/>
                                     <a:cs typeface="Arial" panose="020B0604020202020204" pitchFamily="34" charset="0"/>
                                   </a:rPr>
                                 </m:ctrlPr>
@@ -32508,7 +33248,7 @@
                           <m:sSubPr>
                             <m:ctrlPr>
                               <a:rPr lang="en-US" sz="2000" b="0" i="1" smtClean="0">
-                                <a:latin typeface="Cambria Math" charset="0"/>
+                                <a:latin typeface="Cambria Math" panose="02040503050406030204" pitchFamily="18" charset="0"/>
                                 <a:cs typeface="Arial" panose="020B0604020202020204" pitchFamily="34" charset="0"/>
                               </a:rPr>
                             </m:ctrlPr>
@@ -32519,7 +33259,7 @@
                                 <m:chr m:val="⃗"/>
                                 <m:ctrlPr>
                                   <a:rPr lang="en-US" sz="2000" b="0" i="1" smtClean="0">
-                                    <a:latin typeface="Cambria Math" charset="0"/>
+                                    <a:latin typeface="Cambria Math" panose="02040503050406030204" pitchFamily="18" charset="0"/>
                                     <a:cs typeface="Arial" panose="020B0604020202020204" pitchFamily="34" charset="0"/>
                                   </a:rPr>
                                 </m:ctrlPr>
@@ -32630,7 +33370,7 @@
                           <m:sSubPr>
                             <m:ctrlPr>
                               <a:rPr lang="en-US" sz="2000" b="0" i="1" smtClean="0">
-                                <a:latin typeface="Cambria Math" charset="0"/>
+                                <a:latin typeface="Cambria Math" panose="02040503050406030204" pitchFamily="18" charset="0"/>
                                 <a:cs typeface="Arial" panose="020B0604020202020204" pitchFamily="34" charset="0"/>
                               </a:rPr>
                             </m:ctrlPr>
@@ -32641,7 +33381,7 @@
                                 <m:chr m:val="⃗"/>
                                 <m:ctrlPr>
                                   <a:rPr lang="en-US" sz="2000" b="0" i="1" smtClean="0">
-                                    <a:latin typeface="Cambria Math" charset="0"/>
+                                    <a:latin typeface="Cambria Math" panose="02040503050406030204" pitchFamily="18" charset="0"/>
                                     <a:cs typeface="Arial" panose="020B0604020202020204" pitchFamily="34" charset="0"/>
                                   </a:rPr>
                                 </m:ctrlPr>
@@ -33071,7 +33811,7 @@
                               <m:fPr>
                                 <m:ctrlPr>
                                   <a:rPr lang="en-US" sz="2000" b="0" i="1" smtClean="0">
-                                    <a:latin typeface="Cambria Math" charset="0"/>
+                                    <a:latin typeface="Cambria Math" panose="02040503050406030204" pitchFamily="18" charset="0"/>
                                     <a:cs typeface="Arial" panose="020B0604020202020204" pitchFamily="34" charset="0"/>
                                   </a:rPr>
                                 </m:ctrlPr>
@@ -33836,7 +34576,7 @@
                               <m:sSubPr>
                                 <m:ctrlPr>
                                   <a:rPr lang="en-US" sz="2000" b="0" i="1" smtClean="0">
-                                    <a:latin typeface="Cambria Math" charset="0"/>
+                                    <a:latin typeface="Cambria Math" panose="02040503050406030204" pitchFamily="18" charset="0"/>
                                     <a:cs typeface="Arial" panose="020B0604020202020204" pitchFamily="34" charset="0"/>
                                   </a:rPr>
                                 </m:ctrlPr>
@@ -33847,7 +34587,7 @@
                                     <m:chr m:val="⃗"/>
                                     <m:ctrlPr>
                                       <a:rPr lang="en-US" sz="2000" b="0" i="1" smtClean="0">
-                                        <a:latin typeface="Cambria Math" charset="0"/>
+                                        <a:latin typeface="Cambria Math" panose="02040503050406030204" pitchFamily="18" charset="0"/>
                                         <a:cs typeface="Arial" panose="020B0604020202020204" pitchFamily="34" charset="0"/>
                                       </a:rPr>
                                     </m:ctrlPr>
@@ -33959,7 +34699,7 @@
                                 <m:chr m:val="⃗"/>
                                 <m:ctrlPr>
                                   <a:rPr lang="en-US" sz="2000" b="0" i="1" smtClean="0">
-                                    <a:latin typeface="Cambria Math" charset="0"/>
+                                    <a:latin typeface="Cambria Math" panose="02040503050406030204" pitchFamily="18" charset="0"/>
                                     <a:cs typeface="Arial" panose="020B0604020202020204" pitchFamily="34" charset="0"/>
                                   </a:rPr>
                                 </m:ctrlPr>
@@ -34059,7 +34799,7 @@
                               <m:sSubPr>
                                 <m:ctrlPr>
                                   <a:rPr lang="en-US" sz="2000" b="0" i="1" smtClean="0">
-                                    <a:latin typeface="Cambria Math" charset="0"/>
+                                    <a:latin typeface="Cambria Math" panose="02040503050406030204" pitchFamily="18" charset="0"/>
                                     <a:cs typeface="Arial" panose="020B0604020202020204" pitchFamily="34" charset="0"/>
                                   </a:rPr>
                                 </m:ctrlPr>
@@ -34070,7 +34810,7 @@
                                     <m:chr m:val="⃗"/>
                                     <m:ctrlPr>
                                       <a:rPr lang="en-US" sz="2000" b="0" i="1" smtClean="0">
-                                        <a:latin typeface="Cambria Math" charset="0"/>
+                                        <a:latin typeface="Cambria Math" panose="02040503050406030204" pitchFamily="18" charset="0"/>
                                         <a:cs typeface="Arial" panose="020B0604020202020204" pitchFamily="34" charset="0"/>
                                       </a:rPr>
                                     </m:ctrlPr>
@@ -34229,7 +34969,7 @@
                               <m:sSubPr>
                                 <m:ctrlPr>
                                   <a:rPr lang="en-US" sz="2000" b="0" i="1" smtClean="0">
-                                    <a:latin typeface="Cambria Math" charset="0"/>
+                                    <a:latin typeface="Cambria Math" panose="02040503050406030204" pitchFamily="18" charset="0"/>
                                     <a:cs typeface="Arial" panose="020B0604020202020204" pitchFamily="34" charset="0"/>
                                   </a:rPr>
                                 </m:ctrlPr>
@@ -34240,7 +34980,7 @@
                                     <m:chr m:val="⃗"/>
                                     <m:ctrlPr>
                                       <a:rPr lang="en-US" sz="2000" b="0" i="1" smtClean="0">
-                                        <a:latin typeface="Cambria Math" charset="0"/>
+                                        <a:latin typeface="Cambria Math" panose="02040503050406030204" pitchFamily="18" charset="0"/>
                                         <a:cs typeface="Arial" panose="020B0604020202020204" pitchFamily="34" charset="0"/>
                                       </a:rPr>
                                     </m:ctrlPr>
@@ -34767,7 +35507,7 @@
                             <m:fPr>
                               <m:ctrlPr>
                                 <a:rPr lang="en-US" sz="2000" b="0" i="1" smtClean="0">
-                                  <a:latin typeface="Cambria Math" charset="0"/>
+                                  <a:latin typeface="Cambria Math" panose="02040503050406030204" pitchFamily="18" charset="0"/>
                                   <a:cs typeface="Arial" panose="020B0604020202020204" pitchFamily="34" charset="0"/>
                                 </a:rPr>
                               </m:ctrlPr>
@@ -35178,8 +35918,8 @@
               </a:p>
             </p:txBody>
           </p:sp>
-          <mc:AlternateContent xmlns:mc="http://schemas.openxmlformats.org/markup-compatibility/2006">
-            <mc:Choice xmlns:a14="http://schemas.microsoft.com/office/drawing/2010/main" Requires="a14">
+          <mc:AlternateContent xmlns:mc="http://schemas.openxmlformats.org/markup-compatibility/2006" xmlns:a14="http://schemas.microsoft.com/office/drawing/2010/main">
+            <mc:Choice Requires="a14">
               <p:sp>
                 <p:nvSpPr>
                   <p:cNvPr id="70" name="TextBox 69"/>
@@ -35227,7 +35967,7 @@
                 </p:txBody>
               </p:sp>
             </mc:Choice>
-            <mc:Fallback>
+            <mc:Fallback xmlns="">
               <p:sp>
                 <p:nvSpPr>
                   <p:cNvPr id="70" name="TextBox 69"/>
@@ -35276,7 +36016,7 @@
             <p:nvPr/>
           </p:nvPicPr>
           <p:blipFill rotWithShape="1">
-            <a:blip r:embed="rId34">
+            <a:blip r:embed="rId34" cstate="print">
               <a:extLst>
                 <a:ext uri="{28A0092B-C50C-407E-A947-70E740481C1C}">
                   <a14:useLocalDpi xmlns:a14="http://schemas.microsoft.com/office/drawing/2010/main" val="0"/>
@@ -35626,7 +36366,7 @@
                                 <m:sSubPr>
                                   <m:ctrlPr>
                                     <a:rPr lang="en-US" sz="2000" b="0" i="1" smtClean="0">
-                                      <a:latin typeface="Cambria Math" charset="0"/>
+                                      <a:latin typeface="Cambria Math" panose="02040503050406030204" pitchFamily="18" charset="0"/>
                                       <a:cs typeface="Arial" panose="020B0604020202020204" pitchFamily="34" charset="0"/>
                                     </a:rPr>
                                   </m:ctrlPr>
@@ -35637,7 +36377,7 @@
                                       <m:chr m:val="⃗"/>
                                       <m:ctrlPr>
                                         <a:rPr lang="en-US" sz="2000" b="0" i="1" smtClean="0">
-                                          <a:latin typeface="Cambria Math" charset="0"/>
+                                          <a:latin typeface="Cambria Math" panose="02040503050406030204" pitchFamily="18" charset="0"/>
                                           <a:cs typeface="Arial" panose="020B0604020202020204" pitchFamily="34" charset="0"/>
                                         </a:rPr>
                                       </m:ctrlPr>
@@ -35749,7 +36489,7 @@
                                   <m:chr m:val="⃗"/>
                                   <m:ctrlPr>
                                     <a:rPr lang="en-US" sz="2000" b="0" i="1" smtClean="0">
-                                      <a:latin typeface="Cambria Math" charset="0"/>
+                                      <a:latin typeface="Cambria Math" panose="02040503050406030204" pitchFamily="18" charset="0"/>
                                       <a:cs typeface="Arial" panose="020B0604020202020204" pitchFamily="34" charset="0"/>
                                     </a:rPr>
                                   </m:ctrlPr>
@@ -35849,7 +36589,7 @@
                                 <m:sSubPr>
                                   <m:ctrlPr>
                                     <a:rPr lang="en-US" sz="2000" b="0" i="1" smtClean="0">
-                                      <a:latin typeface="Cambria Math" charset="0"/>
+                                      <a:latin typeface="Cambria Math" panose="02040503050406030204" pitchFamily="18" charset="0"/>
                                       <a:cs typeface="Arial" panose="020B0604020202020204" pitchFamily="34" charset="0"/>
                                     </a:rPr>
                                   </m:ctrlPr>
@@ -35860,7 +36600,7 @@
                                       <m:chr m:val="⃗"/>
                                       <m:ctrlPr>
                                         <a:rPr lang="en-US" sz="2000" b="0" i="1" smtClean="0">
-                                          <a:latin typeface="Cambria Math" charset="0"/>
+                                          <a:latin typeface="Cambria Math" panose="02040503050406030204" pitchFamily="18" charset="0"/>
                                           <a:cs typeface="Arial" panose="020B0604020202020204" pitchFamily="34" charset="0"/>
                                         </a:rPr>
                                       </m:ctrlPr>
@@ -36387,7 +37127,7 @@
                               <m:fPr>
                                 <m:ctrlPr>
                                   <a:rPr lang="en-US" sz="2000" b="0" i="1" smtClean="0">
-                                    <a:latin typeface="Cambria Math" charset="0"/>
+                                    <a:latin typeface="Cambria Math" panose="02040503050406030204" pitchFamily="18" charset="0"/>
                                     <a:cs typeface="Arial" panose="020B0604020202020204" pitchFamily="34" charset="0"/>
                                   </a:rPr>
                                 </m:ctrlPr>
@@ -36772,7 +37512,7 @@
                           <m:sSubPr>
                             <m:ctrlPr>
                               <a:rPr lang="en-US" sz="2000" b="0" i="1" smtClean="0">
-                                <a:latin typeface="Cambria Math" charset="0"/>
+                                <a:latin typeface="Cambria Math" panose="02040503050406030204" pitchFamily="18" charset="0"/>
                                 <a:cs typeface="Arial" panose="020B0604020202020204" pitchFamily="34" charset="0"/>
                               </a:rPr>
                             </m:ctrlPr>
@@ -36783,7 +37523,7 @@
                                 <m:chr m:val="⃗"/>
                                 <m:ctrlPr>
                                   <a:rPr lang="en-US" sz="2000" b="0" i="1" smtClean="0">
-                                    <a:latin typeface="Cambria Math" charset="0"/>
+                                    <a:latin typeface="Cambria Math" panose="02040503050406030204" pitchFamily="18" charset="0"/>
                                     <a:cs typeface="Arial" panose="020B0604020202020204" pitchFamily="34" charset="0"/>
                                   </a:rPr>
                                 </m:ctrlPr>

--- a/tex/figures/RotationalDynamics/Figures.pptx
+++ b/tex/figures/RotationalDynamics/Figures.pptx
@@ -120,6 +120,83 @@
     </p:ext>
   </p:extLst>
 </p:presentation>
+</file>
+
+<file path=ppt/revisionInfo.xml><?xml version="1.0" encoding="utf-8"?>
+<p1510:revInfo xmlns:a="http://schemas.openxmlformats.org/drawingml/2006/main" xmlns:r="http://schemas.openxmlformats.org/officeDocument/2006/relationships" xmlns:p1510="http://schemas.microsoft.com/office/powerpoint/2015/10/main">
+  <p1510:revLst>
+    <p1510:client id="{2FEBBD93-C1BB-47DB-B6CF-F9085BACCE7D}" v="7" dt="2019-08-23T17:00:17.771"/>
+  </p1510:revLst>
+</p1510:revInfo>
+</file>
+
+<file path=ppt/changesInfos/changesInfo1.xml><?xml version="1.0" encoding="utf-8"?>
+<pc:chgInfo xmlns:a="http://schemas.openxmlformats.org/drawingml/2006/main" xmlns:r="http://schemas.openxmlformats.org/officeDocument/2006/relationships" xmlns:ac="http://schemas.microsoft.com/office/drawing/2013/main/command" xmlns:pc="http://schemas.microsoft.com/office/powerpoint/2013/main/command">
+  <pc:docChgLst>
+    <pc:chgData name="Joshua Rinaldo" userId="eeaa994f99e4e508" providerId="LiveId" clId="{2FEBBD93-C1BB-47DB-B6CF-F9085BACCE7D}"/>
+    <pc:docChg chg="undo custSel modSld">
+      <pc:chgData name="Joshua Rinaldo" userId="eeaa994f99e4e508" providerId="LiveId" clId="{2FEBBD93-C1BB-47DB-B6CF-F9085BACCE7D}" dt="2019-08-23T17:00:20.750" v="16" actId="478"/>
+      <pc:docMkLst>
+        <pc:docMk/>
+      </pc:docMkLst>
+      <pc:sldChg chg="addSp delSp modSp">
+        <pc:chgData name="Joshua Rinaldo" userId="eeaa994f99e4e508" providerId="LiveId" clId="{2FEBBD93-C1BB-47DB-B6CF-F9085BACCE7D}" dt="2019-08-23T17:00:20.750" v="16" actId="478"/>
+        <pc:sldMkLst>
+          <pc:docMk/>
+          <pc:sldMk cId="1362983725" sldId="273"/>
+        </pc:sldMkLst>
+        <pc:spChg chg="mod">
+          <ac:chgData name="Joshua Rinaldo" userId="eeaa994f99e4e508" providerId="LiveId" clId="{2FEBBD93-C1BB-47DB-B6CF-F9085BACCE7D}" dt="2019-08-23T17:00:16.974" v="13" actId="1076"/>
+          <ac:spMkLst>
+            <pc:docMk/>
+            <pc:sldMk cId="1362983725" sldId="273"/>
+            <ac:spMk id="7" creationId="{00000000-0000-0000-0000-000000000000}"/>
+          </ac:spMkLst>
+        </pc:spChg>
+        <pc:spChg chg="add del mod">
+          <ac:chgData name="Joshua Rinaldo" userId="eeaa994f99e4e508" providerId="LiveId" clId="{2FEBBD93-C1BB-47DB-B6CF-F9085BACCE7D}" dt="2019-08-23T17:00:16.592" v="12"/>
+          <ac:spMkLst>
+            <pc:docMk/>
+            <pc:sldMk cId="1362983725" sldId="273"/>
+            <ac:spMk id="71" creationId="{6C6E5C23-CE69-4888-B7AD-6D5138AC8F20}"/>
+          </ac:spMkLst>
+        </pc:spChg>
+        <pc:grpChg chg="add del mod">
+          <ac:chgData name="Joshua Rinaldo" userId="eeaa994f99e4e508" providerId="LiveId" clId="{2FEBBD93-C1BB-47DB-B6CF-F9085BACCE7D}" dt="2019-08-23T17:00:17.771" v="15" actId="165"/>
+          <ac:grpSpMkLst>
+            <pc:docMk/>
+            <pc:sldMk cId="1362983725" sldId="273"/>
+            <ac:grpSpMk id="5" creationId="{00000000-0000-0000-0000-000000000000}"/>
+          </ac:grpSpMkLst>
+        </pc:grpChg>
+        <pc:grpChg chg="mod topLvl">
+          <ac:chgData name="Joshua Rinaldo" userId="eeaa994f99e4e508" providerId="LiveId" clId="{2FEBBD93-C1BB-47DB-B6CF-F9085BACCE7D}" dt="2019-08-23T17:00:17.771" v="15" actId="165"/>
+          <ac:grpSpMkLst>
+            <pc:docMk/>
+            <pc:sldMk cId="1362983725" sldId="273"/>
+            <ac:grpSpMk id="14" creationId="{00000000-0000-0000-0000-000000000000}"/>
+          </ac:grpSpMkLst>
+        </pc:grpChg>
+        <pc:picChg chg="mod topLvl">
+          <ac:chgData name="Joshua Rinaldo" userId="eeaa994f99e4e508" providerId="LiveId" clId="{2FEBBD93-C1BB-47DB-B6CF-F9085BACCE7D}" dt="2019-08-23T17:00:17.771" v="15" actId="165"/>
+          <ac:picMkLst>
+            <pc:docMk/>
+            <pc:sldMk cId="1362983725" sldId="273"/>
+            <ac:picMk id="2" creationId="{00000000-0000-0000-0000-000000000000}"/>
+          </ac:picMkLst>
+        </pc:picChg>
+        <pc:picChg chg="add del mod">
+          <ac:chgData name="Joshua Rinaldo" userId="eeaa994f99e4e508" providerId="LiveId" clId="{2FEBBD93-C1BB-47DB-B6CF-F9085BACCE7D}" dt="2019-08-23T17:00:20.750" v="16" actId="478"/>
+          <ac:picMkLst>
+            <pc:docMk/>
+            <pc:sldMk cId="1362983725" sldId="273"/>
+            <ac:picMk id="70" creationId="{839CA598-F1C6-4991-9713-F1D08544B8BE}"/>
+          </ac:picMkLst>
+        </pc:picChg>
+      </pc:sldChg>
+    </pc:docChg>
+  </pc:docChgLst>
+</pc:chgInfo>
 </file>
 
 <file path=ppt/slideLayouts/slideLayout1.xml><?xml version="1.0" encoding="utf-8"?>
@@ -253,7 +330,7 @@
           <a:p>
             <a:fld id="{F7249F8D-641B-4CAF-BAE5-10524742F6F1}" type="datetimeFigureOut">
               <a:rPr lang="en-CA" smtClean="0"/>
-              <a:t>2018-08-27</a:t>
+              <a:t>2019-08-23</a:t>
             </a:fld>
             <a:endParaRPr lang="en-CA"/>
           </a:p>
@@ -423,7 +500,7 @@
           <a:p>
             <a:fld id="{F7249F8D-641B-4CAF-BAE5-10524742F6F1}" type="datetimeFigureOut">
               <a:rPr lang="en-CA" smtClean="0"/>
-              <a:t>2018-08-27</a:t>
+              <a:t>2019-08-23</a:t>
             </a:fld>
             <a:endParaRPr lang="en-CA"/>
           </a:p>
@@ -603,7 +680,7 @@
           <a:p>
             <a:fld id="{F7249F8D-641B-4CAF-BAE5-10524742F6F1}" type="datetimeFigureOut">
               <a:rPr lang="en-CA" smtClean="0"/>
-              <a:t>2018-08-27</a:t>
+              <a:t>2019-08-23</a:t>
             </a:fld>
             <a:endParaRPr lang="en-CA"/>
           </a:p>
@@ -773,7 +850,7 @@
           <a:p>
             <a:fld id="{F7249F8D-641B-4CAF-BAE5-10524742F6F1}" type="datetimeFigureOut">
               <a:rPr lang="en-CA" smtClean="0"/>
-              <a:t>2018-08-27</a:t>
+              <a:t>2019-08-23</a:t>
             </a:fld>
             <a:endParaRPr lang="en-CA"/>
           </a:p>
@@ -1019,7 +1096,7 @@
           <a:p>
             <a:fld id="{F7249F8D-641B-4CAF-BAE5-10524742F6F1}" type="datetimeFigureOut">
               <a:rPr lang="en-CA" smtClean="0"/>
-              <a:t>2018-08-27</a:t>
+              <a:t>2019-08-23</a:t>
             </a:fld>
             <a:endParaRPr lang="en-CA"/>
           </a:p>
@@ -1251,7 +1328,7 @@
           <a:p>
             <a:fld id="{F7249F8D-641B-4CAF-BAE5-10524742F6F1}" type="datetimeFigureOut">
               <a:rPr lang="en-CA" smtClean="0"/>
-              <a:t>2018-08-27</a:t>
+              <a:t>2019-08-23</a:t>
             </a:fld>
             <a:endParaRPr lang="en-CA"/>
           </a:p>
@@ -1618,7 +1695,7 @@
           <a:p>
             <a:fld id="{F7249F8D-641B-4CAF-BAE5-10524742F6F1}" type="datetimeFigureOut">
               <a:rPr lang="en-CA" smtClean="0"/>
-              <a:t>2018-08-27</a:t>
+              <a:t>2019-08-23</a:t>
             </a:fld>
             <a:endParaRPr lang="en-CA"/>
           </a:p>
@@ -1736,7 +1813,7 @@
           <a:p>
             <a:fld id="{F7249F8D-641B-4CAF-BAE5-10524742F6F1}" type="datetimeFigureOut">
               <a:rPr lang="en-CA" smtClean="0"/>
-              <a:t>2018-08-27</a:t>
+              <a:t>2019-08-23</a:t>
             </a:fld>
             <a:endParaRPr lang="en-CA"/>
           </a:p>
@@ -1831,7 +1908,7 @@
           <a:p>
             <a:fld id="{F7249F8D-641B-4CAF-BAE5-10524742F6F1}" type="datetimeFigureOut">
               <a:rPr lang="en-CA" smtClean="0"/>
-              <a:t>2018-08-27</a:t>
+              <a:t>2019-08-23</a:t>
             </a:fld>
             <a:endParaRPr lang="en-CA"/>
           </a:p>
@@ -2108,7 +2185,7 @@
           <a:p>
             <a:fld id="{F7249F8D-641B-4CAF-BAE5-10524742F6F1}" type="datetimeFigureOut">
               <a:rPr lang="en-CA" smtClean="0"/>
-              <a:t>2018-08-27</a:t>
+              <a:t>2019-08-23</a:t>
             </a:fld>
             <a:endParaRPr lang="en-CA"/>
           </a:p>
@@ -2361,7 +2438,7 @@
           <a:p>
             <a:fld id="{F7249F8D-641B-4CAF-BAE5-10524742F6F1}" type="datetimeFigureOut">
               <a:rPr lang="en-CA" smtClean="0"/>
-              <a:t>2018-08-27</a:t>
+              <a:t>2019-08-23</a:t>
             </a:fld>
             <a:endParaRPr lang="en-CA"/>
           </a:p>
@@ -2574,7 +2651,7 @@
           <a:p>
             <a:fld id="{F7249F8D-641B-4CAF-BAE5-10524742F6F1}" type="datetimeFigureOut">
               <a:rPr lang="en-CA" smtClean="0"/>
-              <a:t>2018-08-27</a:t>
+              <a:t>2019-08-23</a:t>
             </a:fld>
             <a:endParaRPr lang="en-CA"/>
           </a:p>
@@ -2995,10 +3072,9 @@
           <a:lstStyle/>
           <a:p>
             <a:r>
-              <a:rPr lang="en-US" dirty="0" smtClean="0"/>
+              <a:rPr lang="en-US" dirty="0"/>
               <a:t>Useful components</a:t>
             </a:r>
-            <a:endParaRPr lang="en-US" dirty="0"/>
           </a:p>
         </p:txBody>
       </p:sp>
@@ -3934,7 +4010,7 @@
                       </m:oMath>
                     </m:oMathPara>
                   </a14:m>
-                  <a:endParaRPr lang="en-US" sz="2000" dirty="0" smtClean="0">
+                  <a:endParaRPr lang="en-US" sz="2000" dirty="0">
                     <a:latin typeface="Arial" panose="020B0604020202020204" pitchFamily="34" charset="0"/>
                     <a:cs typeface="Arial" panose="020B0604020202020204" pitchFamily="34" charset="0"/>
                   </a:endParaRPr>
@@ -5119,7 +5195,7 @@
                         </m:oMath>
                       </m:oMathPara>
                     </a14:m>
-                    <a:endParaRPr lang="en-US" sz="2000" dirty="0" smtClean="0">
+                    <a:endParaRPr lang="en-US" sz="2000" dirty="0">
                       <a:latin typeface="Arial" panose="020B0604020202020204" pitchFamily="34" charset="0"/>
                       <a:cs typeface="Arial" panose="020B0604020202020204" pitchFamily="34" charset="0"/>
                     </a:endParaRPr>
@@ -5246,7 +5322,7 @@
                         </m:oMath>
                       </m:oMathPara>
                     </a14:m>
-                    <a:endParaRPr lang="en-US" sz="2000" dirty="0" smtClean="0">
+                    <a:endParaRPr lang="en-US" sz="2000" dirty="0">
                       <a:latin typeface="Arial" panose="020B0604020202020204" pitchFamily="34" charset="0"/>
                       <a:cs typeface="Arial" panose="020B0604020202020204" pitchFamily="34" charset="0"/>
                     </a:endParaRPr>
@@ -5335,7 +5411,7 @@
                       </m:oMath>
                     </m:oMathPara>
                   </a14:m>
-                  <a:endParaRPr lang="en-US" sz="2000" dirty="0" smtClean="0">
+                  <a:endParaRPr lang="en-US" sz="2000" dirty="0">
                     <a:latin typeface="Arial" panose="020B0604020202020204" pitchFamily="34" charset="0"/>
                     <a:cs typeface="Arial" panose="020B0604020202020204" pitchFamily="34" charset="0"/>
                   </a:endParaRPr>
@@ -5794,7 +5870,7 @@
                         </m:oMath>
                       </m:oMathPara>
                     </a14:m>
-                    <a:endParaRPr lang="en-US" sz="2000" dirty="0" smtClean="0">
+                    <a:endParaRPr lang="en-US" sz="2000" dirty="0">
                       <a:latin typeface="Arial" panose="020B0604020202020204" pitchFamily="34" charset="0"/>
                       <a:cs typeface="Arial" panose="020B0604020202020204" pitchFamily="34" charset="0"/>
                     </a:endParaRPr>
@@ -5882,7 +5958,7 @@
                         </m:oMath>
                       </m:oMathPara>
                     </a14:m>
-                    <a:endParaRPr lang="en-US" sz="2000" dirty="0" smtClean="0">
+                    <a:endParaRPr lang="en-US" sz="2000" dirty="0">
                       <a:latin typeface="Arial" panose="020B0604020202020204" pitchFamily="34" charset="0"/>
                       <a:cs typeface="Arial" panose="020B0604020202020204" pitchFamily="34" charset="0"/>
                     </a:endParaRPr>
@@ -6008,7 +6084,7 @@
                         </m:oMath>
                       </m:oMathPara>
                     </a14:m>
-                    <a:endParaRPr lang="en-US" sz="2000" dirty="0" smtClean="0">
+                    <a:endParaRPr lang="en-US" sz="2000" dirty="0">
                       <a:latin typeface="Arial" panose="020B0604020202020204" pitchFamily="34" charset="0"/>
                       <a:cs typeface="Arial" panose="020B0604020202020204" pitchFamily="34" charset="0"/>
                     </a:endParaRPr>
@@ -6096,7 +6172,7 @@
                         </m:oMath>
                       </m:oMathPara>
                     </a14:m>
-                    <a:endParaRPr lang="en-US" sz="2000" dirty="0" smtClean="0">
+                    <a:endParaRPr lang="en-US" sz="2000" dirty="0">
                       <a:latin typeface="Arial" panose="020B0604020202020204" pitchFamily="34" charset="0"/>
                       <a:cs typeface="Arial" panose="020B0604020202020204" pitchFamily="34" charset="0"/>
                     </a:endParaRPr>
@@ -6222,7 +6298,7 @@
                       </m:oMath>
                     </m:oMathPara>
                   </a14:m>
-                  <a:endParaRPr lang="en-US" sz="2000" dirty="0" smtClean="0">
+                  <a:endParaRPr lang="en-US" sz="2000" dirty="0">
                     <a:latin typeface="Arial" panose="020B0604020202020204" pitchFamily="34" charset="0"/>
                     <a:cs typeface="Arial" panose="020B0604020202020204" pitchFamily="34" charset="0"/>
                   </a:endParaRPr>
@@ -6501,7 +6577,7 @@
                               </m:oMath>
                             </m:oMathPara>
                           </a14:m>
-                          <a:endParaRPr lang="en-US" sz="2000" dirty="0" smtClean="0">
+                          <a:endParaRPr lang="en-US" sz="2000" dirty="0">
                             <a:latin typeface="Arial" panose="020B0604020202020204" pitchFamily="34" charset="0"/>
                             <a:cs typeface="Arial" panose="020B0604020202020204" pitchFamily="34" charset="0"/>
                           </a:endParaRPr>
@@ -6662,7 +6738,7 @@
                             </m:oMath>
                           </m:oMathPara>
                         </a14:m>
-                        <a:endParaRPr lang="en-US" sz="2000" dirty="0" smtClean="0">
+                        <a:endParaRPr lang="en-US" sz="2000" dirty="0">
                           <a:latin typeface="Arial" panose="020B0604020202020204" pitchFamily="34" charset="0"/>
                           <a:cs typeface="Arial" panose="020B0604020202020204" pitchFamily="34" charset="0"/>
                         </a:endParaRPr>
@@ -6750,7 +6826,7 @@
                             </m:oMath>
                           </m:oMathPara>
                         </a14:m>
-                        <a:endParaRPr lang="en-US" sz="2000" dirty="0" smtClean="0">
+                        <a:endParaRPr lang="en-US" sz="2000" dirty="0">
                           <a:latin typeface="Arial" panose="020B0604020202020204" pitchFamily="34" charset="0"/>
                           <a:cs typeface="Arial" panose="020B0604020202020204" pitchFamily="34" charset="0"/>
                         </a:endParaRPr>
@@ -7972,7 +8048,7 @@
                           </m:oMath>
                         </m:oMathPara>
                       </a14:m>
-                      <a:endParaRPr lang="en-US" sz="2000" dirty="0" smtClean="0">
+                      <a:endParaRPr lang="en-US" sz="2000" dirty="0">
                         <a:latin typeface="Arial" panose="020B0604020202020204" pitchFamily="34" charset="0"/>
                         <a:cs typeface="Arial" panose="020B0604020202020204" pitchFamily="34" charset="0"/>
                       </a:endParaRPr>
@@ -8070,7 +8146,7 @@
                           </m:oMath>
                         </m:oMathPara>
                       </a14:m>
-                      <a:endParaRPr lang="en-US" sz="2000" dirty="0" smtClean="0">
+                      <a:endParaRPr lang="en-US" sz="2000" dirty="0">
                         <a:latin typeface="Arial" panose="020B0604020202020204" pitchFamily="34" charset="0"/>
                         <a:cs typeface="Arial" panose="020B0604020202020204" pitchFamily="34" charset="0"/>
                       </a:endParaRPr>
@@ -8231,7 +8307,7 @@
                         </m:oMath>
                       </m:oMathPara>
                     </a14:m>
-                    <a:endParaRPr lang="en-US" sz="2000" dirty="0" smtClean="0">
+                    <a:endParaRPr lang="en-US" sz="2000" dirty="0">
                       <a:latin typeface="Arial" panose="020B0604020202020204" pitchFamily="34" charset="0"/>
                       <a:cs typeface="Arial" panose="020B0604020202020204" pitchFamily="34" charset="0"/>
                     </a:endParaRPr>
@@ -8389,7 +8465,7 @@
                       </m:oMath>
                     </m:oMathPara>
                   </a14:m>
-                  <a:endParaRPr lang="en-US" sz="2000" dirty="0" smtClean="0">
+                  <a:endParaRPr lang="en-US" sz="2000" dirty="0">
                     <a:latin typeface="Arial" panose="020B0604020202020204" pitchFamily="34" charset="0"/>
                     <a:cs typeface="Arial" panose="020B0604020202020204" pitchFamily="34" charset="0"/>
                   </a:endParaRPr>
@@ -8447,13 +8523,6 @@
   <p:clrMapOvr>
     <a:masterClrMapping/>
   </p:clrMapOvr>
-  <p:timing>
-    <p:tnLst>
-      <p:par>
-        <p:cTn id="1" dur="indefinite" restart="never" nodeType="tmRoot"/>
-      </p:par>
-    </p:tnLst>
-  </p:timing>
 </p:sld>
 </file>
 
@@ -9583,7 +9652,7 @@
                           </m:oMath>
                         </m:oMathPara>
                       </a14:m>
-                      <a:endParaRPr lang="en-US" sz="2000" dirty="0" smtClean="0">
+                      <a:endParaRPr lang="en-US" sz="2000" dirty="0">
                         <a:latin typeface="Arial" panose="020B0604020202020204" pitchFamily="34" charset="0"/>
                         <a:cs typeface="Arial" panose="020B0604020202020204" pitchFamily="34" charset="0"/>
                       </a:endParaRPr>
@@ -9671,7 +9740,7 @@
                           </m:oMath>
                         </m:oMathPara>
                       </a14:m>
-                      <a:endParaRPr lang="en-US" sz="2000" dirty="0" smtClean="0">
+                      <a:endParaRPr lang="en-US" sz="2000" dirty="0">
                         <a:latin typeface="Arial" panose="020B0604020202020204" pitchFamily="34" charset="0"/>
                         <a:cs typeface="Arial" panose="020B0604020202020204" pitchFamily="34" charset="0"/>
                       </a:endParaRPr>
@@ -9759,7 +9828,7 @@
                           </m:oMath>
                         </m:oMathPara>
                       </a14:m>
-                      <a:endParaRPr lang="en-US" sz="2000" dirty="0" smtClean="0">
+                      <a:endParaRPr lang="en-US" sz="2000" dirty="0">
                         <a:latin typeface="Arial" panose="020B0604020202020204" pitchFamily="34" charset="0"/>
                         <a:cs typeface="Arial" panose="020B0604020202020204" pitchFamily="34" charset="0"/>
                       </a:endParaRPr>
@@ -9917,7 +9986,7 @@
                           </m:oMath>
                         </m:oMathPara>
                       </a14:m>
-                      <a:endParaRPr lang="en-US" sz="2000" dirty="0" smtClean="0">
+                      <a:endParaRPr lang="en-US" sz="2000" dirty="0">
                         <a:latin typeface="Arial" panose="020B0604020202020204" pitchFamily="34" charset="0"/>
                         <a:cs typeface="Arial" panose="020B0604020202020204" pitchFamily="34" charset="0"/>
                       </a:endParaRPr>
@@ -10042,7 +10111,7 @@
                         </m:oMath>
                       </m:oMathPara>
                     </a14:m>
-                    <a:endParaRPr lang="en-US" sz="2000" dirty="0" smtClean="0">
+                    <a:endParaRPr lang="en-US" sz="2000" dirty="0">
                       <a:latin typeface="Arial" panose="020B0604020202020204" pitchFamily="34" charset="0"/>
                       <a:cs typeface="Arial" panose="020B0604020202020204" pitchFamily="34" charset="0"/>
                     </a:endParaRPr>
@@ -10192,7 +10261,7 @@
                       </m:oMath>
                     </m:oMathPara>
                   </a14:m>
-                  <a:endParaRPr lang="en-US" sz="2000" dirty="0" smtClean="0">
+                  <a:endParaRPr lang="en-US" sz="2000" dirty="0">
                     <a:latin typeface="Arial" panose="020B0604020202020204" pitchFamily="34" charset="0"/>
                     <a:cs typeface="Arial" panose="020B0604020202020204" pitchFamily="34" charset="0"/>
                   </a:endParaRPr>
@@ -14131,7 +14200,7 @@
                         </m:oMath>
                       </m:oMathPara>
                     </a14:m>
-                    <a:endParaRPr lang="en-US" sz="2000" dirty="0" smtClean="0">
+                    <a:endParaRPr lang="en-US" sz="2000" dirty="0">
                       <a:latin typeface="Arial" panose="020B0604020202020204" pitchFamily="34" charset="0"/>
                       <a:cs typeface="Arial" panose="020B0604020202020204" pitchFamily="34" charset="0"/>
                     </a:endParaRPr>
@@ -14292,7 +14361,7 @@
                       </m:oMath>
                     </m:oMathPara>
                   </a14:m>
-                  <a:endParaRPr lang="en-US" sz="2000" dirty="0" smtClean="0">
+                  <a:endParaRPr lang="en-US" sz="2000" dirty="0">
                     <a:latin typeface="Arial" panose="020B0604020202020204" pitchFamily="34" charset="0"/>
                     <a:cs typeface="Arial" panose="020B0604020202020204" pitchFamily="34" charset="0"/>
                   </a:endParaRPr>
@@ -14818,7 +14887,7 @@
                             </m:oMath>
                           </m:oMathPara>
                         </a14:m>
-                        <a:endParaRPr lang="en-US" sz="2000" dirty="0" smtClean="0">
+                        <a:endParaRPr lang="en-US" sz="2000" dirty="0">
                           <a:latin typeface="Arial" panose="020B0604020202020204" pitchFamily="34" charset="0"/>
                           <a:cs typeface="Arial" panose="020B0604020202020204" pitchFamily="34" charset="0"/>
                         </a:endParaRPr>
@@ -14919,7 +14988,7 @@
                             </m:oMath>
                           </m:oMathPara>
                         </a14:m>
-                        <a:endParaRPr lang="en-US" sz="2000" dirty="0" smtClean="0">
+                        <a:endParaRPr lang="en-US" sz="2000" dirty="0">
                           <a:latin typeface="Arial" panose="020B0604020202020204" pitchFamily="34" charset="0"/>
                           <a:cs typeface="Arial" panose="020B0604020202020204" pitchFamily="34" charset="0"/>
                         </a:endParaRPr>
@@ -15153,7 +15222,7 @@
                         </m:oMath>
                       </m:oMathPara>
                     </a14:m>
-                    <a:endParaRPr lang="en-US" sz="2000" dirty="0" smtClean="0">
+                    <a:endParaRPr lang="en-US" sz="2000" dirty="0">
                       <a:latin typeface="Arial" panose="020B0604020202020204" pitchFamily="34" charset="0"/>
                       <a:cs typeface="Arial" panose="020B0604020202020204" pitchFamily="34" charset="0"/>
                     </a:endParaRPr>
@@ -15290,7 +15359,7 @@
                         </m:oMath>
                       </m:oMathPara>
                     </a14:m>
-                    <a:endParaRPr lang="en-US" sz="2000" dirty="0" smtClean="0">
+                    <a:endParaRPr lang="en-US" sz="2000" dirty="0">
                       <a:latin typeface="Arial" panose="020B0604020202020204" pitchFamily="34" charset="0"/>
                       <a:cs typeface="Arial" panose="020B0604020202020204" pitchFamily="34" charset="0"/>
                     </a:endParaRPr>
@@ -15453,7 +15522,7 @@
                       </m:oMath>
                     </m:oMathPara>
                   </a14:m>
-                  <a:endParaRPr lang="en-US" sz="1600" dirty="0" smtClean="0">
+                  <a:endParaRPr lang="en-US" sz="1600" dirty="0">
                     <a:latin typeface="Arial" panose="020B0604020202020204" pitchFamily="34" charset="0"/>
                     <a:cs typeface="Arial" panose="020B0604020202020204" pitchFamily="34" charset="0"/>
                   </a:endParaRPr>
@@ -16162,7 +16231,7 @@
                         </m:oMath>
                       </m:oMathPara>
                     </a14:m>
-                    <a:endParaRPr lang="en-US" sz="2000" dirty="0" smtClean="0">
+                    <a:endParaRPr lang="en-US" sz="2000" dirty="0">
                       <a:latin typeface="Arial" panose="020B0604020202020204" pitchFamily="34" charset="0"/>
                       <a:cs typeface="Arial" panose="020B0604020202020204" pitchFamily="34" charset="0"/>
                     </a:endParaRPr>
@@ -16263,7 +16332,7 @@
                         </m:oMath>
                       </m:oMathPara>
                     </a14:m>
-                    <a:endParaRPr lang="en-US" sz="2000" dirty="0" smtClean="0">
+                    <a:endParaRPr lang="en-US" sz="2000" dirty="0">
                       <a:latin typeface="Arial" panose="020B0604020202020204" pitchFamily="34" charset="0"/>
                       <a:cs typeface="Arial" panose="020B0604020202020204" pitchFamily="34" charset="0"/>
                     </a:endParaRPr>
@@ -16351,7 +16420,7 @@
                         </m:oMath>
                       </m:oMathPara>
                     </a14:m>
-                    <a:endParaRPr lang="en-US" sz="2000" dirty="0" smtClean="0">
+                    <a:endParaRPr lang="en-US" sz="2000" dirty="0">
                       <a:latin typeface="Arial" panose="020B0604020202020204" pitchFamily="34" charset="0"/>
                       <a:cs typeface="Arial" panose="020B0604020202020204" pitchFamily="34" charset="0"/>
                     </a:endParaRPr>
@@ -16489,7 +16558,7 @@
                       </m:oMath>
                     </m:oMathPara>
                   </a14:m>
-                  <a:endParaRPr lang="en-US" sz="2000" dirty="0" smtClean="0">
+                  <a:endParaRPr lang="en-US" sz="2000" dirty="0">
                     <a:latin typeface="Arial" panose="020B0604020202020204" pitchFamily="34" charset="0"/>
                     <a:cs typeface="Arial" panose="020B0604020202020204" pitchFamily="34" charset="0"/>
                   </a:endParaRPr>
@@ -16831,7 +16900,7 @@
                       </m:oMath>
                     </m:oMathPara>
                   </a14:m>
-                  <a:endParaRPr lang="en-US" sz="2000" dirty="0" smtClean="0">
+                  <a:endParaRPr lang="en-US" sz="2000" dirty="0">
                     <a:latin typeface="Arial" panose="020B0604020202020204" pitchFamily="34" charset="0"/>
                     <a:cs typeface="Arial" panose="020B0604020202020204" pitchFamily="34" charset="0"/>
                   </a:endParaRPr>
@@ -17098,7 +17167,7 @@
                           </m:oMath>
                         </m:oMathPara>
                       </a14:m>
-                      <a:endParaRPr lang="en-US" sz="2000" dirty="0" smtClean="0">
+                      <a:endParaRPr lang="en-US" sz="2000" dirty="0">
                         <a:latin typeface="Arial" panose="020B0604020202020204" pitchFamily="34" charset="0"/>
                         <a:cs typeface="Arial" panose="020B0604020202020204" pitchFamily="34" charset="0"/>
                       </a:endParaRPr>
@@ -17237,7 +17306,7 @@
                           </m:oMath>
                         </m:oMathPara>
                       </a14:m>
-                      <a:endParaRPr lang="en-US" sz="2000" dirty="0" smtClean="0">
+                      <a:endParaRPr lang="en-US" sz="2000" dirty="0">
                         <a:latin typeface="Arial" panose="020B0604020202020204" pitchFamily="34" charset="0"/>
                         <a:cs typeface="Arial" panose="020B0604020202020204" pitchFamily="34" charset="0"/>
                       </a:endParaRPr>
@@ -17338,7 +17407,7 @@
                           </m:oMath>
                         </m:oMathPara>
                       </a14:m>
-                      <a:endParaRPr lang="en-US" sz="2000" dirty="0" smtClean="0">
+                      <a:endParaRPr lang="en-US" sz="2000" dirty="0">
                         <a:latin typeface="Arial" panose="020B0604020202020204" pitchFamily="34" charset="0"/>
                         <a:cs typeface="Arial" panose="020B0604020202020204" pitchFamily="34" charset="0"/>
                       </a:endParaRPr>
@@ -17521,7 +17590,7 @@
                           </m:oMath>
                         </m:oMathPara>
                       </a14:m>
-                      <a:endParaRPr lang="en-US" sz="2000" b="0" dirty="0" smtClean="0">
+                      <a:endParaRPr lang="en-US" sz="2000" b="0" dirty="0">
                         <a:latin typeface="Arial" panose="020B0604020202020204" pitchFamily="34" charset="0"/>
                         <a:cs typeface="Arial" panose="020B0604020202020204" pitchFamily="34" charset="0"/>
                       </a:endParaRPr>
@@ -17630,7 +17699,7 @@
                           </m:oMath>
                         </m:oMathPara>
                       </a14:m>
-                      <a:endParaRPr lang="en-US" sz="2000" b="0" dirty="0" smtClean="0">
+                      <a:endParaRPr lang="en-US" sz="2000" b="0" dirty="0">
                         <a:latin typeface="Arial" panose="020B0604020202020204" pitchFamily="34" charset="0"/>
                         <a:cs typeface="Arial" panose="020B0604020202020204" pitchFamily="34" charset="0"/>
                       </a:endParaRPr>
@@ -17755,7 +17824,7 @@
                         </m:oMath>
                       </m:oMathPara>
                     </a14:m>
-                    <a:endParaRPr lang="en-US" sz="2000" dirty="0" smtClean="0">
+                    <a:endParaRPr lang="en-US" sz="2000" dirty="0">
                       <a:latin typeface="Arial" panose="020B0604020202020204" pitchFamily="34" charset="0"/>
                       <a:cs typeface="Arial" panose="020B0604020202020204" pitchFamily="34" charset="0"/>
                     </a:endParaRPr>
@@ -18023,7 +18092,7 @@
                           </m:oMath>
                         </m:oMathPara>
                       </a14:m>
-                      <a:endParaRPr lang="en-US" sz="2000" dirty="0" smtClean="0">
+                      <a:endParaRPr lang="en-US" sz="2000" dirty="0">
                         <a:latin typeface="Arial" panose="020B0604020202020204" pitchFamily="34" charset="0"/>
                         <a:cs typeface="Arial" panose="020B0604020202020204" pitchFamily="34" charset="0"/>
                       </a:endParaRPr>
@@ -18162,7 +18231,7 @@
                           </m:oMath>
                         </m:oMathPara>
                       </a14:m>
-                      <a:endParaRPr lang="en-US" sz="2000" dirty="0" smtClean="0">
+                      <a:endParaRPr lang="en-US" sz="2000" dirty="0">
                         <a:latin typeface="Arial" panose="020B0604020202020204" pitchFamily="34" charset="0"/>
                         <a:cs typeface="Arial" panose="020B0604020202020204" pitchFamily="34" charset="0"/>
                       </a:endParaRPr>
@@ -18263,7 +18332,7 @@
                           </m:oMath>
                         </m:oMathPara>
                       </a14:m>
-                      <a:endParaRPr lang="en-US" sz="2000" dirty="0" smtClean="0">
+                      <a:endParaRPr lang="en-US" sz="2000" dirty="0">
                         <a:latin typeface="Arial" panose="020B0604020202020204" pitchFamily="34" charset="0"/>
                         <a:cs typeface="Arial" panose="020B0604020202020204" pitchFamily="34" charset="0"/>
                       </a:endParaRPr>
@@ -18446,7 +18515,7 @@
                           </m:oMath>
                         </m:oMathPara>
                       </a14:m>
-                      <a:endParaRPr lang="en-US" sz="2000" b="0" dirty="0" smtClean="0">
+                      <a:endParaRPr lang="en-US" sz="2000" b="0" dirty="0">
                         <a:latin typeface="Arial" panose="020B0604020202020204" pitchFamily="34" charset="0"/>
                         <a:cs typeface="Arial" panose="020B0604020202020204" pitchFamily="34" charset="0"/>
                       </a:endParaRPr>
@@ -18555,7 +18624,7 @@
                           </m:oMath>
                         </m:oMathPara>
                       </a14:m>
-                      <a:endParaRPr lang="en-US" sz="2000" b="0" dirty="0" smtClean="0">
+                      <a:endParaRPr lang="en-US" sz="2000" b="0" dirty="0">
                         <a:latin typeface="Arial" panose="020B0604020202020204" pitchFamily="34" charset="0"/>
                         <a:cs typeface="Arial" panose="020B0604020202020204" pitchFamily="34" charset="0"/>
                       </a:endParaRPr>
@@ -18680,7 +18749,7 @@
                         </m:oMath>
                       </m:oMathPara>
                     </a14:m>
-                    <a:endParaRPr lang="en-US" sz="2000" dirty="0" smtClean="0">
+                    <a:endParaRPr lang="en-US" sz="2000" dirty="0">
                       <a:latin typeface="Arial" panose="020B0604020202020204" pitchFamily="34" charset="0"/>
                       <a:cs typeface="Arial" panose="020B0604020202020204" pitchFamily="34" charset="0"/>
                     </a:endParaRPr>
@@ -18943,7 +19012,7 @@
                         </m:oMath>
                       </m:oMathPara>
                     </a14:m>
-                    <a:endParaRPr lang="en-US" sz="2000" dirty="0" smtClean="0">
+                    <a:endParaRPr lang="en-US" sz="2000" dirty="0">
                       <a:latin typeface="Arial" panose="020B0604020202020204" pitchFamily="34" charset="0"/>
                       <a:cs typeface="Arial" panose="020B0604020202020204" pitchFamily="34" charset="0"/>
                     </a:endParaRPr>
@@ -19613,7 +19682,7 @@
                         </m:oMath>
                       </m:oMathPara>
                     </a14:m>
-                    <a:endParaRPr lang="en-US" sz="2000" dirty="0" smtClean="0">
+                    <a:endParaRPr lang="en-US" sz="2000" dirty="0">
                       <a:latin typeface="Arial" panose="020B0604020202020204" pitchFamily="34" charset="0"/>
                       <a:cs typeface="Arial" panose="020B0604020202020204" pitchFamily="34" charset="0"/>
                     </a:endParaRPr>
@@ -19714,7 +19783,7 @@
                         </m:oMath>
                       </m:oMathPara>
                     </a14:m>
-                    <a:endParaRPr lang="en-US" sz="2000" dirty="0" smtClean="0">
+                    <a:endParaRPr lang="en-US" sz="2000" dirty="0">
                       <a:latin typeface="Arial" panose="020B0604020202020204" pitchFamily="34" charset="0"/>
                       <a:cs typeface="Arial" panose="020B0604020202020204" pitchFamily="34" charset="0"/>
                     </a:endParaRPr>
@@ -19815,7 +19884,7 @@
                         </m:oMath>
                       </m:oMathPara>
                     </a14:m>
-                    <a:endParaRPr lang="en-US" sz="2000" dirty="0" smtClean="0">
+                    <a:endParaRPr lang="en-US" sz="2000" dirty="0">
                       <a:latin typeface="Arial" panose="020B0604020202020204" pitchFamily="34" charset="0"/>
                       <a:cs typeface="Arial" panose="020B0604020202020204" pitchFamily="34" charset="0"/>
                     </a:endParaRPr>
@@ -19937,7 +20006,7 @@
                         </m:oMath>
                       </m:oMathPara>
                     </a14:m>
-                    <a:endParaRPr lang="en-US" sz="2000" dirty="0" smtClean="0">
+                    <a:endParaRPr lang="en-US" sz="2000" dirty="0">
                       <a:latin typeface="Arial" panose="020B0604020202020204" pitchFamily="34" charset="0"/>
                       <a:cs typeface="Arial" panose="020B0604020202020204" pitchFamily="34" charset="0"/>
                     </a:endParaRPr>
@@ -20059,7 +20128,7 @@
                         </m:oMath>
                       </m:oMathPara>
                     </a14:m>
-                    <a:endParaRPr lang="en-US" sz="2000" dirty="0" smtClean="0">
+                    <a:endParaRPr lang="en-US" sz="2000" dirty="0">
                       <a:latin typeface="Arial" panose="020B0604020202020204" pitchFamily="34" charset="0"/>
                       <a:cs typeface="Arial" panose="020B0604020202020204" pitchFamily="34" charset="0"/>
                     </a:endParaRPr>
@@ -20908,7 +20977,7 @@
                           </m:oMath>
                         </m:oMathPara>
                       </a14:m>
-                      <a:endParaRPr lang="en-US" sz="2000" dirty="0" smtClean="0">
+                      <a:endParaRPr lang="en-US" sz="2000" dirty="0">
                         <a:latin typeface="Arial" panose="020B0604020202020204" pitchFamily="34" charset="0"/>
                         <a:cs typeface="Arial" panose="020B0604020202020204" pitchFamily="34" charset="0"/>
                       </a:endParaRPr>
@@ -21720,7 +21789,7 @@
                           </m:oMath>
                         </m:oMathPara>
                       </a14:m>
-                      <a:endParaRPr lang="en-US" sz="2000" dirty="0" smtClean="0">
+                      <a:endParaRPr lang="en-US" sz="2000" dirty="0">
                         <a:latin typeface="Arial" panose="020B0604020202020204" pitchFamily="34" charset="0"/>
                         <a:cs typeface="Arial" panose="020B0604020202020204" pitchFamily="34" charset="0"/>
                       </a:endParaRPr>
@@ -21927,7 +21996,7 @@
                       </m:oMath>
                     </m:oMathPara>
                   </a14:m>
-                  <a:endParaRPr lang="en-US" sz="2000" dirty="0" smtClean="0">
+                  <a:endParaRPr lang="en-US" sz="2000" dirty="0">
                     <a:latin typeface="Arial" panose="020B0604020202020204" pitchFamily="34" charset="0"/>
                     <a:cs typeface="Arial" panose="020B0604020202020204" pitchFamily="34" charset="0"/>
                   </a:endParaRPr>
@@ -22106,7 +22175,7 @@
                       </m:oMath>
                     </m:oMathPara>
                   </a14:m>
-                  <a:endParaRPr lang="en-US" sz="2000" dirty="0" smtClean="0">
+                  <a:endParaRPr lang="en-US" sz="2000" dirty="0">
                     <a:latin typeface="Arial" panose="020B0604020202020204" pitchFamily="34" charset="0"/>
                     <a:cs typeface="Arial" panose="020B0604020202020204" pitchFamily="34" charset="0"/>
                   </a:endParaRPr>
@@ -22489,7 +22558,7 @@
                       </m:oMath>
                     </m:oMathPara>
                   </a14:m>
-                  <a:endParaRPr lang="en-US" sz="2000" dirty="0" smtClean="0">
+                  <a:endParaRPr lang="en-US" sz="2000" dirty="0">
                     <a:latin typeface="Arial" panose="020B0604020202020204" pitchFamily="34" charset="0"/>
                     <a:cs typeface="Arial" panose="020B0604020202020204" pitchFamily="34" charset="0"/>
                   </a:endParaRPr>
@@ -22597,7 +22666,7 @@
                       </m:oMath>
                     </m:oMathPara>
                   </a14:m>
-                  <a:endParaRPr lang="en-US" sz="2000" dirty="0" smtClean="0">
+                  <a:endParaRPr lang="en-US" sz="2000" dirty="0">
                     <a:latin typeface="Arial" panose="020B0604020202020204" pitchFamily="34" charset="0"/>
                     <a:cs typeface="Arial" panose="020B0604020202020204" pitchFamily="34" charset="0"/>
                   </a:endParaRPr>
@@ -22685,7 +22754,7 @@
                       </m:oMath>
                     </m:oMathPara>
                   </a14:m>
-                  <a:endParaRPr lang="en-US" sz="2000" dirty="0" smtClean="0">
+                  <a:endParaRPr lang="en-US" sz="2000" dirty="0">
                     <a:latin typeface="Arial" panose="020B0604020202020204" pitchFamily="34" charset="0"/>
                     <a:cs typeface="Arial" panose="020B0604020202020204" pitchFamily="34" charset="0"/>
                   </a:endParaRPr>
@@ -22773,7 +22842,7 @@
                       </m:oMath>
                     </m:oMathPara>
                   </a14:m>
-                  <a:endParaRPr lang="en-US" sz="2000" dirty="0" smtClean="0">
+                  <a:endParaRPr lang="en-US" sz="2000" dirty="0">
                     <a:latin typeface="Arial" panose="020B0604020202020204" pitchFamily="34" charset="0"/>
                     <a:cs typeface="Arial" panose="020B0604020202020204" pitchFamily="34" charset="0"/>
                   </a:endParaRPr>
@@ -22861,7 +22930,7 @@
                       </m:oMath>
                     </m:oMathPara>
                   </a14:m>
-                  <a:endParaRPr lang="en-US" sz="2000" dirty="0" smtClean="0">
+                  <a:endParaRPr lang="en-US" sz="2000" dirty="0">
                     <a:latin typeface="Arial" panose="020B0604020202020204" pitchFamily="34" charset="0"/>
                     <a:cs typeface="Arial" panose="020B0604020202020204" pitchFamily="34" charset="0"/>
                   </a:endParaRPr>
@@ -23234,7 +23303,7 @@
                               </m:oMath>
                             </m:oMathPara>
                           </a14:m>
-                          <a:endParaRPr lang="en-US" sz="2000" dirty="0" smtClean="0">
+                          <a:endParaRPr lang="en-US" sz="2000" dirty="0">
                             <a:latin typeface="Arial" panose="020B0604020202020204" pitchFamily="34" charset="0"/>
                             <a:cs typeface="Arial" panose="020B0604020202020204" pitchFamily="34" charset="0"/>
                           </a:endParaRPr>
@@ -23342,7 +23411,7 @@
                               </m:oMath>
                             </m:oMathPara>
                           </a14:m>
-                          <a:endParaRPr lang="en-US" sz="2000" dirty="0" smtClean="0">
+                          <a:endParaRPr lang="en-US" sz="2000" dirty="0">
                             <a:latin typeface="Arial" panose="020B0604020202020204" pitchFamily="34" charset="0"/>
                             <a:cs typeface="Arial" panose="020B0604020202020204" pitchFamily="34" charset="0"/>
                           </a:endParaRPr>
@@ -23430,7 +23499,7 @@
                               </m:oMath>
                             </m:oMathPara>
                           </a14:m>
-                          <a:endParaRPr lang="en-US" sz="2000" dirty="0" smtClean="0">
+                          <a:endParaRPr lang="en-US" sz="2000" dirty="0">
                             <a:latin typeface="Arial" panose="020B0604020202020204" pitchFamily="34" charset="0"/>
                             <a:cs typeface="Arial" panose="020B0604020202020204" pitchFamily="34" charset="0"/>
                           </a:endParaRPr>
@@ -23518,7 +23587,7 @@
                               </m:oMath>
                             </m:oMathPara>
                           </a14:m>
-                          <a:endParaRPr lang="en-US" sz="2000" dirty="0" smtClean="0">
+                          <a:endParaRPr lang="en-US" sz="2000" dirty="0">
                             <a:latin typeface="Arial" panose="020B0604020202020204" pitchFamily="34" charset="0"/>
                             <a:cs typeface="Arial" panose="020B0604020202020204" pitchFamily="34" charset="0"/>
                           </a:endParaRPr>
@@ -23747,7 +23816,7 @@
                             </m:oMath>
                           </m:oMathPara>
                         </a14:m>
-                        <a:endParaRPr lang="en-US" sz="2000" dirty="0" smtClean="0">
+                        <a:endParaRPr lang="en-US" sz="2000" dirty="0">
                           <a:latin typeface="Arial" panose="020B0604020202020204" pitchFamily="34" charset="0"/>
                           <a:cs typeface="Arial" panose="020B0604020202020204" pitchFamily="34" charset="0"/>
                         </a:endParaRPr>
@@ -23848,7 +23917,7 @@
                             </m:oMath>
                           </m:oMathPara>
                         </a14:m>
-                        <a:endParaRPr lang="en-US" sz="2000" dirty="0" smtClean="0">
+                        <a:endParaRPr lang="en-US" sz="2000" dirty="0">
                           <a:latin typeface="Arial" panose="020B0604020202020204" pitchFamily="34" charset="0"/>
                           <a:cs typeface="Arial" panose="020B0604020202020204" pitchFamily="34" charset="0"/>
                         </a:endParaRPr>
@@ -23937,7 +24006,7 @@
                           </m:oMath>
                         </m:oMathPara>
                       </a14:m>
-                      <a:endParaRPr lang="en-US" sz="2000" dirty="0" smtClean="0">
+                      <a:endParaRPr lang="en-US" sz="2000" dirty="0">
                         <a:latin typeface="Arial" panose="020B0604020202020204" pitchFamily="34" charset="0"/>
                         <a:cs typeface="Arial" panose="020B0604020202020204" pitchFamily="34" charset="0"/>
                       </a:endParaRPr>
@@ -24726,7 +24795,7 @@
                               </m:oMath>
                             </m:oMathPara>
                           </a14:m>
-                          <a:endParaRPr lang="en-US" sz="2000" dirty="0" smtClean="0">
+                          <a:endParaRPr lang="en-US" sz="2000" dirty="0">
                             <a:latin typeface="Arial" panose="020B0604020202020204" pitchFamily="34" charset="0"/>
                             <a:cs typeface="Arial" panose="020B0604020202020204" pitchFamily="34" charset="0"/>
                           </a:endParaRPr>
@@ -24834,7 +24903,7 @@
                               </m:oMath>
                             </m:oMathPara>
                           </a14:m>
-                          <a:endParaRPr lang="en-US" sz="2000" dirty="0" smtClean="0">
+                          <a:endParaRPr lang="en-US" sz="2000" dirty="0">
                             <a:latin typeface="Arial" panose="020B0604020202020204" pitchFamily="34" charset="0"/>
                             <a:cs typeface="Arial" panose="020B0604020202020204" pitchFamily="34" charset="0"/>
                           </a:endParaRPr>
@@ -24922,7 +24991,7 @@
                               </m:oMath>
                             </m:oMathPara>
                           </a14:m>
-                          <a:endParaRPr lang="en-US" sz="2000" dirty="0" smtClean="0">
+                          <a:endParaRPr lang="en-US" sz="2000" dirty="0">
                             <a:latin typeface="Arial" panose="020B0604020202020204" pitchFamily="34" charset="0"/>
                             <a:cs typeface="Arial" panose="020B0604020202020204" pitchFamily="34" charset="0"/>
                           </a:endParaRPr>
@@ -25010,7 +25079,7 @@
                               </m:oMath>
                             </m:oMathPara>
                           </a14:m>
-                          <a:endParaRPr lang="en-US" sz="2000" dirty="0" smtClean="0">
+                          <a:endParaRPr lang="en-US" sz="2000" dirty="0">
                             <a:latin typeface="Arial" panose="020B0604020202020204" pitchFamily="34" charset="0"/>
                             <a:cs typeface="Arial" panose="020B0604020202020204" pitchFamily="34" charset="0"/>
                           </a:endParaRPr>
@@ -25148,7 +25217,7 @@
                             </m:oMath>
                           </m:oMathPara>
                         </a14:m>
-                        <a:endParaRPr lang="en-US" sz="2000" dirty="0" smtClean="0">
+                        <a:endParaRPr lang="en-US" sz="2000" dirty="0">
                           <a:latin typeface="Arial" panose="020B0604020202020204" pitchFamily="34" charset="0"/>
                           <a:cs typeface="Arial" panose="020B0604020202020204" pitchFamily="34" charset="0"/>
                         </a:endParaRPr>
@@ -25664,7 +25733,7 @@
                         </m:oMath>
                       </m:oMathPara>
                     </a14:m>
-                    <a:endParaRPr lang="en-US" sz="2000" dirty="0" smtClean="0">
+                    <a:endParaRPr lang="en-US" sz="2000" dirty="0">
                       <a:latin typeface="Arial" panose="020B0604020202020204" pitchFamily="34" charset="0"/>
                       <a:cs typeface="Arial" panose="020B0604020202020204" pitchFamily="34" charset="0"/>
                     </a:endParaRPr>
@@ -26396,7 +26465,7 @@
                         </m:oMath>
                       </m:oMathPara>
                     </a14:m>
-                    <a:endParaRPr lang="en-US" sz="2000" dirty="0" smtClean="0">
+                    <a:endParaRPr lang="en-US" sz="2000" dirty="0">
                       <a:latin typeface="Arial" panose="020B0604020202020204" pitchFamily="34" charset="0"/>
                       <a:cs typeface="Arial" panose="020B0604020202020204" pitchFamily="34" charset="0"/>
                     </a:endParaRPr>
@@ -26518,7 +26587,7 @@
                         </m:oMath>
                       </m:oMathPara>
                     </a14:m>
-                    <a:endParaRPr lang="en-US" sz="2000" dirty="0" smtClean="0">
+                    <a:endParaRPr lang="en-US" sz="2000" dirty="0">
                       <a:latin typeface="Arial" panose="020B0604020202020204" pitchFamily="34" charset="0"/>
                       <a:cs typeface="Arial" panose="020B0604020202020204" pitchFamily="34" charset="0"/>
                     </a:endParaRPr>
@@ -26627,7 +26696,7 @@
                         </m:oMath>
                       </m:oMathPara>
                     </a14:m>
-                    <a:endParaRPr lang="en-US" sz="2000" dirty="0" smtClean="0">
+                    <a:endParaRPr lang="en-US" sz="2000" dirty="0">
                       <a:latin typeface="Arial" panose="020B0604020202020204" pitchFamily="34" charset="0"/>
                       <a:cs typeface="Arial" panose="020B0604020202020204" pitchFamily="34" charset="0"/>
                     </a:endParaRPr>
@@ -26736,7 +26805,7 @@
                         </m:oMath>
                       </m:oMathPara>
                     </a14:m>
-                    <a:endParaRPr lang="en-US" sz="2000" dirty="0" smtClean="0">
+                    <a:endParaRPr lang="en-US" sz="2000" dirty="0">
                       <a:latin typeface="Arial" panose="020B0604020202020204" pitchFamily="34" charset="0"/>
                       <a:cs typeface="Arial" panose="020B0604020202020204" pitchFamily="34" charset="0"/>
                     </a:endParaRPr>
@@ -26824,7 +26893,7 @@
                         </m:oMath>
                       </m:oMathPara>
                     </a14:m>
-                    <a:endParaRPr lang="en-US" sz="2000" dirty="0" smtClean="0">
+                    <a:endParaRPr lang="en-US" sz="2000" dirty="0">
                       <a:latin typeface="Arial" panose="020B0604020202020204" pitchFamily="34" charset="0"/>
                       <a:cs typeface="Arial" panose="020B0604020202020204" pitchFamily="34" charset="0"/>
                     </a:endParaRPr>
@@ -27381,7 +27450,7 @@
                       </m:oMath>
                     </m:oMathPara>
                   </a14:m>
-                  <a:endParaRPr lang="en-US" sz="2000" dirty="0" smtClean="0">
+                  <a:endParaRPr lang="en-US" sz="2000" dirty="0">
                     <a:latin typeface="Arial" panose="020B0604020202020204" pitchFamily="34" charset="0"/>
                     <a:cs typeface="Arial" panose="020B0604020202020204" pitchFamily="34" charset="0"/>
                   </a:endParaRPr>
@@ -27503,7 +27572,7 @@
                       </m:oMath>
                     </m:oMathPara>
                   </a14:m>
-                  <a:endParaRPr lang="en-US" sz="2000" dirty="0" smtClean="0">
+                  <a:endParaRPr lang="en-US" sz="2000" dirty="0">
                     <a:latin typeface="Arial" panose="020B0604020202020204" pitchFamily="34" charset="0"/>
                     <a:cs typeface="Arial" panose="020B0604020202020204" pitchFamily="34" charset="0"/>
                   </a:endParaRPr>
@@ -27612,7 +27681,7 @@
                       </m:oMath>
                     </m:oMathPara>
                   </a14:m>
-                  <a:endParaRPr lang="en-US" sz="2000" b="0" dirty="0" smtClean="0">
+                  <a:endParaRPr lang="en-US" sz="2000" b="0" dirty="0">
                     <a:latin typeface="Arial" panose="020B0604020202020204" pitchFamily="34" charset="0"/>
                     <a:cs typeface="Arial" panose="020B0604020202020204" pitchFamily="34" charset="0"/>
                   </a:endParaRPr>
@@ -27713,7 +27782,7 @@
                       </m:oMath>
                     </m:oMathPara>
                   </a14:m>
-                  <a:endParaRPr lang="en-US" sz="2000" dirty="0" smtClean="0">
+                  <a:endParaRPr lang="en-US" sz="2000" dirty="0">
                     <a:latin typeface="Arial" panose="020B0604020202020204" pitchFamily="34" charset="0"/>
                     <a:cs typeface="Arial" panose="020B0604020202020204" pitchFamily="34" charset="0"/>
                   </a:endParaRPr>
@@ -27821,7 +27890,7 @@
                       </m:oMath>
                     </m:oMathPara>
                   </a14:m>
-                  <a:endParaRPr lang="en-US" sz="2000" dirty="0" smtClean="0">
+                  <a:endParaRPr lang="en-US" sz="2000" dirty="0">
                     <a:latin typeface="Arial" panose="020B0604020202020204" pitchFamily="34" charset="0"/>
                     <a:cs typeface="Arial" panose="020B0604020202020204" pitchFamily="34" charset="0"/>
                   </a:endParaRPr>
@@ -27909,7 +27978,7 @@
                       </m:oMath>
                     </m:oMathPara>
                   </a14:m>
-                  <a:endParaRPr lang="en-US" sz="2000" dirty="0" smtClean="0">
+                  <a:endParaRPr lang="en-US" sz="2000" dirty="0">
                     <a:latin typeface="Arial" panose="020B0604020202020204" pitchFamily="34" charset="0"/>
                     <a:cs typeface="Arial" panose="020B0604020202020204" pitchFamily="34" charset="0"/>
                   </a:endParaRPr>
@@ -28283,7 +28352,7 @@
                           </m:oMath>
                         </m:oMathPara>
                       </a14:m>
-                      <a:endParaRPr lang="en-US" sz="2000" dirty="0" smtClean="0">
+                      <a:endParaRPr lang="en-US" sz="2000" dirty="0">
                         <a:latin typeface="Arial" panose="020B0604020202020204" pitchFamily="34" charset="0"/>
                         <a:cs typeface="Arial" panose="020B0604020202020204" pitchFamily="34" charset="0"/>
                       </a:endParaRPr>
@@ -28392,7 +28461,7 @@
                           </m:oMath>
                         </m:oMathPara>
                       </a14:m>
-                      <a:endParaRPr lang="en-US" sz="2000" dirty="0" smtClean="0">
+                      <a:endParaRPr lang="en-US" sz="2000" dirty="0">
                         <a:latin typeface="Arial" panose="020B0604020202020204" pitchFamily="34" charset="0"/>
                         <a:cs typeface="Arial" panose="020B0604020202020204" pitchFamily="34" charset="0"/>
                       </a:endParaRPr>
@@ -28575,7 +28644,7 @@
                           </m:oMath>
                         </m:oMathPara>
                       </a14:m>
-                      <a:endParaRPr lang="en-US" sz="2000" dirty="0" smtClean="0">
+                      <a:endParaRPr lang="en-US" sz="2000" dirty="0">
                         <a:latin typeface="Arial" panose="020B0604020202020204" pitchFamily="34" charset="0"/>
                         <a:cs typeface="Arial" panose="020B0604020202020204" pitchFamily="34" charset="0"/>
                       </a:endParaRPr>
@@ -28663,7 +28732,7 @@
                           </m:oMath>
                         </m:oMathPara>
                       </a14:m>
-                      <a:endParaRPr lang="en-US" sz="2000" dirty="0" smtClean="0">
+                      <a:endParaRPr lang="en-US" sz="2000" dirty="0">
                         <a:latin typeface="Arial" panose="020B0604020202020204" pitchFamily="34" charset="0"/>
                         <a:cs typeface="Arial" panose="020B0604020202020204" pitchFamily="34" charset="0"/>
                       </a:endParaRPr>
@@ -28789,7 +28858,7 @@
                         </m:oMath>
                       </m:oMathPara>
                     </a14:m>
-                    <a:endParaRPr lang="en-US" sz="2000" dirty="0" smtClean="0">
+                    <a:endParaRPr lang="en-US" sz="2000" dirty="0">
                       <a:latin typeface="Arial" panose="020B0604020202020204" pitchFamily="34" charset="0"/>
                       <a:cs typeface="Arial" panose="020B0604020202020204" pitchFamily="34" charset="0"/>
                     </a:endParaRPr>
@@ -28915,7 +28984,7 @@
                       </m:oMath>
                     </m:oMathPara>
                   </a14:m>
-                  <a:endParaRPr lang="en-US" sz="2000" dirty="0" smtClean="0">
+                  <a:endParaRPr lang="en-US" sz="2000" dirty="0">
                     <a:latin typeface="Arial" panose="020B0604020202020204" pitchFamily="34" charset="0"/>
                     <a:cs typeface="Arial" panose="020B0604020202020204" pitchFamily="34" charset="0"/>
                   </a:endParaRPr>
@@ -29003,7 +29072,7 @@
                       </m:oMath>
                     </m:oMathPara>
                   </a14:m>
-                  <a:endParaRPr lang="en-US" sz="2000" dirty="0" smtClean="0">
+                  <a:endParaRPr lang="en-US" sz="2000" dirty="0">
                     <a:latin typeface="Arial" panose="020B0604020202020204" pitchFamily="34" charset="0"/>
                     <a:cs typeface="Arial" panose="020B0604020202020204" pitchFamily="34" charset="0"/>
                   </a:endParaRPr>
@@ -29338,7 +29407,7 @@
                           </m:oMath>
                         </m:oMathPara>
                       </a14:m>
-                      <a:endParaRPr lang="en-US" sz="2000" dirty="0" smtClean="0">
+                      <a:endParaRPr lang="en-US" sz="2000" dirty="0">
                         <a:latin typeface="Arial" panose="020B0604020202020204" pitchFamily="34" charset="0"/>
                         <a:cs typeface="Arial" panose="020B0604020202020204" pitchFamily="34" charset="0"/>
                       </a:endParaRPr>
@@ -29460,7 +29529,7 @@
                           </m:oMath>
                         </m:oMathPara>
                       </a14:m>
-                      <a:endParaRPr lang="en-US" sz="2000" dirty="0" smtClean="0">
+                      <a:endParaRPr lang="en-US" sz="2000" dirty="0">
                         <a:latin typeface="Arial" panose="020B0604020202020204" pitchFamily="34" charset="0"/>
                         <a:cs typeface="Arial" panose="020B0604020202020204" pitchFamily="34" charset="0"/>
                       </a:endParaRPr>
@@ -29585,7 +29654,7 @@
                           </m:oMath>
                         </m:oMathPara>
                       </a14:m>
-                      <a:endParaRPr lang="en-US" sz="2000" dirty="0" smtClean="0">
+                      <a:endParaRPr lang="en-US" sz="2000" dirty="0">
                         <a:latin typeface="Arial" panose="020B0604020202020204" pitchFamily="34" charset="0"/>
                         <a:cs typeface="Arial" panose="020B0604020202020204" pitchFamily="34" charset="0"/>
                       </a:endParaRPr>
@@ -29710,7 +29779,7 @@
                           </m:oMath>
                         </m:oMathPara>
                       </a14:m>
-                      <a:endParaRPr lang="en-US" sz="2000" dirty="0" smtClean="0">
+                      <a:endParaRPr lang="en-US" sz="2000" dirty="0">
                         <a:latin typeface="Arial" panose="020B0604020202020204" pitchFamily="34" charset="0"/>
                         <a:cs typeface="Arial" panose="020B0604020202020204" pitchFamily="34" charset="0"/>
                       </a:endParaRPr>
@@ -29868,7 +29937,7 @@
                           </m:oMath>
                         </m:oMathPara>
                       </a14:m>
-                      <a:endParaRPr lang="en-US" sz="2000" dirty="0" smtClean="0">
+                      <a:endParaRPr lang="en-US" sz="2000" dirty="0">
                         <a:latin typeface="Arial" panose="020B0604020202020204" pitchFamily="34" charset="0"/>
                         <a:cs typeface="Arial" panose="020B0604020202020204" pitchFamily="34" charset="0"/>
                       </a:endParaRPr>
@@ -30033,7 +30102,7 @@
                           </m:oMath>
                         </m:oMathPara>
                       </a14:m>
-                      <a:endParaRPr lang="en-US" sz="2000" dirty="0" smtClean="0">
+                      <a:endParaRPr lang="en-US" sz="2000" dirty="0">
                         <a:latin typeface="Arial" panose="020B0604020202020204" pitchFamily="34" charset="0"/>
                         <a:cs typeface="Arial" panose="020B0604020202020204" pitchFamily="34" charset="0"/>
                       </a:endParaRPr>
@@ -30121,7 +30190,7 @@
                           </m:oMath>
                         </m:oMathPara>
                       </a14:m>
-                      <a:endParaRPr lang="en-US" sz="2000" dirty="0" smtClean="0">
+                      <a:endParaRPr lang="en-US" sz="2000" dirty="0">
                         <a:latin typeface="Arial" panose="020B0604020202020204" pitchFamily="34" charset="0"/>
                         <a:cs typeface="Arial" panose="020B0604020202020204" pitchFamily="34" charset="0"/>
                       </a:endParaRPr>
@@ -30279,7 +30348,7 @@
                           </m:oMath>
                         </m:oMathPara>
                       </a14:m>
-                      <a:endParaRPr lang="en-US" sz="2000" dirty="0" smtClean="0">
+                      <a:endParaRPr lang="en-US" sz="2000" dirty="0">
                         <a:latin typeface="Arial" panose="020B0604020202020204" pitchFamily="34" charset="0"/>
                         <a:cs typeface="Arial" panose="020B0604020202020204" pitchFamily="34" charset="0"/>
                       </a:endParaRPr>
@@ -30416,7 +30485,7 @@
                           </m:oMath>
                         </m:oMathPara>
                       </a14:m>
-                      <a:endParaRPr lang="en-US" sz="2000" dirty="0" smtClean="0">
+                      <a:endParaRPr lang="en-US" sz="2000" dirty="0">
                         <a:latin typeface="Arial" panose="020B0604020202020204" pitchFamily="34" charset="0"/>
                         <a:cs typeface="Arial" panose="020B0604020202020204" pitchFamily="34" charset="0"/>
                       </a:endParaRPr>
@@ -30934,7 +31003,7 @@
                       </m:oMath>
                     </m:oMathPara>
                   </a14:m>
-                  <a:endParaRPr lang="en-US" sz="2000" dirty="0" smtClean="0">
+                  <a:endParaRPr lang="en-US" sz="2000" dirty="0">
                     <a:latin typeface="Arial" panose="020B0604020202020204" pitchFamily="34" charset="0"/>
                     <a:cs typeface="Arial" panose="020B0604020202020204" pitchFamily="34" charset="0"/>
                   </a:endParaRPr>
@@ -31373,8 +31442,8 @@
             </a:fontRef>
           </p:style>
         </p:cxnSp>
-        <mc:AlternateContent xmlns:mc="http://schemas.openxmlformats.org/markup-compatibility/2006">
-          <mc:Choice xmlns:a14="http://schemas.microsoft.com/office/drawing/2010/main" Requires="a14">
+        <mc:AlternateContent xmlns:mc="http://schemas.openxmlformats.org/markup-compatibility/2006" xmlns:a14="http://schemas.microsoft.com/office/drawing/2010/main">
+          <mc:Choice Requires="a14">
             <p:sp>
               <p:nvSpPr>
                 <p:cNvPr id="41" name="TextBox 40"/>
@@ -31397,6 +31466,7 @@
                 </a:bodyPr>
                 <a:lstStyle/>
                 <a:p>
+                  <a:pPr/>
                   <a14:m>
                     <m:oMathPara xmlns:m="http://schemas.openxmlformats.org/officeDocument/2006/math">
                       <m:oMathParaPr>
@@ -31413,7 +31483,7 @@
                       </m:oMath>
                     </m:oMathPara>
                   </a14:m>
-                  <a:endParaRPr lang="en-US" sz="2000" dirty="0" smtClean="0">
+                  <a:endParaRPr lang="en-US" sz="2000" dirty="0">
                     <a:latin typeface="Arial" panose="020B0604020202020204" pitchFamily="34" charset="0"/>
                     <a:cs typeface="Arial" panose="020B0604020202020204" pitchFamily="34" charset="0"/>
                   </a:endParaRPr>
@@ -31421,7 +31491,7 @@
               </p:txBody>
             </p:sp>
           </mc:Choice>
-          <mc:Fallback>
+          <mc:Fallback xmlns="">
             <p:sp>
               <p:nvSpPr>
                 <p:cNvPr id="41" name="TextBox 40"/>
@@ -31460,8 +31530,8 @@
             </p:sp>
           </mc:Fallback>
         </mc:AlternateContent>
-        <mc:AlternateContent xmlns:mc="http://schemas.openxmlformats.org/markup-compatibility/2006">
-          <mc:Choice xmlns:a14="http://schemas.microsoft.com/office/drawing/2010/main" Requires="a14">
+        <mc:AlternateContent xmlns:mc="http://schemas.openxmlformats.org/markup-compatibility/2006" xmlns:a14="http://schemas.microsoft.com/office/drawing/2010/main">
+          <mc:Choice Requires="a14">
             <p:sp>
               <p:nvSpPr>
                 <p:cNvPr id="79" name="TextBox 78"/>
@@ -31484,6 +31554,7 @@
                 </a:bodyPr>
                 <a:lstStyle/>
                 <a:p>
+                  <a:pPr/>
                   <a14:m>
                     <m:oMathPara xmlns:m="http://schemas.openxmlformats.org/officeDocument/2006/math">
                       <m:oMathParaPr>
@@ -31500,7 +31571,7 @@
                       </m:oMath>
                     </m:oMathPara>
                   </a14:m>
-                  <a:endParaRPr lang="en-US" sz="2000" dirty="0" smtClean="0">
+                  <a:endParaRPr lang="en-US" sz="2000" dirty="0">
                     <a:latin typeface="Arial" panose="020B0604020202020204" pitchFamily="34" charset="0"/>
                     <a:cs typeface="Arial" panose="020B0604020202020204" pitchFamily="34" charset="0"/>
                   </a:endParaRPr>
@@ -31508,7 +31579,7 @@
               </p:txBody>
             </p:sp>
           </mc:Choice>
-          <mc:Fallback>
+          <mc:Fallback xmlns="">
             <p:sp>
               <p:nvSpPr>
                 <p:cNvPr id="79" name="TextBox 78"/>
@@ -31547,8 +31618,8 @@
             </p:sp>
           </mc:Fallback>
         </mc:AlternateContent>
-        <mc:AlternateContent xmlns:mc="http://schemas.openxmlformats.org/markup-compatibility/2006">
-          <mc:Choice xmlns:a14="http://schemas.microsoft.com/office/drawing/2010/main" Requires="a14">
+        <mc:AlternateContent xmlns:mc="http://schemas.openxmlformats.org/markup-compatibility/2006" xmlns:a14="http://schemas.microsoft.com/office/drawing/2010/main">
+          <mc:Choice Requires="a14">
             <p:sp>
               <p:nvSpPr>
                 <p:cNvPr id="46" name="TextBox 45"/>
@@ -31571,6 +31642,7 @@
                 </a:bodyPr>
                 <a:lstStyle/>
                 <a:p>
+                  <a:pPr/>
                   <a14:m>
                     <m:oMathPara xmlns:m="http://schemas.openxmlformats.org/officeDocument/2006/math">
                       <m:oMathParaPr>
@@ -31587,7 +31659,7 @@
                       </m:oMath>
                     </m:oMathPara>
                   </a14:m>
-                  <a:endParaRPr lang="en-US" sz="2000" dirty="0" smtClean="0">
+                  <a:endParaRPr lang="en-US" sz="2000" dirty="0">
                     <a:latin typeface="Arial" panose="020B0604020202020204" pitchFamily="34" charset="0"/>
                     <a:cs typeface="Arial" panose="020B0604020202020204" pitchFamily="34" charset="0"/>
                   </a:endParaRPr>
@@ -31595,7 +31667,7 @@
               </p:txBody>
             </p:sp>
           </mc:Choice>
-          <mc:Fallback>
+          <mc:Fallback xmlns="">
             <p:sp>
               <p:nvSpPr>
                 <p:cNvPr id="46" name="TextBox 45"/>
@@ -31634,8 +31706,8 @@
             </p:sp>
           </mc:Fallback>
         </mc:AlternateContent>
-        <mc:AlternateContent xmlns:mc="http://schemas.openxmlformats.org/markup-compatibility/2006">
-          <mc:Choice xmlns:a14="http://schemas.microsoft.com/office/drawing/2010/main" Requires="a14">
+        <mc:AlternateContent xmlns:mc="http://schemas.openxmlformats.org/markup-compatibility/2006" xmlns:a14="http://schemas.microsoft.com/office/drawing/2010/main">
+          <mc:Choice Requires="a14">
             <p:sp>
               <p:nvSpPr>
                 <p:cNvPr id="82" name="TextBox 81"/>
@@ -31658,6 +31730,7 @@
                 </a:bodyPr>
                 <a:lstStyle/>
                 <a:p>
+                  <a:pPr/>
                   <a14:m>
                     <m:oMathPara xmlns:m="http://schemas.openxmlformats.org/officeDocument/2006/math">
                       <m:oMathParaPr>
@@ -31674,7 +31747,7 @@
                       </m:oMath>
                     </m:oMathPara>
                   </a14:m>
-                  <a:endParaRPr lang="en-US" sz="2000" dirty="0" smtClean="0">
+                  <a:endParaRPr lang="en-US" sz="2000" dirty="0">
                     <a:latin typeface="Arial" panose="020B0604020202020204" pitchFamily="34" charset="0"/>
                     <a:cs typeface="Arial" panose="020B0604020202020204" pitchFamily="34" charset="0"/>
                   </a:endParaRPr>
@@ -31682,7 +31755,7 @@
               </p:txBody>
             </p:sp>
           </mc:Choice>
-          <mc:Fallback>
+          <mc:Fallback xmlns="">
             <p:sp>
               <p:nvSpPr>
                 <p:cNvPr id="82" name="TextBox 81"/>
@@ -31964,7 +32037,7 @@
                           </m:oMath>
                         </m:oMathPara>
                       </a14:m>
-                      <a:endParaRPr lang="en-US" sz="2000" dirty="0" smtClean="0">
+                      <a:endParaRPr lang="en-US" sz="2000" dirty="0">
                         <a:latin typeface="Arial" panose="020B0604020202020204" pitchFamily="34" charset="0"/>
                         <a:cs typeface="Arial" panose="020B0604020202020204" pitchFamily="34" charset="0"/>
                       </a:endParaRPr>
@@ -32101,7 +32174,7 @@
                           </m:oMath>
                         </m:oMathPara>
                       </a14:m>
-                      <a:endParaRPr lang="en-US" sz="2000" dirty="0" smtClean="0">
+                      <a:endParaRPr lang="en-US" sz="2000" dirty="0">
                         <a:latin typeface="Arial" panose="020B0604020202020204" pitchFamily="34" charset="0"/>
                         <a:cs typeface="Arial" panose="020B0604020202020204" pitchFamily="34" charset="0"/>
                       </a:endParaRPr>
@@ -32312,7 +32385,7 @@
                           </m:oMath>
                         </m:oMathPara>
                       </a14:m>
-                      <a:endParaRPr lang="en-US" sz="2000" dirty="0" smtClean="0">
+                      <a:endParaRPr lang="en-US" sz="2000" dirty="0">
                         <a:latin typeface="Arial" panose="020B0604020202020204" pitchFamily="34" charset="0"/>
                         <a:cs typeface="Arial" panose="020B0604020202020204" pitchFamily="34" charset="0"/>
                       </a:endParaRPr>
@@ -32434,7 +32507,7 @@
                           </m:oMath>
                         </m:oMathPara>
                       </a14:m>
-                      <a:endParaRPr lang="en-US" sz="2000" dirty="0" smtClean="0">
+                      <a:endParaRPr lang="en-US" sz="2000" dirty="0">
                         <a:latin typeface="Arial" panose="020B0604020202020204" pitchFamily="34" charset="0"/>
                         <a:cs typeface="Arial" panose="020B0604020202020204" pitchFamily="34" charset="0"/>
                       </a:endParaRPr>
@@ -32556,7 +32629,7 @@
                           </m:oMath>
                         </m:oMathPara>
                       </a14:m>
-                      <a:endParaRPr lang="en-US" sz="2000" dirty="0" smtClean="0">
+                      <a:endParaRPr lang="en-US" sz="2000" dirty="0">
                         <a:latin typeface="Arial" panose="020B0604020202020204" pitchFamily="34" charset="0"/>
                         <a:cs typeface="Arial" panose="020B0604020202020204" pitchFamily="34" charset="0"/>
                       </a:endParaRPr>
@@ -33166,7 +33239,7 @@
                       </m:oMath>
                     </m:oMathPara>
                   </a14:m>
-                  <a:endParaRPr lang="en-US" sz="2000" dirty="0" smtClean="0">
+                  <a:endParaRPr lang="en-US" sz="2000" dirty="0">
                     <a:latin typeface="Arial" panose="020B0604020202020204" pitchFamily="34" charset="0"/>
                     <a:cs typeface="Arial" panose="020B0604020202020204" pitchFamily="34" charset="0"/>
                   </a:endParaRPr>
@@ -33288,7 +33361,7 @@
                       </m:oMath>
                     </m:oMathPara>
                   </a14:m>
-                  <a:endParaRPr lang="en-US" sz="2000" dirty="0" smtClean="0">
+                  <a:endParaRPr lang="en-US" sz="2000" dirty="0">
                     <a:latin typeface="Arial" panose="020B0604020202020204" pitchFamily="34" charset="0"/>
                     <a:cs typeface="Arial" panose="020B0604020202020204" pitchFamily="34" charset="0"/>
                   </a:endParaRPr>
@@ -33410,7 +33483,7 @@
                       </m:oMath>
                     </m:oMathPara>
                   </a14:m>
-                  <a:endParaRPr lang="en-US" sz="2000" dirty="0" smtClean="0">
+                  <a:endParaRPr lang="en-US" sz="2000" dirty="0">
                     <a:latin typeface="Arial" panose="020B0604020202020204" pitchFamily="34" charset="0"/>
                     <a:cs typeface="Arial" panose="020B0604020202020204" pitchFamily="34" charset="0"/>
                   </a:endParaRPr>
@@ -33718,7 +33791,7 @@
                 <a:p>
                   <a:pPr algn="ctr"/>
                   <a:r>
-                    <a:rPr lang="en-US" sz="2000" dirty="0" err="1" smtClean="0">
+                    <a:rPr lang="en-US" sz="2000" dirty="0" err="1">
                       <a:solidFill>
                         <a:schemeClr val="bg1"/>
                       </a:solidFill>
@@ -33845,7 +33918,7 @@
                           </m:oMath>
                         </m:oMathPara>
                       </a14:m>
-                      <a:endParaRPr lang="en-US" sz="2000" dirty="0" smtClean="0">
+                      <a:endParaRPr lang="en-US" sz="2000" dirty="0">
                         <a:latin typeface="Arial" panose="020B0604020202020204" pitchFamily="34" charset="0"/>
                         <a:cs typeface="Arial" panose="020B0604020202020204" pitchFamily="34" charset="0"/>
                       </a:endParaRPr>
@@ -33933,7 +34006,7 @@
                           </m:oMath>
                         </m:oMathPara>
                       </a14:m>
-                      <a:endParaRPr lang="en-US" sz="2000" dirty="0" smtClean="0">
+                      <a:endParaRPr lang="en-US" sz="2000" dirty="0">
                         <a:latin typeface="Arial" panose="020B0604020202020204" pitchFamily="34" charset="0"/>
                         <a:cs typeface="Arial" panose="020B0604020202020204" pitchFamily="34" charset="0"/>
                       </a:endParaRPr>
@@ -34035,7 +34108,7 @@
                           </m:oMath>
                         </m:oMathPara>
                       </a14:m>
-                      <a:endParaRPr lang="en-US" sz="2000" dirty="0" smtClean="0">
+                      <a:endParaRPr lang="en-US" sz="2000" dirty="0">
                         <a:latin typeface="Arial" panose="020B0604020202020204" pitchFamily="34" charset="0"/>
                         <a:cs typeface="Arial" panose="020B0604020202020204" pitchFamily="34" charset="0"/>
                       </a:endParaRPr>
@@ -34123,7 +34196,7 @@
                           </m:oMath>
                         </m:oMathPara>
                       </a14:m>
-                      <a:endParaRPr lang="en-US" sz="2000" dirty="0" smtClean="0">
+                      <a:endParaRPr lang="en-US" sz="2000" dirty="0">
                         <a:latin typeface="Arial" panose="020B0604020202020204" pitchFamily="34" charset="0"/>
                         <a:cs typeface="Arial" panose="020B0604020202020204" pitchFamily="34" charset="0"/>
                       </a:endParaRPr>
@@ -34616,7 +34689,7 @@
                           </m:oMath>
                         </m:oMathPara>
                       </a14:m>
-                      <a:endParaRPr lang="en-US" sz="2000" dirty="0" smtClean="0">
+                      <a:endParaRPr lang="en-US" sz="2000" dirty="0">
                         <a:latin typeface="Arial" panose="020B0604020202020204" pitchFamily="34" charset="0"/>
                         <a:cs typeface="Arial" panose="020B0604020202020204" pitchFamily="34" charset="0"/>
                       </a:endParaRPr>
@@ -34717,7 +34790,7 @@
                           </m:oMath>
                         </m:oMathPara>
                       </a14:m>
-                      <a:endParaRPr lang="en-US" sz="2000" dirty="0" smtClean="0">
+                      <a:endParaRPr lang="en-US" sz="2000" dirty="0">
                         <a:latin typeface="Arial" panose="020B0604020202020204" pitchFamily="34" charset="0"/>
                         <a:cs typeface="Arial" panose="020B0604020202020204" pitchFamily="34" charset="0"/>
                       </a:endParaRPr>
@@ -34839,7 +34912,7 @@
                           </m:oMath>
                         </m:oMathPara>
                       </a14:m>
-                      <a:endParaRPr lang="en-US" sz="2000" dirty="0" smtClean="0">
+                      <a:endParaRPr lang="en-US" sz="2000" dirty="0">
                         <a:latin typeface="Arial" panose="020B0604020202020204" pitchFamily="34" charset="0"/>
                         <a:cs typeface="Arial" panose="020B0604020202020204" pitchFamily="34" charset="0"/>
                       </a:endParaRPr>
@@ -35009,7 +35082,7 @@
                           </m:oMath>
                         </m:oMathPara>
                       </a14:m>
-                      <a:endParaRPr lang="en-US" sz="2000" dirty="0" smtClean="0">
+                      <a:endParaRPr lang="en-US" sz="2000" dirty="0">
                         <a:latin typeface="Arial" panose="020B0604020202020204" pitchFamily="34" charset="0"/>
                         <a:cs typeface="Arial" panose="020B0604020202020204" pitchFamily="34" charset="0"/>
                       </a:endParaRPr>
@@ -35534,7 +35607,7 @@
                         </m:oMath>
                       </m:oMathPara>
                     </a14:m>
-                    <a:endParaRPr lang="en-US" sz="2000" dirty="0" smtClean="0">
+                    <a:endParaRPr lang="en-US" sz="2000" dirty="0">
                       <a:latin typeface="Arial" panose="020B0604020202020204" pitchFamily="34" charset="0"/>
                       <a:cs typeface="Arial" panose="020B0604020202020204" pitchFamily="34" charset="0"/>
                     </a:endParaRPr>
@@ -35670,7 +35743,7 @@
                         </m:oMath>
                       </m:oMathPara>
                     </a14:m>
-                    <a:endParaRPr lang="en-US" sz="2000" dirty="0" smtClean="0">
+                    <a:endParaRPr lang="en-US" sz="2000" dirty="0">
                       <a:latin typeface="Arial" panose="020B0604020202020204" pitchFamily="34" charset="0"/>
                       <a:cs typeface="Arial" panose="020B0604020202020204" pitchFamily="34" charset="0"/>
                     </a:endParaRPr>
@@ -35759,7 +35832,7 @@
                       </m:oMath>
                     </m:oMathPara>
                   </a14:m>
-                  <a:endParaRPr lang="en-US" sz="2000" dirty="0" smtClean="0">
+                  <a:endParaRPr lang="en-US" sz="2000" dirty="0">
                     <a:latin typeface="Arial" panose="020B0604020202020204" pitchFamily="34" charset="0"/>
                     <a:cs typeface="Arial" panose="020B0604020202020204" pitchFamily="34" charset="0"/>
                   </a:endParaRPr>
@@ -35829,7 +35902,7 @@
           </a:bodyPr>
           <a:lstStyle/>
           <a:p>
-            <a:endParaRPr lang="en-US" sz="2000" dirty="0" smtClean="0">
+            <a:endParaRPr lang="en-US" sz="2000" dirty="0">
               <a:latin typeface="Arial" panose="020B0604020202020204" pitchFamily="34" charset="0"/>
               <a:cs typeface="Arial" panose="020B0604020202020204" pitchFamily="34" charset="0"/>
             </a:endParaRPr>
@@ -35959,7 +36032,7 @@
                         </m:oMath>
                       </m:oMathPara>
                     </a14:m>
-                    <a:endParaRPr lang="en-US" sz="2800" dirty="0" smtClean="0">
+                    <a:endParaRPr lang="en-US" sz="2800" dirty="0">
                       <a:latin typeface="Arial" panose="020B0604020202020204" pitchFamily="34" charset="0"/>
                       <a:cs typeface="Arial" panose="020B0604020202020204" pitchFamily="34" charset="0"/>
                     </a:endParaRPr>
@@ -36406,7 +36479,7 @@
                             </m:oMath>
                           </m:oMathPara>
                         </a14:m>
-                        <a:endParaRPr lang="en-US" sz="2000" dirty="0" smtClean="0">
+                        <a:endParaRPr lang="en-US" sz="2000" dirty="0">
                           <a:latin typeface="Arial" panose="020B0604020202020204" pitchFamily="34" charset="0"/>
                           <a:cs typeface="Arial" panose="020B0604020202020204" pitchFamily="34" charset="0"/>
                         </a:endParaRPr>
@@ -36507,7 +36580,7 @@
                             </m:oMath>
                           </m:oMathPara>
                         </a14:m>
-                        <a:endParaRPr lang="en-US" sz="2000" dirty="0" smtClean="0">
+                        <a:endParaRPr lang="en-US" sz="2000" dirty="0">
                           <a:latin typeface="Arial" panose="020B0604020202020204" pitchFamily="34" charset="0"/>
                           <a:cs typeface="Arial" panose="020B0604020202020204" pitchFamily="34" charset="0"/>
                         </a:endParaRPr>
@@ -36629,7 +36702,7 @@
                             </m:oMath>
                           </m:oMathPara>
                         </a14:m>
-                        <a:endParaRPr lang="en-US" sz="2000" dirty="0" smtClean="0">
+                        <a:endParaRPr lang="en-US" sz="2000" dirty="0">
                           <a:latin typeface="Arial" panose="020B0604020202020204" pitchFamily="34" charset="0"/>
                           <a:cs typeface="Arial" panose="020B0604020202020204" pitchFamily="34" charset="0"/>
                         </a:endParaRPr>
@@ -37154,7 +37227,7 @@
                           </m:oMath>
                         </m:oMathPara>
                       </a14:m>
-                      <a:endParaRPr lang="en-US" sz="2000" dirty="0" smtClean="0">
+                      <a:endParaRPr lang="en-US" sz="2000" dirty="0">
                         <a:latin typeface="Arial" panose="020B0604020202020204" pitchFamily="34" charset="0"/>
                         <a:cs typeface="Arial" panose="020B0604020202020204" pitchFamily="34" charset="0"/>
                       </a:endParaRPr>
@@ -37290,7 +37363,7 @@
                           </m:oMath>
                         </m:oMathPara>
                       </a14:m>
-                      <a:endParaRPr lang="en-US" sz="2000" dirty="0" smtClean="0">
+                      <a:endParaRPr lang="en-US" sz="2000" dirty="0">
                         <a:latin typeface="Arial" panose="020B0604020202020204" pitchFamily="34" charset="0"/>
                         <a:cs typeface="Arial" panose="020B0604020202020204" pitchFamily="34" charset="0"/>
                       </a:endParaRPr>
@@ -37379,7 +37452,7 @@
                         </m:oMath>
                       </m:oMathPara>
                     </a14:m>
-                    <a:endParaRPr lang="en-US" sz="2000" dirty="0" smtClean="0">
+                    <a:endParaRPr lang="en-US" sz="2000" dirty="0">
                       <a:latin typeface="Arial" panose="020B0604020202020204" pitchFamily="34" charset="0"/>
                       <a:cs typeface="Arial" panose="020B0604020202020204" pitchFamily="34" charset="0"/>
                     </a:endParaRPr>
@@ -37552,7 +37625,7 @@
                       </m:oMath>
                     </m:oMathPara>
                   </a14:m>
-                  <a:endParaRPr lang="en-US" sz="2000" dirty="0" smtClean="0">
+                  <a:endParaRPr lang="en-US" sz="2000" dirty="0">
                     <a:latin typeface="Arial" panose="020B0604020202020204" pitchFamily="34" charset="0"/>
                     <a:cs typeface="Arial" panose="020B0604020202020204" pitchFamily="34" charset="0"/>
                   </a:endParaRPr>
@@ -37610,13 +37683,6 @@
   <p:clrMapOvr>
     <a:masterClrMapping/>
   </p:clrMapOvr>
-  <p:timing>
-    <p:tnLst>
-      <p:par>
-        <p:cTn id="1" dur="indefinite" restart="never" nodeType="tmRoot"/>
-      </p:par>
-    </p:tnLst>
-  </p:timing>
 </p:sld>
 </file>
 
